--- a/docs/downloads/uv3/UIMA_V3_Programmers_Solutions.pptx
+++ b/docs/downloads/uv3/UIMA_V3_Programmers_Solutions.pptx
@@ -135,7 +135,19 @@
       </a:defRPr>
     </a:lvl9pPr>
   </p:defaultTextStyle>
+  <p:extLst>
+    <p:ext uri="{EFAFB233-063F-42B5-8137-9DF3F51BA10A}">
+      <p15:sldGuideLst xmlns:p15="http://schemas.microsoft.com/office/powerpoint/2012/main"/>
+    </p:ext>
+    <p:ext uri="{2D200454-40CA-4A62-9FC3-DE9A4176ACB9}">
+      <p15:notesGuideLst xmlns:p15="http://schemas.microsoft.com/office/powerpoint/2012/main"/>
+    </p:ext>
+  </p:extLst>
 </p:presentation>
+</file>
+
+<file path=ppt/revisionInfo.xml><?xml version="1.0" encoding="utf-8"?>
+<p1510:revInfo xmlns:a="http://schemas.openxmlformats.org/drawingml/2006/main" xmlns:r="http://schemas.openxmlformats.org/officeDocument/2006/relationships" xmlns:p1510="http://schemas.microsoft.com/office/powerpoint/2015/10/main"/>
 </file>
 
 <file path=ppt/diagrams/colors1.xml><?xml version="1.0" encoding="utf-8"?>
@@ -9597,8 +9609,8 @@
         </p:nvCxnSpPr>
         <p:spPr>
           <a:xfrm flipV="1">
-            <a:off x="2788360" y="2765043"/>
-            <a:ext cx="2157" cy="577587"/>
+            <a:off x="2790517" y="2765043"/>
+            <a:ext cx="0" cy="567533"/>
           </a:xfrm>
           <a:prstGeom prst="straightConnector1">
             <a:avLst/>
@@ -13219,8 +13231,8 @@
         </p:nvCxnSpPr>
         <p:spPr>
           <a:xfrm flipV="1">
-            <a:off x="1274469" y="2765043"/>
-            <a:ext cx="0" cy="943357"/>
+            <a:off x="1274469" y="2765044"/>
+            <a:ext cx="0" cy="930656"/>
           </a:xfrm>
           <a:prstGeom prst="straightConnector1">
             <a:avLst/>
@@ -13260,8 +13272,8 @@
         </p:nvCxnSpPr>
         <p:spPr>
           <a:xfrm flipV="1">
-            <a:off x="2167467" y="2765043"/>
-            <a:ext cx="15053" cy="968757"/>
+            <a:off x="2167467" y="2765044"/>
+            <a:ext cx="15053" cy="930656"/>
           </a:xfrm>
           <a:prstGeom prst="straightConnector1">
             <a:avLst/>
@@ -13758,6 +13770,7 @@
             </a:extLst>
           </p:cNvPr>
           <p:cNvCxnSpPr>
+            <a:cxnSpLocks/>
             <a:stCxn id="88" idx="3"/>
           </p:cNvCxnSpPr>
           <p:nvPr/>
@@ -13765,7 +13778,7 @@
         <p:spPr>
           <a:xfrm>
             <a:off x="1963446" y="3477116"/>
-            <a:ext cx="215887" cy="0"/>
+            <a:ext cx="204021" cy="0"/>
           </a:xfrm>
           <a:prstGeom prst="line">
             <a:avLst/>
@@ -13834,6 +13847,7 @@
             </a:extLst>
           </p:cNvPr>
           <p:cNvCxnSpPr>
+            <a:cxnSpLocks/>
             <a:stCxn id="86" idx="3"/>
           </p:cNvCxnSpPr>
           <p:nvPr/>
@@ -13841,7 +13855,7 @@
         <p:spPr>
           <a:xfrm>
             <a:off x="1968619" y="3106133"/>
-            <a:ext cx="198848" cy="0"/>
+            <a:ext cx="210714" cy="0"/>
           </a:xfrm>
           <a:prstGeom prst="line">
             <a:avLst/>
@@ -13878,8 +13892,8 @@
         </p:nvCxnSpPr>
         <p:spPr>
           <a:xfrm flipV="1">
-            <a:off x="2458901" y="2761857"/>
-            <a:ext cx="8244" cy="340811"/>
+            <a:off x="2467145" y="2761858"/>
+            <a:ext cx="0" cy="340810"/>
           </a:xfrm>
           <a:prstGeom prst="straightConnector1">
             <a:avLst/>
@@ -14010,14 +14024,15 @@
             </a:extLst>
           </p:cNvPr>
           <p:cNvCxnSpPr>
+            <a:cxnSpLocks/>
             <a:endCxn id="94" idx="1"/>
           </p:cNvCxnSpPr>
           <p:nvPr/>
         </p:nvCxnSpPr>
         <p:spPr>
-          <a:xfrm flipV="1">
-            <a:off x="2443523" y="3102947"/>
-            <a:ext cx="222471" cy="10053"/>
+          <a:xfrm>
+            <a:off x="2467145" y="3102947"/>
+            <a:ext cx="198849" cy="0"/>
           </a:xfrm>
           <a:prstGeom prst="line">
             <a:avLst/>
@@ -14184,14 +14199,15 @@
             </a:extLst>
           </p:cNvPr>
           <p:cNvCxnSpPr>
+            <a:cxnSpLocks/>
             <a:endCxn id="104" idx="1"/>
           </p:cNvCxnSpPr>
           <p:nvPr/>
         </p:nvCxnSpPr>
         <p:spPr>
-          <a:xfrm flipV="1">
-            <a:off x="2756455" y="3332576"/>
-            <a:ext cx="222471" cy="10053"/>
+          <a:xfrm>
+            <a:off x="2790517" y="3332576"/>
+            <a:ext cx="188409" cy="0"/>
           </a:xfrm>
           <a:prstGeom prst="line">
             <a:avLst/>
@@ -18490,14 +18506,15 @@
             </a:extLst>
           </p:cNvPr>
           <p:cNvCxnSpPr>
+            <a:cxnSpLocks/>
             <a:endCxn id="87" idx="1"/>
           </p:cNvCxnSpPr>
           <p:nvPr/>
         </p:nvCxnSpPr>
         <p:spPr>
           <a:xfrm>
-            <a:off x="3265830" y="3287521"/>
-            <a:ext cx="198039" cy="0"/>
+            <a:off x="3235349" y="3287521"/>
+            <a:ext cx="228520" cy="0"/>
           </a:xfrm>
           <a:prstGeom prst="line">
             <a:avLst/>
@@ -18612,8 +18629,8 @@
         </p:nvCxnSpPr>
         <p:spPr>
           <a:xfrm flipV="1">
-            <a:off x="3235349" y="2785363"/>
-            <a:ext cx="0" cy="540259"/>
+            <a:off x="3235349" y="2785364"/>
+            <a:ext cx="0" cy="502157"/>
           </a:xfrm>
           <a:prstGeom prst="straightConnector1">
             <a:avLst/>
@@ -22072,8 +22089,8 @@
         </p:nvCxnSpPr>
         <p:spPr>
           <a:xfrm flipV="1">
-            <a:off x="1274469" y="2765043"/>
-            <a:ext cx="0" cy="943357"/>
+            <a:off x="1274469" y="2765044"/>
+            <a:ext cx="0" cy="930656"/>
           </a:xfrm>
           <a:prstGeom prst="straightConnector1">
             <a:avLst/>
@@ -22113,8 +22130,8 @@
         </p:nvCxnSpPr>
         <p:spPr>
           <a:xfrm flipV="1">
-            <a:off x="2167467" y="2765043"/>
-            <a:ext cx="15053" cy="968757"/>
+            <a:off x="2167467" y="2765044"/>
+            <a:ext cx="15053" cy="930656"/>
           </a:xfrm>
           <a:prstGeom prst="straightConnector1">
             <a:avLst/>
@@ -22719,6 +22736,7 @@
             </a:extLst>
           </p:cNvPr>
           <p:cNvCxnSpPr>
+            <a:cxnSpLocks/>
             <a:stCxn id="86" idx="3"/>
           </p:cNvCxnSpPr>
           <p:nvPr/>
@@ -22726,7 +22744,7 @@
         <p:spPr>
           <a:xfrm>
             <a:off x="1968619" y="3106133"/>
-            <a:ext cx="198848" cy="0"/>
+            <a:ext cx="210714" cy="0"/>
           </a:xfrm>
           <a:prstGeom prst="line">
             <a:avLst/>
@@ -23182,14 +23200,14 @@
           <a:effectLst/>
           <a:extLst>
             <a:ext uri="{909E8E84-426E-40dd-AFC4-6F175D3DCCD1}">
-              <a14:hiddenFill xmlns:a14="http://schemas.microsoft.com/office/drawing/2010/main" xmlns="">
+              <a14:hiddenFill xmlns="" xmlns:a14="http://schemas.microsoft.com/office/drawing/2010/main">
                 <a:solidFill>
                   <a:schemeClr val="accent1"/>
                 </a:solidFill>
               </a14:hiddenFill>
             </a:ext>
             <a:ext uri="{91240B29-F687-4f45-9708-019B960494DF}">
-              <a14:hiddenLine xmlns:a14="http://schemas.microsoft.com/office/drawing/2010/main" xmlns="" w="9525">
+              <a14:hiddenLine xmlns="" xmlns:a14="http://schemas.microsoft.com/office/drawing/2010/main" w="9525">
                 <a:solidFill>
                   <a:schemeClr val="tx1"/>
                 </a:solidFill>
@@ -23199,7 +23217,7 @@
               </a14:hiddenLine>
             </a:ext>
             <a:ext uri="{AF507438-7753-43e0-B8FC-AC1667EBCBE1}">
-              <a14:hiddenEffects xmlns:a14="http://schemas.microsoft.com/office/drawing/2010/main" xmlns="">
+              <a14:hiddenEffects xmlns="" xmlns:a14="http://schemas.microsoft.com/office/drawing/2010/main">
                 <a:effectLst>
                   <a:outerShdw blurRad="63500" dist="38099" dir="2700000" algn="ctr" rotWithShape="0">
                     <a:schemeClr val="bg2">
@@ -23210,7 +23228,7 @@
               </a14:hiddenEffects>
             </a:ext>
             <a:ext uri="{FAA26D3D-D897-4be2-8F04-BA451C77F1D7}">
-              <ma14:placeholderFlag xmlns:ma14="http://schemas.microsoft.com/office/mac/drawingml/2011/main" xmlns="" val="1"/>
+              <ma14:placeholderFlag xmlns="" xmlns:ma14="http://schemas.microsoft.com/office/mac/drawingml/2011/main" val="1"/>
             </a:ext>
           </a:extLst>
         </p:spPr>
@@ -23364,7 +23382,7 @@
           </a:lstStyle>
           <a:p>
             <a:r>
-              <a:rPr lang="en-US" sz="3200" kern="0" dirty="0"/>
+              <a:rPr lang="en-US" sz="4000" b="0" kern="0" dirty="0"/>
               <a:t>Getting a single item</a:t>
             </a:r>
           </a:p>
@@ -23399,14 +23417,14 @@
           <a:effectLst/>
           <a:extLst>
             <a:ext uri="{909E8E84-426E-40dd-AFC4-6F175D3DCCD1}">
-              <a14:hiddenFill xmlns:a14="http://schemas.microsoft.com/office/drawing/2010/main" xmlns="">
+              <a14:hiddenFill xmlns="" xmlns:a14="http://schemas.microsoft.com/office/drawing/2010/main">
                 <a:solidFill>
                   <a:schemeClr val="accent1"/>
                 </a:solidFill>
               </a14:hiddenFill>
             </a:ext>
             <a:ext uri="{91240B29-F687-4f45-9708-019B960494DF}">
-              <a14:hiddenLine xmlns:a14="http://schemas.microsoft.com/office/drawing/2010/main" xmlns="" w="9525">
+              <a14:hiddenLine xmlns="" xmlns:a14="http://schemas.microsoft.com/office/drawing/2010/main" w="9525">
                 <a:solidFill>
                   <a:schemeClr val="tx1"/>
                 </a:solidFill>
@@ -23416,7 +23434,7 @@
               </a14:hiddenLine>
             </a:ext>
             <a:ext uri="{AF507438-7753-43e0-B8FC-AC1667EBCBE1}">
-              <a14:hiddenEffects xmlns:a14="http://schemas.microsoft.com/office/drawing/2010/main" xmlns="">
+              <a14:hiddenEffects xmlns="" xmlns:a14="http://schemas.microsoft.com/office/drawing/2010/main">
                 <a:effectLst>
                   <a:outerShdw blurRad="63500" dist="38099" dir="2700000" algn="ctr" rotWithShape="0">
                     <a:schemeClr val="bg2">
@@ -23427,7 +23445,7 @@
               </a14:hiddenEffects>
             </a:ext>
             <a:ext uri="{FAA26D3D-D897-4be2-8F04-BA451C77F1D7}">
-              <ma14:placeholderFlag xmlns:ma14="http://schemas.microsoft.com/office/mac/drawingml/2011/main" xmlns="" val="1"/>
+              <ma14:placeholderFlag xmlns="" xmlns:ma14="http://schemas.microsoft.com/office/mac/drawingml/2011/main" val="1"/>
             </a:ext>
           </a:extLst>
         </p:spPr>
@@ -23643,14 +23661,14 @@
           <a:effectLst/>
           <a:extLst>
             <a:ext uri="{909E8E84-426E-40dd-AFC4-6F175D3DCCD1}">
-              <a14:hiddenFill xmlns:a14="http://schemas.microsoft.com/office/drawing/2010/main" xmlns="">
+              <a14:hiddenFill xmlns="" xmlns:a14="http://schemas.microsoft.com/office/drawing/2010/main">
                 <a:solidFill>
                   <a:schemeClr val="accent1"/>
                 </a:solidFill>
               </a14:hiddenFill>
             </a:ext>
             <a:ext uri="{91240B29-F687-4f45-9708-019B960494DF}">
-              <a14:hiddenLine xmlns:a14="http://schemas.microsoft.com/office/drawing/2010/main" xmlns="" w="9525">
+              <a14:hiddenLine xmlns="" xmlns:a14="http://schemas.microsoft.com/office/drawing/2010/main" w="9525">
                 <a:solidFill>
                   <a:schemeClr val="tx1"/>
                 </a:solidFill>
@@ -23660,7 +23678,7 @@
               </a14:hiddenLine>
             </a:ext>
             <a:ext uri="{AF507438-7753-43e0-B8FC-AC1667EBCBE1}">
-              <a14:hiddenEffects xmlns:a14="http://schemas.microsoft.com/office/drawing/2010/main" xmlns="">
+              <a14:hiddenEffects xmlns="" xmlns:a14="http://schemas.microsoft.com/office/drawing/2010/main">
                 <a:effectLst>
                   <a:outerShdw blurRad="63500" dist="38099" dir="2700000" algn="ctr" rotWithShape="0">
                     <a:schemeClr val="bg2">
@@ -23671,7 +23689,7 @@
               </a14:hiddenEffects>
             </a:ext>
             <a:ext uri="{FAA26D3D-D897-4be2-8F04-BA451C77F1D7}">
-              <ma14:placeholderFlag xmlns:ma14="http://schemas.microsoft.com/office/mac/drawingml/2011/main" xmlns="" val="1"/>
+              <ma14:placeholderFlag xmlns="" xmlns:ma14="http://schemas.microsoft.com/office/mac/drawingml/2011/main" val="1"/>
             </a:ext>
           </a:extLst>
         </p:spPr>
@@ -23825,7 +23843,7 @@
           </a:lstStyle>
           <a:p>
             <a:r>
-              <a:rPr lang="en-US" sz="3200" kern="0" dirty="0"/>
+              <a:rPr lang="en-US" sz="4000" b="0" kern="0" dirty="0"/>
               <a:t>Getting the third item</a:t>
             </a:r>
           </a:p>
@@ -23860,14 +23878,14 @@
           <a:effectLst/>
           <a:extLst>
             <a:ext uri="{909E8E84-426E-40dd-AFC4-6F175D3DCCD1}">
-              <a14:hiddenFill xmlns:a14="http://schemas.microsoft.com/office/drawing/2010/main" xmlns="">
+              <a14:hiddenFill xmlns="" xmlns:a14="http://schemas.microsoft.com/office/drawing/2010/main">
                 <a:solidFill>
                   <a:schemeClr val="accent1"/>
                 </a:solidFill>
               </a14:hiddenFill>
             </a:ext>
             <a:ext uri="{91240B29-F687-4f45-9708-019B960494DF}">
-              <a14:hiddenLine xmlns:a14="http://schemas.microsoft.com/office/drawing/2010/main" xmlns="" w="9525">
+              <a14:hiddenLine xmlns="" xmlns:a14="http://schemas.microsoft.com/office/drawing/2010/main" w="9525">
                 <a:solidFill>
                   <a:schemeClr val="tx1"/>
                 </a:solidFill>
@@ -23877,7 +23895,7 @@
               </a14:hiddenLine>
             </a:ext>
             <a:ext uri="{AF507438-7753-43e0-B8FC-AC1667EBCBE1}">
-              <a14:hiddenEffects xmlns:a14="http://schemas.microsoft.com/office/drawing/2010/main" xmlns="">
+              <a14:hiddenEffects xmlns="" xmlns:a14="http://schemas.microsoft.com/office/drawing/2010/main">
                 <a:effectLst>
                   <a:outerShdw blurRad="63500" dist="38099" dir="2700000" algn="ctr" rotWithShape="0">
                     <a:schemeClr val="bg2">
@@ -23888,7 +23906,7 @@
               </a14:hiddenEffects>
             </a:ext>
             <a:ext uri="{FAA26D3D-D897-4be2-8F04-BA451C77F1D7}">
-              <ma14:placeholderFlag xmlns:ma14="http://schemas.microsoft.com/office/mac/drawingml/2011/main" xmlns="" val="1"/>
+              <ma14:placeholderFlag xmlns="" xmlns:ma14="http://schemas.microsoft.com/office/mac/drawingml/2011/main" val="1"/>
             </a:ext>
           </a:extLst>
         </p:spPr>
@@ -24091,7 +24109,7 @@
         </p:nvSpPr>
         <p:spPr bwMode="auto">
           <a:xfrm>
-            <a:off x="609600" y="1022350"/>
+            <a:off x="713946" y="971274"/>
             <a:ext cx="10972800" cy="427039"/>
           </a:xfrm>
           <a:prstGeom prst="rect">
@@ -24104,14 +24122,14 @@
           <a:effectLst/>
           <a:extLst>
             <a:ext uri="{909E8E84-426E-40dd-AFC4-6F175D3DCCD1}">
-              <a14:hiddenFill xmlns:a14="http://schemas.microsoft.com/office/drawing/2010/main" xmlns="">
+              <a14:hiddenFill xmlns="" xmlns:a14="http://schemas.microsoft.com/office/drawing/2010/main">
                 <a:solidFill>
                   <a:schemeClr val="accent1"/>
                 </a:solidFill>
               </a14:hiddenFill>
             </a:ext>
             <a:ext uri="{91240B29-F687-4f45-9708-019B960494DF}">
-              <a14:hiddenLine xmlns:a14="http://schemas.microsoft.com/office/drawing/2010/main" xmlns="" w="9525">
+              <a14:hiddenLine xmlns="" xmlns:a14="http://schemas.microsoft.com/office/drawing/2010/main" w="9525">
                 <a:solidFill>
                   <a:schemeClr val="tx1"/>
                 </a:solidFill>
@@ -24121,7 +24139,7 @@
               </a14:hiddenLine>
             </a:ext>
             <a:ext uri="{AF507438-7753-43e0-B8FC-AC1667EBCBE1}">
-              <a14:hiddenEffects xmlns:a14="http://schemas.microsoft.com/office/drawing/2010/main" xmlns="">
+              <a14:hiddenEffects xmlns="" xmlns:a14="http://schemas.microsoft.com/office/drawing/2010/main">
                 <a:effectLst>
                   <a:outerShdw blurRad="63500" dist="38099" dir="2700000" algn="ctr" rotWithShape="0">
                     <a:schemeClr val="bg2">
@@ -24132,7 +24150,7 @@
               </a14:hiddenEffects>
             </a:ext>
             <a:ext uri="{FAA26D3D-D897-4be2-8F04-BA451C77F1D7}">
-              <ma14:placeholderFlag xmlns:ma14="http://schemas.microsoft.com/office/mac/drawingml/2011/main" xmlns="" val="1"/>
+              <ma14:placeholderFlag xmlns="" xmlns:ma14="http://schemas.microsoft.com/office/mac/drawingml/2011/main" val="1"/>
             </a:ext>
           </a:extLst>
         </p:spPr>
@@ -24286,7 +24304,7 @@
           </a:lstStyle>
           <a:p>
             <a:r>
-              <a:rPr lang="en-US" sz="3200" kern="0" dirty="0"/>
+              <a:rPr lang="en-US" sz="4000" b="0" kern="0" dirty="0"/>
               <a:t>Getting a single FS</a:t>
             </a:r>
           </a:p>
@@ -24922,8 +24940,8 @@
         </p:nvSpPr>
         <p:spPr bwMode="auto">
           <a:xfrm>
-            <a:off x="955589" y="3390239"/>
-            <a:ext cx="4673600" cy="386323"/>
+            <a:off x="981075" y="3390239"/>
+            <a:ext cx="4648114" cy="386323"/>
           </a:xfrm>
           <a:prstGeom prst="rect">
             <a:avLst/>
@@ -24935,14 +24953,14 @@
           <a:effectLst/>
           <a:extLst>
             <a:ext uri="{909E8E84-426E-40dd-AFC4-6F175D3DCCD1}">
-              <a14:hiddenFill xmlns:a14="http://schemas.microsoft.com/office/drawing/2010/main" xmlns="">
+              <a14:hiddenFill xmlns="" xmlns:a14="http://schemas.microsoft.com/office/drawing/2010/main">
                 <a:solidFill>
                   <a:schemeClr val="accent1"/>
                 </a:solidFill>
               </a14:hiddenFill>
             </a:ext>
             <a:ext uri="{91240B29-F687-4f45-9708-019B960494DF}">
-              <a14:hiddenLine xmlns:a14="http://schemas.microsoft.com/office/drawing/2010/main" xmlns="" w="9525">
+              <a14:hiddenLine xmlns="" xmlns:a14="http://schemas.microsoft.com/office/drawing/2010/main" w="9525">
                 <a:solidFill>
                   <a:schemeClr val="tx1"/>
                 </a:solidFill>
@@ -24952,7 +24970,7 @@
               </a14:hiddenLine>
             </a:ext>
             <a:ext uri="{AF507438-7753-43e0-B8FC-AC1667EBCBE1}">
-              <a14:hiddenEffects xmlns:a14="http://schemas.microsoft.com/office/drawing/2010/main" xmlns="">
+              <a14:hiddenEffects xmlns="" xmlns:a14="http://schemas.microsoft.com/office/drawing/2010/main">
                 <a:effectLst>
                   <a:outerShdw blurRad="63500" dist="38099" dir="2700000" algn="ctr" rotWithShape="0">
                     <a:schemeClr val="bg2">
@@ -24963,7 +24981,7 @@
               </a14:hiddenEffects>
             </a:ext>
             <a:ext uri="{FAA26D3D-D897-4be2-8F04-BA451C77F1D7}">
-              <ma14:placeholderFlag xmlns:ma14="http://schemas.microsoft.com/office/mac/drawingml/2011/main" xmlns="" val="1"/>
+              <ma14:placeholderFlag xmlns="" xmlns:ma14="http://schemas.microsoft.com/office/mac/drawingml/2011/main" val="1"/>
             </a:ext>
           </a:extLst>
         </p:spPr>
@@ -25117,7 +25135,7 @@
           </a:lstStyle>
           <a:p>
             <a:r>
-              <a:rPr lang="en-US" sz="3200" kern="0" dirty="0"/>
+              <a:rPr lang="en-US" sz="4000" b="0" kern="0" dirty="0"/>
               <a:t>Following / preceding</a:t>
             </a:r>
           </a:p>
@@ -25152,14 +25170,14 @@
           <a:effectLst/>
           <a:extLst>
             <a:ext uri="{909E8E84-426E-40dd-AFC4-6F175D3DCCD1}">
-              <a14:hiddenFill xmlns:a14="http://schemas.microsoft.com/office/drawing/2010/main" xmlns="">
+              <a14:hiddenFill xmlns="" xmlns:a14="http://schemas.microsoft.com/office/drawing/2010/main">
                 <a:solidFill>
                   <a:schemeClr val="accent1"/>
                 </a:solidFill>
               </a14:hiddenFill>
             </a:ext>
             <a:ext uri="{91240B29-F687-4f45-9708-019B960494DF}">
-              <a14:hiddenLine xmlns:a14="http://schemas.microsoft.com/office/drawing/2010/main" xmlns="" w="9525">
+              <a14:hiddenLine xmlns="" xmlns:a14="http://schemas.microsoft.com/office/drawing/2010/main" w="9525">
                 <a:solidFill>
                   <a:schemeClr val="tx1"/>
                 </a:solidFill>
@@ -25169,7 +25187,7 @@
               </a14:hiddenLine>
             </a:ext>
             <a:ext uri="{AF507438-7753-43e0-B8FC-AC1667EBCBE1}">
-              <a14:hiddenEffects xmlns:a14="http://schemas.microsoft.com/office/drawing/2010/main" xmlns="">
+              <a14:hiddenEffects xmlns="" xmlns:a14="http://schemas.microsoft.com/office/drawing/2010/main">
                 <a:effectLst>
                   <a:outerShdw blurRad="63500" dist="38099" dir="2700000" algn="ctr" rotWithShape="0">
                     <a:schemeClr val="bg2">
@@ -25180,7 +25198,7 @@
               </a14:hiddenEffects>
             </a:ext>
             <a:ext uri="{FAA26D3D-D897-4be2-8F04-BA451C77F1D7}">
-              <ma14:placeholderFlag xmlns:ma14="http://schemas.microsoft.com/office/mac/drawingml/2011/main" xmlns="" val="1"/>
+              <ma14:placeholderFlag xmlns="" xmlns:ma14="http://schemas.microsoft.com/office/mac/drawingml/2011/main" val="1"/>
             </a:ext>
           </a:extLst>
         </p:spPr>
@@ -26015,7 +26033,14 @@
           <a:p>
             <a:r>
               <a:rPr lang="en-US" dirty="0"/>
-              <a:t>There’s a whole chapter with detailed instructions describing this, in the v3 user’s guide</a:t>
+              <a:t>There’s a whole chapter with detailed instructions describing this, </a:t>
+            </a:r>
+            <a:br>
+              <a:rPr lang="en-US" dirty="0"/>
+            </a:br>
+            <a:r>
+              <a:rPr lang="en-US" dirty="0"/>
+              <a:t>in the v3 user’s guide</a:t>
             </a:r>
           </a:p>
           <a:p>
@@ -26532,68 +26557,72 @@
               <a:rPr lang="en-US" dirty="0"/>
             </a:br>
             <a:r>
-              <a:rPr lang="en-US" dirty="0">
+              <a:rPr lang="en-US" sz="2400" dirty="0">
                 <a:latin typeface="Courier New" panose="02070309020205020404" pitchFamily="49" charset="0"/>
                 <a:cs typeface="Courier New" panose="02070309020205020404" pitchFamily="49" charset="0"/>
               </a:rPr>
               <a:t>&lt;import name="</a:t>
             </a:r>
             <a:r>
-              <a:rPr lang="en-US" dirty="0" err="1">
+              <a:rPr lang="en-US" sz="2400" dirty="0" err="1">
                 <a:latin typeface="Courier New" panose="02070309020205020404" pitchFamily="49" charset="0"/>
                 <a:cs typeface="Courier New" panose="02070309020205020404" pitchFamily="49" charset="0"/>
               </a:rPr>
               <a:t>org.apache.uima.semibuiltins</a:t>
             </a:r>
             <a:r>
-              <a:rPr lang="en-US" dirty="0">
+              <a:rPr lang="en-US" sz="2400" dirty="0">
                 <a:latin typeface="Courier New" panose="02070309020205020404" pitchFamily="49" charset="0"/>
                 <a:cs typeface="Courier New" panose="02070309020205020404" pitchFamily="49" charset="0"/>
               </a:rPr>
               <a:t>"/&gt;</a:t>
             </a:r>
-          </a:p>
-          <a:p>
             <a:endParaRPr lang="en-US" dirty="0">
               <a:latin typeface="Courier New" panose="02070309020205020404" pitchFamily="49" charset="0"/>
               <a:cs typeface="Courier New" panose="02070309020205020404" pitchFamily="49" charset="0"/>
             </a:endParaRPr>
           </a:p>
           <a:p>
-            <a:r>
-              <a:rPr lang="en-US" dirty="0" err="1">
+            <a:endParaRPr lang="en-US" dirty="0">
+              <a:latin typeface="Courier New" panose="02070309020205020404" pitchFamily="49" charset="0"/>
+              <a:cs typeface="Courier New" panose="02070309020205020404" pitchFamily="49" charset="0"/>
+            </a:endParaRPr>
+          </a:p>
+          <a:p>
+            <a:r>
+              <a:rPr lang="en-US" sz="2400" dirty="0" err="1">
                 <a:latin typeface="Courier New" panose="02070309020205020404" pitchFamily="49" charset="0"/>
                 <a:cs typeface="Courier New" panose="02070309020205020404" pitchFamily="49" charset="0"/>
               </a:rPr>
               <a:t>FSArrayList</a:t>
             </a:r>
-            <a:endParaRPr lang="en-US" dirty="0">
+            <a:endParaRPr lang="en-US" sz="2400" dirty="0">
               <a:latin typeface="Courier New" panose="02070309020205020404" pitchFamily="49" charset="0"/>
               <a:cs typeface="Courier New" panose="02070309020205020404" pitchFamily="49" charset="0"/>
             </a:endParaRPr>
           </a:p>
           <a:p>
             <a:r>
-              <a:rPr lang="en-US" dirty="0" err="1">
+              <a:rPr lang="en-US" sz="2400" dirty="0" err="1">
                 <a:latin typeface="Courier New" panose="02070309020205020404" pitchFamily="49" charset="0"/>
                 <a:cs typeface="Courier New" panose="02070309020205020404" pitchFamily="49" charset="0"/>
               </a:rPr>
               <a:t>FSHashSet</a:t>
             </a:r>
-            <a:endParaRPr lang="en-US" dirty="0">
+            <a:endParaRPr lang="en-US" sz="2400" dirty="0">
               <a:latin typeface="Courier New" panose="02070309020205020404" pitchFamily="49" charset="0"/>
               <a:cs typeface="Courier New" panose="02070309020205020404" pitchFamily="49" charset="0"/>
             </a:endParaRPr>
           </a:p>
           <a:p>
             <a:r>
-              <a:rPr lang="en-US" dirty="0" err="1">
+              <a:rPr lang="en-US" sz="2400" dirty="0" err="1">
                 <a:latin typeface="Courier New" panose="02070309020205020404" pitchFamily="49" charset="0"/>
                 <a:cs typeface="Courier New" panose="02070309020205020404" pitchFamily="49" charset="0"/>
               </a:rPr>
               <a:t>IntegerArrayList</a:t>
             </a:r>
-            <a:endParaRPr lang="en-US" dirty="0">
+            <a:endParaRPr lang="en-US" sz="2400" dirty="0">
               <a:latin typeface="Courier New" panose="02070309020205020404" pitchFamily="49" charset="0"/>
               <a:cs typeface="Courier New" panose="02070309020205020404" pitchFamily="49" charset="0"/>
             </a:endParaRPr>
@@ -26833,6 +26862,8 @@
                 <a:highlight>
                   <a:srgbClr val="00FF00"/>
                 </a:highlight>
+                <a:latin typeface="Courier New" panose="02070309020205020404" pitchFamily="49" charset="0"/>
+                <a:cs typeface="Courier New" panose="02070309020205020404" pitchFamily="49" charset="0"/>
               </a:rPr>
               <a:t>FSArrayList</a:t>
             </a:r>
@@ -26840,6 +26871,8 @@
               <a:highlight>
                 <a:srgbClr val="00FF00"/>
               </a:highlight>
+              <a:latin typeface="Courier New" panose="02070309020205020404" pitchFamily="49" charset="0"/>
+              <a:cs typeface="Courier New" panose="02070309020205020404" pitchFamily="49" charset="0"/>
             </a:endParaRPr>
           </a:p>
           <a:p>
@@ -27341,6 +27374,8 @@
                 <a:highlight>
                   <a:srgbClr val="00FF00"/>
                 </a:highlight>
+                <a:latin typeface="Courier New" panose="02070309020205020404" pitchFamily="49" charset="0"/>
+                <a:cs typeface="Courier New" panose="02070309020205020404" pitchFamily="49" charset="0"/>
               </a:rPr>
               <a:t>FSHashSet</a:t>
             </a:r>
@@ -27348,6 +27383,8 @@
               <a:highlight>
                 <a:srgbClr val="00FF00"/>
               </a:highlight>
+              <a:latin typeface="Courier New" panose="02070309020205020404" pitchFamily="49" charset="0"/>
+              <a:cs typeface="Courier New" panose="02070309020205020404" pitchFamily="49" charset="0"/>
             </a:endParaRPr>
           </a:p>
           <a:p>
@@ -29695,7 +29732,7 @@
         </p:nvSpPr>
         <p:spPr>
           <a:xfrm>
-            <a:off x="5180132" y="4837375"/>
+            <a:off x="5980232" y="5246950"/>
             <a:ext cx="3411277" cy="502766"/>
           </a:xfrm>
           <a:prstGeom prst="rect">
@@ -30109,12 +30146,12 @@
         <p:spPr>
           <a:xfrm>
             <a:off x="619114" y="1621535"/>
-            <a:ext cx="9012567" cy="4919941"/>
+            <a:ext cx="9544061" cy="4919941"/>
           </a:xfrm>
         </p:spPr>
         <p:txBody>
           <a:bodyPr>
-            <a:normAutofit fontScale="85000" lnSpcReduction="20000"/>
+            <a:normAutofit fontScale="85000" lnSpcReduction="10000"/>
           </a:bodyPr>
           <a:lstStyle/>
           <a:p>
@@ -33454,14 +33491,14 @@
           </a:xfrm>
           <a:extLst>
             <a:ext uri="{909E8E84-426E-40dd-AFC4-6F175D3DCCD1}">
-              <a14:hiddenFill xmlns:a14="http://schemas.microsoft.com/office/drawing/2010/main" xmlns="">
+              <a14:hiddenFill xmlns="" xmlns:a14="http://schemas.microsoft.com/office/drawing/2010/main">
                 <a:solidFill>
                   <a:schemeClr val="accent1"/>
                 </a:solidFill>
               </a14:hiddenFill>
             </a:ext>
             <a:ext uri="{91240B29-F687-4f45-9708-019B960494DF}">
-              <a14:hiddenLine xmlns:a14="http://schemas.microsoft.com/office/drawing/2010/main" xmlns="" w="9525">
+              <a14:hiddenLine xmlns="" xmlns:a14="http://schemas.microsoft.com/office/drawing/2010/main" w="9525">
                 <a:solidFill>
                   <a:schemeClr val="tx1"/>
                 </a:solidFill>
@@ -33471,7 +33508,7 @@
               </a14:hiddenLine>
             </a:ext>
             <a:ext uri="{AF507438-7753-43e0-B8FC-AC1667EBCBE1}">
-              <a14:hiddenEffects xmlns:a14="http://schemas.microsoft.com/office/drawing/2010/main" xmlns="">
+              <a14:hiddenEffects xmlns="" xmlns:a14="http://schemas.microsoft.com/office/drawing/2010/main">
                 <a:effectLst>
                   <a:outerShdw blurRad="63500" dist="38099" dir="2700000" algn="ctr" rotWithShape="0">
                     <a:schemeClr val="bg2">
@@ -33482,7 +33519,7 @@
               </a14:hiddenEffects>
             </a:ext>
             <a:ext uri="{FAA26D3D-D897-4be2-8F04-BA451C77F1D7}">
-              <ma14:placeholderFlag xmlns:ma14="http://schemas.microsoft.com/office/mac/drawingml/2011/main" xmlns="" val="1"/>
+              <ma14:placeholderFlag xmlns="" xmlns:ma14="http://schemas.microsoft.com/office/mac/drawingml/2011/main" val="1"/>
             </a:ext>
           </a:extLst>
         </p:spPr>
@@ -33625,14 +33662,14 @@
         <p:spPr>
           <a:extLst>
             <a:ext uri="{909E8E84-426E-40dd-AFC4-6F175D3DCCD1}">
-              <a14:hiddenFill xmlns:a14="http://schemas.microsoft.com/office/drawing/2010/main" xmlns="">
+              <a14:hiddenFill xmlns="" xmlns:a14="http://schemas.microsoft.com/office/drawing/2010/main">
                 <a:solidFill>
                   <a:schemeClr val="accent1"/>
                 </a:solidFill>
               </a14:hiddenFill>
             </a:ext>
             <a:ext uri="{91240B29-F687-4f45-9708-019B960494DF}">
-              <a14:hiddenLine xmlns:a14="http://schemas.microsoft.com/office/drawing/2010/main" xmlns="" w="9525">
+              <a14:hiddenLine xmlns="" xmlns:a14="http://schemas.microsoft.com/office/drawing/2010/main" w="9525">
                 <a:solidFill>
                   <a:schemeClr val="tx1"/>
                 </a:solidFill>
@@ -33642,7 +33679,7 @@
               </a14:hiddenLine>
             </a:ext>
             <a:ext uri="{AF507438-7753-43e0-B8FC-AC1667EBCBE1}">
-              <a14:hiddenEffects xmlns:a14="http://schemas.microsoft.com/office/drawing/2010/main" xmlns="">
+              <a14:hiddenEffects xmlns="" xmlns:a14="http://schemas.microsoft.com/office/drawing/2010/main">
                 <a:effectLst>
                   <a:outerShdw blurRad="63500" dist="38099" dir="2700000" algn="ctr" rotWithShape="0">
                     <a:schemeClr val="bg2">
@@ -33653,7 +33690,7 @@
               </a14:hiddenEffects>
             </a:ext>
             <a:ext uri="{FAA26D3D-D897-4be2-8F04-BA451C77F1D7}">
-              <ma14:placeholderFlag xmlns:ma14="http://schemas.microsoft.com/office/mac/drawingml/2011/main" xmlns="" val="1"/>
+              <ma14:placeholderFlag xmlns="" xmlns:ma14="http://schemas.microsoft.com/office/mac/drawingml/2011/main" val="1"/>
             </a:ext>
           </a:extLst>
         </p:spPr>
@@ -38112,8 +38149,8 @@
         </p:nvCxnSpPr>
         <p:spPr>
           <a:xfrm flipV="1">
-            <a:off x="9745947" y="3674344"/>
-            <a:ext cx="0" cy="943357"/>
+            <a:off x="9745947" y="3674345"/>
+            <a:ext cx="0" cy="930656"/>
           </a:xfrm>
           <a:prstGeom prst="straightConnector1">
             <a:avLst/>
@@ -38153,8 +38190,8 @@
         </p:nvCxnSpPr>
         <p:spPr>
           <a:xfrm flipV="1">
-            <a:off x="10638944" y="3674344"/>
-            <a:ext cx="15053" cy="968757"/>
+            <a:off x="10638944" y="3674345"/>
+            <a:ext cx="15053" cy="930656"/>
           </a:xfrm>
           <a:prstGeom prst="straightConnector1">
             <a:avLst/>
@@ -38198,6 +38235,29 @@
           <a:prstGeom prst="rect">
             <a:avLst/>
           </a:prstGeom>
+          <a:gradFill>
+            <a:gsLst>
+              <a:gs pos="0">
+                <a:schemeClr val="accent1">
+                  <a:lumMod val="40000"/>
+                  <a:lumOff val="60000"/>
+                </a:schemeClr>
+              </a:gs>
+              <a:gs pos="50000">
+                <a:schemeClr val="accent1">
+                  <a:lumMod val="60000"/>
+                  <a:lumOff val="40000"/>
+                </a:schemeClr>
+              </a:gs>
+              <a:gs pos="100000">
+                <a:schemeClr val="accent1">
+                  <a:lumMod val="99000"/>
+                  <a:satMod val="120000"/>
+                  <a:shade val="78000"/>
+                </a:schemeClr>
+              </a:gs>
+            </a:gsLst>
+          </a:gradFill>
         </p:spPr>
         <p:style>
           <a:lnRef idx="1">
@@ -38251,6 +38311,29 @@
           <a:prstGeom prst="rect">
             <a:avLst/>
           </a:prstGeom>
+          <a:gradFill>
+            <a:gsLst>
+              <a:gs pos="0">
+                <a:schemeClr val="accent1">
+                  <a:lumMod val="40000"/>
+                  <a:lumOff val="60000"/>
+                </a:schemeClr>
+              </a:gs>
+              <a:gs pos="50000">
+                <a:schemeClr val="accent1">
+                  <a:lumMod val="60000"/>
+                  <a:lumOff val="40000"/>
+                </a:schemeClr>
+              </a:gs>
+              <a:gs pos="100000">
+                <a:schemeClr val="accent1">
+                  <a:lumMod val="99000"/>
+                  <a:satMod val="120000"/>
+                  <a:shade val="78000"/>
+                </a:schemeClr>
+              </a:gs>
+            </a:gsLst>
+          </a:gradFill>
         </p:spPr>
         <p:style>
           <a:lnRef idx="1">
@@ -38305,6 +38388,29 @@
           <a:prstGeom prst="rect">
             <a:avLst/>
           </a:prstGeom>
+          <a:gradFill>
+            <a:gsLst>
+              <a:gs pos="0">
+                <a:schemeClr val="accent1">
+                  <a:lumMod val="40000"/>
+                  <a:lumOff val="60000"/>
+                </a:schemeClr>
+              </a:gs>
+              <a:gs pos="50000">
+                <a:schemeClr val="accent1">
+                  <a:lumMod val="60000"/>
+                  <a:lumOff val="40000"/>
+                </a:schemeClr>
+              </a:gs>
+              <a:gs pos="100000">
+                <a:schemeClr val="accent1">
+                  <a:lumMod val="99000"/>
+                  <a:satMod val="120000"/>
+                  <a:shade val="78000"/>
+                </a:schemeClr>
+              </a:gs>
+            </a:gsLst>
+          </a:gradFill>
         </p:spPr>
         <p:style>
           <a:lnRef idx="1">
@@ -39397,14 +39503,14 @@
           <a:effectLst/>
           <a:extLst>
             <a:ext uri="{909E8E84-426E-40dd-AFC4-6F175D3DCCD1}">
-              <a14:hiddenFill xmlns:a14="http://schemas.microsoft.com/office/drawing/2010/main" xmlns="">
+              <a14:hiddenFill xmlns="" xmlns:a14="http://schemas.microsoft.com/office/drawing/2010/main">
                 <a:solidFill>
                   <a:schemeClr val="accent1"/>
                 </a:solidFill>
               </a14:hiddenFill>
             </a:ext>
             <a:ext uri="{91240B29-F687-4f45-9708-019B960494DF}">
-              <a14:hiddenLine xmlns:a14="http://schemas.microsoft.com/office/drawing/2010/main" xmlns="" w="9525">
+              <a14:hiddenLine xmlns="" xmlns:a14="http://schemas.microsoft.com/office/drawing/2010/main" w="9525">
                 <a:solidFill>
                   <a:schemeClr val="tx1"/>
                 </a:solidFill>
@@ -39414,7 +39520,7 @@
               </a14:hiddenLine>
             </a:ext>
             <a:ext uri="{AF507438-7753-43e0-B8FC-AC1667EBCBE1}">
-              <a14:hiddenEffects xmlns:a14="http://schemas.microsoft.com/office/drawing/2010/main" xmlns="">
+              <a14:hiddenEffects xmlns="" xmlns:a14="http://schemas.microsoft.com/office/drawing/2010/main">
                 <a:effectLst>
                   <a:outerShdw blurRad="63500" dist="38099" dir="2700000" algn="ctr" rotWithShape="0">
                     <a:schemeClr val="bg2">
@@ -39425,7 +39531,7 @@
               </a14:hiddenEffects>
             </a:ext>
             <a:ext uri="{FAA26D3D-D897-4be2-8F04-BA451C77F1D7}">
-              <ma14:placeholderFlag xmlns:ma14="http://schemas.microsoft.com/office/mac/drawingml/2011/main" xmlns="" val="1"/>
+              <ma14:placeholderFlag xmlns="" xmlns:ma14="http://schemas.microsoft.com/office/mac/drawingml/2011/main" val="1"/>
             </a:ext>
           </a:extLst>
         </p:spPr>
@@ -39579,7 +39685,7 @@
           </a:lstStyle>
           <a:p>
             <a:r>
-              <a:rPr lang="en-US" sz="3200" kern="0" dirty="0"/>
+              <a:rPr lang="en-US" sz="4000" b="0" kern="0" dirty="0"/>
               <a:t>Using a sorted index</a:t>
             </a:r>
           </a:p>
@@ -39614,14 +39720,14 @@
           <a:effectLst/>
           <a:extLst>
             <a:ext uri="{909E8E84-426E-40dd-AFC4-6F175D3DCCD1}">
-              <a14:hiddenFill xmlns:a14="http://schemas.microsoft.com/office/drawing/2010/main" xmlns="">
+              <a14:hiddenFill xmlns="" xmlns:a14="http://schemas.microsoft.com/office/drawing/2010/main">
                 <a:solidFill>
                   <a:schemeClr val="accent1"/>
                 </a:solidFill>
               </a14:hiddenFill>
             </a:ext>
             <a:ext uri="{91240B29-F687-4f45-9708-019B960494DF}">
-              <a14:hiddenLine xmlns:a14="http://schemas.microsoft.com/office/drawing/2010/main" xmlns="" w="9525">
+              <a14:hiddenLine xmlns="" xmlns:a14="http://schemas.microsoft.com/office/drawing/2010/main" w="9525">
                 <a:solidFill>
                   <a:schemeClr val="tx1"/>
                 </a:solidFill>
@@ -39631,7 +39737,7 @@
               </a14:hiddenLine>
             </a:ext>
             <a:ext uri="{AF507438-7753-43e0-B8FC-AC1667EBCBE1}">
-              <a14:hiddenEffects xmlns:a14="http://schemas.microsoft.com/office/drawing/2010/main" xmlns="">
+              <a14:hiddenEffects xmlns="" xmlns:a14="http://schemas.microsoft.com/office/drawing/2010/main">
                 <a:effectLst>
                   <a:outerShdw blurRad="63500" dist="38099" dir="2700000" algn="ctr" rotWithShape="0">
                     <a:schemeClr val="bg2">
@@ -39642,7 +39748,7 @@
               </a14:hiddenEffects>
             </a:ext>
             <a:ext uri="{FAA26D3D-D897-4be2-8F04-BA451C77F1D7}">
-              <ma14:placeholderFlag xmlns:ma14="http://schemas.microsoft.com/office/mac/drawingml/2011/main" xmlns="" val="1"/>
+              <ma14:placeholderFlag xmlns="" xmlns:ma14="http://schemas.microsoft.com/office/mac/drawingml/2011/main" val="1"/>
             </a:ext>
           </a:extLst>
         </p:spPr>
@@ -39851,14 +39957,14 @@
           <a:effectLst/>
           <a:extLst>
             <a:ext uri="{909E8E84-426E-40dd-AFC4-6F175D3DCCD1}">
-              <a14:hiddenFill xmlns:a14="http://schemas.microsoft.com/office/drawing/2010/main" xmlns="">
+              <a14:hiddenFill xmlns="" xmlns:a14="http://schemas.microsoft.com/office/drawing/2010/main">
                 <a:solidFill>
                   <a:schemeClr val="accent1"/>
                 </a:solidFill>
               </a14:hiddenFill>
             </a:ext>
             <a:ext uri="{91240B29-F687-4f45-9708-019B960494DF}">
-              <a14:hiddenLine xmlns:a14="http://schemas.microsoft.com/office/drawing/2010/main" xmlns="" w="9525">
+              <a14:hiddenLine xmlns="" xmlns:a14="http://schemas.microsoft.com/office/drawing/2010/main" w="9525">
                 <a:solidFill>
                   <a:schemeClr val="tx1"/>
                 </a:solidFill>
@@ -39868,7 +39974,7 @@
               </a14:hiddenLine>
             </a:ext>
             <a:ext uri="{AF507438-7753-43e0-B8FC-AC1667EBCBE1}">
-              <a14:hiddenEffects xmlns:a14="http://schemas.microsoft.com/office/drawing/2010/main" xmlns="">
+              <a14:hiddenEffects xmlns="" xmlns:a14="http://schemas.microsoft.com/office/drawing/2010/main">
                 <a:effectLst>
                   <a:outerShdw blurRad="63500" dist="38099" dir="2700000" algn="ctr" rotWithShape="0">
                     <a:schemeClr val="bg2">
@@ -39879,7 +39985,7 @@
               </a14:hiddenEffects>
             </a:ext>
             <a:ext uri="{FAA26D3D-D897-4be2-8F04-BA451C77F1D7}">
-              <ma14:placeholderFlag xmlns:ma14="http://schemas.microsoft.com/office/mac/drawingml/2011/main" xmlns="" val="1"/>
+              <ma14:placeholderFlag xmlns="" xmlns:ma14="http://schemas.microsoft.com/office/mac/drawingml/2011/main" val="1"/>
             </a:ext>
           </a:extLst>
         </p:spPr>
@@ -40033,7 +40139,7 @@
           </a:lstStyle>
           <a:p>
             <a:r>
-              <a:rPr lang="en-US" sz="3200" kern="0" dirty="0"/>
+              <a:rPr lang="en-US" sz="4000" b="0" kern="0" dirty="0"/>
               <a:t>Both</a:t>
             </a:r>
           </a:p>
@@ -40068,14 +40174,14 @@
           <a:effectLst/>
           <a:extLst>
             <a:ext uri="{909E8E84-426E-40dd-AFC4-6F175D3DCCD1}">
-              <a14:hiddenFill xmlns:a14="http://schemas.microsoft.com/office/drawing/2010/main" xmlns="">
+              <a14:hiddenFill xmlns="" xmlns:a14="http://schemas.microsoft.com/office/drawing/2010/main">
                 <a:solidFill>
                   <a:schemeClr val="accent1"/>
                 </a:solidFill>
               </a14:hiddenFill>
             </a:ext>
             <a:ext uri="{91240B29-F687-4f45-9708-019B960494DF}">
-              <a14:hiddenLine xmlns:a14="http://schemas.microsoft.com/office/drawing/2010/main" xmlns="" w="9525">
+              <a14:hiddenLine xmlns="" xmlns:a14="http://schemas.microsoft.com/office/drawing/2010/main" w="9525">
                 <a:solidFill>
                   <a:schemeClr val="tx1"/>
                 </a:solidFill>
@@ -40085,7 +40191,7 @@
               </a14:hiddenLine>
             </a:ext>
             <a:ext uri="{AF507438-7753-43e0-B8FC-AC1667EBCBE1}">
-              <a14:hiddenEffects xmlns:a14="http://schemas.microsoft.com/office/drawing/2010/main" xmlns="">
+              <a14:hiddenEffects xmlns="" xmlns:a14="http://schemas.microsoft.com/office/drawing/2010/main">
                 <a:effectLst>
                   <a:outerShdw blurRad="63500" dist="38099" dir="2700000" algn="ctr" rotWithShape="0">
                     <a:schemeClr val="bg2">
@@ -40096,7 +40202,7 @@
               </a14:hiddenEffects>
             </a:ext>
             <a:ext uri="{FAA26D3D-D897-4be2-8F04-BA451C77F1D7}">
-              <ma14:placeholderFlag xmlns:ma14="http://schemas.microsoft.com/office/mac/drawingml/2011/main" xmlns="" val="1"/>
+              <ma14:placeholderFlag xmlns="" xmlns:ma14="http://schemas.microsoft.com/office/mac/drawingml/2011/main" val="1"/>
             </a:ext>
           </a:extLst>
         </p:spPr>
@@ -40319,14 +40425,14 @@
           <a:effectLst/>
           <a:extLst>
             <a:ext uri="{909E8E84-426E-40dd-AFC4-6F175D3DCCD1}">
-              <a14:hiddenFill xmlns:a14="http://schemas.microsoft.com/office/drawing/2010/main" xmlns="">
+              <a14:hiddenFill xmlns="" xmlns:a14="http://schemas.microsoft.com/office/drawing/2010/main">
                 <a:solidFill>
                   <a:schemeClr val="accent1"/>
                 </a:solidFill>
               </a14:hiddenFill>
             </a:ext>
             <a:ext uri="{91240B29-F687-4f45-9708-019B960494DF}">
-              <a14:hiddenLine xmlns:a14="http://schemas.microsoft.com/office/drawing/2010/main" xmlns="" w="9525">
+              <a14:hiddenLine xmlns="" xmlns:a14="http://schemas.microsoft.com/office/drawing/2010/main" w="9525">
                 <a:solidFill>
                   <a:schemeClr val="tx1"/>
                 </a:solidFill>
@@ -40336,7 +40442,7 @@
               </a14:hiddenLine>
             </a:ext>
             <a:ext uri="{AF507438-7753-43e0-B8FC-AC1667EBCBE1}">
-              <a14:hiddenEffects xmlns:a14="http://schemas.microsoft.com/office/drawing/2010/main" xmlns="">
+              <a14:hiddenEffects xmlns="" xmlns:a14="http://schemas.microsoft.com/office/drawing/2010/main">
                 <a:effectLst>
                   <a:outerShdw blurRad="63500" dist="38099" dir="2700000" algn="ctr" rotWithShape="0">
                     <a:schemeClr val="bg2">
@@ -40347,7 +40453,7 @@
               </a14:hiddenEffects>
             </a:ext>
             <a:ext uri="{FAA26D3D-D897-4be2-8F04-BA451C77F1D7}">
-              <ma14:placeholderFlag xmlns:ma14="http://schemas.microsoft.com/office/mac/drawingml/2011/main" xmlns="" val="1"/>
+              <ma14:placeholderFlag xmlns="" xmlns:ma14="http://schemas.microsoft.com/office/mac/drawingml/2011/main" val="1"/>
             </a:ext>
           </a:extLst>
         </p:spPr>

--- a/docs/downloads/uv3/UIMA_V3_Programmers_Solutions.pptx
+++ b/docs/downloads/uv3/UIMA_V3_Programmers_Solutions.pptx
@@ -5778,7 +5778,7 @@
           <a:p>
             <a:fld id="{D5AE7E42-DFA5-4747-B027-9C6590666EA2}" type="datetimeFigureOut">
               <a:rPr lang="en-US" smtClean="0"/>
-              <a:t>11/8/2017</a:t>
+              <a:t>11/9/2017</a:t>
             </a:fld>
             <a:endParaRPr lang="en-US"/>
           </a:p>
@@ -5955,7 +5955,7 @@
           <a:p>
             <a:fld id="{10AFCD9C-F499-4267-8C78-55E286A594BB}" type="datetimeFigureOut">
               <a:rPr lang="en-US" smtClean="0"/>
-              <a:t>11/8/2017</a:t>
+              <a:t>11/9/2017</a:t>
             </a:fld>
             <a:endParaRPr lang="en-US"/>
           </a:p>
@@ -6369,7 +6369,7 @@
           <a:p>
             <a:fld id="{5741791C-665E-4775-B64D-D30EF2B2B7B8}" type="datetime1">
               <a:rPr lang="en-US" smtClean="0"/>
-              <a:t>11/8/2017</a:t>
+              <a:t>11/9/2017</a:t>
             </a:fld>
             <a:endParaRPr lang="en-US"/>
           </a:p>
@@ -6580,7 +6580,7 @@
           <a:p>
             <a:fld id="{6E3AD883-BB4A-43E7-8B54-32F0D8E31A31}" type="datetime1">
               <a:rPr lang="en-US" smtClean="0"/>
-              <a:t>11/8/2017</a:t>
+              <a:t>11/9/2017</a:t>
             </a:fld>
             <a:endParaRPr lang="en-US"/>
           </a:p>
@@ -6910,7 +6910,7 @@
           <a:p>
             <a:fld id="{3A06DE66-39AE-4831-A32F-D50CD04A19D6}" type="datetime1">
               <a:rPr lang="en-US" smtClean="0"/>
-              <a:t>11/8/2017</a:t>
+              <a:t>11/9/2017</a:t>
             </a:fld>
             <a:endParaRPr lang="en-US" dirty="0"/>
           </a:p>
@@ -7054,7 +7054,7 @@
           <a:p>
             <a:fld id="{8FF3E4E4-9199-4F7E-8866-2F6B7F71A281}" type="datetime1">
               <a:rPr lang="en-US" smtClean="0"/>
-              <a:t>11/8/2017</a:t>
+              <a:t>11/9/2017</a:t>
             </a:fld>
             <a:endParaRPr lang="en-US"/>
           </a:p>
@@ -7359,7 +7359,7 @@
           <a:p>
             <a:fld id="{2B97D6C3-43B7-4F89-9E79-82A5A3605E61}" type="datetime1">
               <a:rPr lang="en-US" smtClean="0"/>
-              <a:t>11/8/2017</a:t>
+              <a:t>11/9/2017</a:t>
             </a:fld>
             <a:endParaRPr lang="en-US"/>
           </a:p>
@@ -7774,7 +7774,7 @@
           <a:p>
             <a:fld id="{FD0B8F11-1323-469B-AC60-FF2EF78823F9}" type="datetime1">
               <a:rPr lang="en-US" smtClean="0"/>
-              <a:t>11/8/2017</a:t>
+              <a:t>11/9/2017</a:t>
             </a:fld>
             <a:endParaRPr lang="en-US"/>
           </a:p>
@@ -7918,7 +7918,7 @@
           <a:p>
             <a:fld id="{54BBCB53-97AE-4393-A693-0DBD562BEFA5}" type="datetime1">
               <a:rPr lang="en-US" smtClean="0"/>
-              <a:t>11/8/2017</a:t>
+              <a:t>11/9/2017</a:t>
             </a:fld>
             <a:endParaRPr lang="en-US"/>
           </a:p>
@@ -8034,7 +8034,7 @@
           <a:p>
             <a:fld id="{B981CF97-F271-46FA-AFAD-B64D58C1A4A5}" type="datetime1">
               <a:rPr lang="en-US" smtClean="0"/>
-              <a:t>11/8/2017</a:t>
+              <a:t>11/9/2017</a:t>
             </a:fld>
             <a:endParaRPr lang="en-US"/>
           </a:p>
@@ -8348,7 +8348,7 @@
           <a:p>
             <a:fld id="{D54BAA09-AA03-4B31-9F17-60602C8A3204}" type="datetime1">
               <a:rPr lang="en-US" smtClean="0"/>
-              <a:t>11/8/2017</a:t>
+              <a:t>11/9/2017</a:t>
             </a:fld>
             <a:endParaRPr lang="en-US"/>
           </a:p>
@@ -8639,7 +8639,7 @@
           <a:p>
             <a:fld id="{2A77BDCF-5486-4FF1-98FC-611FE60EE5CF}" type="datetime1">
               <a:rPr lang="en-US" smtClean="0"/>
-              <a:t>11/8/2017</a:t>
+              <a:t>11/9/2017</a:t>
             </a:fld>
             <a:endParaRPr lang="en-US"/>
           </a:p>
@@ -8840,7 +8840,7 @@
           <a:p>
             <a:fld id="{EA12D9D7-0E70-4F82-B131-E2872E8691D4}" type="datetime1">
               <a:rPr lang="en-US" smtClean="0"/>
-              <a:t>11/8/2017</a:t>
+              <a:t>11/9/2017</a:t>
             </a:fld>
             <a:endParaRPr lang="en-US"/>
           </a:p>
@@ -9085,7 +9085,7 @@
           <a:p>
             <a:fld id="{5B34B120-4EAF-4826-8A44-643630AE28A7}" type="datetime1">
               <a:rPr lang="en-US" smtClean="0"/>
-              <a:t>11/8/2017</a:t>
+              <a:t>11/9/2017</a:t>
             </a:fld>
             <a:endParaRPr lang="en-US"/>
           </a:p>
@@ -9560,6 +9560,12 @@
               <a:t>Programmer’s Solutions</a:t>
             </a:r>
           </a:p>
+          <a:p>
+            <a:r>
+              <a:rPr lang="en-US" dirty="0"/>
+              <a:t>https://uima.apache.org</a:t>
+            </a:r>
+          </a:p>
         </p:txBody>
       </p:sp>
     </p:spTree>
@@ -14504,7 +14510,7 @@
           <a:p>
             <a:fld id="{AE869A3F-42FC-4A54-9A1C-B9B45A0435F5}" type="datetime1">
               <a:rPr lang="en-US" smtClean="0"/>
-              <a:t>11/8/2017</a:t>
+              <a:t>11/9/2017</a:t>
             </a:fld>
             <a:endParaRPr lang="en-US" dirty="0"/>
           </a:p>
@@ -18677,7 +18683,7 @@
           <a:p>
             <a:fld id="{74D1715A-5C75-404B-8400-C0508CBEB4BF}" type="datetime1">
               <a:rPr lang="en-US" smtClean="0"/>
-              <a:t>11/8/2017</a:t>
+              <a:t>11/9/2017</a:t>
             </a:fld>
             <a:endParaRPr lang="en-US" dirty="0"/>
           </a:p>
@@ -22788,7 +22794,7 @@
           <a:p>
             <a:fld id="{EEAB934A-3C39-4AEB-9556-80DFBB4A665D}" type="datetime1">
               <a:rPr lang="en-US" smtClean="0"/>
-              <a:t>11/8/2017</a:t>
+              <a:t>11/9/2017</a:t>
             </a:fld>
             <a:endParaRPr lang="en-US" dirty="0"/>
           </a:p>
@@ -23200,14 +23206,14 @@
           <a:effectLst/>
           <a:extLst>
             <a:ext uri="{909E8E84-426E-40dd-AFC4-6F175D3DCCD1}">
-              <a14:hiddenFill xmlns="" xmlns:a14="http://schemas.microsoft.com/office/drawing/2010/main">
+              <a14:hiddenFill xmlns:a14="http://schemas.microsoft.com/office/drawing/2010/main" xmlns="">
                 <a:solidFill>
                   <a:schemeClr val="accent1"/>
                 </a:solidFill>
               </a14:hiddenFill>
             </a:ext>
             <a:ext uri="{91240B29-F687-4f45-9708-019B960494DF}">
-              <a14:hiddenLine xmlns="" xmlns:a14="http://schemas.microsoft.com/office/drawing/2010/main" w="9525">
+              <a14:hiddenLine xmlns:a14="http://schemas.microsoft.com/office/drawing/2010/main" xmlns="" w="9525">
                 <a:solidFill>
                   <a:schemeClr val="tx1"/>
                 </a:solidFill>
@@ -23217,7 +23223,7 @@
               </a14:hiddenLine>
             </a:ext>
             <a:ext uri="{AF507438-7753-43e0-B8FC-AC1667EBCBE1}">
-              <a14:hiddenEffects xmlns="" xmlns:a14="http://schemas.microsoft.com/office/drawing/2010/main">
+              <a14:hiddenEffects xmlns:a14="http://schemas.microsoft.com/office/drawing/2010/main" xmlns="">
                 <a:effectLst>
                   <a:outerShdw blurRad="63500" dist="38099" dir="2700000" algn="ctr" rotWithShape="0">
                     <a:schemeClr val="bg2">
@@ -23228,7 +23234,7 @@
               </a14:hiddenEffects>
             </a:ext>
             <a:ext uri="{FAA26D3D-D897-4be2-8F04-BA451C77F1D7}">
-              <ma14:placeholderFlag xmlns="" xmlns:ma14="http://schemas.microsoft.com/office/mac/drawingml/2011/main" val="1"/>
+              <ma14:placeholderFlag xmlns:ma14="http://schemas.microsoft.com/office/mac/drawingml/2011/main" xmlns="" val="1"/>
             </a:ext>
           </a:extLst>
         </p:spPr>
@@ -23417,14 +23423,14 @@
           <a:effectLst/>
           <a:extLst>
             <a:ext uri="{909E8E84-426E-40dd-AFC4-6F175D3DCCD1}">
-              <a14:hiddenFill xmlns="" xmlns:a14="http://schemas.microsoft.com/office/drawing/2010/main">
+              <a14:hiddenFill xmlns:a14="http://schemas.microsoft.com/office/drawing/2010/main" xmlns="">
                 <a:solidFill>
                   <a:schemeClr val="accent1"/>
                 </a:solidFill>
               </a14:hiddenFill>
             </a:ext>
             <a:ext uri="{91240B29-F687-4f45-9708-019B960494DF}">
-              <a14:hiddenLine xmlns="" xmlns:a14="http://schemas.microsoft.com/office/drawing/2010/main" w="9525">
+              <a14:hiddenLine xmlns:a14="http://schemas.microsoft.com/office/drawing/2010/main" xmlns="" w="9525">
                 <a:solidFill>
                   <a:schemeClr val="tx1"/>
                 </a:solidFill>
@@ -23434,7 +23440,7 @@
               </a14:hiddenLine>
             </a:ext>
             <a:ext uri="{AF507438-7753-43e0-B8FC-AC1667EBCBE1}">
-              <a14:hiddenEffects xmlns="" xmlns:a14="http://schemas.microsoft.com/office/drawing/2010/main">
+              <a14:hiddenEffects xmlns:a14="http://schemas.microsoft.com/office/drawing/2010/main" xmlns="">
                 <a:effectLst>
                   <a:outerShdw blurRad="63500" dist="38099" dir="2700000" algn="ctr" rotWithShape="0">
                     <a:schemeClr val="bg2">
@@ -23445,7 +23451,7 @@
               </a14:hiddenEffects>
             </a:ext>
             <a:ext uri="{FAA26D3D-D897-4be2-8F04-BA451C77F1D7}">
-              <ma14:placeholderFlag xmlns="" xmlns:ma14="http://schemas.microsoft.com/office/mac/drawingml/2011/main" val="1"/>
+              <ma14:placeholderFlag xmlns:ma14="http://schemas.microsoft.com/office/mac/drawingml/2011/main" xmlns="" val="1"/>
             </a:ext>
           </a:extLst>
         </p:spPr>
@@ -23661,14 +23667,14 @@
           <a:effectLst/>
           <a:extLst>
             <a:ext uri="{909E8E84-426E-40dd-AFC4-6F175D3DCCD1}">
-              <a14:hiddenFill xmlns="" xmlns:a14="http://schemas.microsoft.com/office/drawing/2010/main">
+              <a14:hiddenFill xmlns:a14="http://schemas.microsoft.com/office/drawing/2010/main" xmlns="">
                 <a:solidFill>
                   <a:schemeClr val="accent1"/>
                 </a:solidFill>
               </a14:hiddenFill>
             </a:ext>
             <a:ext uri="{91240B29-F687-4f45-9708-019B960494DF}">
-              <a14:hiddenLine xmlns="" xmlns:a14="http://schemas.microsoft.com/office/drawing/2010/main" w="9525">
+              <a14:hiddenLine xmlns:a14="http://schemas.microsoft.com/office/drawing/2010/main" xmlns="" w="9525">
                 <a:solidFill>
                   <a:schemeClr val="tx1"/>
                 </a:solidFill>
@@ -23678,7 +23684,7 @@
               </a14:hiddenLine>
             </a:ext>
             <a:ext uri="{AF507438-7753-43e0-B8FC-AC1667EBCBE1}">
-              <a14:hiddenEffects xmlns="" xmlns:a14="http://schemas.microsoft.com/office/drawing/2010/main">
+              <a14:hiddenEffects xmlns:a14="http://schemas.microsoft.com/office/drawing/2010/main" xmlns="">
                 <a:effectLst>
                   <a:outerShdw blurRad="63500" dist="38099" dir="2700000" algn="ctr" rotWithShape="0">
                     <a:schemeClr val="bg2">
@@ -23689,7 +23695,7 @@
               </a14:hiddenEffects>
             </a:ext>
             <a:ext uri="{FAA26D3D-D897-4be2-8F04-BA451C77F1D7}">
-              <ma14:placeholderFlag xmlns="" xmlns:ma14="http://schemas.microsoft.com/office/mac/drawingml/2011/main" val="1"/>
+              <ma14:placeholderFlag xmlns:ma14="http://schemas.microsoft.com/office/mac/drawingml/2011/main" xmlns="" val="1"/>
             </a:ext>
           </a:extLst>
         </p:spPr>
@@ -23878,14 +23884,14 @@
           <a:effectLst/>
           <a:extLst>
             <a:ext uri="{909E8E84-426E-40dd-AFC4-6F175D3DCCD1}">
-              <a14:hiddenFill xmlns="" xmlns:a14="http://schemas.microsoft.com/office/drawing/2010/main">
+              <a14:hiddenFill xmlns:a14="http://schemas.microsoft.com/office/drawing/2010/main" xmlns="">
                 <a:solidFill>
                   <a:schemeClr val="accent1"/>
                 </a:solidFill>
               </a14:hiddenFill>
             </a:ext>
             <a:ext uri="{91240B29-F687-4f45-9708-019B960494DF}">
-              <a14:hiddenLine xmlns="" xmlns:a14="http://schemas.microsoft.com/office/drawing/2010/main" w="9525">
+              <a14:hiddenLine xmlns:a14="http://schemas.microsoft.com/office/drawing/2010/main" xmlns="" w="9525">
                 <a:solidFill>
                   <a:schemeClr val="tx1"/>
                 </a:solidFill>
@@ -23895,7 +23901,7 @@
               </a14:hiddenLine>
             </a:ext>
             <a:ext uri="{AF507438-7753-43e0-B8FC-AC1667EBCBE1}">
-              <a14:hiddenEffects xmlns="" xmlns:a14="http://schemas.microsoft.com/office/drawing/2010/main">
+              <a14:hiddenEffects xmlns:a14="http://schemas.microsoft.com/office/drawing/2010/main" xmlns="">
                 <a:effectLst>
                   <a:outerShdw blurRad="63500" dist="38099" dir="2700000" algn="ctr" rotWithShape="0">
                     <a:schemeClr val="bg2">
@@ -23906,7 +23912,7 @@
               </a14:hiddenEffects>
             </a:ext>
             <a:ext uri="{FAA26D3D-D897-4be2-8F04-BA451C77F1D7}">
-              <ma14:placeholderFlag xmlns="" xmlns:ma14="http://schemas.microsoft.com/office/mac/drawingml/2011/main" val="1"/>
+              <ma14:placeholderFlag xmlns:ma14="http://schemas.microsoft.com/office/mac/drawingml/2011/main" xmlns="" val="1"/>
             </a:ext>
           </a:extLst>
         </p:spPr>
@@ -24122,14 +24128,14 @@
           <a:effectLst/>
           <a:extLst>
             <a:ext uri="{909E8E84-426E-40dd-AFC4-6F175D3DCCD1}">
-              <a14:hiddenFill xmlns="" xmlns:a14="http://schemas.microsoft.com/office/drawing/2010/main">
+              <a14:hiddenFill xmlns:a14="http://schemas.microsoft.com/office/drawing/2010/main" xmlns="">
                 <a:solidFill>
                   <a:schemeClr val="accent1"/>
                 </a:solidFill>
               </a14:hiddenFill>
             </a:ext>
             <a:ext uri="{91240B29-F687-4f45-9708-019B960494DF}">
-              <a14:hiddenLine xmlns="" xmlns:a14="http://schemas.microsoft.com/office/drawing/2010/main" w="9525">
+              <a14:hiddenLine xmlns:a14="http://schemas.microsoft.com/office/drawing/2010/main" xmlns="" w="9525">
                 <a:solidFill>
                   <a:schemeClr val="tx1"/>
                 </a:solidFill>
@@ -24139,7 +24145,7 @@
               </a14:hiddenLine>
             </a:ext>
             <a:ext uri="{AF507438-7753-43e0-B8FC-AC1667EBCBE1}">
-              <a14:hiddenEffects xmlns="" xmlns:a14="http://schemas.microsoft.com/office/drawing/2010/main">
+              <a14:hiddenEffects xmlns:a14="http://schemas.microsoft.com/office/drawing/2010/main" xmlns="">
                 <a:effectLst>
                   <a:outerShdw blurRad="63500" dist="38099" dir="2700000" algn="ctr" rotWithShape="0">
                     <a:schemeClr val="bg2">
@@ -24150,7 +24156,7 @@
               </a14:hiddenEffects>
             </a:ext>
             <a:ext uri="{FAA26D3D-D897-4be2-8F04-BA451C77F1D7}">
-              <ma14:placeholderFlag xmlns="" xmlns:ma14="http://schemas.microsoft.com/office/mac/drawingml/2011/main" val="1"/>
+              <ma14:placeholderFlag xmlns:ma14="http://schemas.microsoft.com/office/mac/drawingml/2011/main" xmlns="" val="1"/>
             </a:ext>
           </a:extLst>
         </p:spPr>
@@ -24333,7 +24339,7 @@
           <a:p>
             <a:fld id="{7497A4EB-6CF3-412F-9AC4-4CCD5D991571}" type="datetime1">
               <a:rPr lang="en-US" smtClean="0"/>
-              <a:t>11/8/2017</a:t>
+              <a:t>11/9/2017</a:t>
             </a:fld>
             <a:endParaRPr lang="en-US" dirty="0"/>
           </a:p>
@@ -24953,14 +24959,14 @@
           <a:effectLst/>
           <a:extLst>
             <a:ext uri="{909E8E84-426E-40dd-AFC4-6F175D3DCCD1}">
-              <a14:hiddenFill xmlns="" xmlns:a14="http://schemas.microsoft.com/office/drawing/2010/main">
+              <a14:hiddenFill xmlns:a14="http://schemas.microsoft.com/office/drawing/2010/main" xmlns="">
                 <a:solidFill>
                   <a:schemeClr val="accent1"/>
                 </a:solidFill>
               </a14:hiddenFill>
             </a:ext>
             <a:ext uri="{91240B29-F687-4f45-9708-019B960494DF}">
-              <a14:hiddenLine xmlns="" xmlns:a14="http://schemas.microsoft.com/office/drawing/2010/main" w="9525">
+              <a14:hiddenLine xmlns:a14="http://schemas.microsoft.com/office/drawing/2010/main" xmlns="" w="9525">
                 <a:solidFill>
                   <a:schemeClr val="tx1"/>
                 </a:solidFill>
@@ -24970,7 +24976,7 @@
               </a14:hiddenLine>
             </a:ext>
             <a:ext uri="{AF507438-7753-43e0-B8FC-AC1667EBCBE1}">
-              <a14:hiddenEffects xmlns="" xmlns:a14="http://schemas.microsoft.com/office/drawing/2010/main">
+              <a14:hiddenEffects xmlns:a14="http://schemas.microsoft.com/office/drawing/2010/main" xmlns="">
                 <a:effectLst>
                   <a:outerShdw blurRad="63500" dist="38099" dir="2700000" algn="ctr" rotWithShape="0">
                     <a:schemeClr val="bg2">
@@ -24981,7 +24987,7 @@
               </a14:hiddenEffects>
             </a:ext>
             <a:ext uri="{FAA26D3D-D897-4be2-8F04-BA451C77F1D7}">
-              <ma14:placeholderFlag xmlns="" xmlns:ma14="http://schemas.microsoft.com/office/mac/drawingml/2011/main" val="1"/>
+              <ma14:placeholderFlag xmlns:ma14="http://schemas.microsoft.com/office/mac/drawingml/2011/main" xmlns="" val="1"/>
             </a:ext>
           </a:extLst>
         </p:spPr>
@@ -25170,14 +25176,14 @@
           <a:effectLst/>
           <a:extLst>
             <a:ext uri="{909E8E84-426E-40dd-AFC4-6F175D3DCCD1}">
-              <a14:hiddenFill xmlns="" xmlns:a14="http://schemas.microsoft.com/office/drawing/2010/main">
+              <a14:hiddenFill xmlns:a14="http://schemas.microsoft.com/office/drawing/2010/main" xmlns="">
                 <a:solidFill>
                   <a:schemeClr val="accent1"/>
                 </a:solidFill>
               </a14:hiddenFill>
             </a:ext>
             <a:ext uri="{91240B29-F687-4f45-9708-019B960494DF}">
-              <a14:hiddenLine xmlns="" xmlns:a14="http://schemas.microsoft.com/office/drawing/2010/main" w="9525">
+              <a14:hiddenLine xmlns:a14="http://schemas.microsoft.com/office/drawing/2010/main" xmlns="" w="9525">
                 <a:solidFill>
                   <a:schemeClr val="tx1"/>
                 </a:solidFill>
@@ -25187,7 +25193,7 @@
               </a14:hiddenLine>
             </a:ext>
             <a:ext uri="{AF507438-7753-43e0-B8FC-AC1667EBCBE1}">
-              <a14:hiddenEffects xmlns="" xmlns:a14="http://schemas.microsoft.com/office/drawing/2010/main">
+              <a14:hiddenEffects xmlns:a14="http://schemas.microsoft.com/office/drawing/2010/main" xmlns="">
                 <a:effectLst>
                   <a:outerShdw blurRad="63500" dist="38099" dir="2700000" algn="ctr" rotWithShape="0">
                     <a:schemeClr val="bg2">
@@ -25198,7 +25204,7 @@
               </a14:hiddenEffects>
             </a:ext>
             <a:ext uri="{FAA26D3D-D897-4be2-8F04-BA451C77F1D7}">
-              <ma14:placeholderFlag xmlns="" xmlns:ma14="http://schemas.microsoft.com/office/mac/drawingml/2011/main" val="1"/>
+              <ma14:placeholderFlag xmlns:ma14="http://schemas.microsoft.com/office/mac/drawingml/2011/main" xmlns="" val="1"/>
             </a:ext>
           </a:extLst>
         </p:spPr>
@@ -25506,7 +25512,7 @@
           <a:p>
             <a:fld id="{34AE2AF4-DE00-4367-8990-2704E34BEB0B}" type="datetime1">
               <a:rPr lang="en-US" smtClean="0"/>
-              <a:t>11/8/2017</a:t>
+              <a:t>11/9/2017</a:t>
             </a:fld>
             <a:endParaRPr lang="en-US" dirty="0"/>
           </a:p>
@@ -26144,7 +26150,7 @@
           <a:p>
             <a:fld id="{C8683FA4-76EC-43D7-82C4-CDA590961A60}" type="datetime1">
               <a:rPr lang="en-US" smtClean="0"/>
-              <a:t>11/8/2017</a:t>
+              <a:t>11/9/2017</a:t>
             </a:fld>
             <a:endParaRPr lang="en-US" dirty="0"/>
           </a:p>
@@ -26725,7 +26731,7 @@
           <a:p>
             <a:fld id="{84F50ABF-7C5C-42ED-A89C-CA1887BE685D}" type="datetime1">
               <a:rPr lang="en-US" smtClean="0"/>
-              <a:t>11/8/2017</a:t>
+              <a:t>11/9/2017</a:t>
             </a:fld>
             <a:endParaRPr lang="en-US" dirty="0"/>
           </a:p>
@@ -26990,7 +26996,7 @@
           <a:p>
             <a:fld id="{AA65D2A0-D0BA-4A22-B204-528C467850F9}" type="datetime1">
               <a:rPr lang="en-US" smtClean="0"/>
-              <a:t>11/8/2017</a:t>
+              <a:t>11/9/2017</a:t>
             </a:fld>
             <a:endParaRPr lang="en-US" dirty="0"/>
           </a:p>
@@ -27498,7 +27504,7 @@
           <a:p>
             <a:fld id="{C8A8D797-C261-480E-8837-067D26D5423E}" type="datetime1">
               <a:rPr lang="en-US" smtClean="0"/>
-              <a:t>11/8/2017</a:t>
+              <a:t>11/9/2017</a:t>
             </a:fld>
             <a:endParaRPr lang="en-US" dirty="0"/>
           </a:p>
@@ -28260,7 +28266,7 @@
           <a:p>
             <a:fld id="{10685852-31F4-439C-A2F5-6D985800193A}" type="datetime1">
               <a:rPr lang="en-US" smtClean="0"/>
-              <a:t>11/8/2017</a:t>
+              <a:t>11/9/2017</a:t>
             </a:fld>
             <a:endParaRPr lang="en-US" dirty="0"/>
           </a:p>
@@ -28892,7 +28898,7 @@
           <a:p>
             <a:fld id="{28206AF7-5981-49D9-9AA4-DC60D16F6974}" type="datetime1">
               <a:rPr lang="en-US" smtClean="0"/>
-              <a:t>11/8/2017</a:t>
+              <a:t>11/9/2017</a:t>
             </a:fld>
             <a:endParaRPr lang="en-US"/>
           </a:p>
@@ -29182,7 +29188,7 @@
           <a:p>
             <a:fld id="{EF958134-0828-483C-9EEE-57B73754CD9F}" type="datetime1">
               <a:rPr lang="en-US" smtClean="0"/>
-              <a:t>11/8/2017</a:t>
+              <a:t>11/9/2017</a:t>
             </a:fld>
             <a:endParaRPr lang="en-US" dirty="0"/>
           </a:p>
@@ -29807,7 +29813,7 @@
           <a:p>
             <a:fld id="{157537AB-6057-4B8B-9830-5C45CA9D8384}" type="datetime1">
               <a:rPr lang="en-US" smtClean="0"/>
-              <a:t>11/8/2017</a:t>
+              <a:t>11/9/2017</a:t>
             </a:fld>
             <a:endParaRPr lang="en-US" dirty="0"/>
           </a:p>
@@ -30399,7 +30405,7 @@
           <a:p>
             <a:fld id="{189A320A-6C4F-4628-979D-FEE2F85D7E2C}" type="datetime1">
               <a:rPr lang="en-US" smtClean="0"/>
-              <a:t>11/8/2017</a:t>
+              <a:t>11/9/2017</a:t>
             </a:fld>
             <a:endParaRPr lang="en-US" dirty="0"/>
           </a:p>
@@ -31054,7 +31060,7 @@
           <a:p>
             <a:fld id="{A1A5F216-EF7A-4B17-AEAA-CB0C884A7D82}" type="datetime1">
               <a:rPr lang="en-US" smtClean="0"/>
-              <a:t>11/8/2017</a:t>
+              <a:t>11/9/2017</a:t>
             </a:fld>
             <a:endParaRPr lang="en-US" dirty="0"/>
           </a:p>
@@ -31798,7 +31804,7 @@
           <a:p>
             <a:fld id="{939BC27C-99A1-48D3-A757-D318F3766BD7}" type="datetime1">
               <a:rPr lang="en-US" smtClean="0"/>
-              <a:t>11/8/2017</a:t>
+              <a:t>11/9/2017</a:t>
             </a:fld>
             <a:endParaRPr lang="en-US" dirty="0"/>
           </a:p>
@@ -32867,12 +32873,41 @@
           </a:p>
         </p:txBody>
       </p:sp>
+      <p:sp>
+        <p:nvSpPr>
+          <p:cNvPr id="4" name="Date Placeholder 3">
+            <a:extLst>
+              <a:ext uri="{FF2B5EF4-FFF2-40B4-BE49-F238E27FC236}">
+                <a16:creationId xmlns:a16="http://schemas.microsoft.com/office/drawing/2014/main" id="{EBF5F5FB-AF17-43FF-BFD6-F74A6CB3D808}"/>
+              </a:ext>
+            </a:extLst>
+          </p:cNvPr>
+          <p:cNvSpPr>
+            <a:spLocks noGrp="1"/>
+          </p:cNvSpPr>
+          <p:nvPr>
+            <p:ph type="dt" sz="half" idx="12"/>
+          </p:nvPr>
+        </p:nvSpPr>
+        <p:spPr/>
+        <p:txBody>
+          <a:bodyPr/>
+          <a:lstStyle/>
+          <a:p>
+            <a:fld id="{D43EF723-9DC7-427A-944C-A22876C03062}" type="datetime1">
+              <a:rPr lang="en-US" smtClean="0"/>
+              <a:t>11/9/2017</a:t>
+            </a:fld>
+            <a:endParaRPr lang="en-US" dirty="0"/>
+          </a:p>
+        </p:txBody>
+      </p:sp>
       <p:pic>
         <p:nvPicPr>
-          <p:cNvPr id="18" name="Picture 17" descr="Screen Clipping">
-            <a:extLst>
-              <a:ext uri="{FF2B5EF4-FFF2-40B4-BE49-F238E27FC236}">
-                <a16:creationId xmlns:a16="http://schemas.microsoft.com/office/drawing/2014/main" id="{E65234C1-F7F7-4622-8855-FE2E6F8E3D2B}"/>
+          <p:cNvPr id="7" name="Picture 6">
+            <a:extLst>
+              <a:ext uri="{FF2B5EF4-FFF2-40B4-BE49-F238E27FC236}">
+                <a16:creationId xmlns:a16="http://schemas.microsoft.com/office/drawing/2014/main" id="{A2CCC7EA-7B8B-4C61-B4E2-86276B899480}"/>
               </a:ext>
             </a:extLst>
           </p:cNvPr>
@@ -32889,43 +32924,14 @@
         </p:blipFill>
         <p:spPr>
           <a:xfrm>
-            <a:off x="3602245" y="738184"/>
-            <a:ext cx="8589755" cy="5586416"/>
+            <a:off x="3758652" y="1169904"/>
+            <a:ext cx="8102519" cy="5157015"/>
           </a:xfrm>
           <a:prstGeom prst="rect">
             <a:avLst/>
           </a:prstGeom>
         </p:spPr>
       </p:pic>
-      <p:sp>
-        <p:nvSpPr>
-          <p:cNvPr id="4" name="Date Placeholder 3">
-            <a:extLst>
-              <a:ext uri="{FF2B5EF4-FFF2-40B4-BE49-F238E27FC236}">
-                <a16:creationId xmlns:a16="http://schemas.microsoft.com/office/drawing/2014/main" id="{EBF5F5FB-AF17-43FF-BFD6-F74A6CB3D808}"/>
-              </a:ext>
-            </a:extLst>
-          </p:cNvPr>
-          <p:cNvSpPr>
-            <a:spLocks noGrp="1"/>
-          </p:cNvSpPr>
-          <p:nvPr>
-            <p:ph type="dt" sz="half" idx="12"/>
-          </p:nvPr>
-        </p:nvSpPr>
-        <p:spPr/>
-        <p:txBody>
-          <a:bodyPr/>
-          <a:lstStyle/>
-          <a:p>
-            <a:fld id="{D43EF723-9DC7-427A-944C-A22876C03062}" type="datetime1">
-              <a:rPr lang="en-US" smtClean="0"/>
-              <a:t>11/8/2017</a:t>
-            </a:fld>
-            <a:endParaRPr lang="en-US" dirty="0"/>
-          </a:p>
-        </p:txBody>
-      </p:sp>
     </p:spTree>
     <p:extLst>
       <p:ext uri="{BB962C8B-B14F-4D97-AF65-F5344CB8AC3E}">
@@ -33060,7 +33066,7 @@
                                           </p:stCondLst>
                                         </p:cTn>
                                         <p:tgtEl>
-                                          <p:spTgt spid="18"/>
+                                          <p:spTgt spid="7"/>
                                         </p:tgtEl>
                                         <p:attrNameLst>
                                           <p:attrName>style.visibility</p:attrName>
@@ -33241,7 +33247,7 @@
           <a:p>
             <a:fld id="{1F9C297A-A773-438C-A189-3CB6981C78C2}" type="datetime1">
               <a:rPr lang="en-US" smtClean="0"/>
-              <a:t>11/8/2017</a:t>
+              <a:t>11/9/2017</a:t>
             </a:fld>
             <a:endParaRPr lang="en-US" dirty="0"/>
           </a:p>
@@ -33491,14 +33497,14 @@
           </a:xfrm>
           <a:extLst>
             <a:ext uri="{909E8E84-426E-40dd-AFC4-6F175D3DCCD1}">
-              <a14:hiddenFill xmlns="" xmlns:a14="http://schemas.microsoft.com/office/drawing/2010/main">
+              <a14:hiddenFill xmlns:a14="http://schemas.microsoft.com/office/drawing/2010/main" xmlns="">
                 <a:solidFill>
                   <a:schemeClr val="accent1"/>
                 </a:solidFill>
               </a14:hiddenFill>
             </a:ext>
             <a:ext uri="{91240B29-F687-4f45-9708-019B960494DF}">
-              <a14:hiddenLine xmlns="" xmlns:a14="http://schemas.microsoft.com/office/drawing/2010/main" w="9525">
+              <a14:hiddenLine xmlns:a14="http://schemas.microsoft.com/office/drawing/2010/main" xmlns="" w="9525">
                 <a:solidFill>
                   <a:schemeClr val="tx1"/>
                 </a:solidFill>
@@ -33508,7 +33514,7 @@
               </a14:hiddenLine>
             </a:ext>
             <a:ext uri="{AF507438-7753-43e0-B8FC-AC1667EBCBE1}">
-              <a14:hiddenEffects xmlns="" xmlns:a14="http://schemas.microsoft.com/office/drawing/2010/main">
+              <a14:hiddenEffects xmlns:a14="http://schemas.microsoft.com/office/drawing/2010/main" xmlns="">
                 <a:effectLst>
                   <a:outerShdw blurRad="63500" dist="38099" dir="2700000" algn="ctr" rotWithShape="0">
                     <a:schemeClr val="bg2">
@@ -33519,7 +33525,7 @@
               </a14:hiddenEffects>
             </a:ext>
             <a:ext uri="{FAA26D3D-D897-4be2-8F04-BA451C77F1D7}">
-              <ma14:placeholderFlag xmlns="" xmlns:ma14="http://schemas.microsoft.com/office/mac/drawingml/2011/main" val="1"/>
+              <ma14:placeholderFlag xmlns:ma14="http://schemas.microsoft.com/office/mac/drawingml/2011/main" xmlns="" val="1"/>
             </a:ext>
           </a:extLst>
         </p:spPr>
@@ -33662,14 +33668,14 @@
         <p:spPr>
           <a:extLst>
             <a:ext uri="{909E8E84-426E-40dd-AFC4-6F175D3DCCD1}">
-              <a14:hiddenFill xmlns="" xmlns:a14="http://schemas.microsoft.com/office/drawing/2010/main">
+              <a14:hiddenFill xmlns:a14="http://schemas.microsoft.com/office/drawing/2010/main" xmlns="">
                 <a:solidFill>
                   <a:schemeClr val="accent1"/>
                 </a:solidFill>
               </a14:hiddenFill>
             </a:ext>
             <a:ext uri="{91240B29-F687-4f45-9708-019B960494DF}">
-              <a14:hiddenLine xmlns="" xmlns:a14="http://schemas.microsoft.com/office/drawing/2010/main" w="9525">
+              <a14:hiddenLine xmlns:a14="http://schemas.microsoft.com/office/drawing/2010/main" xmlns="" w="9525">
                 <a:solidFill>
                   <a:schemeClr val="tx1"/>
                 </a:solidFill>
@@ -33679,7 +33685,7 @@
               </a14:hiddenLine>
             </a:ext>
             <a:ext uri="{AF507438-7753-43e0-B8FC-AC1667EBCBE1}">
-              <a14:hiddenEffects xmlns="" xmlns:a14="http://schemas.microsoft.com/office/drawing/2010/main">
+              <a14:hiddenEffects xmlns:a14="http://schemas.microsoft.com/office/drawing/2010/main" xmlns="">
                 <a:effectLst>
                   <a:outerShdw blurRad="63500" dist="38099" dir="2700000" algn="ctr" rotWithShape="0">
                     <a:schemeClr val="bg2">
@@ -33690,7 +33696,7 @@
               </a14:hiddenEffects>
             </a:ext>
             <a:ext uri="{FAA26D3D-D897-4be2-8F04-BA451C77F1D7}">
-              <ma14:placeholderFlag xmlns="" xmlns:ma14="http://schemas.microsoft.com/office/mac/drawingml/2011/main" val="1"/>
+              <ma14:placeholderFlag xmlns:ma14="http://schemas.microsoft.com/office/mac/drawingml/2011/main" xmlns="" val="1"/>
             </a:ext>
           </a:extLst>
         </p:spPr>
@@ -33874,7 +33880,7 @@
           <a:p>
             <a:fld id="{72B1CF7A-5115-4D9F-9AE1-8E5B13C35372}" type="datetime1">
               <a:rPr lang="en-US" smtClean="0"/>
-              <a:t>11/8/2017</a:t>
+              <a:t>11/9/2017</a:t>
             </a:fld>
             <a:endParaRPr lang="en-US" dirty="0"/>
           </a:p>
@@ -34535,7 +34541,7 @@
           <a:p>
             <a:fld id="{A943CBF3-DD08-4B43-857D-2B6E5185334E}" type="datetime1">
               <a:rPr lang="en-US" smtClean="0"/>
-              <a:t>11/8/2017</a:t>
+              <a:t>11/9/2017</a:t>
             </a:fld>
             <a:endParaRPr lang="en-US" dirty="0"/>
           </a:p>
@@ -35421,7 +35427,7 @@
           <a:p>
             <a:fld id="{EF6859CF-7BE2-491B-891B-32127F49A511}" type="datetime1">
               <a:rPr lang="en-US" smtClean="0"/>
-              <a:t>11/8/2017</a:t>
+              <a:t>11/9/2017</a:t>
             </a:fld>
             <a:endParaRPr lang="en-US" dirty="0"/>
           </a:p>
@@ -36663,7 +36669,7 @@
           <a:p>
             <a:fld id="{FFF122D3-7248-47BC-BBF9-FD7B0A466F80}" type="datetime1">
               <a:rPr lang="en-US" smtClean="0"/>
-              <a:t>11/8/2017</a:t>
+              <a:t>11/9/2017</a:t>
             </a:fld>
             <a:endParaRPr lang="en-US" dirty="0"/>
           </a:p>
@@ -38897,7 +38903,7 @@
           <a:p>
             <a:fld id="{CC59E92D-263E-422E-BF83-D1A4522EF799}" type="datetime1">
               <a:rPr lang="en-US" smtClean="0"/>
-              <a:t>11/8/2017</a:t>
+              <a:t>11/9/2017</a:t>
             </a:fld>
             <a:endParaRPr lang="en-US" dirty="0"/>
           </a:p>
@@ -39503,14 +39509,14 @@
           <a:effectLst/>
           <a:extLst>
             <a:ext uri="{909E8E84-426E-40dd-AFC4-6F175D3DCCD1}">
-              <a14:hiddenFill xmlns="" xmlns:a14="http://schemas.microsoft.com/office/drawing/2010/main">
+              <a14:hiddenFill xmlns:a14="http://schemas.microsoft.com/office/drawing/2010/main" xmlns="">
                 <a:solidFill>
                   <a:schemeClr val="accent1"/>
                 </a:solidFill>
               </a14:hiddenFill>
             </a:ext>
             <a:ext uri="{91240B29-F687-4f45-9708-019B960494DF}">
-              <a14:hiddenLine xmlns="" xmlns:a14="http://schemas.microsoft.com/office/drawing/2010/main" w="9525">
+              <a14:hiddenLine xmlns:a14="http://schemas.microsoft.com/office/drawing/2010/main" xmlns="" w="9525">
                 <a:solidFill>
                   <a:schemeClr val="tx1"/>
                 </a:solidFill>
@@ -39520,7 +39526,7 @@
               </a14:hiddenLine>
             </a:ext>
             <a:ext uri="{AF507438-7753-43e0-B8FC-AC1667EBCBE1}">
-              <a14:hiddenEffects xmlns="" xmlns:a14="http://schemas.microsoft.com/office/drawing/2010/main">
+              <a14:hiddenEffects xmlns:a14="http://schemas.microsoft.com/office/drawing/2010/main" xmlns="">
                 <a:effectLst>
                   <a:outerShdw blurRad="63500" dist="38099" dir="2700000" algn="ctr" rotWithShape="0">
                     <a:schemeClr val="bg2">
@@ -39531,7 +39537,7 @@
               </a14:hiddenEffects>
             </a:ext>
             <a:ext uri="{FAA26D3D-D897-4be2-8F04-BA451C77F1D7}">
-              <ma14:placeholderFlag xmlns="" xmlns:ma14="http://schemas.microsoft.com/office/mac/drawingml/2011/main" val="1"/>
+              <ma14:placeholderFlag xmlns:ma14="http://schemas.microsoft.com/office/mac/drawingml/2011/main" xmlns="" val="1"/>
             </a:ext>
           </a:extLst>
         </p:spPr>
@@ -39720,14 +39726,14 @@
           <a:effectLst/>
           <a:extLst>
             <a:ext uri="{909E8E84-426E-40dd-AFC4-6F175D3DCCD1}">
-              <a14:hiddenFill xmlns="" xmlns:a14="http://schemas.microsoft.com/office/drawing/2010/main">
+              <a14:hiddenFill xmlns:a14="http://schemas.microsoft.com/office/drawing/2010/main" xmlns="">
                 <a:solidFill>
                   <a:schemeClr val="accent1"/>
                 </a:solidFill>
               </a14:hiddenFill>
             </a:ext>
             <a:ext uri="{91240B29-F687-4f45-9708-019B960494DF}">
-              <a14:hiddenLine xmlns="" xmlns:a14="http://schemas.microsoft.com/office/drawing/2010/main" w="9525">
+              <a14:hiddenLine xmlns:a14="http://schemas.microsoft.com/office/drawing/2010/main" xmlns="" w="9525">
                 <a:solidFill>
                   <a:schemeClr val="tx1"/>
                 </a:solidFill>
@@ -39737,7 +39743,7 @@
               </a14:hiddenLine>
             </a:ext>
             <a:ext uri="{AF507438-7753-43e0-B8FC-AC1667EBCBE1}">
-              <a14:hiddenEffects xmlns="" xmlns:a14="http://schemas.microsoft.com/office/drawing/2010/main">
+              <a14:hiddenEffects xmlns:a14="http://schemas.microsoft.com/office/drawing/2010/main" xmlns="">
                 <a:effectLst>
                   <a:outerShdw blurRad="63500" dist="38099" dir="2700000" algn="ctr" rotWithShape="0">
                     <a:schemeClr val="bg2">
@@ -39748,7 +39754,7 @@
               </a14:hiddenEffects>
             </a:ext>
             <a:ext uri="{FAA26D3D-D897-4be2-8F04-BA451C77F1D7}">
-              <ma14:placeholderFlag xmlns="" xmlns:ma14="http://schemas.microsoft.com/office/mac/drawingml/2011/main" val="1"/>
+              <ma14:placeholderFlag xmlns:ma14="http://schemas.microsoft.com/office/mac/drawingml/2011/main" xmlns="" val="1"/>
             </a:ext>
           </a:extLst>
         </p:spPr>
@@ -39957,14 +39963,14 @@
           <a:effectLst/>
           <a:extLst>
             <a:ext uri="{909E8E84-426E-40dd-AFC4-6F175D3DCCD1}">
-              <a14:hiddenFill xmlns="" xmlns:a14="http://schemas.microsoft.com/office/drawing/2010/main">
+              <a14:hiddenFill xmlns:a14="http://schemas.microsoft.com/office/drawing/2010/main" xmlns="">
                 <a:solidFill>
                   <a:schemeClr val="accent1"/>
                 </a:solidFill>
               </a14:hiddenFill>
             </a:ext>
             <a:ext uri="{91240B29-F687-4f45-9708-019B960494DF}">
-              <a14:hiddenLine xmlns="" xmlns:a14="http://schemas.microsoft.com/office/drawing/2010/main" w="9525">
+              <a14:hiddenLine xmlns:a14="http://schemas.microsoft.com/office/drawing/2010/main" xmlns="" w="9525">
                 <a:solidFill>
                   <a:schemeClr val="tx1"/>
                 </a:solidFill>
@@ -39974,7 +39980,7 @@
               </a14:hiddenLine>
             </a:ext>
             <a:ext uri="{AF507438-7753-43e0-B8FC-AC1667EBCBE1}">
-              <a14:hiddenEffects xmlns="" xmlns:a14="http://schemas.microsoft.com/office/drawing/2010/main">
+              <a14:hiddenEffects xmlns:a14="http://schemas.microsoft.com/office/drawing/2010/main" xmlns="">
                 <a:effectLst>
                   <a:outerShdw blurRad="63500" dist="38099" dir="2700000" algn="ctr" rotWithShape="0">
                     <a:schemeClr val="bg2">
@@ -39985,7 +39991,7 @@
               </a14:hiddenEffects>
             </a:ext>
             <a:ext uri="{FAA26D3D-D897-4be2-8F04-BA451C77F1D7}">
-              <ma14:placeholderFlag xmlns="" xmlns:ma14="http://schemas.microsoft.com/office/mac/drawingml/2011/main" val="1"/>
+              <ma14:placeholderFlag xmlns:ma14="http://schemas.microsoft.com/office/mac/drawingml/2011/main" xmlns="" val="1"/>
             </a:ext>
           </a:extLst>
         </p:spPr>
@@ -40174,14 +40180,14 @@
           <a:effectLst/>
           <a:extLst>
             <a:ext uri="{909E8E84-426E-40dd-AFC4-6F175D3DCCD1}">
-              <a14:hiddenFill xmlns="" xmlns:a14="http://schemas.microsoft.com/office/drawing/2010/main">
+              <a14:hiddenFill xmlns:a14="http://schemas.microsoft.com/office/drawing/2010/main" xmlns="">
                 <a:solidFill>
                   <a:schemeClr val="accent1"/>
                 </a:solidFill>
               </a14:hiddenFill>
             </a:ext>
             <a:ext uri="{91240B29-F687-4f45-9708-019B960494DF}">
-              <a14:hiddenLine xmlns="" xmlns:a14="http://schemas.microsoft.com/office/drawing/2010/main" w="9525">
+              <a14:hiddenLine xmlns:a14="http://schemas.microsoft.com/office/drawing/2010/main" xmlns="" w="9525">
                 <a:solidFill>
                   <a:schemeClr val="tx1"/>
                 </a:solidFill>
@@ -40191,7 +40197,7 @@
               </a14:hiddenLine>
             </a:ext>
             <a:ext uri="{AF507438-7753-43e0-B8FC-AC1667EBCBE1}">
-              <a14:hiddenEffects xmlns="" xmlns:a14="http://schemas.microsoft.com/office/drawing/2010/main">
+              <a14:hiddenEffects xmlns:a14="http://schemas.microsoft.com/office/drawing/2010/main" xmlns="">
                 <a:effectLst>
                   <a:outerShdw blurRad="63500" dist="38099" dir="2700000" algn="ctr" rotWithShape="0">
                     <a:schemeClr val="bg2">
@@ -40202,7 +40208,7 @@
               </a14:hiddenEffects>
             </a:ext>
             <a:ext uri="{FAA26D3D-D897-4be2-8F04-BA451C77F1D7}">
-              <ma14:placeholderFlag xmlns="" xmlns:ma14="http://schemas.microsoft.com/office/mac/drawingml/2011/main" val="1"/>
+              <ma14:placeholderFlag xmlns:ma14="http://schemas.microsoft.com/office/mac/drawingml/2011/main" xmlns="" val="1"/>
             </a:ext>
           </a:extLst>
         </p:spPr>
@@ -40425,14 +40431,14 @@
           <a:effectLst/>
           <a:extLst>
             <a:ext uri="{909E8E84-426E-40dd-AFC4-6F175D3DCCD1}">
-              <a14:hiddenFill xmlns="" xmlns:a14="http://schemas.microsoft.com/office/drawing/2010/main">
+              <a14:hiddenFill xmlns:a14="http://schemas.microsoft.com/office/drawing/2010/main" xmlns="">
                 <a:solidFill>
                   <a:schemeClr val="accent1"/>
                 </a:solidFill>
               </a14:hiddenFill>
             </a:ext>
             <a:ext uri="{91240B29-F687-4f45-9708-019B960494DF}">
-              <a14:hiddenLine xmlns="" xmlns:a14="http://schemas.microsoft.com/office/drawing/2010/main" w="9525">
+              <a14:hiddenLine xmlns:a14="http://schemas.microsoft.com/office/drawing/2010/main" xmlns="" w="9525">
                 <a:solidFill>
                   <a:schemeClr val="tx1"/>
                 </a:solidFill>
@@ -40442,7 +40448,7 @@
               </a14:hiddenLine>
             </a:ext>
             <a:ext uri="{AF507438-7753-43e0-B8FC-AC1667EBCBE1}">
-              <a14:hiddenEffects xmlns="" xmlns:a14="http://schemas.microsoft.com/office/drawing/2010/main">
+              <a14:hiddenEffects xmlns:a14="http://schemas.microsoft.com/office/drawing/2010/main" xmlns="">
                 <a:effectLst>
                   <a:outerShdw blurRad="63500" dist="38099" dir="2700000" algn="ctr" rotWithShape="0">
                     <a:schemeClr val="bg2">
@@ -40453,7 +40459,7 @@
               </a14:hiddenEffects>
             </a:ext>
             <a:ext uri="{FAA26D3D-D897-4be2-8F04-BA451C77F1D7}">
-              <ma14:placeholderFlag xmlns="" xmlns:ma14="http://schemas.microsoft.com/office/mac/drawingml/2011/main" val="1"/>
+              <ma14:placeholderFlag xmlns:ma14="http://schemas.microsoft.com/office/mac/drawingml/2011/main" xmlns="" val="1"/>
             </a:ext>
           </a:extLst>
         </p:spPr>
@@ -40666,7 +40672,7 @@
           <a:p>
             <a:fld id="{E4F9C820-4759-47F0-AB22-A5CE1F5A5EF6}" type="datetime1">
               <a:rPr lang="en-US" smtClean="0"/>
-              <a:t>11/8/2017</a:t>
+              <a:t>11/9/2017</a:t>
             </a:fld>
             <a:endParaRPr lang="en-US" dirty="0"/>
           </a:p>
@@ -41662,7 +41668,7 @@
           <a:p>
             <a:fld id="{577B252E-48AB-4A61-9922-816B9A78CAB9}" type="datetime1">
               <a:rPr lang="en-US" smtClean="0"/>
-              <a:t>11/8/2017</a:t>
+              <a:t>11/9/2017</a:t>
             </a:fld>
             <a:endParaRPr lang="en-US" dirty="0"/>
           </a:p>

--- a/docs/downloads/uv3/UIMA_V3_Programmers_Solutions.pptx
+++ b/docs/downloads/uv3/UIMA_V3_Programmers_Solutions.pptx
@@ -5,10 +5,10 @@
     <p:sldMasterId id="2147483648" r:id="rId1"/>
   </p:sldMasterIdLst>
   <p:notesMasterIdLst>
-    <p:notesMasterId r:id="rId28"/>
+    <p:notesMasterId r:id="rId33"/>
   </p:notesMasterIdLst>
   <p:handoutMasterIdLst>
-    <p:handoutMasterId r:id="rId29"/>
+    <p:handoutMasterId r:id="rId34"/>
   </p:handoutMasterIdLst>
   <p:sldIdLst>
     <p:sldId id="256" r:id="rId2"/>
@@ -29,14 +29,19 @@
     <p:sldId id="271" r:id="rId17"/>
     <p:sldId id="272" r:id="rId18"/>
     <p:sldId id="273" r:id="rId19"/>
-    <p:sldId id="274" r:id="rId20"/>
-    <p:sldId id="275" r:id="rId21"/>
-    <p:sldId id="276" r:id="rId22"/>
-    <p:sldId id="277" r:id="rId23"/>
-    <p:sldId id="278" r:id="rId24"/>
-    <p:sldId id="279" r:id="rId25"/>
-    <p:sldId id="280" r:id="rId26"/>
-    <p:sldId id="281" r:id="rId27"/>
+    <p:sldId id="287" r:id="rId20"/>
+    <p:sldId id="286" r:id="rId21"/>
+    <p:sldId id="283" r:id="rId22"/>
+    <p:sldId id="285" r:id="rId23"/>
+    <p:sldId id="284" r:id="rId24"/>
+    <p:sldId id="275" r:id="rId25"/>
+    <p:sldId id="276" r:id="rId26"/>
+    <p:sldId id="277" r:id="rId27"/>
+    <p:sldId id="278" r:id="rId28"/>
+    <p:sldId id="282" r:id="rId29"/>
+    <p:sldId id="279" r:id="rId30"/>
+    <p:sldId id="280" r:id="rId31"/>
+    <p:sldId id="281" r:id="rId32"/>
   </p:sldIdLst>
   <p:sldSz cx="12192000" cy="6858000"/>
   <p:notesSz cx="6858000" cy="9144000"/>
@@ -5778,7 +5783,7 @@
           <a:p>
             <a:fld id="{D5AE7E42-DFA5-4747-B027-9C6590666EA2}" type="datetimeFigureOut">
               <a:rPr lang="en-US" smtClean="0"/>
-              <a:t>11/9/2017</a:t>
+              <a:t>11/22/2017</a:t>
             </a:fld>
             <a:endParaRPr lang="en-US"/>
           </a:p>
@@ -5955,7 +5960,7 @@
           <a:p>
             <a:fld id="{10AFCD9C-F499-4267-8C78-55E286A594BB}" type="datetimeFigureOut">
               <a:rPr lang="en-US" smtClean="0"/>
-              <a:t>11/9/2017</a:t>
+              <a:t>11/22/2017</a:t>
             </a:fld>
             <a:endParaRPr lang="en-US"/>
           </a:p>
@@ -6369,7 +6374,7 @@
           <a:p>
             <a:fld id="{5741791C-665E-4775-B64D-D30EF2B2B7B8}" type="datetime1">
               <a:rPr lang="en-US" smtClean="0"/>
-              <a:t>11/9/2017</a:t>
+              <a:t>11/22/2017</a:t>
             </a:fld>
             <a:endParaRPr lang="en-US"/>
           </a:p>
@@ -6580,7 +6585,7 @@
           <a:p>
             <a:fld id="{6E3AD883-BB4A-43E7-8B54-32F0D8E31A31}" type="datetime1">
               <a:rPr lang="en-US" smtClean="0"/>
-              <a:t>11/9/2017</a:t>
+              <a:t>11/22/2017</a:t>
             </a:fld>
             <a:endParaRPr lang="en-US"/>
           </a:p>
@@ -6910,7 +6915,7 @@
           <a:p>
             <a:fld id="{3A06DE66-39AE-4831-A32F-D50CD04A19D6}" type="datetime1">
               <a:rPr lang="en-US" smtClean="0"/>
-              <a:t>11/9/2017</a:t>
+              <a:t>11/22/2017</a:t>
             </a:fld>
             <a:endParaRPr lang="en-US" dirty="0"/>
           </a:p>
@@ -7054,7 +7059,7 @@
           <a:p>
             <a:fld id="{8FF3E4E4-9199-4F7E-8866-2F6B7F71A281}" type="datetime1">
               <a:rPr lang="en-US" smtClean="0"/>
-              <a:t>11/9/2017</a:t>
+              <a:t>11/22/2017</a:t>
             </a:fld>
             <a:endParaRPr lang="en-US"/>
           </a:p>
@@ -7359,7 +7364,7 @@
           <a:p>
             <a:fld id="{2B97D6C3-43B7-4F89-9E79-82A5A3605E61}" type="datetime1">
               <a:rPr lang="en-US" smtClean="0"/>
-              <a:t>11/9/2017</a:t>
+              <a:t>11/22/2017</a:t>
             </a:fld>
             <a:endParaRPr lang="en-US"/>
           </a:p>
@@ -7774,7 +7779,7 @@
           <a:p>
             <a:fld id="{FD0B8F11-1323-469B-AC60-FF2EF78823F9}" type="datetime1">
               <a:rPr lang="en-US" smtClean="0"/>
-              <a:t>11/9/2017</a:t>
+              <a:t>11/22/2017</a:t>
             </a:fld>
             <a:endParaRPr lang="en-US"/>
           </a:p>
@@ -7918,7 +7923,7 @@
           <a:p>
             <a:fld id="{54BBCB53-97AE-4393-A693-0DBD562BEFA5}" type="datetime1">
               <a:rPr lang="en-US" smtClean="0"/>
-              <a:t>11/9/2017</a:t>
+              <a:t>11/22/2017</a:t>
             </a:fld>
             <a:endParaRPr lang="en-US"/>
           </a:p>
@@ -8034,7 +8039,7 @@
           <a:p>
             <a:fld id="{B981CF97-F271-46FA-AFAD-B64D58C1A4A5}" type="datetime1">
               <a:rPr lang="en-US" smtClean="0"/>
-              <a:t>11/9/2017</a:t>
+              <a:t>11/22/2017</a:t>
             </a:fld>
             <a:endParaRPr lang="en-US"/>
           </a:p>
@@ -8348,7 +8353,7 @@
           <a:p>
             <a:fld id="{D54BAA09-AA03-4B31-9F17-60602C8A3204}" type="datetime1">
               <a:rPr lang="en-US" smtClean="0"/>
-              <a:t>11/9/2017</a:t>
+              <a:t>11/22/2017</a:t>
             </a:fld>
             <a:endParaRPr lang="en-US"/>
           </a:p>
@@ -8639,7 +8644,7 @@
           <a:p>
             <a:fld id="{2A77BDCF-5486-4FF1-98FC-611FE60EE5CF}" type="datetime1">
               <a:rPr lang="en-US" smtClean="0"/>
-              <a:t>11/9/2017</a:t>
+              <a:t>11/22/2017</a:t>
             </a:fld>
             <a:endParaRPr lang="en-US"/>
           </a:p>
@@ -8840,7 +8845,7 @@
           <a:p>
             <a:fld id="{EA12D9D7-0E70-4F82-B131-E2872E8691D4}" type="datetime1">
               <a:rPr lang="en-US" smtClean="0"/>
-              <a:t>11/9/2017</a:t>
+              <a:t>11/22/2017</a:t>
             </a:fld>
             <a:endParaRPr lang="en-US"/>
           </a:p>
@@ -9085,7 +9090,7 @@
           <a:p>
             <a:fld id="{5B34B120-4EAF-4826-8A44-643630AE28A7}" type="datetime1">
               <a:rPr lang="en-US" smtClean="0"/>
-              <a:t>11/9/2017</a:t>
+              <a:t>11/22/2017</a:t>
             </a:fld>
             <a:endParaRPr lang="en-US"/>
           </a:p>
@@ -14510,7 +14515,7 @@
           <a:p>
             <a:fld id="{AE869A3F-42FC-4A54-9A1C-B9B45A0435F5}" type="datetime1">
               <a:rPr lang="en-US" smtClean="0"/>
-              <a:t>11/9/2017</a:t>
+              <a:t>11/22/2017</a:t>
             </a:fld>
             <a:endParaRPr lang="en-US" dirty="0"/>
           </a:p>
@@ -18683,7 +18688,7 @@
           <a:p>
             <a:fld id="{74D1715A-5C75-404B-8400-C0508CBEB4BF}" type="datetime1">
               <a:rPr lang="en-US" smtClean="0"/>
-              <a:t>11/9/2017</a:t>
+              <a:t>11/22/2017</a:t>
             </a:fld>
             <a:endParaRPr lang="en-US" dirty="0"/>
           </a:p>
@@ -22794,7 +22799,7 @@
           <a:p>
             <a:fld id="{EEAB934A-3C39-4AEB-9556-80DFBB4A665D}" type="datetime1">
               <a:rPr lang="en-US" smtClean="0"/>
-              <a:t>11/9/2017</a:t>
+              <a:t>11/22/2017</a:t>
             </a:fld>
             <a:endParaRPr lang="en-US" dirty="0"/>
           </a:p>
@@ -23206,14 +23211,14 @@
           <a:effectLst/>
           <a:extLst>
             <a:ext uri="{909E8E84-426E-40dd-AFC4-6F175D3DCCD1}">
-              <a14:hiddenFill xmlns:a14="http://schemas.microsoft.com/office/drawing/2010/main" xmlns="">
+              <a14:hiddenFill xmlns="" xmlns:a14="http://schemas.microsoft.com/office/drawing/2010/main">
                 <a:solidFill>
                   <a:schemeClr val="accent1"/>
                 </a:solidFill>
               </a14:hiddenFill>
             </a:ext>
             <a:ext uri="{91240B29-F687-4f45-9708-019B960494DF}">
-              <a14:hiddenLine xmlns:a14="http://schemas.microsoft.com/office/drawing/2010/main" xmlns="" w="9525">
+              <a14:hiddenLine xmlns="" xmlns:a14="http://schemas.microsoft.com/office/drawing/2010/main" w="9525">
                 <a:solidFill>
                   <a:schemeClr val="tx1"/>
                 </a:solidFill>
@@ -23223,7 +23228,7 @@
               </a14:hiddenLine>
             </a:ext>
             <a:ext uri="{AF507438-7753-43e0-B8FC-AC1667EBCBE1}">
-              <a14:hiddenEffects xmlns:a14="http://schemas.microsoft.com/office/drawing/2010/main" xmlns="">
+              <a14:hiddenEffects xmlns="" xmlns:a14="http://schemas.microsoft.com/office/drawing/2010/main">
                 <a:effectLst>
                   <a:outerShdw blurRad="63500" dist="38099" dir="2700000" algn="ctr" rotWithShape="0">
                     <a:schemeClr val="bg2">
@@ -23234,7 +23239,7 @@
               </a14:hiddenEffects>
             </a:ext>
             <a:ext uri="{FAA26D3D-D897-4be2-8F04-BA451C77F1D7}">
-              <ma14:placeholderFlag xmlns:ma14="http://schemas.microsoft.com/office/mac/drawingml/2011/main" xmlns="" val="1"/>
+              <ma14:placeholderFlag xmlns="" xmlns:ma14="http://schemas.microsoft.com/office/mac/drawingml/2011/main" val="1"/>
             </a:ext>
           </a:extLst>
         </p:spPr>
@@ -23423,14 +23428,14 @@
           <a:effectLst/>
           <a:extLst>
             <a:ext uri="{909E8E84-426E-40dd-AFC4-6F175D3DCCD1}">
-              <a14:hiddenFill xmlns:a14="http://schemas.microsoft.com/office/drawing/2010/main" xmlns="">
+              <a14:hiddenFill xmlns="" xmlns:a14="http://schemas.microsoft.com/office/drawing/2010/main">
                 <a:solidFill>
                   <a:schemeClr val="accent1"/>
                 </a:solidFill>
               </a14:hiddenFill>
             </a:ext>
             <a:ext uri="{91240B29-F687-4f45-9708-019B960494DF}">
-              <a14:hiddenLine xmlns:a14="http://schemas.microsoft.com/office/drawing/2010/main" xmlns="" w="9525">
+              <a14:hiddenLine xmlns="" xmlns:a14="http://schemas.microsoft.com/office/drawing/2010/main" w="9525">
                 <a:solidFill>
                   <a:schemeClr val="tx1"/>
                 </a:solidFill>
@@ -23440,7 +23445,7 @@
               </a14:hiddenLine>
             </a:ext>
             <a:ext uri="{AF507438-7753-43e0-B8FC-AC1667EBCBE1}">
-              <a14:hiddenEffects xmlns:a14="http://schemas.microsoft.com/office/drawing/2010/main" xmlns="">
+              <a14:hiddenEffects xmlns="" xmlns:a14="http://schemas.microsoft.com/office/drawing/2010/main">
                 <a:effectLst>
                   <a:outerShdw blurRad="63500" dist="38099" dir="2700000" algn="ctr" rotWithShape="0">
                     <a:schemeClr val="bg2">
@@ -23451,7 +23456,7 @@
               </a14:hiddenEffects>
             </a:ext>
             <a:ext uri="{FAA26D3D-D897-4be2-8F04-BA451C77F1D7}">
-              <ma14:placeholderFlag xmlns:ma14="http://schemas.microsoft.com/office/mac/drawingml/2011/main" xmlns="" val="1"/>
+              <ma14:placeholderFlag xmlns="" xmlns:ma14="http://schemas.microsoft.com/office/mac/drawingml/2011/main" val="1"/>
             </a:ext>
           </a:extLst>
         </p:spPr>
@@ -23667,14 +23672,14 @@
           <a:effectLst/>
           <a:extLst>
             <a:ext uri="{909E8E84-426E-40dd-AFC4-6F175D3DCCD1}">
-              <a14:hiddenFill xmlns:a14="http://schemas.microsoft.com/office/drawing/2010/main" xmlns="">
+              <a14:hiddenFill xmlns="" xmlns:a14="http://schemas.microsoft.com/office/drawing/2010/main">
                 <a:solidFill>
                   <a:schemeClr val="accent1"/>
                 </a:solidFill>
               </a14:hiddenFill>
             </a:ext>
             <a:ext uri="{91240B29-F687-4f45-9708-019B960494DF}">
-              <a14:hiddenLine xmlns:a14="http://schemas.microsoft.com/office/drawing/2010/main" xmlns="" w="9525">
+              <a14:hiddenLine xmlns="" xmlns:a14="http://schemas.microsoft.com/office/drawing/2010/main" w="9525">
                 <a:solidFill>
                   <a:schemeClr val="tx1"/>
                 </a:solidFill>
@@ -23684,7 +23689,7 @@
               </a14:hiddenLine>
             </a:ext>
             <a:ext uri="{AF507438-7753-43e0-B8FC-AC1667EBCBE1}">
-              <a14:hiddenEffects xmlns:a14="http://schemas.microsoft.com/office/drawing/2010/main" xmlns="">
+              <a14:hiddenEffects xmlns="" xmlns:a14="http://schemas.microsoft.com/office/drawing/2010/main">
                 <a:effectLst>
                   <a:outerShdw blurRad="63500" dist="38099" dir="2700000" algn="ctr" rotWithShape="0">
                     <a:schemeClr val="bg2">
@@ -23695,7 +23700,7 @@
               </a14:hiddenEffects>
             </a:ext>
             <a:ext uri="{FAA26D3D-D897-4be2-8F04-BA451C77F1D7}">
-              <ma14:placeholderFlag xmlns:ma14="http://schemas.microsoft.com/office/mac/drawingml/2011/main" xmlns="" val="1"/>
+              <ma14:placeholderFlag xmlns="" xmlns:ma14="http://schemas.microsoft.com/office/mac/drawingml/2011/main" val="1"/>
             </a:ext>
           </a:extLst>
         </p:spPr>
@@ -23884,14 +23889,14 @@
           <a:effectLst/>
           <a:extLst>
             <a:ext uri="{909E8E84-426E-40dd-AFC4-6F175D3DCCD1}">
-              <a14:hiddenFill xmlns:a14="http://schemas.microsoft.com/office/drawing/2010/main" xmlns="">
+              <a14:hiddenFill xmlns="" xmlns:a14="http://schemas.microsoft.com/office/drawing/2010/main">
                 <a:solidFill>
                   <a:schemeClr val="accent1"/>
                 </a:solidFill>
               </a14:hiddenFill>
             </a:ext>
             <a:ext uri="{91240B29-F687-4f45-9708-019B960494DF}">
-              <a14:hiddenLine xmlns:a14="http://schemas.microsoft.com/office/drawing/2010/main" xmlns="" w="9525">
+              <a14:hiddenLine xmlns="" xmlns:a14="http://schemas.microsoft.com/office/drawing/2010/main" w="9525">
                 <a:solidFill>
                   <a:schemeClr val="tx1"/>
                 </a:solidFill>
@@ -23901,7 +23906,7 @@
               </a14:hiddenLine>
             </a:ext>
             <a:ext uri="{AF507438-7753-43e0-B8FC-AC1667EBCBE1}">
-              <a14:hiddenEffects xmlns:a14="http://schemas.microsoft.com/office/drawing/2010/main" xmlns="">
+              <a14:hiddenEffects xmlns="" xmlns:a14="http://schemas.microsoft.com/office/drawing/2010/main">
                 <a:effectLst>
                   <a:outerShdw blurRad="63500" dist="38099" dir="2700000" algn="ctr" rotWithShape="0">
                     <a:schemeClr val="bg2">
@@ -23912,7 +23917,7 @@
               </a14:hiddenEffects>
             </a:ext>
             <a:ext uri="{FAA26D3D-D897-4be2-8F04-BA451C77F1D7}">
-              <ma14:placeholderFlag xmlns:ma14="http://schemas.microsoft.com/office/mac/drawingml/2011/main" xmlns="" val="1"/>
+              <ma14:placeholderFlag xmlns="" xmlns:ma14="http://schemas.microsoft.com/office/mac/drawingml/2011/main" val="1"/>
             </a:ext>
           </a:extLst>
         </p:spPr>
@@ -24128,14 +24133,14 @@
           <a:effectLst/>
           <a:extLst>
             <a:ext uri="{909E8E84-426E-40dd-AFC4-6F175D3DCCD1}">
-              <a14:hiddenFill xmlns:a14="http://schemas.microsoft.com/office/drawing/2010/main" xmlns="">
+              <a14:hiddenFill xmlns="" xmlns:a14="http://schemas.microsoft.com/office/drawing/2010/main">
                 <a:solidFill>
                   <a:schemeClr val="accent1"/>
                 </a:solidFill>
               </a14:hiddenFill>
             </a:ext>
             <a:ext uri="{91240B29-F687-4f45-9708-019B960494DF}">
-              <a14:hiddenLine xmlns:a14="http://schemas.microsoft.com/office/drawing/2010/main" xmlns="" w="9525">
+              <a14:hiddenLine xmlns="" xmlns:a14="http://schemas.microsoft.com/office/drawing/2010/main" w="9525">
                 <a:solidFill>
                   <a:schemeClr val="tx1"/>
                 </a:solidFill>
@@ -24145,7 +24150,7 @@
               </a14:hiddenLine>
             </a:ext>
             <a:ext uri="{AF507438-7753-43e0-B8FC-AC1667EBCBE1}">
-              <a14:hiddenEffects xmlns:a14="http://schemas.microsoft.com/office/drawing/2010/main" xmlns="">
+              <a14:hiddenEffects xmlns="" xmlns:a14="http://schemas.microsoft.com/office/drawing/2010/main">
                 <a:effectLst>
                   <a:outerShdw blurRad="63500" dist="38099" dir="2700000" algn="ctr" rotWithShape="0">
                     <a:schemeClr val="bg2">
@@ -24156,7 +24161,7 @@
               </a14:hiddenEffects>
             </a:ext>
             <a:ext uri="{FAA26D3D-D897-4be2-8F04-BA451C77F1D7}">
-              <ma14:placeholderFlag xmlns:ma14="http://schemas.microsoft.com/office/mac/drawingml/2011/main" xmlns="" val="1"/>
+              <ma14:placeholderFlag xmlns="" xmlns:ma14="http://schemas.microsoft.com/office/mac/drawingml/2011/main" val="1"/>
             </a:ext>
           </a:extLst>
         </p:spPr>
@@ -24339,7 +24344,7 @@
           <a:p>
             <a:fld id="{7497A4EB-6CF3-412F-9AC4-4CCD5D991571}" type="datetime1">
               <a:rPr lang="en-US" smtClean="0"/>
-              <a:t>11/9/2017</a:t>
+              <a:t>11/22/2017</a:t>
             </a:fld>
             <a:endParaRPr lang="en-US" dirty="0"/>
           </a:p>
@@ -24959,14 +24964,14 @@
           <a:effectLst/>
           <a:extLst>
             <a:ext uri="{909E8E84-426E-40dd-AFC4-6F175D3DCCD1}">
-              <a14:hiddenFill xmlns:a14="http://schemas.microsoft.com/office/drawing/2010/main" xmlns="">
+              <a14:hiddenFill xmlns="" xmlns:a14="http://schemas.microsoft.com/office/drawing/2010/main">
                 <a:solidFill>
                   <a:schemeClr val="accent1"/>
                 </a:solidFill>
               </a14:hiddenFill>
             </a:ext>
             <a:ext uri="{91240B29-F687-4f45-9708-019B960494DF}">
-              <a14:hiddenLine xmlns:a14="http://schemas.microsoft.com/office/drawing/2010/main" xmlns="" w="9525">
+              <a14:hiddenLine xmlns="" xmlns:a14="http://schemas.microsoft.com/office/drawing/2010/main" w="9525">
                 <a:solidFill>
                   <a:schemeClr val="tx1"/>
                 </a:solidFill>
@@ -24976,7 +24981,7 @@
               </a14:hiddenLine>
             </a:ext>
             <a:ext uri="{AF507438-7753-43e0-B8FC-AC1667EBCBE1}">
-              <a14:hiddenEffects xmlns:a14="http://schemas.microsoft.com/office/drawing/2010/main" xmlns="">
+              <a14:hiddenEffects xmlns="" xmlns:a14="http://schemas.microsoft.com/office/drawing/2010/main">
                 <a:effectLst>
                   <a:outerShdw blurRad="63500" dist="38099" dir="2700000" algn="ctr" rotWithShape="0">
                     <a:schemeClr val="bg2">
@@ -24987,7 +24992,7 @@
               </a14:hiddenEffects>
             </a:ext>
             <a:ext uri="{FAA26D3D-D897-4be2-8F04-BA451C77F1D7}">
-              <ma14:placeholderFlag xmlns:ma14="http://schemas.microsoft.com/office/mac/drawingml/2011/main" xmlns="" val="1"/>
+              <ma14:placeholderFlag xmlns="" xmlns:ma14="http://schemas.microsoft.com/office/mac/drawingml/2011/main" val="1"/>
             </a:ext>
           </a:extLst>
         </p:spPr>
@@ -25176,14 +25181,14 @@
           <a:effectLst/>
           <a:extLst>
             <a:ext uri="{909E8E84-426E-40dd-AFC4-6F175D3DCCD1}">
-              <a14:hiddenFill xmlns:a14="http://schemas.microsoft.com/office/drawing/2010/main" xmlns="">
+              <a14:hiddenFill xmlns="" xmlns:a14="http://schemas.microsoft.com/office/drawing/2010/main">
                 <a:solidFill>
                   <a:schemeClr val="accent1"/>
                 </a:solidFill>
               </a14:hiddenFill>
             </a:ext>
             <a:ext uri="{91240B29-F687-4f45-9708-019B960494DF}">
-              <a14:hiddenLine xmlns:a14="http://schemas.microsoft.com/office/drawing/2010/main" xmlns="" w="9525">
+              <a14:hiddenLine xmlns="" xmlns:a14="http://schemas.microsoft.com/office/drawing/2010/main" w="9525">
                 <a:solidFill>
                   <a:schemeClr val="tx1"/>
                 </a:solidFill>
@@ -25193,7 +25198,7 @@
               </a14:hiddenLine>
             </a:ext>
             <a:ext uri="{AF507438-7753-43e0-B8FC-AC1667EBCBE1}">
-              <a14:hiddenEffects xmlns:a14="http://schemas.microsoft.com/office/drawing/2010/main" xmlns="">
+              <a14:hiddenEffects xmlns="" xmlns:a14="http://schemas.microsoft.com/office/drawing/2010/main">
                 <a:effectLst>
                   <a:outerShdw blurRad="63500" dist="38099" dir="2700000" algn="ctr" rotWithShape="0">
                     <a:schemeClr val="bg2">
@@ -25204,7 +25209,7 @@
               </a14:hiddenEffects>
             </a:ext>
             <a:ext uri="{FAA26D3D-D897-4be2-8F04-BA451C77F1D7}">
-              <ma14:placeholderFlag xmlns:ma14="http://schemas.microsoft.com/office/mac/drawingml/2011/main" xmlns="" val="1"/>
+              <ma14:placeholderFlag xmlns="" xmlns:ma14="http://schemas.microsoft.com/office/mac/drawingml/2011/main" val="1"/>
             </a:ext>
           </a:extLst>
         </p:spPr>
@@ -25512,7 +25517,7 @@
           <a:p>
             <a:fld id="{34AE2AF4-DE00-4367-8990-2704E34BEB0B}" type="datetime1">
               <a:rPr lang="en-US" smtClean="0"/>
-              <a:t>11/9/2017</a:t>
+              <a:t>11/22/2017</a:t>
             </a:fld>
             <a:endParaRPr lang="en-US" dirty="0"/>
           </a:p>
@@ -26150,7 +26155,7 @@
           <a:p>
             <a:fld id="{C8683FA4-76EC-43D7-82C4-CDA590961A60}" type="datetime1">
               <a:rPr lang="en-US" smtClean="0"/>
-              <a:t>11/9/2017</a:t>
+              <a:t>11/22/2017</a:t>
             </a:fld>
             <a:endParaRPr lang="en-US" dirty="0"/>
           </a:p>
@@ -26731,7 +26736,7 @@
           <a:p>
             <a:fld id="{84F50ABF-7C5C-42ED-A89C-CA1887BE685D}" type="datetime1">
               <a:rPr lang="en-US" smtClean="0"/>
-              <a:t>11/9/2017</a:t>
+              <a:t>11/22/2017</a:t>
             </a:fld>
             <a:endParaRPr lang="en-US" dirty="0"/>
           </a:p>
@@ -26996,7 +27001,7 @@
           <a:p>
             <a:fld id="{AA65D2A0-D0BA-4A22-B204-528C467850F9}" type="datetime1">
               <a:rPr lang="en-US" smtClean="0"/>
-              <a:t>11/9/2017</a:t>
+              <a:t>11/22/2017</a:t>
             </a:fld>
             <a:endParaRPr lang="en-US" dirty="0"/>
           </a:p>
@@ -27504,7 +27509,7 @@
           <a:p>
             <a:fld id="{C8A8D797-C261-480E-8837-067D26D5423E}" type="datetime1">
               <a:rPr lang="en-US" smtClean="0"/>
-              <a:t>11/9/2017</a:t>
+              <a:t>11/22/2017</a:t>
             </a:fld>
             <a:endParaRPr lang="en-US" dirty="0"/>
           </a:p>
@@ -27741,7 +27746,7 @@
           <p:cNvPr id="2" name="Title 1">
             <a:extLst>
               <a:ext uri="{FF2B5EF4-FFF2-40B4-BE49-F238E27FC236}">
-                <a16:creationId xmlns:a16="http://schemas.microsoft.com/office/drawing/2014/main" id="{1F02CB94-BD59-472A-B98D-99CBBAA2FAB5}"/>
+                <a16:creationId xmlns:a16="http://schemas.microsoft.com/office/drawing/2014/main" id="{6A4A9CC9-1C6A-4FE7-AFC1-99EA84FD07C1}"/>
               </a:ext>
             </a:extLst>
           </p:cNvPr>
@@ -27761,7 +27766,763 @@
           <a:p>
             <a:r>
               <a:rPr lang="en-US" dirty="0"/>
-              <a:t>UIMA logger too complex to use efficiently</a:t>
+              <a:t>UIMA Logger complaints</a:t>
+            </a:r>
+          </a:p>
+        </p:txBody>
+      </p:sp>
+      <p:sp>
+        <p:nvSpPr>
+          <p:cNvPr id="3" name="Text Placeholder 2">
+            <a:extLst>
+              <a:ext uri="{FF2B5EF4-FFF2-40B4-BE49-F238E27FC236}">
+                <a16:creationId xmlns:a16="http://schemas.microsoft.com/office/drawing/2014/main" id="{8276D5E6-83F7-4A28-B58A-F6AE83AE2E50}"/>
+              </a:ext>
+            </a:extLst>
+          </p:cNvPr>
+          <p:cNvSpPr>
+            <a:spLocks noGrp="1"/>
+          </p:cNvSpPr>
+          <p:nvPr>
+            <p:ph type="body" sz="half" idx="1"/>
+          </p:nvPr>
+        </p:nvSpPr>
+        <p:spPr>
+          <a:xfrm>
+            <a:off x="715956" y="2065275"/>
+            <a:ext cx="6429953" cy="4444149"/>
+          </a:xfrm>
+        </p:spPr>
+        <p:txBody>
+          <a:bodyPr>
+            <a:normAutofit fontScale="92500" lnSpcReduction="10000"/>
+          </a:bodyPr>
+          <a:lstStyle/>
+          <a:p>
+            <a:r>
+              <a:rPr lang="en-US" dirty="0"/>
+              <a:t>Hard to write efficient log statements</a:t>
+            </a:r>
+          </a:p>
+          <a:p>
+            <a:pPr lvl="1"/>
+            <a:r>
+              <a:rPr lang="en-US" dirty="0"/>
+              <a:t>New and old style of message embedding syntax</a:t>
+            </a:r>
+          </a:p>
+          <a:p>
+            <a:endParaRPr lang="en-US" dirty="0"/>
+          </a:p>
+          <a:p>
+            <a:r>
+              <a:rPr lang="en-US" dirty="0"/>
+              <a:t>No support for cross-cutting filtering/ triggering per log message</a:t>
+            </a:r>
+          </a:p>
+          <a:p>
+            <a:endParaRPr lang="en-US" dirty="0"/>
+          </a:p>
+          <a:p>
+            <a:r>
+              <a:rPr lang="en-US" dirty="0"/>
+              <a:t>No support for run-time configurable context info augmentation</a:t>
+            </a:r>
+          </a:p>
+          <a:p>
+            <a:endParaRPr lang="en-US" dirty="0"/>
+          </a:p>
+          <a:p>
+            <a:r>
+              <a:rPr lang="en-US" dirty="0"/>
+              <a:t>Need to merge with other logging systems when UIMA is embedded</a:t>
+            </a:r>
+          </a:p>
+          <a:p>
+            <a:endParaRPr lang="en-US" dirty="0"/>
+          </a:p>
+          <a:p>
+            <a:endParaRPr lang="en-US" dirty="0"/>
+          </a:p>
+        </p:txBody>
+      </p:sp>
+      <p:sp>
+        <p:nvSpPr>
+          <p:cNvPr id="5" name="Footer Placeholder 4">
+            <a:extLst>
+              <a:ext uri="{FF2B5EF4-FFF2-40B4-BE49-F238E27FC236}">
+                <a16:creationId xmlns:a16="http://schemas.microsoft.com/office/drawing/2014/main" id="{6FD0116F-F4BA-4F5D-8A48-51FDEA8622F3}"/>
+              </a:ext>
+            </a:extLst>
+          </p:cNvPr>
+          <p:cNvSpPr>
+            <a:spLocks noGrp="1"/>
+          </p:cNvSpPr>
+          <p:nvPr>
+            <p:ph type="ftr" sz="quarter" idx="10"/>
+          </p:nvPr>
+        </p:nvSpPr>
+        <p:spPr/>
+        <p:txBody>
+          <a:bodyPr/>
+          <a:lstStyle/>
+          <a:p>
+            <a:r>
+              <a:rPr lang="en-US" altLang="en-US"/>
+              <a:t>©Copyright Apache Software Foundation</a:t>
+            </a:r>
+            <a:endParaRPr lang="en-US" altLang="en-US" dirty="0"/>
+          </a:p>
+        </p:txBody>
+      </p:sp>
+      <p:sp>
+        <p:nvSpPr>
+          <p:cNvPr id="6" name="Slide Number Placeholder 5">
+            <a:extLst>
+              <a:ext uri="{FF2B5EF4-FFF2-40B4-BE49-F238E27FC236}">
+                <a16:creationId xmlns:a16="http://schemas.microsoft.com/office/drawing/2014/main" id="{FB30E0DD-70AD-4AF9-AEBA-041810883E06}"/>
+              </a:ext>
+            </a:extLst>
+          </p:cNvPr>
+          <p:cNvSpPr>
+            <a:spLocks noGrp="1"/>
+          </p:cNvSpPr>
+          <p:nvPr>
+            <p:ph type="sldNum" sz="quarter" idx="11"/>
+          </p:nvPr>
+        </p:nvSpPr>
+        <p:spPr/>
+        <p:txBody>
+          <a:bodyPr/>
+          <a:lstStyle/>
+          <a:p>
+            <a:fld id="{27D3C2B7-BFCE-47F7-B76D-5DC27A3663B1}" type="slidenum">
+              <a:rPr lang="en-US" altLang="en-US" smtClean="0"/>
+              <a:pPr/>
+              <a:t>19</a:t>
+            </a:fld>
+            <a:endParaRPr lang="en-US" altLang="en-US"/>
+          </a:p>
+        </p:txBody>
+      </p:sp>
+      <p:sp>
+        <p:nvSpPr>
+          <p:cNvPr id="7" name="Date Placeholder 6">
+            <a:extLst>
+              <a:ext uri="{FF2B5EF4-FFF2-40B4-BE49-F238E27FC236}">
+                <a16:creationId xmlns:a16="http://schemas.microsoft.com/office/drawing/2014/main" id="{5EC1F56C-EFA4-4BDF-9F00-9A4396D0F678}"/>
+              </a:ext>
+            </a:extLst>
+          </p:cNvPr>
+          <p:cNvSpPr>
+            <a:spLocks noGrp="1"/>
+          </p:cNvSpPr>
+          <p:nvPr>
+            <p:ph type="dt" sz="half" idx="12"/>
+          </p:nvPr>
+        </p:nvSpPr>
+        <p:spPr/>
+        <p:txBody>
+          <a:bodyPr/>
+          <a:lstStyle/>
+          <a:p>
+            <a:fld id="{3A06DE66-39AE-4831-A32F-D50CD04A19D6}" type="datetime1">
+              <a:rPr lang="en-US" smtClean="0"/>
+              <a:t>11/22/2017</a:t>
+            </a:fld>
+            <a:endParaRPr lang="en-US" dirty="0"/>
+          </a:p>
+        </p:txBody>
+      </p:sp>
+      <p:pic>
+        <p:nvPicPr>
+          <p:cNvPr id="8" name="Picture 7">
+            <a:extLst>
+              <a:ext uri="{FF2B5EF4-FFF2-40B4-BE49-F238E27FC236}">
+                <a16:creationId xmlns:a16="http://schemas.microsoft.com/office/drawing/2014/main" id="{CFA7937E-BC5D-4BA1-A503-821128FD9B9D}"/>
+              </a:ext>
+            </a:extLst>
+          </p:cNvPr>
+          <p:cNvPicPr>
+            <a:picLocks noChangeAspect="1"/>
+          </p:cNvPicPr>
+          <p:nvPr/>
+        </p:nvPicPr>
+        <p:blipFill>
+          <a:blip r:embed="rId2"/>
+          <a:stretch>
+            <a:fillRect/>
+          </a:stretch>
+        </p:blipFill>
+        <p:spPr>
+          <a:xfrm>
+            <a:off x="7145909" y="1912201"/>
+            <a:ext cx="4721666" cy="3670362"/>
+          </a:xfrm>
+          <a:prstGeom prst="rect">
+            <a:avLst/>
+          </a:prstGeom>
+        </p:spPr>
+      </p:pic>
+    </p:spTree>
+    <p:extLst>
+      <p:ext uri="{BB962C8B-B14F-4D97-AF65-F5344CB8AC3E}">
+        <p14:creationId xmlns:p14="http://schemas.microsoft.com/office/powerpoint/2010/main" val="3890581419"/>
+      </p:ext>
+    </p:extLst>
+  </p:cSld>
+  <p:clrMapOvr>
+    <a:masterClrMapping/>
+  </p:clrMapOvr>
+  <p:timing>
+    <p:tnLst>
+      <p:par>
+        <p:cTn id="1" dur="indefinite" restart="never" nodeType="tmRoot">
+          <p:childTnLst>
+            <p:seq concurrent="1" nextAc="seek">
+              <p:cTn id="2" dur="indefinite" nodeType="mainSeq">
+                <p:childTnLst>
+                  <p:par>
+                    <p:cTn id="3" fill="hold">
+                      <p:stCondLst>
+                        <p:cond delay="indefinite"/>
+                        <p:cond evt="onBegin" delay="0">
+                          <p:tn val="2"/>
+                        </p:cond>
+                      </p:stCondLst>
+                      <p:childTnLst>
+                        <p:par>
+                          <p:cTn id="4" fill="hold">
+                            <p:stCondLst>
+                              <p:cond delay="0"/>
+                            </p:stCondLst>
+                            <p:childTnLst>
+                              <p:par>
+                                <p:cTn id="5" presetID="1" presetClass="entr" presetSubtype="0" fill="hold" nodeType="withEffect">
+                                  <p:stCondLst>
+                                    <p:cond delay="0"/>
+                                  </p:stCondLst>
+                                  <p:childTnLst>
+                                    <p:set>
+                                      <p:cBhvr>
+                                        <p:cTn id="6" dur="1" fill="hold">
+                                          <p:stCondLst>
+                                            <p:cond delay="0"/>
+                                          </p:stCondLst>
+                                        </p:cTn>
+                                        <p:tgtEl>
+                                          <p:spTgt spid="8"/>
+                                        </p:tgtEl>
+                                        <p:attrNameLst>
+                                          <p:attrName>style.visibility</p:attrName>
+                                        </p:attrNameLst>
+                                      </p:cBhvr>
+                                      <p:to>
+                                        <p:strVal val="visible"/>
+                                      </p:to>
+                                    </p:set>
+                                  </p:childTnLst>
+                                  <p:subTnLst>
+                                    <p:set>
+                                      <p:cBhvr override="childStyle">
+                                        <p:cTn dur="1" fill="hold" display="0" masterRel="nextClick" afterEffect="1"/>
+                                        <p:tgtEl>
+                                          <p:spTgt spid="8"/>
+                                        </p:tgtEl>
+                                        <p:attrNameLst>
+                                          <p:attrName>style.visibility</p:attrName>
+                                        </p:attrNameLst>
+                                      </p:cBhvr>
+                                      <p:to>
+                                        <p:strVal val="hidden"/>
+                                      </p:to>
+                                    </p:set>
+                                  </p:subTnLst>
+                                </p:cTn>
+                              </p:par>
+                              <p:par>
+                                <p:cTn id="7" presetID="1" presetClass="entr" presetSubtype="0" fill="hold" nodeType="withEffect">
+                                  <p:stCondLst>
+                                    <p:cond delay="0"/>
+                                  </p:stCondLst>
+                                  <p:childTnLst>
+                                    <p:set>
+                                      <p:cBhvr>
+                                        <p:cTn id="8" dur="1" fill="hold">
+                                          <p:stCondLst>
+                                            <p:cond delay="0"/>
+                                          </p:stCondLst>
+                                        </p:cTn>
+                                        <p:tgtEl>
+                                          <p:spTgt spid="3">
+                                            <p:txEl>
+                                              <p:pRg st="0" end="0"/>
+                                            </p:txEl>
+                                          </p:spTgt>
+                                        </p:tgtEl>
+                                        <p:attrNameLst>
+                                          <p:attrName>style.visibility</p:attrName>
+                                        </p:attrNameLst>
+                                      </p:cBhvr>
+                                      <p:to>
+                                        <p:strVal val="visible"/>
+                                      </p:to>
+                                    </p:set>
+                                  </p:childTnLst>
+                                </p:cTn>
+                              </p:par>
+                              <p:par>
+                                <p:cTn id="9" presetID="1" presetClass="entr" presetSubtype="0" fill="hold" nodeType="withEffect">
+                                  <p:stCondLst>
+                                    <p:cond delay="0"/>
+                                  </p:stCondLst>
+                                  <p:childTnLst>
+                                    <p:set>
+                                      <p:cBhvr>
+                                        <p:cTn id="10" dur="1" fill="hold">
+                                          <p:stCondLst>
+                                            <p:cond delay="0"/>
+                                          </p:stCondLst>
+                                        </p:cTn>
+                                        <p:tgtEl>
+                                          <p:spTgt spid="3">
+                                            <p:txEl>
+                                              <p:pRg st="1" end="1"/>
+                                            </p:txEl>
+                                          </p:spTgt>
+                                        </p:tgtEl>
+                                        <p:attrNameLst>
+                                          <p:attrName>style.visibility</p:attrName>
+                                        </p:attrNameLst>
+                                      </p:cBhvr>
+                                      <p:to>
+                                        <p:strVal val="visible"/>
+                                      </p:to>
+                                    </p:set>
+                                  </p:childTnLst>
+                                </p:cTn>
+                              </p:par>
+                            </p:childTnLst>
+                          </p:cTn>
+                        </p:par>
+                      </p:childTnLst>
+                    </p:cTn>
+                  </p:par>
+                  <p:par>
+                    <p:cTn id="11" fill="hold">
+                      <p:stCondLst>
+                        <p:cond delay="indefinite"/>
+                      </p:stCondLst>
+                      <p:childTnLst>
+                        <p:par>
+                          <p:cTn id="12" fill="hold">
+                            <p:stCondLst>
+                              <p:cond delay="0"/>
+                            </p:stCondLst>
+                            <p:childTnLst>
+                              <p:par>
+                                <p:cTn id="13" presetID="1" presetClass="entr" presetSubtype="0" fill="hold" nodeType="clickEffect">
+                                  <p:stCondLst>
+                                    <p:cond delay="0"/>
+                                  </p:stCondLst>
+                                  <p:childTnLst>
+                                    <p:set>
+                                      <p:cBhvr>
+                                        <p:cTn id="14" dur="1" fill="hold">
+                                          <p:stCondLst>
+                                            <p:cond delay="0"/>
+                                          </p:stCondLst>
+                                        </p:cTn>
+                                        <p:tgtEl>
+                                          <p:spTgt spid="3">
+                                            <p:txEl>
+                                              <p:pRg st="3" end="3"/>
+                                            </p:txEl>
+                                          </p:spTgt>
+                                        </p:tgtEl>
+                                        <p:attrNameLst>
+                                          <p:attrName>style.visibility</p:attrName>
+                                        </p:attrNameLst>
+                                      </p:cBhvr>
+                                      <p:to>
+                                        <p:strVal val="visible"/>
+                                      </p:to>
+                                    </p:set>
+                                  </p:childTnLst>
+                                </p:cTn>
+                              </p:par>
+                            </p:childTnLst>
+                          </p:cTn>
+                        </p:par>
+                      </p:childTnLst>
+                    </p:cTn>
+                  </p:par>
+                  <p:par>
+                    <p:cTn id="15" fill="hold">
+                      <p:stCondLst>
+                        <p:cond delay="indefinite"/>
+                      </p:stCondLst>
+                      <p:childTnLst>
+                        <p:par>
+                          <p:cTn id="16" fill="hold">
+                            <p:stCondLst>
+                              <p:cond delay="0"/>
+                            </p:stCondLst>
+                            <p:childTnLst>
+                              <p:par>
+                                <p:cTn id="17" presetID="1" presetClass="entr" presetSubtype="0" fill="hold" nodeType="clickEffect">
+                                  <p:stCondLst>
+                                    <p:cond delay="0"/>
+                                  </p:stCondLst>
+                                  <p:childTnLst>
+                                    <p:set>
+                                      <p:cBhvr>
+                                        <p:cTn id="18" dur="1" fill="hold">
+                                          <p:stCondLst>
+                                            <p:cond delay="0"/>
+                                          </p:stCondLst>
+                                        </p:cTn>
+                                        <p:tgtEl>
+                                          <p:spTgt spid="3">
+                                            <p:txEl>
+                                              <p:pRg st="5" end="5"/>
+                                            </p:txEl>
+                                          </p:spTgt>
+                                        </p:tgtEl>
+                                        <p:attrNameLst>
+                                          <p:attrName>style.visibility</p:attrName>
+                                        </p:attrNameLst>
+                                      </p:cBhvr>
+                                      <p:to>
+                                        <p:strVal val="visible"/>
+                                      </p:to>
+                                    </p:set>
+                                  </p:childTnLst>
+                                </p:cTn>
+                              </p:par>
+                            </p:childTnLst>
+                          </p:cTn>
+                        </p:par>
+                      </p:childTnLst>
+                    </p:cTn>
+                  </p:par>
+                  <p:par>
+                    <p:cTn id="19" fill="hold">
+                      <p:stCondLst>
+                        <p:cond delay="indefinite"/>
+                      </p:stCondLst>
+                      <p:childTnLst>
+                        <p:par>
+                          <p:cTn id="20" fill="hold">
+                            <p:stCondLst>
+                              <p:cond delay="0"/>
+                            </p:stCondLst>
+                            <p:childTnLst>
+                              <p:par>
+                                <p:cTn id="21" presetID="1" presetClass="entr" presetSubtype="0" fill="hold" nodeType="clickEffect">
+                                  <p:stCondLst>
+                                    <p:cond delay="0"/>
+                                  </p:stCondLst>
+                                  <p:childTnLst>
+                                    <p:set>
+                                      <p:cBhvr>
+                                        <p:cTn id="22" dur="1" fill="hold">
+                                          <p:stCondLst>
+                                            <p:cond delay="0"/>
+                                          </p:stCondLst>
+                                        </p:cTn>
+                                        <p:tgtEl>
+                                          <p:spTgt spid="3">
+                                            <p:txEl>
+                                              <p:pRg st="7" end="7"/>
+                                            </p:txEl>
+                                          </p:spTgt>
+                                        </p:tgtEl>
+                                        <p:attrNameLst>
+                                          <p:attrName>style.visibility</p:attrName>
+                                        </p:attrNameLst>
+                                      </p:cBhvr>
+                                      <p:to>
+                                        <p:strVal val="visible"/>
+                                      </p:to>
+                                    </p:set>
+                                  </p:childTnLst>
+                                </p:cTn>
+                              </p:par>
+                            </p:childTnLst>
+                          </p:cTn>
+                        </p:par>
+                      </p:childTnLst>
+                    </p:cTn>
+                  </p:par>
+                </p:childTnLst>
+              </p:cTn>
+              <p:prevCondLst>
+                <p:cond evt="onPrev" delay="0">
+                  <p:tgtEl>
+                    <p:sldTgt/>
+                  </p:tgtEl>
+                </p:cond>
+              </p:prevCondLst>
+              <p:nextCondLst>
+                <p:cond evt="onNext" delay="0">
+                  <p:tgtEl>
+                    <p:sldTgt/>
+                  </p:tgtEl>
+                </p:cond>
+              </p:nextCondLst>
+            </p:seq>
+          </p:childTnLst>
+        </p:cTn>
+      </p:par>
+    </p:tnLst>
+  </p:timing>
+</p:sld>
+</file>
+
+<file path=ppt/slides/slide2.xml><?xml version="1.0" encoding="utf-8"?>
+<p:sld xmlns:a="http://schemas.openxmlformats.org/drawingml/2006/main" xmlns:r="http://schemas.openxmlformats.org/officeDocument/2006/relationships" xmlns:p="http://schemas.openxmlformats.org/presentationml/2006/main">
+  <p:cSld>
+    <p:spTree>
+      <p:nvGrpSpPr>
+        <p:cNvPr id="1" name=""/>
+        <p:cNvGrpSpPr/>
+        <p:nvPr/>
+      </p:nvGrpSpPr>
+      <p:grpSpPr>
+        <a:xfrm>
+          <a:off x="0" y="0"/>
+          <a:ext cx="0" cy="0"/>
+          <a:chOff x="0" y="0"/>
+          <a:chExt cx="0" cy="0"/>
+        </a:xfrm>
+      </p:grpSpPr>
+      <p:sp>
+        <p:nvSpPr>
+          <p:cNvPr id="2" name="Title 1">
+            <a:extLst>
+              <a:ext uri="{FF2B5EF4-FFF2-40B4-BE49-F238E27FC236}">
+                <a16:creationId xmlns:a16="http://schemas.microsoft.com/office/drawing/2014/main" id="{3CF95CEF-6576-4625-8037-85A35B662186}"/>
+              </a:ext>
+            </a:extLst>
+          </p:cNvPr>
+          <p:cNvSpPr>
+            <a:spLocks noGrp="1"/>
+          </p:cNvSpPr>
+          <p:nvPr>
+            <p:ph type="title"/>
+          </p:nvPr>
+        </p:nvSpPr>
+        <p:spPr/>
+        <p:txBody>
+          <a:bodyPr/>
+          <a:lstStyle/>
+          <a:p>
+            <a:r>
+              <a:rPr lang="en-US" dirty="0"/>
+              <a:t>What does this cover?</a:t>
+            </a:r>
+          </a:p>
+        </p:txBody>
+      </p:sp>
+      <p:sp>
+        <p:nvSpPr>
+          <p:cNvPr id="3" name="Content Placeholder 2">
+            <a:extLst>
+              <a:ext uri="{FF2B5EF4-FFF2-40B4-BE49-F238E27FC236}">
+                <a16:creationId xmlns:a16="http://schemas.microsoft.com/office/drawing/2014/main" id="{058EB83A-AE67-4232-88B0-9C79E41705E3}"/>
+              </a:ext>
+            </a:extLst>
+          </p:cNvPr>
+          <p:cNvSpPr>
+            <a:spLocks noGrp="1"/>
+          </p:cNvSpPr>
+          <p:nvPr>
+            <p:ph idx="1"/>
+          </p:nvPr>
+        </p:nvSpPr>
+        <p:spPr/>
+        <p:txBody>
+          <a:bodyPr/>
+          <a:lstStyle/>
+          <a:p>
+            <a:r>
+              <a:rPr lang="en-US" dirty="0"/>
+              <a:t>This slide deck shows off many of the new features of UIMA v3 </a:t>
+            </a:r>
+          </a:p>
+          <a:p>
+            <a:pPr lvl="1"/>
+            <a:r>
+              <a:rPr lang="en-US" dirty="0"/>
+              <a:t>From the perspective of programmers, having complaints and</a:t>
+            </a:r>
+            <a:br>
+              <a:rPr lang="en-US" dirty="0"/>
+            </a:br>
+            <a:r>
+              <a:rPr lang="en-US" dirty="0"/>
+              <a:t>seeing how UIMA v3 (uv3) addresses these</a:t>
+            </a:r>
+          </a:p>
+          <a:p>
+            <a:endParaRPr lang="en-US" dirty="0"/>
+          </a:p>
+          <a:p>
+            <a:r>
+              <a:rPr lang="en-US" dirty="0"/>
+              <a:t>It doesn’t cover all the features; for that, please see the UIMA V3 User’s Guide documentation book.</a:t>
+            </a:r>
+          </a:p>
+        </p:txBody>
+      </p:sp>
+      <p:sp>
+        <p:nvSpPr>
+          <p:cNvPr id="4" name="Footer Placeholder 3">
+            <a:extLst>
+              <a:ext uri="{FF2B5EF4-FFF2-40B4-BE49-F238E27FC236}">
+                <a16:creationId xmlns:a16="http://schemas.microsoft.com/office/drawing/2014/main" id="{4063AB9A-CA73-40A9-A5D1-D2335FC17752}"/>
+              </a:ext>
+            </a:extLst>
+          </p:cNvPr>
+          <p:cNvSpPr>
+            <a:spLocks noGrp="1"/>
+          </p:cNvSpPr>
+          <p:nvPr>
+            <p:ph type="ftr" sz="quarter" idx="11"/>
+          </p:nvPr>
+        </p:nvSpPr>
+        <p:spPr/>
+        <p:txBody>
+          <a:bodyPr/>
+          <a:lstStyle/>
+          <a:p>
+            <a:r>
+              <a:rPr lang="en-US"/>
+              <a:t>©Copyright Apache Software Foundation</a:t>
+            </a:r>
+          </a:p>
+        </p:txBody>
+      </p:sp>
+      <p:sp>
+        <p:nvSpPr>
+          <p:cNvPr id="5" name="Slide Number Placeholder 4">
+            <a:extLst>
+              <a:ext uri="{FF2B5EF4-FFF2-40B4-BE49-F238E27FC236}">
+                <a16:creationId xmlns:a16="http://schemas.microsoft.com/office/drawing/2014/main" id="{C6A0F6CF-829D-4D37-B2DE-BE9337F84037}"/>
+              </a:ext>
+            </a:extLst>
+          </p:cNvPr>
+          <p:cNvSpPr>
+            <a:spLocks noGrp="1"/>
+          </p:cNvSpPr>
+          <p:nvPr>
+            <p:ph type="sldNum" sz="quarter" idx="12"/>
+          </p:nvPr>
+        </p:nvSpPr>
+        <p:spPr/>
+        <p:txBody>
+          <a:bodyPr/>
+          <a:lstStyle/>
+          <a:p>
+            <a:fld id="{9F0628B9-4658-4D1E-8BAC-A4D6DB93B558}" type="slidenum">
+              <a:rPr lang="en-US" smtClean="0"/>
+              <a:t>2</a:t>
+            </a:fld>
+            <a:endParaRPr lang="en-US"/>
+          </a:p>
+        </p:txBody>
+      </p:sp>
+      <p:sp>
+        <p:nvSpPr>
+          <p:cNvPr id="6" name="Date Placeholder 5">
+            <a:extLst>
+              <a:ext uri="{FF2B5EF4-FFF2-40B4-BE49-F238E27FC236}">
+                <a16:creationId xmlns:a16="http://schemas.microsoft.com/office/drawing/2014/main" id="{3E0DDC39-6070-4B3F-8F29-3DAF68AD8B54}"/>
+              </a:ext>
+            </a:extLst>
+          </p:cNvPr>
+          <p:cNvSpPr>
+            <a:spLocks noGrp="1"/>
+          </p:cNvSpPr>
+          <p:nvPr>
+            <p:ph type="dt" sz="half" idx="10"/>
+          </p:nvPr>
+        </p:nvSpPr>
+        <p:spPr/>
+        <p:txBody>
+          <a:bodyPr/>
+          <a:lstStyle/>
+          <a:p>
+            <a:fld id="{28206AF7-5981-49D9-9AA4-DC60D16F6974}" type="datetime1">
+              <a:rPr lang="en-US" smtClean="0"/>
+              <a:t>11/22/2017</a:t>
+            </a:fld>
+            <a:endParaRPr lang="en-US"/>
+          </a:p>
+        </p:txBody>
+      </p:sp>
+    </p:spTree>
+    <p:extLst>
+      <p:ext uri="{BB962C8B-B14F-4D97-AF65-F5344CB8AC3E}">
+        <p14:creationId xmlns:p14="http://schemas.microsoft.com/office/powerpoint/2010/main" val="2466873820"/>
+      </p:ext>
+    </p:extLst>
+  </p:cSld>
+  <p:clrMapOvr>
+    <a:masterClrMapping/>
+  </p:clrMapOvr>
+</p:sld>
+</file>
+
+<file path=ppt/slides/slide20.xml><?xml version="1.0" encoding="utf-8"?>
+<p:sld xmlns:a="http://schemas.openxmlformats.org/drawingml/2006/main" xmlns:r="http://schemas.openxmlformats.org/officeDocument/2006/relationships" xmlns:p="http://schemas.openxmlformats.org/presentationml/2006/main">
+  <p:cSld>
+    <p:spTree>
+      <p:nvGrpSpPr>
+        <p:cNvPr id="1" name=""/>
+        <p:cNvGrpSpPr/>
+        <p:nvPr/>
+      </p:nvGrpSpPr>
+      <p:grpSpPr>
+        <a:xfrm>
+          <a:off x="0" y="0"/>
+          <a:ext cx="0" cy="0"/>
+          <a:chOff x="0" y="0"/>
+          <a:chExt cx="0" cy="0"/>
+        </a:xfrm>
+      </p:grpSpPr>
+      <p:sp>
+        <p:nvSpPr>
+          <p:cNvPr id="2" name="Title 1">
+            <a:extLst>
+              <a:ext uri="{FF2B5EF4-FFF2-40B4-BE49-F238E27FC236}">
+                <a16:creationId xmlns:a16="http://schemas.microsoft.com/office/drawing/2014/main" id="{1F02CB94-BD59-472A-B98D-99CBBAA2FAB5}"/>
+              </a:ext>
+            </a:extLst>
+          </p:cNvPr>
+          <p:cNvSpPr>
+            <a:spLocks noGrp="1"/>
+          </p:cNvSpPr>
+          <p:nvPr>
+            <p:ph type="title"/>
+          </p:nvPr>
+        </p:nvSpPr>
+        <p:spPr>
+          <a:xfrm>
+            <a:off x="609600" y="1022350"/>
+            <a:ext cx="10972800" cy="427039"/>
+          </a:xfrm>
+        </p:spPr>
+        <p:txBody>
+          <a:bodyPr>
+            <a:noAutofit/>
+          </a:bodyPr>
+          <a:lstStyle/>
+          <a:p>
+            <a:r>
+              <a:rPr lang="en-US" sz="3600" dirty="0"/>
+              <a:t>UIMA logger too old-fashioned to easily use efficiently</a:t>
             </a:r>
           </a:p>
         </p:txBody>
@@ -27785,12 +28546,12 @@
         <p:spPr>
           <a:xfrm>
             <a:off x="609601" y="1717128"/>
-            <a:ext cx="10800727" cy="4522897"/>
+            <a:ext cx="11209866" cy="4522897"/>
           </a:xfrm>
         </p:spPr>
         <p:txBody>
           <a:bodyPr>
-            <a:normAutofit fontScale="92500" lnSpcReduction="10000"/>
+            <a:normAutofit fontScale="70000" lnSpcReduction="20000"/>
           </a:bodyPr>
           <a:lstStyle/>
           <a:p>
@@ -27801,6 +28562,18 @@
           </a:p>
           <a:p>
             <a:pPr marL="461422" lvl="1" indent="0">
+              <a:buNone/>
+            </a:pPr>
+            <a:endParaRPr lang="en-US" sz="2200" dirty="0">
+              <a:latin typeface="Courier New" panose="02070309020205020404" pitchFamily="49" charset="0"/>
+              <a:cs typeface="Courier New" panose="02070309020205020404" pitchFamily="49" charset="0"/>
+            </a:endParaRPr>
+          </a:p>
+          <a:p>
+            <a:pPr marL="461422" lvl="1" indent="0">
+              <a:lnSpc>
+                <a:spcPct val="120000"/>
+              </a:lnSpc>
               <a:buNone/>
             </a:pPr>
             <a:r>
@@ -27836,7 +28609,7 @@
                 <a:latin typeface="Courier New" panose="02070309020205020404" pitchFamily="49" charset="0"/>
                 <a:cs typeface="Courier New" panose="02070309020205020404" pitchFamily="49" charset="0"/>
               </a:rPr>
-              <a:t>)</a:t>
+              <a:t>))</a:t>
             </a:r>
             <a:br>
               <a:rPr lang="en-US" sz="2200" dirty="0">
@@ -27885,6 +28658,24 @@
                 <a:cs typeface="Courier New" panose="02070309020205020404" pitchFamily="49" charset="0"/>
               </a:rPr>
               <a:t>)</a:t>
+            </a:r>
+            <a:endParaRPr lang="en-US" dirty="0">
+              <a:cs typeface="Courier New" panose="02070309020205020404" pitchFamily="49" charset="0"/>
+            </a:endParaRPr>
+          </a:p>
+          <a:p>
+            <a:pPr lvl="1"/>
+            <a:endParaRPr lang="en-US" dirty="0">
+              <a:cs typeface="Courier New" panose="02070309020205020404" pitchFamily="49" charset="0"/>
+            </a:endParaRPr>
+          </a:p>
+          <a:p>
+            <a:pPr lvl="1"/>
+            <a:r>
+              <a:rPr lang="en-US" dirty="0">
+                <a:cs typeface="Courier New" panose="02070309020205020404" pitchFamily="49" charset="0"/>
+              </a:rPr>
+              <a:t>Otherwise, the argument computation evaluation is done even when not logging!</a:t>
             </a:r>
           </a:p>
           <a:p>
@@ -27986,6 +28777,30 @@
             <a:pPr marL="461422" lvl="1" indent="0">
               <a:buNone/>
             </a:pPr>
+            <a:endParaRPr lang="en-US" sz="2200" dirty="0">
+              <a:cs typeface="Courier New" panose="02070309020205020404" pitchFamily="49" charset="0"/>
+            </a:endParaRPr>
+          </a:p>
+          <a:p>
+            <a:pPr marL="461422" lvl="1" indent="0">
+              <a:buNone/>
+            </a:pPr>
+            <a:endParaRPr lang="en-US" sz="1867" dirty="0">
+              <a:cs typeface="Courier New" panose="02070309020205020404" pitchFamily="49" charset="0"/>
+            </a:endParaRPr>
+          </a:p>
+          <a:p>
+            <a:r>
+              <a:rPr lang="en-US" dirty="0">
+                <a:cs typeface="Courier New" panose="02070309020205020404" pitchFamily="49" charset="0"/>
+              </a:rPr>
+              <a:t>Message embedding syntax change coupled to logger invoking form</a:t>
+            </a:r>
+          </a:p>
+          <a:p>
+            <a:pPr marL="461422" lvl="1" indent="0">
+              <a:buNone/>
+            </a:pPr>
             <a:r>
               <a:rPr lang="en-US" sz="2200" dirty="0">
                 <a:cs typeface="Courier New" panose="02070309020205020404" pitchFamily="49" charset="0"/>
@@ -28048,14 +28863,9 @@
               <a:rPr lang="en-US" sz="2200" dirty="0">
                 <a:cs typeface="Courier New" panose="02070309020205020404" pitchFamily="49" charset="0"/>
               </a:rPr>
-              <a:t>   // XXX = INFO, WARN, etc.</a:t>
-            </a:r>
-          </a:p>
-          <a:p>
-            <a:pPr marL="461422" lvl="1" indent="0">
-              <a:buNone/>
-            </a:pPr>
-            <a:endParaRPr lang="en-US" sz="1867" dirty="0">
+              <a:t>   // XXX = INFO, WARN, etc., backward compatible</a:t>
+            </a:r>
+            <a:endParaRPr lang="en-US" dirty="0">
               <a:cs typeface="Courier New" panose="02070309020205020404" pitchFamily="49" charset="0"/>
             </a:endParaRPr>
           </a:p>
@@ -28152,7 +28962,7 @@
             <a:fld id="{27D3C2B7-BFCE-47F7-B76D-5DC27A3663B1}" type="slidenum">
               <a:rPr lang="en-US" altLang="en-US" smtClean="0"/>
               <a:pPr/>
-              <a:t>19</a:t>
+              <a:t>20</a:t>
             </a:fld>
             <a:endParaRPr lang="en-US" altLang="en-US"/>
           </a:p>
@@ -28172,7 +28982,7 @@
         </p:nvSpPr>
         <p:spPr>
           <a:xfrm>
-            <a:off x="6472132" y="2247242"/>
+            <a:off x="7420399" y="2111775"/>
             <a:ext cx="4276935" cy="420564"/>
           </a:xfrm>
           <a:prstGeom prst="rect">
@@ -28266,7 +29076,7 @@
           <a:p>
             <a:fld id="{10685852-31F4-439C-A2F5-6D985800193A}" type="datetime1">
               <a:rPr lang="en-US" smtClean="0"/>
-              <a:t>11/9/2017</a:t>
+              <a:t>11/22/2017</a:t>
             </a:fld>
             <a:endParaRPr lang="en-US" dirty="0"/>
           </a:p>
@@ -28275,7 +29085,7 @@
     </p:spTree>
     <p:extLst>
       <p:ext uri="{BB962C8B-B14F-4D97-AF65-F5344CB8AC3E}">
-        <p14:creationId xmlns:p14="http://schemas.microsoft.com/office/powerpoint/2010/main" val="745743562"/>
+        <p14:creationId xmlns:p14="http://schemas.microsoft.com/office/powerpoint/2010/main" val="595258876"/>
       </p:ext>
     </p:extLst>
   </p:cSld>
@@ -28370,7 +29180,944 @@
                                         <p:tgtEl>
                                           <p:spTgt spid="3">
                                             <p:txEl>
+                                              <p:pRg st="2" end="2"/>
+                                            </p:txEl>
+                                          </p:spTgt>
+                                        </p:tgtEl>
+                                        <p:attrNameLst>
+                                          <p:attrName>style.visibility</p:attrName>
+                                        </p:attrNameLst>
+                                      </p:cBhvr>
+                                      <p:to>
+                                        <p:strVal val="visible"/>
+                                      </p:to>
+                                    </p:set>
+                                  </p:childTnLst>
+                                </p:cTn>
+                              </p:par>
+                            </p:childTnLst>
+                          </p:cTn>
+                        </p:par>
+                      </p:childTnLst>
+                    </p:cTn>
+                  </p:par>
+                  <p:par>
+                    <p:cTn id="11" fill="hold">
+                      <p:stCondLst>
+                        <p:cond delay="indefinite"/>
+                      </p:stCondLst>
+                      <p:childTnLst>
+                        <p:par>
+                          <p:cTn id="12" fill="hold">
+                            <p:stCondLst>
+                              <p:cond delay="0"/>
+                            </p:stCondLst>
+                            <p:childTnLst>
+                              <p:par>
+                                <p:cTn id="13" presetID="1" presetClass="entr" presetSubtype="0" fill="hold" grpId="0" nodeType="clickEffect">
+                                  <p:stCondLst>
+                                    <p:cond delay="0"/>
+                                  </p:stCondLst>
+                                  <p:childTnLst>
+                                    <p:set>
+                                      <p:cBhvr>
+                                        <p:cTn id="14" dur="1" fill="hold">
+                                          <p:stCondLst>
+                                            <p:cond delay="0"/>
+                                          </p:stCondLst>
+                                        </p:cTn>
+                                        <p:tgtEl>
+                                          <p:spTgt spid="7"/>
+                                        </p:tgtEl>
+                                        <p:attrNameLst>
+                                          <p:attrName>style.visibility</p:attrName>
+                                        </p:attrNameLst>
+                                      </p:cBhvr>
+                                      <p:to>
+                                        <p:strVal val="visible"/>
+                                      </p:to>
+                                    </p:set>
+                                  </p:childTnLst>
+                                </p:cTn>
+                              </p:par>
+                            </p:childTnLst>
+                          </p:cTn>
+                        </p:par>
+                      </p:childTnLst>
+                    </p:cTn>
+                  </p:par>
+                  <p:par>
+                    <p:cTn id="15" fill="hold">
+                      <p:stCondLst>
+                        <p:cond delay="indefinite"/>
+                      </p:stCondLst>
+                      <p:childTnLst>
+                        <p:par>
+                          <p:cTn id="16" fill="hold">
+                            <p:stCondLst>
+                              <p:cond delay="0"/>
+                            </p:stCondLst>
+                            <p:childTnLst>
+                              <p:par>
+                                <p:cTn id="17" presetID="1" presetClass="entr" presetSubtype="0" fill="hold" nodeType="clickEffect">
+                                  <p:stCondLst>
+                                    <p:cond delay="0"/>
+                                  </p:stCondLst>
+                                  <p:childTnLst>
+                                    <p:set>
+                                      <p:cBhvr>
+                                        <p:cTn id="18" dur="1" fill="hold">
+                                          <p:stCondLst>
+                                            <p:cond delay="0"/>
+                                          </p:stCondLst>
+                                        </p:cTn>
+                                        <p:tgtEl>
+                                          <p:spTgt spid="3">
+                                            <p:txEl>
+                                              <p:pRg st="4" end="4"/>
+                                            </p:txEl>
+                                          </p:spTgt>
+                                        </p:tgtEl>
+                                        <p:attrNameLst>
+                                          <p:attrName>style.visibility</p:attrName>
+                                        </p:attrNameLst>
+                                      </p:cBhvr>
+                                      <p:to>
+                                        <p:strVal val="visible"/>
+                                      </p:to>
+                                    </p:set>
+                                  </p:childTnLst>
+                                </p:cTn>
+                              </p:par>
+                            </p:childTnLst>
+                          </p:cTn>
+                        </p:par>
+                      </p:childTnLst>
+                    </p:cTn>
+                  </p:par>
+                  <p:par>
+                    <p:cTn id="19" fill="hold">
+                      <p:stCondLst>
+                        <p:cond delay="indefinite"/>
+                      </p:stCondLst>
+                      <p:childTnLst>
+                        <p:par>
+                          <p:cTn id="20" fill="hold">
+                            <p:stCondLst>
+                              <p:cond delay="0"/>
+                            </p:stCondLst>
+                            <p:childTnLst>
+                              <p:par>
+                                <p:cTn id="21" presetID="1" presetClass="entr" presetSubtype="0" fill="hold" nodeType="clickEffect">
+                                  <p:stCondLst>
+                                    <p:cond delay="0"/>
+                                  </p:stCondLst>
+                                  <p:childTnLst>
+                                    <p:set>
+                                      <p:cBhvr>
+                                        <p:cTn id="22" dur="1" fill="hold">
+                                          <p:stCondLst>
+                                            <p:cond delay="0"/>
+                                          </p:stCondLst>
+                                        </p:cTn>
+                                        <p:tgtEl>
+                                          <p:spTgt spid="3">
+                                            <p:txEl>
+                                              <p:pRg st="6" end="6"/>
+                                            </p:txEl>
+                                          </p:spTgt>
+                                        </p:tgtEl>
+                                        <p:attrNameLst>
+                                          <p:attrName>style.visibility</p:attrName>
+                                        </p:attrNameLst>
+                                      </p:cBhvr>
+                                      <p:to>
+                                        <p:strVal val="visible"/>
+                                      </p:to>
+                                    </p:set>
+                                  </p:childTnLst>
+                                </p:cTn>
+                              </p:par>
+                            </p:childTnLst>
+                          </p:cTn>
+                        </p:par>
+                      </p:childTnLst>
+                    </p:cTn>
+                  </p:par>
+                  <p:par>
+                    <p:cTn id="23" fill="hold">
+                      <p:stCondLst>
+                        <p:cond delay="indefinite"/>
+                      </p:stCondLst>
+                      <p:childTnLst>
+                        <p:par>
+                          <p:cTn id="24" fill="hold">
+                            <p:stCondLst>
+                              <p:cond delay="0"/>
+                            </p:stCondLst>
+                            <p:childTnLst>
+                              <p:par>
+                                <p:cTn id="25" presetID="1" presetClass="entr" presetSubtype="0" fill="hold" nodeType="clickEffect">
+                                  <p:stCondLst>
+                                    <p:cond delay="0"/>
+                                  </p:stCondLst>
+                                  <p:childTnLst>
+                                    <p:set>
+                                      <p:cBhvr>
+                                        <p:cTn id="26" dur="1" fill="hold">
+                                          <p:stCondLst>
+                                            <p:cond delay="0"/>
+                                          </p:stCondLst>
+                                        </p:cTn>
+                                        <p:tgtEl>
+                                          <p:spTgt spid="3">
+                                            <p:txEl>
+                                              <p:pRg st="7" end="7"/>
+                                            </p:txEl>
+                                          </p:spTgt>
+                                        </p:tgtEl>
+                                        <p:attrNameLst>
+                                          <p:attrName>style.visibility</p:attrName>
+                                        </p:attrNameLst>
+                                      </p:cBhvr>
+                                      <p:to>
+                                        <p:strVal val="visible"/>
+                                      </p:to>
+                                    </p:set>
+                                  </p:childTnLst>
+                                </p:cTn>
+                              </p:par>
+                            </p:childTnLst>
+                          </p:cTn>
+                        </p:par>
+                      </p:childTnLst>
+                    </p:cTn>
+                  </p:par>
+                  <p:par>
+                    <p:cTn id="27" fill="hold">
+                      <p:stCondLst>
+                        <p:cond delay="indefinite"/>
+                      </p:stCondLst>
+                      <p:childTnLst>
+                        <p:par>
+                          <p:cTn id="28" fill="hold">
+                            <p:stCondLst>
+                              <p:cond delay="0"/>
+                            </p:stCondLst>
+                            <p:childTnLst>
+                              <p:par>
+                                <p:cTn id="29" presetID="1" presetClass="entr" presetSubtype="0" fill="hold" nodeType="clickEffect">
+                                  <p:stCondLst>
+                                    <p:cond delay="0"/>
+                                  </p:stCondLst>
+                                  <p:childTnLst>
+                                    <p:set>
+                                      <p:cBhvr>
+                                        <p:cTn id="30" dur="1" fill="hold">
+                                          <p:stCondLst>
+                                            <p:cond delay="0"/>
+                                          </p:stCondLst>
+                                        </p:cTn>
+                                        <p:tgtEl>
+                                          <p:spTgt spid="3">
+                                            <p:txEl>
+                                              <p:pRg st="10" end="10"/>
+                                            </p:txEl>
+                                          </p:spTgt>
+                                        </p:tgtEl>
+                                        <p:attrNameLst>
+                                          <p:attrName>style.visibility</p:attrName>
+                                        </p:attrNameLst>
+                                      </p:cBhvr>
+                                      <p:to>
+                                        <p:strVal val="visible"/>
+                                      </p:to>
+                                    </p:set>
+                                  </p:childTnLst>
+                                </p:cTn>
+                              </p:par>
+                              <p:par>
+                                <p:cTn id="31" presetID="1" presetClass="entr" presetSubtype="0" fill="hold" nodeType="withEffect">
+                                  <p:stCondLst>
+                                    <p:cond delay="0"/>
+                                  </p:stCondLst>
+                                  <p:childTnLst>
+                                    <p:set>
+                                      <p:cBhvr>
+                                        <p:cTn id="32" dur="1" fill="hold">
+                                          <p:stCondLst>
+                                            <p:cond delay="0"/>
+                                          </p:stCondLst>
+                                        </p:cTn>
+                                        <p:tgtEl>
+                                          <p:spTgt spid="3">
+                                            <p:txEl>
+                                              <p:pRg st="11" end="11"/>
+                                            </p:txEl>
+                                          </p:spTgt>
+                                        </p:tgtEl>
+                                        <p:attrNameLst>
+                                          <p:attrName>style.visibility</p:attrName>
+                                        </p:attrNameLst>
+                                      </p:cBhvr>
+                                      <p:to>
+                                        <p:strVal val="visible"/>
+                                      </p:to>
+                                    </p:set>
+                                  </p:childTnLst>
+                                </p:cTn>
+                              </p:par>
+                              <p:par>
+                                <p:cTn id="33" presetID="1" presetClass="entr" presetSubtype="0" fill="hold" nodeType="withEffect">
+                                  <p:stCondLst>
+                                    <p:cond delay="0"/>
+                                  </p:stCondLst>
+                                  <p:childTnLst>
+                                    <p:set>
+                                      <p:cBhvr>
+                                        <p:cTn id="34" dur="1" fill="hold">
+                                          <p:stCondLst>
+                                            <p:cond delay="0"/>
+                                          </p:stCondLst>
+                                        </p:cTn>
+                                        <p:tgtEl>
+                                          <p:spTgt spid="3">
+                                            <p:txEl>
+                                              <p:pRg st="12" end="12"/>
+                                            </p:txEl>
+                                          </p:spTgt>
+                                        </p:tgtEl>
+                                        <p:attrNameLst>
+                                          <p:attrName>style.visibility</p:attrName>
+                                        </p:attrNameLst>
+                                      </p:cBhvr>
+                                      <p:to>
+                                        <p:strVal val="visible"/>
+                                      </p:to>
+                                    </p:set>
+                                  </p:childTnLst>
+                                </p:cTn>
+                              </p:par>
+                            </p:childTnLst>
+                          </p:cTn>
+                        </p:par>
+                      </p:childTnLst>
+                    </p:cTn>
+                  </p:par>
+                  <p:par>
+                    <p:cTn id="35" fill="hold">
+                      <p:stCondLst>
+                        <p:cond delay="indefinite"/>
+                      </p:stCondLst>
+                      <p:childTnLst>
+                        <p:par>
+                          <p:cTn id="36" fill="hold">
+                            <p:stCondLst>
+                              <p:cond delay="0"/>
+                            </p:stCondLst>
+                            <p:childTnLst>
+                              <p:par>
+                                <p:cTn id="37" presetID="1" presetClass="entr" presetSubtype="0" fill="hold" nodeType="clickEffect">
+                                  <p:stCondLst>
+                                    <p:cond delay="0"/>
+                                  </p:stCondLst>
+                                  <p:childTnLst>
+                                    <p:set>
+                                      <p:cBhvr>
+                                        <p:cTn id="38" dur="1" fill="hold">
+                                          <p:stCondLst>
+                                            <p:cond delay="0"/>
+                                          </p:stCondLst>
+                                        </p:cTn>
+                                        <p:tgtEl>
+                                          <p:spTgt spid="3">
+                                            <p:txEl>
+                                              <p:pRg st="13" end="13"/>
+                                            </p:txEl>
+                                          </p:spTgt>
+                                        </p:tgtEl>
+                                        <p:attrNameLst>
+                                          <p:attrName>style.visibility</p:attrName>
+                                        </p:attrNameLst>
+                                      </p:cBhvr>
+                                      <p:to>
+                                        <p:strVal val="visible"/>
+                                      </p:to>
+                                    </p:set>
+                                  </p:childTnLst>
+                                </p:cTn>
+                              </p:par>
+                              <p:par>
+                                <p:cTn id="39" presetID="1" presetClass="entr" presetSubtype="0" fill="hold" nodeType="withEffect">
+                                  <p:stCondLst>
+                                    <p:cond delay="0"/>
+                                  </p:stCondLst>
+                                  <p:childTnLst>
+                                    <p:set>
+                                      <p:cBhvr>
+                                        <p:cTn id="40" dur="1" fill="hold">
+                                          <p:stCondLst>
+                                            <p:cond delay="0"/>
+                                          </p:stCondLst>
+                                        </p:cTn>
+                                        <p:tgtEl>
+                                          <p:spTgt spid="3">
+                                            <p:txEl>
+                                              <p:pRg st="14" end="14"/>
+                                            </p:txEl>
+                                          </p:spTgt>
+                                        </p:tgtEl>
+                                        <p:attrNameLst>
+                                          <p:attrName>style.visibility</p:attrName>
+                                        </p:attrNameLst>
+                                      </p:cBhvr>
+                                      <p:to>
+                                        <p:strVal val="visible"/>
+                                      </p:to>
+                                    </p:set>
+                                  </p:childTnLst>
+                                </p:cTn>
+                              </p:par>
+                            </p:childTnLst>
+                          </p:cTn>
+                        </p:par>
+                      </p:childTnLst>
+                    </p:cTn>
+                  </p:par>
+                </p:childTnLst>
+              </p:cTn>
+              <p:prevCondLst>
+                <p:cond evt="onPrev" delay="0">
+                  <p:tgtEl>
+                    <p:sldTgt/>
+                  </p:tgtEl>
+                </p:cond>
+              </p:prevCondLst>
+              <p:nextCondLst>
+                <p:cond evt="onNext" delay="0">
+                  <p:tgtEl>
+                    <p:sldTgt/>
+                  </p:tgtEl>
+                </p:cond>
+              </p:nextCondLst>
+            </p:seq>
+          </p:childTnLst>
+        </p:cTn>
+      </p:par>
+    </p:tnLst>
+    <p:bldLst>
+      <p:bldP spid="7" grpId="0"/>
+    </p:bldLst>
+  </p:timing>
+</p:sld>
+</file>
+
+<file path=ppt/slides/slide21.xml><?xml version="1.0" encoding="utf-8"?>
+<p:sld xmlns:a="http://schemas.openxmlformats.org/drawingml/2006/main" xmlns:r="http://schemas.openxmlformats.org/officeDocument/2006/relationships" xmlns:p="http://schemas.openxmlformats.org/presentationml/2006/main">
+  <p:cSld>
+    <p:spTree>
+      <p:nvGrpSpPr>
+        <p:cNvPr id="1" name=""/>
+        <p:cNvGrpSpPr/>
+        <p:nvPr/>
+      </p:nvGrpSpPr>
+      <p:grpSpPr>
+        <a:xfrm>
+          <a:off x="0" y="0"/>
+          <a:ext cx="0" cy="0"/>
+          <a:chOff x="0" y="0"/>
+          <a:chExt cx="0" cy="0"/>
+        </a:xfrm>
+      </p:grpSpPr>
+      <p:sp>
+        <p:nvSpPr>
+          <p:cNvPr id="2" name="Title 1">
+            <a:extLst>
+              <a:ext uri="{FF2B5EF4-FFF2-40B4-BE49-F238E27FC236}">
+                <a16:creationId xmlns:a16="http://schemas.microsoft.com/office/drawing/2014/main" id="{1F02CB94-BD59-472A-B98D-99CBBAA2FAB5}"/>
+              </a:ext>
+            </a:extLst>
+          </p:cNvPr>
+          <p:cNvSpPr>
+            <a:spLocks noGrp="1"/>
+          </p:cNvSpPr>
+          <p:nvPr>
+            <p:ph type="title"/>
+          </p:nvPr>
+        </p:nvSpPr>
+        <p:spPr/>
+        <p:txBody>
+          <a:bodyPr>
+            <a:normAutofit fontScale="90000"/>
+          </a:bodyPr>
+          <a:lstStyle/>
+          <a:p>
+            <a:r>
+              <a:rPr lang="en-US" dirty="0"/>
+              <a:t>V2 UIMA logger not supporting modern logging</a:t>
+            </a:r>
+          </a:p>
+        </p:txBody>
+      </p:sp>
+      <p:sp>
+        <p:nvSpPr>
+          <p:cNvPr id="3" name="Text Placeholder 2">
+            <a:extLst>
+              <a:ext uri="{FF2B5EF4-FFF2-40B4-BE49-F238E27FC236}">
+                <a16:creationId xmlns:a16="http://schemas.microsoft.com/office/drawing/2014/main" id="{C7FB73DA-59EB-4CA8-952E-5A7D1D3FFFDD}"/>
+              </a:ext>
+            </a:extLst>
+          </p:cNvPr>
+          <p:cNvSpPr>
+            <a:spLocks noGrp="1"/>
+          </p:cNvSpPr>
+          <p:nvPr>
+            <p:ph type="body" sz="half" idx="1"/>
+          </p:nvPr>
+        </p:nvSpPr>
+        <p:spPr>
+          <a:xfrm>
+            <a:off x="609601" y="1717128"/>
+            <a:ext cx="10800727" cy="4522897"/>
+          </a:xfrm>
+        </p:spPr>
+        <p:txBody>
+          <a:bodyPr>
+            <a:normAutofit lnSpcReduction="10000"/>
+          </a:bodyPr>
+          <a:lstStyle/>
+          <a:p>
+            <a:r>
+              <a:rPr lang="en-US" dirty="0"/>
+              <a:t>Problem : Want to use Markers on individual log messages</a:t>
+            </a:r>
+          </a:p>
+          <a:p>
+            <a:pPr lvl="1"/>
+            <a:r>
+              <a:rPr lang="en-US" dirty="0"/>
+              <a:t>To trigger actions (send an email to the admin when this happens)</a:t>
+            </a:r>
+          </a:p>
+          <a:p>
+            <a:pPr lvl="1"/>
+            <a:r>
+              <a:rPr lang="en-US" dirty="0"/>
+              <a:t>To have cross-cutting filtering control (log things related to DB access) </a:t>
+            </a:r>
+            <a:endParaRPr lang="en-US" dirty="0">
+              <a:cs typeface="Courier New" panose="02070309020205020404" pitchFamily="49" charset="0"/>
+            </a:endParaRPr>
+          </a:p>
+          <a:p>
+            <a:r>
+              <a:rPr lang="en-US" dirty="0">
+                <a:cs typeface="Courier New" panose="02070309020205020404" pitchFamily="49" charset="0"/>
+              </a:rPr>
+              <a:t>Solution: UIMA’s new logging APIs support Markers</a:t>
+            </a:r>
+          </a:p>
+          <a:p>
+            <a:pPr lvl="1"/>
+            <a:r>
+              <a:rPr lang="en-US" dirty="0" err="1">
+                <a:latin typeface="Courier New" panose="02070309020205020404" pitchFamily="49" charset="0"/>
+                <a:cs typeface="Courier New" panose="02070309020205020404" pitchFamily="49" charset="0"/>
+              </a:rPr>
+              <a:t>logger.</a:t>
+            </a:r>
+            <a:r>
+              <a:rPr lang="en-US" dirty="0" err="1">
+                <a:highlight>
+                  <a:srgbClr val="FFFF00"/>
+                </a:highlight>
+                <a:latin typeface="Courier New" panose="02070309020205020404" pitchFamily="49" charset="0"/>
+                <a:cs typeface="Courier New" panose="02070309020205020404" pitchFamily="49" charset="0"/>
+              </a:rPr>
+              <a:t>warn</a:t>
+            </a:r>
+            <a:r>
+              <a:rPr lang="en-US" dirty="0">
+                <a:latin typeface="Courier New" panose="02070309020205020404" pitchFamily="49" charset="0"/>
+                <a:cs typeface="Courier New" panose="02070309020205020404" pitchFamily="49" charset="0"/>
+              </a:rPr>
+              <a:t>(</a:t>
+            </a:r>
+            <a:r>
+              <a:rPr lang="en-US" dirty="0" err="1">
+                <a:latin typeface="Courier New" panose="02070309020205020404" pitchFamily="49" charset="0"/>
+                <a:cs typeface="Courier New" panose="02070309020205020404" pitchFamily="49" charset="0"/>
+              </a:rPr>
+              <a:t>aMarker</a:t>
+            </a:r>
+            <a:r>
+              <a:rPr lang="en-US" dirty="0">
+                <a:latin typeface="Courier New" panose="02070309020205020404" pitchFamily="49" charset="0"/>
+                <a:cs typeface="Courier New" panose="02070309020205020404" pitchFamily="49" charset="0"/>
+              </a:rPr>
+              <a:t>, message, …)</a:t>
+            </a:r>
+            <a:endParaRPr lang="en-US" dirty="0">
+              <a:cs typeface="Courier New" panose="02070309020205020404" pitchFamily="49" charset="0"/>
+            </a:endParaRPr>
+          </a:p>
+          <a:p>
+            <a:pPr marL="461422" lvl="1" indent="0">
+              <a:buNone/>
+            </a:pPr>
+            <a:endParaRPr lang="en-US" sz="1867" dirty="0">
+              <a:cs typeface="Courier New" panose="02070309020205020404" pitchFamily="49" charset="0"/>
+            </a:endParaRPr>
+          </a:p>
+          <a:p>
+            <a:r>
+              <a:rPr lang="en-US" dirty="0">
+                <a:cs typeface="Courier New" panose="02070309020205020404" pitchFamily="49" charset="0"/>
+              </a:rPr>
+              <a:t>Markers examples:</a:t>
+            </a:r>
+            <a:endParaRPr lang="en-US" dirty="0">
+              <a:latin typeface="Courier New" panose="02070309020205020404" pitchFamily="49" charset="0"/>
+              <a:cs typeface="Courier New" panose="02070309020205020404" pitchFamily="49" charset="0"/>
+            </a:endParaRPr>
+          </a:p>
+          <a:p>
+            <a:pPr lvl="1"/>
+            <a:r>
+              <a:rPr lang="en-US" dirty="0">
+                <a:cs typeface="Courier New" panose="02070309020205020404" pitchFamily="49" charset="0"/>
+              </a:rPr>
+              <a:t>Tracing filters: </a:t>
+            </a:r>
+          </a:p>
+          <a:p>
+            <a:pPr lvl="2"/>
+            <a:r>
+              <a:rPr lang="en-US" dirty="0">
+                <a:cs typeface="Courier New" panose="02070309020205020404" pitchFamily="49" charset="0"/>
+              </a:rPr>
+              <a:t>annotator/flow controller enter/exit, </a:t>
+            </a:r>
+          </a:p>
+          <a:p>
+            <a:pPr lvl="2"/>
+            <a:r>
+              <a:rPr lang="en-US" dirty="0">
+                <a:cs typeface="Courier New" panose="02070309020205020404" pitchFamily="49" charset="0"/>
+              </a:rPr>
+              <a:t>Feature Structure creation/updating</a:t>
+            </a:r>
+          </a:p>
+          <a:p>
+            <a:pPr lvl="2"/>
+            <a:r>
+              <a:rPr lang="en-US" dirty="0">
+                <a:cs typeface="Courier New" panose="02070309020205020404" pitchFamily="49" charset="0"/>
+              </a:rPr>
+              <a:t>Index modification, index auto-remove/add-back</a:t>
+            </a:r>
+          </a:p>
+          <a:p>
+            <a:pPr lvl="2"/>
+            <a:r>
+              <a:rPr lang="en-US" dirty="0">
+                <a:cs typeface="Courier New" panose="02070309020205020404" pitchFamily="49" charset="0"/>
+              </a:rPr>
+              <a:t>serialization</a:t>
+            </a:r>
+          </a:p>
+        </p:txBody>
+      </p:sp>
+      <p:sp>
+        <p:nvSpPr>
+          <p:cNvPr id="5" name="Footer Placeholder 4">
+            <a:extLst>
+              <a:ext uri="{FF2B5EF4-FFF2-40B4-BE49-F238E27FC236}">
+                <a16:creationId xmlns:a16="http://schemas.microsoft.com/office/drawing/2014/main" id="{A9C95A8F-03A1-456C-B89D-9A37B78F8561}"/>
+              </a:ext>
+            </a:extLst>
+          </p:cNvPr>
+          <p:cNvSpPr>
+            <a:spLocks noGrp="1"/>
+          </p:cNvSpPr>
+          <p:nvPr>
+            <p:ph type="ftr" sz="quarter" idx="10"/>
+          </p:nvPr>
+        </p:nvSpPr>
+        <p:spPr>
+          <a:xfrm>
+            <a:off x="4038600" y="6356350"/>
+            <a:ext cx="4114800" cy="365125"/>
+          </a:xfrm>
+        </p:spPr>
+        <p:txBody>
+          <a:bodyPr/>
+          <a:lstStyle/>
+          <a:p>
+            <a:r>
+              <a:rPr lang="en-US" altLang="en-US"/>
+              <a:t>©Copyright Apache Software Foundation</a:t>
+            </a:r>
+            <a:endParaRPr lang="en-US" altLang="en-US" dirty="0"/>
+          </a:p>
+        </p:txBody>
+      </p:sp>
+      <p:sp>
+        <p:nvSpPr>
+          <p:cNvPr id="6" name="Slide Number Placeholder 5">
+            <a:extLst>
+              <a:ext uri="{FF2B5EF4-FFF2-40B4-BE49-F238E27FC236}">
+                <a16:creationId xmlns:a16="http://schemas.microsoft.com/office/drawing/2014/main" id="{A14344BA-0647-4C08-916D-62594400665E}"/>
+              </a:ext>
+            </a:extLst>
+          </p:cNvPr>
+          <p:cNvSpPr>
+            <a:spLocks noGrp="1"/>
+          </p:cNvSpPr>
+          <p:nvPr>
+            <p:ph type="sldNum" sz="quarter" idx="11"/>
+          </p:nvPr>
+        </p:nvSpPr>
+        <p:spPr/>
+        <p:txBody>
+          <a:bodyPr/>
+          <a:lstStyle/>
+          <a:p>
+            <a:fld id="{27D3C2B7-BFCE-47F7-B76D-5DC27A3663B1}" type="slidenum">
+              <a:rPr lang="en-US" altLang="en-US" smtClean="0"/>
+              <a:pPr/>
+              <a:t>21</a:t>
+            </a:fld>
+            <a:endParaRPr lang="en-US" altLang="en-US"/>
+          </a:p>
+        </p:txBody>
+      </p:sp>
+      <p:sp>
+        <p:nvSpPr>
+          <p:cNvPr id="7" name="TextBox 6">
+            <a:extLst>
+              <a:ext uri="{FF2B5EF4-FFF2-40B4-BE49-F238E27FC236}">
+                <a16:creationId xmlns:a16="http://schemas.microsoft.com/office/drawing/2014/main" id="{7019B9CC-987B-44D1-928A-0A8F93E7EFB0}"/>
+              </a:ext>
+            </a:extLst>
+          </p:cNvPr>
+          <p:cNvSpPr txBox="1"/>
+          <p:nvPr/>
+        </p:nvSpPr>
+        <p:spPr>
+          <a:xfrm>
+            <a:off x="6472132" y="2247242"/>
+            <a:ext cx="4276935" cy="420564"/>
+          </a:xfrm>
+          <a:prstGeom prst="rect">
+            <a:avLst/>
+          </a:prstGeom>
+          <a:noFill/>
+        </p:spPr>
+        <p:txBody>
+          <a:bodyPr wrap="square" rtlCol="0">
+            <a:spAutoFit/>
+          </a:bodyPr>
+          <a:lstStyle/>
+          <a:p>
+            <a:r>
+              <a:rPr lang="en-US" sz="2133" b="1" dirty="0" err="1">
+                <a:ln w="6600">
+                  <a:solidFill>
+                    <a:schemeClr val="accent2"/>
+                  </a:solidFill>
+                  <a:prstDash val="solid"/>
+                </a:ln>
+                <a:solidFill>
+                  <a:srgbClr val="FFFFFF"/>
+                </a:solidFill>
+                <a:effectLst>
+                  <a:outerShdw dist="38100" dir="2700000" algn="tl" rotWithShape="0">
+                    <a:schemeClr val="accent2"/>
+                  </a:outerShdw>
+                </a:effectLst>
+              </a:rPr>
+              <a:t>toString</a:t>
+            </a:r>
+            <a:r>
+              <a:rPr lang="en-US" sz="2133" b="1" dirty="0">
+                <a:ln w="6600">
+                  <a:solidFill>
+                    <a:schemeClr val="accent2"/>
+                  </a:solidFill>
+                  <a:prstDash val="solid"/>
+                </a:ln>
+                <a:solidFill>
+                  <a:srgbClr val="FFFFFF"/>
+                </a:solidFill>
+                <a:effectLst>
+                  <a:outerShdw dist="38100" dir="2700000" algn="tl" rotWithShape="0">
+                    <a:schemeClr val="accent2"/>
+                  </a:outerShdw>
+                </a:effectLst>
+              </a:rPr>
+              <a:t> expensive to compute</a:t>
+            </a:r>
+            <a:endParaRPr lang="en-US" sz="1600" b="1" dirty="0">
+              <a:ln w="6600">
+                <a:solidFill>
+                  <a:schemeClr val="accent2"/>
+                </a:solidFill>
+                <a:prstDash val="solid"/>
+              </a:ln>
+              <a:solidFill>
+                <a:srgbClr val="FFFFFF"/>
+              </a:solidFill>
+              <a:effectLst>
+                <a:outerShdw dist="38100" dir="2700000" algn="tl" rotWithShape="0">
+                  <a:schemeClr val="accent2"/>
+                </a:outerShdw>
+              </a:effectLst>
+            </a:endParaRPr>
+          </a:p>
+        </p:txBody>
+      </p:sp>
+      <p:sp>
+        <p:nvSpPr>
+          <p:cNvPr id="4" name="Date Placeholder 3">
+            <a:extLst>
+              <a:ext uri="{FF2B5EF4-FFF2-40B4-BE49-F238E27FC236}">
+                <a16:creationId xmlns:a16="http://schemas.microsoft.com/office/drawing/2014/main" id="{F499BAD7-43C3-4038-A578-723A1FEC3139}"/>
+              </a:ext>
+            </a:extLst>
+          </p:cNvPr>
+          <p:cNvSpPr>
+            <a:spLocks noGrp="1"/>
+          </p:cNvSpPr>
+          <p:nvPr>
+            <p:ph type="dt" sz="half" idx="12"/>
+          </p:nvPr>
+        </p:nvSpPr>
+        <p:spPr/>
+        <p:txBody>
+          <a:bodyPr/>
+          <a:lstStyle/>
+          <a:p>
+            <a:fld id="{10685852-31F4-439C-A2F5-6D985800193A}" type="datetime1">
+              <a:rPr lang="en-US" smtClean="0"/>
+              <a:t>11/22/2017</a:t>
+            </a:fld>
+            <a:endParaRPr lang="en-US" dirty="0"/>
+          </a:p>
+        </p:txBody>
+      </p:sp>
+    </p:spTree>
+    <p:extLst>
+      <p:ext uri="{BB962C8B-B14F-4D97-AF65-F5344CB8AC3E}">
+        <p14:creationId xmlns:p14="http://schemas.microsoft.com/office/powerpoint/2010/main" val="3692281173"/>
+      </p:ext>
+    </p:extLst>
+  </p:cSld>
+  <p:clrMapOvr>
+    <a:masterClrMapping/>
+  </p:clrMapOvr>
+  <p:timing>
+    <p:tnLst>
+      <p:par>
+        <p:cTn id="1" dur="indefinite" restart="never" nodeType="tmRoot">
+          <p:childTnLst>
+            <p:seq concurrent="1" nextAc="seek">
+              <p:cTn id="2" dur="indefinite" nodeType="mainSeq">
+                <p:childTnLst>
+                  <p:par>
+                    <p:cTn id="3" fill="hold">
+                      <p:stCondLst>
+                        <p:cond delay="indefinite"/>
+                        <p:cond evt="onBegin" delay="0">
+                          <p:tn val="2"/>
+                        </p:cond>
+                      </p:stCondLst>
+                      <p:childTnLst>
+                        <p:par>
+                          <p:cTn id="4" fill="hold">
+                            <p:stCondLst>
+                              <p:cond delay="0"/>
+                            </p:stCondLst>
+                            <p:childTnLst>
+                              <p:par>
+                                <p:cTn id="5" presetID="1" presetClass="entr" presetSubtype="0" fill="hold" nodeType="withEffect">
+                                  <p:stCondLst>
+                                    <p:cond delay="0"/>
+                                  </p:stCondLst>
+                                  <p:childTnLst>
+                                    <p:set>
+                                      <p:cBhvr>
+                                        <p:cTn id="6" dur="1" fill="hold">
+                                          <p:stCondLst>
+                                            <p:cond delay="0"/>
+                                          </p:stCondLst>
+                                        </p:cTn>
+                                        <p:tgtEl>
+                                          <p:spTgt spid="3">
+                                            <p:txEl>
+                                              <p:pRg st="0" end="0"/>
+                                            </p:txEl>
+                                          </p:spTgt>
+                                        </p:tgtEl>
+                                        <p:attrNameLst>
+                                          <p:attrName>style.visibility</p:attrName>
+                                        </p:attrNameLst>
+                                      </p:cBhvr>
+                                      <p:to>
+                                        <p:strVal val="visible"/>
+                                      </p:to>
+                                    </p:set>
+                                  </p:childTnLst>
+                                </p:cTn>
+                              </p:par>
+                              <p:par>
+                                <p:cTn id="7" presetID="1" presetClass="entr" presetSubtype="0" fill="hold" nodeType="withEffect">
+                                  <p:stCondLst>
+                                    <p:cond delay="0"/>
+                                  </p:stCondLst>
+                                  <p:childTnLst>
+                                    <p:set>
+                                      <p:cBhvr>
+                                        <p:cTn id="8" dur="1" fill="hold">
+                                          <p:stCondLst>
+                                            <p:cond delay="0"/>
+                                          </p:stCondLst>
+                                        </p:cTn>
+                                        <p:tgtEl>
+                                          <p:spTgt spid="3">
+                                            <p:txEl>
                                               <p:pRg st="1" end="1"/>
+                                            </p:txEl>
+                                          </p:spTgt>
+                                        </p:tgtEl>
+                                        <p:attrNameLst>
+                                          <p:attrName>style.visibility</p:attrName>
+                                        </p:attrNameLst>
+                                      </p:cBhvr>
+                                      <p:to>
+                                        <p:strVal val="visible"/>
+                                      </p:to>
+                                    </p:set>
+                                  </p:childTnLst>
+                                </p:cTn>
+                              </p:par>
+                              <p:par>
+                                <p:cTn id="9" presetID="1" presetClass="entr" presetSubtype="0" fill="hold" nodeType="withEffect">
+                                  <p:stCondLst>
+                                    <p:cond delay="0"/>
+                                  </p:stCondLst>
+                                  <p:childTnLst>
+                                    <p:set>
+                                      <p:cBhvr>
+                                        <p:cTn id="10" dur="1" fill="hold">
+                                          <p:stCondLst>
+                                            <p:cond delay="0"/>
+                                          </p:stCondLst>
+                                        </p:cTn>
+                                        <p:tgtEl>
+                                          <p:spTgt spid="3">
+                                            <p:txEl>
+                                              <p:pRg st="2" end="2"/>
                                             </p:txEl>
                                           </p:spTgt>
                                         </p:tgtEl>
@@ -28559,15 +30306,33 @@
                                   </p:childTnLst>
                                 </p:cTn>
                               </p:par>
+                            </p:childTnLst>
+                          </p:cTn>
+                        </p:par>
+                      </p:childTnLst>
+                    </p:cTn>
+                  </p:par>
+                  <p:par>
+                    <p:cTn id="25" fill="hold">
+                      <p:stCondLst>
+                        <p:cond delay="indefinite"/>
+                      </p:stCondLst>
+                      <p:childTnLst>
+                        <p:par>
+                          <p:cTn id="26" fill="hold">
+                            <p:stCondLst>
+                              <p:cond delay="0"/>
+                            </p:stCondLst>
+                            <p:childTnLst>
                               <p:par>
-                                <p:cTn id="25" presetID="1" presetClass="entr" presetSubtype="0" fill="hold" nodeType="withEffect">
+                                <p:cTn id="27" presetID="1" presetClass="entr" presetSubtype="0" fill="hold" nodeType="clickEffect">
                                   <p:stCondLst>
                                     <p:cond delay="0"/>
                                   </p:stCondLst>
                                   <p:childTnLst>
                                     <p:set>
                                       <p:cBhvr>
-                                        <p:cTn id="26" dur="1" fill="hold">
+                                        <p:cTn id="28" dur="1" fill="hold">
                                           <p:stCondLst>
                                             <p:cond delay="0"/>
                                           </p:stCondLst>
@@ -28575,7 +30340,7 @@
                                         <p:tgtEl>
                                           <p:spTgt spid="3">
                                             <p:txEl>
-                                              <p:pRg st="5" end="5"/>
+                                              <p:pRg st="7" end="7"/>
                                             </p:txEl>
                                           </p:spTgt>
                                         </p:tgtEl>
@@ -28597,26 +30362,26 @@
                     </p:cTn>
                   </p:par>
                   <p:par>
-                    <p:cTn id="27" fill="hold">
+                    <p:cTn id="29" fill="hold">
                       <p:stCondLst>
                         <p:cond delay="indefinite"/>
                       </p:stCondLst>
                       <p:childTnLst>
                         <p:par>
-                          <p:cTn id="28" fill="hold">
+                          <p:cTn id="30" fill="hold">
                             <p:stCondLst>
                               <p:cond delay="0"/>
                             </p:stCondLst>
                             <p:childTnLst>
                               <p:par>
-                                <p:cTn id="29" presetID="1" presetClass="entr" presetSubtype="0" fill="hold" nodeType="clickEffect">
+                                <p:cTn id="31" presetID="1" presetClass="entr" presetSubtype="0" fill="hold" nodeType="clickEffect">
                                   <p:stCondLst>
                                     <p:cond delay="0"/>
                                   </p:stCondLst>
                                   <p:childTnLst>
                                     <p:set>
                                       <p:cBhvr>
-                                        <p:cTn id="30" dur="1" fill="hold">
+                                        <p:cTn id="32" dur="1" fill="hold">
                                           <p:stCondLst>
                                             <p:cond delay="0"/>
                                           </p:stCondLst>
@@ -28646,26 +30411,26 @@
                     </p:cTn>
                   </p:par>
                   <p:par>
-                    <p:cTn id="31" fill="hold">
+                    <p:cTn id="33" fill="hold">
                       <p:stCondLst>
                         <p:cond delay="indefinite"/>
                       </p:stCondLst>
                       <p:childTnLst>
                         <p:par>
-                          <p:cTn id="32" fill="hold">
+                          <p:cTn id="34" fill="hold">
                             <p:stCondLst>
                               <p:cond delay="0"/>
                             </p:stCondLst>
                             <p:childTnLst>
                               <p:par>
-                                <p:cTn id="33" presetID="1" presetClass="entr" presetSubtype="0" fill="hold" nodeType="clickEffect">
+                                <p:cTn id="35" presetID="1" presetClass="entr" presetSubtype="0" fill="hold" nodeType="clickEffect">
                                   <p:stCondLst>
                                     <p:cond delay="0"/>
                                   </p:stCondLst>
                                   <p:childTnLst>
                                     <p:set>
                                       <p:cBhvr>
-                                        <p:cTn id="34" dur="1" fill="hold">
+                                        <p:cTn id="36" dur="1" fill="hold">
                                           <p:stCondLst>
                                             <p:cond delay="0"/>
                                           </p:stCondLst>
@@ -28674,6 +30439,104 @@
                                           <p:spTgt spid="3">
                                             <p:txEl>
                                               <p:pRg st="9" end="9"/>
+                                            </p:txEl>
+                                          </p:spTgt>
+                                        </p:tgtEl>
+                                        <p:attrNameLst>
+                                          <p:attrName>style.visibility</p:attrName>
+                                        </p:attrNameLst>
+                                      </p:cBhvr>
+                                      <p:to>
+                                        <p:strVal val="visible"/>
+                                      </p:to>
+                                    </p:set>
+                                  </p:childTnLst>
+                                </p:cTn>
+                              </p:par>
+                            </p:childTnLst>
+                          </p:cTn>
+                        </p:par>
+                      </p:childTnLst>
+                    </p:cTn>
+                  </p:par>
+                  <p:par>
+                    <p:cTn id="37" fill="hold">
+                      <p:stCondLst>
+                        <p:cond delay="indefinite"/>
+                      </p:stCondLst>
+                      <p:childTnLst>
+                        <p:par>
+                          <p:cTn id="38" fill="hold">
+                            <p:stCondLst>
+                              <p:cond delay="0"/>
+                            </p:stCondLst>
+                            <p:childTnLst>
+                              <p:par>
+                                <p:cTn id="39" presetID="1" presetClass="entr" presetSubtype="0" fill="hold" nodeType="clickEffect">
+                                  <p:stCondLst>
+                                    <p:cond delay="0"/>
+                                  </p:stCondLst>
+                                  <p:childTnLst>
+                                    <p:set>
+                                      <p:cBhvr>
+                                        <p:cTn id="40" dur="1" fill="hold">
+                                          <p:stCondLst>
+                                            <p:cond delay="0"/>
+                                          </p:stCondLst>
+                                        </p:cTn>
+                                        <p:tgtEl>
+                                          <p:spTgt spid="3">
+                                            <p:txEl>
+                                              <p:pRg st="10" end="10"/>
+                                            </p:txEl>
+                                          </p:spTgt>
+                                        </p:tgtEl>
+                                        <p:attrNameLst>
+                                          <p:attrName>style.visibility</p:attrName>
+                                        </p:attrNameLst>
+                                      </p:cBhvr>
+                                      <p:to>
+                                        <p:strVal val="visible"/>
+                                      </p:to>
+                                    </p:set>
+                                  </p:childTnLst>
+                                </p:cTn>
+                              </p:par>
+                            </p:childTnLst>
+                          </p:cTn>
+                        </p:par>
+                      </p:childTnLst>
+                    </p:cTn>
+                  </p:par>
+                  <p:par>
+                    <p:cTn id="41" fill="hold">
+                      <p:stCondLst>
+                        <p:cond delay="indefinite"/>
+                      </p:stCondLst>
+                      <p:childTnLst>
+                        <p:par>
+                          <p:cTn id="42" fill="hold">
+                            <p:stCondLst>
+                              <p:cond delay="0"/>
+                            </p:stCondLst>
+                            <p:childTnLst>
+                              <p:par>
+                                <p:cTn id="43" presetID="1" presetClass="entr" presetSubtype="0" fill="hold" nodeType="clickEffect">
+                                  <p:stCondLst>
+                                    <p:cond delay="0"/>
+                                  </p:stCondLst>
+                                  <p:childTnLst>
+                                    <p:set>
+                                      <p:cBhvr>
+                                        <p:cTn id="44" dur="1" fill="hold">
+                                          <p:stCondLst>
+                                            <p:cond delay="0"/>
+                                          </p:stCondLst>
+                                        </p:cTn>
+                                        <p:tgtEl>
+                                          <p:spTgt spid="3">
+                                            <p:txEl>
+                                              <p:pRg st="11" end="11"/>
                                             </p:txEl>
                                           </p:spTgt>
                                         </p:tgtEl>
@@ -28722,7 +30585,7 @@
 </p:sld>
 </file>
 
-<file path=ppt/slides/slide2.xml><?xml version="1.0" encoding="utf-8"?>
+<file path=ppt/slides/slide22.xml><?xml version="1.0" encoding="utf-8"?>
 <p:sld xmlns:a="http://schemas.openxmlformats.org/drawingml/2006/main" xmlns:r="http://schemas.openxmlformats.org/officeDocument/2006/relationships" xmlns:p="http://schemas.openxmlformats.org/presentationml/2006/main">
   <p:cSld>
     <p:spTree>
@@ -28744,7 +30607,7 @@
           <p:cNvPr id="2" name="Title 1">
             <a:extLst>
               <a:ext uri="{FF2B5EF4-FFF2-40B4-BE49-F238E27FC236}">
-                <a16:creationId xmlns:a16="http://schemas.microsoft.com/office/drawing/2014/main" id="{3CF95CEF-6576-4625-8037-85A35B662186}"/>
+                <a16:creationId xmlns:a16="http://schemas.microsoft.com/office/drawing/2014/main" id="{1F02CB94-BD59-472A-B98D-99CBBAA2FAB5}"/>
               </a:ext>
             </a:extLst>
           </p:cNvPr>
@@ -28757,22 +30620,24 @@
         </p:nvSpPr>
         <p:spPr/>
         <p:txBody>
-          <a:bodyPr/>
+          <a:bodyPr>
+            <a:normAutofit fontScale="90000"/>
+          </a:bodyPr>
           <a:lstStyle/>
           <a:p>
             <a:r>
               <a:rPr lang="en-US" dirty="0"/>
-              <a:t>What does this cover?</a:t>
+              <a:t>V2 UIMA logger needs to “live” with other loggers</a:t>
             </a:r>
           </a:p>
         </p:txBody>
       </p:sp>
       <p:sp>
         <p:nvSpPr>
-          <p:cNvPr id="3" name="Content Placeholder 2">
-            <a:extLst>
-              <a:ext uri="{FF2B5EF4-FFF2-40B4-BE49-F238E27FC236}">
-                <a16:creationId xmlns:a16="http://schemas.microsoft.com/office/drawing/2014/main" id="{058EB83A-AE67-4232-88B0-9C79E41705E3}"/>
+          <p:cNvPr id="3" name="Text Placeholder 2">
+            <a:extLst>
+              <a:ext uri="{FF2B5EF4-FFF2-40B4-BE49-F238E27FC236}">
+                <a16:creationId xmlns:a16="http://schemas.microsoft.com/office/drawing/2014/main" id="{C7FB73DA-59EB-4CA8-952E-5A7D1D3FFFDD}"/>
               </a:ext>
             </a:extLst>
           </p:cNvPr>
@@ -28780,7 +30645,140 @@
             <a:spLocks noGrp="1"/>
           </p:cNvSpPr>
           <p:nvPr>
-            <p:ph idx="1"/>
+            <p:ph type="body" sz="half" idx="1"/>
+          </p:nvPr>
+        </p:nvSpPr>
+        <p:spPr>
+          <a:xfrm>
+            <a:off x="609601" y="1717128"/>
+            <a:ext cx="10800727" cy="4522897"/>
+          </a:xfrm>
+        </p:spPr>
+        <p:txBody>
+          <a:bodyPr>
+            <a:normAutofit/>
+          </a:bodyPr>
+          <a:lstStyle/>
+          <a:p>
+            <a:r>
+              <a:rPr lang="en-US" dirty="0"/>
+              <a:t>Problem : Embedding a UIMA pipeline inside another application</a:t>
+            </a:r>
+          </a:p>
+          <a:p>
+            <a:pPr lvl="1"/>
+            <a:r>
+              <a:rPr lang="en-US" dirty="0">
+                <a:cs typeface="Courier New" panose="02070309020205020404" pitchFamily="49" charset="0"/>
+              </a:rPr>
+              <a:t>Which is already set up to use another logging system (e.g. log4j)</a:t>
+            </a:r>
+          </a:p>
+          <a:p>
+            <a:pPr lvl="1"/>
+            <a:endParaRPr lang="en-US" dirty="0">
+              <a:cs typeface="Courier New" panose="02070309020205020404" pitchFamily="49" charset="0"/>
+            </a:endParaRPr>
+          </a:p>
+          <a:p>
+            <a:r>
+              <a:rPr lang="en-US" dirty="0">
+                <a:cs typeface="Courier New" panose="02070309020205020404" pitchFamily="49" charset="0"/>
+              </a:rPr>
+              <a:t>Solution: UIMA loggers are now built on top of slf4j, allowing:</a:t>
+            </a:r>
+          </a:p>
+          <a:p>
+            <a:pPr lvl="1"/>
+            <a:r>
+              <a:rPr lang="en-US" dirty="0">
+                <a:cs typeface="Courier New" panose="02070309020205020404" pitchFamily="49" charset="0"/>
+              </a:rPr>
+              <a:t>Runtime determination of what logging framework is in use</a:t>
+            </a:r>
+          </a:p>
+          <a:p>
+            <a:pPr lvl="1"/>
+            <a:r>
+              <a:rPr lang="en-US" dirty="0">
+                <a:cs typeface="Courier New" panose="02070309020205020404" pitchFamily="49" charset="0"/>
+              </a:rPr>
+              <a:t>Adapting UIMA logging to that framework</a:t>
+            </a:r>
+          </a:p>
+          <a:p>
+            <a:pPr lvl="1"/>
+            <a:endParaRPr lang="en-US" dirty="0">
+              <a:cs typeface="Courier New" panose="02070309020205020404" pitchFamily="49" charset="0"/>
+            </a:endParaRPr>
+          </a:p>
+          <a:p>
+            <a:r>
+              <a:rPr lang="en-US" dirty="0">
+                <a:cs typeface="Courier New" panose="02070309020205020404" pitchFamily="49" charset="0"/>
+              </a:rPr>
+              <a:t>Defaults to v2 back-end logger: Java’s own built-in </a:t>
+            </a:r>
+            <a:r>
+              <a:rPr lang="en-US" dirty="0" err="1">
+                <a:cs typeface="Courier New" panose="02070309020205020404" pitchFamily="49" charset="0"/>
+              </a:rPr>
+              <a:t>java.util.logging</a:t>
+            </a:r>
+            <a:endParaRPr lang="en-US" dirty="0">
+              <a:cs typeface="Courier New" panose="02070309020205020404" pitchFamily="49" charset="0"/>
+            </a:endParaRPr>
+          </a:p>
+        </p:txBody>
+      </p:sp>
+      <p:sp>
+        <p:nvSpPr>
+          <p:cNvPr id="5" name="Footer Placeholder 4">
+            <a:extLst>
+              <a:ext uri="{FF2B5EF4-FFF2-40B4-BE49-F238E27FC236}">
+                <a16:creationId xmlns:a16="http://schemas.microsoft.com/office/drawing/2014/main" id="{A9C95A8F-03A1-456C-B89D-9A37B78F8561}"/>
+              </a:ext>
+            </a:extLst>
+          </p:cNvPr>
+          <p:cNvSpPr>
+            <a:spLocks noGrp="1"/>
+          </p:cNvSpPr>
+          <p:nvPr>
+            <p:ph type="ftr" sz="quarter" idx="10"/>
+          </p:nvPr>
+        </p:nvSpPr>
+        <p:spPr>
+          <a:xfrm>
+            <a:off x="4038600" y="6356350"/>
+            <a:ext cx="4114800" cy="365125"/>
+          </a:xfrm>
+        </p:spPr>
+        <p:txBody>
+          <a:bodyPr/>
+          <a:lstStyle/>
+          <a:p>
+            <a:r>
+              <a:rPr lang="en-US" altLang="en-US"/>
+              <a:t>©Copyright Apache Software Foundation</a:t>
+            </a:r>
+            <a:endParaRPr lang="en-US" altLang="en-US" dirty="0"/>
+          </a:p>
+        </p:txBody>
+      </p:sp>
+      <p:sp>
+        <p:nvSpPr>
+          <p:cNvPr id="6" name="Slide Number Placeholder 5">
+            <a:extLst>
+              <a:ext uri="{FF2B5EF4-FFF2-40B4-BE49-F238E27FC236}">
+                <a16:creationId xmlns:a16="http://schemas.microsoft.com/office/drawing/2014/main" id="{A14344BA-0647-4C08-916D-62594400665E}"/>
+              </a:ext>
+            </a:extLst>
+          </p:cNvPr>
+          <p:cNvSpPr>
+            <a:spLocks noGrp="1"/>
+          </p:cNvSpPr>
+          <p:nvPr>
+            <p:ph type="sldNum" sz="quarter" idx="11"/>
           </p:nvPr>
         </p:nvSpPr>
         <p:spPr/>
@@ -28788,42 +30786,21 @@
           <a:bodyPr/>
           <a:lstStyle/>
           <a:p>
-            <a:r>
-              <a:rPr lang="en-US" dirty="0"/>
-              <a:t>This slide deck shows off many of the new features of UIMA v3 </a:t>
-            </a:r>
-          </a:p>
-          <a:p>
-            <a:pPr lvl="1"/>
-            <a:r>
-              <a:rPr lang="en-US" dirty="0"/>
-              <a:t>From the perspective of programmers, having complaints and</a:t>
-            </a:r>
-            <a:br>
-              <a:rPr lang="en-US" dirty="0"/>
-            </a:br>
-            <a:r>
-              <a:rPr lang="en-US" dirty="0"/>
-              <a:t>seeing how UIMA v3 (uv3) addresses these</a:t>
-            </a:r>
-          </a:p>
-          <a:p>
-            <a:endParaRPr lang="en-US" dirty="0"/>
-          </a:p>
-          <a:p>
-            <a:r>
-              <a:rPr lang="en-US" dirty="0"/>
-              <a:t>It doesn’t cover all the features; for that, please see the UIMA V3 User’s Guide documentation book.</a:t>
-            </a:r>
+            <a:fld id="{27D3C2B7-BFCE-47F7-B76D-5DC27A3663B1}" type="slidenum">
+              <a:rPr lang="en-US" altLang="en-US" smtClean="0"/>
+              <a:pPr/>
+              <a:t>22</a:t>
+            </a:fld>
+            <a:endParaRPr lang="en-US" altLang="en-US"/>
           </a:p>
         </p:txBody>
       </p:sp>
       <p:sp>
         <p:nvSpPr>
-          <p:cNvPr id="4" name="Footer Placeholder 3">
-            <a:extLst>
-              <a:ext uri="{FF2B5EF4-FFF2-40B4-BE49-F238E27FC236}">
-                <a16:creationId xmlns:a16="http://schemas.microsoft.com/office/drawing/2014/main" id="{4063AB9A-CA73-40A9-A5D1-D2335FC17752}"/>
+          <p:cNvPr id="4" name="Date Placeholder 3">
+            <a:extLst>
+              <a:ext uri="{FF2B5EF4-FFF2-40B4-BE49-F238E27FC236}">
+                <a16:creationId xmlns:a16="http://schemas.microsoft.com/office/drawing/2014/main" id="{F499BAD7-43C3-4038-A578-723A1FEC3139}"/>
               </a:ext>
             </a:extLst>
           </p:cNvPr>
@@ -28831,7 +30808,7 @@
             <a:spLocks noGrp="1"/>
           </p:cNvSpPr>
           <p:nvPr>
-            <p:ph type="ftr" sz="quarter" idx="11"/>
+            <p:ph type="dt" sz="half" idx="12"/>
           </p:nvPr>
         </p:nvSpPr>
         <p:spPr/>
@@ -28839,85 +30816,265 @@
           <a:bodyPr/>
           <a:lstStyle/>
           <a:p>
-            <a:r>
-              <a:rPr lang="en-US"/>
-              <a:t>©Copyright Apache Software Foundation</a:t>
-            </a:r>
-          </a:p>
-        </p:txBody>
-      </p:sp>
-      <p:sp>
-        <p:nvSpPr>
-          <p:cNvPr id="5" name="Slide Number Placeholder 4">
-            <a:extLst>
-              <a:ext uri="{FF2B5EF4-FFF2-40B4-BE49-F238E27FC236}">
-                <a16:creationId xmlns:a16="http://schemas.microsoft.com/office/drawing/2014/main" id="{C6A0F6CF-829D-4D37-B2DE-BE9337F84037}"/>
-              </a:ext>
-            </a:extLst>
-          </p:cNvPr>
-          <p:cNvSpPr>
-            <a:spLocks noGrp="1"/>
-          </p:cNvSpPr>
-          <p:nvPr>
-            <p:ph type="sldNum" sz="quarter" idx="12"/>
-          </p:nvPr>
-        </p:nvSpPr>
-        <p:spPr/>
-        <p:txBody>
-          <a:bodyPr/>
-          <a:lstStyle/>
-          <a:p>
-            <a:fld id="{9F0628B9-4658-4D1E-8BAC-A4D6DB93B558}" type="slidenum">
+            <a:fld id="{10685852-31F4-439C-A2F5-6D985800193A}" type="datetime1">
               <a:rPr lang="en-US" smtClean="0"/>
-              <a:t>2</a:t>
+              <a:t>11/22/2017</a:t>
             </a:fld>
-            <a:endParaRPr lang="en-US"/>
-          </a:p>
-        </p:txBody>
-      </p:sp>
-      <p:sp>
-        <p:nvSpPr>
-          <p:cNvPr id="6" name="Date Placeholder 5">
-            <a:extLst>
-              <a:ext uri="{FF2B5EF4-FFF2-40B4-BE49-F238E27FC236}">
-                <a16:creationId xmlns:a16="http://schemas.microsoft.com/office/drawing/2014/main" id="{3E0DDC39-6070-4B3F-8F29-3DAF68AD8B54}"/>
-              </a:ext>
-            </a:extLst>
-          </p:cNvPr>
-          <p:cNvSpPr>
-            <a:spLocks noGrp="1"/>
-          </p:cNvSpPr>
-          <p:nvPr>
-            <p:ph type="dt" sz="half" idx="10"/>
-          </p:nvPr>
-        </p:nvSpPr>
-        <p:spPr/>
-        <p:txBody>
-          <a:bodyPr/>
-          <a:lstStyle/>
-          <a:p>
-            <a:fld id="{28206AF7-5981-49D9-9AA4-DC60D16F6974}" type="datetime1">
-              <a:rPr lang="en-US" smtClean="0"/>
-              <a:t>11/9/2017</a:t>
-            </a:fld>
-            <a:endParaRPr lang="en-US"/>
+            <a:endParaRPr lang="en-US" dirty="0"/>
           </a:p>
         </p:txBody>
       </p:sp>
     </p:spTree>
     <p:extLst>
       <p:ext uri="{BB962C8B-B14F-4D97-AF65-F5344CB8AC3E}">
-        <p14:creationId xmlns:p14="http://schemas.microsoft.com/office/powerpoint/2010/main" val="2466873820"/>
+        <p14:creationId xmlns:p14="http://schemas.microsoft.com/office/powerpoint/2010/main" val="3366909505"/>
       </p:ext>
     </p:extLst>
   </p:cSld>
   <p:clrMapOvr>
     <a:masterClrMapping/>
   </p:clrMapOvr>
+  <p:timing>
+    <p:tnLst>
+      <p:par>
+        <p:cTn id="1" dur="indefinite" restart="never" nodeType="tmRoot">
+          <p:childTnLst>
+            <p:seq concurrent="1" nextAc="seek">
+              <p:cTn id="2" dur="indefinite" nodeType="mainSeq">
+                <p:childTnLst>
+                  <p:par>
+                    <p:cTn id="3" fill="hold">
+                      <p:stCondLst>
+                        <p:cond delay="indefinite"/>
+                        <p:cond evt="onBegin" delay="0">
+                          <p:tn val="2"/>
+                        </p:cond>
+                      </p:stCondLst>
+                      <p:childTnLst>
+                        <p:par>
+                          <p:cTn id="4" fill="hold">
+                            <p:stCondLst>
+                              <p:cond delay="0"/>
+                            </p:stCondLst>
+                            <p:childTnLst>
+                              <p:par>
+                                <p:cTn id="5" presetID="1" presetClass="entr" presetSubtype="0" fill="hold" nodeType="withEffect">
+                                  <p:stCondLst>
+                                    <p:cond delay="0"/>
+                                  </p:stCondLst>
+                                  <p:childTnLst>
+                                    <p:set>
+                                      <p:cBhvr>
+                                        <p:cTn id="6" dur="1" fill="hold">
+                                          <p:stCondLst>
+                                            <p:cond delay="0"/>
+                                          </p:stCondLst>
+                                        </p:cTn>
+                                        <p:tgtEl>
+                                          <p:spTgt spid="3">
+                                            <p:txEl>
+                                              <p:pRg st="0" end="0"/>
+                                            </p:txEl>
+                                          </p:spTgt>
+                                        </p:tgtEl>
+                                        <p:attrNameLst>
+                                          <p:attrName>style.visibility</p:attrName>
+                                        </p:attrNameLst>
+                                      </p:cBhvr>
+                                      <p:to>
+                                        <p:strVal val="visible"/>
+                                      </p:to>
+                                    </p:set>
+                                  </p:childTnLst>
+                                </p:cTn>
+                              </p:par>
+                              <p:par>
+                                <p:cTn id="7" presetID="1" presetClass="entr" presetSubtype="0" fill="hold" nodeType="withEffect">
+                                  <p:stCondLst>
+                                    <p:cond delay="0"/>
+                                  </p:stCondLst>
+                                  <p:childTnLst>
+                                    <p:set>
+                                      <p:cBhvr>
+                                        <p:cTn id="8" dur="1" fill="hold">
+                                          <p:stCondLst>
+                                            <p:cond delay="0"/>
+                                          </p:stCondLst>
+                                        </p:cTn>
+                                        <p:tgtEl>
+                                          <p:spTgt spid="3">
+                                            <p:txEl>
+                                              <p:pRg st="1" end="1"/>
+                                            </p:txEl>
+                                          </p:spTgt>
+                                        </p:tgtEl>
+                                        <p:attrNameLst>
+                                          <p:attrName>style.visibility</p:attrName>
+                                        </p:attrNameLst>
+                                      </p:cBhvr>
+                                      <p:to>
+                                        <p:strVal val="visible"/>
+                                      </p:to>
+                                    </p:set>
+                                  </p:childTnLst>
+                                </p:cTn>
+                              </p:par>
+                              <p:par>
+                                <p:cTn id="9" presetID="1" presetClass="entr" presetSubtype="0" fill="hold" nodeType="withEffect">
+                                  <p:stCondLst>
+                                    <p:cond delay="0"/>
+                                  </p:stCondLst>
+                                  <p:childTnLst>
+                                    <p:set>
+                                      <p:cBhvr>
+                                        <p:cTn id="10" dur="1" fill="hold">
+                                          <p:stCondLst>
+                                            <p:cond delay="0"/>
+                                          </p:stCondLst>
+                                        </p:cTn>
+                                        <p:tgtEl>
+                                          <p:spTgt spid="3">
+                                            <p:txEl>
+                                              <p:pRg st="3" end="3"/>
+                                            </p:txEl>
+                                          </p:spTgt>
+                                        </p:tgtEl>
+                                        <p:attrNameLst>
+                                          <p:attrName>style.visibility</p:attrName>
+                                        </p:attrNameLst>
+                                      </p:cBhvr>
+                                      <p:to>
+                                        <p:strVal val="visible"/>
+                                      </p:to>
+                                    </p:set>
+                                  </p:childTnLst>
+                                </p:cTn>
+                              </p:par>
+                              <p:par>
+                                <p:cTn id="11" presetID="1" presetClass="entr" presetSubtype="0" fill="hold" nodeType="withEffect">
+                                  <p:stCondLst>
+                                    <p:cond delay="0"/>
+                                  </p:stCondLst>
+                                  <p:childTnLst>
+                                    <p:set>
+                                      <p:cBhvr>
+                                        <p:cTn id="12" dur="1" fill="hold">
+                                          <p:stCondLst>
+                                            <p:cond delay="0"/>
+                                          </p:stCondLst>
+                                        </p:cTn>
+                                        <p:tgtEl>
+                                          <p:spTgt spid="3">
+                                            <p:txEl>
+                                              <p:pRg st="4" end="4"/>
+                                            </p:txEl>
+                                          </p:spTgt>
+                                        </p:tgtEl>
+                                        <p:attrNameLst>
+                                          <p:attrName>style.visibility</p:attrName>
+                                        </p:attrNameLst>
+                                      </p:cBhvr>
+                                      <p:to>
+                                        <p:strVal val="visible"/>
+                                      </p:to>
+                                    </p:set>
+                                  </p:childTnLst>
+                                </p:cTn>
+                              </p:par>
+                              <p:par>
+                                <p:cTn id="13" presetID="1" presetClass="entr" presetSubtype="0" fill="hold" nodeType="withEffect">
+                                  <p:stCondLst>
+                                    <p:cond delay="0"/>
+                                  </p:stCondLst>
+                                  <p:childTnLst>
+                                    <p:set>
+                                      <p:cBhvr>
+                                        <p:cTn id="14" dur="1" fill="hold">
+                                          <p:stCondLst>
+                                            <p:cond delay="0"/>
+                                          </p:stCondLst>
+                                        </p:cTn>
+                                        <p:tgtEl>
+                                          <p:spTgt spid="3">
+                                            <p:txEl>
+                                              <p:pRg st="5" end="5"/>
+                                            </p:txEl>
+                                          </p:spTgt>
+                                        </p:tgtEl>
+                                        <p:attrNameLst>
+                                          <p:attrName>style.visibility</p:attrName>
+                                        </p:attrNameLst>
+                                      </p:cBhvr>
+                                      <p:to>
+                                        <p:strVal val="visible"/>
+                                      </p:to>
+                                    </p:set>
+                                  </p:childTnLst>
+                                </p:cTn>
+                              </p:par>
+                              <p:par>
+                                <p:cTn id="15" presetID="1" presetClass="entr" presetSubtype="0" fill="hold" nodeType="withEffect">
+                                  <p:stCondLst>
+                                    <p:cond delay="0"/>
+                                  </p:stCondLst>
+                                  <p:childTnLst>
+                                    <p:set>
+                                      <p:cBhvr>
+                                        <p:cTn id="16" dur="1" fill="hold">
+                                          <p:stCondLst>
+                                            <p:cond delay="0"/>
+                                          </p:stCondLst>
+                                        </p:cTn>
+                                        <p:tgtEl>
+                                          <p:spTgt spid="3">
+                                            <p:txEl>
+                                              <p:pRg st="7" end="7"/>
+                                            </p:txEl>
+                                          </p:spTgt>
+                                        </p:tgtEl>
+                                        <p:attrNameLst>
+                                          <p:attrName>style.visibility</p:attrName>
+                                        </p:attrNameLst>
+                                      </p:cBhvr>
+                                      <p:to>
+                                        <p:strVal val="visible"/>
+                                      </p:to>
+                                    </p:set>
+                                  </p:childTnLst>
+                                </p:cTn>
+                              </p:par>
+                            </p:childTnLst>
+                          </p:cTn>
+                        </p:par>
+                      </p:childTnLst>
+                    </p:cTn>
+                  </p:par>
+                </p:childTnLst>
+              </p:cTn>
+              <p:prevCondLst>
+                <p:cond evt="onPrev" delay="0">
+                  <p:tgtEl>
+                    <p:sldTgt/>
+                  </p:tgtEl>
+                </p:cond>
+              </p:prevCondLst>
+              <p:nextCondLst>
+                <p:cond evt="onNext" delay="0">
+                  <p:tgtEl>
+                    <p:sldTgt/>
+                  </p:tgtEl>
+                </p:cond>
+              </p:nextCondLst>
+            </p:seq>
+          </p:childTnLst>
+        </p:cTn>
+      </p:par>
+    </p:tnLst>
+  </p:timing>
 </p:sld>
 </file>
 
-<file path=ppt/slides/slide20.xml><?xml version="1.0" encoding="utf-8"?>
+<file path=ppt/slides/slide23.xml><?xml version="1.0" encoding="utf-8"?>
 <p:sld xmlns:a="http://schemas.openxmlformats.org/drawingml/2006/main" xmlns:r="http://schemas.openxmlformats.org/officeDocument/2006/relationships" xmlns:p="http://schemas.openxmlformats.org/presentationml/2006/main">
   <p:cSld>
     <p:spTree>
@@ -28939,6 +31096,589 @@
           <p:cNvPr id="2" name="Title 1">
             <a:extLst>
               <a:ext uri="{FF2B5EF4-FFF2-40B4-BE49-F238E27FC236}">
+                <a16:creationId xmlns:a16="http://schemas.microsoft.com/office/drawing/2014/main" id="{1F02CB94-BD59-472A-B98D-99CBBAA2FAB5}"/>
+              </a:ext>
+            </a:extLst>
+          </p:cNvPr>
+          <p:cNvSpPr>
+            <a:spLocks noGrp="1"/>
+          </p:cNvSpPr>
+          <p:nvPr>
+            <p:ph type="title"/>
+          </p:nvPr>
+        </p:nvSpPr>
+        <p:spPr/>
+        <p:txBody>
+          <a:bodyPr>
+            <a:normAutofit fontScale="90000"/>
+          </a:bodyPr>
+          <a:lstStyle/>
+          <a:p>
+            <a:r>
+              <a:rPr lang="en-US" dirty="0"/>
+              <a:t>V2 UIMA logging missing context info</a:t>
+            </a:r>
+          </a:p>
+        </p:txBody>
+      </p:sp>
+      <p:sp>
+        <p:nvSpPr>
+          <p:cNvPr id="3" name="Text Placeholder 2">
+            <a:extLst>
+              <a:ext uri="{FF2B5EF4-FFF2-40B4-BE49-F238E27FC236}">
+                <a16:creationId xmlns:a16="http://schemas.microsoft.com/office/drawing/2014/main" id="{C7FB73DA-59EB-4CA8-952E-5A7D1D3FFFDD}"/>
+              </a:ext>
+            </a:extLst>
+          </p:cNvPr>
+          <p:cNvSpPr>
+            <a:spLocks noGrp="1"/>
+          </p:cNvSpPr>
+          <p:nvPr>
+            <p:ph type="body" sz="half" idx="1"/>
+          </p:nvPr>
+        </p:nvSpPr>
+        <p:spPr>
+          <a:xfrm>
+            <a:off x="609601" y="1717128"/>
+            <a:ext cx="10800727" cy="4522897"/>
+          </a:xfrm>
+        </p:spPr>
+        <p:txBody>
+          <a:bodyPr>
+            <a:normAutofit/>
+          </a:bodyPr>
+          <a:lstStyle/>
+          <a:p>
+            <a:r>
+              <a:rPr lang="en-US" dirty="0"/>
+              <a:t>Problem : Want to add context info (by thread)</a:t>
+            </a:r>
+          </a:p>
+          <a:p>
+            <a:pPr lvl="1"/>
+            <a:r>
+              <a:rPr lang="en-US" dirty="0"/>
+              <a:t>Following modern logging standards, using MDC NDC</a:t>
+            </a:r>
+          </a:p>
+          <a:p>
+            <a:pPr lvl="2"/>
+            <a:r>
+              <a:rPr lang="en-US" dirty="0"/>
+              <a:t>NDC Nested Diagnostic Context</a:t>
+            </a:r>
+          </a:p>
+          <a:p>
+            <a:pPr lvl="2"/>
+            <a:r>
+              <a:rPr lang="en-US" dirty="0"/>
+              <a:t>MDC Mapped Diagnostic Context</a:t>
+            </a:r>
+          </a:p>
+          <a:p>
+            <a:pPr lvl="1"/>
+            <a:r>
+              <a:rPr lang="en-US" dirty="0"/>
+              <a:t>Context info </a:t>
+            </a:r>
+            <a:r>
+              <a:rPr lang="en-US" dirty="0" err="1"/>
+              <a:t>insertable</a:t>
+            </a:r>
+            <a:r>
+              <a:rPr lang="en-US" dirty="0"/>
+              <a:t> into log messages</a:t>
+            </a:r>
+          </a:p>
+          <a:p>
+            <a:pPr lvl="2"/>
+            <a:r>
+              <a:rPr lang="en-US" dirty="0"/>
+              <a:t>Via run-time configuration of </a:t>
+            </a:r>
+            <a:r>
+              <a:rPr lang="en-US" dirty="0" err="1"/>
+              <a:t>appenders</a:t>
+            </a:r>
+            <a:r>
+              <a:rPr lang="en-US" dirty="0"/>
+              <a:t>/ handlers</a:t>
+            </a:r>
+          </a:p>
+          <a:p>
+            <a:pPr lvl="2"/>
+            <a:endParaRPr lang="en-US" dirty="0"/>
+          </a:p>
+          <a:p>
+            <a:r>
+              <a:rPr lang="en-US" dirty="0">
+                <a:cs typeface="Courier New" panose="02070309020205020404" pitchFamily="49" charset="0"/>
+              </a:rPr>
+              <a:t>Solution: UIMA logging backends log4j and </a:t>
+            </a:r>
+            <a:r>
+              <a:rPr lang="en-US" dirty="0" err="1">
+                <a:cs typeface="Courier New" panose="02070309020205020404" pitchFamily="49" charset="0"/>
+              </a:rPr>
+              <a:t>logback</a:t>
+            </a:r>
+            <a:r>
+              <a:rPr lang="en-US" dirty="0">
+                <a:cs typeface="Courier New" panose="02070309020205020404" pitchFamily="49" charset="0"/>
+              </a:rPr>
+              <a:t> support these</a:t>
+            </a:r>
+          </a:p>
+          <a:p>
+            <a:pPr lvl="1"/>
+            <a:r>
+              <a:rPr lang="en-US" dirty="0">
+                <a:cs typeface="Courier New" panose="02070309020205020404" pitchFamily="49" charset="0"/>
+              </a:rPr>
+              <a:t>Older </a:t>
+            </a:r>
+            <a:r>
+              <a:rPr lang="en-US" dirty="0" err="1">
+                <a:cs typeface="Courier New" panose="02070309020205020404" pitchFamily="49" charset="0"/>
+              </a:rPr>
+              <a:t>java.util.logging</a:t>
+            </a:r>
+            <a:r>
+              <a:rPr lang="en-US" dirty="0">
+                <a:cs typeface="Courier New" panose="02070309020205020404" pitchFamily="49" charset="0"/>
+              </a:rPr>
+              <a:t> backend does not.</a:t>
+            </a:r>
+          </a:p>
+        </p:txBody>
+      </p:sp>
+      <p:sp>
+        <p:nvSpPr>
+          <p:cNvPr id="5" name="Footer Placeholder 4">
+            <a:extLst>
+              <a:ext uri="{FF2B5EF4-FFF2-40B4-BE49-F238E27FC236}">
+                <a16:creationId xmlns:a16="http://schemas.microsoft.com/office/drawing/2014/main" id="{A9C95A8F-03A1-456C-B89D-9A37B78F8561}"/>
+              </a:ext>
+            </a:extLst>
+          </p:cNvPr>
+          <p:cNvSpPr>
+            <a:spLocks noGrp="1"/>
+          </p:cNvSpPr>
+          <p:nvPr>
+            <p:ph type="ftr" sz="quarter" idx="10"/>
+          </p:nvPr>
+        </p:nvSpPr>
+        <p:spPr>
+          <a:xfrm>
+            <a:off x="4038600" y="6356350"/>
+            <a:ext cx="4114800" cy="365125"/>
+          </a:xfrm>
+        </p:spPr>
+        <p:txBody>
+          <a:bodyPr/>
+          <a:lstStyle/>
+          <a:p>
+            <a:r>
+              <a:rPr lang="en-US" altLang="en-US"/>
+              <a:t>©Copyright Apache Software Foundation</a:t>
+            </a:r>
+            <a:endParaRPr lang="en-US" altLang="en-US" dirty="0"/>
+          </a:p>
+        </p:txBody>
+      </p:sp>
+      <p:sp>
+        <p:nvSpPr>
+          <p:cNvPr id="6" name="Slide Number Placeholder 5">
+            <a:extLst>
+              <a:ext uri="{FF2B5EF4-FFF2-40B4-BE49-F238E27FC236}">
+                <a16:creationId xmlns:a16="http://schemas.microsoft.com/office/drawing/2014/main" id="{A14344BA-0647-4C08-916D-62594400665E}"/>
+              </a:ext>
+            </a:extLst>
+          </p:cNvPr>
+          <p:cNvSpPr>
+            <a:spLocks noGrp="1"/>
+          </p:cNvSpPr>
+          <p:nvPr>
+            <p:ph type="sldNum" sz="quarter" idx="11"/>
+          </p:nvPr>
+        </p:nvSpPr>
+        <p:spPr/>
+        <p:txBody>
+          <a:bodyPr/>
+          <a:lstStyle/>
+          <a:p>
+            <a:fld id="{27D3C2B7-BFCE-47F7-B76D-5DC27A3663B1}" type="slidenum">
+              <a:rPr lang="en-US" altLang="en-US" smtClean="0"/>
+              <a:pPr/>
+              <a:t>23</a:t>
+            </a:fld>
+            <a:endParaRPr lang="en-US" altLang="en-US"/>
+          </a:p>
+        </p:txBody>
+      </p:sp>
+      <p:sp>
+        <p:nvSpPr>
+          <p:cNvPr id="4" name="Date Placeholder 3">
+            <a:extLst>
+              <a:ext uri="{FF2B5EF4-FFF2-40B4-BE49-F238E27FC236}">
+                <a16:creationId xmlns:a16="http://schemas.microsoft.com/office/drawing/2014/main" id="{F499BAD7-43C3-4038-A578-723A1FEC3139}"/>
+              </a:ext>
+            </a:extLst>
+          </p:cNvPr>
+          <p:cNvSpPr>
+            <a:spLocks noGrp="1"/>
+          </p:cNvSpPr>
+          <p:nvPr>
+            <p:ph type="dt" sz="half" idx="12"/>
+          </p:nvPr>
+        </p:nvSpPr>
+        <p:spPr/>
+        <p:txBody>
+          <a:bodyPr/>
+          <a:lstStyle/>
+          <a:p>
+            <a:fld id="{10685852-31F4-439C-A2F5-6D985800193A}" type="datetime1">
+              <a:rPr lang="en-US" smtClean="0"/>
+              <a:t>11/22/2017</a:t>
+            </a:fld>
+            <a:endParaRPr lang="en-US" dirty="0"/>
+          </a:p>
+        </p:txBody>
+      </p:sp>
+    </p:spTree>
+    <p:extLst>
+      <p:ext uri="{BB962C8B-B14F-4D97-AF65-F5344CB8AC3E}">
+        <p14:creationId xmlns:p14="http://schemas.microsoft.com/office/powerpoint/2010/main" val="3693734506"/>
+      </p:ext>
+    </p:extLst>
+  </p:cSld>
+  <p:clrMapOvr>
+    <a:masterClrMapping/>
+  </p:clrMapOvr>
+  <p:timing>
+    <p:tnLst>
+      <p:par>
+        <p:cTn id="1" dur="indefinite" restart="never" nodeType="tmRoot">
+          <p:childTnLst>
+            <p:seq concurrent="1" nextAc="seek">
+              <p:cTn id="2" dur="indefinite" nodeType="mainSeq">
+                <p:childTnLst>
+                  <p:par>
+                    <p:cTn id="3" fill="hold">
+                      <p:stCondLst>
+                        <p:cond delay="indefinite"/>
+                        <p:cond evt="onBegin" delay="0">
+                          <p:tn val="2"/>
+                        </p:cond>
+                      </p:stCondLst>
+                      <p:childTnLst>
+                        <p:par>
+                          <p:cTn id="4" fill="hold">
+                            <p:stCondLst>
+                              <p:cond delay="0"/>
+                            </p:stCondLst>
+                            <p:childTnLst>
+                              <p:par>
+                                <p:cTn id="5" presetID="1" presetClass="entr" presetSubtype="0" fill="hold" nodeType="withEffect">
+                                  <p:stCondLst>
+                                    <p:cond delay="0"/>
+                                  </p:stCondLst>
+                                  <p:childTnLst>
+                                    <p:set>
+                                      <p:cBhvr>
+                                        <p:cTn id="6" dur="1" fill="hold">
+                                          <p:stCondLst>
+                                            <p:cond delay="0"/>
+                                          </p:stCondLst>
+                                        </p:cTn>
+                                        <p:tgtEl>
+                                          <p:spTgt spid="3">
+                                            <p:txEl>
+                                              <p:pRg st="0" end="0"/>
+                                            </p:txEl>
+                                          </p:spTgt>
+                                        </p:tgtEl>
+                                        <p:attrNameLst>
+                                          <p:attrName>style.visibility</p:attrName>
+                                        </p:attrNameLst>
+                                      </p:cBhvr>
+                                      <p:to>
+                                        <p:strVal val="visible"/>
+                                      </p:to>
+                                    </p:set>
+                                  </p:childTnLst>
+                                </p:cTn>
+                              </p:par>
+                              <p:par>
+                                <p:cTn id="7" presetID="1" presetClass="entr" presetSubtype="0" fill="hold" nodeType="withEffect">
+                                  <p:stCondLst>
+                                    <p:cond delay="0"/>
+                                  </p:stCondLst>
+                                  <p:childTnLst>
+                                    <p:set>
+                                      <p:cBhvr>
+                                        <p:cTn id="8" dur="1" fill="hold">
+                                          <p:stCondLst>
+                                            <p:cond delay="0"/>
+                                          </p:stCondLst>
+                                        </p:cTn>
+                                        <p:tgtEl>
+                                          <p:spTgt spid="3">
+                                            <p:txEl>
+                                              <p:pRg st="1" end="1"/>
+                                            </p:txEl>
+                                          </p:spTgt>
+                                        </p:tgtEl>
+                                        <p:attrNameLst>
+                                          <p:attrName>style.visibility</p:attrName>
+                                        </p:attrNameLst>
+                                      </p:cBhvr>
+                                      <p:to>
+                                        <p:strVal val="visible"/>
+                                      </p:to>
+                                    </p:set>
+                                  </p:childTnLst>
+                                </p:cTn>
+                              </p:par>
+                              <p:par>
+                                <p:cTn id="9" presetID="1" presetClass="entr" presetSubtype="0" fill="hold" nodeType="withEffect">
+                                  <p:stCondLst>
+                                    <p:cond delay="0"/>
+                                  </p:stCondLst>
+                                  <p:childTnLst>
+                                    <p:set>
+                                      <p:cBhvr>
+                                        <p:cTn id="10" dur="1" fill="hold">
+                                          <p:stCondLst>
+                                            <p:cond delay="0"/>
+                                          </p:stCondLst>
+                                        </p:cTn>
+                                        <p:tgtEl>
+                                          <p:spTgt spid="3">
+                                            <p:txEl>
+                                              <p:pRg st="2" end="2"/>
+                                            </p:txEl>
+                                          </p:spTgt>
+                                        </p:tgtEl>
+                                        <p:attrNameLst>
+                                          <p:attrName>style.visibility</p:attrName>
+                                        </p:attrNameLst>
+                                      </p:cBhvr>
+                                      <p:to>
+                                        <p:strVal val="visible"/>
+                                      </p:to>
+                                    </p:set>
+                                  </p:childTnLst>
+                                </p:cTn>
+                              </p:par>
+                              <p:par>
+                                <p:cTn id="11" presetID="1" presetClass="entr" presetSubtype="0" fill="hold" nodeType="withEffect">
+                                  <p:stCondLst>
+                                    <p:cond delay="0"/>
+                                  </p:stCondLst>
+                                  <p:childTnLst>
+                                    <p:set>
+                                      <p:cBhvr>
+                                        <p:cTn id="12" dur="1" fill="hold">
+                                          <p:stCondLst>
+                                            <p:cond delay="0"/>
+                                          </p:stCondLst>
+                                        </p:cTn>
+                                        <p:tgtEl>
+                                          <p:spTgt spid="3">
+                                            <p:txEl>
+                                              <p:pRg st="3" end="3"/>
+                                            </p:txEl>
+                                          </p:spTgt>
+                                        </p:tgtEl>
+                                        <p:attrNameLst>
+                                          <p:attrName>style.visibility</p:attrName>
+                                        </p:attrNameLst>
+                                      </p:cBhvr>
+                                      <p:to>
+                                        <p:strVal val="visible"/>
+                                      </p:to>
+                                    </p:set>
+                                  </p:childTnLst>
+                                </p:cTn>
+                              </p:par>
+                              <p:par>
+                                <p:cTn id="13" presetID="1" presetClass="entr" presetSubtype="0" fill="hold" nodeType="withEffect">
+                                  <p:stCondLst>
+                                    <p:cond delay="0"/>
+                                  </p:stCondLst>
+                                  <p:childTnLst>
+                                    <p:set>
+                                      <p:cBhvr>
+                                        <p:cTn id="14" dur="1" fill="hold">
+                                          <p:stCondLst>
+                                            <p:cond delay="0"/>
+                                          </p:stCondLst>
+                                        </p:cTn>
+                                        <p:tgtEl>
+                                          <p:spTgt spid="3">
+                                            <p:txEl>
+                                              <p:pRg st="4" end="4"/>
+                                            </p:txEl>
+                                          </p:spTgt>
+                                        </p:tgtEl>
+                                        <p:attrNameLst>
+                                          <p:attrName>style.visibility</p:attrName>
+                                        </p:attrNameLst>
+                                      </p:cBhvr>
+                                      <p:to>
+                                        <p:strVal val="visible"/>
+                                      </p:to>
+                                    </p:set>
+                                  </p:childTnLst>
+                                </p:cTn>
+                              </p:par>
+                              <p:par>
+                                <p:cTn id="15" presetID="1" presetClass="entr" presetSubtype="0" fill="hold" nodeType="withEffect">
+                                  <p:stCondLst>
+                                    <p:cond delay="0"/>
+                                  </p:stCondLst>
+                                  <p:childTnLst>
+                                    <p:set>
+                                      <p:cBhvr>
+                                        <p:cTn id="16" dur="1" fill="hold">
+                                          <p:stCondLst>
+                                            <p:cond delay="0"/>
+                                          </p:stCondLst>
+                                        </p:cTn>
+                                        <p:tgtEl>
+                                          <p:spTgt spid="3">
+                                            <p:txEl>
+                                              <p:pRg st="5" end="5"/>
+                                            </p:txEl>
+                                          </p:spTgt>
+                                        </p:tgtEl>
+                                        <p:attrNameLst>
+                                          <p:attrName>style.visibility</p:attrName>
+                                        </p:attrNameLst>
+                                      </p:cBhvr>
+                                      <p:to>
+                                        <p:strVal val="visible"/>
+                                      </p:to>
+                                    </p:set>
+                                  </p:childTnLst>
+                                </p:cTn>
+                              </p:par>
+                              <p:par>
+                                <p:cTn id="17" presetID="1" presetClass="entr" presetSubtype="0" fill="hold" nodeType="withEffect">
+                                  <p:stCondLst>
+                                    <p:cond delay="0"/>
+                                  </p:stCondLst>
+                                  <p:childTnLst>
+                                    <p:set>
+                                      <p:cBhvr>
+                                        <p:cTn id="18" dur="1" fill="hold">
+                                          <p:stCondLst>
+                                            <p:cond delay="0"/>
+                                          </p:stCondLst>
+                                        </p:cTn>
+                                        <p:tgtEl>
+                                          <p:spTgt spid="3">
+                                            <p:txEl>
+                                              <p:pRg st="7" end="7"/>
+                                            </p:txEl>
+                                          </p:spTgt>
+                                        </p:tgtEl>
+                                        <p:attrNameLst>
+                                          <p:attrName>style.visibility</p:attrName>
+                                        </p:attrNameLst>
+                                      </p:cBhvr>
+                                      <p:to>
+                                        <p:strVal val="visible"/>
+                                      </p:to>
+                                    </p:set>
+                                  </p:childTnLst>
+                                </p:cTn>
+                              </p:par>
+                              <p:par>
+                                <p:cTn id="19" presetID="1" presetClass="entr" presetSubtype="0" fill="hold" nodeType="withEffect">
+                                  <p:stCondLst>
+                                    <p:cond delay="0"/>
+                                  </p:stCondLst>
+                                  <p:childTnLst>
+                                    <p:set>
+                                      <p:cBhvr>
+                                        <p:cTn id="20" dur="1" fill="hold">
+                                          <p:stCondLst>
+                                            <p:cond delay="0"/>
+                                          </p:stCondLst>
+                                        </p:cTn>
+                                        <p:tgtEl>
+                                          <p:spTgt spid="3">
+                                            <p:txEl>
+                                              <p:pRg st="8" end="8"/>
+                                            </p:txEl>
+                                          </p:spTgt>
+                                        </p:tgtEl>
+                                        <p:attrNameLst>
+                                          <p:attrName>style.visibility</p:attrName>
+                                        </p:attrNameLst>
+                                      </p:cBhvr>
+                                      <p:to>
+                                        <p:strVal val="visible"/>
+                                      </p:to>
+                                    </p:set>
+                                  </p:childTnLst>
+                                </p:cTn>
+                              </p:par>
+                            </p:childTnLst>
+                          </p:cTn>
+                        </p:par>
+                      </p:childTnLst>
+                    </p:cTn>
+                  </p:par>
+                </p:childTnLst>
+              </p:cTn>
+              <p:prevCondLst>
+                <p:cond evt="onPrev" delay="0">
+                  <p:tgtEl>
+                    <p:sldTgt/>
+                  </p:tgtEl>
+                </p:cond>
+              </p:prevCondLst>
+              <p:nextCondLst>
+                <p:cond evt="onNext" delay="0">
+                  <p:tgtEl>
+                    <p:sldTgt/>
+                  </p:tgtEl>
+                </p:cond>
+              </p:nextCondLst>
+            </p:seq>
+          </p:childTnLst>
+        </p:cTn>
+      </p:par>
+    </p:tnLst>
+  </p:timing>
+</p:sld>
+</file>
+
+<file path=ppt/slides/slide24.xml><?xml version="1.0" encoding="utf-8"?>
+<p:sld xmlns:a="http://schemas.openxmlformats.org/drawingml/2006/main" xmlns:r="http://schemas.openxmlformats.org/officeDocument/2006/relationships" xmlns:p="http://schemas.openxmlformats.org/presentationml/2006/main">
+  <p:cSld>
+    <p:spTree>
+      <p:nvGrpSpPr>
+        <p:cNvPr id="1" name=""/>
+        <p:cNvGrpSpPr/>
+        <p:nvPr/>
+      </p:nvGrpSpPr>
+      <p:grpSpPr>
+        <a:xfrm>
+          <a:off x="0" y="0"/>
+          <a:ext cx="0" cy="0"/>
+          <a:chOff x="0" y="0"/>
+          <a:chExt cx="0" cy="0"/>
+        </a:xfrm>
+      </p:grpSpPr>
+      <p:sp>
+        <p:nvSpPr>
+          <p:cNvPr id="2" name="Title 1">
+            <a:extLst>
+              <a:ext uri="{FF2B5EF4-FFF2-40B4-BE49-F238E27FC236}">
                 <a16:creationId xmlns:a16="http://schemas.microsoft.com/office/drawing/2014/main" id="{5D79077A-9D7B-492C-815E-DC17463A92CD}"/>
               </a:ext>
             </a:extLst>
@@ -29159,7 +31899,7 @@
             <a:fld id="{27D3C2B7-BFCE-47F7-B76D-5DC27A3663B1}" type="slidenum">
               <a:rPr lang="en-US" altLang="en-US" smtClean="0"/>
               <a:pPr/>
-              <a:t>20</a:t>
+              <a:t>24</a:t>
             </a:fld>
             <a:endParaRPr lang="en-US" altLang="en-US"/>
           </a:p>
@@ -29188,7 +31928,7 @@
           <a:p>
             <a:fld id="{EF958134-0828-483C-9EEE-57B73754CD9F}" type="datetime1">
               <a:rPr lang="en-US" smtClean="0"/>
-              <a:t>11/9/2017</a:t>
+              <a:t>11/22/2017</a:t>
             </a:fld>
             <a:endParaRPr lang="en-US" dirty="0"/>
           </a:p>
@@ -29397,7 +32137,7 @@
 </p:sld>
 </file>
 
-<file path=ppt/slides/slide21.xml><?xml version="1.0" encoding="utf-8"?>
+<file path=ppt/slides/slide25.xml><?xml version="1.0" encoding="utf-8"?>
 <p:sld xmlns:a="http://schemas.openxmlformats.org/drawingml/2006/main" xmlns:r="http://schemas.openxmlformats.org/officeDocument/2006/relationships" xmlns:p="http://schemas.openxmlformats.org/presentationml/2006/main">
   <p:cSld>
     <p:spTree>
@@ -29718,7 +32458,7 @@
             <a:fld id="{27D3C2B7-BFCE-47F7-B76D-5DC27A3663B1}" type="slidenum">
               <a:rPr lang="en-US" altLang="en-US" smtClean="0"/>
               <a:pPr/>
-              <a:t>21</a:t>
+              <a:t>25</a:t>
             </a:fld>
             <a:endParaRPr lang="en-US" altLang="en-US"/>
           </a:p>
@@ -29813,7 +32553,7 @@
           <a:p>
             <a:fld id="{157537AB-6057-4B8B-9830-5C45CA9D8384}" type="datetime1">
               <a:rPr lang="en-US" smtClean="0"/>
-              <a:t>11/9/2017</a:t>
+              <a:t>11/22/2017</a:t>
             </a:fld>
             <a:endParaRPr lang="en-US" dirty="0"/>
           </a:p>
@@ -30086,7 +32826,7 @@
 </p:sld>
 </file>
 
-<file path=ppt/slides/slide22.xml><?xml version="1.0" encoding="utf-8"?>
+<file path=ppt/slides/slide26.xml><?xml version="1.0" encoding="utf-8"?>
 <p:sld xmlns:a="http://schemas.openxmlformats.org/drawingml/2006/main" xmlns:r="http://schemas.openxmlformats.org/officeDocument/2006/relationships" xmlns:p="http://schemas.openxmlformats.org/presentationml/2006/main">
   <p:cSld>
     <p:spTree>
@@ -30376,7 +33116,7 @@
             <a:fld id="{27D3C2B7-BFCE-47F7-B76D-5DC27A3663B1}" type="slidenum">
               <a:rPr lang="en-US" altLang="en-US" smtClean="0"/>
               <a:pPr/>
-              <a:t>22</a:t>
+              <a:t>26</a:t>
             </a:fld>
             <a:endParaRPr lang="en-US" altLang="en-US"/>
           </a:p>
@@ -30405,7 +33145,7 @@
           <a:p>
             <a:fld id="{189A320A-6C4F-4628-979D-FEE2F85D7E2C}" type="datetime1">
               <a:rPr lang="en-US" smtClean="0"/>
-              <a:t>11/9/2017</a:t>
+              <a:t>11/22/2017</a:t>
             </a:fld>
             <a:endParaRPr lang="en-US" dirty="0"/>
           </a:p>
@@ -30777,7 +33517,7 @@
 </p:sld>
 </file>
 
-<file path=ppt/slides/slide23.xml><?xml version="1.0" encoding="utf-8"?>
+<file path=ppt/slides/slide27.xml><?xml version="1.0" encoding="utf-8"?>
 <p:sld xmlns:a="http://schemas.openxmlformats.org/drawingml/2006/main" xmlns:r="http://schemas.openxmlformats.org/officeDocument/2006/relationships" xmlns:p="http://schemas.openxmlformats.org/presentationml/2006/main">
   <p:cSld>
     <p:spTree>
@@ -31031,7 +33771,7 @@
             <a:fld id="{27D3C2B7-BFCE-47F7-B76D-5DC27A3663B1}" type="slidenum">
               <a:rPr lang="en-US" altLang="en-US" smtClean="0"/>
               <a:pPr/>
-              <a:t>23</a:t>
+              <a:t>27</a:t>
             </a:fld>
             <a:endParaRPr lang="en-US" altLang="en-US"/>
           </a:p>
@@ -31060,7 +33800,7 @@
           <a:p>
             <a:fld id="{A1A5F216-EF7A-4B17-AEAA-CB0C884A7D82}" type="datetime1">
               <a:rPr lang="en-US" smtClean="0"/>
-              <a:t>11/9/2017</a:t>
+              <a:t>11/22/2017</a:t>
             </a:fld>
             <a:endParaRPr lang="en-US" dirty="0"/>
           </a:p>
@@ -31349,7 +34089,7 @@
 </p:sld>
 </file>
 
-<file path=ppt/slides/slide24.xml><?xml version="1.0" encoding="utf-8"?>
+<file path=ppt/slides/slide28.xml><?xml version="1.0" encoding="utf-8"?>
 <p:sld xmlns:a="http://schemas.openxmlformats.org/drawingml/2006/main" xmlns:r="http://schemas.openxmlformats.org/officeDocument/2006/relationships" xmlns:p="http://schemas.openxmlformats.org/presentationml/2006/main">
   <p:cSld>
     <p:spTree>
@@ -31371,6 +34111,620 @@
           <p:cNvPr id="2" name="Title 1">
             <a:extLst>
               <a:ext uri="{FF2B5EF4-FFF2-40B4-BE49-F238E27FC236}">
+                <a16:creationId xmlns:a16="http://schemas.microsoft.com/office/drawing/2014/main" id="{2354AA07-AE29-4F5B-87C5-A258E9B9FEE1}"/>
+              </a:ext>
+            </a:extLst>
+          </p:cNvPr>
+          <p:cNvSpPr>
+            <a:spLocks noGrp="1"/>
+          </p:cNvSpPr>
+          <p:nvPr>
+            <p:ph type="title"/>
+          </p:nvPr>
+        </p:nvSpPr>
+        <p:spPr/>
+        <p:txBody>
+          <a:bodyPr>
+            <a:normAutofit fontScale="90000"/>
+          </a:bodyPr>
+          <a:lstStyle/>
+          <a:p>
+            <a:r>
+              <a:rPr lang="en-US" dirty="0"/>
+              <a:t>How about speed?</a:t>
+            </a:r>
+          </a:p>
+        </p:txBody>
+      </p:sp>
+      <p:sp>
+        <p:nvSpPr>
+          <p:cNvPr id="3" name="Text Placeholder 2">
+            <a:extLst>
+              <a:ext uri="{FF2B5EF4-FFF2-40B4-BE49-F238E27FC236}">
+                <a16:creationId xmlns:a16="http://schemas.microsoft.com/office/drawing/2014/main" id="{9E0369A9-B5B7-4688-961A-A06293518FEA}"/>
+              </a:ext>
+            </a:extLst>
+          </p:cNvPr>
+          <p:cNvSpPr>
+            <a:spLocks noGrp="1"/>
+          </p:cNvSpPr>
+          <p:nvPr>
+            <p:ph type="body" sz="half" idx="1"/>
+          </p:nvPr>
+        </p:nvSpPr>
+        <p:spPr>
+          <a:xfrm>
+            <a:off x="619114" y="1912200"/>
+            <a:ext cx="8496010" cy="4305719"/>
+          </a:xfrm>
+        </p:spPr>
+        <p:txBody>
+          <a:bodyPr>
+            <a:normAutofit/>
+          </a:bodyPr>
+          <a:lstStyle/>
+          <a:p>
+            <a:r>
+              <a:rPr lang="en-US" dirty="0"/>
+              <a:t>Speedups accrue from two sources</a:t>
+            </a:r>
+          </a:p>
+          <a:p>
+            <a:pPr marL="914400" lvl="1" indent="-457200">
+              <a:buFont typeface="+mj-lt"/>
+              <a:buAutoNum type="arabicPeriod"/>
+            </a:pPr>
+            <a:r>
+              <a:rPr lang="en-US" dirty="0"/>
+              <a:t>Converting to V3</a:t>
+            </a:r>
+          </a:p>
+          <a:p>
+            <a:pPr marL="914400" lvl="1" indent="-457200">
+              <a:buFont typeface="+mj-lt"/>
+              <a:buAutoNum type="arabicPeriod"/>
+            </a:pPr>
+            <a:r>
+              <a:rPr lang="en-US" dirty="0"/>
+              <a:t>Exploiting V3</a:t>
+            </a:r>
+          </a:p>
+          <a:p>
+            <a:pPr marL="0" indent="0">
+              <a:buNone/>
+            </a:pPr>
+            <a:endParaRPr lang="en-US" dirty="0"/>
+          </a:p>
+          <a:p>
+            <a:r>
+              <a:rPr lang="en-US" dirty="0"/>
+              <a:t>V3 puts smaller demand on memory caches</a:t>
+            </a:r>
+          </a:p>
+          <a:p>
+            <a:pPr lvl="1"/>
+            <a:r>
+              <a:rPr lang="en-US" dirty="0"/>
+              <a:t>More left for application code</a:t>
+            </a:r>
+          </a:p>
+          <a:p>
+            <a:pPr lvl="1"/>
+            <a:r>
+              <a:rPr lang="en-US" dirty="0"/>
+              <a:t>Have seen 10-15 % speedups in overall application speed</a:t>
+            </a:r>
+          </a:p>
+          <a:p>
+            <a:pPr lvl="2"/>
+            <a:r>
+              <a:rPr lang="en-US" dirty="0"/>
+              <a:t>Highly dependent on exact situations</a:t>
+            </a:r>
+          </a:p>
+          <a:p>
+            <a:pPr lvl="1"/>
+            <a:r>
+              <a:rPr lang="en-US" dirty="0"/>
+              <a:t>V3 internals reworked for better locality of reference, much less copying of data</a:t>
+            </a:r>
+          </a:p>
+          <a:p>
+            <a:pPr marL="0" indent="0">
+              <a:buNone/>
+            </a:pPr>
+            <a:endParaRPr lang="en-US" dirty="0"/>
+          </a:p>
+        </p:txBody>
+      </p:sp>
+      <p:sp>
+        <p:nvSpPr>
+          <p:cNvPr id="5" name="Footer Placeholder 4">
+            <a:extLst>
+              <a:ext uri="{FF2B5EF4-FFF2-40B4-BE49-F238E27FC236}">
+                <a16:creationId xmlns:a16="http://schemas.microsoft.com/office/drawing/2014/main" id="{0D835E58-BBB2-4D96-A239-E56CD8E686F6}"/>
+              </a:ext>
+            </a:extLst>
+          </p:cNvPr>
+          <p:cNvSpPr>
+            <a:spLocks noGrp="1"/>
+          </p:cNvSpPr>
+          <p:nvPr>
+            <p:ph type="ftr" sz="quarter" idx="10"/>
+          </p:nvPr>
+        </p:nvSpPr>
+        <p:spPr/>
+        <p:txBody>
+          <a:bodyPr/>
+          <a:lstStyle/>
+          <a:p>
+            <a:r>
+              <a:rPr lang="en-US" altLang="en-US"/>
+              <a:t>©Copyright Apache Software Foundation</a:t>
+            </a:r>
+            <a:endParaRPr lang="en-US" altLang="en-US" dirty="0"/>
+          </a:p>
+        </p:txBody>
+      </p:sp>
+      <p:sp>
+        <p:nvSpPr>
+          <p:cNvPr id="6" name="Slide Number Placeholder 5">
+            <a:extLst>
+              <a:ext uri="{FF2B5EF4-FFF2-40B4-BE49-F238E27FC236}">
+                <a16:creationId xmlns:a16="http://schemas.microsoft.com/office/drawing/2014/main" id="{CDE832FC-B74A-4C57-AB1D-A5B7C91F5C13}"/>
+              </a:ext>
+            </a:extLst>
+          </p:cNvPr>
+          <p:cNvSpPr>
+            <a:spLocks noGrp="1"/>
+          </p:cNvSpPr>
+          <p:nvPr>
+            <p:ph type="sldNum" sz="quarter" idx="11"/>
+          </p:nvPr>
+        </p:nvSpPr>
+        <p:spPr/>
+        <p:txBody>
+          <a:bodyPr/>
+          <a:lstStyle/>
+          <a:p>
+            <a:fld id="{27D3C2B7-BFCE-47F7-B76D-5DC27A3663B1}" type="slidenum">
+              <a:rPr lang="en-US" altLang="en-US" smtClean="0"/>
+              <a:pPr/>
+              <a:t>28</a:t>
+            </a:fld>
+            <a:endParaRPr lang="en-US" altLang="en-US"/>
+          </a:p>
+        </p:txBody>
+      </p:sp>
+      <p:sp>
+        <p:nvSpPr>
+          <p:cNvPr id="7" name="Date Placeholder 6">
+            <a:extLst>
+              <a:ext uri="{FF2B5EF4-FFF2-40B4-BE49-F238E27FC236}">
+                <a16:creationId xmlns:a16="http://schemas.microsoft.com/office/drawing/2014/main" id="{76BDA8A2-58E5-43C9-8924-B9B270EF489C}"/>
+              </a:ext>
+            </a:extLst>
+          </p:cNvPr>
+          <p:cNvSpPr>
+            <a:spLocks noGrp="1"/>
+          </p:cNvSpPr>
+          <p:nvPr>
+            <p:ph type="dt" sz="half" idx="12"/>
+          </p:nvPr>
+        </p:nvSpPr>
+        <p:spPr/>
+        <p:txBody>
+          <a:bodyPr/>
+          <a:lstStyle/>
+          <a:p>
+            <a:fld id="{3A06DE66-39AE-4831-A32F-D50CD04A19D6}" type="datetime1">
+              <a:rPr lang="en-US" smtClean="0"/>
+              <a:t>11/22/2017</a:t>
+            </a:fld>
+            <a:endParaRPr lang="en-US" dirty="0"/>
+          </a:p>
+        </p:txBody>
+      </p:sp>
+    </p:spTree>
+    <p:extLst>
+      <p:ext uri="{BB962C8B-B14F-4D97-AF65-F5344CB8AC3E}">
+        <p14:creationId xmlns:p14="http://schemas.microsoft.com/office/powerpoint/2010/main" val="3188015869"/>
+      </p:ext>
+    </p:extLst>
+  </p:cSld>
+  <p:clrMapOvr>
+    <a:masterClrMapping/>
+  </p:clrMapOvr>
+  <p:timing>
+    <p:tnLst>
+      <p:par>
+        <p:cTn id="1" dur="indefinite" restart="never" nodeType="tmRoot">
+          <p:childTnLst>
+            <p:seq concurrent="1" nextAc="seek">
+              <p:cTn id="2" dur="indefinite" nodeType="mainSeq">
+                <p:childTnLst>
+                  <p:par>
+                    <p:cTn id="3" fill="hold">
+                      <p:stCondLst>
+                        <p:cond delay="indefinite"/>
+                        <p:cond evt="onBegin" delay="0">
+                          <p:tn val="2"/>
+                        </p:cond>
+                      </p:stCondLst>
+                      <p:childTnLst>
+                        <p:par>
+                          <p:cTn id="4" fill="hold">
+                            <p:stCondLst>
+                              <p:cond delay="0"/>
+                            </p:stCondLst>
+                            <p:childTnLst>
+                              <p:par>
+                                <p:cTn id="5" presetID="1" presetClass="entr" presetSubtype="0" fill="hold" nodeType="withEffect">
+                                  <p:stCondLst>
+                                    <p:cond delay="0"/>
+                                  </p:stCondLst>
+                                  <p:childTnLst>
+                                    <p:set>
+                                      <p:cBhvr>
+                                        <p:cTn id="6" dur="1" fill="hold">
+                                          <p:stCondLst>
+                                            <p:cond delay="0"/>
+                                          </p:stCondLst>
+                                        </p:cTn>
+                                        <p:tgtEl>
+                                          <p:spTgt spid="3">
+                                            <p:txEl>
+                                              <p:pRg st="0" end="0"/>
+                                            </p:txEl>
+                                          </p:spTgt>
+                                        </p:tgtEl>
+                                        <p:attrNameLst>
+                                          <p:attrName>style.visibility</p:attrName>
+                                        </p:attrNameLst>
+                                      </p:cBhvr>
+                                      <p:to>
+                                        <p:strVal val="visible"/>
+                                      </p:to>
+                                    </p:set>
+                                  </p:childTnLst>
+                                </p:cTn>
+                              </p:par>
+                              <p:par>
+                                <p:cTn id="7" presetID="1" presetClass="entr" presetSubtype="0" fill="hold" nodeType="withEffect">
+                                  <p:stCondLst>
+                                    <p:cond delay="0"/>
+                                  </p:stCondLst>
+                                  <p:childTnLst>
+                                    <p:set>
+                                      <p:cBhvr>
+                                        <p:cTn id="8" dur="1" fill="hold">
+                                          <p:stCondLst>
+                                            <p:cond delay="0"/>
+                                          </p:stCondLst>
+                                        </p:cTn>
+                                        <p:tgtEl>
+                                          <p:spTgt spid="3">
+                                            <p:txEl>
+                                              <p:pRg st="1" end="1"/>
+                                            </p:txEl>
+                                          </p:spTgt>
+                                        </p:tgtEl>
+                                        <p:attrNameLst>
+                                          <p:attrName>style.visibility</p:attrName>
+                                        </p:attrNameLst>
+                                      </p:cBhvr>
+                                      <p:to>
+                                        <p:strVal val="visible"/>
+                                      </p:to>
+                                    </p:set>
+                                  </p:childTnLst>
+                                </p:cTn>
+                              </p:par>
+                            </p:childTnLst>
+                          </p:cTn>
+                        </p:par>
+                      </p:childTnLst>
+                    </p:cTn>
+                  </p:par>
+                  <p:par>
+                    <p:cTn id="9" fill="hold">
+                      <p:stCondLst>
+                        <p:cond delay="indefinite"/>
+                      </p:stCondLst>
+                      <p:childTnLst>
+                        <p:par>
+                          <p:cTn id="10" fill="hold">
+                            <p:stCondLst>
+                              <p:cond delay="0"/>
+                            </p:stCondLst>
+                            <p:childTnLst>
+                              <p:par>
+                                <p:cTn id="11" presetID="1" presetClass="entr" presetSubtype="0" fill="hold" nodeType="clickEffect">
+                                  <p:stCondLst>
+                                    <p:cond delay="0"/>
+                                  </p:stCondLst>
+                                  <p:childTnLst>
+                                    <p:set>
+                                      <p:cBhvr>
+                                        <p:cTn id="12" dur="1" fill="hold">
+                                          <p:stCondLst>
+                                            <p:cond delay="0"/>
+                                          </p:stCondLst>
+                                        </p:cTn>
+                                        <p:tgtEl>
+                                          <p:spTgt spid="3">
+                                            <p:txEl>
+                                              <p:pRg st="2" end="2"/>
+                                            </p:txEl>
+                                          </p:spTgt>
+                                        </p:tgtEl>
+                                        <p:attrNameLst>
+                                          <p:attrName>style.visibility</p:attrName>
+                                        </p:attrNameLst>
+                                      </p:cBhvr>
+                                      <p:to>
+                                        <p:strVal val="visible"/>
+                                      </p:to>
+                                    </p:set>
+                                  </p:childTnLst>
+                                </p:cTn>
+                              </p:par>
+                            </p:childTnLst>
+                          </p:cTn>
+                        </p:par>
+                      </p:childTnLst>
+                    </p:cTn>
+                  </p:par>
+                  <p:par>
+                    <p:cTn id="13" fill="hold">
+                      <p:stCondLst>
+                        <p:cond delay="indefinite"/>
+                      </p:stCondLst>
+                      <p:childTnLst>
+                        <p:par>
+                          <p:cTn id="14" fill="hold">
+                            <p:stCondLst>
+                              <p:cond delay="0"/>
+                            </p:stCondLst>
+                            <p:childTnLst>
+                              <p:par>
+                                <p:cTn id="15" presetID="1" presetClass="entr" presetSubtype="0" fill="hold" nodeType="clickEffect">
+                                  <p:stCondLst>
+                                    <p:cond delay="0"/>
+                                  </p:stCondLst>
+                                  <p:childTnLst>
+                                    <p:set>
+                                      <p:cBhvr>
+                                        <p:cTn id="16" dur="1" fill="hold">
+                                          <p:stCondLst>
+                                            <p:cond delay="0"/>
+                                          </p:stCondLst>
+                                        </p:cTn>
+                                        <p:tgtEl>
+                                          <p:spTgt spid="3">
+                                            <p:txEl>
+                                              <p:pRg st="4" end="4"/>
+                                            </p:txEl>
+                                          </p:spTgt>
+                                        </p:tgtEl>
+                                        <p:attrNameLst>
+                                          <p:attrName>style.visibility</p:attrName>
+                                        </p:attrNameLst>
+                                      </p:cBhvr>
+                                      <p:to>
+                                        <p:strVal val="visible"/>
+                                      </p:to>
+                                    </p:set>
+                                  </p:childTnLst>
+                                </p:cTn>
+                              </p:par>
+                              <p:par>
+                                <p:cTn id="17" presetID="1" presetClass="entr" presetSubtype="0" fill="hold" nodeType="withEffect">
+                                  <p:stCondLst>
+                                    <p:cond delay="0"/>
+                                  </p:stCondLst>
+                                  <p:childTnLst>
+                                    <p:set>
+                                      <p:cBhvr>
+                                        <p:cTn id="18" dur="1" fill="hold">
+                                          <p:stCondLst>
+                                            <p:cond delay="0"/>
+                                          </p:stCondLst>
+                                        </p:cTn>
+                                        <p:tgtEl>
+                                          <p:spTgt spid="3">
+                                            <p:txEl>
+                                              <p:pRg st="5" end="5"/>
+                                            </p:txEl>
+                                          </p:spTgt>
+                                        </p:tgtEl>
+                                        <p:attrNameLst>
+                                          <p:attrName>style.visibility</p:attrName>
+                                        </p:attrNameLst>
+                                      </p:cBhvr>
+                                      <p:to>
+                                        <p:strVal val="visible"/>
+                                      </p:to>
+                                    </p:set>
+                                  </p:childTnLst>
+                                </p:cTn>
+                              </p:par>
+                              <p:par>
+                                <p:cTn id="19" presetID="1" presetClass="entr" presetSubtype="0" fill="hold" nodeType="withEffect">
+                                  <p:stCondLst>
+                                    <p:cond delay="0"/>
+                                  </p:stCondLst>
+                                  <p:childTnLst>
+                                    <p:set>
+                                      <p:cBhvr>
+                                        <p:cTn id="20" dur="1" fill="hold">
+                                          <p:stCondLst>
+                                            <p:cond delay="0"/>
+                                          </p:stCondLst>
+                                        </p:cTn>
+                                        <p:tgtEl>
+                                          <p:spTgt spid="3">
+                                            <p:txEl>
+                                              <p:pRg st="6" end="6"/>
+                                            </p:txEl>
+                                          </p:spTgt>
+                                        </p:tgtEl>
+                                        <p:attrNameLst>
+                                          <p:attrName>style.visibility</p:attrName>
+                                        </p:attrNameLst>
+                                      </p:cBhvr>
+                                      <p:to>
+                                        <p:strVal val="visible"/>
+                                      </p:to>
+                                    </p:set>
+                                  </p:childTnLst>
+                                </p:cTn>
+                              </p:par>
+                              <p:par>
+                                <p:cTn id="21" presetID="1" presetClass="entr" presetSubtype="0" fill="hold" nodeType="withEffect">
+                                  <p:stCondLst>
+                                    <p:cond delay="0"/>
+                                  </p:stCondLst>
+                                  <p:childTnLst>
+                                    <p:set>
+                                      <p:cBhvr>
+                                        <p:cTn id="22" dur="1" fill="hold">
+                                          <p:stCondLst>
+                                            <p:cond delay="0"/>
+                                          </p:stCondLst>
+                                        </p:cTn>
+                                        <p:tgtEl>
+                                          <p:spTgt spid="3">
+                                            <p:txEl>
+                                              <p:pRg st="7" end="7"/>
+                                            </p:txEl>
+                                          </p:spTgt>
+                                        </p:tgtEl>
+                                        <p:attrNameLst>
+                                          <p:attrName>style.visibility</p:attrName>
+                                        </p:attrNameLst>
+                                      </p:cBhvr>
+                                      <p:to>
+                                        <p:strVal val="visible"/>
+                                      </p:to>
+                                    </p:set>
+                                  </p:childTnLst>
+                                </p:cTn>
+                              </p:par>
+                              <p:par>
+                                <p:cTn id="23" presetID="1" presetClass="entr" presetSubtype="0" fill="hold" nodeType="withEffect">
+                                  <p:stCondLst>
+                                    <p:cond delay="0"/>
+                                  </p:stCondLst>
+                                  <p:childTnLst>
+                                    <p:set>
+                                      <p:cBhvr>
+                                        <p:cTn id="24" dur="1" fill="hold">
+                                          <p:stCondLst>
+                                            <p:cond delay="0"/>
+                                          </p:stCondLst>
+                                        </p:cTn>
+                                        <p:tgtEl>
+                                          <p:spTgt spid="3">
+                                            <p:txEl>
+                                              <p:pRg st="8" end="8"/>
+                                            </p:txEl>
+                                          </p:spTgt>
+                                        </p:tgtEl>
+                                        <p:attrNameLst>
+                                          <p:attrName>style.visibility</p:attrName>
+                                        </p:attrNameLst>
+                                      </p:cBhvr>
+                                      <p:to>
+                                        <p:strVal val="visible"/>
+                                      </p:to>
+                                    </p:set>
+                                  </p:childTnLst>
+                                </p:cTn>
+                              </p:par>
+                            </p:childTnLst>
+                          </p:cTn>
+                        </p:par>
+                      </p:childTnLst>
+                    </p:cTn>
+                  </p:par>
+                </p:childTnLst>
+              </p:cTn>
+              <p:prevCondLst>
+                <p:cond evt="onPrev" delay="0">
+                  <p:tgtEl>
+                    <p:sldTgt/>
+                  </p:tgtEl>
+                </p:cond>
+              </p:prevCondLst>
+              <p:nextCondLst>
+                <p:cond evt="onNext" delay="0">
+                  <p:tgtEl>
+                    <p:sldTgt/>
+                  </p:tgtEl>
+                </p:cond>
+              </p:nextCondLst>
+            </p:seq>
+          </p:childTnLst>
+        </p:cTn>
+      </p:par>
+    </p:tnLst>
+  </p:timing>
+</p:sld>
+</file>
+
+<file path=ppt/slides/slide29.xml><?xml version="1.0" encoding="utf-8"?>
+<p:sld xmlns:a="http://schemas.openxmlformats.org/drawingml/2006/main" xmlns:r="http://schemas.openxmlformats.org/officeDocument/2006/relationships" xmlns:p="http://schemas.openxmlformats.org/presentationml/2006/main">
+  <p:cSld>
+    <p:spTree>
+      <p:nvGrpSpPr>
+        <p:cNvPr id="1" name=""/>
+        <p:cNvGrpSpPr/>
+        <p:nvPr/>
+      </p:nvGrpSpPr>
+      <p:grpSpPr>
+        <a:xfrm>
+          <a:off x="0" y="0"/>
+          <a:ext cx="0" cy="0"/>
+          <a:chOff x="0" y="0"/>
+          <a:chExt cx="0" cy="0"/>
+        </a:xfrm>
+      </p:grpSpPr>
+      <p:pic>
+        <p:nvPicPr>
+          <p:cNvPr id="21" name="Picture 20">
+            <a:extLst>
+              <a:ext uri="{FF2B5EF4-FFF2-40B4-BE49-F238E27FC236}">
+                <a16:creationId xmlns:a16="http://schemas.microsoft.com/office/drawing/2014/main" id="{AEC49001-F790-460F-A4AA-AB9C5867CC9C}"/>
+              </a:ext>
+            </a:extLst>
+          </p:cNvPr>
+          <p:cNvPicPr>
+            <a:picLocks noChangeAspect="1"/>
+          </p:cNvPicPr>
+          <p:nvPr/>
+        </p:nvPicPr>
+        <p:blipFill>
+          <a:blip r:embed="rId2"/>
+          <a:stretch>
+            <a:fillRect/>
+          </a:stretch>
+        </p:blipFill>
+        <p:spPr>
+          <a:xfrm>
+            <a:off x="8350635" y="2031273"/>
+            <a:ext cx="3231765" cy="2423824"/>
+          </a:xfrm>
+          <a:prstGeom prst="rect">
+            <a:avLst/>
+          </a:prstGeom>
+        </p:spPr>
+      </p:pic>
+      <p:sp>
+        <p:nvSpPr>
+          <p:cNvPr id="2" name="Title 1">
+            <a:extLst>
+              <a:ext uri="{FF2B5EF4-FFF2-40B4-BE49-F238E27FC236}">
                 <a16:creationId xmlns:a16="http://schemas.microsoft.com/office/drawing/2014/main" id="{939D3544-27E5-4084-BC48-CAE7F837A0BB}"/>
               </a:ext>
             </a:extLst>
@@ -31565,7 +34919,7 @@
             <a:fld id="{27D3C2B7-BFCE-47F7-B76D-5DC27A3663B1}" type="slidenum">
               <a:rPr lang="en-US" altLang="en-US" smtClean="0"/>
               <a:pPr/>
-              <a:t>24</a:t>
+              <a:t>29</a:t>
             </a:fld>
             <a:endParaRPr lang="en-US" altLang="en-US"/>
           </a:p>
@@ -31586,7 +34940,7 @@
           <p:nvPr/>
         </p:nvPicPr>
         <p:blipFill>
-          <a:blip r:embed="rId2"/>
+          <a:blip r:embed="rId3"/>
           <a:stretch>
             <a:fillRect/>
           </a:stretch>
@@ -31616,7 +34970,7 @@
           <p:nvPr/>
         </p:nvPicPr>
         <p:blipFill>
-          <a:blip r:embed="rId3"/>
+          <a:blip r:embed="rId4"/>
           <a:stretch>
             <a:fillRect/>
           </a:stretch>
@@ -31646,7 +35000,7 @@
           <p:nvPr/>
         </p:nvPicPr>
         <p:blipFill>
-          <a:blip r:embed="rId4"/>
+          <a:blip r:embed="rId5"/>
           <a:stretch>
             <a:fillRect/>
           </a:stretch>
@@ -31676,7 +35030,7 @@
           <p:nvPr/>
         </p:nvPicPr>
         <p:blipFill>
-          <a:blip r:embed="rId5"/>
+          <a:blip r:embed="rId6"/>
           <a:stretch>
             <a:fillRect/>
           </a:stretch>
@@ -31706,7 +35060,7 @@
           <p:nvPr/>
         </p:nvPicPr>
         <p:blipFill>
-          <a:blip r:embed="rId6"/>
+          <a:blip r:embed="rId7"/>
           <a:stretch>
             <a:fillRect/>
           </a:stretch>
@@ -31736,7 +35090,7 @@
           <p:nvPr/>
         </p:nvPicPr>
         <p:blipFill>
-          <a:blip r:embed="rId7"/>
+          <a:blip r:embed="rId8"/>
           <a:stretch>
             <a:fillRect/>
           </a:stretch>
@@ -31751,36 +35105,6 @@
           </a:prstGeom>
         </p:spPr>
       </p:pic>
-      <p:pic>
-        <p:nvPicPr>
-          <p:cNvPr id="21" name="Picture 20">
-            <a:extLst>
-              <a:ext uri="{FF2B5EF4-FFF2-40B4-BE49-F238E27FC236}">
-                <a16:creationId xmlns:a16="http://schemas.microsoft.com/office/drawing/2014/main" id="{AEC49001-F790-460F-A4AA-AB9C5867CC9C}"/>
-              </a:ext>
-            </a:extLst>
-          </p:cNvPr>
-          <p:cNvPicPr>
-            <a:picLocks noChangeAspect="1"/>
-          </p:cNvPicPr>
-          <p:nvPr/>
-        </p:nvPicPr>
-        <p:blipFill>
-          <a:blip r:embed="rId8"/>
-          <a:stretch>
-            <a:fillRect/>
-          </a:stretch>
-        </p:blipFill>
-        <p:spPr>
-          <a:xfrm>
-            <a:off x="8350635" y="2031273"/>
-            <a:ext cx="3231765" cy="2423824"/>
-          </a:xfrm>
-          <a:prstGeom prst="rect">
-            <a:avLst/>
-          </a:prstGeom>
-        </p:spPr>
-      </p:pic>
       <p:sp>
         <p:nvSpPr>
           <p:cNvPr id="4" name="Date Placeholder 3">
@@ -31804,7 +35128,7 @@
           <a:p>
             <a:fld id="{939BC27C-99A1-48D3-A757-D318F3766BD7}" type="datetime1">
               <a:rPr lang="en-US" smtClean="0"/>
-              <a:t>11/9/2017</a:t>
+              <a:t>11/22/2017</a:t>
             </a:fld>
             <a:endParaRPr lang="en-US" dirty="0"/>
           </a:p>
@@ -32645,627 +35969,6 @@
 </p:sld>
 </file>
 
-<file path=ppt/slides/slide25.xml><?xml version="1.0" encoding="utf-8"?>
-<p:sld xmlns:a="http://schemas.openxmlformats.org/drawingml/2006/main" xmlns:r="http://schemas.openxmlformats.org/officeDocument/2006/relationships" xmlns:p="http://schemas.openxmlformats.org/presentationml/2006/main">
-  <p:cSld>
-    <p:spTree>
-      <p:nvGrpSpPr>
-        <p:cNvPr id="1" name=""/>
-        <p:cNvGrpSpPr/>
-        <p:nvPr/>
-      </p:nvGrpSpPr>
-      <p:grpSpPr>
-        <a:xfrm>
-          <a:off x="0" y="0"/>
-          <a:ext cx="0" cy="0"/>
-          <a:chOff x="0" y="0"/>
-          <a:chExt cx="0" cy="0"/>
-        </a:xfrm>
-      </p:grpSpPr>
-      <p:pic>
-        <p:nvPicPr>
-          <p:cNvPr id="16" name="Picture 15" descr="Screen Clipping">
-            <a:extLst>
-              <a:ext uri="{FF2B5EF4-FFF2-40B4-BE49-F238E27FC236}">
-                <a16:creationId xmlns:a16="http://schemas.microsoft.com/office/drawing/2014/main" id="{4FC8AE85-E96D-49CB-BA2F-4295630148B0}"/>
-              </a:ext>
-            </a:extLst>
-          </p:cNvPr>
-          <p:cNvPicPr>
-            <a:picLocks noChangeAspect="1"/>
-          </p:cNvPicPr>
-          <p:nvPr/>
-        </p:nvPicPr>
-        <p:blipFill>
-          <a:blip r:embed="rId2"/>
-          <a:stretch>
-            <a:fillRect/>
-          </a:stretch>
-        </p:blipFill>
-        <p:spPr>
-          <a:xfrm>
-            <a:off x="4581832" y="1169904"/>
-            <a:ext cx="5821115" cy="5127584"/>
-          </a:xfrm>
-          <a:prstGeom prst="rect">
-            <a:avLst/>
-          </a:prstGeom>
-        </p:spPr>
-      </p:pic>
-      <p:sp>
-        <p:nvSpPr>
-          <p:cNvPr id="2" name="Title 1">
-            <a:extLst>
-              <a:ext uri="{FF2B5EF4-FFF2-40B4-BE49-F238E27FC236}">
-                <a16:creationId xmlns:a16="http://schemas.microsoft.com/office/drawing/2014/main" id="{DBAC2773-BCF7-4640-B488-D881611D8C41}"/>
-              </a:ext>
-            </a:extLst>
-          </p:cNvPr>
-          <p:cNvSpPr>
-            <a:spLocks noGrp="1"/>
-          </p:cNvSpPr>
-          <p:nvPr>
-            <p:ph type="title"/>
-          </p:nvPr>
-        </p:nvSpPr>
-        <p:spPr/>
-        <p:txBody>
-          <a:bodyPr>
-            <a:normAutofit fontScale="90000"/>
-          </a:bodyPr>
-          <a:lstStyle/>
-          <a:p>
-            <a:r>
-              <a:rPr lang="en-US" dirty="0"/>
-              <a:t>Get UIMA V3 from Apache UIMA</a:t>
-            </a:r>
-          </a:p>
-        </p:txBody>
-      </p:sp>
-      <p:sp>
-        <p:nvSpPr>
-          <p:cNvPr id="3" name="Text Placeholder 2">
-            <a:extLst>
-              <a:ext uri="{FF2B5EF4-FFF2-40B4-BE49-F238E27FC236}">
-                <a16:creationId xmlns:a16="http://schemas.microsoft.com/office/drawing/2014/main" id="{8D0AE946-9F66-4170-BAF5-326467569C8F}"/>
-              </a:ext>
-            </a:extLst>
-          </p:cNvPr>
-          <p:cNvSpPr>
-            <a:spLocks noGrp="1"/>
-          </p:cNvSpPr>
-          <p:nvPr>
-            <p:ph type="body" sz="half" idx="1"/>
-          </p:nvPr>
-        </p:nvSpPr>
-        <p:spPr>
-          <a:xfrm>
-            <a:off x="619114" y="1912201"/>
-            <a:ext cx="3962719" cy="4033208"/>
-          </a:xfrm>
-        </p:spPr>
-        <p:txBody>
-          <a:bodyPr/>
-          <a:lstStyle/>
-          <a:p>
-            <a:r>
-              <a:rPr lang="en-US" dirty="0"/>
-              <a:t>https://uima.apache.org</a:t>
-            </a:r>
-          </a:p>
-        </p:txBody>
-      </p:sp>
-      <p:sp>
-        <p:nvSpPr>
-          <p:cNvPr id="5" name="Footer Placeholder 4">
-            <a:extLst>
-              <a:ext uri="{FF2B5EF4-FFF2-40B4-BE49-F238E27FC236}">
-                <a16:creationId xmlns:a16="http://schemas.microsoft.com/office/drawing/2014/main" id="{92D8ACC5-8185-4600-9A79-C7C7B29F4BC2}"/>
-              </a:ext>
-            </a:extLst>
-          </p:cNvPr>
-          <p:cNvSpPr>
-            <a:spLocks noGrp="1"/>
-          </p:cNvSpPr>
-          <p:nvPr>
-            <p:ph type="ftr" sz="quarter" idx="10"/>
-          </p:nvPr>
-        </p:nvSpPr>
-        <p:spPr>
-          <a:xfrm>
-            <a:off x="4038600" y="6356350"/>
-            <a:ext cx="4114800" cy="365125"/>
-          </a:xfrm>
-        </p:spPr>
-        <p:txBody>
-          <a:bodyPr/>
-          <a:lstStyle/>
-          <a:p>
-            <a:r>
-              <a:rPr lang="en-US" altLang="en-US"/>
-              <a:t>©Copyright Apache Software Foundation</a:t>
-            </a:r>
-            <a:endParaRPr lang="en-US" altLang="en-US" dirty="0"/>
-          </a:p>
-        </p:txBody>
-      </p:sp>
-      <p:sp>
-        <p:nvSpPr>
-          <p:cNvPr id="6" name="Slide Number Placeholder 5">
-            <a:extLst>
-              <a:ext uri="{FF2B5EF4-FFF2-40B4-BE49-F238E27FC236}">
-                <a16:creationId xmlns:a16="http://schemas.microsoft.com/office/drawing/2014/main" id="{36431F1A-C6B8-4D48-AC38-0F6EEE3F0D0C}"/>
-              </a:ext>
-            </a:extLst>
-          </p:cNvPr>
-          <p:cNvSpPr>
-            <a:spLocks noGrp="1"/>
-          </p:cNvSpPr>
-          <p:nvPr>
-            <p:ph type="sldNum" sz="quarter" idx="11"/>
-          </p:nvPr>
-        </p:nvSpPr>
-        <p:spPr/>
-        <p:txBody>
-          <a:bodyPr/>
-          <a:lstStyle/>
-          <a:p>
-            <a:fld id="{27D3C2B7-BFCE-47F7-B76D-5DC27A3663B1}" type="slidenum">
-              <a:rPr lang="en-US" altLang="en-US" smtClean="0"/>
-              <a:pPr/>
-              <a:t>25</a:t>
-            </a:fld>
-            <a:endParaRPr lang="en-US" altLang="en-US"/>
-          </a:p>
-        </p:txBody>
-      </p:sp>
-      <p:sp>
-        <p:nvSpPr>
-          <p:cNvPr id="19" name="Arrow: Right 18">
-            <a:extLst>
-              <a:ext uri="{FF2B5EF4-FFF2-40B4-BE49-F238E27FC236}">
-                <a16:creationId xmlns:a16="http://schemas.microsoft.com/office/drawing/2014/main" id="{036AA2AE-4D71-454C-9AC8-C528D9514083}"/>
-              </a:ext>
-            </a:extLst>
-          </p:cNvPr>
-          <p:cNvSpPr/>
-          <p:nvPr/>
-        </p:nvSpPr>
-        <p:spPr>
-          <a:xfrm rot="9270680">
-            <a:off x="5135764" y="1908175"/>
-            <a:ext cx="851312" cy="175751"/>
-          </a:xfrm>
-          <a:prstGeom prst="rightArrow">
-            <a:avLst/>
-          </a:prstGeom>
-          <a:ln>
-            <a:solidFill>
-              <a:srgbClr val="FF0000"/>
-            </a:solidFill>
-          </a:ln>
-        </p:spPr>
-        <p:style>
-          <a:lnRef idx="1">
-            <a:schemeClr val="accent1"/>
-          </a:lnRef>
-          <a:fillRef idx="3">
-            <a:schemeClr val="accent1"/>
-          </a:fillRef>
-          <a:effectRef idx="2">
-            <a:schemeClr val="accent1"/>
-          </a:effectRef>
-          <a:fontRef idx="minor">
-            <a:schemeClr val="lt1"/>
-          </a:fontRef>
-        </p:style>
-        <p:txBody>
-          <a:bodyPr rot="0" spcFirstLastPara="0" vertOverflow="overflow" horzOverflow="overflow" vert="horz" wrap="square" lIns="121920" tIns="60960" rIns="121920" bIns="60960" numCol="1" spcCol="0" rtlCol="0" fromWordArt="0" anchor="ctr" anchorCtr="0" forceAA="0" compatLnSpc="1">
-            <a:prstTxWarp prst="textNoShape">
-              <a:avLst/>
-            </a:prstTxWarp>
-            <a:noAutofit/>
-          </a:bodyPr>
-          <a:lstStyle/>
-          <a:p>
-            <a:pPr algn="ctr"/>
-            <a:endParaRPr lang="en-US" sz="2400"/>
-          </a:p>
-        </p:txBody>
-      </p:sp>
-      <p:sp>
-        <p:nvSpPr>
-          <p:cNvPr id="4" name="Date Placeholder 3">
-            <a:extLst>
-              <a:ext uri="{FF2B5EF4-FFF2-40B4-BE49-F238E27FC236}">
-                <a16:creationId xmlns:a16="http://schemas.microsoft.com/office/drawing/2014/main" id="{EBF5F5FB-AF17-43FF-BFD6-F74A6CB3D808}"/>
-              </a:ext>
-            </a:extLst>
-          </p:cNvPr>
-          <p:cNvSpPr>
-            <a:spLocks noGrp="1"/>
-          </p:cNvSpPr>
-          <p:nvPr>
-            <p:ph type="dt" sz="half" idx="12"/>
-          </p:nvPr>
-        </p:nvSpPr>
-        <p:spPr/>
-        <p:txBody>
-          <a:bodyPr/>
-          <a:lstStyle/>
-          <a:p>
-            <a:fld id="{D43EF723-9DC7-427A-944C-A22876C03062}" type="datetime1">
-              <a:rPr lang="en-US" smtClean="0"/>
-              <a:t>11/9/2017</a:t>
-            </a:fld>
-            <a:endParaRPr lang="en-US" dirty="0"/>
-          </a:p>
-        </p:txBody>
-      </p:sp>
-      <p:pic>
-        <p:nvPicPr>
-          <p:cNvPr id="7" name="Picture 6">
-            <a:extLst>
-              <a:ext uri="{FF2B5EF4-FFF2-40B4-BE49-F238E27FC236}">
-                <a16:creationId xmlns:a16="http://schemas.microsoft.com/office/drawing/2014/main" id="{A2CCC7EA-7B8B-4C61-B4E2-86276B899480}"/>
-              </a:ext>
-            </a:extLst>
-          </p:cNvPr>
-          <p:cNvPicPr>
-            <a:picLocks noChangeAspect="1"/>
-          </p:cNvPicPr>
-          <p:nvPr/>
-        </p:nvPicPr>
-        <p:blipFill>
-          <a:blip r:embed="rId3"/>
-          <a:stretch>
-            <a:fillRect/>
-          </a:stretch>
-        </p:blipFill>
-        <p:spPr>
-          <a:xfrm>
-            <a:off x="3758652" y="1169904"/>
-            <a:ext cx="8102519" cy="5157015"/>
-          </a:xfrm>
-          <a:prstGeom prst="rect">
-            <a:avLst/>
-          </a:prstGeom>
-        </p:spPr>
-      </p:pic>
-    </p:spTree>
-    <p:extLst>
-      <p:ext uri="{BB962C8B-B14F-4D97-AF65-F5344CB8AC3E}">
-        <p14:creationId xmlns:p14="http://schemas.microsoft.com/office/powerpoint/2010/main" val="3109463936"/>
-      </p:ext>
-    </p:extLst>
-  </p:cSld>
-  <p:clrMapOvr>
-    <a:masterClrMapping/>
-  </p:clrMapOvr>
-  <p:timing>
-    <p:tnLst>
-      <p:par>
-        <p:cTn id="1" dur="indefinite" restart="never" nodeType="tmRoot">
-          <p:childTnLst>
-            <p:seq concurrent="1" nextAc="seek">
-              <p:cTn id="2" dur="indefinite" nodeType="mainSeq">
-                <p:childTnLst>
-                  <p:par>
-                    <p:cTn id="3" fill="hold">
-                      <p:stCondLst>
-                        <p:cond delay="indefinite"/>
-                      </p:stCondLst>
-                      <p:childTnLst>
-                        <p:par>
-                          <p:cTn id="4" fill="hold">
-                            <p:stCondLst>
-                              <p:cond delay="0"/>
-                            </p:stCondLst>
-                            <p:childTnLst>
-                              <p:par>
-                                <p:cTn id="5" presetID="1" presetClass="entr" presetSubtype="0" fill="hold" nodeType="clickEffect">
-                                  <p:stCondLst>
-                                    <p:cond delay="0"/>
-                                  </p:stCondLst>
-                                  <p:childTnLst>
-                                    <p:set>
-                                      <p:cBhvr>
-                                        <p:cTn id="6" dur="1" fill="hold">
-                                          <p:stCondLst>
-                                            <p:cond delay="0"/>
-                                          </p:stCondLst>
-                                        </p:cTn>
-                                        <p:tgtEl>
-                                          <p:spTgt spid="16"/>
-                                        </p:tgtEl>
-                                        <p:attrNameLst>
-                                          <p:attrName>style.visibility</p:attrName>
-                                        </p:attrNameLst>
-                                      </p:cBhvr>
-                                      <p:to>
-                                        <p:strVal val="visible"/>
-                                      </p:to>
-                                    </p:set>
-                                  </p:childTnLst>
-                                </p:cTn>
-                              </p:par>
-                            </p:childTnLst>
-                          </p:cTn>
-                        </p:par>
-                      </p:childTnLst>
-                    </p:cTn>
-                  </p:par>
-                  <p:par>
-                    <p:cTn id="7" fill="hold">
-                      <p:stCondLst>
-                        <p:cond delay="indefinite"/>
-                      </p:stCondLst>
-                      <p:childTnLst>
-                        <p:par>
-                          <p:cTn id="8" fill="hold">
-                            <p:stCondLst>
-                              <p:cond delay="0"/>
-                            </p:stCondLst>
-                            <p:childTnLst>
-                              <p:par>
-                                <p:cTn id="9" presetID="1" presetClass="entr" presetSubtype="0" fill="hold" grpId="0" nodeType="clickEffect">
-                                  <p:stCondLst>
-                                    <p:cond delay="0"/>
-                                  </p:stCondLst>
-                                  <p:childTnLst>
-                                    <p:set>
-                                      <p:cBhvr>
-                                        <p:cTn id="10" dur="1" fill="hold">
-                                          <p:stCondLst>
-                                            <p:cond delay="0"/>
-                                          </p:stCondLst>
-                                        </p:cTn>
-                                        <p:tgtEl>
-                                          <p:spTgt spid="19"/>
-                                        </p:tgtEl>
-                                        <p:attrNameLst>
-                                          <p:attrName>style.visibility</p:attrName>
-                                        </p:attrNameLst>
-                                      </p:cBhvr>
-                                      <p:to>
-                                        <p:strVal val="visible"/>
-                                      </p:to>
-                                    </p:set>
-                                  </p:childTnLst>
-                                </p:cTn>
-                              </p:par>
-                            </p:childTnLst>
-                          </p:cTn>
-                        </p:par>
-                      </p:childTnLst>
-                    </p:cTn>
-                  </p:par>
-                  <p:par>
-                    <p:cTn id="11" fill="hold">
-                      <p:stCondLst>
-                        <p:cond delay="indefinite"/>
-                      </p:stCondLst>
-                      <p:childTnLst>
-                        <p:par>
-                          <p:cTn id="12" fill="hold">
-                            <p:stCondLst>
-                              <p:cond delay="0"/>
-                            </p:stCondLst>
-                            <p:childTnLst>
-                              <p:par>
-                                <p:cTn id="13" presetID="1" presetClass="entr" presetSubtype="0" fill="hold" nodeType="clickEffect">
-                                  <p:stCondLst>
-                                    <p:cond delay="0"/>
-                                  </p:stCondLst>
-                                  <p:childTnLst>
-                                    <p:set>
-                                      <p:cBhvr>
-                                        <p:cTn id="14" dur="1" fill="hold">
-                                          <p:stCondLst>
-                                            <p:cond delay="0"/>
-                                          </p:stCondLst>
-                                        </p:cTn>
-                                        <p:tgtEl>
-                                          <p:spTgt spid="7"/>
-                                        </p:tgtEl>
-                                        <p:attrNameLst>
-                                          <p:attrName>style.visibility</p:attrName>
-                                        </p:attrNameLst>
-                                      </p:cBhvr>
-                                      <p:to>
-                                        <p:strVal val="visible"/>
-                                      </p:to>
-                                    </p:set>
-                                  </p:childTnLst>
-                                </p:cTn>
-                              </p:par>
-                            </p:childTnLst>
-                          </p:cTn>
-                        </p:par>
-                      </p:childTnLst>
-                    </p:cTn>
-                  </p:par>
-                </p:childTnLst>
-              </p:cTn>
-              <p:prevCondLst>
-                <p:cond evt="onPrev" delay="0">
-                  <p:tgtEl>
-                    <p:sldTgt/>
-                  </p:tgtEl>
-                </p:cond>
-              </p:prevCondLst>
-              <p:nextCondLst>
-                <p:cond evt="onNext" delay="0">
-                  <p:tgtEl>
-                    <p:sldTgt/>
-                  </p:tgtEl>
-                </p:cond>
-              </p:nextCondLst>
-            </p:seq>
-          </p:childTnLst>
-        </p:cTn>
-      </p:par>
-    </p:tnLst>
-    <p:bldLst>
-      <p:bldP spid="19" grpId="0" animBg="1"/>
-    </p:bldLst>
-  </p:timing>
-</p:sld>
-</file>
-
-<file path=ppt/slides/slide26.xml><?xml version="1.0" encoding="utf-8"?>
-<p:sld xmlns:a="http://schemas.openxmlformats.org/drawingml/2006/main" xmlns:r="http://schemas.openxmlformats.org/officeDocument/2006/relationships" xmlns:p="http://schemas.openxmlformats.org/presentationml/2006/main">
-  <p:cSld>
-    <p:spTree>
-      <p:nvGrpSpPr>
-        <p:cNvPr id="1" name=""/>
-        <p:cNvGrpSpPr/>
-        <p:nvPr/>
-      </p:nvGrpSpPr>
-      <p:grpSpPr>
-        <a:xfrm>
-          <a:off x="0" y="0"/>
-          <a:ext cx="0" cy="0"/>
-          <a:chOff x="0" y="0"/>
-          <a:chExt cx="0" cy="0"/>
-        </a:xfrm>
-      </p:grpSpPr>
-      <p:sp>
-        <p:nvSpPr>
-          <p:cNvPr id="5" name="Footer Placeholder 4">
-            <a:extLst>
-              <a:ext uri="{FF2B5EF4-FFF2-40B4-BE49-F238E27FC236}">
-                <a16:creationId xmlns:a16="http://schemas.microsoft.com/office/drawing/2014/main" id="{FBA5E267-D7B5-4DC8-ADA0-960941E355B9}"/>
-              </a:ext>
-            </a:extLst>
-          </p:cNvPr>
-          <p:cNvSpPr>
-            <a:spLocks noGrp="1"/>
-          </p:cNvSpPr>
-          <p:nvPr>
-            <p:ph type="ftr" sz="quarter" idx="10"/>
-          </p:nvPr>
-        </p:nvSpPr>
-        <p:spPr>
-          <a:xfrm>
-            <a:off x="4038600" y="6356350"/>
-            <a:ext cx="4114800" cy="365125"/>
-          </a:xfrm>
-        </p:spPr>
-        <p:txBody>
-          <a:bodyPr/>
-          <a:lstStyle/>
-          <a:p>
-            <a:r>
-              <a:rPr lang="en-US" altLang="en-US"/>
-              <a:t>©Copyright Apache Software Foundation</a:t>
-            </a:r>
-            <a:endParaRPr lang="en-US" altLang="en-US" dirty="0"/>
-          </a:p>
-        </p:txBody>
-      </p:sp>
-      <p:sp>
-        <p:nvSpPr>
-          <p:cNvPr id="6" name="Slide Number Placeholder 5">
-            <a:extLst>
-              <a:ext uri="{FF2B5EF4-FFF2-40B4-BE49-F238E27FC236}">
-                <a16:creationId xmlns:a16="http://schemas.microsoft.com/office/drawing/2014/main" id="{F1DB40B0-E2CB-4645-AD14-8E94AE4827C9}"/>
-              </a:ext>
-            </a:extLst>
-          </p:cNvPr>
-          <p:cNvSpPr>
-            <a:spLocks noGrp="1"/>
-          </p:cNvSpPr>
-          <p:nvPr>
-            <p:ph type="sldNum" sz="quarter" idx="11"/>
-          </p:nvPr>
-        </p:nvSpPr>
-        <p:spPr/>
-        <p:txBody>
-          <a:bodyPr/>
-          <a:lstStyle/>
-          <a:p>
-            <a:fld id="{27D3C2B7-BFCE-47F7-B76D-5DC27A3663B1}" type="slidenum">
-              <a:rPr lang="en-US" altLang="en-US" smtClean="0"/>
-              <a:pPr/>
-              <a:t>26</a:t>
-            </a:fld>
-            <a:endParaRPr lang="en-US" altLang="en-US"/>
-          </a:p>
-        </p:txBody>
-      </p:sp>
-      <p:pic>
-        <p:nvPicPr>
-          <p:cNvPr id="8" name="Picture 7">
-            <a:extLst>
-              <a:ext uri="{FF2B5EF4-FFF2-40B4-BE49-F238E27FC236}">
-                <a16:creationId xmlns:a16="http://schemas.microsoft.com/office/drawing/2014/main" id="{2795CB65-F350-4B11-949D-AD900C1B7D22}"/>
-              </a:ext>
-            </a:extLst>
-          </p:cNvPr>
-          <p:cNvPicPr>
-            <a:picLocks noChangeAspect="1"/>
-          </p:cNvPicPr>
-          <p:nvPr/>
-        </p:nvPicPr>
-        <p:blipFill>
-          <a:blip r:embed="rId2"/>
-          <a:stretch>
-            <a:fillRect/>
-          </a:stretch>
-        </p:blipFill>
-        <p:spPr>
-          <a:xfrm>
-            <a:off x="4191000" y="1282700"/>
-            <a:ext cx="3810000" cy="4292600"/>
-          </a:xfrm>
-          <a:prstGeom prst="rect">
-            <a:avLst/>
-          </a:prstGeom>
-        </p:spPr>
-      </p:pic>
-      <p:sp>
-        <p:nvSpPr>
-          <p:cNvPr id="2" name="Date Placeholder 1">
-            <a:extLst>
-              <a:ext uri="{FF2B5EF4-FFF2-40B4-BE49-F238E27FC236}">
-                <a16:creationId xmlns:a16="http://schemas.microsoft.com/office/drawing/2014/main" id="{17324122-1B36-48C2-AA51-264A6903BC50}"/>
-              </a:ext>
-            </a:extLst>
-          </p:cNvPr>
-          <p:cNvSpPr>
-            <a:spLocks noGrp="1"/>
-          </p:cNvSpPr>
-          <p:nvPr>
-            <p:ph type="dt" sz="half" idx="12"/>
-          </p:nvPr>
-        </p:nvSpPr>
-        <p:spPr/>
-        <p:txBody>
-          <a:bodyPr/>
-          <a:lstStyle/>
-          <a:p>
-            <a:fld id="{1F9C297A-A773-438C-A189-3CB6981C78C2}" type="datetime1">
-              <a:rPr lang="en-US" smtClean="0"/>
-              <a:t>11/9/2017</a:t>
-            </a:fld>
-            <a:endParaRPr lang="en-US" dirty="0"/>
-          </a:p>
-        </p:txBody>
-      </p:sp>
-    </p:spTree>
-    <p:extLst>
-      <p:ext uri="{BB962C8B-B14F-4D97-AF65-F5344CB8AC3E}">
-        <p14:creationId xmlns:p14="http://schemas.microsoft.com/office/powerpoint/2010/main" val="923466072"/>
-      </p:ext>
-    </p:extLst>
-  </p:cSld>
-  <p:clrMapOvr>
-    <a:masterClrMapping/>
-  </p:clrMapOvr>
-</p:sld>
-</file>
-
 <file path=ppt/slides/slide3.xml><?xml version="1.0" encoding="utf-8"?>
 <p:sld xmlns:a="http://schemas.openxmlformats.org/drawingml/2006/main" xmlns:r="http://schemas.openxmlformats.org/officeDocument/2006/relationships" xmlns:p="http://schemas.openxmlformats.org/presentationml/2006/main">
   <p:cSld>
@@ -33497,14 +36200,14 @@
           </a:xfrm>
           <a:extLst>
             <a:ext uri="{909E8E84-426E-40dd-AFC4-6F175D3DCCD1}">
-              <a14:hiddenFill xmlns:a14="http://schemas.microsoft.com/office/drawing/2010/main" xmlns="">
+              <a14:hiddenFill xmlns="" xmlns:a14="http://schemas.microsoft.com/office/drawing/2010/main">
                 <a:solidFill>
                   <a:schemeClr val="accent1"/>
                 </a:solidFill>
               </a14:hiddenFill>
             </a:ext>
             <a:ext uri="{91240B29-F687-4f45-9708-019B960494DF}">
-              <a14:hiddenLine xmlns:a14="http://schemas.microsoft.com/office/drawing/2010/main" xmlns="" w="9525">
+              <a14:hiddenLine xmlns="" xmlns:a14="http://schemas.microsoft.com/office/drawing/2010/main" w="9525">
                 <a:solidFill>
                   <a:schemeClr val="tx1"/>
                 </a:solidFill>
@@ -33514,7 +36217,7 @@
               </a14:hiddenLine>
             </a:ext>
             <a:ext uri="{AF507438-7753-43e0-B8FC-AC1667EBCBE1}">
-              <a14:hiddenEffects xmlns:a14="http://schemas.microsoft.com/office/drawing/2010/main" xmlns="">
+              <a14:hiddenEffects xmlns="" xmlns:a14="http://schemas.microsoft.com/office/drawing/2010/main">
                 <a:effectLst>
                   <a:outerShdw blurRad="63500" dist="38099" dir="2700000" algn="ctr" rotWithShape="0">
                     <a:schemeClr val="bg2">
@@ -33525,7 +36228,7 @@
               </a14:hiddenEffects>
             </a:ext>
             <a:ext uri="{FAA26D3D-D897-4be2-8F04-BA451C77F1D7}">
-              <ma14:placeholderFlag xmlns:ma14="http://schemas.microsoft.com/office/mac/drawingml/2011/main" xmlns="" val="1"/>
+              <ma14:placeholderFlag xmlns="" xmlns:ma14="http://schemas.microsoft.com/office/mac/drawingml/2011/main" val="1"/>
             </a:ext>
           </a:extLst>
         </p:spPr>
@@ -33668,14 +36371,14 @@
         <p:spPr>
           <a:extLst>
             <a:ext uri="{909E8E84-426E-40dd-AFC4-6F175D3DCCD1}">
-              <a14:hiddenFill xmlns:a14="http://schemas.microsoft.com/office/drawing/2010/main" xmlns="">
+              <a14:hiddenFill xmlns="" xmlns:a14="http://schemas.microsoft.com/office/drawing/2010/main">
                 <a:solidFill>
                   <a:schemeClr val="accent1"/>
                 </a:solidFill>
               </a14:hiddenFill>
             </a:ext>
             <a:ext uri="{91240B29-F687-4f45-9708-019B960494DF}">
-              <a14:hiddenLine xmlns:a14="http://schemas.microsoft.com/office/drawing/2010/main" xmlns="" w="9525">
+              <a14:hiddenLine xmlns="" xmlns:a14="http://schemas.microsoft.com/office/drawing/2010/main" w="9525">
                 <a:solidFill>
                   <a:schemeClr val="tx1"/>
                 </a:solidFill>
@@ -33685,7 +36388,7 @@
               </a14:hiddenLine>
             </a:ext>
             <a:ext uri="{AF507438-7753-43e0-B8FC-AC1667EBCBE1}">
-              <a14:hiddenEffects xmlns:a14="http://schemas.microsoft.com/office/drawing/2010/main" xmlns="">
+              <a14:hiddenEffects xmlns="" xmlns:a14="http://schemas.microsoft.com/office/drawing/2010/main">
                 <a:effectLst>
                   <a:outerShdw blurRad="63500" dist="38099" dir="2700000" algn="ctr" rotWithShape="0">
                     <a:schemeClr val="bg2">
@@ -33696,7 +36399,7 @@
               </a14:hiddenEffects>
             </a:ext>
             <a:ext uri="{FAA26D3D-D897-4be2-8F04-BA451C77F1D7}">
-              <ma14:placeholderFlag xmlns:ma14="http://schemas.microsoft.com/office/mac/drawingml/2011/main" xmlns="" val="1"/>
+              <ma14:placeholderFlag xmlns="" xmlns:ma14="http://schemas.microsoft.com/office/mac/drawingml/2011/main" val="1"/>
             </a:ext>
           </a:extLst>
         </p:spPr>
@@ -33880,7 +36583,7 @@
           <a:p>
             <a:fld id="{72B1CF7A-5115-4D9F-9AE1-8E5B13C35372}" type="datetime1">
               <a:rPr lang="en-US" smtClean="0"/>
-              <a:t>11/9/2017</a:t>
+              <a:t>11/22/2017</a:t>
             </a:fld>
             <a:endParaRPr lang="en-US" dirty="0"/>
           </a:p>
@@ -34159,6 +36862,627 @@
 </p:sld>
 </file>
 
+<file path=ppt/slides/slide30.xml><?xml version="1.0" encoding="utf-8"?>
+<p:sld xmlns:a="http://schemas.openxmlformats.org/drawingml/2006/main" xmlns:r="http://schemas.openxmlformats.org/officeDocument/2006/relationships" xmlns:p="http://schemas.openxmlformats.org/presentationml/2006/main">
+  <p:cSld>
+    <p:spTree>
+      <p:nvGrpSpPr>
+        <p:cNvPr id="1" name=""/>
+        <p:cNvGrpSpPr/>
+        <p:nvPr/>
+      </p:nvGrpSpPr>
+      <p:grpSpPr>
+        <a:xfrm>
+          <a:off x="0" y="0"/>
+          <a:ext cx="0" cy="0"/>
+          <a:chOff x="0" y="0"/>
+          <a:chExt cx="0" cy="0"/>
+        </a:xfrm>
+      </p:grpSpPr>
+      <p:pic>
+        <p:nvPicPr>
+          <p:cNvPr id="16" name="Picture 15" descr="Screen Clipping">
+            <a:extLst>
+              <a:ext uri="{FF2B5EF4-FFF2-40B4-BE49-F238E27FC236}">
+                <a16:creationId xmlns:a16="http://schemas.microsoft.com/office/drawing/2014/main" id="{4FC8AE85-E96D-49CB-BA2F-4295630148B0}"/>
+              </a:ext>
+            </a:extLst>
+          </p:cNvPr>
+          <p:cNvPicPr>
+            <a:picLocks noChangeAspect="1"/>
+          </p:cNvPicPr>
+          <p:nvPr/>
+        </p:nvPicPr>
+        <p:blipFill>
+          <a:blip r:embed="rId2"/>
+          <a:stretch>
+            <a:fillRect/>
+          </a:stretch>
+        </p:blipFill>
+        <p:spPr>
+          <a:xfrm>
+            <a:off x="4581832" y="1169904"/>
+            <a:ext cx="5821115" cy="5127584"/>
+          </a:xfrm>
+          <a:prstGeom prst="rect">
+            <a:avLst/>
+          </a:prstGeom>
+        </p:spPr>
+      </p:pic>
+      <p:sp>
+        <p:nvSpPr>
+          <p:cNvPr id="2" name="Title 1">
+            <a:extLst>
+              <a:ext uri="{FF2B5EF4-FFF2-40B4-BE49-F238E27FC236}">
+                <a16:creationId xmlns:a16="http://schemas.microsoft.com/office/drawing/2014/main" id="{DBAC2773-BCF7-4640-B488-D881611D8C41}"/>
+              </a:ext>
+            </a:extLst>
+          </p:cNvPr>
+          <p:cNvSpPr>
+            <a:spLocks noGrp="1"/>
+          </p:cNvSpPr>
+          <p:nvPr>
+            <p:ph type="title"/>
+          </p:nvPr>
+        </p:nvSpPr>
+        <p:spPr/>
+        <p:txBody>
+          <a:bodyPr>
+            <a:normAutofit fontScale="90000"/>
+          </a:bodyPr>
+          <a:lstStyle/>
+          <a:p>
+            <a:r>
+              <a:rPr lang="en-US" dirty="0"/>
+              <a:t>Get UIMA V3 from Apache UIMA</a:t>
+            </a:r>
+          </a:p>
+        </p:txBody>
+      </p:sp>
+      <p:sp>
+        <p:nvSpPr>
+          <p:cNvPr id="3" name="Text Placeholder 2">
+            <a:extLst>
+              <a:ext uri="{FF2B5EF4-FFF2-40B4-BE49-F238E27FC236}">
+                <a16:creationId xmlns:a16="http://schemas.microsoft.com/office/drawing/2014/main" id="{8D0AE946-9F66-4170-BAF5-326467569C8F}"/>
+              </a:ext>
+            </a:extLst>
+          </p:cNvPr>
+          <p:cNvSpPr>
+            <a:spLocks noGrp="1"/>
+          </p:cNvSpPr>
+          <p:nvPr>
+            <p:ph type="body" sz="half" idx="1"/>
+          </p:nvPr>
+        </p:nvSpPr>
+        <p:spPr>
+          <a:xfrm>
+            <a:off x="619114" y="1912201"/>
+            <a:ext cx="3962719" cy="4033208"/>
+          </a:xfrm>
+        </p:spPr>
+        <p:txBody>
+          <a:bodyPr/>
+          <a:lstStyle/>
+          <a:p>
+            <a:r>
+              <a:rPr lang="en-US" dirty="0"/>
+              <a:t>https://uima.apache.org</a:t>
+            </a:r>
+          </a:p>
+        </p:txBody>
+      </p:sp>
+      <p:sp>
+        <p:nvSpPr>
+          <p:cNvPr id="5" name="Footer Placeholder 4">
+            <a:extLst>
+              <a:ext uri="{FF2B5EF4-FFF2-40B4-BE49-F238E27FC236}">
+                <a16:creationId xmlns:a16="http://schemas.microsoft.com/office/drawing/2014/main" id="{92D8ACC5-8185-4600-9A79-C7C7B29F4BC2}"/>
+              </a:ext>
+            </a:extLst>
+          </p:cNvPr>
+          <p:cNvSpPr>
+            <a:spLocks noGrp="1"/>
+          </p:cNvSpPr>
+          <p:nvPr>
+            <p:ph type="ftr" sz="quarter" idx="10"/>
+          </p:nvPr>
+        </p:nvSpPr>
+        <p:spPr>
+          <a:xfrm>
+            <a:off x="4038600" y="6356350"/>
+            <a:ext cx="4114800" cy="365125"/>
+          </a:xfrm>
+        </p:spPr>
+        <p:txBody>
+          <a:bodyPr/>
+          <a:lstStyle/>
+          <a:p>
+            <a:r>
+              <a:rPr lang="en-US" altLang="en-US"/>
+              <a:t>©Copyright Apache Software Foundation</a:t>
+            </a:r>
+            <a:endParaRPr lang="en-US" altLang="en-US" dirty="0"/>
+          </a:p>
+        </p:txBody>
+      </p:sp>
+      <p:sp>
+        <p:nvSpPr>
+          <p:cNvPr id="6" name="Slide Number Placeholder 5">
+            <a:extLst>
+              <a:ext uri="{FF2B5EF4-FFF2-40B4-BE49-F238E27FC236}">
+                <a16:creationId xmlns:a16="http://schemas.microsoft.com/office/drawing/2014/main" id="{36431F1A-C6B8-4D48-AC38-0F6EEE3F0D0C}"/>
+              </a:ext>
+            </a:extLst>
+          </p:cNvPr>
+          <p:cNvSpPr>
+            <a:spLocks noGrp="1"/>
+          </p:cNvSpPr>
+          <p:nvPr>
+            <p:ph type="sldNum" sz="quarter" idx="11"/>
+          </p:nvPr>
+        </p:nvSpPr>
+        <p:spPr/>
+        <p:txBody>
+          <a:bodyPr/>
+          <a:lstStyle/>
+          <a:p>
+            <a:fld id="{27D3C2B7-BFCE-47F7-B76D-5DC27A3663B1}" type="slidenum">
+              <a:rPr lang="en-US" altLang="en-US" smtClean="0"/>
+              <a:pPr/>
+              <a:t>30</a:t>
+            </a:fld>
+            <a:endParaRPr lang="en-US" altLang="en-US"/>
+          </a:p>
+        </p:txBody>
+      </p:sp>
+      <p:sp>
+        <p:nvSpPr>
+          <p:cNvPr id="19" name="Arrow: Right 18">
+            <a:extLst>
+              <a:ext uri="{FF2B5EF4-FFF2-40B4-BE49-F238E27FC236}">
+                <a16:creationId xmlns:a16="http://schemas.microsoft.com/office/drawing/2014/main" id="{036AA2AE-4D71-454C-9AC8-C528D9514083}"/>
+              </a:ext>
+            </a:extLst>
+          </p:cNvPr>
+          <p:cNvSpPr/>
+          <p:nvPr/>
+        </p:nvSpPr>
+        <p:spPr>
+          <a:xfrm rot="9270680">
+            <a:off x="5135764" y="1908175"/>
+            <a:ext cx="851312" cy="175751"/>
+          </a:xfrm>
+          <a:prstGeom prst="rightArrow">
+            <a:avLst/>
+          </a:prstGeom>
+          <a:ln>
+            <a:solidFill>
+              <a:srgbClr val="FF0000"/>
+            </a:solidFill>
+          </a:ln>
+        </p:spPr>
+        <p:style>
+          <a:lnRef idx="1">
+            <a:schemeClr val="accent1"/>
+          </a:lnRef>
+          <a:fillRef idx="3">
+            <a:schemeClr val="accent1"/>
+          </a:fillRef>
+          <a:effectRef idx="2">
+            <a:schemeClr val="accent1"/>
+          </a:effectRef>
+          <a:fontRef idx="minor">
+            <a:schemeClr val="lt1"/>
+          </a:fontRef>
+        </p:style>
+        <p:txBody>
+          <a:bodyPr rot="0" spcFirstLastPara="0" vertOverflow="overflow" horzOverflow="overflow" vert="horz" wrap="square" lIns="121920" tIns="60960" rIns="121920" bIns="60960" numCol="1" spcCol="0" rtlCol="0" fromWordArt="0" anchor="ctr" anchorCtr="0" forceAA="0" compatLnSpc="1">
+            <a:prstTxWarp prst="textNoShape">
+              <a:avLst/>
+            </a:prstTxWarp>
+            <a:noAutofit/>
+          </a:bodyPr>
+          <a:lstStyle/>
+          <a:p>
+            <a:pPr algn="ctr"/>
+            <a:endParaRPr lang="en-US" sz="2400"/>
+          </a:p>
+        </p:txBody>
+      </p:sp>
+      <p:sp>
+        <p:nvSpPr>
+          <p:cNvPr id="4" name="Date Placeholder 3">
+            <a:extLst>
+              <a:ext uri="{FF2B5EF4-FFF2-40B4-BE49-F238E27FC236}">
+                <a16:creationId xmlns:a16="http://schemas.microsoft.com/office/drawing/2014/main" id="{EBF5F5FB-AF17-43FF-BFD6-F74A6CB3D808}"/>
+              </a:ext>
+            </a:extLst>
+          </p:cNvPr>
+          <p:cNvSpPr>
+            <a:spLocks noGrp="1"/>
+          </p:cNvSpPr>
+          <p:nvPr>
+            <p:ph type="dt" sz="half" idx="12"/>
+          </p:nvPr>
+        </p:nvSpPr>
+        <p:spPr/>
+        <p:txBody>
+          <a:bodyPr/>
+          <a:lstStyle/>
+          <a:p>
+            <a:fld id="{D43EF723-9DC7-427A-944C-A22876C03062}" type="datetime1">
+              <a:rPr lang="en-US" smtClean="0"/>
+              <a:t>11/22/2017</a:t>
+            </a:fld>
+            <a:endParaRPr lang="en-US" dirty="0"/>
+          </a:p>
+        </p:txBody>
+      </p:sp>
+      <p:pic>
+        <p:nvPicPr>
+          <p:cNvPr id="7" name="Picture 6">
+            <a:extLst>
+              <a:ext uri="{FF2B5EF4-FFF2-40B4-BE49-F238E27FC236}">
+                <a16:creationId xmlns:a16="http://schemas.microsoft.com/office/drawing/2014/main" id="{A2CCC7EA-7B8B-4C61-B4E2-86276B899480}"/>
+              </a:ext>
+            </a:extLst>
+          </p:cNvPr>
+          <p:cNvPicPr>
+            <a:picLocks noChangeAspect="1"/>
+          </p:cNvPicPr>
+          <p:nvPr/>
+        </p:nvPicPr>
+        <p:blipFill>
+          <a:blip r:embed="rId3"/>
+          <a:stretch>
+            <a:fillRect/>
+          </a:stretch>
+        </p:blipFill>
+        <p:spPr>
+          <a:xfrm>
+            <a:off x="3758652" y="1169904"/>
+            <a:ext cx="8102519" cy="5157015"/>
+          </a:xfrm>
+          <a:prstGeom prst="rect">
+            <a:avLst/>
+          </a:prstGeom>
+        </p:spPr>
+      </p:pic>
+    </p:spTree>
+    <p:extLst>
+      <p:ext uri="{BB962C8B-B14F-4D97-AF65-F5344CB8AC3E}">
+        <p14:creationId xmlns:p14="http://schemas.microsoft.com/office/powerpoint/2010/main" val="3109463936"/>
+      </p:ext>
+    </p:extLst>
+  </p:cSld>
+  <p:clrMapOvr>
+    <a:masterClrMapping/>
+  </p:clrMapOvr>
+  <p:timing>
+    <p:tnLst>
+      <p:par>
+        <p:cTn id="1" dur="indefinite" restart="never" nodeType="tmRoot">
+          <p:childTnLst>
+            <p:seq concurrent="1" nextAc="seek">
+              <p:cTn id="2" dur="indefinite" nodeType="mainSeq">
+                <p:childTnLst>
+                  <p:par>
+                    <p:cTn id="3" fill="hold">
+                      <p:stCondLst>
+                        <p:cond delay="indefinite"/>
+                      </p:stCondLst>
+                      <p:childTnLst>
+                        <p:par>
+                          <p:cTn id="4" fill="hold">
+                            <p:stCondLst>
+                              <p:cond delay="0"/>
+                            </p:stCondLst>
+                            <p:childTnLst>
+                              <p:par>
+                                <p:cTn id="5" presetID="1" presetClass="entr" presetSubtype="0" fill="hold" nodeType="clickEffect">
+                                  <p:stCondLst>
+                                    <p:cond delay="0"/>
+                                  </p:stCondLst>
+                                  <p:childTnLst>
+                                    <p:set>
+                                      <p:cBhvr>
+                                        <p:cTn id="6" dur="1" fill="hold">
+                                          <p:stCondLst>
+                                            <p:cond delay="0"/>
+                                          </p:stCondLst>
+                                        </p:cTn>
+                                        <p:tgtEl>
+                                          <p:spTgt spid="16"/>
+                                        </p:tgtEl>
+                                        <p:attrNameLst>
+                                          <p:attrName>style.visibility</p:attrName>
+                                        </p:attrNameLst>
+                                      </p:cBhvr>
+                                      <p:to>
+                                        <p:strVal val="visible"/>
+                                      </p:to>
+                                    </p:set>
+                                  </p:childTnLst>
+                                </p:cTn>
+                              </p:par>
+                            </p:childTnLst>
+                          </p:cTn>
+                        </p:par>
+                      </p:childTnLst>
+                    </p:cTn>
+                  </p:par>
+                  <p:par>
+                    <p:cTn id="7" fill="hold">
+                      <p:stCondLst>
+                        <p:cond delay="indefinite"/>
+                      </p:stCondLst>
+                      <p:childTnLst>
+                        <p:par>
+                          <p:cTn id="8" fill="hold">
+                            <p:stCondLst>
+                              <p:cond delay="0"/>
+                            </p:stCondLst>
+                            <p:childTnLst>
+                              <p:par>
+                                <p:cTn id="9" presetID="1" presetClass="entr" presetSubtype="0" fill="hold" grpId="0" nodeType="clickEffect">
+                                  <p:stCondLst>
+                                    <p:cond delay="0"/>
+                                  </p:stCondLst>
+                                  <p:childTnLst>
+                                    <p:set>
+                                      <p:cBhvr>
+                                        <p:cTn id="10" dur="1" fill="hold">
+                                          <p:stCondLst>
+                                            <p:cond delay="0"/>
+                                          </p:stCondLst>
+                                        </p:cTn>
+                                        <p:tgtEl>
+                                          <p:spTgt spid="19"/>
+                                        </p:tgtEl>
+                                        <p:attrNameLst>
+                                          <p:attrName>style.visibility</p:attrName>
+                                        </p:attrNameLst>
+                                      </p:cBhvr>
+                                      <p:to>
+                                        <p:strVal val="visible"/>
+                                      </p:to>
+                                    </p:set>
+                                  </p:childTnLst>
+                                </p:cTn>
+                              </p:par>
+                            </p:childTnLst>
+                          </p:cTn>
+                        </p:par>
+                      </p:childTnLst>
+                    </p:cTn>
+                  </p:par>
+                  <p:par>
+                    <p:cTn id="11" fill="hold">
+                      <p:stCondLst>
+                        <p:cond delay="indefinite"/>
+                      </p:stCondLst>
+                      <p:childTnLst>
+                        <p:par>
+                          <p:cTn id="12" fill="hold">
+                            <p:stCondLst>
+                              <p:cond delay="0"/>
+                            </p:stCondLst>
+                            <p:childTnLst>
+                              <p:par>
+                                <p:cTn id="13" presetID="1" presetClass="entr" presetSubtype="0" fill="hold" nodeType="clickEffect">
+                                  <p:stCondLst>
+                                    <p:cond delay="0"/>
+                                  </p:stCondLst>
+                                  <p:childTnLst>
+                                    <p:set>
+                                      <p:cBhvr>
+                                        <p:cTn id="14" dur="1" fill="hold">
+                                          <p:stCondLst>
+                                            <p:cond delay="0"/>
+                                          </p:stCondLst>
+                                        </p:cTn>
+                                        <p:tgtEl>
+                                          <p:spTgt spid="7"/>
+                                        </p:tgtEl>
+                                        <p:attrNameLst>
+                                          <p:attrName>style.visibility</p:attrName>
+                                        </p:attrNameLst>
+                                      </p:cBhvr>
+                                      <p:to>
+                                        <p:strVal val="visible"/>
+                                      </p:to>
+                                    </p:set>
+                                  </p:childTnLst>
+                                </p:cTn>
+                              </p:par>
+                            </p:childTnLst>
+                          </p:cTn>
+                        </p:par>
+                      </p:childTnLst>
+                    </p:cTn>
+                  </p:par>
+                </p:childTnLst>
+              </p:cTn>
+              <p:prevCondLst>
+                <p:cond evt="onPrev" delay="0">
+                  <p:tgtEl>
+                    <p:sldTgt/>
+                  </p:tgtEl>
+                </p:cond>
+              </p:prevCondLst>
+              <p:nextCondLst>
+                <p:cond evt="onNext" delay="0">
+                  <p:tgtEl>
+                    <p:sldTgt/>
+                  </p:tgtEl>
+                </p:cond>
+              </p:nextCondLst>
+            </p:seq>
+          </p:childTnLst>
+        </p:cTn>
+      </p:par>
+    </p:tnLst>
+    <p:bldLst>
+      <p:bldP spid="19" grpId="0" animBg="1"/>
+    </p:bldLst>
+  </p:timing>
+</p:sld>
+</file>
+
+<file path=ppt/slides/slide31.xml><?xml version="1.0" encoding="utf-8"?>
+<p:sld xmlns:a="http://schemas.openxmlformats.org/drawingml/2006/main" xmlns:r="http://schemas.openxmlformats.org/officeDocument/2006/relationships" xmlns:p="http://schemas.openxmlformats.org/presentationml/2006/main">
+  <p:cSld>
+    <p:spTree>
+      <p:nvGrpSpPr>
+        <p:cNvPr id="1" name=""/>
+        <p:cNvGrpSpPr/>
+        <p:nvPr/>
+      </p:nvGrpSpPr>
+      <p:grpSpPr>
+        <a:xfrm>
+          <a:off x="0" y="0"/>
+          <a:ext cx="0" cy="0"/>
+          <a:chOff x="0" y="0"/>
+          <a:chExt cx="0" cy="0"/>
+        </a:xfrm>
+      </p:grpSpPr>
+      <p:sp>
+        <p:nvSpPr>
+          <p:cNvPr id="5" name="Footer Placeholder 4">
+            <a:extLst>
+              <a:ext uri="{FF2B5EF4-FFF2-40B4-BE49-F238E27FC236}">
+                <a16:creationId xmlns:a16="http://schemas.microsoft.com/office/drawing/2014/main" id="{FBA5E267-D7B5-4DC8-ADA0-960941E355B9}"/>
+              </a:ext>
+            </a:extLst>
+          </p:cNvPr>
+          <p:cNvSpPr>
+            <a:spLocks noGrp="1"/>
+          </p:cNvSpPr>
+          <p:nvPr>
+            <p:ph type="ftr" sz="quarter" idx="10"/>
+          </p:nvPr>
+        </p:nvSpPr>
+        <p:spPr>
+          <a:xfrm>
+            <a:off x="4038600" y="6356350"/>
+            <a:ext cx="4114800" cy="365125"/>
+          </a:xfrm>
+        </p:spPr>
+        <p:txBody>
+          <a:bodyPr/>
+          <a:lstStyle/>
+          <a:p>
+            <a:r>
+              <a:rPr lang="en-US" altLang="en-US"/>
+              <a:t>©Copyright Apache Software Foundation</a:t>
+            </a:r>
+            <a:endParaRPr lang="en-US" altLang="en-US" dirty="0"/>
+          </a:p>
+        </p:txBody>
+      </p:sp>
+      <p:sp>
+        <p:nvSpPr>
+          <p:cNvPr id="6" name="Slide Number Placeholder 5">
+            <a:extLst>
+              <a:ext uri="{FF2B5EF4-FFF2-40B4-BE49-F238E27FC236}">
+                <a16:creationId xmlns:a16="http://schemas.microsoft.com/office/drawing/2014/main" id="{F1DB40B0-E2CB-4645-AD14-8E94AE4827C9}"/>
+              </a:ext>
+            </a:extLst>
+          </p:cNvPr>
+          <p:cNvSpPr>
+            <a:spLocks noGrp="1"/>
+          </p:cNvSpPr>
+          <p:nvPr>
+            <p:ph type="sldNum" sz="quarter" idx="11"/>
+          </p:nvPr>
+        </p:nvSpPr>
+        <p:spPr/>
+        <p:txBody>
+          <a:bodyPr/>
+          <a:lstStyle/>
+          <a:p>
+            <a:fld id="{27D3C2B7-BFCE-47F7-B76D-5DC27A3663B1}" type="slidenum">
+              <a:rPr lang="en-US" altLang="en-US" smtClean="0"/>
+              <a:pPr/>
+              <a:t>31</a:t>
+            </a:fld>
+            <a:endParaRPr lang="en-US" altLang="en-US"/>
+          </a:p>
+        </p:txBody>
+      </p:sp>
+      <p:pic>
+        <p:nvPicPr>
+          <p:cNvPr id="8" name="Picture 7">
+            <a:extLst>
+              <a:ext uri="{FF2B5EF4-FFF2-40B4-BE49-F238E27FC236}">
+                <a16:creationId xmlns:a16="http://schemas.microsoft.com/office/drawing/2014/main" id="{2795CB65-F350-4B11-949D-AD900C1B7D22}"/>
+              </a:ext>
+            </a:extLst>
+          </p:cNvPr>
+          <p:cNvPicPr>
+            <a:picLocks noChangeAspect="1"/>
+          </p:cNvPicPr>
+          <p:nvPr/>
+        </p:nvPicPr>
+        <p:blipFill>
+          <a:blip r:embed="rId2"/>
+          <a:stretch>
+            <a:fillRect/>
+          </a:stretch>
+        </p:blipFill>
+        <p:spPr>
+          <a:xfrm>
+            <a:off x="4191000" y="1676239"/>
+            <a:ext cx="3810000" cy="4292600"/>
+          </a:xfrm>
+          <a:prstGeom prst="rect">
+            <a:avLst/>
+          </a:prstGeom>
+        </p:spPr>
+      </p:pic>
+      <p:sp>
+        <p:nvSpPr>
+          <p:cNvPr id="2" name="Date Placeholder 1">
+            <a:extLst>
+              <a:ext uri="{FF2B5EF4-FFF2-40B4-BE49-F238E27FC236}">
+                <a16:creationId xmlns:a16="http://schemas.microsoft.com/office/drawing/2014/main" id="{17324122-1B36-48C2-AA51-264A6903BC50}"/>
+              </a:ext>
+            </a:extLst>
+          </p:cNvPr>
+          <p:cNvSpPr>
+            <a:spLocks noGrp="1"/>
+          </p:cNvSpPr>
+          <p:nvPr>
+            <p:ph type="dt" sz="half" idx="12"/>
+          </p:nvPr>
+        </p:nvSpPr>
+        <p:spPr/>
+        <p:txBody>
+          <a:bodyPr/>
+          <a:lstStyle/>
+          <a:p>
+            <a:fld id="{1F9C297A-A773-438C-A189-3CB6981C78C2}" type="datetime1">
+              <a:rPr lang="en-US" smtClean="0"/>
+              <a:t>11/22/2017</a:t>
+            </a:fld>
+            <a:endParaRPr lang="en-US" dirty="0"/>
+          </a:p>
+        </p:txBody>
+      </p:sp>
+    </p:spTree>
+    <p:extLst>
+      <p:ext uri="{BB962C8B-B14F-4D97-AF65-F5344CB8AC3E}">
+        <p14:creationId xmlns:p14="http://schemas.microsoft.com/office/powerpoint/2010/main" val="923466072"/>
+      </p:ext>
+    </p:extLst>
+  </p:cSld>
+  <p:clrMapOvr>
+    <a:masterClrMapping/>
+  </p:clrMapOvr>
+</p:sld>
+</file>
+
 <file path=ppt/slides/slide4.xml><?xml version="1.0" encoding="utf-8"?>
 <p:sld xmlns:a="http://schemas.openxmlformats.org/drawingml/2006/main" xmlns:r="http://schemas.openxmlformats.org/officeDocument/2006/relationships" xmlns:p="http://schemas.openxmlformats.org/presentationml/2006/main">
   <p:cSld>
@@ -34541,7 +37865,7 @@
           <a:p>
             <a:fld id="{A943CBF3-DD08-4B43-857D-2B6E5185334E}" type="datetime1">
               <a:rPr lang="en-US" smtClean="0"/>
-              <a:t>11/9/2017</a:t>
+              <a:t>11/22/2017</a:t>
             </a:fld>
             <a:endParaRPr lang="en-US" dirty="0"/>
           </a:p>
@@ -35427,7 +38751,7 @@
           <a:p>
             <a:fld id="{EF6859CF-7BE2-491B-891B-32127F49A511}" type="datetime1">
               <a:rPr lang="en-US" smtClean="0"/>
-              <a:t>11/9/2017</a:t>
+              <a:t>11/22/2017</a:t>
             </a:fld>
             <a:endParaRPr lang="en-US" dirty="0"/>
           </a:p>
@@ -36669,7 +39993,7 @@
           <a:p>
             <a:fld id="{FFF122D3-7248-47BC-BBF9-FD7B0A466F80}" type="datetime1">
               <a:rPr lang="en-US" smtClean="0"/>
-              <a:t>11/9/2017</a:t>
+              <a:t>11/22/2017</a:t>
             </a:fld>
             <a:endParaRPr lang="en-US" dirty="0"/>
           </a:p>
@@ -37481,1340 +40805,1361 @@
           </a:p>
         </p:txBody>
       </p:sp>
-      <p:sp>
-        <p:nvSpPr>
-          <p:cNvPr id="90" name="Rectangle 89">
-            <a:extLst>
-              <a:ext uri="{FF2B5EF4-FFF2-40B4-BE49-F238E27FC236}">
-                <a16:creationId xmlns:a16="http://schemas.microsoft.com/office/drawing/2014/main" id="{786969E1-03CC-44EC-B648-13303D355FC1}"/>
-              </a:ext>
-            </a:extLst>
-          </p:cNvPr>
-          <p:cNvSpPr/>
+      <p:grpSp>
+        <p:nvGrpSpPr>
+          <p:cNvPr id="7" name="Group 6">
+            <a:extLst>
+              <a:ext uri="{FF2B5EF4-FFF2-40B4-BE49-F238E27FC236}">
+                <a16:creationId xmlns:a16="http://schemas.microsoft.com/office/drawing/2014/main" id="{DDB9983A-07A1-496A-A48D-A525811C648B}"/>
+              </a:ext>
+            </a:extLst>
+          </p:cNvPr>
+          <p:cNvGrpSpPr/>
           <p:nvPr/>
-        </p:nvSpPr>
-        <p:spPr>
+        </p:nvGrpSpPr>
+        <p:grpSpPr>
           <a:xfrm>
-            <a:off x="9090591" y="3476637"/>
-            <a:ext cx="149752" cy="197708"/>
+            <a:off x="8432801" y="3735479"/>
+            <a:ext cx="3321798" cy="2266040"/>
+            <a:chOff x="9090591" y="3476637"/>
+            <a:chExt cx="2096528" cy="1166464"/>
           </a:xfrm>
-          <a:prstGeom prst="rect">
-            <a:avLst/>
-          </a:prstGeom>
-          <a:solidFill>
-            <a:srgbClr val="FFC000"/>
-          </a:solidFill>
-        </p:spPr>
-        <p:style>
-          <a:lnRef idx="1">
-            <a:schemeClr val="accent1"/>
-          </a:lnRef>
-          <a:fillRef idx="3">
-            <a:schemeClr val="accent1"/>
-          </a:fillRef>
-          <a:effectRef idx="2">
-            <a:schemeClr val="accent1"/>
-          </a:effectRef>
-          <a:fontRef idx="minor">
-            <a:schemeClr val="lt1"/>
-          </a:fontRef>
-        </p:style>
-        <p:txBody>
-          <a:bodyPr rtlCol="0" anchor="ctr"/>
-          <a:lstStyle/>
-          <a:p>
-            <a:pPr algn="ctr"/>
-            <a:endParaRPr lang="en-US" sz="2400"/>
-          </a:p>
-        </p:txBody>
-      </p:sp>
-      <p:sp>
-        <p:nvSpPr>
-          <p:cNvPr id="91" name="Rectangle 90">
-            <a:extLst>
-              <a:ext uri="{FF2B5EF4-FFF2-40B4-BE49-F238E27FC236}">
-                <a16:creationId xmlns:a16="http://schemas.microsoft.com/office/drawing/2014/main" id="{33873372-EA25-4285-B597-8E2CC1389EAA}"/>
-              </a:ext>
-            </a:extLst>
-          </p:cNvPr>
-          <p:cNvSpPr/>
-          <p:nvPr/>
-        </p:nvSpPr>
-        <p:spPr>
-          <a:xfrm>
-            <a:off x="9240343" y="3476637"/>
-            <a:ext cx="149752" cy="197708"/>
-          </a:xfrm>
-          <a:prstGeom prst="rect">
-            <a:avLst/>
-          </a:prstGeom>
-          <a:solidFill>
-            <a:srgbClr val="FFC000"/>
-          </a:solidFill>
-        </p:spPr>
-        <p:style>
-          <a:lnRef idx="1">
-            <a:schemeClr val="accent1"/>
-          </a:lnRef>
-          <a:fillRef idx="3">
-            <a:schemeClr val="accent1"/>
-          </a:fillRef>
-          <a:effectRef idx="2">
-            <a:schemeClr val="accent1"/>
-          </a:effectRef>
-          <a:fontRef idx="minor">
-            <a:schemeClr val="lt1"/>
-          </a:fontRef>
-        </p:style>
-        <p:txBody>
-          <a:bodyPr rtlCol="0" anchor="ctr"/>
-          <a:lstStyle/>
-          <a:p>
-            <a:pPr algn="ctr"/>
-            <a:endParaRPr lang="en-US" sz="2400"/>
-          </a:p>
-        </p:txBody>
-      </p:sp>
-      <p:sp>
-        <p:nvSpPr>
-          <p:cNvPr id="92" name="Rectangle 91">
-            <a:extLst>
-              <a:ext uri="{FF2B5EF4-FFF2-40B4-BE49-F238E27FC236}">
-                <a16:creationId xmlns:a16="http://schemas.microsoft.com/office/drawing/2014/main" id="{DB83E5BC-7A38-4460-94D9-16075AC17342}"/>
-              </a:ext>
-            </a:extLst>
-          </p:cNvPr>
-          <p:cNvSpPr/>
-          <p:nvPr/>
-        </p:nvSpPr>
-        <p:spPr>
-          <a:xfrm>
-            <a:off x="9390095" y="3476637"/>
-            <a:ext cx="149752" cy="197708"/>
-          </a:xfrm>
-          <a:prstGeom prst="rect">
-            <a:avLst/>
-          </a:prstGeom>
-          <a:solidFill>
-            <a:srgbClr val="FFC000"/>
-          </a:solidFill>
-        </p:spPr>
-        <p:style>
-          <a:lnRef idx="1">
-            <a:schemeClr val="accent1"/>
-          </a:lnRef>
-          <a:fillRef idx="3">
-            <a:schemeClr val="accent1"/>
-          </a:fillRef>
-          <a:effectRef idx="2">
-            <a:schemeClr val="accent1"/>
-          </a:effectRef>
-          <a:fontRef idx="minor">
-            <a:schemeClr val="lt1"/>
-          </a:fontRef>
-        </p:style>
-        <p:txBody>
-          <a:bodyPr rtlCol="0" anchor="ctr"/>
-          <a:lstStyle/>
-          <a:p>
-            <a:pPr algn="ctr"/>
-            <a:endParaRPr lang="en-US" sz="2400"/>
-          </a:p>
-        </p:txBody>
-      </p:sp>
-      <p:sp>
-        <p:nvSpPr>
-          <p:cNvPr id="93" name="Rectangle 92">
-            <a:extLst>
-              <a:ext uri="{FF2B5EF4-FFF2-40B4-BE49-F238E27FC236}">
-                <a16:creationId xmlns:a16="http://schemas.microsoft.com/office/drawing/2014/main" id="{C31D942E-55F3-4C74-98E9-DE2C8438FE7B}"/>
-              </a:ext>
-            </a:extLst>
-          </p:cNvPr>
-          <p:cNvSpPr/>
-          <p:nvPr/>
-        </p:nvSpPr>
-        <p:spPr>
-          <a:xfrm>
-            <a:off x="9539847" y="3476637"/>
-            <a:ext cx="149752" cy="197708"/>
-          </a:xfrm>
-          <a:prstGeom prst="rect">
-            <a:avLst/>
-          </a:prstGeom>
-          <a:solidFill>
-            <a:srgbClr val="FFC000"/>
-          </a:solidFill>
-        </p:spPr>
-        <p:style>
-          <a:lnRef idx="1">
-            <a:schemeClr val="accent1"/>
-          </a:lnRef>
-          <a:fillRef idx="3">
-            <a:schemeClr val="accent1"/>
-          </a:fillRef>
-          <a:effectRef idx="2">
-            <a:schemeClr val="accent1"/>
-          </a:effectRef>
-          <a:fontRef idx="minor">
-            <a:schemeClr val="lt1"/>
-          </a:fontRef>
-        </p:style>
-        <p:txBody>
-          <a:bodyPr rtlCol="0" anchor="ctr"/>
-          <a:lstStyle/>
-          <a:p>
-            <a:pPr algn="ctr"/>
-            <a:endParaRPr lang="en-US" sz="2400"/>
-          </a:p>
-        </p:txBody>
-      </p:sp>
-      <p:sp>
-        <p:nvSpPr>
-          <p:cNvPr id="94" name="Rectangle 93">
-            <a:extLst>
-              <a:ext uri="{FF2B5EF4-FFF2-40B4-BE49-F238E27FC236}">
-                <a16:creationId xmlns:a16="http://schemas.microsoft.com/office/drawing/2014/main" id="{7FDD2788-4DBD-4F08-8BB7-6C64AA9DECB9}"/>
-              </a:ext>
-            </a:extLst>
-          </p:cNvPr>
-          <p:cNvSpPr/>
-          <p:nvPr/>
-        </p:nvSpPr>
-        <p:spPr>
-          <a:xfrm>
-            <a:off x="9689599" y="3476637"/>
-            <a:ext cx="149752" cy="197708"/>
-          </a:xfrm>
-          <a:prstGeom prst="rect">
-            <a:avLst/>
-          </a:prstGeom>
-          <a:solidFill>
-            <a:srgbClr val="FFC000"/>
-          </a:solidFill>
-        </p:spPr>
-        <p:style>
-          <a:lnRef idx="1">
-            <a:schemeClr val="accent1"/>
-          </a:lnRef>
-          <a:fillRef idx="3">
-            <a:schemeClr val="accent1"/>
-          </a:fillRef>
-          <a:effectRef idx="2">
-            <a:schemeClr val="accent1"/>
-          </a:effectRef>
-          <a:fontRef idx="minor">
-            <a:schemeClr val="lt1"/>
-          </a:fontRef>
-        </p:style>
-        <p:txBody>
-          <a:bodyPr rtlCol="0" anchor="ctr"/>
-          <a:lstStyle/>
-          <a:p>
-            <a:pPr algn="ctr"/>
-            <a:endParaRPr lang="en-US" sz="2400"/>
-          </a:p>
-        </p:txBody>
-      </p:sp>
-      <p:sp>
-        <p:nvSpPr>
-          <p:cNvPr id="95" name="Rectangle 94">
-            <a:extLst>
-              <a:ext uri="{FF2B5EF4-FFF2-40B4-BE49-F238E27FC236}">
-                <a16:creationId xmlns:a16="http://schemas.microsoft.com/office/drawing/2014/main" id="{388B9C3F-EEF3-4B7D-8AC1-26D648837EBA}"/>
-              </a:ext>
-            </a:extLst>
-          </p:cNvPr>
-          <p:cNvSpPr/>
-          <p:nvPr/>
-        </p:nvSpPr>
-        <p:spPr>
-          <a:xfrm>
-            <a:off x="9839351" y="3476637"/>
-            <a:ext cx="149752" cy="197708"/>
-          </a:xfrm>
-          <a:prstGeom prst="rect">
-            <a:avLst/>
-          </a:prstGeom>
-          <a:solidFill>
-            <a:srgbClr val="FFC000"/>
-          </a:solidFill>
-        </p:spPr>
-        <p:style>
-          <a:lnRef idx="1">
-            <a:schemeClr val="accent1"/>
-          </a:lnRef>
-          <a:fillRef idx="3">
-            <a:schemeClr val="accent1"/>
-          </a:fillRef>
-          <a:effectRef idx="2">
-            <a:schemeClr val="accent1"/>
-          </a:effectRef>
-          <a:fontRef idx="minor">
-            <a:schemeClr val="lt1"/>
-          </a:fontRef>
-        </p:style>
-        <p:txBody>
-          <a:bodyPr rtlCol="0" anchor="ctr"/>
-          <a:lstStyle/>
-          <a:p>
-            <a:pPr algn="ctr"/>
-            <a:endParaRPr lang="en-US" sz="2400"/>
-          </a:p>
-        </p:txBody>
-      </p:sp>
-      <p:sp>
-        <p:nvSpPr>
-          <p:cNvPr id="96" name="Rectangle 95">
-            <a:extLst>
-              <a:ext uri="{FF2B5EF4-FFF2-40B4-BE49-F238E27FC236}">
-                <a16:creationId xmlns:a16="http://schemas.microsoft.com/office/drawing/2014/main" id="{4683BE79-7D59-4965-BB9E-C6492E47FBFA}"/>
-              </a:ext>
-            </a:extLst>
-          </p:cNvPr>
-          <p:cNvSpPr/>
-          <p:nvPr/>
-        </p:nvSpPr>
-        <p:spPr>
-          <a:xfrm>
-            <a:off x="9989103" y="3476637"/>
-            <a:ext cx="149752" cy="197708"/>
-          </a:xfrm>
-          <a:prstGeom prst="rect">
-            <a:avLst/>
-          </a:prstGeom>
-          <a:solidFill>
-            <a:srgbClr val="FFC000"/>
-          </a:solidFill>
-        </p:spPr>
-        <p:style>
-          <a:lnRef idx="1">
-            <a:schemeClr val="accent1"/>
-          </a:lnRef>
-          <a:fillRef idx="3">
-            <a:schemeClr val="accent1"/>
-          </a:fillRef>
-          <a:effectRef idx="2">
-            <a:schemeClr val="accent1"/>
-          </a:effectRef>
-          <a:fontRef idx="minor">
-            <a:schemeClr val="lt1"/>
-          </a:fontRef>
-        </p:style>
-        <p:txBody>
-          <a:bodyPr rtlCol="0" anchor="ctr"/>
-          <a:lstStyle/>
-          <a:p>
-            <a:pPr algn="ctr"/>
-            <a:endParaRPr lang="en-US" sz="2400"/>
-          </a:p>
-        </p:txBody>
-      </p:sp>
-      <p:sp>
-        <p:nvSpPr>
-          <p:cNvPr id="97" name="Rectangle 96">
-            <a:extLst>
-              <a:ext uri="{FF2B5EF4-FFF2-40B4-BE49-F238E27FC236}">
-                <a16:creationId xmlns:a16="http://schemas.microsoft.com/office/drawing/2014/main" id="{CA0F7223-5D86-413A-AA64-4826764D5E10}"/>
-              </a:ext>
-            </a:extLst>
-          </p:cNvPr>
-          <p:cNvSpPr/>
-          <p:nvPr/>
-        </p:nvSpPr>
-        <p:spPr>
-          <a:xfrm>
-            <a:off x="10138855" y="3476637"/>
-            <a:ext cx="149752" cy="197708"/>
-          </a:xfrm>
-          <a:prstGeom prst="rect">
-            <a:avLst/>
-          </a:prstGeom>
-          <a:solidFill>
-            <a:srgbClr val="FFC000"/>
-          </a:solidFill>
-        </p:spPr>
-        <p:style>
-          <a:lnRef idx="1">
-            <a:schemeClr val="accent1"/>
-          </a:lnRef>
-          <a:fillRef idx="3">
-            <a:schemeClr val="accent1"/>
-          </a:fillRef>
-          <a:effectRef idx="2">
-            <a:schemeClr val="accent1"/>
-          </a:effectRef>
-          <a:fontRef idx="minor">
-            <a:schemeClr val="lt1"/>
-          </a:fontRef>
-        </p:style>
-        <p:txBody>
-          <a:bodyPr rtlCol="0" anchor="ctr"/>
-          <a:lstStyle/>
-          <a:p>
-            <a:pPr algn="ctr"/>
-            <a:endParaRPr lang="en-US" sz="2400"/>
-          </a:p>
-        </p:txBody>
-      </p:sp>
-      <p:sp>
-        <p:nvSpPr>
-          <p:cNvPr id="98" name="Rectangle 97">
-            <a:extLst>
-              <a:ext uri="{FF2B5EF4-FFF2-40B4-BE49-F238E27FC236}">
-                <a16:creationId xmlns:a16="http://schemas.microsoft.com/office/drawing/2014/main" id="{F09803C6-1A90-4C89-87A8-2F3A8C50E57A}"/>
-              </a:ext>
-            </a:extLst>
-          </p:cNvPr>
-          <p:cNvSpPr/>
-          <p:nvPr/>
-        </p:nvSpPr>
-        <p:spPr>
-          <a:xfrm>
-            <a:off x="10288607" y="3476637"/>
-            <a:ext cx="149752" cy="197708"/>
-          </a:xfrm>
-          <a:prstGeom prst="rect">
-            <a:avLst/>
-          </a:prstGeom>
-          <a:solidFill>
-            <a:srgbClr val="FFC000"/>
-          </a:solidFill>
-        </p:spPr>
-        <p:style>
-          <a:lnRef idx="1">
-            <a:schemeClr val="accent1"/>
-          </a:lnRef>
-          <a:fillRef idx="3">
-            <a:schemeClr val="accent1"/>
-          </a:fillRef>
-          <a:effectRef idx="2">
-            <a:schemeClr val="accent1"/>
-          </a:effectRef>
-          <a:fontRef idx="minor">
-            <a:schemeClr val="lt1"/>
-          </a:fontRef>
-        </p:style>
-        <p:txBody>
-          <a:bodyPr rtlCol="0" anchor="ctr"/>
-          <a:lstStyle/>
-          <a:p>
-            <a:pPr algn="ctr"/>
-            <a:endParaRPr lang="en-US" sz="2400"/>
-          </a:p>
-        </p:txBody>
-      </p:sp>
-      <p:sp>
-        <p:nvSpPr>
-          <p:cNvPr id="99" name="Rectangle 98">
-            <a:extLst>
-              <a:ext uri="{FF2B5EF4-FFF2-40B4-BE49-F238E27FC236}">
-                <a16:creationId xmlns:a16="http://schemas.microsoft.com/office/drawing/2014/main" id="{99D83187-3996-4A72-9074-DD832BA92CA6}"/>
-              </a:ext>
-            </a:extLst>
-          </p:cNvPr>
-          <p:cNvSpPr/>
-          <p:nvPr/>
-        </p:nvSpPr>
-        <p:spPr>
-          <a:xfrm>
-            <a:off x="10438359" y="3476637"/>
-            <a:ext cx="149752" cy="197708"/>
-          </a:xfrm>
-          <a:prstGeom prst="rect">
-            <a:avLst/>
-          </a:prstGeom>
-          <a:solidFill>
-            <a:srgbClr val="FFC000"/>
-          </a:solidFill>
-        </p:spPr>
-        <p:style>
-          <a:lnRef idx="1">
-            <a:schemeClr val="accent1"/>
-          </a:lnRef>
-          <a:fillRef idx="3">
-            <a:schemeClr val="accent1"/>
-          </a:fillRef>
-          <a:effectRef idx="2">
-            <a:schemeClr val="accent1"/>
-          </a:effectRef>
-          <a:fontRef idx="minor">
-            <a:schemeClr val="lt1"/>
-          </a:fontRef>
-        </p:style>
-        <p:txBody>
-          <a:bodyPr rtlCol="0" anchor="ctr"/>
-          <a:lstStyle/>
-          <a:p>
-            <a:pPr algn="ctr"/>
-            <a:endParaRPr lang="en-US" sz="2400"/>
-          </a:p>
-        </p:txBody>
-      </p:sp>
-      <p:sp>
-        <p:nvSpPr>
-          <p:cNvPr id="100" name="Rectangle 99">
-            <a:extLst>
-              <a:ext uri="{FF2B5EF4-FFF2-40B4-BE49-F238E27FC236}">
-                <a16:creationId xmlns:a16="http://schemas.microsoft.com/office/drawing/2014/main" id="{A5487FA8-F813-4018-AD10-E70B6E9B658C}"/>
-              </a:ext>
-            </a:extLst>
-          </p:cNvPr>
-          <p:cNvSpPr/>
-          <p:nvPr/>
-        </p:nvSpPr>
-        <p:spPr>
-          <a:xfrm>
-            <a:off x="10588111" y="3476637"/>
-            <a:ext cx="149752" cy="197708"/>
-          </a:xfrm>
-          <a:prstGeom prst="rect">
-            <a:avLst/>
-          </a:prstGeom>
-          <a:solidFill>
-            <a:srgbClr val="FFC000"/>
-          </a:solidFill>
-        </p:spPr>
-        <p:style>
-          <a:lnRef idx="1">
-            <a:schemeClr val="accent1"/>
-          </a:lnRef>
-          <a:fillRef idx="3">
-            <a:schemeClr val="accent1"/>
-          </a:fillRef>
-          <a:effectRef idx="2">
-            <a:schemeClr val="accent1"/>
-          </a:effectRef>
-          <a:fontRef idx="minor">
-            <a:schemeClr val="lt1"/>
-          </a:fontRef>
-        </p:style>
-        <p:txBody>
-          <a:bodyPr rtlCol="0" anchor="ctr"/>
-          <a:lstStyle/>
-          <a:p>
-            <a:pPr algn="ctr"/>
-            <a:endParaRPr lang="en-US" sz="2400"/>
-          </a:p>
-        </p:txBody>
-      </p:sp>
-      <p:sp>
-        <p:nvSpPr>
-          <p:cNvPr id="101" name="Rectangle 100">
-            <a:extLst>
-              <a:ext uri="{FF2B5EF4-FFF2-40B4-BE49-F238E27FC236}">
-                <a16:creationId xmlns:a16="http://schemas.microsoft.com/office/drawing/2014/main" id="{E1ECC10B-5510-44D1-A2ED-61A84852B5CE}"/>
-              </a:ext>
-            </a:extLst>
-          </p:cNvPr>
-          <p:cNvSpPr/>
-          <p:nvPr/>
-        </p:nvSpPr>
-        <p:spPr>
-          <a:xfrm>
-            <a:off x="10737863" y="3476637"/>
-            <a:ext cx="149752" cy="197708"/>
-          </a:xfrm>
-          <a:prstGeom prst="rect">
-            <a:avLst/>
-          </a:prstGeom>
-          <a:solidFill>
-            <a:srgbClr val="FFC000"/>
-          </a:solidFill>
-        </p:spPr>
-        <p:style>
-          <a:lnRef idx="1">
-            <a:schemeClr val="accent1"/>
-          </a:lnRef>
-          <a:fillRef idx="3">
-            <a:schemeClr val="accent1"/>
-          </a:fillRef>
-          <a:effectRef idx="2">
-            <a:schemeClr val="accent1"/>
-          </a:effectRef>
-          <a:fontRef idx="minor">
-            <a:schemeClr val="lt1"/>
-          </a:fontRef>
-        </p:style>
-        <p:txBody>
-          <a:bodyPr rtlCol="0" anchor="ctr"/>
-          <a:lstStyle/>
-          <a:p>
-            <a:pPr algn="ctr"/>
-            <a:endParaRPr lang="en-US" sz="2400"/>
-          </a:p>
-        </p:txBody>
-      </p:sp>
-      <p:sp>
-        <p:nvSpPr>
-          <p:cNvPr id="102" name="Rectangle 101">
-            <a:extLst>
-              <a:ext uri="{FF2B5EF4-FFF2-40B4-BE49-F238E27FC236}">
-                <a16:creationId xmlns:a16="http://schemas.microsoft.com/office/drawing/2014/main" id="{59C8D501-2212-497E-96FA-68C3DB90B90F}"/>
-              </a:ext>
-            </a:extLst>
-          </p:cNvPr>
-          <p:cNvSpPr/>
-          <p:nvPr/>
-        </p:nvSpPr>
-        <p:spPr>
-          <a:xfrm>
-            <a:off x="10887615" y="3476637"/>
-            <a:ext cx="149752" cy="197708"/>
-          </a:xfrm>
-          <a:prstGeom prst="rect">
-            <a:avLst/>
-          </a:prstGeom>
-          <a:solidFill>
-            <a:srgbClr val="FFC000"/>
-          </a:solidFill>
-        </p:spPr>
-        <p:style>
-          <a:lnRef idx="1">
-            <a:schemeClr val="accent1"/>
-          </a:lnRef>
-          <a:fillRef idx="3">
-            <a:schemeClr val="accent1"/>
-          </a:fillRef>
-          <a:effectRef idx="2">
-            <a:schemeClr val="accent1"/>
-          </a:effectRef>
-          <a:fontRef idx="minor">
-            <a:schemeClr val="lt1"/>
-          </a:fontRef>
-        </p:style>
-        <p:txBody>
-          <a:bodyPr rtlCol="0" anchor="ctr"/>
-          <a:lstStyle/>
-          <a:p>
-            <a:pPr algn="ctr"/>
-            <a:endParaRPr lang="en-US" sz="2400"/>
-          </a:p>
-        </p:txBody>
-      </p:sp>
-      <p:sp>
-        <p:nvSpPr>
-          <p:cNvPr id="103" name="Rectangle 102">
-            <a:extLst>
-              <a:ext uri="{FF2B5EF4-FFF2-40B4-BE49-F238E27FC236}">
-                <a16:creationId xmlns:a16="http://schemas.microsoft.com/office/drawing/2014/main" id="{BE5802C3-E8FA-46C0-86E0-137FED57E0D0}"/>
-              </a:ext>
-            </a:extLst>
-          </p:cNvPr>
-          <p:cNvSpPr/>
-          <p:nvPr/>
-        </p:nvSpPr>
-        <p:spPr>
-          <a:xfrm>
-            <a:off x="11037367" y="3476637"/>
-            <a:ext cx="149752" cy="197708"/>
-          </a:xfrm>
-          <a:prstGeom prst="rect">
-            <a:avLst/>
-          </a:prstGeom>
-          <a:solidFill>
-            <a:srgbClr val="FFC000"/>
-          </a:solidFill>
-        </p:spPr>
-        <p:style>
-          <a:lnRef idx="1">
-            <a:schemeClr val="accent1"/>
-          </a:lnRef>
-          <a:fillRef idx="3">
-            <a:schemeClr val="accent1"/>
-          </a:fillRef>
-          <a:effectRef idx="2">
-            <a:schemeClr val="accent1"/>
-          </a:effectRef>
-          <a:fontRef idx="minor">
-            <a:schemeClr val="lt1"/>
-          </a:fontRef>
-        </p:style>
-        <p:txBody>
-          <a:bodyPr rtlCol="0" anchor="ctr"/>
-          <a:lstStyle/>
-          <a:p>
-            <a:pPr algn="ctr"/>
-            <a:endParaRPr lang="en-US" sz="2400"/>
-          </a:p>
-        </p:txBody>
-      </p:sp>
-      <p:cxnSp>
-        <p:nvCxnSpPr>
-          <p:cNvPr id="104" name="Straight Arrow Connector 103">
-            <a:extLst>
-              <a:ext uri="{FF2B5EF4-FFF2-40B4-BE49-F238E27FC236}">
-                <a16:creationId xmlns:a16="http://schemas.microsoft.com/office/drawing/2014/main" id="{5CAE64C1-8982-4380-B858-359C8C199E89}"/>
-              </a:ext>
-            </a:extLst>
-          </p:cNvPr>
-          <p:cNvCxnSpPr>
-            <a:cxnSpLocks/>
-          </p:cNvCxnSpPr>
-          <p:nvPr/>
-        </p:nvCxnSpPr>
-        <p:spPr>
-          <a:xfrm flipV="1">
-            <a:off x="9745947" y="3674345"/>
-            <a:ext cx="0" cy="930656"/>
-          </a:xfrm>
-          <a:prstGeom prst="straightConnector1">
-            <a:avLst/>
-          </a:prstGeom>
-          <a:ln>
-            <a:tailEnd type="triangle"/>
-          </a:ln>
-        </p:spPr>
-        <p:style>
-          <a:lnRef idx="2">
-            <a:schemeClr val="accent1"/>
-          </a:lnRef>
-          <a:fillRef idx="0">
-            <a:schemeClr val="accent1"/>
-          </a:fillRef>
-          <a:effectRef idx="1">
-            <a:schemeClr val="accent1"/>
-          </a:effectRef>
-          <a:fontRef idx="minor">
-            <a:schemeClr val="tx1"/>
-          </a:fontRef>
-        </p:style>
-      </p:cxnSp>
-      <p:cxnSp>
-        <p:nvCxnSpPr>
-          <p:cNvPr id="105" name="Straight Arrow Connector 104">
-            <a:extLst>
-              <a:ext uri="{FF2B5EF4-FFF2-40B4-BE49-F238E27FC236}">
-                <a16:creationId xmlns:a16="http://schemas.microsoft.com/office/drawing/2014/main" id="{CAFAC192-19E1-4A23-979D-C0D8BC3B9736}"/>
-              </a:ext>
-            </a:extLst>
-          </p:cNvPr>
-          <p:cNvCxnSpPr>
-            <a:cxnSpLocks/>
-          </p:cNvCxnSpPr>
-          <p:nvPr/>
-        </p:nvCxnSpPr>
-        <p:spPr>
-          <a:xfrm flipV="1">
-            <a:off x="10638944" y="3674345"/>
-            <a:ext cx="15053" cy="930656"/>
-          </a:xfrm>
-          <a:prstGeom prst="straightConnector1">
-            <a:avLst/>
-          </a:prstGeom>
-          <a:ln>
-            <a:tailEnd type="triangle"/>
-          </a:ln>
-        </p:spPr>
-        <p:style>
-          <a:lnRef idx="2">
-            <a:schemeClr val="accent1"/>
-          </a:lnRef>
-          <a:fillRef idx="0">
-            <a:schemeClr val="accent1"/>
-          </a:fillRef>
-          <a:effectRef idx="1">
-            <a:schemeClr val="accent1"/>
-          </a:effectRef>
-          <a:fontRef idx="minor">
-            <a:schemeClr val="tx1"/>
-          </a:fontRef>
-        </p:style>
-      </p:cxnSp>
-      <p:sp>
-        <p:nvSpPr>
-          <p:cNvPr id="106" name="Rectangle 105">
-            <a:extLst>
-              <a:ext uri="{FF2B5EF4-FFF2-40B4-BE49-F238E27FC236}">
-                <a16:creationId xmlns:a16="http://schemas.microsoft.com/office/drawing/2014/main" id="{0C7DFA08-A9D0-4A1E-AC98-2BDE0B407EAA}"/>
-              </a:ext>
-            </a:extLst>
-          </p:cNvPr>
-          <p:cNvSpPr/>
-          <p:nvPr/>
-        </p:nvSpPr>
-        <p:spPr>
-          <a:xfrm>
-            <a:off x="9944797" y="3977335"/>
-            <a:ext cx="495300" cy="76200"/>
-          </a:xfrm>
-          <a:prstGeom prst="rect">
-            <a:avLst/>
-          </a:prstGeom>
-          <a:gradFill>
-            <a:gsLst>
-              <a:gs pos="0">
-                <a:schemeClr val="accent1">
-                  <a:lumMod val="40000"/>
-                  <a:lumOff val="60000"/>
-                </a:schemeClr>
-              </a:gs>
-              <a:gs pos="50000">
-                <a:schemeClr val="accent1">
-                  <a:lumMod val="60000"/>
-                  <a:lumOff val="40000"/>
-                </a:schemeClr>
-              </a:gs>
-              <a:gs pos="100000">
-                <a:schemeClr val="accent1">
-                  <a:lumMod val="99000"/>
-                  <a:satMod val="120000"/>
-                  <a:shade val="78000"/>
-                </a:schemeClr>
-              </a:gs>
-            </a:gsLst>
-          </a:gradFill>
-        </p:spPr>
-        <p:style>
-          <a:lnRef idx="1">
-            <a:schemeClr val="accent1"/>
-          </a:lnRef>
-          <a:fillRef idx="3">
-            <a:schemeClr val="accent1"/>
-          </a:fillRef>
-          <a:effectRef idx="2">
-            <a:schemeClr val="accent1"/>
-          </a:effectRef>
-          <a:fontRef idx="minor">
-            <a:schemeClr val="lt1"/>
-          </a:fontRef>
-        </p:style>
-        <p:txBody>
-          <a:bodyPr rtlCol="0" anchor="ctr"/>
-          <a:lstStyle/>
-          <a:p>
-            <a:pPr algn="ctr"/>
-            <a:r>
-              <a:rPr lang="en-US" sz="1333" dirty="0">
-                <a:solidFill>
-                  <a:schemeClr val="tx1">
-                    <a:lumMod val="50000"/>
+        </p:grpSpPr>
+        <p:sp>
+          <p:nvSpPr>
+            <p:cNvPr id="90" name="Rectangle 89">
+              <a:extLst>
+                <a:ext uri="{FF2B5EF4-FFF2-40B4-BE49-F238E27FC236}">
+                  <a16:creationId xmlns:a16="http://schemas.microsoft.com/office/drawing/2014/main" id="{786969E1-03CC-44EC-B648-13303D355FC1}"/>
+                </a:ext>
+              </a:extLst>
+            </p:cNvPr>
+            <p:cNvSpPr/>
+            <p:nvPr/>
+          </p:nvSpPr>
+          <p:spPr>
+            <a:xfrm>
+              <a:off x="9090591" y="3476637"/>
+              <a:ext cx="149752" cy="197708"/>
+            </a:xfrm>
+            <a:prstGeom prst="rect">
+              <a:avLst/>
+            </a:prstGeom>
+            <a:solidFill>
+              <a:srgbClr val="FFC000"/>
+            </a:solidFill>
+          </p:spPr>
+          <p:style>
+            <a:lnRef idx="1">
+              <a:schemeClr val="accent1"/>
+            </a:lnRef>
+            <a:fillRef idx="3">
+              <a:schemeClr val="accent1"/>
+            </a:fillRef>
+            <a:effectRef idx="2">
+              <a:schemeClr val="accent1"/>
+            </a:effectRef>
+            <a:fontRef idx="minor">
+              <a:schemeClr val="lt1"/>
+            </a:fontRef>
+          </p:style>
+          <p:txBody>
+            <a:bodyPr rtlCol="0" anchor="ctr"/>
+            <a:lstStyle/>
+            <a:p>
+              <a:pPr algn="ctr"/>
+              <a:endParaRPr lang="en-US" sz="2400"/>
+            </a:p>
+          </p:txBody>
+        </p:sp>
+        <p:sp>
+          <p:nvSpPr>
+            <p:cNvPr id="91" name="Rectangle 90">
+              <a:extLst>
+                <a:ext uri="{FF2B5EF4-FFF2-40B4-BE49-F238E27FC236}">
+                  <a16:creationId xmlns:a16="http://schemas.microsoft.com/office/drawing/2014/main" id="{33873372-EA25-4285-B597-8E2CC1389EAA}"/>
+                </a:ext>
+              </a:extLst>
+            </p:cNvPr>
+            <p:cNvSpPr/>
+            <p:nvPr/>
+          </p:nvSpPr>
+          <p:spPr>
+            <a:xfrm>
+              <a:off x="9240343" y="3476637"/>
+              <a:ext cx="149752" cy="197708"/>
+            </a:xfrm>
+            <a:prstGeom prst="rect">
+              <a:avLst/>
+            </a:prstGeom>
+            <a:solidFill>
+              <a:srgbClr val="FFC000"/>
+            </a:solidFill>
+          </p:spPr>
+          <p:style>
+            <a:lnRef idx="1">
+              <a:schemeClr val="accent1"/>
+            </a:lnRef>
+            <a:fillRef idx="3">
+              <a:schemeClr val="accent1"/>
+            </a:fillRef>
+            <a:effectRef idx="2">
+              <a:schemeClr val="accent1"/>
+            </a:effectRef>
+            <a:fontRef idx="minor">
+              <a:schemeClr val="lt1"/>
+            </a:fontRef>
+          </p:style>
+          <p:txBody>
+            <a:bodyPr rtlCol="0" anchor="ctr"/>
+            <a:lstStyle/>
+            <a:p>
+              <a:pPr algn="ctr"/>
+              <a:endParaRPr lang="en-US" sz="2400"/>
+            </a:p>
+          </p:txBody>
+        </p:sp>
+        <p:sp>
+          <p:nvSpPr>
+            <p:cNvPr id="92" name="Rectangle 91">
+              <a:extLst>
+                <a:ext uri="{FF2B5EF4-FFF2-40B4-BE49-F238E27FC236}">
+                  <a16:creationId xmlns:a16="http://schemas.microsoft.com/office/drawing/2014/main" id="{DB83E5BC-7A38-4460-94D9-16075AC17342}"/>
+                </a:ext>
+              </a:extLst>
+            </p:cNvPr>
+            <p:cNvSpPr/>
+            <p:nvPr/>
+          </p:nvSpPr>
+          <p:spPr>
+            <a:xfrm>
+              <a:off x="9390095" y="3476637"/>
+              <a:ext cx="149752" cy="197708"/>
+            </a:xfrm>
+            <a:prstGeom prst="rect">
+              <a:avLst/>
+            </a:prstGeom>
+            <a:solidFill>
+              <a:srgbClr val="FFC000"/>
+            </a:solidFill>
+          </p:spPr>
+          <p:style>
+            <a:lnRef idx="1">
+              <a:schemeClr val="accent1"/>
+            </a:lnRef>
+            <a:fillRef idx="3">
+              <a:schemeClr val="accent1"/>
+            </a:fillRef>
+            <a:effectRef idx="2">
+              <a:schemeClr val="accent1"/>
+            </a:effectRef>
+            <a:fontRef idx="minor">
+              <a:schemeClr val="lt1"/>
+            </a:fontRef>
+          </p:style>
+          <p:txBody>
+            <a:bodyPr rtlCol="0" anchor="ctr"/>
+            <a:lstStyle/>
+            <a:p>
+              <a:pPr algn="ctr"/>
+              <a:endParaRPr lang="en-US" sz="2400"/>
+            </a:p>
+          </p:txBody>
+        </p:sp>
+        <p:sp>
+          <p:nvSpPr>
+            <p:cNvPr id="93" name="Rectangle 92">
+              <a:extLst>
+                <a:ext uri="{FF2B5EF4-FFF2-40B4-BE49-F238E27FC236}">
+                  <a16:creationId xmlns:a16="http://schemas.microsoft.com/office/drawing/2014/main" id="{C31D942E-55F3-4C74-98E9-DE2C8438FE7B}"/>
+                </a:ext>
+              </a:extLst>
+            </p:cNvPr>
+            <p:cNvSpPr/>
+            <p:nvPr/>
+          </p:nvSpPr>
+          <p:spPr>
+            <a:xfrm>
+              <a:off x="9539847" y="3476637"/>
+              <a:ext cx="149752" cy="197708"/>
+            </a:xfrm>
+            <a:prstGeom prst="rect">
+              <a:avLst/>
+            </a:prstGeom>
+            <a:solidFill>
+              <a:srgbClr val="FFC000"/>
+            </a:solidFill>
+          </p:spPr>
+          <p:style>
+            <a:lnRef idx="1">
+              <a:schemeClr val="accent1"/>
+            </a:lnRef>
+            <a:fillRef idx="3">
+              <a:schemeClr val="accent1"/>
+            </a:fillRef>
+            <a:effectRef idx="2">
+              <a:schemeClr val="accent1"/>
+            </a:effectRef>
+            <a:fontRef idx="minor">
+              <a:schemeClr val="lt1"/>
+            </a:fontRef>
+          </p:style>
+          <p:txBody>
+            <a:bodyPr rtlCol="0" anchor="ctr"/>
+            <a:lstStyle/>
+            <a:p>
+              <a:pPr algn="ctr"/>
+              <a:endParaRPr lang="en-US" sz="2400"/>
+            </a:p>
+          </p:txBody>
+        </p:sp>
+        <p:sp>
+          <p:nvSpPr>
+            <p:cNvPr id="94" name="Rectangle 93">
+              <a:extLst>
+                <a:ext uri="{FF2B5EF4-FFF2-40B4-BE49-F238E27FC236}">
+                  <a16:creationId xmlns:a16="http://schemas.microsoft.com/office/drawing/2014/main" id="{7FDD2788-4DBD-4F08-8BB7-6C64AA9DECB9}"/>
+                </a:ext>
+              </a:extLst>
+            </p:cNvPr>
+            <p:cNvSpPr/>
+            <p:nvPr/>
+          </p:nvSpPr>
+          <p:spPr>
+            <a:xfrm>
+              <a:off x="9689599" y="3476637"/>
+              <a:ext cx="149752" cy="197708"/>
+            </a:xfrm>
+            <a:prstGeom prst="rect">
+              <a:avLst/>
+            </a:prstGeom>
+            <a:solidFill>
+              <a:srgbClr val="FFC000"/>
+            </a:solidFill>
+          </p:spPr>
+          <p:style>
+            <a:lnRef idx="1">
+              <a:schemeClr val="accent1"/>
+            </a:lnRef>
+            <a:fillRef idx="3">
+              <a:schemeClr val="accent1"/>
+            </a:fillRef>
+            <a:effectRef idx="2">
+              <a:schemeClr val="accent1"/>
+            </a:effectRef>
+            <a:fontRef idx="minor">
+              <a:schemeClr val="lt1"/>
+            </a:fontRef>
+          </p:style>
+          <p:txBody>
+            <a:bodyPr rtlCol="0" anchor="ctr"/>
+            <a:lstStyle/>
+            <a:p>
+              <a:pPr algn="ctr"/>
+              <a:endParaRPr lang="en-US" sz="2400"/>
+            </a:p>
+          </p:txBody>
+        </p:sp>
+        <p:sp>
+          <p:nvSpPr>
+            <p:cNvPr id="95" name="Rectangle 94">
+              <a:extLst>
+                <a:ext uri="{FF2B5EF4-FFF2-40B4-BE49-F238E27FC236}">
+                  <a16:creationId xmlns:a16="http://schemas.microsoft.com/office/drawing/2014/main" id="{388B9C3F-EEF3-4B7D-8AC1-26D648837EBA}"/>
+                </a:ext>
+              </a:extLst>
+            </p:cNvPr>
+            <p:cNvSpPr/>
+            <p:nvPr/>
+          </p:nvSpPr>
+          <p:spPr>
+            <a:xfrm>
+              <a:off x="9839351" y="3476637"/>
+              <a:ext cx="149752" cy="197708"/>
+            </a:xfrm>
+            <a:prstGeom prst="rect">
+              <a:avLst/>
+            </a:prstGeom>
+            <a:solidFill>
+              <a:srgbClr val="FFC000"/>
+            </a:solidFill>
+          </p:spPr>
+          <p:style>
+            <a:lnRef idx="1">
+              <a:schemeClr val="accent1"/>
+            </a:lnRef>
+            <a:fillRef idx="3">
+              <a:schemeClr val="accent1"/>
+            </a:fillRef>
+            <a:effectRef idx="2">
+              <a:schemeClr val="accent1"/>
+            </a:effectRef>
+            <a:fontRef idx="minor">
+              <a:schemeClr val="lt1"/>
+            </a:fontRef>
+          </p:style>
+          <p:txBody>
+            <a:bodyPr rtlCol="0" anchor="ctr"/>
+            <a:lstStyle/>
+            <a:p>
+              <a:pPr algn="ctr"/>
+              <a:endParaRPr lang="en-US" sz="2400"/>
+            </a:p>
+          </p:txBody>
+        </p:sp>
+        <p:sp>
+          <p:nvSpPr>
+            <p:cNvPr id="96" name="Rectangle 95">
+              <a:extLst>
+                <a:ext uri="{FF2B5EF4-FFF2-40B4-BE49-F238E27FC236}">
+                  <a16:creationId xmlns:a16="http://schemas.microsoft.com/office/drawing/2014/main" id="{4683BE79-7D59-4965-BB9E-C6492E47FBFA}"/>
+                </a:ext>
+              </a:extLst>
+            </p:cNvPr>
+            <p:cNvSpPr/>
+            <p:nvPr/>
+          </p:nvSpPr>
+          <p:spPr>
+            <a:xfrm>
+              <a:off x="9989103" y="3476637"/>
+              <a:ext cx="149752" cy="197708"/>
+            </a:xfrm>
+            <a:prstGeom prst="rect">
+              <a:avLst/>
+            </a:prstGeom>
+            <a:solidFill>
+              <a:srgbClr val="FFC000"/>
+            </a:solidFill>
+          </p:spPr>
+          <p:style>
+            <a:lnRef idx="1">
+              <a:schemeClr val="accent1"/>
+            </a:lnRef>
+            <a:fillRef idx="3">
+              <a:schemeClr val="accent1"/>
+            </a:fillRef>
+            <a:effectRef idx="2">
+              <a:schemeClr val="accent1"/>
+            </a:effectRef>
+            <a:fontRef idx="minor">
+              <a:schemeClr val="lt1"/>
+            </a:fontRef>
+          </p:style>
+          <p:txBody>
+            <a:bodyPr rtlCol="0" anchor="ctr"/>
+            <a:lstStyle/>
+            <a:p>
+              <a:pPr algn="ctr"/>
+              <a:endParaRPr lang="en-US" sz="2400"/>
+            </a:p>
+          </p:txBody>
+        </p:sp>
+        <p:sp>
+          <p:nvSpPr>
+            <p:cNvPr id="97" name="Rectangle 96">
+              <a:extLst>
+                <a:ext uri="{FF2B5EF4-FFF2-40B4-BE49-F238E27FC236}">
+                  <a16:creationId xmlns:a16="http://schemas.microsoft.com/office/drawing/2014/main" id="{CA0F7223-5D86-413A-AA64-4826764D5E10}"/>
+                </a:ext>
+              </a:extLst>
+            </p:cNvPr>
+            <p:cNvSpPr/>
+            <p:nvPr/>
+          </p:nvSpPr>
+          <p:spPr>
+            <a:xfrm>
+              <a:off x="10138855" y="3476637"/>
+              <a:ext cx="149752" cy="197708"/>
+            </a:xfrm>
+            <a:prstGeom prst="rect">
+              <a:avLst/>
+            </a:prstGeom>
+            <a:solidFill>
+              <a:srgbClr val="FFC000"/>
+            </a:solidFill>
+          </p:spPr>
+          <p:style>
+            <a:lnRef idx="1">
+              <a:schemeClr val="accent1"/>
+            </a:lnRef>
+            <a:fillRef idx="3">
+              <a:schemeClr val="accent1"/>
+            </a:fillRef>
+            <a:effectRef idx="2">
+              <a:schemeClr val="accent1"/>
+            </a:effectRef>
+            <a:fontRef idx="minor">
+              <a:schemeClr val="lt1"/>
+            </a:fontRef>
+          </p:style>
+          <p:txBody>
+            <a:bodyPr rtlCol="0" anchor="ctr"/>
+            <a:lstStyle/>
+            <a:p>
+              <a:pPr algn="ctr"/>
+              <a:endParaRPr lang="en-US" sz="2400"/>
+            </a:p>
+          </p:txBody>
+        </p:sp>
+        <p:sp>
+          <p:nvSpPr>
+            <p:cNvPr id="98" name="Rectangle 97">
+              <a:extLst>
+                <a:ext uri="{FF2B5EF4-FFF2-40B4-BE49-F238E27FC236}">
+                  <a16:creationId xmlns:a16="http://schemas.microsoft.com/office/drawing/2014/main" id="{F09803C6-1A90-4C89-87A8-2F3A8C50E57A}"/>
+                </a:ext>
+              </a:extLst>
+            </p:cNvPr>
+            <p:cNvSpPr/>
+            <p:nvPr/>
+          </p:nvSpPr>
+          <p:spPr>
+            <a:xfrm>
+              <a:off x="10288607" y="3476637"/>
+              <a:ext cx="149752" cy="197708"/>
+            </a:xfrm>
+            <a:prstGeom prst="rect">
+              <a:avLst/>
+            </a:prstGeom>
+            <a:solidFill>
+              <a:srgbClr val="FFC000"/>
+            </a:solidFill>
+          </p:spPr>
+          <p:style>
+            <a:lnRef idx="1">
+              <a:schemeClr val="accent1"/>
+            </a:lnRef>
+            <a:fillRef idx="3">
+              <a:schemeClr val="accent1"/>
+            </a:fillRef>
+            <a:effectRef idx="2">
+              <a:schemeClr val="accent1"/>
+            </a:effectRef>
+            <a:fontRef idx="minor">
+              <a:schemeClr val="lt1"/>
+            </a:fontRef>
+          </p:style>
+          <p:txBody>
+            <a:bodyPr rtlCol="0" anchor="ctr"/>
+            <a:lstStyle/>
+            <a:p>
+              <a:pPr algn="ctr"/>
+              <a:endParaRPr lang="en-US" sz="2400"/>
+            </a:p>
+          </p:txBody>
+        </p:sp>
+        <p:sp>
+          <p:nvSpPr>
+            <p:cNvPr id="99" name="Rectangle 98">
+              <a:extLst>
+                <a:ext uri="{FF2B5EF4-FFF2-40B4-BE49-F238E27FC236}">
+                  <a16:creationId xmlns:a16="http://schemas.microsoft.com/office/drawing/2014/main" id="{99D83187-3996-4A72-9074-DD832BA92CA6}"/>
+                </a:ext>
+              </a:extLst>
+            </p:cNvPr>
+            <p:cNvSpPr/>
+            <p:nvPr/>
+          </p:nvSpPr>
+          <p:spPr>
+            <a:xfrm>
+              <a:off x="10438359" y="3476637"/>
+              <a:ext cx="149752" cy="197708"/>
+            </a:xfrm>
+            <a:prstGeom prst="rect">
+              <a:avLst/>
+            </a:prstGeom>
+            <a:solidFill>
+              <a:srgbClr val="FFC000"/>
+            </a:solidFill>
+          </p:spPr>
+          <p:style>
+            <a:lnRef idx="1">
+              <a:schemeClr val="accent1"/>
+            </a:lnRef>
+            <a:fillRef idx="3">
+              <a:schemeClr val="accent1"/>
+            </a:fillRef>
+            <a:effectRef idx="2">
+              <a:schemeClr val="accent1"/>
+            </a:effectRef>
+            <a:fontRef idx="minor">
+              <a:schemeClr val="lt1"/>
+            </a:fontRef>
+          </p:style>
+          <p:txBody>
+            <a:bodyPr rtlCol="0" anchor="ctr"/>
+            <a:lstStyle/>
+            <a:p>
+              <a:pPr algn="ctr"/>
+              <a:endParaRPr lang="en-US" sz="2400"/>
+            </a:p>
+          </p:txBody>
+        </p:sp>
+        <p:sp>
+          <p:nvSpPr>
+            <p:cNvPr id="100" name="Rectangle 99">
+              <a:extLst>
+                <a:ext uri="{FF2B5EF4-FFF2-40B4-BE49-F238E27FC236}">
+                  <a16:creationId xmlns:a16="http://schemas.microsoft.com/office/drawing/2014/main" id="{A5487FA8-F813-4018-AD10-E70B6E9B658C}"/>
+                </a:ext>
+              </a:extLst>
+            </p:cNvPr>
+            <p:cNvSpPr/>
+            <p:nvPr/>
+          </p:nvSpPr>
+          <p:spPr>
+            <a:xfrm>
+              <a:off x="10588111" y="3476637"/>
+              <a:ext cx="149752" cy="197708"/>
+            </a:xfrm>
+            <a:prstGeom prst="rect">
+              <a:avLst/>
+            </a:prstGeom>
+            <a:solidFill>
+              <a:srgbClr val="FFC000"/>
+            </a:solidFill>
+          </p:spPr>
+          <p:style>
+            <a:lnRef idx="1">
+              <a:schemeClr val="accent1"/>
+            </a:lnRef>
+            <a:fillRef idx="3">
+              <a:schemeClr val="accent1"/>
+            </a:fillRef>
+            <a:effectRef idx="2">
+              <a:schemeClr val="accent1"/>
+            </a:effectRef>
+            <a:fontRef idx="minor">
+              <a:schemeClr val="lt1"/>
+            </a:fontRef>
+          </p:style>
+          <p:txBody>
+            <a:bodyPr rtlCol="0" anchor="ctr"/>
+            <a:lstStyle/>
+            <a:p>
+              <a:pPr algn="ctr"/>
+              <a:endParaRPr lang="en-US" sz="2400"/>
+            </a:p>
+          </p:txBody>
+        </p:sp>
+        <p:sp>
+          <p:nvSpPr>
+            <p:cNvPr id="101" name="Rectangle 100">
+              <a:extLst>
+                <a:ext uri="{FF2B5EF4-FFF2-40B4-BE49-F238E27FC236}">
+                  <a16:creationId xmlns:a16="http://schemas.microsoft.com/office/drawing/2014/main" id="{E1ECC10B-5510-44D1-A2ED-61A84852B5CE}"/>
+                </a:ext>
+              </a:extLst>
+            </p:cNvPr>
+            <p:cNvSpPr/>
+            <p:nvPr/>
+          </p:nvSpPr>
+          <p:spPr>
+            <a:xfrm>
+              <a:off x="10737863" y="3476637"/>
+              <a:ext cx="149752" cy="197708"/>
+            </a:xfrm>
+            <a:prstGeom prst="rect">
+              <a:avLst/>
+            </a:prstGeom>
+            <a:solidFill>
+              <a:srgbClr val="FFC000"/>
+            </a:solidFill>
+          </p:spPr>
+          <p:style>
+            <a:lnRef idx="1">
+              <a:schemeClr val="accent1"/>
+            </a:lnRef>
+            <a:fillRef idx="3">
+              <a:schemeClr val="accent1"/>
+            </a:fillRef>
+            <a:effectRef idx="2">
+              <a:schemeClr val="accent1"/>
+            </a:effectRef>
+            <a:fontRef idx="minor">
+              <a:schemeClr val="lt1"/>
+            </a:fontRef>
+          </p:style>
+          <p:txBody>
+            <a:bodyPr rtlCol="0" anchor="ctr"/>
+            <a:lstStyle/>
+            <a:p>
+              <a:pPr algn="ctr"/>
+              <a:endParaRPr lang="en-US" sz="2400"/>
+            </a:p>
+          </p:txBody>
+        </p:sp>
+        <p:sp>
+          <p:nvSpPr>
+            <p:cNvPr id="102" name="Rectangle 101">
+              <a:extLst>
+                <a:ext uri="{FF2B5EF4-FFF2-40B4-BE49-F238E27FC236}">
+                  <a16:creationId xmlns:a16="http://schemas.microsoft.com/office/drawing/2014/main" id="{59C8D501-2212-497E-96FA-68C3DB90B90F}"/>
+                </a:ext>
+              </a:extLst>
+            </p:cNvPr>
+            <p:cNvSpPr/>
+            <p:nvPr/>
+          </p:nvSpPr>
+          <p:spPr>
+            <a:xfrm>
+              <a:off x="10887615" y="3476637"/>
+              <a:ext cx="149752" cy="197708"/>
+            </a:xfrm>
+            <a:prstGeom prst="rect">
+              <a:avLst/>
+            </a:prstGeom>
+            <a:solidFill>
+              <a:srgbClr val="FFC000"/>
+            </a:solidFill>
+          </p:spPr>
+          <p:style>
+            <a:lnRef idx="1">
+              <a:schemeClr val="accent1"/>
+            </a:lnRef>
+            <a:fillRef idx="3">
+              <a:schemeClr val="accent1"/>
+            </a:fillRef>
+            <a:effectRef idx="2">
+              <a:schemeClr val="accent1"/>
+            </a:effectRef>
+            <a:fontRef idx="minor">
+              <a:schemeClr val="lt1"/>
+            </a:fontRef>
+          </p:style>
+          <p:txBody>
+            <a:bodyPr rtlCol="0" anchor="ctr"/>
+            <a:lstStyle/>
+            <a:p>
+              <a:pPr algn="ctr"/>
+              <a:endParaRPr lang="en-US" sz="2400"/>
+            </a:p>
+          </p:txBody>
+        </p:sp>
+        <p:sp>
+          <p:nvSpPr>
+            <p:cNvPr id="103" name="Rectangle 102">
+              <a:extLst>
+                <a:ext uri="{FF2B5EF4-FFF2-40B4-BE49-F238E27FC236}">
+                  <a16:creationId xmlns:a16="http://schemas.microsoft.com/office/drawing/2014/main" id="{BE5802C3-E8FA-46C0-86E0-137FED57E0D0}"/>
+                </a:ext>
+              </a:extLst>
+            </p:cNvPr>
+            <p:cNvSpPr/>
+            <p:nvPr/>
+          </p:nvSpPr>
+          <p:spPr>
+            <a:xfrm>
+              <a:off x="11037367" y="3476637"/>
+              <a:ext cx="149752" cy="197708"/>
+            </a:xfrm>
+            <a:prstGeom prst="rect">
+              <a:avLst/>
+            </a:prstGeom>
+            <a:solidFill>
+              <a:srgbClr val="FFC000"/>
+            </a:solidFill>
+          </p:spPr>
+          <p:style>
+            <a:lnRef idx="1">
+              <a:schemeClr val="accent1"/>
+            </a:lnRef>
+            <a:fillRef idx="3">
+              <a:schemeClr val="accent1"/>
+            </a:fillRef>
+            <a:effectRef idx="2">
+              <a:schemeClr val="accent1"/>
+            </a:effectRef>
+            <a:fontRef idx="minor">
+              <a:schemeClr val="lt1"/>
+            </a:fontRef>
+          </p:style>
+          <p:txBody>
+            <a:bodyPr rtlCol="0" anchor="ctr"/>
+            <a:lstStyle/>
+            <a:p>
+              <a:pPr algn="ctr"/>
+              <a:endParaRPr lang="en-US" sz="2400"/>
+            </a:p>
+          </p:txBody>
+        </p:sp>
+        <p:cxnSp>
+          <p:nvCxnSpPr>
+            <p:cNvPr id="104" name="Straight Arrow Connector 103">
+              <a:extLst>
+                <a:ext uri="{FF2B5EF4-FFF2-40B4-BE49-F238E27FC236}">
+                  <a16:creationId xmlns:a16="http://schemas.microsoft.com/office/drawing/2014/main" id="{5CAE64C1-8982-4380-B858-359C8C199E89}"/>
+                </a:ext>
+              </a:extLst>
+            </p:cNvPr>
+            <p:cNvCxnSpPr>
+              <a:cxnSpLocks/>
+            </p:cNvCxnSpPr>
+            <p:nvPr/>
+          </p:nvCxnSpPr>
+          <p:spPr>
+            <a:xfrm flipV="1">
+              <a:off x="9745947" y="3674345"/>
+              <a:ext cx="0" cy="930656"/>
+            </a:xfrm>
+            <a:prstGeom prst="straightConnector1">
+              <a:avLst/>
+            </a:prstGeom>
+            <a:ln>
+              <a:tailEnd type="triangle"/>
+            </a:ln>
+          </p:spPr>
+          <p:style>
+            <a:lnRef idx="2">
+              <a:schemeClr val="accent1"/>
+            </a:lnRef>
+            <a:fillRef idx="0">
+              <a:schemeClr val="accent1"/>
+            </a:fillRef>
+            <a:effectRef idx="1">
+              <a:schemeClr val="accent1"/>
+            </a:effectRef>
+            <a:fontRef idx="minor">
+              <a:schemeClr val="tx1"/>
+            </a:fontRef>
+          </p:style>
+        </p:cxnSp>
+        <p:cxnSp>
+          <p:nvCxnSpPr>
+            <p:cNvPr id="105" name="Straight Arrow Connector 104">
+              <a:extLst>
+                <a:ext uri="{FF2B5EF4-FFF2-40B4-BE49-F238E27FC236}">
+                  <a16:creationId xmlns:a16="http://schemas.microsoft.com/office/drawing/2014/main" id="{CAFAC192-19E1-4A23-979D-C0D8BC3B9736}"/>
+                </a:ext>
+              </a:extLst>
+            </p:cNvPr>
+            <p:cNvCxnSpPr>
+              <a:cxnSpLocks/>
+            </p:cNvCxnSpPr>
+            <p:nvPr/>
+          </p:nvCxnSpPr>
+          <p:spPr>
+            <a:xfrm flipV="1">
+              <a:off x="10638944" y="3674345"/>
+              <a:ext cx="15053" cy="930656"/>
+            </a:xfrm>
+            <a:prstGeom prst="straightConnector1">
+              <a:avLst/>
+            </a:prstGeom>
+            <a:ln>
+              <a:tailEnd type="triangle"/>
+            </a:ln>
+          </p:spPr>
+          <p:style>
+            <a:lnRef idx="2">
+              <a:schemeClr val="accent1"/>
+            </a:lnRef>
+            <a:fillRef idx="0">
+              <a:schemeClr val="accent1"/>
+            </a:fillRef>
+            <a:effectRef idx="1">
+              <a:schemeClr val="accent1"/>
+            </a:effectRef>
+            <a:fontRef idx="minor">
+              <a:schemeClr val="tx1"/>
+            </a:fontRef>
+          </p:style>
+        </p:cxnSp>
+        <p:sp>
+          <p:nvSpPr>
+            <p:cNvPr id="106" name="Rectangle 105">
+              <a:extLst>
+                <a:ext uri="{FF2B5EF4-FFF2-40B4-BE49-F238E27FC236}">
+                  <a16:creationId xmlns:a16="http://schemas.microsoft.com/office/drawing/2014/main" id="{0C7DFA08-A9D0-4A1E-AC98-2BDE0B407EAA}"/>
+                </a:ext>
+              </a:extLst>
+            </p:cNvPr>
+            <p:cNvSpPr/>
+            <p:nvPr/>
+          </p:nvSpPr>
+          <p:spPr>
+            <a:xfrm>
+              <a:off x="9944797" y="3977335"/>
+              <a:ext cx="495300" cy="76200"/>
+            </a:xfrm>
+            <a:prstGeom prst="rect">
+              <a:avLst/>
+            </a:prstGeom>
+            <a:gradFill>
+              <a:gsLst>
+                <a:gs pos="0">
+                  <a:schemeClr val="accent1">
+                    <a:lumMod val="40000"/>
+                    <a:lumOff val="60000"/>
                   </a:schemeClr>
-                </a:solidFill>
-              </a:rPr>
-              <a:t>x1</a:t>
-            </a:r>
-          </a:p>
-        </p:txBody>
-      </p:sp>
-      <p:sp>
-        <p:nvSpPr>
-          <p:cNvPr id="107" name="Rectangle 106">
-            <a:extLst>
-              <a:ext uri="{FF2B5EF4-FFF2-40B4-BE49-F238E27FC236}">
-                <a16:creationId xmlns:a16="http://schemas.microsoft.com/office/drawing/2014/main" id="{002A1830-3C0E-44AD-AB45-CF28C5BA3F04}"/>
-              </a:ext>
-            </a:extLst>
-          </p:cNvPr>
-          <p:cNvSpPr/>
-          <p:nvPr/>
-        </p:nvSpPr>
-        <p:spPr>
-          <a:xfrm>
-            <a:off x="9943986" y="4158723"/>
-            <a:ext cx="495300" cy="76200"/>
-          </a:xfrm>
-          <a:prstGeom prst="rect">
-            <a:avLst/>
-          </a:prstGeom>
-          <a:gradFill>
-            <a:gsLst>
-              <a:gs pos="0">
-                <a:schemeClr val="accent1">
-                  <a:lumMod val="40000"/>
-                  <a:lumOff val="60000"/>
-                </a:schemeClr>
-              </a:gs>
-              <a:gs pos="50000">
-                <a:schemeClr val="accent1">
-                  <a:lumMod val="60000"/>
-                  <a:lumOff val="40000"/>
-                </a:schemeClr>
-              </a:gs>
-              <a:gs pos="100000">
-                <a:schemeClr val="accent1">
-                  <a:lumMod val="99000"/>
-                  <a:satMod val="120000"/>
-                  <a:shade val="78000"/>
-                </a:schemeClr>
-              </a:gs>
-            </a:gsLst>
-          </a:gradFill>
-        </p:spPr>
-        <p:style>
-          <a:lnRef idx="1">
-            <a:schemeClr val="accent1"/>
-          </a:lnRef>
-          <a:fillRef idx="3">
-            <a:schemeClr val="accent1"/>
-          </a:fillRef>
-          <a:effectRef idx="2">
-            <a:schemeClr val="accent1"/>
-          </a:effectRef>
-          <a:fontRef idx="minor">
-            <a:schemeClr val="lt1"/>
-          </a:fontRef>
-        </p:style>
-        <p:txBody>
-          <a:bodyPr rtlCol="0" anchor="ctr"/>
-          <a:lstStyle/>
-          <a:p>
-            <a:pPr algn="ctr"/>
-            <a:r>
-              <a:rPr lang="en-US" sz="1333" dirty="0">
-                <a:solidFill>
-                  <a:schemeClr val="tx1">
-                    <a:lumMod val="50000"/>
+                </a:gs>
+                <a:gs pos="50000">
+                  <a:schemeClr val="accent1">
+                    <a:lumMod val="60000"/>
+                    <a:lumOff val="40000"/>
                   </a:schemeClr>
-                </a:solidFill>
-              </a:rPr>
-              <a:t>x2</a:t>
-            </a:r>
-            <a:endParaRPr lang="en-US" sz="1333" dirty="0"/>
-          </a:p>
-        </p:txBody>
-      </p:sp>
-      <p:sp>
-        <p:nvSpPr>
-          <p:cNvPr id="108" name="Rectangle 107">
-            <a:extLst>
-              <a:ext uri="{FF2B5EF4-FFF2-40B4-BE49-F238E27FC236}">
-                <a16:creationId xmlns:a16="http://schemas.microsoft.com/office/drawing/2014/main" id="{471622F7-6B26-4999-B499-C80F89249B01}"/>
-              </a:ext>
-            </a:extLst>
-          </p:cNvPr>
-          <p:cNvSpPr/>
-          <p:nvPr/>
-        </p:nvSpPr>
-        <p:spPr>
-          <a:xfrm>
-            <a:off x="9939623" y="4348317"/>
-            <a:ext cx="495300" cy="76200"/>
-          </a:xfrm>
-          <a:prstGeom prst="rect">
-            <a:avLst/>
-          </a:prstGeom>
-          <a:gradFill>
-            <a:gsLst>
-              <a:gs pos="0">
-                <a:schemeClr val="accent1">
-                  <a:lumMod val="40000"/>
-                  <a:lumOff val="60000"/>
-                </a:schemeClr>
-              </a:gs>
-              <a:gs pos="50000">
-                <a:schemeClr val="accent1">
-                  <a:lumMod val="60000"/>
-                  <a:lumOff val="40000"/>
-                </a:schemeClr>
-              </a:gs>
-              <a:gs pos="100000">
-                <a:schemeClr val="accent1">
-                  <a:lumMod val="99000"/>
-                  <a:satMod val="120000"/>
-                  <a:shade val="78000"/>
-                </a:schemeClr>
-              </a:gs>
-            </a:gsLst>
-          </a:gradFill>
-        </p:spPr>
-        <p:style>
-          <a:lnRef idx="1">
-            <a:schemeClr val="accent1"/>
-          </a:lnRef>
-          <a:fillRef idx="3">
-            <a:schemeClr val="accent1"/>
-          </a:fillRef>
-          <a:effectRef idx="2">
-            <a:schemeClr val="accent1"/>
-          </a:effectRef>
-          <a:fontRef idx="minor">
-            <a:schemeClr val="lt1"/>
-          </a:fontRef>
-        </p:style>
-        <p:txBody>
-          <a:bodyPr rtlCol="0" anchor="ctr"/>
-          <a:lstStyle/>
-          <a:p>
-            <a:pPr algn="ctr"/>
-            <a:r>
-              <a:rPr lang="en-US" sz="1333" dirty="0">
-                <a:solidFill>
-                  <a:schemeClr val="tx1">
-                    <a:lumMod val="50000"/>
+                </a:gs>
+                <a:gs pos="100000">
+                  <a:schemeClr val="accent1">
+                    <a:lumMod val="99000"/>
+                    <a:satMod val="120000"/>
+                    <a:shade val="78000"/>
                   </a:schemeClr>
-                </a:solidFill>
-              </a:rPr>
-              <a:t>x3</a:t>
-            </a:r>
-          </a:p>
-        </p:txBody>
-      </p:sp>
-      <p:sp>
-        <p:nvSpPr>
-          <p:cNvPr id="109" name="Rectangle 108">
-            <a:extLst>
-              <a:ext uri="{FF2B5EF4-FFF2-40B4-BE49-F238E27FC236}">
-                <a16:creationId xmlns:a16="http://schemas.microsoft.com/office/drawing/2014/main" id="{90F6B214-400F-41F8-B2D5-414A768B8C49}"/>
-              </a:ext>
-            </a:extLst>
-          </p:cNvPr>
-          <p:cNvSpPr/>
-          <p:nvPr/>
-        </p:nvSpPr>
-        <p:spPr>
-          <a:xfrm>
-            <a:off x="9930882" y="4566901"/>
-            <a:ext cx="495300" cy="76200"/>
-          </a:xfrm>
-          <a:prstGeom prst="rect">
-            <a:avLst/>
-          </a:prstGeom>
-          <a:solidFill>
-            <a:srgbClr val="FFCC99"/>
-          </a:solidFill>
-          <a:ln>
+                </a:gs>
+              </a:gsLst>
+            </a:gradFill>
+          </p:spPr>
+          <p:style>
+            <a:lnRef idx="1">
+              <a:schemeClr val="accent1"/>
+            </a:lnRef>
+            <a:fillRef idx="3">
+              <a:schemeClr val="accent1"/>
+            </a:fillRef>
+            <a:effectRef idx="2">
+              <a:schemeClr val="accent1"/>
+            </a:effectRef>
+            <a:fontRef idx="minor">
+              <a:schemeClr val="lt1"/>
+            </a:fontRef>
+          </p:style>
+          <p:txBody>
+            <a:bodyPr rtlCol="0" anchor="ctr"/>
+            <a:lstStyle/>
+            <a:p>
+              <a:pPr algn="ctr"/>
+              <a:r>
+                <a:rPr lang="en-US" sz="1333" dirty="0">
+                  <a:solidFill>
+                    <a:schemeClr val="tx1">
+                      <a:lumMod val="50000"/>
+                    </a:schemeClr>
+                  </a:solidFill>
+                </a:rPr>
+                <a:t>x1</a:t>
+              </a:r>
+            </a:p>
+          </p:txBody>
+        </p:sp>
+        <p:sp>
+          <p:nvSpPr>
+            <p:cNvPr id="107" name="Rectangle 106">
+              <a:extLst>
+                <a:ext uri="{FF2B5EF4-FFF2-40B4-BE49-F238E27FC236}">
+                  <a16:creationId xmlns:a16="http://schemas.microsoft.com/office/drawing/2014/main" id="{002A1830-3C0E-44AD-AB45-CF28C5BA3F04}"/>
+                </a:ext>
+              </a:extLst>
+            </p:cNvPr>
+            <p:cNvSpPr/>
+            <p:nvPr/>
+          </p:nvSpPr>
+          <p:spPr>
+            <a:xfrm>
+              <a:off x="9943986" y="4158723"/>
+              <a:ext cx="495300" cy="76200"/>
+            </a:xfrm>
+            <a:prstGeom prst="rect">
+              <a:avLst/>
+            </a:prstGeom>
+            <a:gradFill>
+              <a:gsLst>
+                <a:gs pos="0">
+                  <a:schemeClr val="accent1">
+                    <a:lumMod val="40000"/>
+                    <a:lumOff val="60000"/>
+                  </a:schemeClr>
+                </a:gs>
+                <a:gs pos="50000">
+                  <a:schemeClr val="accent1">
+                    <a:lumMod val="60000"/>
+                    <a:lumOff val="40000"/>
+                  </a:schemeClr>
+                </a:gs>
+                <a:gs pos="100000">
+                  <a:schemeClr val="accent1">
+                    <a:lumMod val="99000"/>
+                    <a:satMod val="120000"/>
+                    <a:shade val="78000"/>
+                  </a:schemeClr>
+                </a:gs>
+              </a:gsLst>
+            </a:gradFill>
+          </p:spPr>
+          <p:style>
+            <a:lnRef idx="1">
+              <a:schemeClr val="accent1"/>
+            </a:lnRef>
+            <a:fillRef idx="3">
+              <a:schemeClr val="accent1"/>
+            </a:fillRef>
+            <a:effectRef idx="2">
+              <a:schemeClr val="accent1"/>
+            </a:effectRef>
+            <a:fontRef idx="minor">
+              <a:schemeClr val="lt1"/>
+            </a:fontRef>
+          </p:style>
+          <p:txBody>
+            <a:bodyPr rtlCol="0" anchor="ctr"/>
+            <a:lstStyle/>
+            <a:p>
+              <a:pPr algn="ctr"/>
+              <a:r>
+                <a:rPr lang="en-US" sz="1333" dirty="0">
+                  <a:solidFill>
+                    <a:schemeClr val="tx1">
+                      <a:lumMod val="50000"/>
+                    </a:schemeClr>
+                  </a:solidFill>
+                </a:rPr>
+                <a:t>x2</a:t>
+              </a:r>
+              <a:endParaRPr lang="en-US" sz="1333" dirty="0"/>
+            </a:p>
+          </p:txBody>
+        </p:sp>
+        <p:sp>
+          <p:nvSpPr>
+            <p:cNvPr id="108" name="Rectangle 107">
+              <a:extLst>
+                <a:ext uri="{FF2B5EF4-FFF2-40B4-BE49-F238E27FC236}">
+                  <a16:creationId xmlns:a16="http://schemas.microsoft.com/office/drawing/2014/main" id="{471622F7-6B26-4999-B499-C80F89249B01}"/>
+                </a:ext>
+              </a:extLst>
+            </p:cNvPr>
+            <p:cNvSpPr/>
+            <p:nvPr/>
+          </p:nvSpPr>
+          <p:spPr>
+            <a:xfrm>
+              <a:off x="9939623" y="4348317"/>
+              <a:ext cx="495300" cy="76200"/>
+            </a:xfrm>
+            <a:prstGeom prst="rect">
+              <a:avLst/>
+            </a:prstGeom>
+            <a:gradFill>
+              <a:gsLst>
+                <a:gs pos="0">
+                  <a:schemeClr val="accent1">
+                    <a:lumMod val="40000"/>
+                    <a:lumOff val="60000"/>
+                  </a:schemeClr>
+                </a:gs>
+                <a:gs pos="50000">
+                  <a:schemeClr val="accent1">
+                    <a:lumMod val="60000"/>
+                    <a:lumOff val="40000"/>
+                  </a:schemeClr>
+                </a:gs>
+                <a:gs pos="100000">
+                  <a:schemeClr val="accent1">
+                    <a:lumMod val="99000"/>
+                    <a:satMod val="120000"/>
+                    <a:shade val="78000"/>
+                  </a:schemeClr>
+                </a:gs>
+              </a:gsLst>
+            </a:gradFill>
+          </p:spPr>
+          <p:style>
+            <a:lnRef idx="1">
+              <a:schemeClr val="accent1"/>
+            </a:lnRef>
+            <a:fillRef idx="3">
+              <a:schemeClr val="accent1"/>
+            </a:fillRef>
+            <a:effectRef idx="2">
+              <a:schemeClr val="accent1"/>
+            </a:effectRef>
+            <a:fontRef idx="minor">
+              <a:schemeClr val="lt1"/>
+            </a:fontRef>
+          </p:style>
+          <p:txBody>
+            <a:bodyPr rtlCol="0" anchor="ctr"/>
+            <a:lstStyle/>
+            <a:p>
+              <a:pPr algn="ctr"/>
+              <a:r>
+                <a:rPr lang="en-US" sz="1333" dirty="0">
+                  <a:solidFill>
+                    <a:schemeClr val="tx1">
+                      <a:lumMod val="50000"/>
+                    </a:schemeClr>
+                  </a:solidFill>
+                </a:rPr>
+                <a:t>x3</a:t>
+              </a:r>
+            </a:p>
+          </p:txBody>
+        </p:sp>
+        <p:sp>
+          <p:nvSpPr>
+            <p:cNvPr id="109" name="Rectangle 108">
+              <a:extLst>
+                <a:ext uri="{FF2B5EF4-FFF2-40B4-BE49-F238E27FC236}">
+                  <a16:creationId xmlns:a16="http://schemas.microsoft.com/office/drawing/2014/main" id="{90F6B214-400F-41F8-B2D5-414A768B8C49}"/>
+                </a:ext>
+              </a:extLst>
+            </p:cNvPr>
+            <p:cNvSpPr/>
+            <p:nvPr/>
+          </p:nvSpPr>
+          <p:spPr>
+            <a:xfrm>
+              <a:off x="9930882" y="4566901"/>
+              <a:ext cx="495300" cy="76200"/>
+            </a:xfrm>
+            <a:prstGeom prst="rect">
+              <a:avLst/>
+            </a:prstGeom>
             <a:solidFill>
-              <a:srgbClr val="FF0000"/>
+              <a:srgbClr val="FFCC99"/>
             </a:solidFill>
-          </a:ln>
-        </p:spPr>
-        <p:style>
-          <a:lnRef idx="1">
-            <a:schemeClr val="accent1"/>
-          </a:lnRef>
-          <a:fillRef idx="3">
-            <a:schemeClr val="accent1"/>
-          </a:fillRef>
-          <a:effectRef idx="2">
-            <a:schemeClr val="accent1"/>
-          </a:effectRef>
-          <a:fontRef idx="minor">
-            <a:schemeClr val="lt1"/>
-          </a:fontRef>
-        </p:style>
-        <p:txBody>
-          <a:bodyPr rtlCol="0" anchor="ctr"/>
-          <a:lstStyle/>
-          <a:p>
-            <a:pPr algn="ctr"/>
-            <a:r>
-              <a:rPr lang="en-US" sz="1333" dirty="0">
-                <a:solidFill>
-                  <a:schemeClr val="tx1">
-                    <a:lumMod val="50000"/>
-                  </a:schemeClr>
-                </a:solidFill>
-              </a:rPr>
-              <a:t>aa</a:t>
-            </a:r>
-          </a:p>
-        </p:txBody>
-      </p:sp>
-      <p:cxnSp>
-        <p:nvCxnSpPr>
-          <p:cNvPr id="110" name="Straight Connector 109">
-            <a:extLst>
-              <a:ext uri="{FF2B5EF4-FFF2-40B4-BE49-F238E27FC236}">
-                <a16:creationId xmlns:a16="http://schemas.microsoft.com/office/drawing/2014/main" id="{F313DF8B-4FD7-41FF-B2A3-9C76B6C6FA5D}"/>
-              </a:ext>
-            </a:extLst>
-          </p:cNvPr>
-          <p:cNvCxnSpPr>
-            <a:endCxn id="106" idx="1"/>
-          </p:cNvCxnSpPr>
-          <p:nvPr/>
-        </p:nvCxnSpPr>
-        <p:spPr>
-          <a:xfrm>
-            <a:off x="9745948" y="4015435"/>
-            <a:ext cx="198849" cy="0"/>
-          </a:xfrm>
-          <a:prstGeom prst="line">
-            <a:avLst/>
-          </a:prstGeom>
-        </p:spPr>
-        <p:style>
-          <a:lnRef idx="2">
-            <a:schemeClr val="accent1"/>
-          </a:lnRef>
-          <a:fillRef idx="0">
-            <a:schemeClr val="accent1"/>
-          </a:fillRef>
-          <a:effectRef idx="1">
-            <a:schemeClr val="accent1"/>
-          </a:effectRef>
-          <a:fontRef idx="minor">
-            <a:schemeClr val="tx1"/>
-          </a:fontRef>
-        </p:style>
-      </p:cxnSp>
-      <p:cxnSp>
-        <p:nvCxnSpPr>
-          <p:cNvPr id="111" name="Straight Connector 110">
-            <a:extLst>
-              <a:ext uri="{FF2B5EF4-FFF2-40B4-BE49-F238E27FC236}">
-                <a16:creationId xmlns:a16="http://schemas.microsoft.com/office/drawing/2014/main" id="{71AA976F-87C5-4414-9F88-BF44BA530A2B}"/>
-              </a:ext>
-            </a:extLst>
-          </p:cNvPr>
-          <p:cNvCxnSpPr>
-            <a:endCxn id="107" idx="1"/>
-          </p:cNvCxnSpPr>
-          <p:nvPr/>
-        </p:nvCxnSpPr>
-        <p:spPr>
-          <a:xfrm>
-            <a:off x="9745947" y="4196823"/>
-            <a:ext cx="198039" cy="0"/>
-          </a:xfrm>
-          <a:prstGeom prst="line">
-            <a:avLst/>
-          </a:prstGeom>
-        </p:spPr>
-        <p:style>
-          <a:lnRef idx="2">
-            <a:schemeClr val="accent1"/>
-          </a:lnRef>
-          <a:fillRef idx="0">
-            <a:schemeClr val="accent1"/>
-          </a:fillRef>
-          <a:effectRef idx="1">
-            <a:schemeClr val="accent1"/>
-          </a:effectRef>
-          <a:fontRef idx="minor">
-            <a:schemeClr val="tx1"/>
-          </a:fontRef>
-        </p:style>
-      </p:cxnSp>
-      <p:cxnSp>
-        <p:nvCxnSpPr>
-          <p:cNvPr id="112" name="Straight Connector 111">
-            <a:extLst>
-              <a:ext uri="{FF2B5EF4-FFF2-40B4-BE49-F238E27FC236}">
-                <a16:creationId xmlns:a16="http://schemas.microsoft.com/office/drawing/2014/main" id="{03BDCDD2-FB45-4D5C-ADCB-BE51B5188984}"/>
-              </a:ext>
-            </a:extLst>
-          </p:cNvPr>
-          <p:cNvCxnSpPr>
-            <a:stCxn id="108" idx="1"/>
-          </p:cNvCxnSpPr>
-          <p:nvPr/>
-        </p:nvCxnSpPr>
-        <p:spPr>
-          <a:xfrm flipH="1">
-            <a:off x="9745947" y="4386417"/>
-            <a:ext cx="193676" cy="0"/>
-          </a:xfrm>
-          <a:prstGeom prst="line">
-            <a:avLst/>
-          </a:prstGeom>
-        </p:spPr>
-        <p:style>
-          <a:lnRef idx="2">
-            <a:schemeClr val="accent1"/>
-          </a:lnRef>
-          <a:fillRef idx="0">
-            <a:schemeClr val="accent1"/>
-          </a:fillRef>
-          <a:effectRef idx="1">
-            <a:schemeClr val="accent1"/>
-          </a:effectRef>
-          <a:fontRef idx="minor">
-            <a:schemeClr val="tx1"/>
-          </a:fontRef>
-        </p:style>
-      </p:cxnSp>
-      <p:cxnSp>
-        <p:nvCxnSpPr>
-          <p:cNvPr id="113" name="Straight Connector 112">
-            <a:extLst>
-              <a:ext uri="{FF2B5EF4-FFF2-40B4-BE49-F238E27FC236}">
-                <a16:creationId xmlns:a16="http://schemas.microsoft.com/office/drawing/2014/main" id="{64C2057F-5979-43AB-AE28-AB536787299D}"/>
-              </a:ext>
-            </a:extLst>
-          </p:cNvPr>
-          <p:cNvCxnSpPr>
-            <a:stCxn id="109" idx="1"/>
-          </p:cNvCxnSpPr>
-          <p:nvPr/>
-        </p:nvCxnSpPr>
-        <p:spPr>
-          <a:xfrm flipH="1">
-            <a:off x="9745947" y="4605001"/>
-            <a:ext cx="184935" cy="0"/>
-          </a:xfrm>
-          <a:prstGeom prst="line">
-            <a:avLst/>
-          </a:prstGeom>
-        </p:spPr>
-        <p:style>
-          <a:lnRef idx="2">
-            <a:schemeClr val="accent1"/>
-          </a:lnRef>
-          <a:fillRef idx="0">
-            <a:schemeClr val="accent1"/>
-          </a:fillRef>
-          <a:effectRef idx="1">
-            <a:schemeClr val="accent1"/>
-          </a:effectRef>
-          <a:fontRef idx="minor">
-            <a:schemeClr val="tx1"/>
-          </a:fontRef>
-        </p:style>
-      </p:cxnSp>
-      <p:cxnSp>
-        <p:nvCxnSpPr>
-          <p:cNvPr id="114" name="Straight Connector 113">
-            <a:extLst>
-              <a:ext uri="{FF2B5EF4-FFF2-40B4-BE49-F238E27FC236}">
-                <a16:creationId xmlns:a16="http://schemas.microsoft.com/office/drawing/2014/main" id="{2AEF7230-5E5F-4615-90D6-42CE0B2912E8}"/>
-              </a:ext>
-            </a:extLst>
-          </p:cNvPr>
-          <p:cNvCxnSpPr>
-            <a:stCxn id="109" idx="3"/>
-          </p:cNvCxnSpPr>
-          <p:nvPr/>
-        </p:nvCxnSpPr>
-        <p:spPr>
-          <a:xfrm>
-            <a:off x="10426181" y="4605001"/>
-            <a:ext cx="212763" cy="0"/>
-          </a:xfrm>
-          <a:prstGeom prst="line">
-            <a:avLst/>
-          </a:prstGeom>
-        </p:spPr>
-        <p:style>
-          <a:lnRef idx="2">
-            <a:schemeClr val="accent1"/>
-          </a:lnRef>
-          <a:fillRef idx="0">
-            <a:schemeClr val="accent1"/>
-          </a:fillRef>
-          <a:effectRef idx="1">
-            <a:schemeClr val="accent1"/>
-          </a:effectRef>
-          <a:fontRef idx="minor">
-            <a:schemeClr val="tx1"/>
-          </a:fontRef>
-        </p:style>
-      </p:cxnSp>
-      <p:cxnSp>
-        <p:nvCxnSpPr>
-          <p:cNvPr id="115" name="Straight Connector 114">
-            <a:extLst>
-              <a:ext uri="{FF2B5EF4-FFF2-40B4-BE49-F238E27FC236}">
-                <a16:creationId xmlns:a16="http://schemas.microsoft.com/office/drawing/2014/main" id="{8513A364-EBF1-4949-A6C0-02C47AF65CFE}"/>
-              </a:ext>
-            </a:extLst>
-          </p:cNvPr>
-          <p:cNvCxnSpPr>
-            <a:stCxn id="108" idx="3"/>
-          </p:cNvCxnSpPr>
-          <p:nvPr/>
-        </p:nvCxnSpPr>
-        <p:spPr>
-          <a:xfrm>
-            <a:off x="10434923" y="4386417"/>
-            <a:ext cx="215887" cy="0"/>
-          </a:xfrm>
-          <a:prstGeom prst="line">
-            <a:avLst/>
-          </a:prstGeom>
-        </p:spPr>
-        <p:style>
-          <a:lnRef idx="2">
-            <a:schemeClr val="accent1"/>
-          </a:lnRef>
-          <a:fillRef idx="0">
-            <a:schemeClr val="accent1"/>
-          </a:fillRef>
-          <a:effectRef idx="1">
-            <a:schemeClr val="accent1"/>
-          </a:effectRef>
-          <a:fontRef idx="minor">
-            <a:schemeClr val="tx1"/>
-          </a:fontRef>
-        </p:style>
-      </p:cxnSp>
-      <p:cxnSp>
-        <p:nvCxnSpPr>
-          <p:cNvPr id="116" name="Straight Connector 115">
-            <a:extLst>
-              <a:ext uri="{FF2B5EF4-FFF2-40B4-BE49-F238E27FC236}">
-                <a16:creationId xmlns:a16="http://schemas.microsoft.com/office/drawing/2014/main" id="{EDA55872-D608-4FB9-817B-BD7B919F3063}"/>
-              </a:ext>
-            </a:extLst>
-          </p:cNvPr>
-          <p:cNvCxnSpPr>
-            <a:stCxn id="107" idx="3"/>
-          </p:cNvCxnSpPr>
-          <p:nvPr/>
-        </p:nvCxnSpPr>
-        <p:spPr>
-          <a:xfrm>
-            <a:off x="10439286" y="4196823"/>
-            <a:ext cx="211524" cy="0"/>
-          </a:xfrm>
-          <a:prstGeom prst="line">
-            <a:avLst/>
-          </a:prstGeom>
-        </p:spPr>
-        <p:style>
-          <a:lnRef idx="2">
-            <a:schemeClr val="accent1"/>
-          </a:lnRef>
-          <a:fillRef idx="0">
-            <a:schemeClr val="accent1"/>
-          </a:fillRef>
-          <a:effectRef idx="1">
-            <a:schemeClr val="accent1"/>
-          </a:effectRef>
-          <a:fontRef idx="minor">
-            <a:schemeClr val="tx1"/>
-          </a:fontRef>
-        </p:style>
-      </p:cxnSp>
-      <p:cxnSp>
-        <p:nvCxnSpPr>
-          <p:cNvPr id="117" name="Straight Connector 116">
-            <a:extLst>
-              <a:ext uri="{FF2B5EF4-FFF2-40B4-BE49-F238E27FC236}">
-                <a16:creationId xmlns:a16="http://schemas.microsoft.com/office/drawing/2014/main" id="{188CCCFF-D204-441C-A55D-B8994136704D}"/>
-              </a:ext>
-            </a:extLst>
-          </p:cNvPr>
-          <p:cNvCxnSpPr>
-            <a:stCxn id="106" idx="3"/>
-          </p:cNvCxnSpPr>
-          <p:nvPr/>
-        </p:nvCxnSpPr>
-        <p:spPr>
-          <a:xfrm>
-            <a:off x="10440096" y="4015435"/>
-            <a:ext cx="198848" cy="0"/>
-          </a:xfrm>
-          <a:prstGeom prst="line">
-            <a:avLst/>
-          </a:prstGeom>
-        </p:spPr>
-        <p:style>
-          <a:lnRef idx="2">
-            <a:schemeClr val="accent1"/>
-          </a:lnRef>
-          <a:fillRef idx="0">
-            <a:schemeClr val="accent1"/>
-          </a:fillRef>
-          <a:effectRef idx="1">
-            <a:schemeClr val="accent1"/>
-          </a:effectRef>
-          <a:fontRef idx="minor">
-            <a:schemeClr val="tx1"/>
-          </a:fontRef>
-        </p:style>
-      </p:cxnSp>
+            <a:ln>
+              <a:solidFill>
+                <a:srgbClr val="FF0000"/>
+              </a:solidFill>
+            </a:ln>
+          </p:spPr>
+          <p:style>
+            <a:lnRef idx="1">
+              <a:schemeClr val="accent1"/>
+            </a:lnRef>
+            <a:fillRef idx="3">
+              <a:schemeClr val="accent1"/>
+            </a:fillRef>
+            <a:effectRef idx="2">
+              <a:schemeClr val="accent1"/>
+            </a:effectRef>
+            <a:fontRef idx="minor">
+              <a:schemeClr val="lt1"/>
+            </a:fontRef>
+          </p:style>
+          <p:txBody>
+            <a:bodyPr rtlCol="0" anchor="ctr"/>
+            <a:lstStyle/>
+            <a:p>
+              <a:pPr algn="ctr"/>
+              <a:r>
+                <a:rPr lang="en-US" sz="1333" dirty="0">
+                  <a:solidFill>
+                    <a:schemeClr val="tx1">
+                      <a:lumMod val="50000"/>
+                    </a:schemeClr>
+                  </a:solidFill>
+                </a:rPr>
+                <a:t>aa</a:t>
+              </a:r>
+            </a:p>
+          </p:txBody>
+        </p:sp>
+        <p:cxnSp>
+          <p:nvCxnSpPr>
+            <p:cNvPr id="110" name="Straight Connector 109">
+              <a:extLst>
+                <a:ext uri="{FF2B5EF4-FFF2-40B4-BE49-F238E27FC236}">
+                  <a16:creationId xmlns:a16="http://schemas.microsoft.com/office/drawing/2014/main" id="{F313DF8B-4FD7-41FF-B2A3-9C76B6C6FA5D}"/>
+                </a:ext>
+              </a:extLst>
+            </p:cNvPr>
+            <p:cNvCxnSpPr>
+              <a:endCxn id="106" idx="1"/>
+            </p:cNvCxnSpPr>
+            <p:nvPr/>
+          </p:nvCxnSpPr>
+          <p:spPr>
+            <a:xfrm>
+              <a:off x="9745948" y="4015435"/>
+              <a:ext cx="198849" cy="0"/>
+            </a:xfrm>
+            <a:prstGeom prst="line">
+              <a:avLst/>
+            </a:prstGeom>
+          </p:spPr>
+          <p:style>
+            <a:lnRef idx="2">
+              <a:schemeClr val="accent1"/>
+            </a:lnRef>
+            <a:fillRef idx="0">
+              <a:schemeClr val="accent1"/>
+            </a:fillRef>
+            <a:effectRef idx="1">
+              <a:schemeClr val="accent1"/>
+            </a:effectRef>
+            <a:fontRef idx="minor">
+              <a:schemeClr val="tx1"/>
+            </a:fontRef>
+          </p:style>
+        </p:cxnSp>
+        <p:cxnSp>
+          <p:nvCxnSpPr>
+            <p:cNvPr id="111" name="Straight Connector 110">
+              <a:extLst>
+                <a:ext uri="{FF2B5EF4-FFF2-40B4-BE49-F238E27FC236}">
+                  <a16:creationId xmlns:a16="http://schemas.microsoft.com/office/drawing/2014/main" id="{71AA976F-87C5-4414-9F88-BF44BA530A2B}"/>
+                </a:ext>
+              </a:extLst>
+            </p:cNvPr>
+            <p:cNvCxnSpPr>
+              <a:endCxn id="107" idx="1"/>
+            </p:cNvCxnSpPr>
+            <p:nvPr/>
+          </p:nvCxnSpPr>
+          <p:spPr>
+            <a:xfrm>
+              <a:off x="9745947" y="4196823"/>
+              <a:ext cx="198039" cy="0"/>
+            </a:xfrm>
+            <a:prstGeom prst="line">
+              <a:avLst/>
+            </a:prstGeom>
+          </p:spPr>
+          <p:style>
+            <a:lnRef idx="2">
+              <a:schemeClr val="accent1"/>
+            </a:lnRef>
+            <a:fillRef idx="0">
+              <a:schemeClr val="accent1"/>
+            </a:fillRef>
+            <a:effectRef idx="1">
+              <a:schemeClr val="accent1"/>
+            </a:effectRef>
+            <a:fontRef idx="minor">
+              <a:schemeClr val="tx1"/>
+            </a:fontRef>
+          </p:style>
+        </p:cxnSp>
+        <p:cxnSp>
+          <p:nvCxnSpPr>
+            <p:cNvPr id="112" name="Straight Connector 111">
+              <a:extLst>
+                <a:ext uri="{FF2B5EF4-FFF2-40B4-BE49-F238E27FC236}">
+                  <a16:creationId xmlns:a16="http://schemas.microsoft.com/office/drawing/2014/main" id="{03BDCDD2-FB45-4D5C-ADCB-BE51B5188984}"/>
+                </a:ext>
+              </a:extLst>
+            </p:cNvPr>
+            <p:cNvCxnSpPr>
+              <a:stCxn id="108" idx="1"/>
+            </p:cNvCxnSpPr>
+            <p:nvPr/>
+          </p:nvCxnSpPr>
+          <p:spPr>
+            <a:xfrm flipH="1">
+              <a:off x="9745947" y="4386417"/>
+              <a:ext cx="193676" cy="0"/>
+            </a:xfrm>
+            <a:prstGeom prst="line">
+              <a:avLst/>
+            </a:prstGeom>
+          </p:spPr>
+          <p:style>
+            <a:lnRef idx="2">
+              <a:schemeClr val="accent1"/>
+            </a:lnRef>
+            <a:fillRef idx="0">
+              <a:schemeClr val="accent1"/>
+            </a:fillRef>
+            <a:effectRef idx="1">
+              <a:schemeClr val="accent1"/>
+            </a:effectRef>
+            <a:fontRef idx="minor">
+              <a:schemeClr val="tx1"/>
+            </a:fontRef>
+          </p:style>
+        </p:cxnSp>
+        <p:cxnSp>
+          <p:nvCxnSpPr>
+            <p:cNvPr id="113" name="Straight Connector 112">
+              <a:extLst>
+                <a:ext uri="{FF2B5EF4-FFF2-40B4-BE49-F238E27FC236}">
+                  <a16:creationId xmlns:a16="http://schemas.microsoft.com/office/drawing/2014/main" id="{64C2057F-5979-43AB-AE28-AB536787299D}"/>
+                </a:ext>
+              </a:extLst>
+            </p:cNvPr>
+            <p:cNvCxnSpPr>
+              <a:stCxn id="109" idx="1"/>
+            </p:cNvCxnSpPr>
+            <p:nvPr/>
+          </p:nvCxnSpPr>
+          <p:spPr>
+            <a:xfrm flipH="1">
+              <a:off x="9745947" y="4605001"/>
+              <a:ext cx="184935" cy="0"/>
+            </a:xfrm>
+            <a:prstGeom prst="line">
+              <a:avLst/>
+            </a:prstGeom>
+          </p:spPr>
+          <p:style>
+            <a:lnRef idx="2">
+              <a:schemeClr val="accent1"/>
+            </a:lnRef>
+            <a:fillRef idx="0">
+              <a:schemeClr val="accent1"/>
+            </a:fillRef>
+            <a:effectRef idx="1">
+              <a:schemeClr val="accent1"/>
+            </a:effectRef>
+            <a:fontRef idx="minor">
+              <a:schemeClr val="tx1"/>
+            </a:fontRef>
+          </p:style>
+        </p:cxnSp>
+        <p:cxnSp>
+          <p:nvCxnSpPr>
+            <p:cNvPr id="114" name="Straight Connector 113">
+              <a:extLst>
+                <a:ext uri="{FF2B5EF4-FFF2-40B4-BE49-F238E27FC236}">
+                  <a16:creationId xmlns:a16="http://schemas.microsoft.com/office/drawing/2014/main" id="{2AEF7230-5E5F-4615-90D6-42CE0B2912E8}"/>
+                </a:ext>
+              </a:extLst>
+            </p:cNvPr>
+            <p:cNvCxnSpPr>
+              <a:stCxn id="109" idx="3"/>
+            </p:cNvCxnSpPr>
+            <p:nvPr/>
+          </p:nvCxnSpPr>
+          <p:spPr>
+            <a:xfrm>
+              <a:off x="10426181" y="4605001"/>
+              <a:ext cx="212763" cy="0"/>
+            </a:xfrm>
+            <a:prstGeom prst="line">
+              <a:avLst/>
+            </a:prstGeom>
+          </p:spPr>
+          <p:style>
+            <a:lnRef idx="2">
+              <a:schemeClr val="accent1"/>
+            </a:lnRef>
+            <a:fillRef idx="0">
+              <a:schemeClr val="accent1"/>
+            </a:fillRef>
+            <a:effectRef idx="1">
+              <a:schemeClr val="accent1"/>
+            </a:effectRef>
+            <a:fontRef idx="minor">
+              <a:schemeClr val="tx1"/>
+            </a:fontRef>
+          </p:style>
+        </p:cxnSp>
+        <p:cxnSp>
+          <p:nvCxnSpPr>
+            <p:cNvPr id="115" name="Straight Connector 114">
+              <a:extLst>
+                <a:ext uri="{FF2B5EF4-FFF2-40B4-BE49-F238E27FC236}">
+                  <a16:creationId xmlns:a16="http://schemas.microsoft.com/office/drawing/2014/main" id="{8513A364-EBF1-4949-A6C0-02C47AF65CFE}"/>
+                </a:ext>
+              </a:extLst>
+            </p:cNvPr>
+            <p:cNvCxnSpPr>
+              <a:stCxn id="108" idx="3"/>
+            </p:cNvCxnSpPr>
+            <p:nvPr/>
+          </p:nvCxnSpPr>
+          <p:spPr>
+            <a:xfrm>
+              <a:off x="10434923" y="4386417"/>
+              <a:ext cx="215887" cy="0"/>
+            </a:xfrm>
+            <a:prstGeom prst="line">
+              <a:avLst/>
+            </a:prstGeom>
+          </p:spPr>
+          <p:style>
+            <a:lnRef idx="2">
+              <a:schemeClr val="accent1"/>
+            </a:lnRef>
+            <a:fillRef idx="0">
+              <a:schemeClr val="accent1"/>
+            </a:fillRef>
+            <a:effectRef idx="1">
+              <a:schemeClr val="accent1"/>
+            </a:effectRef>
+            <a:fontRef idx="minor">
+              <a:schemeClr val="tx1"/>
+            </a:fontRef>
+          </p:style>
+        </p:cxnSp>
+        <p:cxnSp>
+          <p:nvCxnSpPr>
+            <p:cNvPr id="116" name="Straight Connector 115">
+              <a:extLst>
+                <a:ext uri="{FF2B5EF4-FFF2-40B4-BE49-F238E27FC236}">
+                  <a16:creationId xmlns:a16="http://schemas.microsoft.com/office/drawing/2014/main" id="{EDA55872-D608-4FB9-817B-BD7B919F3063}"/>
+                </a:ext>
+              </a:extLst>
+            </p:cNvPr>
+            <p:cNvCxnSpPr>
+              <a:stCxn id="107" idx="3"/>
+            </p:cNvCxnSpPr>
+            <p:nvPr/>
+          </p:nvCxnSpPr>
+          <p:spPr>
+            <a:xfrm>
+              <a:off x="10439286" y="4196823"/>
+              <a:ext cx="211524" cy="0"/>
+            </a:xfrm>
+            <a:prstGeom prst="line">
+              <a:avLst/>
+            </a:prstGeom>
+          </p:spPr>
+          <p:style>
+            <a:lnRef idx="2">
+              <a:schemeClr val="accent1"/>
+            </a:lnRef>
+            <a:fillRef idx="0">
+              <a:schemeClr val="accent1"/>
+            </a:fillRef>
+            <a:effectRef idx="1">
+              <a:schemeClr val="accent1"/>
+            </a:effectRef>
+            <a:fontRef idx="minor">
+              <a:schemeClr val="tx1"/>
+            </a:fontRef>
+          </p:style>
+        </p:cxnSp>
+        <p:cxnSp>
+          <p:nvCxnSpPr>
+            <p:cNvPr id="117" name="Straight Connector 116">
+              <a:extLst>
+                <a:ext uri="{FF2B5EF4-FFF2-40B4-BE49-F238E27FC236}">
+                  <a16:creationId xmlns:a16="http://schemas.microsoft.com/office/drawing/2014/main" id="{188CCCFF-D204-441C-A55D-B8994136704D}"/>
+                </a:ext>
+              </a:extLst>
+            </p:cNvPr>
+            <p:cNvCxnSpPr>
+              <a:stCxn id="106" idx="3"/>
+            </p:cNvCxnSpPr>
+            <p:nvPr/>
+          </p:nvCxnSpPr>
+          <p:spPr>
+            <a:xfrm>
+              <a:off x="10440096" y="4015435"/>
+              <a:ext cx="198848" cy="0"/>
+            </a:xfrm>
+            <a:prstGeom prst="line">
+              <a:avLst/>
+            </a:prstGeom>
+          </p:spPr>
+          <p:style>
+            <a:lnRef idx="2">
+              <a:schemeClr val="accent1"/>
+            </a:lnRef>
+            <a:fillRef idx="0">
+              <a:schemeClr val="accent1"/>
+            </a:fillRef>
+            <a:effectRef idx="1">
+              <a:schemeClr val="accent1"/>
+            </a:effectRef>
+            <a:fontRef idx="minor">
+              <a:schemeClr val="tx1"/>
+            </a:fontRef>
+          </p:style>
+        </p:cxnSp>
+      </p:grpSp>
       <p:pic>
         <p:nvPicPr>
           <p:cNvPr id="118" name="Picture 117">
@@ -38903,7 +42248,7 @@
           <a:p>
             <a:fld id="{CC59E92D-263E-422E-BF83-D1A4522EF799}" type="datetime1">
               <a:rPr lang="en-US" smtClean="0"/>
-              <a:t>11/9/2017</a:t>
+              <a:t>11/22/2017</a:t>
             </a:fld>
             <a:endParaRPr lang="en-US" dirty="0"/>
           </a:p>
@@ -39509,14 +42854,14 @@
           <a:effectLst/>
           <a:extLst>
             <a:ext uri="{909E8E84-426E-40dd-AFC4-6F175D3DCCD1}">
-              <a14:hiddenFill xmlns:a14="http://schemas.microsoft.com/office/drawing/2010/main" xmlns="">
+              <a14:hiddenFill xmlns="" xmlns:a14="http://schemas.microsoft.com/office/drawing/2010/main">
                 <a:solidFill>
                   <a:schemeClr val="accent1"/>
                 </a:solidFill>
               </a14:hiddenFill>
             </a:ext>
             <a:ext uri="{91240B29-F687-4f45-9708-019B960494DF}">
-              <a14:hiddenLine xmlns:a14="http://schemas.microsoft.com/office/drawing/2010/main" xmlns="" w="9525">
+              <a14:hiddenLine xmlns="" xmlns:a14="http://schemas.microsoft.com/office/drawing/2010/main" w="9525">
                 <a:solidFill>
                   <a:schemeClr val="tx1"/>
                 </a:solidFill>
@@ -39526,7 +42871,7 @@
               </a14:hiddenLine>
             </a:ext>
             <a:ext uri="{AF507438-7753-43e0-B8FC-AC1667EBCBE1}">
-              <a14:hiddenEffects xmlns:a14="http://schemas.microsoft.com/office/drawing/2010/main" xmlns="">
+              <a14:hiddenEffects xmlns="" xmlns:a14="http://schemas.microsoft.com/office/drawing/2010/main">
                 <a:effectLst>
                   <a:outerShdw blurRad="63500" dist="38099" dir="2700000" algn="ctr" rotWithShape="0">
                     <a:schemeClr val="bg2">
@@ -39537,7 +42882,7 @@
               </a14:hiddenEffects>
             </a:ext>
             <a:ext uri="{FAA26D3D-D897-4be2-8F04-BA451C77F1D7}">
-              <ma14:placeholderFlag xmlns:ma14="http://schemas.microsoft.com/office/mac/drawingml/2011/main" xmlns="" val="1"/>
+              <ma14:placeholderFlag xmlns="" xmlns:ma14="http://schemas.microsoft.com/office/mac/drawingml/2011/main" val="1"/>
             </a:ext>
           </a:extLst>
         </p:spPr>
@@ -39726,14 +43071,14 @@
           <a:effectLst/>
           <a:extLst>
             <a:ext uri="{909E8E84-426E-40dd-AFC4-6F175D3DCCD1}">
-              <a14:hiddenFill xmlns:a14="http://schemas.microsoft.com/office/drawing/2010/main" xmlns="">
+              <a14:hiddenFill xmlns="" xmlns:a14="http://schemas.microsoft.com/office/drawing/2010/main">
                 <a:solidFill>
                   <a:schemeClr val="accent1"/>
                 </a:solidFill>
               </a14:hiddenFill>
             </a:ext>
             <a:ext uri="{91240B29-F687-4f45-9708-019B960494DF}">
-              <a14:hiddenLine xmlns:a14="http://schemas.microsoft.com/office/drawing/2010/main" xmlns="" w="9525">
+              <a14:hiddenLine xmlns="" xmlns:a14="http://schemas.microsoft.com/office/drawing/2010/main" w="9525">
                 <a:solidFill>
                   <a:schemeClr val="tx1"/>
                 </a:solidFill>
@@ -39743,7 +43088,7 @@
               </a14:hiddenLine>
             </a:ext>
             <a:ext uri="{AF507438-7753-43e0-B8FC-AC1667EBCBE1}">
-              <a14:hiddenEffects xmlns:a14="http://schemas.microsoft.com/office/drawing/2010/main" xmlns="">
+              <a14:hiddenEffects xmlns="" xmlns:a14="http://schemas.microsoft.com/office/drawing/2010/main">
                 <a:effectLst>
                   <a:outerShdw blurRad="63500" dist="38099" dir="2700000" algn="ctr" rotWithShape="0">
                     <a:schemeClr val="bg2">
@@ -39754,7 +43099,7 @@
               </a14:hiddenEffects>
             </a:ext>
             <a:ext uri="{FAA26D3D-D897-4be2-8F04-BA451C77F1D7}">
-              <ma14:placeholderFlag xmlns:ma14="http://schemas.microsoft.com/office/mac/drawingml/2011/main" xmlns="" val="1"/>
+              <ma14:placeholderFlag xmlns="" xmlns:ma14="http://schemas.microsoft.com/office/mac/drawingml/2011/main" val="1"/>
             </a:ext>
           </a:extLst>
         </p:spPr>
@@ -39963,14 +43308,14 @@
           <a:effectLst/>
           <a:extLst>
             <a:ext uri="{909E8E84-426E-40dd-AFC4-6F175D3DCCD1}">
-              <a14:hiddenFill xmlns:a14="http://schemas.microsoft.com/office/drawing/2010/main" xmlns="">
+              <a14:hiddenFill xmlns="" xmlns:a14="http://schemas.microsoft.com/office/drawing/2010/main">
                 <a:solidFill>
                   <a:schemeClr val="accent1"/>
                 </a:solidFill>
               </a14:hiddenFill>
             </a:ext>
             <a:ext uri="{91240B29-F687-4f45-9708-019B960494DF}">
-              <a14:hiddenLine xmlns:a14="http://schemas.microsoft.com/office/drawing/2010/main" xmlns="" w="9525">
+              <a14:hiddenLine xmlns="" xmlns:a14="http://schemas.microsoft.com/office/drawing/2010/main" w="9525">
                 <a:solidFill>
                   <a:schemeClr val="tx1"/>
                 </a:solidFill>
@@ -39980,7 +43325,7 @@
               </a14:hiddenLine>
             </a:ext>
             <a:ext uri="{AF507438-7753-43e0-B8FC-AC1667EBCBE1}">
-              <a14:hiddenEffects xmlns:a14="http://schemas.microsoft.com/office/drawing/2010/main" xmlns="">
+              <a14:hiddenEffects xmlns="" xmlns:a14="http://schemas.microsoft.com/office/drawing/2010/main">
                 <a:effectLst>
                   <a:outerShdw blurRad="63500" dist="38099" dir="2700000" algn="ctr" rotWithShape="0">
                     <a:schemeClr val="bg2">
@@ -39991,7 +43336,7 @@
               </a14:hiddenEffects>
             </a:ext>
             <a:ext uri="{FAA26D3D-D897-4be2-8F04-BA451C77F1D7}">
-              <ma14:placeholderFlag xmlns:ma14="http://schemas.microsoft.com/office/mac/drawingml/2011/main" xmlns="" val="1"/>
+              <ma14:placeholderFlag xmlns="" xmlns:ma14="http://schemas.microsoft.com/office/mac/drawingml/2011/main" val="1"/>
             </a:ext>
           </a:extLst>
         </p:spPr>
@@ -40180,14 +43525,14 @@
           <a:effectLst/>
           <a:extLst>
             <a:ext uri="{909E8E84-426E-40dd-AFC4-6F175D3DCCD1}">
-              <a14:hiddenFill xmlns:a14="http://schemas.microsoft.com/office/drawing/2010/main" xmlns="">
+              <a14:hiddenFill xmlns="" xmlns:a14="http://schemas.microsoft.com/office/drawing/2010/main">
                 <a:solidFill>
                   <a:schemeClr val="accent1"/>
                 </a:solidFill>
               </a14:hiddenFill>
             </a:ext>
             <a:ext uri="{91240B29-F687-4f45-9708-019B960494DF}">
-              <a14:hiddenLine xmlns:a14="http://schemas.microsoft.com/office/drawing/2010/main" xmlns="" w="9525">
+              <a14:hiddenLine xmlns="" xmlns:a14="http://schemas.microsoft.com/office/drawing/2010/main" w="9525">
                 <a:solidFill>
                   <a:schemeClr val="tx1"/>
                 </a:solidFill>
@@ -40197,7 +43542,7 @@
               </a14:hiddenLine>
             </a:ext>
             <a:ext uri="{AF507438-7753-43e0-B8FC-AC1667EBCBE1}">
-              <a14:hiddenEffects xmlns:a14="http://schemas.microsoft.com/office/drawing/2010/main" xmlns="">
+              <a14:hiddenEffects xmlns="" xmlns:a14="http://schemas.microsoft.com/office/drawing/2010/main">
                 <a:effectLst>
                   <a:outerShdw blurRad="63500" dist="38099" dir="2700000" algn="ctr" rotWithShape="0">
                     <a:schemeClr val="bg2">
@@ -40208,7 +43553,7 @@
               </a14:hiddenEffects>
             </a:ext>
             <a:ext uri="{FAA26D3D-D897-4be2-8F04-BA451C77F1D7}">
-              <ma14:placeholderFlag xmlns:ma14="http://schemas.microsoft.com/office/mac/drawingml/2011/main" xmlns="" val="1"/>
+              <ma14:placeholderFlag xmlns="" xmlns:ma14="http://schemas.microsoft.com/office/mac/drawingml/2011/main" val="1"/>
             </a:ext>
           </a:extLst>
         </p:spPr>
@@ -40431,14 +43776,14 @@
           <a:effectLst/>
           <a:extLst>
             <a:ext uri="{909E8E84-426E-40dd-AFC4-6F175D3DCCD1}">
-              <a14:hiddenFill xmlns:a14="http://schemas.microsoft.com/office/drawing/2010/main" xmlns="">
+              <a14:hiddenFill xmlns="" xmlns:a14="http://schemas.microsoft.com/office/drawing/2010/main">
                 <a:solidFill>
                   <a:schemeClr val="accent1"/>
                 </a:solidFill>
               </a14:hiddenFill>
             </a:ext>
             <a:ext uri="{91240B29-F687-4f45-9708-019B960494DF}">
-              <a14:hiddenLine xmlns:a14="http://schemas.microsoft.com/office/drawing/2010/main" xmlns="" w="9525">
+              <a14:hiddenLine xmlns="" xmlns:a14="http://schemas.microsoft.com/office/drawing/2010/main" w="9525">
                 <a:solidFill>
                   <a:schemeClr val="tx1"/>
                 </a:solidFill>
@@ -40448,7 +43793,7 @@
               </a14:hiddenLine>
             </a:ext>
             <a:ext uri="{AF507438-7753-43e0-B8FC-AC1667EBCBE1}">
-              <a14:hiddenEffects xmlns:a14="http://schemas.microsoft.com/office/drawing/2010/main" xmlns="">
+              <a14:hiddenEffects xmlns="" xmlns:a14="http://schemas.microsoft.com/office/drawing/2010/main">
                 <a:effectLst>
                   <a:outerShdw blurRad="63500" dist="38099" dir="2700000" algn="ctr" rotWithShape="0">
                     <a:schemeClr val="bg2">
@@ -40459,7 +43804,7 @@
               </a14:hiddenEffects>
             </a:ext>
             <a:ext uri="{FAA26D3D-D897-4be2-8F04-BA451C77F1D7}">
-              <ma14:placeholderFlag xmlns:ma14="http://schemas.microsoft.com/office/mac/drawingml/2011/main" xmlns="" val="1"/>
+              <ma14:placeholderFlag xmlns="" xmlns:ma14="http://schemas.microsoft.com/office/mac/drawingml/2011/main" val="1"/>
             </a:ext>
           </a:extLst>
         </p:spPr>
@@ -40672,7 +44017,7 @@
           <a:p>
             <a:fld id="{E4F9C820-4759-47F0-AB22-A5CE1F5A5EF6}" type="datetime1">
               <a:rPr lang="en-US" smtClean="0"/>
-              <a:t>11/9/2017</a:t>
+              <a:t>11/22/2017</a:t>
             </a:fld>
             <a:endParaRPr lang="en-US" dirty="0"/>
           </a:p>
@@ -41668,7 +45013,7 @@
           <a:p>
             <a:fld id="{577B252E-48AB-4A61-9922-816B9A78CAB9}" type="datetime1">
               <a:rPr lang="en-US" smtClean="0"/>
-              <a:t>11/9/2017</a:t>
+              <a:t>11/22/2017</a:t>
             </a:fld>
             <a:endParaRPr lang="en-US" dirty="0"/>
           </a:p>

--- a/docs/downloads/uv3/UIMA_V3_Programmers_Solutions.pptx
+++ b/docs/downloads/uv3/UIMA_V3_Programmers_Solutions.pptx
@@ -32,8 +32,8 @@
     <p:sldId id="287" r:id="rId20"/>
     <p:sldId id="286" r:id="rId21"/>
     <p:sldId id="283" r:id="rId22"/>
-    <p:sldId id="285" r:id="rId23"/>
-    <p:sldId id="284" r:id="rId24"/>
+    <p:sldId id="284" r:id="rId23"/>
+    <p:sldId id="285" r:id="rId24"/>
     <p:sldId id="275" r:id="rId25"/>
     <p:sldId id="276" r:id="rId26"/>
     <p:sldId id="277" r:id="rId27"/>
@@ -5783,7 +5783,7 @@
           <a:p>
             <a:fld id="{D5AE7E42-DFA5-4747-B027-9C6590666EA2}" type="datetimeFigureOut">
               <a:rPr lang="en-US" smtClean="0"/>
-              <a:t>11/22/2017</a:t>
+              <a:t>12/5/2017</a:t>
             </a:fld>
             <a:endParaRPr lang="en-US"/>
           </a:p>
@@ -5960,7 +5960,7 @@
           <a:p>
             <a:fld id="{10AFCD9C-F499-4267-8C78-55E286A594BB}" type="datetimeFigureOut">
               <a:rPr lang="en-US" smtClean="0"/>
-              <a:t>11/22/2017</a:t>
+              <a:t>12/5/2017</a:t>
             </a:fld>
             <a:endParaRPr lang="en-US"/>
           </a:p>
@@ -6374,7 +6374,7 @@
           <a:p>
             <a:fld id="{5741791C-665E-4775-B64D-D30EF2B2B7B8}" type="datetime1">
               <a:rPr lang="en-US" smtClean="0"/>
-              <a:t>11/22/2017</a:t>
+              <a:t>12/5/2017</a:t>
             </a:fld>
             <a:endParaRPr lang="en-US"/>
           </a:p>
@@ -6585,7 +6585,7 @@
           <a:p>
             <a:fld id="{6E3AD883-BB4A-43E7-8B54-32F0D8E31A31}" type="datetime1">
               <a:rPr lang="en-US" smtClean="0"/>
-              <a:t>11/22/2017</a:t>
+              <a:t>12/5/2017</a:t>
             </a:fld>
             <a:endParaRPr lang="en-US"/>
           </a:p>
@@ -6915,7 +6915,7 @@
           <a:p>
             <a:fld id="{3A06DE66-39AE-4831-A32F-D50CD04A19D6}" type="datetime1">
               <a:rPr lang="en-US" smtClean="0"/>
-              <a:t>11/22/2017</a:t>
+              <a:t>12/5/2017</a:t>
             </a:fld>
             <a:endParaRPr lang="en-US" dirty="0"/>
           </a:p>
@@ -7059,7 +7059,7 @@
           <a:p>
             <a:fld id="{8FF3E4E4-9199-4F7E-8866-2F6B7F71A281}" type="datetime1">
               <a:rPr lang="en-US" smtClean="0"/>
-              <a:t>11/22/2017</a:t>
+              <a:t>12/5/2017</a:t>
             </a:fld>
             <a:endParaRPr lang="en-US"/>
           </a:p>
@@ -7364,7 +7364,7 @@
           <a:p>
             <a:fld id="{2B97D6C3-43B7-4F89-9E79-82A5A3605E61}" type="datetime1">
               <a:rPr lang="en-US" smtClean="0"/>
-              <a:t>11/22/2017</a:t>
+              <a:t>12/5/2017</a:t>
             </a:fld>
             <a:endParaRPr lang="en-US"/>
           </a:p>
@@ -7779,7 +7779,7 @@
           <a:p>
             <a:fld id="{FD0B8F11-1323-469B-AC60-FF2EF78823F9}" type="datetime1">
               <a:rPr lang="en-US" smtClean="0"/>
-              <a:t>11/22/2017</a:t>
+              <a:t>12/5/2017</a:t>
             </a:fld>
             <a:endParaRPr lang="en-US"/>
           </a:p>
@@ -7923,7 +7923,7 @@
           <a:p>
             <a:fld id="{54BBCB53-97AE-4393-A693-0DBD562BEFA5}" type="datetime1">
               <a:rPr lang="en-US" smtClean="0"/>
-              <a:t>11/22/2017</a:t>
+              <a:t>12/5/2017</a:t>
             </a:fld>
             <a:endParaRPr lang="en-US"/>
           </a:p>
@@ -8039,7 +8039,7 @@
           <a:p>
             <a:fld id="{B981CF97-F271-46FA-AFAD-B64D58C1A4A5}" type="datetime1">
               <a:rPr lang="en-US" smtClean="0"/>
-              <a:t>11/22/2017</a:t>
+              <a:t>12/5/2017</a:t>
             </a:fld>
             <a:endParaRPr lang="en-US"/>
           </a:p>
@@ -8353,7 +8353,7 @@
           <a:p>
             <a:fld id="{D54BAA09-AA03-4B31-9F17-60602C8A3204}" type="datetime1">
               <a:rPr lang="en-US" smtClean="0"/>
-              <a:t>11/22/2017</a:t>
+              <a:t>12/5/2017</a:t>
             </a:fld>
             <a:endParaRPr lang="en-US"/>
           </a:p>
@@ -8644,7 +8644,7 @@
           <a:p>
             <a:fld id="{2A77BDCF-5486-4FF1-98FC-611FE60EE5CF}" type="datetime1">
               <a:rPr lang="en-US" smtClean="0"/>
-              <a:t>11/22/2017</a:t>
+              <a:t>12/5/2017</a:t>
             </a:fld>
             <a:endParaRPr lang="en-US"/>
           </a:p>
@@ -8845,7 +8845,7 @@
           <a:p>
             <a:fld id="{EA12D9D7-0E70-4F82-B131-E2872E8691D4}" type="datetime1">
               <a:rPr lang="en-US" smtClean="0"/>
-              <a:t>11/22/2017</a:t>
+              <a:t>12/5/2017</a:t>
             </a:fld>
             <a:endParaRPr lang="en-US"/>
           </a:p>
@@ -9090,7 +9090,7 @@
           <a:p>
             <a:fld id="{5B34B120-4EAF-4826-8A44-643630AE28A7}" type="datetime1">
               <a:rPr lang="en-US" smtClean="0"/>
-              <a:t>11/22/2017</a:t>
+              <a:t>12/5/2017</a:t>
             </a:fld>
             <a:endParaRPr lang="en-US"/>
           </a:p>
@@ -14515,9 +14515,52 @@
           <a:p>
             <a:fld id="{AE869A3F-42FC-4A54-9A1C-B9B45A0435F5}" type="datetime1">
               <a:rPr lang="en-US" smtClean="0"/>
-              <a:t>11/22/2017</a:t>
+              <a:t>12/5/2017</a:t>
             </a:fld>
             <a:endParaRPr lang="en-US" dirty="0"/>
+          </a:p>
+        </p:txBody>
+      </p:sp>
+      <p:sp>
+        <p:nvSpPr>
+          <p:cNvPr id="71" name="TextBox 70">
+            <a:extLst>
+              <a:ext uri="{FF2B5EF4-FFF2-40B4-BE49-F238E27FC236}">
+                <a16:creationId xmlns:a16="http://schemas.microsoft.com/office/drawing/2014/main" id="{D33C39B0-DA3C-40CE-B26D-7622C0A3E571}"/>
+              </a:ext>
+            </a:extLst>
+          </p:cNvPr>
+          <p:cNvSpPr txBox="1"/>
+          <p:nvPr/>
+        </p:nvSpPr>
+        <p:spPr>
+          <a:xfrm>
+            <a:off x="4854649" y="5085040"/>
+            <a:ext cx="6019148" cy="369332"/>
+          </a:xfrm>
+          <a:prstGeom prst="rect">
+            <a:avLst/>
+          </a:prstGeom>
+          <a:noFill/>
+        </p:spPr>
+        <p:txBody>
+          <a:bodyPr wrap="none" rtlCol="0">
+            <a:spAutoFit/>
+          </a:bodyPr>
+          <a:lstStyle/>
+          <a:p>
+            <a:r>
+              <a:rPr lang="en-US" dirty="0"/>
+              <a:t>These are “builder” methods: </a:t>
+            </a:r>
+            <a:r>
+              <a:rPr lang="en-US" dirty="0" err="1"/>
+              <a:t>xxx.select</a:t>
+            </a:r>
+            <a:r>
+              <a:rPr lang="en-US" dirty="0"/>
+              <a:t>().nonoverlapping()…</a:t>
+            </a:r>
           </a:p>
         </p:txBody>
       </p:sp>
@@ -14680,6 +14723,33 @@
                                   </p:childTnLst>
                                 </p:cTn>
                               </p:par>
+                              <p:par>
+                                <p:cTn id="15" presetID="1" presetClass="entr" presetSubtype="0" fill="hold" grpId="0" nodeType="withEffect">
+                                  <p:stCondLst>
+                                    <p:cond delay="0"/>
+                                  </p:stCondLst>
+                                  <p:childTnLst>
+                                    <p:set>
+                                      <p:cBhvr>
+                                        <p:cTn id="16" dur="1" fill="hold">
+                                          <p:stCondLst>
+                                            <p:cond delay="0"/>
+                                          </p:stCondLst>
+                                        </p:cTn>
+                                        <p:tgtEl>
+                                          <p:spTgt spid="71"/>
+                                        </p:tgtEl>
+                                        <p:attrNameLst>
+                                          <p:attrName>style.visibility</p:attrName>
+                                        </p:attrNameLst>
+                                      </p:cBhvr>
+                                      <p:to>
+                                        <p:strVal val="visible"/>
+                                      </p:to>
+                                    </p:set>
+                                  </p:childTnLst>
+                                </p:cTn>
+                              </p:par>
                             </p:childTnLst>
                           </p:cTn>
                         </p:par>
@@ -14687,26 +14757,26 @@
                     </p:cTn>
                   </p:par>
                   <p:par>
-                    <p:cTn id="15" fill="hold">
+                    <p:cTn id="17" fill="hold">
                       <p:stCondLst>
                         <p:cond delay="indefinite"/>
                       </p:stCondLst>
                       <p:childTnLst>
                         <p:par>
-                          <p:cTn id="16" fill="hold">
+                          <p:cTn id="18" fill="hold">
                             <p:stCondLst>
                               <p:cond delay="0"/>
                             </p:stCondLst>
                             <p:childTnLst>
                               <p:par>
-                                <p:cTn id="17" presetID="1" presetClass="entr" presetSubtype="0" fill="hold" grpId="0" nodeType="clickEffect">
+                                <p:cTn id="19" presetID="1" presetClass="entr" presetSubtype="0" fill="hold" grpId="0" nodeType="clickEffect">
                                   <p:stCondLst>
                                     <p:cond delay="0"/>
                                   </p:stCondLst>
                                   <p:childTnLst>
                                     <p:set>
                                       <p:cBhvr>
-                                        <p:cTn id="18" dur="1" fill="hold">
+                                        <p:cTn id="20" dur="1" fill="hold">
                                           <p:stCondLst>
                                             <p:cond delay="0"/>
                                           </p:stCondLst>
@@ -14757,7 +14827,8 @@
       </p:par>
     </p:tnLst>
     <p:bldLst>
-      <p:bldP spid="3" grpId="0" build="p"/>
+      <p:bldP spid="3" grpId="0" uiExpand="1" build="p"/>
+      <p:bldP spid="71" grpId="0"/>
     </p:bldLst>
   </p:timing>
 </p:sld>
@@ -18688,7 +18759,7 @@
           <a:p>
             <a:fld id="{74D1715A-5C75-404B-8400-C0508CBEB4BF}" type="datetime1">
               <a:rPr lang="en-US" smtClean="0"/>
-              <a:t>11/22/2017</a:t>
+              <a:t>12/5/2017</a:t>
             </a:fld>
             <a:endParaRPr lang="en-US" dirty="0"/>
           </a:p>
@@ -18855,12 +18926,12 @@
         <p:spPr>
           <a:xfrm>
             <a:off x="619114" y="3996975"/>
-            <a:ext cx="7618405" cy="1725359"/>
+            <a:ext cx="8666669" cy="2321275"/>
           </a:xfrm>
         </p:spPr>
         <p:txBody>
           <a:bodyPr>
-            <a:normAutofit fontScale="77500" lnSpcReduction="20000"/>
+            <a:normAutofit/>
           </a:bodyPr>
           <a:lstStyle/>
           <a:p>
@@ -18868,21 +18939,21 @@
               <a:buNone/>
             </a:pPr>
             <a:r>
-              <a:rPr lang="en-US" dirty="0">
+              <a:rPr lang="en-US" sz="2400" dirty="0">
                 <a:latin typeface="Courier New" panose="02070309020205020404" pitchFamily="49" charset="0"/>
                 <a:cs typeface="Courier New" panose="02070309020205020404" pitchFamily="49" charset="0"/>
               </a:rPr>
               <a:t>select(</a:t>
             </a:r>
             <a:r>
-              <a:rPr lang="en-US" dirty="0" err="1">
+              <a:rPr lang="en-US" sz="2400" dirty="0" err="1">
                 <a:latin typeface="Courier New" panose="02070309020205020404" pitchFamily="49" charset="0"/>
                 <a:cs typeface="Courier New" panose="02070309020205020404" pitchFamily="49" charset="0"/>
               </a:rPr>
               <a:t>Annotation.class</a:t>
             </a:r>
             <a:r>
-              <a:rPr lang="en-US" dirty="0">
+              <a:rPr lang="en-US" sz="2400" dirty="0">
                 <a:latin typeface="Courier New" panose="02070309020205020404" pitchFamily="49" charset="0"/>
                 <a:cs typeface="Courier New" panose="02070309020205020404" pitchFamily="49" charset="0"/>
               </a:rPr>
@@ -18894,7 +18965,7 @@
               <a:buNone/>
             </a:pPr>
             <a:r>
-              <a:rPr lang="en-US" dirty="0">
+              <a:rPr lang="en-US" sz="2400" dirty="0">
                 <a:cs typeface="Courier New" panose="02070309020205020404" pitchFamily="49" charset="0"/>
               </a:rPr>
               <a:t>Gets x1, x2, x3</a:t>
@@ -18905,49 +18976,49 @@
               <a:buNone/>
             </a:pPr>
             <a:r>
-              <a:rPr lang="en-US" dirty="0">
+              <a:rPr lang="en-US" sz="2400" dirty="0">
                 <a:latin typeface="Courier New" panose="02070309020205020404" pitchFamily="49" charset="0"/>
                 <a:cs typeface="Courier New" panose="02070309020205020404" pitchFamily="49" charset="0"/>
               </a:rPr>
               <a:t>select(</a:t>
             </a:r>
             <a:r>
-              <a:rPr lang="en-US" dirty="0" err="1">
+              <a:rPr lang="en-US" sz="2400" dirty="0" err="1">
                 <a:latin typeface="Courier New" panose="02070309020205020404" pitchFamily="49" charset="0"/>
                 <a:cs typeface="Courier New" panose="02070309020205020404" pitchFamily="49" charset="0"/>
               </a:rPr>
               <a:t>Annotation.class</a:t>
             </a:r>
             <a:r>
-              <a:rPr lang="en-US" dirty="0">
+              <a:rPr lang="en-US" sz="2400" dirty="0">
                 <a:latin typeface="Courier New" panose="02070309020205020404" pitchFamily="49" charset="0"/>
                 <a:cs typeface="Courier New" panose="02070309020205020404" pitchFamily="49" charset="0"/>
               </a:rPr>
               <a:t>).at(</a:t>
             </a:r>
             <a:r>
-              <a:rPr lang="en-US" dirty="0" err="1">
+              <a:rPr lang="en-US" sz="2400" dirty="0" err="1">
                 <a:latin typeface="Courier New" panose="02070309020205020404" pitchFamily="49" charset="0"/>
                 <a:cs typeface="Courier New" panose="02070309020205020404" pitchFamily="49" charset="0"/>
               </a:rPr>
               <a:t>aBegin</a:t>
             </a:r>
             <a:r>
-              <a:rPr lang="en-US" dirty="0">
+              <a:rPr lang="en-US" sz="2400" dirty="0">
                 <a:latin typeface="Courier New" panose="02070309020205020404" pitchFamily="49" charset="0"/>
                 <a:cs typeface="Courier New" panose="02070309020205020404" pitchFamily="49" charset="0"/>
               </a:rPr>
               <a:t>, </a:t>
             </a:r>
             <a:r>
-              <a:rPr lang="en-US" dirty="0" err="1">
+              <a:rPr lang="en-US" sz="2400" dirty="0" err="1">
                 <a:latin typeface="Courier New" panose="02070309020205020404" pitchFamily="49" charset="0"/>
                 <a:cs typeface="Courier New" panose="02070309020205020404" pitchFamily="49" charset="0"/>
               </a:rPr>
               <a:t>anEnd</a:t>
             </a:r>
             <a:r>
-              <a:rPr lang="en-US" dirty="0">
+              <a:rPr lang="en-US" sz="2400" dirty="0">
                 <a:latin typeface="Courier New" panose="02070309020205020404" pitchFamily="49" charset="0"/>
                 <a:cs typeface="Courier New" panose="02070309020205020404" pitchFamily="49" charset="0"/>
               </a:rPr>
@@ -18959,25 +19030,25 @@
               <a:buNone/>
             </a:pPr>
             <a:r>
-              <a:rPr lang="en-US" dirty="0">
+              <a:rPr lang="en-US" sz="2400" dirty="0">
                 <a:cs typeface="Courier New" panose="02070309020205020404" pitchFamily="49" charset="0"/>
               </a:rPr>
               <a:t>By default: </a:t>
             </a:r>
             <a:r>
-              <a:rPr lang="en-US" dirty="0" err="1">
+              <a:rPr lang="en-US" sz="2400" dirty="0" err="1">
                 <a:cs typeface="Courier New" panose="02070309020205020404" pitchFamily="49" charset="0"/>
               </a:rPr>
               <a:t>typePriority</a:t>
             </a:r>
             <a:r>
-              <a:rPr lang="en-US" dirty="0">
+              <a:rPr lang="en-US" sz="2400" dirty="0">
                 <a:cs typeface="Courier New" panose="02070309020205020404" pitchFamily="49" charset="0"/>
               </a:rPr>
               <a:t> ordering is ignored </a:t>
             </a:r>
             <a:r>
-              <a:rPr lang="en-US" dirty="0">
+              <a:rPr lang="en-US" sz="2400" dirty="0">
                 <a:cs typeface="Courier New" panose="02070309020205020404" pitchFamily="49" charset="0"/>
                 <a:sym typeface="Wingdings" panose="05000000000000000000" pitchFamily="2" charset="2"/>
               </a:rPr>
@@ -22799,7 +22870,7 @@
           <a:p>
             <a:fld id="{EEAB934A-3C39-4AEB-9556-80DFBB4A665D}" type="datetime1">
               <a:rPr lang="en-US" smtClean="0"/>
-              <a:t>11/22/2017</a:t>
+              <a:t>12/5/2017</a:t>
             </a:fld>
             <a:endParaRPr lang="en-US" dirty="0"/>
           </a:p>
@@ -23211,14 +23282,14 @@
           <a:effectLst/>
           <a:extLst>
             <a:ext uri="{909E8E84-426E-40dd-AFC4-6F175D3DCCD1}">
-              <a14:hiddenFill xmlns="" xmlns:a14="http://schemas.microsoft.com/office/drawing/2010/main">
+              <a14:hiddenFill xmlns:a14="http://schemas.microsoft.com/office/drawing/2010/main" xmlns="">
                 <a:solidFill>
                   <a:schemeClr val="accent1"/>
                 </a:solidFill>
               </a14:hiddenFill>
             </a:ext>
             <a:ext uri="{91240B29-F687-4f45-9708-019B960494DF}">
-              <a14:hiddenLine xmlns="" xmlns:a14="http://schemas.microsoft.com/office/drawing/2010/main" w="9525">
+              <a14:hiddenLine xmlns:a14="http://schemas.microsoft.com/office/drawing/2010/main" xmlns="" w="9525">
                 <a:solidFill>
                   <a:schemeClr val="tx1"/>
                 </a:solidFill>
@@ -23228,7 +23299,7 @@
               </a14:hiddenLine>
             </a:ext>
             <a:ext uri="{AF507438-7753-43e0-B8FC-AC1667EBCBE1}">
-              <a14:hiddenEffects xmlns="" xmlns:a14="http://schemas.microsoft.com/office/drawing/2010/main">
+              <a14:hiddenEffects xmlns:a14="http://schemas.microsoft.com/office/drawing/2010/main" xmlns="">
                 <a:effectLst>
                   <a:outerShdw blurRad="63500" dist="38099" dir="2700000" algn="ctr" rotWithShape="0">
                     <a:schemeClr val="bg2">
@@ -23239,7 +23310,7 @@
               </a14:hiddenEffects>
             </a:ext>
             <a:ext uri="{FAA26D3D-D897-4be2-8F04-BA451C77F1D7}">
-              <ma14:placeholderFlag xmlns="" xmlns:ma14="http://schemas.microsoft.com/office/mac/drawingml/2011/main" val="1"/>
+              <ma14:placeholderFlag xmlns:ma14="http://schemas.microsoft.com/office/mac/drawingml/2011/main" xmlns="" val="1"/>
             </a:ext>
           </a:extLst>
         </p:spPr>
@@ -23428,14 +23499,14 @@
           <a:effectLst/>
           <a:extLst>
             <a:ext uri="{909E8E84-426E-40dd-AFC4-6F175D3DCCD1}">
-              <a14:hiddenFill xmlns="" xmlns:a14="http://schemas.microsoft.com/office/drawing/2010/main">
+              <a14:hiddenFill xmlns:a14="http://schemas.microsoft.com/office/drawing/2010/main" xmlns="">
                 <a:solidFill>
                   <a:schemeClr val="accent1"/>
                 </a:solidFill>
               </a14:hiddenFill>
             </a:ext>
             <a:ext uri="{91240B29-F687-4f45-9708-019B960494DF}">
-              <a14:hiddenLine xmlns="" xmlns:a14="http://schemas.microsoft.com/office/drawing/2010/main" w="9525">
+              <a14:hiddenLine xmlns:a14="http://schemas.microsoft.com/office/drawing/2010/main" xmlns="" w="9525">
                 <a:solidFill>
                   <a:schemeClr val="tx1"/>
                 </a:solidFill>
@@ -23445,7 +23516,7 @@
               </a14:hiddenLine>
             </a:ext>
             <a:ext uri="{AF507438-7753-43e0-B8FC-AC1667EBCBE1}">
-              <a14:hiddenEffects xmlns="" xmlns:a14="http://schemas.microsoft.com/office/drawing/2010/main">
+              <a14:hiddenEffects xmlns:a14="http://schemas.microsoft.com/office/drawing/2010/main" xmlns="">
                 <a:effectLst>
                   <a:outerShdw blurRad="63500" dist="38099" dir="2700000" algn="ctr" rotWithShape="0">
                     <a:schemeClr val="bg2">
@@ -23456,7 +23527,7 @@
               </a14:hiddenEffects>
             </a:ext>
             <a:ext uri="{FAA26D3D-D897-4be2-8F04-BA451C77F1D7}">
-              <ma14:placeholderFlag xmlns="" xmlns:ma14="http://schemas.microsoft.com/office/mac/drawingml/2011/main" val="1"/>
+              <ma14:placeholderFlag xmlns:ma14="http://schemas.microsoft.com/office/mac/drawingml/2011/main" xmlns="" val="1"/>
             </a:ext>
           </a:extLst>
         </p:spPr>
@@ -23672,14 +23743,14 @@
           <a:effectLst/>
           <a:extLst>
             <a:ext uri="{909E8E84-426E-40dd-AFC4-6F175D3DCCD1}">
-              <a14:hiddenFill xmlns="" xmlns:a14="http://schemas.microsoft.com/office/drawing/2010/main">
+              <a14:hiddenFill xmlns:a14="http://schemas.microsoft.com/office/drawing/2010/main" xmlns="">
                 <a:solidFill>
                   <a:schemeClr val="accent1"/>
                 </a:solidFill>
               </a14:hiddenFill>
             </a:ext>
             <a:ext uri="{91240B29-F687-4f45-9708-019B960494DF}">
-              <a14:hiddenLine xmlns="" xmlns:a14="http://schemas.microsoft.com/office/drawing/2010/main" w="9525">
+              <a14:hiddenLine xmlns:a14="http://schemas.microsoft.com/office/drawing/2010/main" xmlns="" w="9525">
                 <a:solidFill>
                   <a:schemeClr val="tx1"/>
                 </a:solidFill>
@@ -23689,7 +23760,7 @@
               </a14:hiddenLine>
             </a:ext>
             <a:ext uri="{AF507438-7753-43e0-B8FC-AC1667EBCBE1}">
-              <a14:hiddenEffects xmlns="" xmlns:a14="http://schemas.microsoft.com/office/drawing/2010/main">
+              <a14:hiddenEffects xmlns:a14="http://schemas.microsoft.com/office/drawing/2010/main" xmlns="">
                 <a:effectLst>
                   <a:outerShdw blurRad="63500" dist="38099" dir="2700000" algn="ctr" rotWithShape="0">
                     <a:schemeClr val="bg2">
@@ -23700,7 +23771,7 @@
               </a14:hiddenEffects>
             </a:ext>
             <a:ext uri="{FAA26D3D-D897-4be2-8F04-BA451C77F1D7}">
-              <ma14:placeholderFlag xmlns="" xmlns:ma14="http://schemas.microsoft.com/office/mac/drawingml/2011/main" val="1"/>
+              <ma14:placeholderFlag xmlns:ma14="http://schemas.microsoft.com/office/mac/drawingml/2011/main" xmlns="" val="1"/>
             </a:ext>
           </a:extLst>
         </p:spPr>
@@ -23889,14 +23960,14 @@
           <a:effectLst/>
           <a:extLst>
             <a:ext uri="{909E8E84-426E-40dd-AFC4-6F175D3DCCD1}">
-              <a14:hiddenFill xmlns="" xmlns:a14="http://schemas.microsoft.com/office/drawing/2010/main">
+              <a14:hiddenFill xmlns:a14="http://schemas.microsoft.com/office/drawing/2010/main" xmlns="">
                 <a:solidFill>
                   <a:schemeClr val="accent1"/>
                 </a:solidFill>
               </a14:hiddenFill>
             </a:ext>
             <a:ext uri="{91240B29-F687-4f45-9708-019B960494DF}">
-              <a14:hiddenLine xmlns="" xmlns:a14="http://schemas.microsoft.com/office/drawing/2010/main" w="9525">
+              <a14:hiddenLine xmlns:a14="http://schemas.microsoft.com/office/drawing/2010/main" xmlns="" w="9525">
                 <a:solidFill>
                   <a:schemeClr val="tx1"/>
                 </a:solidFill>
@@ -23906,7 +23977,7 @@
               </a14:hiddenLine>
             </a:ext>
             <a:ext uri="{AF507438-7753-43e0-B8FC-AC1667EBCBE1}">
-              <a14:hiddenEffects xmlns="" xmlns:a14="http://schemas.microsoft.com/office/drawing/2010/main">
+              <a14:hiddenEffects xmlns:a14="http://schemas.microsoft.com/office/drawing/2010/main" xmlns="">
                 <a:effectLst>
                   <a:outerShdw blurRad="63500" dist="38099" dir="2700000" algn="ctr" rotWithShape="0">
                     <a:schemeClr val="bg2">
@@ -23917,7 +23988,7 @@
               </a14:hiddenEffects>
             </a:ext>
             <a:ext uri="{FAA26D3D-D897-4be2-8F04-BA451C77F1D7}">
-              <ma14:placeholderFlag xmlns="" xmlns:ma14="http://schemas.microsoft.com/office/mac/drawingml/2011/main" val="1"/>
+              <ma14:placeholderFlag xmlns:ma14="http://schemas.microsoft.com/office/mac/drawingml/2011/main" xmlns="" val="1"/>
             </a:ext>
           </a:extLst>
         </p:spPr>
@@ -24133,14 +24204,14 @@
           <a:effectLst/>
           <a:extLst>
             <a:ext uri="{909E8E84-426E-40dd-AFC4-6F175D3DCCD1}">
-              <a14:hiddenFill xmlns="" xmlns:a14="http://schemas.microsoft.com/office/drawing/2010/main">
+              <a14:hiddenFill xmlns:a14="http://schemas.microsoft.com/office/drawing/2010/main" xmlns="">
                 <a:solidFill>
                   <a:schemeClr val="accent1"/>
                 </a:solidFill>
               </a14:hiddenFill>
             </a:ext>
             <a:ext uri="{91240B29-F687-4f45-9708-019B960494DF}">
-              <a14:hiddenLine xmlns="" xmlns:a14="http://schemas.microsoft.com/office/drawing/2010/main" w="9525">
+              <a14:hiddenLine xmlns:a14="http://schemas.microsoft.com/office/drawing/2010/main" xmlns="" w="9525">
                 <a:solidFill>
                   <a:schemeClr val="tx1"/>
                 </a:solidFill>
@@ -24150,7 +24221,7 @@
               </a14:hiddenLine>
             </a:ext>
             <a:ext uri="{AF507438-7753-43e0-B8FC-AC1667EBCBE1}">
-              <a14:hiddenEffects xmlns="" xmlns:a14="http://schemas.microsoft.com/office/drawing/2010/main">
+              <a14:hiddenEffects xmlns:a14="http://schemas.microsoft.com/office/drawing/2010/main" xmlns="">
                 <a:effectLst>
                   <a:outerShdw blurRad="63500" dist="38099" dir="2700000" algn="ctr" rotWithShape="0">
                     <a:schemeClr val="bg2">
@@ -24161,7 +24232,7 @@
               </a14:hiddenEffects>
             </a:ext>
             <a:ext uri="{FAA26D3D-D897-4be2-8F04-BA451C77F1D7}">
-              <ma14:placeholderFlag xmlns="" xmlns:ma14="http://schemas.microsoft.com/office/mac/drawingml/2011/main" val="1"/>
+              <ma14:placeholderFlag xmlns:ma14="http://schemas.microsoft.com/office/mac/drawingml/2011/main" xmlns="" val="1"/>
             </a:ext>
           </a:extLst>
         </p:spPr>
@@ -24344,7 +24415,7 @@
           <a:p>
             <a:fld id="{7497A4EB-6CF3-412F-9AC4-4CCD5D991571}" type="datetime1">
               <a:rPr lang="en-US" smtClean="0"/>
-              <a:t>11/22/2017</a:t>
+              <a:t>12/5/2017</a:t>
             </a:fld>
             <a:endParaRPr lang="en-US" dirty="0"/>
           </a:p>
@@ -24694,8 +24765,8 @@
         </p:nvSpPr>
         <p:spPr>
           <a:xfrm>
-            <a:off x="619114" y="1912204"/>
-            <a:ext cx="11054727" cy="1146993"/>
+            <a:off x="619114" y="1556296"/>
+            <a:ext cx="11054727" cy="1972104"/>
           </a:xfrm>
         </p:spPr>
         <p:txBody>
@@ -24705,6 +24776,9 @@
           <a:lstStyle/>
           <a:p>
             <a:pPr marL="0" indent="0">
+              <a:lnSpc>
+                <a:spcPct val="170000"/>
+              </a:lnSpc>
               <a:buNone/>
             </a:pPr>
             <a:r>
@@ -24759,6 +24833,9 @@
           </a:p>
           <a:p>
             <a:pPr marL="0" indent="0">
+              <a:lnSpc>
+                <a:spcPct val="170000"/>
+              </a:lnSpc>
               <a:buNone/>
             </a:pPr>
             <a:r>
@@ -24799,6 +24876,9 @@
           </a:p>
           <a:p>
             <a:pPr marL="0" indent="0">
+              <a:lnSpc>
+                <a:spcPct val="170000"/>
+              </a:lnSpc>
               <a:buNone/>
             </a:pPr>
             <a:r>
@@ -24951,7 +25031,7 @@
         </p:nvSpPr>
         <p:spPr bwMode="auto">
           <a:xfrm>
-            <a:off x="981075" y="3390239"/>
+            <a:off x="981075" y="3884308"/>
             <a:ext cx="4648114" cy="386323"/>
           </a:xfrm>
           <a:prstGeom prst="rect">
@@ -24964,14 +25044,14 @@
           <a:effectLst/>
           <a:extLst>
             <a:ext uri="{909E8E84-426E-40dd-AFC4-6F175D3DCCD1}">
-              <a14:hiddenFill xmlns="" xmlns:a14="http://schemas.microsoft.com/office/drawing/2010/main">
+              <a14:hiddenFill xmlns:a14="http://schemas.microsoft.com/office/drawing/2010/main" xmlns="">
                 <a:solidFill>
                   <a:schemeClr val="accent1"/>
                 </a:solidFill>
               </a14:hiddenFill>
             </a:ext>
             <a:ext uri="{91240B29-F687-4f45-9708-019B960494DF}">
-              <a14:hiddenLine xmlns="" xmlns:a14="http://schemas.microsoft.com/office/drawing/2010/main" w="9525">
+              <a14:hiddenLine xmlns:a14="http://schemas.microsoft.com/office/drawing/2010/main" xmlns="" w="9525">
                 <a:solidFill>
                   <a:schemeClr val="tx1"/>
                 </a:solidFill>
@@ -24981,7 +25061,7 @@
               </a14:hiddenLine>
             </a:ext>
             <a:ext uri="{AF507438-7753-43e0-B8FC-AC1667EBCBE1}">
-              <a14:hiddenEffects xmlns="" xmlns:a14="http://schemas.microsoft.com/office/drawing/2010/main">
+              <a14:hiddenEffects xmlns:a14="http://schemas.microsoft.com/office/drawing/2010/main" xmlns="">
                 <a:effectLst>
                   <a:outerShdw blurRad="63500" dist="38099" dir="2700000" algn="ctr" rotWithShape="0">
                     <a:schemeClr val="bg2">
@@ -24992,7 +25072,7 @@
               </a14:hiddenEffects>
             </a:ext>
             <a:ext uri="{FAA26D3D-D897-4be2-8F04-BA451C77F1D7}">
-              <ma14:placeholderFlag xmlns="" xmlns:ma14="http://schemas.microsoft.com/office/mac/drawingml/2011/main" val="1"/>
+              <ma14:placeholderFlag xmlns:ma14="http://schemas.microsoft.com/office/mac/drawingml/2011/main" xmlns="" val="1"/>
             </a:ext>
           </a:extLst>
         </p:spPr>
@@ -25168,8 +25248,8 @@
         </p:nvSpPr>
         <p:spPr bwMode="auto">
           <a:xfrm>
-            <a:off x="619114" y="4208363"/>
-            <a:ext cx="11054727" cy="1166277"/>
+            <a:off x="619114" y="4391378"/>
+            <a:ext cx="11054727" cy="1964972"/>
           </a:xfrm>
           <a:prstGeom prst="rect">
             <a:avLst/>
@@ -25181,14 +25261,14 @@
           <a:effectLst/>
           <a:extLst>
             <a:ext uri="{909E8E84-426E-40dd-AFC4-6F175D3DCCD1}">
-              <a14:hiddenFill xmlns="" xmlns:a14="http://schemas.microsoft.com/office/drawing/2010/main">
+              <a14:hiddenFill xmlns:a14="http://schemas.microsoft.com/office/drawing/2010/main" xmlns="">
                 <a:solidFill>
                   <a:schemeClr val="accent1"/>
                 </a:solidFill>
               </a14:hiddenFill>
             </a:ext>
             <a:ext uri="{91240B29-F687-4f45-9708-019B960494DF}">
-              <a14:hiddenLine xmlns="" xmlns:a14="http://schemas.microsoft.com/office/drawing/2010/main" w="9525">
+              <a14:hiddenLine xmlns:a14="http://schemas.microsoft.com/office/drawing/2010/main" xmlns="" w="9525">
                 <a:solidFill>
                   <a:schemeClr val="tx1"/>
                 </a:solidFill>
@@ -25198,7 +25278,7 @@
               </a14:hiddenLine>
             </a:ext>
             <a:ext uri="{AF507438-7753-43e0-B8FC-AC1667EBCBE1}">
-              <a14:hiddenEffects xmlns="" xmlns:a14="http://schemas.microsoft.com/office/drawing/2010/main">
+              <a14:hiddenEffects xmlns:a14="http://schemas.microsoft.com/office/drawing/2010/main" xmlns="">
                 <a:effectLst>
                   <a:outerShdw blurRad="63500" dist="38099" dir="2700000" algn="ctr" rotWithShape="0">
                     <a:schemeClr val="bg2">
@@ -25209,7 +25289,7 @@
               </a14:hiddenEffects>
             </a:ext>
             <a:ext uri="{FAA26D3D-D897-4be2-8F04-BA451C77F1D7}">
-              <ma14:placeholderFlag xmlns="" xmlns:ma14="http://schemas.microsoft.com/office/mac/drawingml/2011/main" val="1"/>
+              <ma14:placeholderFlag xmlns:ma14="http://schemas.microsoft.com/office/mac/drawingml/2011/main" xmlns="" val="1"/>
             </a:ext>
           </a:extLst>
         </p:spPr>
@@ -25370,6 +25450,9 @@
           </a:lstStyle>
           <a:p>
             <a:pPr marL="0" indent="0">
+              <a:lnSpc>
+                <a:spcPct val="150000"/>
+              </a:lnSpc>
               <a:buNone/>
             </a:pPr>
             <a:r>
@@ -25410,6 +25493,9 @@
           </a:p>
           <a:p>
             <a:pPr marL="0" indent="0">
+              <a:lnSpc>
+                <a:spcPct val="150000"/>
+              </a:lnSpc>
               <a:buNone/>
             </a:pPr>
             <a:r>
@@ -25436,6 +25522,9 @@
           </a:p>
           <a:p>
             <a:pPr marL="0" indent="0">
+              <a:lnSpc>
+                <a:spcPct val="150000"/>
+              </a:lnSpc>
               <a:buNone/>
             </a:pPr>
             <a:r>
@@ -25476,6 +25565,9 @@
           </a:p>
           <a:p>
             <a:pPr marL="0" indent="0">
+              <a:lnSpc>
+                <a:spcPct val="150000"/>
+              </a:lnSpc>
               <a:buNone/>
             </a:pPr>
             <a:endParaRPr lang="en-US" sz="2133" kern="0" dirty="0">
@@ -25517,7 +25609,7 @@
           <a:p>
             <a:fld id="{34AE2AF4-DE00-4367-8990-2704E34BEB0B}" type="datetime1">
               <a:rPr lang="en-US" smtClean="0"/>
-              <a:t>11/22/2017</a:t>
+              <a:t>12/5/2017</a:t>
             </a:fld>
             <a:endParaRPr lang="en-US" dirty="0"/>
           </a:p>
@@ -25938,7 +26030,7 @@
           <a:p>
             <a:r>
               <a:rPr lang="en-US" dirty="0"/>
-              <a:t>A feature which holds an arbitrary Java object</a:t>
+              <a:t>Arbitrary Java objects in the CAS (!)</a:t>
             </a:r>
           </a:p>
         </p:txBody>
@@ -25961,13 +26053,13 @@
         </p:nvSpPr>
         <p:spPr>
           <a:xfrm>
-            <a:off x="619114" y="1912201"/>
-            <a:ext cx="10963287" cy="4033208"/>
+            <a:off x="619114" y="1912200"/>
+            <a:ext cx="11572886" cy="4444149"/>
           </a:xfrm>
         </p:spPr>
         <p:txBody>
           <a:bodyPr>
-            <a:normAutofit fontScale="92500" lnSpcReduction="20000"/>
+            <a:normAutofit fontScale="92500" lnSpcReduction="10000"/>
           </a:bodyPr>
           <a:lstStyle/>
           <a:p>
@@ -25996,21 +26088,21 @@
           <a:p>
             <a:r>
               <a:rPr lang="en-US" dirty="0"/>
-              <a:t>Basic idea: Design a custom JCas class for this which has both </a:t>
+              <a:t>Basic idea: Design a custom JCas class for this, which has both </a:t>
             </a:r>
           </a:p>
           <a:p>
             <a:pPr lvl="1"/>
             <a:r>
               <a:rPr lang="en-US" dirty="0"/>
-              <a:t>the Java Object (as a field, with whatever custom accessors you want</a:t>
+              <a:t>the Java Object (as a normal Java field, with whatever custom accessors you want</a:t>
             </a:r>
           </a:p>
           <a:p>
             <a:pPr lvl="1"/>
             <a:r>
               <a:rPr lang="en-US" dirty="0"/>
-              <a:t>A representation as normal CAS data objects, for transporting</a:t>
+              <a:t>A representation as normal CAS data objects, as internal features, for transporting</a:t>
             </a:r>
           </a:p>
           <a:p>
@@ -26026,7 +26118,7 @@
             <a:pPr lvl="1"/>
             <a:r>
               <a:rPr lang="en-US" dirty="0"/>
-              <a:t>Called by the UIMA framework when needed (serializing/</a:t>
+              <a:t>Automatically Called by the UIMA framework when needed (serializing/</a:t>
             </a:r>
             <a:r>
               <a:rPr lang="en-US" dirty="0" err="1"/>
@@ -26155,7 +26247,7 @@
           <a:p>
             <a:fld id="{C8683FA4-76EC-43D7-82C4-CDA590961A60}" type="datetime1">
               <a:rPr lang="en-US" smtClean="0"/>
-              <a:t>11/22/2017</a:t>
+              <a:t>12/5/2017</a:t>
             </a:fld>
             <a:endParaRPr lang="en-US" dirty="0"/>
           </a:p>
@@ -26183,6 +26275,9 @@
                     <p:cTn id="3" fill="hold">
                       <p:stCondLst>
                         <p:cond delay="indefinite"/>
+                        <p:cond evt="onBegin" delay="0">
+                          <p:tn val="2"/>
+                        </p:cond>
                       </p:stCondLst>
                       <p:childTnLst>
                         <p:par>
@@ -26192,7 +26287,7 @@
                             </p:stCondLst>
                             <p:childTnLst>
                               <p:par>
-                                <p:cTn id="5" presetID="1" presetClass="entr" presetSubtype="0" fill="hold" grpId="0" nodeType="clickEffect">
+                                <p:cTn id="5" presetID="1" presetClass="entr" presetSubtype="0" fill="hold" grpId="0" nodeType="withEffect">
                                   <p:stCondLst>
                                     <p:cond delay="0"/>
                                   </p:stCondLst>
@@ -26544,22 +26639,29 @@
         <p:spPr>
           <a:xfrm>
             <a:off x="619114" y="1912201"/>
-            <a:ext cx="10490237" cy="4033208"/>
+            <a:ext cx="7043327" cy="4338128"/>
           </a:xfrm>
         </p:spPr>
         <p:txBody>
-          <a:bodyPr/>
+          <a:bodyPr>
+            <a:normAutofit fontScale="85000" lnSpcReduction="20000"/>
+          </a:bodyPr>
           <a:lstStyle/>
           <a:p>
             <a:r>
               <a:rPr lang="en-US" dirty="0"/>
-              <a:t>Built using previous slide’s new capability</a:t>
+              <a:t>Built using this new capability</a:t>
             </a:r>
           </a:p>
           <a:p>
             <a:endParaRPr lang="en-US" dirty="0"/>
           </a:p>
           <a:p>
+            <a:pPr>
+              <a:lnSpc>
+                <a:spcPct val="100000"/>
+              </a:lnSpc>
+            </a:pPr>
             <a:r>
               <a:rPr lang="en-US" dirty="0"/>
               <a:t>To use: enable by adding to your type system descriptor:</a:t>
@@ -26620,6 +26722,20 @@
               </a:rPr>
               <a:t>FSHashSet</a:t>
             </a:r>
+            <a:r>
+              <a:rPr lang="en-US" sz="2400" dirty="0">
+                <a:latin typeface="Courier New" panose="02070309020205020404" pitchFamily="49" charset="0"/>
+                <a:cs typeface="Courier New" panose="02070309020205020404" pitchFamily="49" charset="0"/>
+              </a:rPr>
+              <a:t>, </a:t>
+            </a:r>
+            <a:r>
+              <a:rPr lang="en-US" sz="2400" dirty="0" err="1">
+                <a:latin typeface="Courier New" panose="02070309020205020404" pitchFamily="49" charset="0"/>
+                <a:cs typeface="Courier New" panose="02070309020205020404" pitchFamily="49" charset="0"/>
+              </a:rPr>
+              <a:t>FSLinkedHashSet</a:t>
+            </a:r>
             <a:endParaRPr lang="en-US" sz="2400" dirty="0">
               <a:latin typeface="Courier New" panose="02070309020205020404" pitchFamily="49" charset="0"/>
               <a:cs typeface="Courier New" panose="02070309020205020404" pitchFamily="49" charset="0"/>
@@ -26645,6 +26761,12 @@
             </a:endParaRPr>
           </a:p>
           <a:p>
+            <a:r>
+              <a:rPr lang="en-US" dirty="0">
+                <a:cs typeface="Courier New" panose="02070309020205020404" pitchFamily="49" charset="0"/>
+              </a:rPr>
+              <a:t>Extremely lazy</a:t>
+            </a:r>
             <a:endParaRPr lang="en-US" dirty="0"/>
           </a:p>
         </p:txBody>
@@ -26736,12 +26858,48 @@
           <a:p>
             <a:fld id="{84F50ABF-7C5C-42ED-A89C-CA1887BE685D}" type="datetime1">
               <a:rPr lang="en-US" smtClean="0"/>
-              <a:t>11/22/2017</a:t>
+              <a:t>12/5/2017</a:t>
             </a:fld>
             <a:endParaRPr lang="en-US" dirty="0"/>
           </a:p>
         </p:txBody>
       </p:sp>
+      <p:pic>
+        <p:nvPicPr>
+          <p:cNvPr id="10" name="Picture 9">
+            <a:extLst>
+              <a:ext uri="{FF2B5EF4-FFF2-40B4-BE49-F238E27FC236}">
+                <a16:creationId xmlns:a16="http://schemas.microsoft.com/office/drawing/2014/main" id="{057E5BFA-A6B3-404D-800C-65B3D1C671EA}"/>
+              </a:ext>
+            </a:extLst>
+          </p:cNvPr>
+          <p:cNvPicPr>
+            <a:picLocks noChangeAspect="1"/>
+          </p:cNvPicPr>
+          <p:nvPr/>
+        </p:nvPicPr>
+        <p:blipFill>
+          <a:blip r:embed="rId2">
+            <a:extLst>
+              <a:ext uri="{28A0092B-C50C-407E-A947-70E740481C1C}">
+                <a14:useLocalDpi xmlns:a14="http://schemas.microsoft.com/office/drawing/2010/main" val="0"/>
+              </a:ext>
+            </a:extLst>
+          </a:blip>
+          <a:stretch>
+            <a:fillRect/>
+          </a:stretch>
+        </p:blipFill>
+        <p:spPr>
+          <a:xfrm>
+            <a:off x="6916994" y="2977412"/>
+            <a:ext cx="4665406" cy="3545708"/>
+          </a:xfrm>
+          <a:prstGeom prst="rect">
+            <a:avLst/>
+          </a:prstGeom>
+        </p:spPr>
+      </p:pic>
     </p:spTree>
     <p:extLst>
       <p:ext uri="{BB962C8B-B14F-4D97-AF65-F5344CB8AC3E}">
@@ -26752,6 +26910,299 @@
   <p:clrMapOvr>
     <a:masterClrMapping/>
   </p:clrMapOvr>
+  <p:timing>
+    <p:tnLst>
+      <p:par>
+        <p:cTn id="1" dur="indefinite" restart="never" nodeType="tmRoot">
+          <p:childTnLst>
+            <p:seq concurrent="1" nextAc="seek">
+              <p:cTn id="2" dur="indefinite" nodeType="mainSeq">
+                <p:childTnLst>
+                  <p:par>
+                    <p:cTn id="3" fill="hold">
+                      <p:stCondLst>
+                        <p:cond delay="indefinite"/>
+                        <p:cond evt="onBegin" delay="0">
+                          <p:tn val="2"/>
+                        </p:cond>
+                      </p:stCondLst>
+                      <p:childTnLst>
+                        <p:par>
+                          <p:cTn id="4" fill="hold">
+                            <p:stCondLst>
+                              <p:cond delay="0"/>
+                            </p:stCondLst>
+                            <p:childTnLst>
+                              <p:par>
+                                <p:cTn id="5" presetID="1" presetClass="entr" presetSubtype="0" fill="hold" grpId="0" nodeType="withEffect">
+                                  <p:stCondLst>
+                                    <p:cond delay="0"/>
+                                  </p:stCondLst>
+                                  <p:childTnLst>
+                                    <p:set>
+                                      <p:cBhvr>
+                                        <p:cTn id="6" dur="1" fill="hold">
+                                          <p:stCondLst>
+                                            <p:cond delay="0"/>
+                                          </p:stCondLst>
+                                        </p:cTn>
+                                        <p:tgtEl>
+                                          <p:spTgt spid="3">
+                                            <p:txEl>
+                                              <p:pRg st="0" end="0"/>
+                                            </p:txEl>
+                                          </p:spTgt>
+                                        </p:tgtEl>
+                                        <p:attrNameLst>
+                                          <p:attrName>style.visibility</p:attrName>
+                                        </p:attrNameLst>
+                                      </p:cBhvr>
+                                      <p:to>
+                                        <p:strVal val="visible"/>
+                                      </p:to>
+                                    </p:set>
+                                  </p:childTnLst>
+                                </p:cTn>
+                              </p:par>
+                              <p:par>
+                                <p:cTn id="7" presetID="1" presetClass="entr" presetSubtype="0" fill="hold" grpId="0" nodeType="withEffect">
+                                  <p:stCondLst>
+                                    <p:cond delay="0"/>
+                                  </p:stCondLst>
+                                  <p:childTnLst>
+                                    <p:set>
+                                      <p:cBhvr>
+                                        <p:cTn id="8" dur="1" fill="hold">
+                                          <p:stCondLst>
+                                            <p:cond delay="0"/>
+                                          </p:stCondLst>
+                                        </p:cTn>
+                                        <p:tgtEl>
+                                          <p:spTgt spid="3">
+                                            <p:txEl>
+                                              <p:pRg st="2" end="2"/>
+                                            </p:txEl>
+                                          </p:spTgt>
+                                        </p:tgtEl>
+                                        <p:attrNameLst>
+                                          <p:attrName>style.visibility</p:attrName>
+                                        </p:attrNameLst>
+                                      </p:cBhvr>
+                                      <p:to>
+                                        <p:strVal val="visible"/>
+                                      </p:to>
+                                    </p:set>
+                                  </p:childTnLst>
+                                </p:cTn>
+                              </p:par>
+                              <p:par>
+                                <p:cTn id="9" presetID="1" presetClass="entr" presetSubtype="0" fill="hold" grpId="0" nodeType="withEffect">
+                                  <p:stCondLst>
+                                    <p:cond delay="0"/>
+                                  </p:stCondLst>
+                                  <p:childTnLst>
+                                    <p:set>
+                                      <p:cBhvr>
+                                        <p:cTn id="10" dur="1" fill="hold">
+                                          <p:stCondLst>
+                                            <p:cond delay="0"/>
+                                          </p:stCondLst>
+                                        </p:cTn>
+                                        <p:tgtEl>
+                                          <p:spTgt spid="3">
+                                            <p:txEl>
+                                              <p:pRg st="4" end="4"/>
+                                            </p:txEl>
+                                          </p:spTgt>
+                                        </p:tgtEl>
+                                        <p:attrNameLst>
+                                          <p:attrName>style.visibility</p:attrName>
+                                        </p:attrNameLst>
+                                      </p:cBhvr>
+                                      <p:to>
+                                        <p:strVal val="visible"/>
+                                      </p:to>
+                                    </p:set>
+                                  </p:childTnLst>
+                                </p:cTn>
+                              </p:par>
+                              <p:par>
+                                <p:cTn id="11" presetID="1" presetClass="entr" presetSubtype="0" fill="hold" grpId="0" nodeType="withEffect">
+                                  <p:stCondLst>
+                                    <p:cond delay="0"/>
+                                  </p:stCondLst>
+                                  <p:childTnLst>
+                                    <p:set>
+                                      <p:cBhvr>
+                                        <p:cTn id="12" dur="1" fill="hold">
+                                          <p:stCondLst>
+                                            <p:cond delay="0"/>
+                                          </p:stCondLst>
+                                        </p:cTn>
+                                        <p:tgtEl>
+                                          <p:spTgt spid="3">
+                                            <p:txEl>
+                                              <p:pRg st="5" end="5"/>
+                                            </p:txEl>
+                                          </p:spTgt>
+                                        </p:tgtEl>
+                                        <p:attrNameLst>
+                                          <p:attrName>style.visibility</p:attrName>
+                                        </p:attrNameLst>
+                                      </p:cBhvr>
+                                      <p:to>
+                                        <p:strVal val="visible"/>
+                                      </p:to>
+                                    </p:set>
+                                  </p:childTnLst>
+                                </p:cTn>
+                              </p:par>
+                              <p:par>
+                                <p:cTn id="13" presetID="1" presetClass="entr" presetSubtype="0" fill="hold" grpId="0" nodeType="withEffect">
+                                  <p:stCondLst>
+                                    <p:cond delay="0"/>
+                                  </p:stCondLst>
+                                  <p:childTnLst>
+                                    <p:set>
+                                      <p:cBhvr>
+                                        <p:cTn id="14" dur="1" fill="hold">
+                                          <p:stCondLst>
+                                            <p:cond delay="0"/>
+                                          </p:stCondLst>
+                                        </p:cTn>
+                                        <p:tgtEl>
+                                          <p:spTgt spid="3">
+                                            <p:txEl>
+                                              <p:pRg st="6" end="6"/>
+                                            </p:txEl>
+                                          </p:spTgt>
+                                        </p:tgtEl>
+                                        <p:attrNameLst>
+                                          <p:attrName>style.visibility</p:attrName>
+                                        </p:attrNameLst>
+                                      </p:cBhvr>
+                                      <p:to>
+                                        <p:strVal val="visible"/>
+                                      </p:to>
+                                    </p:set>
+                                  </p:childTnLst>
+                                </p:cTn>
+                              </p:par>
+                            </p:childTnLst>
+                          </p:cTn>
+                        </p:par>
+                      </p:childTnLst>
+                    </p:cTn>
+                  </p:par>
+                  <p:par>
+                    <p:cTn id="15" fill="hold">
+                      <p:stCondLst>
+                        <p:cond delay="indefinite"/>
+                      </p:stCondLst>
+                      <p:childTnLst>
+                        <p:par>
+                          <p:cTn id="16" fill="hold">
+                            <p:stCondLst>
+                              <p:cond delay="0"/>
+                            </p:stCondLst>
+                            <p:childTnLst>
+                              <p:par>
+                                <p:cTn id="17" presetID="1" presetClass="entr" presetSubtype="0" fill="hold" grpId="0" nodeType="clickEffect">
+                                  <p:stCondLst>
+                                    <p:cond delay="0"/>
+                                  </p:stCondLst>
+                                  <p:childTnLst>
+                                    <p:set>
+                                      <p:cBhvr>
+                                        <p:cTn id="18" dur="1" fill="hold">
+                                          <p:stCondLst>
+                                            <p:cond delay="0"/>
+                                          </p:stCondLst>
+                                        </p:cTn>
+                                        <p:tgtEl>
+                                          <p:spTgt spid="3">
+                                            <p:txEl>
+                                              <p:pRg st="8" end="8"/>
+                                            </p:txEl>
+                                          </p:spTgt>
+                                        </p:tgtEl>
+                                        <p:attrNameLst>
+                                          <p:attrName>style.visibility</p:attrName>
+                                        </p:attrNameLst>
+                                      </p:cBhvr>
+                                      <p:to>
+                                        <p:strVal val="visible"/>
+                                      </p:to>
+                                    </p:set>
+                                  </p:childTnLst>
+                                </p:cTn>
+                              </p:par>
+                              <p:par>
+                                <p:cTn id="19" presetID="10" presetClass="entr" presetSubtype="0" fill="hold" nodeType="withEffect">
+                                  <p:stCondLst>
+                                    <p:cond delay="1000"/>
+                                  </p:stCondLst>
+                                  <p:childTnLst>
+                                    <p:set>
+                                      <p:cBhvr>
+                                        <p:cTn id="20" dur="1" fill="hold">
+                                          <p:stCondLst>
+                                            <p:cond delay="0"/>
+                                          </p:stCondLst>
+                                        </p:cTn>
+                                        <p:tgtEl>
+                                          <p:spTgt spid="10"/>
+                                        </p:tgtEl>
+                                        <p:attrNameLst>
+                                          <p:attrName>style.visibility</p:attrName>
+                                        </p:attrNameLst>
+                                      </p:cBhvr>
+                                      <p:to>
+                                        <p:strVal val="visible"/>
+                                      </p:to>
+                                    </p:set>
+                                    <p:animEffect transition="in" filter="fade">
+                                      <p:cBhvr>
+                                        <p:cTn id="21" dur="2000"/>
+                                        <p:tgtEl>
+                                          <p:spTgt spid="10"/>
+                                        </p:tgtEl>
+                                      </p:cBhvr>
+                                    </p:animEffect>
+                                  </p:childTnLst>
+                                </p:cTn>
+                              </p:par>
+                            </p:childTnLst>
+                          </p:cTn>
+                        </p:par>
+                      </p:childTnLst>
+                    </p:cTn>
+                  </p:par>
+                </p:childTnLst>
+              </p:cTn>
+              <p:prevCondLst>
+                <p:cond evt="onPrev" delay="0">
+                  <p:tgtEl>
+                    <p:sldTgt/>
+                  </p:tgtEl>
+                </p:cond>
+              </p:prevCondLst>
+              <p:nextCondLst>
+                <p:cond evt="onNext" delay="0">
+                  <p:tgtEl>
+                    <p:sldTgt/>
+                  </p:tgtEl>
+                </p:cond>
+              </p:nextCondLst>
+            </p:seq>
+          </p:childTnLst>
+        </p:cTn>
+      </p:par>
+    </p:tnLst>
+    <p:bldLst>
+      <p:bldP spid="3" grpId="0" uiExpand="1" build="p"/>
+    </p:bldLst>
+  </p:timing>
 </p:sld>
 </file>
 
@@ -26826,10 +27277,15 @@
         </p:spPr>
         <p:txBody>
           <a:bodyPr>
-            <a:normAutofit lnSpcReduction="10000"/>
+            <a:normAutofit fontScale="92500" lnSpcReduction="10000"/>
           </a:bodyPr>
           <a:lstStyle/>
           <a:p>
+            <a:pPr>
+              <a:lnSpc>
+                <a:spcPct val="110000"/>
+              </a:lnSpc>
+            </a:pPr>
             <a:r>
               <a:rPr lang="en-US" dirty="0"/>
               <a:t>Problem: you want to have feature holding an “efficient” collection of Feature Structures,</a:t>
@@ -27001,7 +27457,7 @@
           <a:p>
             <a:fld id="{AA65D2A0-D0BA-4A22-B204-528C467850F9}" type="datetime1">
               <a:rPr lang="en-US" smtClean="0"/>
-              <a:t>11/22/2017</a:t>
+              <a:t>12/5/2017</a:t>
             </a:fld>
             <a:endParaRPr lang="en-US" dirty="0"/>
           </a:p>
@@ -27509,7 +27965,7 @@
           <a:p>
             <a:fld id="{C8A8D797-C261-480E-8837-067D26D5423E}" type="datetime1">
               <a:rPr lang="en-US" smtClean="0"/>
-              <a:t>11/22/2017</a:t>
+              <a:t>12/5/2017</a:t>
             </a:fld>
             <a:endParaRPr lang="en-US" dirty="0"/>
           </a:p>
@@ -27789,13 +28245,13 @@
         </p:nvSpPr>
         <p:spPr>
           <a:xfrm>
-            <a:off x="715956" y="2065275"/>
-            <a:ext cx="6429953" cy="4444149"/>
+            <a:off x="715957" y="2065275"/>
+            <a:ext cx="6294444" cy="4444149"/>
           </a:xfrm>
         </p:spPr>
         <p:txBody>
           <a:bodyPr>
-            <a:normAutofit fontScale="92500" lnSpcReduction="10000"/>
+            <a:normAutofit fontScale="85000" lnSpcReduction="20000"/>
           </a:bodyPr>
           <a:lstStyle/>
           <a:p>
@@ -27821,12 +28277,44 @@
             </a:r>
           </a:p>
           <a:p>
+            <a:pPr lvl="1"/>
+            <a:r>
+              <a:rPr lang="en-US" dirty="0">
+                <a:effectLst>
+                  <a:glow rad="63500">
+                    <a:schemeClr val="accent4">
+                      <a:satMod val="175000"/>
+                      <a:alpha val="40000"/>
+                    </a:schemeClr>
+                  </a:glow>
+                </a:effectLst>
+              </a:rPr>
+              <a:t>Important for fixing problems in production systems</a:t>
+            </a:r>
+          </a:p>
+          <a:p>
             <a:endParaRPr lang="en-US" dirty="0"/>
           </a:p>
           <a:p>
             <a:r>
               <a:rPr lang="en-US" dirty="0"/>
               <a:t>No support for run-time configurable context info augmentation</a:t>
+            </a:r>
+          </a:p>
+          <a:p>
+            <a:pPr lvl="1"/>
+            <a:r>
+              <a:rPr lang="en-US" dirty="0">
+                <a:effectLst>
+                  <a:glow rad="63500">
+                    <a:schemeClr val="accent4">
+                      <a:satMod val="175000"/>
+                      <a:alpha val="40000"/>
+                    </a:schemeClr>
+                  </a:glow>
+                </a:effectLst>
+              </a:rPr>
+              <a:t>Important for fixing problems in production systems</a:t>
             </a:r>
           </a:p>
           <a:p>
@@ -27901,7 +28389,7 @@
               <a:pPr/>
               <a:t>19</a:t>
             </a:fld>
-            <a:endParaRPr lang="en-US" altLang="en-US"/>
+            <a:endParaRPr lang="en-US" altLang="en-US" dirty="0"/>
           </a:p>
         </p:txBody>
       </p:sp>
@@ -27928,7 +28416,7 @@
           <a:p>
             <a:fld id="{3A06DE66-39AE-4831-A32F-D50CD04A19D6}" type="datetime1">
               <a:rPr lang="en-US" smtClean="0"/>
-              <a:t>11/22/2017</a:t>
+              <a:t>12/5/2017</a:t>
             </a:fld>
             <a:endParaRPr lang="en-US" dirty="0"/>
           </a:p>
@@ -28022,22 +28510,6 @@
                                       </p:to>
                                     </p:set>
                                   </p:childTnLst>
-                                  <p:subTnLst>
-                                    <p:set>
-                                      <p:cBhvr override="childStyle">
-                                        <p:cTn dur="1" fill="hold" display="0" masterRel="nextClick" afterEffect="1"/>
-                                        <p:tgtEl>
-                                          <p:spTgt spid="8"/>
-                                        </p:tgtEl>
-                                        <p:attrNameLst>
-                                          <p:attrName>style.visibility</p:attrName>
-                                        </p:attrNameLst>
-                                      </p:cBhvr>
-                                      <p:to>
-                                        <p:strVal val="hidden"/>
-                                      </p:to>
-                                    </p:set>
-                                  </p:subTnLst>
                                 </p:cTn>
                               </p:par>
                               <p:par>
@@ -28151,6 +28623,49 @@
                                   </p:childTnLst>
                                 </p:cTn>
                               </p:par>
+                              <p:par>
+                                <p:cTn id="15" presetID="10" presetClass="entr" presetSubtype="0" fill="hold" nodeType="withEffect">
+                                  <p:stCondLst>
+                                    <p:cond delay="1000"/>
+                                  </p:stCondLst>
+                                  <p:childTnLst>
+                                    <p:set>
+                                      <p:cBhvr>
+                                        <p:cTn id="16" dur="1" fill="hold">
+                                          <p:stCondLst>
+                                            <p:cond delay="0"/>
+                                          </p:stCondLst>
+                                        </p:cTn>
+                                        <p:tgtEl>
+                                          <p:spTgt spid="3">
+                                            <p:txEl>
+                                              <p:pRg st="4" end="4"/>
+                                            </p:txEl>
+                                          </p:spTgt>
+                                        </p:tgtEl>
+                                        <p:attrNameLst>
+                                          <p:attrName>style.visibility</p:attrName>
+                                        </p:attrNameLst>
+                                      </p:cBhvr>
+                                      <p:to>
+                                        <p:strVal val="visible"/>
+                                      </p:to>
+                                    </p:set>
+                                    <p:animEffect transition="in" filter="fade">
+                                      <p:cBhvr>
+                                        <p:cTn id="17" dur="1000"/>
+                                        <p:tgtEl>
+                                          <p:spTgt spid="3">
+                                            <p:txEl>
+                                              <p:pRg st="4" end="4"/>
+                                            </p:txEl>
+                                          </p:spTgt>
+                                        </p:tgtEl>
+                                      </p:cBhvr>
+                                    </p:animEffect>
+                                  </p:childTnLst>
+                                </p:cTn>
+                              </p:par>
                             </p:childTnLst>
                           </p:cTn>
                         </p:par>
@@ -28158,26 +28673,26 @@
                     </p:cTn>
                   </p:par>
                   <p:par>
-                    <p:cTn id="15" fill="hold">
+                    <p:cTn id="18" fill="hold">
                       <p:stCondLst>
                         <p:cond delay="indefinite"/>
                       </p:stCondLst>
                       <p:childTnLst>
                         <p:par>
-                          <p:cTn id="16" fill="hold">
+                          <p:cTn id="19" fill="hold">
                             <p:stCondLst>
                               <p:cond delay="0"/>
                             </p:stCondLst>
                             <p:childTnLst>
                               <p:par>
-                                <p:cTn id="17" presetID="1" presetClass="entr" presetSubtype="0" fill="hold" nodeType="clickEffect">
+                                <p:cTn id="20" presetID="1" presetClass="entr" presetSubtype="0" fill="hold" nodeType="clickEffect">
                                   <p:stCondLst>
                                     <p:cond delay="0"/>
                                   </p:stCondLst>
                                   <p:childTnLst>
                                     <p:set>
                                       <p:cBhvr>
-                                        <p:cTn id="18" dur="1" fill="hold">
+                                        <p:cTn id="21" dur="1" fill="hold">
                                           <p:stCondLst>
                                             <p:cond delay="0"/>
                                           </p:stCondLst>
@@ -28185,7 +28700,7 @@
                                         <p:tgtEl>
                                           <p:spTgt spid="3">
                                             <p:txEl>
-                                              <p:pRg st="5" end="5"/>
+                                              <p:pRg st="6" end="6"/>
                                             </p:txEl>
                                           </p:spTgt>
                                         </p:tgtEl>
@@ -28200,33 +28715,15 @@
                                   </p:childTnLst>
                                 </p:cTn>
                               </p:par>
-                            </p:childTnLst>
-                          </p:cTn>
-                        </p:par>
-                      </p:childTnLst>
-                    </p:cTn>
-                  </p:par>
-                  <p:par>
-                    <p:cTn id="19" fill="hold">
-                      <p:stCondLst>
-                        <p:cond delay="indefinite"/>
-                      </p:stCondLst>
-                      <p:childTnLst>
-                        <p:par>
-                          <p:cTn id="20" fill="hold">
-                            <p:stCondLst>
-                              <p:cond delay="0"/>
-                            </p:stCondLst>
-                            <p:childTnLst>
                               <p:par>
-                                <p:cTn id="21" presetID="1" presetClass="entr" presetSubtype="0" fill="hold" nodeType="clickEffect">
+                                <p:cTn id="22" presetID="10" presetClass="entr" presetSubtype="0" fill="hold" nodeType="withEffect">
                                   <p:stCondLst>
-                                    <p:cond delay="0"/>
+                                    <p:cond delay="1000"/>
                                   </p:stCondLst>
                                   <p:childTnLst>
                                     <p:set>
                                       <p:cBhvr>
-                                        <p:cTn id="22" dur="1" fill="hold">
+                                        <p:cTn id="23" dur="1" fill="hold">
                                           <p:stCondLst>
                                             <p:cond delay="0"/>
                                           </p:stCondLst>
@@ -28235,6 +28732,67 @@
                                           <p:spTgt spid="3">
                                             <p:txEl>
                                               <p:pRg st="7" end="7"/>
+                                            </p:txEl>
+                                          </p:spTgt>
+                                        </p:tgtEl>
+                                        <p:attrNameLst>
+                                          <p:attrName>style.visibility</p:attrName>
+                                        </p:attrNameLst>
+                                      </p:cBhvr>
+                                      <p:to>
+                                        <p:strVal val="visible"/>
+                                      </p:to>
+                                    </p:set>
+                                    <p:animEffect transition="in" filter="fade">
+                                      <p:cBhvr>
+                                        <p:cTn id="24" dur="1000"/>
+                                        <p:tgtEl>
+                                          <p:spTgt spid="3">
+                                            <p:txEl>
+                                              <p:pRg st="7" end="7"/>
+                                            </p:txEl>
+                                          </p:spTgt>
+                                        </p:tgtEl>
+                                      </p:cBhvr>
+                                    </p:animEffect>
+                                  </p:childTnLst>
+                                </p:cTn>
+                              </p:par>
+                            </p:childTnLst>
+                          </p:cTn>
+                        </p:par>
+                      </p:childTnLst>
+                    </p:cTn>
+                  </p:par>
+                  <p:par>
+                    <p:cTn id="25" fill="hold">
+                      <p:stCondLst>
+                        <p:cond delay="indefinite"/>
+                      </p:stCondLst>
+                      <p:childTnLst>
+                        <p:par>
+                          <p:cTn id="26" fill="hold">
+                            <p:stCondLst>
+                              <p:cond delay="0"/>
+                            </p:stCondLst>
+                            <p:childTnLst>
+                              <p:par>
+                                <p:cTn id="27" presetID="1" presetClass="entr" presetSubtype="0" fill="hold" nodeType="clickEffect">
+                                  <p:stCondLst>
+                                    <p:cond delay="0"/>
+                                  </p:stCondLst>
+                                  <p:childTnLst>
+                                    <p:set>
+                                      <p:cBhvr>
+                                        <p:cTn id="28" dur="1" fill="hold">
+                                          <p:stCondLst>
+                                            <p:cond delay="0"/>
+                                          </p:stCondLst>
+                                        </p:cTn>
+                                        <p:tgtEl>
+                                          <p:spTgt spid="3">
+                                            <p:txEl>
+                                              <p:pRg st="9" end="9"/>
                                             </p:txEl>
                                           </p:spTgt>
                                         </p:tgtEl>
@@ -28348,31 +28906,58 @@
           <a:p>
             <a:r>
               <a:rPr lang="en-US" dirty="0"/>
-              <a:t>This slide deck shows off many of the new features of UIMA v3 </a:t>
+              <a:t>New features of UIMA v3</a:t>
             </a:r>
           </a:p>
           <a:p>
             <a:pPr lvl="1"/>
             <a:r>
               <a:rPr lang="en-US" dirty="0"/>
-              <a:t>From the perspective of programmers, having complaints and</a:t>
-            </a:r>
-            <a:br>
+              <a:t>Fixes for decades-old problems</a:t>
+            </a:r>
+          </a:p>
+          <a:p>
+            <a:pPr lvl="1"/>
+            <a:r>
               <a:rPr lang="en-US" dirty="0"/>
-            </a:br>
+              <a:t>From the programmers’ perspective</a:t>
+            </a:r>
+          </a:p>
+          <a:p>
+            <a:pPr lvl="1"/>
+            <a:endParaRPr lang="en-US" dirty="0"/>
+          </a:p>
+          <a:p>
+            <a:pPr lvl="1"/>
+            <a:endParaRPr lang="en-US" dirty="0"/>
+          </a:p>
+          <a:p>
             <a:r>
               <a:rPr lang="en-US" dirty="0"/>
-              <a:t>seeing how UIMA v3 (uv3) addresses these</a:t>
-            </a:r>
-          </a:p>
-          <a:p>
+              <a:t>Doesn’t cover </a:t>
+            </a:r>
+            <a:r>
+              <a:rPr lang="en-US" b="1" i="1" u="sng" dirty="0"/>
+              <a:t>all</a:t>
+            </a:r>
+            <a:r>
+              <a:rPr lang="en-US" dirty="0"/>
+              <a:t> the new features</a:t>
+            </a:r>
+          </a:p>
+          <a:p>
+            <a:pPr lvl="1"/>
+            <a:r>
+              <a:rPr lang="en-US" dirty="0"/>
+              <a:t>More here: </a:t>
+            </a:r>
+            <a:r>
+              <a:rPr lang="en-US" dirty="0">
+                <a:hlinkClick r:id="rId2"/>
+              </a:rPr>
+              <a:t>https://uima.apache.org/d/uimaj-3.0.0-beta/version_3_users_guide.pdf</a:t>
+            </a:r>
             <a:endParaRPr lang="en-US" dirty="0"/>
-          </a:p>
-          <a:p>
-            <a:r>
-              <a:rPr lang="en-US" dirty="0"/>
-              <a:t>It doesn’t cover all the features; for that, please see the UIMA V3 User’s Guide documentation book.</a:t>
-            </a:r>
           </a:p>
         </p:txBody>
       </p:sp>
@@ -28456,7 +29041,7 @@
           <a:p>
             <a:fld id="{28206AF7-5981-49D9-9AA4-DC60D16F6974}" type="datetime1">
               <a:rPr lang="en-US" smtClean="0"/>
-              <a:t>11/22/2017</a:t>
+              <a:t>12/5/2017</a:t>
             </a:fld>
             <a:endParaRPr lang="en-US"/>
           </a:p>
@@ -28581,35 +29166,7 @@
                 <a:latin typeface="Courier New" panose="02070309020205020404" pitchFamily="49" charset="0"/>
                 <a:cs typeface="Courier New" panose="02070309020205020404" pitchFamily="49" charset="0"/>
               </a:rPr>
-              <a:t>if (</a:t>
-            </a:r>
-            <a:r>
-              <a:rPr lang="en-US" sz="2200" dirty="0" err="1">
-                <a:latin typeface="Courier New" panose="02070309020205020404" pitchFamily="49" charset="0"/>
-                <a:cs typeface="Courier New" panose="02070309020205020404" pitchFamily="49" charset="0"/>
-              </a:rPr>
-              <a:t>logger.isLoggable</a:t>
-            </a:r>
-            <a:r>
-              <a:rPr lang="en-US" sz="2200" dirty="0">
-                <a:latin typeface="Courier New" panose="02070309020205020404" pitchFamily="49" charset="0"/>
-                <a:cs typeface="Courier New" panose="02070309020205020404" pitchFamily="49" charset="0"/>
-              </a:rPr>
-              <a:t>(</a:t>
-            </a:r>
-            <a:r>
-              <a:rPr lang="en-US" sz="2200" dirty="0" err="1">
-                <a:latin typeface="Courier New" panose="02070309020205020404" pitchFamily="49" charset="0"/>
-                <a:cs typeface="Courier New" panose="02070309020205020404" pitchFamily="49" charset="0"/>
-              </a:rPr>
-              <a:t>Level.WARN</a:t>
-            </a:r>
-            <a:r>
-              <a:rPr lang="en-US" sz="2200" dirty="0">
-                <a:latin typeface="Courier New" panose="02070309020205020404" pitchFamily="49" charset="0"/>
-                <a:cs typeface="Courier New" panose="02070309020205020404" pitchFamily="49" charset="0"/>
-              </a:rPr>
-              <a:t>))</a:t>
+              <a:t> </a:t>
             </a:r>
             <a:br>
               <a:rPr lang="en-US" sz="2200" dirty="0">
@@ -28767,7 +29324,7 @@
                 <a:latin typeface="Courier New" panose="02070309020205020404" pitchFamily="49" charset="0"/>
                 <a:cs typeface="Courier New" panose="02070309020205020404" pitchFamily="49" charset="0"/>
               </a:rPr>
-              <a:t>)</a:t>
+              <a:t>);</a:t>
             </a:r>
             <a:endParaRPr lang="en-US" dirty="0">
               <a:cs typeface="Courier New" panose="02070309020205020404" pitchFamily="49" charset="0"/>
@@ -28878,6 +29435,14 @@
             </a:r>
             <a:r>
               <a:rPr lang="en-US" b="1" i="1" dirty="0">
+                <a:effectLst>
+                  <a:glow rad="63500">
+                    <a:schemeClr val="accent6">
+                      <a:satMod val="175000"/>
+                      <a:alpha val="40000"/>
+                    </a:schemeClr>
+                  </a:glow>
+                </a:effectLst>
                 <a:cs typeface="Courier New" panose="02070309020205020404" pitchFamily="49" charset="0"/>
               </a:rPr>
               <a:t>modern-logger {} convention</a:t>
@@ -28982,8 +29547,8 @@
         </p:nvSpPr>
         <p:spPr>
           <a:xfrm>
-            <a:off x="7420399" y="2111775"/>
-            <a:ext cx="4276935" cy="420564"/>
+            <a:off x="7078133" y="2111775"/>
+            <a:ext cx="4619201" cy="420564"/>
           </a:xfrm>
           <a:prstGeom prst="rect">
             <a:avLst/>
@@ -29032,7 +29597,7 @@
                   </a:outerShdw>
                 </a:effectLst>
               </a:rPr>
-              <a:t> expensive to compute</a:t>
+              <a:t> may be expensive to compute</a:t>
             </a:r>
             <a:endParaRPr lang="en-US" sz="1600" b="1" dirty="0">
               <a:ln w="6600">
@@ -29076,8 +29641,75 @@
           <a:p>
             <a:fld id="{10685852-31F4-439C-A2F5-6D985800193A}" type="datetime1">
               <a:rPr lang="en-US" smtClean="0"/>
-              <a:t>11/22/2017</a:t>
+              <a:t>12/5/2017</a:t>
             </a:fld>
+            <a:endParaRPr lang="en-US" dirty="0"/>
+          </a:p>
+        </p:txBody>
+      </p:sp>
+      <p:sp>
+        <p:nvSpPr>
+          <p:cNvPr id="8" name="TextBox 7">
+            <a:extLst>
+              <a:ext uri="{FF2B5EF4-FFF2-40B4-BE49-F238E27FC236}">
+                <a16:creationId xmlns:a16="http://schemas.microsoft.com/office/drawing/2014/main" id="{E988D80D-A7FB-444A-BC9B-E227F00DB157}"/>
+              </a:ext>
+            </a:extLst>
+          </p:cNvPr>
+          <p:cNvSpPr txBox="1"/>
+          <p:nvPr/>
+        </p:nvSpPr>
+        <p:spPr>
+          <a:xfrm>
+            <a:off x="838200" y="2163007"/>
+            <a:ext cx="4907667" cy="369332"/>
+          </a:xfrm>
+          <a:prstGeom prst="rect">
+            <a:avLst/>
+          </a:prstGeom>
+          <a:noFill/>
+        </p:spPr>
+        <p:txBody>
+          <a:bodyPr wrap="square" rtlCol="0">
+            <a:spAutoFit/>
+          </a:bodyPr>
+          <a:lstStyle/>
+          <a:p>
+            <a:r>
+              <a:rPr lang="en-US" dirty="0">
+                <a:latin typeface="Courier New" panose="02070309020205020404" pitchFamily="49" charset="0"/>
+                <a:cs typeface="Courier New" panose="02070309020205020404" pitchFamily="49" charset="0"/>
+              </a:rPr>
+              <a:t>if (</a:t>
+            </a:r>
+            <a:r>
+              <a:rPr lang="en-US" dirty="0" err="1">
+                <a:latin typeface="Courier New" panose="02070309020205020404" pitchFamily="49" charset="0"/>
+                <a:cs typeface="Courier New" panose="02070309020205020404" pitchFamily="49" charset="0"/>
+              </a:rPr>
+              <a:t>logger.isLoggable</a:t>
+            </a:r>
+            <a:r>
+              <a:rPr lang="en-US" dirty="0">
+                <a:latin typeface="Courier New" panose="02070309020205020404" pitchFamily="49" charset="0"/>
+                <a:cs typeface="Courier New" panose="02070309020205020404" pitchFamily="49" charset="0"/>
+              </a:rPr>
+              <a:t>(</a:t>
+            </a:r>
+            <a:r>
+              <a:rPr lang="en-US" dirty="0" err="1">
+                <a:latin typeface="Courier New" panose="02070309020205020404" pitchFamily="49" charset="0"/>
+                <a:cs typeface="Courier New" panose="02070309020205020404" pitchFamily="49" charset="0"/>
+              </a:rPr>
+              <a:t>Level.WARN</a:t>
+            </a:r>
+            <a:r>
+              <a:rPr lang="en-US" dirty="0">
+                <a:latin typeface="Courier New" panose="02070309020205020404" pitchFamily="49" charset="0"/>
+                <a:cs typeface="Courier New" panose="02070309020205020404" pitchFamily="49" charset="0"/>
+              </a:rPr>
+              <a:t>))</a:t>
+            </a:r>
             <a:endParaRPr lang="en-US" dirty="0"/>
           </a:p>
         </p:txBody>
@@ -29146,33 +29778,15 @@
                                   </p:childTnLst>
                                 </p:cTn>
                               </p:par>
-                            </p:childTnLst>
-                          </p:cTn>
-                        </p:par>
-                      </p:childTnLst>
-                    </p:cTn>
-                  </p:par>
-                  <p:par>
-                    <p:cTn id="7" fill="hold">
-                      <p:stCondLst>
-                        <p:cond delay="indefinite"/>
-                      </p:stCondLst>
-                      <p:childTnLst>
-                        <p:par>
-                          <p:cTn id="8" fill="hold">
-                            <p:stCondLst>
-                              <p:cond delay="0"/>
-                            </p:stCondLst>
-                            <p:childTnLst>
                               <p:par>
-                                <p:cTn id="9" presetID="1" presetClass="entr" presetSubtype="0" fill="hold" nodeType="clickEffect">
+                                <p:cTn id="7" presetID="1" presetClass="entr" presetSubtype="0" fill="hold" nodeType="withEffect">
                                   <p:stCondLst>
                                     <p:cond delay="0"/>
                                   </p:stCondLst>
                                   <p:childTnLst>
                                     <p:set>
                                       <p:cBhvr>
-                                        <p:cTn id="10" dur="1" fill="hold">
+                                        <p:cTn id="8" dur="1" fill="hold">
                                           <p:stCondLst>
                                             <p:cond delay="0"/>
                                           </p:stCondLst>
@@ -29202,26 +29816,26 @@
                     </p:cTn>
                   </p:par>
                   <p:par>
-                    <p:cTn id="11" fill="hold">
+                    <p:cTn id="9" fill="hold">
                       <p:stCondLst>
                         <p:cond delay="indefinite"/>
                       </p:stCondLst>
                       <p:childTnLst>
                         <p:par>
-                          <p:cTn id="12" fill="hold">
+                          <p:cTn id="10" fill="hold">
                             <p:stCondLst>
                               <p:cond delay="0"/>
                             </p:stCondLst>
                             <p:childTnLst>
                               <p:par>
-                                <p:cTn id="13" presetID="1" presetClass="entr" presetSubtype="0" fill="hold" grpId="0" nodeType="clickEffect">
+                                <p:cTn id="11" presetID="1" presetClass="entr" presetSubtype="0" fill="hold" grpId="0" nodeType="clickEffect">
                                   <p:stCondLst>
                                     <p:cond delay="0"/>
                                   </p:stCondLst>
                                   <p:childTnLst>
                                     <p:set>
                                       <p:cBhvr>
-                                        <p:cTn id="14" dur="1" fill="hold">
+                                        <p:cTn id="12" dur="1" fill="hold">
                                           <p:stCondLst>
                                             <p:cond delay="0"/>
                                           </p:stCondLst>
@@ -29247,19 +29861,46 @@
                     </p:cTn>
                   </p:par>
                   <p:par>
-                    <p:cTn id="15" fill="hold">
+                    <p:cTn id="13" fill="hold">
                       <p:stCondLst>
                         <p:cond delay="indefinite"/>
                       </p:stCondLst>
                       <p:childTnLst>
                         <p:par>
-                          <p:cTn id="16" fill="hold">
+                          <p:cTn id="14" fill="hold">
                             <p:stCondLst>
                               <p:cond delay="0"/>
                             </p:stCondLst>
                             <p:childTnLst>
                               <p:par>
-                                <p:cTn id="17" presetID="1" presetClass="entr" presetSubtype="0" fill="hold" nodeType="clickEffect">
+                                <p:cTn id="15" presetID="1" presetClass="entr" presetSubtype="0" fill="hold" grpId="0" nodeType="clickEffect">
+                                  <p:stCondLst>
+                                    <p:cond delay="0"/>
+                                  </p:stCondLst>
+                                  <p:childTnLst>
+                                    <p:set>
+                                      <p:cBhvr>
+                                        <p:cTn id="16" dur="1" fill="hold">
+                                          <p:stCondLst>
+                                            <p:cond delay="0"/>
+                                          </p:stCondLst>
+                                        </p:cTn>
+                                        <p:tgtEl>
+                                          <p:spTgt spid="8"/>
+                                        </p:tgtEl>
+                                        <p:attrNameLst>
+                                          <p:attrName>style.visibility</p:attrName>
+                                        </p:attrNameLst>
+                                      </p:cBhvr>
+                                      <p:to>
+                                        <p:strVal val="visible"/>
+                                      </p:to>
+                                    </p:set>
+                                  </p:childTnLst>
+                                </p:cTn>
+                              </p:par>
+                              <p:par>
+                                <p:cTn id="17" presetID="1" presetClass="entr" presetSubtype="0" fill="hold" nodeType="withEffect">
                                   <p:stCondLst>
                                     <p:cond delay="0"/>
                                   </p:stCondLst>
@@ -29338,33 +29979,15 @@
                                   </p:childTnLst>
                                 </p:cTn>
                               </p:par>
-                            </p:childTnLst>
-                          </p:cTn>
-                        </p:par>
-                      </p:childTnLst>
-                    </p:cTn>
-                  </p:par>
-                  <p:par>
-                    <p:cTn id="23" fill="hold">
-                      <p:stCondLst>
-                        <p:cond delay="indefinite"/>
-                      </p:stCondLst>
-                      <p:childTnLst>
-                        <p:par>
-                          <p:cTn id="24" fill="hold">
-                            <p:stCondLst>
-                              <p:cond delay="0"/>
-                            </p:stCondLst>
-                            <p:childTnLst>
                               <p:par>
-                                <p:cTn id="25" presetID="1" presetClass="entr" presetSubtype="0" fill="hold" nodeType="clickEffect">
+                                <p:cTn id="23" presetID="1" presetClass="entr" presetSubtype="0" fill="hold" nodeType="withEffect">
                                   <p:stCondLst>
                                     <p:cond delay="0"/>
                                   </p:stCondLst>
                                   <p:childTnLst>
                                     <p:set>
                                       <p:cBhvr>
-                                        <p:cTn id="26" dur="1" fill="hold">
+                                        <p:cTn id="24" dur="1" fill="hold">
                                           <p:stCondLst>
                                             <p:cond delay="0"/>
                                           </p:stCondLst>
@@ -29394,19 +30017,50 @@
                     </p:cTn>
                   </p:par>
                   <p:par>
-                    <p:cTn id="27" fill="hold">
+                    <p:cTn id="25" fill="hold">
                       <p:stCondLst>
                         <p:cond delay="indefinite"/>
                       </p:stCondLst>
                       <p:childTnLst>
                         <p:par>
-                          <p:cTn id="28" fill="hold">
+                          <p:cTn id="26" fill="hold">
                             <p:stCondLst>
                               <p:cond delay="0"/>
                             </p:stCondLst>
                             <p:childTnLst>
                               <p:par>
-                                <p:cTn id="29" presetID="1" presetClass="entr" presetSubtype="0" fill="hold" nodeType="clickEffect">
+                                <p:cTn id="27" presetID="1" presetClass="entr" presetSubtype="0" fill="hold" nodeType="clickEffect">
+                                  <p:stCondLst>
+                                    <p:cond delay="0"/>
+                                  </p:stCondLst>
+                                  <p:childTnLst>
+                                    <p:set>
+                                      <p:cBhvr>
+                                        <p:cTn id="28" dur="1" fill="hold">
+                                          <p:stCondLst>
+                                            <p:cond delay="0"/>
+                                          </p:stCondLst>
+                                        </p:cTn>
+                                        <p:tgtEl>
+                                          <p:spTgt spid="3">
+                                            <p:txEl>
+                                              <p:pRg st="10" end="10"/>
+                                            </p:txEl>
+                                          </p:spTgt>
+                                        </p:tgtEl>
+                                        <p:attrNameLst>
+                                          <p:attrName>style.visibility</p:attrName>
+                                        </p:attrNameLst>
+                                      </p:cBhvr>
+                                      <p:to>
+                                        <p:strVal val="visible"/>
+                                      </p:to>
+                                    </p:set>
+                                  </p:childTnLst>
+                                </p:cTn>
+                              </p:par>
+                              <p:par>
+                                <p:cTn id="29" presetID="1" presetClass="entr" presetSubtype="0" fill="hold" nodeType="withEffect">
                                   <p:stCondLst>
                                     <p:cond delay="0"/>
                                   </p:stCondLst>
@@ -29421,7 +30075,7 @@
                                         <p:tgtEl>
                                           <p:spTgt spid="3">
                                             <p:txEl>
-                                              <p:pRg st="10" end="10"/>
+                                              <p:pRg st="11" end="11"/>
                                             </p:txEl>
                                           </p:spTgt>
                                         </p:tgtEl>
@@ -29452,7 +30106,7 @@
                                         <p:tgtEl>
                                           <p:spTgt spid="3">
                                             <p:txEl>
-                                              <p:pRg st="11" end="11"/>
+                                              <p:pRg st="12" end="12"/>
                                             </p:txEl>
                                           </p:spTgt>
                                         </p:tgtEl>
@@ -29483,55 +30137,6 @@
                                         <p:tgtEl>
                                           <p:spTgt spid="3">
                                             <p:txEl>
-                                              <p:pRg st="12" end="12"/>
-                                            </p:txEl>
-                                          </p:spTgt>
-                                        </p:tgtEl>
-                                        <p:attrNameLst>
-                                          <p:attrName>style.visibility</p:attrName>
-                                        </p:attrNameLst>
-                                      </p:cBhvr>
-                                      <p:to>
-                                        <p:strVal val="visible"/>
-                                      </p:to>
-                                    </p:set>
-                                  </p:childTnLst>
-                                </p:cTn>
-                              </p:par>
-                            </p:childTnLst>
-                          </p:cTn>
-                        </p:par>
-                      </p:childTnLst>
-                    </p:cTn>
-                  </p:par>
-                  <p:par>
-                    <p:cTn id="35" fill="hold">
-                      <p:stCondLst>
-                        <p:cond delay="indefinite"/>
-                      </p:stCondLst>
-                      <p:childTnLst>
-                        <p:par>
-                          <p:cTn id="36" fill="hold">
-                            <p:stCondLst>
-                              <p:cond delay="0"/>
-                            </p:stCondLst>
-                            <p:childTnLst>
-                              <p:par>
-                                <p:cTn id="37" presetID="1" presetClass="entr" presetSubtype="0" fill="hold" nodeType="clickEffect">
-                                  <p:stCondLst>
-                                    <p:cond delay="0"/>
-                                  </p:stCondLst>
-                                  <p:childTnLst>
-                                    <p:set>
-                                      <p:cBhvr>
-                                        <p:cTn id="38" dur="1" fill="hold">
-                                          <p:stCondLst>
-                                            <p:cond delay="0"/>
-                                          </p:stCondLst>
-                                        </p:cTn>
-                                        <p:tgtEl>
-                                          <p:spTgt spid="3">
-                                            <p:txEl>
                                               <p:pRg st="13" end="13"/>
                                             </p:txEl>
                                           </p:spTgt>
@@ -29548,14 +30153,14 @@
                                 </p:cTn>
                               </p:par>
                               <p:par>
-                                <p:cTn id="39" presetID="1" presetClass="entr" presetSubtype="0" fill="hold" nodeType="withEffect">
+                                <p:cTn id="35" presetID="1" presetClass="entr" presetSubtype="0" fill="hold" nodeType="withEffect">
                                   <p:stCondLst>
                                     <p:cond delay="0"/>
                                   </p:stCondLst>
                                   <p:childTnLst>
                                     <p:set>
                                       <p:cBhvr>
-                                        <p:cTn id="40" dur="1" fill="hold">
+                                        <p:cTn id="36" dur="1" fill="hold">
                                           <p:stCondLst>
                                             <p:cond delay="0"/>
                                           </p:stCondLst>
@@ -29607,6 +30212,7 @@
     </p:tnLst>
     <p:bldLst>
       <p:bldP spid="7" grpId="0"/>
+      <p:bldP spid="8" grpId="0"/>
     </p:bldLst>
   </p:timing>
 </p:sld>
@@ -29645,7 +30251,12 @@
             <p:ph type="title"/>
           </p:nvPr>
         </p:nvSpPr>
-        <p:spPr/>
+        <p:spPr>
+          <a:xfrm>
+            <a:off x="609600" y="1022350"/>
+            <a:ext cx="11221156" cy="427039"/>
+          </a:xfrm>
+        </p:spPr>
         <p:txBody>
           <a:bodyPr>
             <a:normAutofit fontScale="90000"/>
@@ -29654,7 +30265,7 @@
           <a:p>
             <a:r>
               <a:rPr lang="en-US" dirty="0"/>
-              <a:t>V2 UIMA logger not supporting modern logging</a:t>
+              <a:t>V2 UIMA logger:  missing “marker” support</a:t>
             </a:r>
           </a:p>
         </p:txBody>
@@ -29683,7 +30294,7 @@
         </p:spPr>
         <p:txBody>
           <a:bodyPr>
-            <a:normAutofit lnSpcReduction="10000"/>
+            <a:normAutofit/>
           </a:bodyPr>
           <a:lstStyle/>
           <a:p>
@@ -29696,25 +30307,37 @@
             <a:pPr lvl="1"/>
             <a:r>
               <a:rPr lang="en-US" dirty="0"/>
-              <a:t>To trigger actions (send an email to the admin when this happens)</a:t>
+              <a:t>Configurable in production for debugging</a:t>
             </a:r>
           </a:p>
           <a:p>
             <a:pPr lvl="1"/>
             <a:r>
               <a:rPr lang="en-US" dirty="0"/>
-              <a:t>To have cross-cutting filtering control (log things related to DB access) </a:t>
+              <a:t>Can trigger actions (send an email to the admin when this happens)</a:t>
+            </a:r>
+          </a:p>
+          <a:p>
+            <a:pPr lvl="1"/>
+            <a:r>
+              <a:rPr lang="en-US" dirty="0"/>
+              <a:t>Can have cross-cutting filtering control (log things related to DB access) </a:t>
             </a:r>
             <a:endParaRPr lang="en-US" dirty="0">
               <a:cs typeface="Courier New" panose="02070309020205020404" pitchFamily="49" charset="0"/>
             </a:endParaRPr>
           </a:p>
           <a:p>
+            <a:endParaRPr lang="en-US" dirty="0">
+              <a:cs typeface="Courier New" panose="02070309020205020404" pitchFamily="49" charset="0"/>
+            </a:endParaRPr>
+          </a:p>
+          <a:p>
             <a:r>
               <a:rPr lang="en-US" dirty="0">
                 <a:cs typeface="Courier New" panose="02070309020205020404" pitchFamily="49" charset="0"/>
               </a:rPr>
-              <a:t>Solution: UIMA’s new logging APIs support Markers</a:t>
+              <a:t>Solution: UIMA’s new logging APIs support new standard “Markers”</a:t>
             </a:r>
           </a:p>
           <a:p>
@@ -29757,9 +30380,15 @@
               </a:rPr>
               <a:t>, message, …)</a:t>
             </a:r>
-            <a:endParaRPr lang="en-US" dirty="0">
-              <a:cs typeface="Courier New" panose="02070309020205020404" pitchFamily="49" charset="0"/>
-            </a:endParaRPr>
+          </a:p>
+          <a:p>
+            <a:pPr lvl="1"/>
+            <a:r>
+              <a:rPr lang="en-US" dirty="0">
+                <a:cs typeface="Courier New" panose="02070309020205020404" pitchFamily="49" charset="0"/>
+              </a:rPr>
+              <a:t>https://logging.apache.org/log4j/2.0/manual/markers.html</a:t>
+            </a:r>
           </a:p>
           <a:p>
             <a:pPr marL="461422" lvl="1" indent="0">
@@ -29768,63 +30397,6 @@
             <a:endParaRPr lang="en-US" sz="1867" dirty="0">
               <a:cs typeface="Courier New" panose="02070309020205020404" pitchFamily="49" charset="0"/>
             </a:endParaRPr>
-          </a:p>
-          <a:p>
-            <a:r>
-              <a:rPr lang="en-US" dirty="0">
-                <a:cs typeface="Courier New" panose="02070309020205020404" pitchFamily="49" charset="0"/>
-              </a:rPr>
-              <a:t>Markers examples:</a:t>
-            </a:r>
-            <a:endParaRPr lang="en-US" dirty="0">
-              <a:latin typeface="Courier New" panose="02070309020205020404" pitchFamily="49" charset="0"/>
-              <a:cs typeface="Courier New" panose="02070309020205020404" pitchFamily="49" charset="0"/>
-            </a:endParaRPr>
-          </a:p>
-          <a:p>
-            <a:pPr lvl="1"/>
-            <a:r>
-              <a:rPr lang="en-US" dirty="0">
-                <a:cs typeface="Courier New" panose="02070309020205020404" pitchFamily="49" charset="0"/>
-              </a:rPr>
-              <a:t>Tracing filters: </a:t>
-            </a:r>
-          </a:p>
-          <a:p>
-            <a:pPr lvl="2"/>
-            <a:r>
-              <a:rPr lang="en-US" dirty="0">
-                <a:cs typeface="Courier New" panose="02070309020205020404" pitchFamily="49" charset="0"/>
-              </a:rPr>
-              <a:t>annotator/flow controller enter/exit, </a:t>
-            </a:r>
-          </a:p>
-          <a:p>
-            <a:pPr lvl="2"/>
-            <a:r>
-              <a:rPr lang="en-US" dirty="0">
-                <a:cs typeface="Courier New" panose="02070309020205020404" pitchFamily="49" charset="0"/>
-              </a:rPr>
-              <a:t>Feature Structure creation/updating</a:t>
-            </a:r>
-          </a:p>
-          <a:p>
-            <a:pPr lvl="2"/>
-            <a:r>
-              <a:rPr lang="en-US" dirty="0">
-                <a:cs typeface="Courier New" panose="02070309020205020404" pitchFamily="49" charset="0"/>
-              </a:rPr>
-              <a:t>Index modification, index auto-remove/add-back</a:t>
-            </a:r>
-          </a:p>
-          <a:p>
-            <a:pPr lvl="2"/>
-            <a:r>
-              <a:rPr lang="en-US" dirty="0">
-                <a:cs typeface="Courier New" panose="02070309020205020404" pitchFamily="49" charset="0"/>
-              </a:rPr>
-              <a:t>serialization</a:t>
-            </a:r>
           </a:p>
         </p:txBody>
       </p:sp>
@@ -29894,91 +30466,6 @@
       </p:sp>
       <p:sp>
         <p:nvSpPr>
-          <p:cNvPr id="7" name="TextBox 6">
-            <a:extLst>
-              <a:ext uri="{FF2B5EF4-FFF2-40B4-BE49-F238E27FC236}">
-                <a16:creationId xmlns:a16="http://schemas.microsoft.com/office/drawing/2014/main" id="{7019B9CC-987B-44D1-928A-0A8F93E7EFB0}"/>
-              </a:ext>
-            </a:extLst>
-          </p:cNvPr>
-          <p:cNvSpPr txBox="1"/>
-          <p:nvPr/>
-        </p:nvSpPr>
-        <p:spPr>
-          <a:xfrm>
-            <a:off x="6472132" y="2247242"/>
-            <a:ext cx="4276935" cy="420564"/>
-          </a:xfrm>
-          <a:prstGeom prst="rect">
-            <a:avLst/>
-          </a:prstGeom>
-          <a:noFill/>
-        </p:spPr>
-        <p:txBody>
-          <a:bodyPr wrap="square" rtlCol="0">
-            <a:spAutoFit/>
-          </a:bodyPr>
-          <a:lstStyle/>
-          <a:p>
-            <a:r>
-              <a:rPr lang="en-US" sz="2133" b="1" dirty="0" err="1">
-                <a:ln w="6600">
-                  <a:solidFill>
-                    <a:schemeClr val="accent2"/>
-                  </a:solidFill>
-                  <a:prstDash val="solid"/>
-                </a:ln>
-                <a:solidFill>
-                  <a:srgbClr val="FFFFFF"/>
-                </a:solidFill>
-                <a:effectLst>
-                  <a:outerShdw dist="38100" dir="2700000" algn="tl" rotWithShape="0">
-                    <a:schemeClr val="accent2"/>
-                  </a:outerShdw>
-                </a:effectLst>
-              </a:rPr>
-              <a:t>toString</a:t>
-            </a:r>
-            <a:r>
-              <a:rPr lang="en-US" sz="2133" b="1" dirty="0">
-                <a:ln w="6600">
-                  <a:solidFill>
-                    <a:schemeClr val="accent2"/>
-                  </a:solidFill>
-                  <a:prstDash val="solid"/>
-                </a:ln>
-                <a:solidFill>
-                  <a:srgbClr val="FFFFFF"/>
-                </a:solidFill>
-                <a:effectLst>
-                  <a:outerShdw dist="38100" dir="2700000" algn="tl" rotWithShape="0">
-                    <a:schemeClr val="accent2"/>
-                  </a:outerShdw>
-                </a:effectLst>
-              </a:rPr>
-              <a:t> expensive to compute</a:t>
-            </a:r>
-            <a:endParaRPr lang="en-US" sz="1600" b="1" dirty="0">
-              <a:ln w="6600">
-                <a:solidFill>
-                  <a:schemeClr val="accent2"/>
-                </a:solidFill>
-                <a:prstDash val="solid"/>
-              </a:ln>
-              <a:solidFill>
-                <a:srgbClr val="FFFFFF"/>
-              </a:solidFill>
-              <a:effectLst>
-                <a:outerShdw dist="38100" dir="2700000" algn="tl" rotWithShape="0">
-                  <a:schemeClr val="accent2"/>
-                </a:outerShdw>
-              </a:effectLst>
-            </a:endParaRPr>
-          </a:p>
-        </p:txBody>
-      </p:sp>
-      <p:sp>
-        <p:nvSpPr>
           <p:cNvPr id="4" name="Date Placeholder 3">
             <a:extLst>
               <a:ext uri="{FF2B5EF4-FFF2-40B4-BE49-F238E27FC236}">
@@ -30000,7 +30487,7 @@
           <a:p>
             <a:fld id="{10685852-31F4-439C-A2F5-6D985800193A}" type="datetime1">
               <a:rPr lang="en-US" smtClean="0"/>
-              <a:t>11/22/2017</a:t>
+              <a:t>12/5/2017</a:t>
             </a:fld>
             <a:endParaRPr lang="en-US" dirty="0"/>
           </a:p>
@@ -30133,7 +30620,7 @@
                                 </p:cTn>
                               </p:par>
                               <p:par>
-                                <p:cTn id="11" presetID="1" presetClass="entr" presetSubtype="0" fill="hold" grpId="0" nodeType="withEffect">
+                                <p:cTn id="11" presetID="1" presetClass="entr" presetSubtype="0" fill="hold" nodeType="withEffect">
                                   <p:stCondLst>
                                     <p:cond delay="0"/>
                                   </p:stCondLst>
@@ -30146,7 +30633,11 @@
                                           </p:stCondLst>
                                         </p:cTn>
                                         <p:tgtEl>
-                                          <p:spTgt spid="7"/>
+                                          <p:spTgt spid="3">
+                                            <p:txEl>
+                                              <p:pRg st="3" end="3"/>
+                                            </p:txEl>
+                                          </p:spTgt>
                                         </p:tgtEl>
                                         <p:attrNameLst>
                                           <p:attrName>style.visibility</p:attrName>
@@ -30193,7 +30684,7 @@
                                         <p:tgtEl>
                                           <p:spTgt spid="3">
                                             <p:txEl>
-                                              <p:pRg st="3" end="3"/>
+                                              <p:pRg st="5" end="5"/>
                                             </p:txEl>
                                           </p:spTgt>
                                         </p:tgtEl>
@@ -30208,82 +30699,15 @@
                                   </p:childTnLst>
                                 </p:cTn>
                               </p:par>
-                            </p:childTnLst>
-                          </p:cTn>
-                        </p:par>
-                      </p:childTnLst>
-                    </p:cTn>
-                  </p:par>
-                  <p:par>
-                    <p:cTn id="17" fill="hold">
-                      <p:stCondLst>
-                        <p:cond delay="indefinite"/>
-                      </p:stCondLst>
-                      <p:childTnLst>
-                        <p:par>
-                          <p:cTn id="18" fill="hold">
-                            <p:stCondLst>
-                              <p:cond delay="0"/>
-                            </p:stCondLst>
-                            <p:childTnLst>
                               <p:par>
-                                <p:cTn id="19" presetID="1" presetClass="entr" presetSubtype="0" fill="hold" nodeType="clickEffect">
+                                <p:cTn id="17" presetID="1" presetClass="entr" presetSubtype="0" fill="hold" nodeType="withEffect">
                                   <p:stCondLst>
                                     <p:cond delay="0"/>
                                   </p:stCondLst>
                                   <p:childTnLst>
                                     <p:set>
                                       <p:cBhvr>
-                                        <p:cTn id="20" dur="1" fill="hold">
-                                          <p:stCondLst>
-                                            <p:cond delay="0"/>
-                                          </p:stCondLst>
-                                        </p:cTn>
-                                        <p:tgtEl>
-                                          <p:spTgt spid="3">
-                                            <p:txEl>
-                                              <p:pRg st="4" end="4"/>
-                                            </p:txEl>
-                                          </p:spTgt>
-                                        </p:tgtEl>
-                                        <p:attrNameLst>
-                                          <p:attrName>style.visibility</p:attrName>
-                                        </p:attrNameLst>
-                                      </p:cBhvr>
-                                      <p:to>
-                                        <p:strVal val="visible"/>
-                                      </p:to>
-                                    </p:set>
-                                  </p:childTnLst>
-                                </p:cTn>
-                              </p:par>
-                            </p:childTnLst>
-                          </p:cTn>
-                        </p:par>
-                      </p:childTnLst>
-                    </p:cTn>
-                  </p:par>
-                  <p:par>
-                    <p:cTn id="21" fill="hold">
-                      <p:stCondLst>
-                        <p:cond delay="indefinite"/>
-                      </p:stCondLst>
-                      <p:childTnLst>
-                        <p:par>
-                          <p:cTn id="22" fill="hold">
-                            <p:stCondLst>
-                              <p:cond delay="0"/>
-                            </p:stCondLst>
-                            <p:childTnLst>
-                              <p:par>
-                                <p:cTn id="23" presetID="1" presetClass="entr" presetSubtype="0" fill="hold" nodeType="clickEffect">
-                                  <p:stCondLst>
-                                    <p:cond delay="0"/>
-                                  </p:stCondLst>
-                                  <p:childTnLst>
-                                    <p:set>
-                                      <p:cBhvr>
-                                        <p:cTn id="24" dur="1" fill="hold">
+                                        <p:cTn id="18" dur="1" fill="hold">
                                           <p:stCondLst>
                                             <p:cond delay="0"/>
                                           </p:stCondLst>
@@ -30306,33 +30730,15 @@
                                   </p:childTnLst>
                                 </p:cTn>
                               </p:par>
-                            </p:childTnLst>
-                          </p:cTn>
-                        </p:par>
-                      </p:childTnLst>
-                    </p:cTn>
-                  </p:par>
-                  <p:par>
-                    <p:cTn id="25" fill="hold">
-                      <p:stCondLst>
-                        <p:cond delay="indefinite"/>
-                      </p:stCondLst>
-                      <p:childTnLst>
-                        <p:par>
-                          <p:cTn id="26" fill="hold">
-                            <p:stCondLst>
-                              <p:cond delay="0"/>
-                            </p:stCondLst>
-                            <p:childTnLst>
                               <p:par>
-                                <p:cTn id="27" presetID="1" presetClass="entr" presetSubtype="0" fill="hold" nodeType="clickEffect">
+                                <p:cTn id="19" presetID="1" presetClass="entr" presetSubtype="0" fill="hold" nodeType="withEffect">
                                   <p:stCondLst>
                                     <p:cond delay="0"/>
                                   </p:stCondLst>
                                   <p:childTnLst>
                                     <p:set>
                                       <p:cBhvr>
-                                        <p:cTn id="28" dur="1" fill="hold">
+                                        <p:cTn id="20" dur="1" fill="hold">
                                           <p:stCondLst>
                                             <p:cond delay="0"/>
                                           </p:stCondLst>
@@ -30341,202 +30747,6 @@
                                           <p:spTgt spid="3">
                                             <p:txEl>
                                               <p:pRg st="7" end="7"/>
-                                            </p:txEl>
-                                          </p:spTgt>
-                                        </p:tgtEl>
-                                        <p:attrNameLst>
-                                          <p:attrName>style.visibility</p:attrName>
-                                        </p:attrNameLst>
-                                      </p:cBhvr>
-                                      <p:to>
-                                        <p:strVal val="visible"/>
-                                      </p:to>
-                                    </p:set>
-                                  </p:childTnLst>
-                                </p:cTn>
-                              </p:par>
-                            </p:childTnLst>
-                          </p:cTn>
-                        </p:par>
-                      </p:childTnLst>
-                    </p:cTn>
-                  </p:par>
-                  <p:par>
-                    <p:cTn id="29" fill="hold">
-                      <p:stCondLst>
-                        <p:cond delay="indefinite"/>
-                      </p:stCondLst>
-                      <p:childTnLst>
-                        <p:par>
-                          <p:cTn id="30" fill="hold">
-                            <p:stCondLst>
-                              <p:cond delay="0"/>
-                            </p:stCondLst>
-                            <p:childTnLst>
-                              <p:par>
-                                <p:cTn id="31" presetID="1" presetClass="entr" presetSubtype="0" fill="hold" nodeType="clickEffect">
-                                  <p:stCondLst>
-                                    <p:cond delay="0"/>
-                                  </p:stCondLst>
-                                  <p:childTnLst>
-                                    <p:set>
-                                      <p:cBhvr>
-                                        <p:cTn id="32" dur="1" fill="hold">
-                                          <p:stCondLst>
-                                            <p:cond delay="0"/>
-                                          </p:stCondLst>
-                                        </p:cTn>
-                                        <p:tgtEl>
-                                          <p:spTgt spid="3">
-                                            <p:txEl>
-                                              <p:pRg st="8" end="8"/>
-                                            </p:txEl>
-                                          </p:spTgt>
-                                        </p:tgtEl>
-                                        <p:attrNameLst>
-                                          <p:attrName>style.visibility</p:attrName>
-                                        </p:attrNameLst>
-                                      </p:cBhvr>
-                                      <p:to>
-                                        <p:strVal val="visible"/>
-                                      </p:to>
-                                    </p:set>
-                                  </p:childTnLst>
-                                </p:cTn>
-                              </p:par>
-                            </p:childTnLst>
-                          </p:cTn>
-                        </p:par>
-                      </p:childTnLst>
-                    </p:cTn>
-                  </p:par>
-                  <p:par>
-                    <p:cTn id="33" fill="hold">
-                      <p:stCondLst>
-                        <p:cond delay="indefinite"/>
-                      </p:stCondLst>
-                      <p:childTnLst>
-                        <p:par>
-                          <p:cTn id="34" fill="hold">
-                            <p:stCondLst>
-                              <p:cond delay="0"/>
-                            </p:stCondLst>
-                            <p:childTnLst>
-                              <p:par>
-                                <p:cTn id="35" presetID="1" presetClass="entr" presetSubtype="0" fill="hold" nodeType="clickEffect">
-                                  <p:stCondLst>
-                                    <p:cond delay="0"/>
-                                  </p:stCondLst>
-                                  <p:childTnLst>
-                                    <p:set>
-                                      <p:cBhvr>
-                                        <p:cTn id="36" dur="1" fill="hold">
-                                          <p:stCondLst>
-                                            <p:cond delay="0"/>
-                                          </p:stCondLst>
-                                        </p:cTn>
-                                        <p:tgtEl>
-                                          <p:spTgt spid="3">
-                                            <p:txEl>
-                                              <p:pRg st="9" end="9"/>
-                                            </p:txEl>
-                                          </p:spTgt>
-                                        </p:tgtEl>
-                                        <p:attrNameLst>
-                                          <p:attrName>style.visibility</p:attrName>
-                                        </p:attrNameLst>
-                                      </p:cBhvr>
-                                      <p:to>
-                                        <p:strVal val="visible"/>
-                                      </p:to>
-                                    </p:set>
-                                  </p:childTnLst>
-                                </p:cTn>
-                              </p:par>
-                            </p:childTnLst>
-                          </p:cTn>
-                        </p:par>
-                      </p:childTnLst>
-                    </p:cTn>
-                  </p:par>
-                  <p:par>
-                    <p:cTn id="37" fill="hold">
-                      <p:stCondLst>
-                        <p:cond delay="indefinite"/>
-                      </p:stCondLst>
-                      <p:childTnLst>
-                        <p:par>
-                          <p:cTn id="38" fill="hold">
-                            <p:stCondLst>
-                              <p:cond delay="0"/>
-                            </p:stCondLst>
-                            <p:childTnLst>
-                              <p:par>
-                                <p:cTn id="39" presetID="1" presetClass="entr" presetSubtype="0" fill="hold" nodeType="clickEffect">
-                                  <p:stCondLst>
-                                    <p:cond delay="0"/>
-                                  </p:stCondLst>
-                                  <p:childTnLst>
-                                    <p:set>
-                                      <p:cBhvr>
-                                        <p:cTn id="40" dur="1" fill="hold">
-                                          <p:stCondLst>
-                                            <p:cond delay="0"/>
-                                          </p:stCondLst>
-                                        </p:cTn>
-                                        <p:tgtEl>
-                                          <p:spTgt spid="3">
-                                            <p:txEl>
-                                              <p:pRg st="10" end="10"/>
-                                            </p:txEl>
-                                          </p:spTgt>
-                                        </p:tgtEl>
-                                        <p:attrNameLst>
-                                          <p:attrName>style.visibility</p:attrName>
-                                        </p:attrNameLst>
-                                      </p:cBhvr>
-                                      <p:to>
-                                        <p:strVal val="visible"/>
-                                      </p:to>
-                                    </p:set>
-                                  </p:childTnLst>
-                                </p:cTn>
-                              </p:par>
-                            </p:childTnLst>
-                          </p:cTn>
-                        </p:par>
-                      </p:childTnLst>
-                    </p:cTn>
-                  </p:par>
-                  <p:par>
-                    <p:cTn id="41" fill="hold">
-                      <p:stCondLst>
-                        <p:cond delay="indefinite"/>
-                      </p:stCondLst>
-                      <p:childTnLst>
-                        <p:par>
-                          <p:cTn id="42" fill="hold">
-                            <p:stCondLst>
-                              <p:cond delay="0"/>
-                            </p:stCondLst>
-                            <p:childTnLst>
-                              <p:par>
-                                <p:cTn id="43" presetID="1" presetClass="entr" presetSubtype="0" fill="hold" nodeType="clickEffect">
-                                  <p:stCondLst>
-                                    <p:cond delay="0"/>
-                                  </p:stCondLst>
-                                  <p:childTnLst>
-                                    <p:set>
-                                      <p:cBhvr>
-                                        <p:cTn id="44" dur="1" fill="hold">
-                                          <p:stCondLst>
-                                            <p:cond delay="0"/>
-                                          </p:stCondLst>
-                                        </p:cTn>
-                                        <p:tgtEl>
-                                          <p:spTgt spid="3">
-                                            <p:txEl>
-                                              <p:pRg st="11" end="11"/>
                                             </p:txEl>
                                           </p:spTgt>
                                         </p:tgtEl>
@@ -30578,9 +30788,6 @@
         </p:cTn>
       </p:par>
     </p:tnLst>
-    <p:bldLst>
-      <p:bldP spid="7" grpId="0"/>
-    </p:bldLst>
   </p:timing>
 </p:sld>
 </file>
@@ -30627,7 +30834,7 @@
           <a:p>
             <a:r>
               <a:rPr lang="en-US" dirty="0"/>
-              <a:t>V2 UIMA logger needs to “live” with other loggers</a:t>
+              <a:t>UIMA logger: context information</a:t>
             </a:r>
           </a:p>
         </p:txBody>
@@ -30662,30 +30869,60 @@
           <a:p>
             <a:r>
               <a:rPr lang="en-US" dirty="0"/>
-              <a:t>Problem : Embedding a UIMA pipeline inside another application</a:t>
+              <a:t>Problem : Want to add context info (by thread)</a:t>
             </a:r>
           </a:p>
           <a:p>
             <a:pPr lvl="1"/>
+            <a:r>
+              <a:rPr lang="en-US" dirty="0"/>
+              <a:t>Following modern logging standards, using MDC (Mapped Diagnostic Context)</a:t>
+            </a:r>
+          </a:p>
+          <a:p>
+            <a:pPr lvl="1"/>
+            <a:r>
+              <a:rPr lang="en-US" dirty="0"/>
+              <a:t>Context information gets insert into log messages</a:t>
+            </a:r>
+          </a:p>
+          <a:p>
+            <a:pPr lvl="2"/>
+            <a:r>
+              <a:rPr lang="en-US" dirty="0"/>
+              <a:t>Via run-time configuration of </a:t>
+            </a:r>
+            <a:r>
+              <a:rPr lang="en-US" dirty="0" err="1"/>
+              <a:t>appenders</a:t>
+            </a:r>
+            <a:r>
+              <a:rPr lang="en-US" dirty="0"/>
+              <a:t>/ handlers</a:t>
+            </a:r>
+          </a:p>
+          <a:p>
+            <a:pPr lvl="2"/>
+            <a:endParaRPr lang="en-US" dirty="0"/>
+          </a:p>
+          <a:p>
             <a:r>
               <a:rPr lang="en-US" dirty="0">
                 <a:cs typeface="Courier New" panose="02070309020205020404" pitchFamily="49" charset="0"/>
               </a:rPr>
-              <a:t>Which is already set up to use another logging system (e.g. log4j)</a:t>
-            </a:r>
-          </a:p>
-          <a:p>
-            <a:pPr lvl="1"/>
-            <a:endParaRPr lang="en-US" dirty="0">
-              <a:cs typeface="Courier New" panose="02070309020205020404" pitchFamily="49" charset="0"/>
-            </a:endParaRPr>
-          </a:p>
-          <a:p>
+              <a:t>Solution: UIMA logging backends log4j and </a:t>
+            </a:r>
+            <a:r>
+              <a:rPr lang="en-US" dirty="0" err="1">
+                <a:cs typeface="Courier New" panose="02070309020205020404" pitchFamily="49" charset="0"/>
+              </a:rPr>
+              <a:t>logback</a:t>
+            </a:r>
             <a:r>
               <a:rPr lang="en-US" dirty="0">
                 <a:cs typeface="Courier New" panose="02070309020205020404" pitchFamily="49" charset="0"/>
               </a:rPr>
-              <a:t>Solution: UIMA loggers are now built on top of slf4j, allowing:</a:t>
+              <a:t> support these</a:t>
             </a:r>
           </a:p>
           <a:p>
@@ -30694,30 +30931,7 @@
               <a:rPr lang="en-US" dirty="0">
                 <a:cs typeface="Courier New" panose="02070309020205020404" pitchFamily="49" charset="0"/>
               </a:rPr>
-              <a:t>Runtime determination of what logging framework is in use</a:t>
-            </a:r>
-          </a:p>
-          <a:p>
-            <a:pPr lvl="1"/>
-            <a:r>
-              <a:rPr lang="en-US" dirty="0">
-                <a:cs typeface="Courier New" panose="02070309020205020404" pitchFamily="49" charset="0"/>
-              </a:rPr>
-              <a:t>Adapting UIMA logging to that framework</a:t>
-            </a:r>
-          </a:p>
-          <a:p>
-            <a:pPr lvl="1"/>
-            <a:endParaRPr lang="en-US" dirty="0">
-              <a:cs typeface="Courier New" panose="02070309020205020404" pitchFamily="49" charset="0"/>
-            </a:endParaRPr>
-          </a:p>
-          <a:p>
-            <a:r>
-              <a:rPr lang="en-US" dirty="0">
-                <a:cs typeface="Courier New" panose="02070309020205020404" pitchFamily="49" charset="0"/>
-              </a:rPr>
-              <a:t>Defaults to v2 back-end logger: Java’s own built-in </a:t>
+              <a:t>Older </a:t>
             </a:r>
             <a:r>
               <a:rPr lang="en-US" dirty="0" err="1">
@@ -30725,9 +30939,39 @@
               </a:rPr>
               <a:t>java.util.logging</a:t>
             </a:r>
-            <a:endParaRPr lang="en-US" dirty="0">
-              <a:cs typeface="Courier New" panose="02070309020205020404" pitchFamily="49" charset="0"/>
-            </a:endParaRPr>
+            <a:r>
+              <a:rPr lang="en-US" dirty="0">
+                <a:cs typeface="Courier New" panose="02070309020205020404" pitchFamily="49" charset="0"/>
+              </a:rPr>
+              <a:t> backend does not.</a:t>
+            </a:r>
+          </a:p>
+          <a:p>
+            <a:pPr lvl="1"/>
+            <a:r>
+              <a:rPr lang="en-US" dirty="0">
+                <a:cs typeface="Courier New" panose="02070309020205020404" pitchFamily="49" charset="0"/>
+              </a:rPr>
+              <a:t>Contexts: </a:t>
+            </a:r>
+          </a:p>
+          <a:p>
+            <a:pPr lvl="2"/>
+            <a:r>
+              <a:rPr lang="en-US" dirty="0">
+                <a:cs typeface="Courier New" panose="02070309020205020404" pitchFamily="49" charset="0"/>
+              </a:rPr>
+              <a:t>what pipeline is running, what annotator in the pipeline is running</a:t>
+            </a:r>
+          </a:p>
+          <a:p>
+            <a:pPr lvl="2"/>
+            <a:r>
+              <a:rPr lang="en-US" dirty="0">
+                <a:cs typeface="Courier New" panose="02070309020205020404" pitchFamily="49" charset="0"/>
+              </a:rPr>
+              <a:t>What CAS is being used</a:t>
+            </a:r>
           </a:p>
         </p:txBody>
       </p:sp>
@@ -30818,7 +31062,589 @@
           <a:p>
             <a:fld id="{10685852-31F4-439C-A2F5-6D985800193A}" type="datetime1">
               <a:rPr lang="en-US" smtClean="0"/>
-              <a:t>11/22/2017</a:t>
+              <a:t>12/5/2017</a:t>
+            </a:fld>
+            <a:endParaRPr lang="en-US" dirty="0"/>
+          </a:p>
+        </p:txBody>
+      </p:sp>
+    </p:spTree>
+    <p:extLst>
+      <p:ext uri="{BB962C8B-B14F-4D97-AF65-F5344CB8AC3E}">
+        <p14:creationId xmlns:p14="http://schemas.microsoft.com/office/powerpoint/2010/main" val="3693734506"/>
+      </p:ext>
+    </p:extLst>
+  </p:cSld>
+  <p:clrMapOvr>
+    <a:masterClrMapping/>
+  </p:clrMapOvr>
+  <p:timing>
+    <p:tnLst>
+      <p:par>
+        <p:cTn id="1" dur="indefinite" restart="never" nodeType="tmRoot">
+          <p:childTnLst>
+            <p:seq concurrent="1" nextAc="seek">
+              <p:cTn id="2" dur="indefinite" nodeType="mainSeq">
+                <p:childTnLst>
+                  <p:par>
+                    <p:cTn id="3" fill="hold">
+                      <p:stCondLst>
+                        <p:cond delay="indefinite"/>
+                        <p:cond evt="onBegin" delay="0">
+                          <p:tn val="2"/>
+                        </p:cond>
+                      </p:stCondLst>
+                      <p:childTnLst>
+                        <p:par>
+                          <p:cTn id="4" fill="hold">
+                            <p:stCondLst>
+                              <p:cond delay="0"/>
+                            </p:stCondLst>
+                            <p:childTnLst>
+                              <p:par>
+                                <p:cTn id="5" presetID="1" presetClass="entr" presetSubtype="0" fill="hold" nodeType="withEffect">
+                                  <p:stCondLst>
+                                    <p:cond delay="0"/>
+                                  </p:stCondLst>
+                                  <p:childTnLst>
+                                    <p:set>
+                                      <p:cBhvr>
+                                        <p:cTn id="6" dur="1" fill="hold">
+                                          <p:stCondLst>
+                                            <p:cond delay="0"/>
+                                          </p:stCondLst>
+                                        </p:cTn>
+                                        <p:tgtEl>
+                                          <p:spTgt spid="3">
+                                            <p:txEl>
+                                              <p:pRg st="0" end="0"/>
+                                            </p:txEl>
+                                          </p:spTgt>
+                                        </p:tgtEl>
+                                        <p:attrNameLst>
+                                          <p:attrName>style.visibility</p:attrName>
+                                        </p:attrNameLst>
+                                      </p:cBhvr>
+                                      <p:to>
+                                        <p:strVal val="visible"/>
+                                      </p:to>
+                                    </p:set>
+                                  </p:childTnLst>
+                                </p:cTn>
+                              </p:par>
+                              <p:par>
+                                <p:cTn id="7" presetID="1" presetClass="entr" presetSubtype="0" fill="hold" nodeType="withEffect">
+                                  <p:stCondLst>
+                                    <p:cond delay="0"/>
+                                  </p:stCondLst>
+                                  <p:childTnLst>
+                                    <p:set>
+                                      <p:cBhvr>
+                                        <p:cTn id="8" dur="1" fill="hold">
+                                          <p:stCondLst>
+                                            <p:cond delay="0"/>
+                                          </p:stCondLst>
+                                        </p:cTn>
+                                        <p:tgtEl>
+                                          <p:spTgt spid="3">
+                                            <p:txEl>
+                                              <p:pRg st="1" end="1"/>
+                                            </p:txEl>
+                                          </p:spTgt>
+                                        </p:tgtEl>
+                                        <p:attrNameLst>
+                                          <p:attrName>style.visibility</p:attrName>
+                                        </p:attrNameLst>
+                                      </p:cBhvr>
+                                      <p:to>
+                                        <p:strVal val="visible"/>
+                                      </p:to>
+                                    </p:set>
+                                  </p:childTnLst>
+                                </p:cTn>
+                              </p:par>
+                              <p:par>
+                                <p:cTn id="9" presetID="1" presetClass="entr" presetSubtype="0" fill="hold" nodeType="withEffect">
+                                  <p:stCondLst>
+                                    <p:cond delay="0"/>
+                                  </p:stCondLst>
+                                  <p:childTnLst>
+                                    <p:set>
+                                      <p:cBhvr>
+                                        <p:cTn id="10" dur="1" fill="hold">
+                                          <p:stCondLst>
+                                            <p:cond delay="0"/>
+                                          </p:stCondLst>
+                                        </p:cTn>
+                                        <p:tgtEl>
+                                          <p:spTgt spid="3">
+                                            <p:txEl>
+                                              <p:pRg st="2" end="2"/>
+                                            </p:txEl>
+                                          </p:spTgt>
+                                        </p:tgtEl>
+                                        <p:attrNameLst>
+                                          <p:attrName>style.visibility</p:attrName>
+                                        </p:attrNameLst>
+                                      </p:cBhvr>
+                                      <p:to>
+                                        <p:strVal val="visible"/>
+                                      </p:to>
+                                    </p:set>
+                                  </p:childTnLst>
+                                </p:cTn>
+                              </p:par>
+                              <p:par>
+                                <p:cTn id="11" presetID="1" presetClass="entr" presetSubtype="0" fill="hold" nodeType="withEffect">
+                                  <p:stCondLst>
+                                    <p:cond delay="0"/>
+                                  </p:stCondLst>
+                                  <p:childTnLst>
+                                    <p:set>
+                                      <p:cBhvr>
+                                        <p:cTn id="12" dur="1" fill="hold">
+                                          <p:stCondLst>
+                                            <p:cond delay="0"/>
+                                          </p:stCondLst>
+                                        </p:cTn>
+                                        <p:tgtEl>
+                                          <p:spTgt spid="3">
+                                            <p:txEl>
+                                              <p:pRg st="3" end="3"/>
+                                            </p:txEl>
+                                          </p:spTgt>
+                                        </p:tgtEl>
+                                        <p:attrNameLst>
+                                          <p:attrName>style.visibility</p:attrName>
+                                        </p:attrNameLst>
+                                      </p:cBhvr>
+                                      <p:to>
+                                        <p:strVal val="visible"/>
+                                      </p:to>
+                                    </p:set>
+                                  </p:childTnLst>
+                                </p:cTn>
+                              </p:par>
+                              <p:par>
+                                <p:cTn id="13" presetID="1" presetClass="entr" presetSubtype="0" fill="hold" nodeType="withEffect">
+                                  <p:stCondLst>
+                                    <p:cond delay="0"/>
+                                  </p:stCondLst>
+                                  <p:childTnLst>
+                                    <p:set>
+                                      <p:cBhvr>
+                                        <p:cTn id="14" dur="1" fill="hold">
+                                          <p:stCondLst>
+                                            <p:cond delay="0"/>
+                                          </p:stCondLst>
+                                        </p:cTn>
+                                        <p:tgtEl>
+                                          <p:spTgt spid="3">
+                                            <p:txEl>
+                                              <p:pRg st="5" end="5"/>
+                                            </p:txEl>
+                                          </p:spTgt>
+                                        </p:tgtEl>
+                                        <p:attrNameLst>
+                                          <p:attrName>style.visibility</p:attrName>
+                                        </p:attrNameLst>
+                                      </p:cBhvr>
+                                      <p:to>
+                                        <p:strVal val="visible"/>
+                                      </p:to>
+                                    </p:set>
+                                  </p:childTnLst>
+                                </p:cTn>
+                              </p:par>
+                              <p:par>
+                                <p:cTn id="15" presetID="1" presetClass="entr" presetSubtype="0" fill="hold" nodeType="withEffect">
+                                  <p:stCondLst>
+                                    <p:cond delay="0"/>
+                                  </p:stCondLst>
+                                  <p:childTnLst>
+                                    <p:set>
+                                      <p:cBhvr>
+                                        <p:cTn id="16" dur="1" fill="hold">
+                                          <p:stCondLst>
+                                            <p:cond delay="0"/>
+                                          </p:stCondLst>
+                                        </p:cTn>
+                                        <p:tgtEl>
+                                          <p:spTgt spid="3">
+                                            <p:txEl>
+                                              <p:pRg st="6" end="6"/>
+                                            </p:txEl>
+                                          </p:spTgt>
+                                        </p:tgtEl>
+                                        <p:attrNameLst>
+                                          <p:attrName>style.visibility</p:attrName>
+                                        </p:attrNameLst>
+                                      </p:cBhvr>
+                                      <p:to>
+                                        <p:strVal val="visible"/>
+                                      </p:to>
+                                    </p:set>
+                                  </p:childTnLst>
+                                </p:cTn>
+                              </p:par>
+                              <p:par>
+                                <p:cTn id="17" presetID="1" presetClass="entr" presetSubtype="0" fill="hold" nodeType="withEffect">
+                                  <p:stCondLst>
+                                    <p:cond delay="0"/>
+                                  </p:stCondLst>
+                                  <p:childTnLst>
+                                    <p:set>
+                                      <p:cBhvr>
+                                        <p:cTn id="18" dur="1" fill="hold">
+                                          <p:stCondLst>
+                                            <p:cond delay="0"/>
+                                          </p:stCondLst>
+                                        </p:cTn>
+                                        <p:tgtEl>
+                                          <p:spTgt spid="3">
+                                            <p:txEl>
+                                              <p:pRg st="7" end="7"/>
+                                            </p:txEl>
+                                          </p:spTgt>
+                                        </p:tgtEl>
+                                        <p:attrNameLst>
+                                          <p:attrName>style.visibility</p:attrName>
+                                        </p:attrNameLst>
+                                      </p:cBhvr>
+                                      <p:to>
+                                        <p:strVal val="visible"/>
+                                      </p:to>
+                                    </p:set>
+                                  </p:childTnLst>
+                                </p:cTn>
+                              </p:par>
+                              <p:par>
+                                <p:cTn id="19" presetID="1" presetClass="entr" presetSubtype="0" fill="hold" nodeType="withEffect">
+                                  <p:stCondLst>
+                                    <p:cond delay="0"/>
+                                  </p:stCondLst>
+                                  <p:childTnLst>
+                                    <p:set>
+                                      <p:cBhvr>
+                                        <p:cTn id="20" dur="1" fill="hold">
+                                          <p:stCondLst>
+                                            <p:cond delay="0"/>
+                                          </p:stCondLst>
+                                        </p:cTn>
+                                        <p:tgtEl>
+                                          <p:spTgt spid="3">
+                                            <p:txEl>
+                                              <p:pRg st="8" end="8"/>
+                                            </p:txEl>
+                                          </p:spTgt>
+                                        </p:tgtEl>
+                                        <p:attrNameLst>
+                                          <p:attrName>style.visibility</p:attrName>
+                                        </p:attrNameLst>
+                                      </p:cBhvr>
+                                      <p:to>
+                                        <p:strVal val="visible"/>
+                                      </p:to>
+                                    </p:set>
+                                  </p:childTnLst>
+                                </p:cTn>
+                              </p:par>
+                              <p:par>
+                                <p:cTn id="21" presetID="1" presetClass="entr" presetSubtype="0" fill="hold" nodeType="withEffect">
+                                  <p:stCondLst>
+                                    <p:cond delay="0"/>
+                                  </p:stCondLst>
+                                  <p:childTnLst>
+                                    <p:set>
+                                      <p:cBhvr>
+                                        <p:cTn id="22" dur="1" fill="hold">
+                                          <p:stCondLst>
+                                            <p:cond delay="0"/>
+                                          </p:stCondLst>
+                                        </p:cTn>
+                                        <p:tgtEl>
+                                          <p:spTgt spid="3">
+                                            <p:txEl>
+                                              <p:pRg st="9" end="9"/>
+                                            </p:txEl>
+                                          </p:spTgt>
+                                        </p:tgtEl>
+                                        <p:attrNameLst>
+                                          <p:attrName>style.visibility</p:attrName>
+                                        </p:attrNameLst>
+                                      </p:cBhvr>
+                                      <p:to>
+                                        <p:strVal val="visible"/>
+                                      </p:to>
+                                    </p:set>
+                                  </p:childTnLst>
+                                </p:cTn>
+                              </p:par>
+                            </p:childTnLst>
+                          </p:cTn>
+                        </p:par>
+                      </p:childTnLst>
+                    </p:cTn>
+                  </p:par>
+                </p:childTnLst>
+              </p:cTn>
+              <p:prevCondLst>
+                <p:cond evt="onPrev" delay="0">
+                  <p:tgtEl>
+                    <p:sldTgt/>
+                  </p:tgtEl>
+                </p:cond>
+              </p:prevCondLst>
+              <p:nextCondLst>
+                <p:cond evt="onNext" delay="0">
+                  <p:tgtEl>
+                    <p:sldTgt/>
+                  </p:tgtEl>
+                </p:cond>
+              </p:nextCondLst>
+            </p:seq>
+          </p:childTnLst>
+        </p:cTn>
+      </p:par>
+    </p:tnLst>
+  </p:timing>
+</p:sld>
+</file>
+
+<file path=ppt/slides/slide23.xml><?xml version="1.0" encoding="utf-8"?>
+<p:sld xmlns:a="http://schemas.openxmlformats.org/drawingml/2006/main" xmlns:r="http://schemas.openxmlformats.org/officeDocument/2006/relationships" xmlns:p="http://schemas.openxmlformats.org/presentationml/2006/main" show="0">
+  <p:cSld>
+    <p:spTree>
+      <p:nvGrpSpPr>
+        <p:cNvPr id="1" name=""/>
+        <p:cNvGrpSpPr/>
+        <p:nvPr/>
+      </p:nvGrpSpPr>
+      <p:grpSpPr>
+        <a:xfrm>
+          <a:off x="0" y="0"/>
+          <a:ext cx="0" cy="0"/>
+          <a:chOff x="0" y="0"/>
+          <a:chExt cx="0" cy="0"/>
+        </a:xfrm>
+      </p:grpSpPr>
+      <p:sp>
+        <p:nvSpPr>
+          <p:cNvPr id="2" name="Title 1">
+            <a:extLst>
+              <a:ext uri="{FF2B5EF4-FFF2-40B4-BE49-F238E27FC236}">
+                <a16:creationId xmlns:a16="http://schemas.microsoft.com/office/drawing/2014/main" id="{1F02CB94-BD59-472A-B98D-99CBBAA2FAB5}"/>
+              </a:ext>
+            </a:extLst>
+          </p:cNvPr>
+          <p:cNvSpPr>
+            <a:spLocks noGrp="1"/>
+          </p:cNvSpPr>
+          <p:nvPr>
+            <p:ph type="title"/>
+          </p:nvPr>
+        </p:nvSpPr>
+        <p:spPr/>
+        <p:txBody>
+          <a:bodyPr>
+            <a:normAutofit fontScale="90000"/>
+          </a:bodyPr>
+          <a:lstStyle/>
+          <a:p>
+            <a:r>
+              <a:rPr lang="en-US" dirty="0"/>
+              <a:t>UIMA “living” with other loggers</a:t>
+            </a:r>
+          </a:p>
+        </p:txBody>
+      </p:sp>
+      <p:sp>
+        <p:nvSpPr>
+          <p:cNvPr id="3" name="Text Placeholder 2">
+            <a:extLst>
+              <a:ext uri="{FF2B5EF4-FFF2-40B4-BE49-F238E27FC236}">
+                <a16:creationId xmlns:a16="http://schemas.microsoft.com/office/drawing/2014/main" id="{C7FB73DA-59EB-4CA8-952E-5A7D1D3FFFDD}"/>
+              </a:ext>
+            </a:extLst>
+          </p:cNvPr>
+          <p:cNvSpPr>
+            <a:spLocks noGrp="1"/>
+          </p:cNvSpPr>
+          <p:nvPr>
+            <p:ph type="body" sz="half" idx="1"/>
+          </p:nvPr>
+        </p:nvSpPr>
+        <p:spPr>
+          <a:xfrm>
+            <a:off x="609601" y="1717128"/>
+            <a:ext cx="10800727" cy="4522897"/>
+          </a:xfrm>
+        </p:spPr>
+        <p:txBody>
+          <a:bodyPr>
+            <a:normAutofit/>
+          </a:bodyPr>
+          <a:lstStyle/>
+          <a:p>
+            <a:r>
+              <a:rPr lang="en-US" dirty="0"/>
+              <a:t>Problem : Embedding a UIMA pipeline inside another application</a:t>
+            </a:r>
+          </a:p>
+          <a:p>
+            <a:pPr lvl="1"/>
+            <a:r>
+              <a:rPr lang="en-US" dirty="0">
+                <a:cs typeface="Courier New" panose="02070309020205020404" pitchFamily="49" charset="0"/>
+              </a:rPr>
+              <a:t>Which is already set up to use another logging system (e.g. log4j)</a:t>
+            </a:r>
+          </a:p>
+          <a:p>
+            <a:pPr lvl="1"/>
+            <a:endParaRPr lang="en-US" dirty="0">
+              <a:cs typeface="Courier New" panose="02070309020205020404" pitchFamily="49" charset="0"/>
+            </a:endParaRPr>
+          </a:p>
+          <a:p>
+            <a:r>
+              <a:rPr lang="en-US" dirty="0">
+                <a:cs typeface="Courier New" panose="02070309020205020404" pitchFamily="49" charset="0"/>
+              </a:rPr>
+              <a:t>Solution: UIMA loggers are now built on top of slf4j, allowing:</a:t>
+            </a:r>
+          </a:p>
+          <a:p>
+            <a:pPr lvl="1"/>
+            <a:r>
+              <a:rPr lang="en-US" dirty="0">
+                <a:cs typeface="Courier New" panose="02070309020205020404" pitchFamily="49" charset="0"/>
+              </a:rPr>
+              <a:t>Runtime determination of what logging framework is in use</a:t>
+            </a:r>
+          </a:p>
+          <a:p>
+            <a:pPr lvl="1"/>
+            <a:r>
+              <a:rPr lang="en-US" dirty="0">
+                <a:cs typeface="Courier New" panose="02070309020205020404" pitchFamily="49" charset="0"/>
+              </a:rPr>
+              <a:t>Adapting UIMA logging to that framework</a:t>
+            </a:r>
+          </a:p>
+          <a:p>
+            <a:pPr lvl="1"/>
+            <a:endParaRPr lang="en-US" dirty="0">
+              <a:cs typeface="Courier New" panose="02070309020205020404" pitchFamily="49" charset="0"/>
+            </a:endParaRPr>
+          </a:p>
+          <a:p>
+            <a:r>
+              <a:rPr lang="en-US" dirty="0">
+                <a:cs typeface="Courier New" panose="02070309020205020404" pitchFamily="49" charset="0"/>
+              </a:rPr>
+              <a:t>Defaults to v2 back-end logger: Java’s own built-in </a:t>
+            </a:r>
+            <a:r>
+              <a:rPr lang="en-US" dirty="0" err="1">
+                <a:cs typeface="Courier New" panose="02070309020205020404" pitchFamily="49" charset="0"/>
+              </a:rPr>
+              <a:t>java.util.logging</a:t>
+            </a:r>
+            <a:endParaRPr lang="en-US" dirty="0">
+              <a:cs typeface="Courier New" panose="02070309020205020404" pitchFamily="49" charset="0"/>
+            </a:endParaRPr>
+          </a:p>
+        </p:txBody>
+      </p:sp>
+      <p:sp>
+        <p:nvSpPr>
+          <p:cNvPr id="5" name="Footer Placeholder 4">
+            <a:extLst>
+              <a:ext uri="{FF2B5EF4-FFF2-40B4-BE49-F238E27FC236}">
+                <a16:creationId xmlns:a16="http://schemas.microsoft.com/office/drawing/2014/main" id="{A9C95A8F-03A1-456C-B89D-9A37B78F8561}"/>
+              </a:ext>
+            </a:extLst>
+          </p:cNvPr>
+          <p:cNvSpPr>
+            <a:spLocks noGrp="1"/>
+          </p:cNvSpPr>
+          <p:nvPr>
+            <p:ph type="ftr" sz="quarter" idx="10"/>
+          </p:nvPr>
+        </p:nvSpPr>
+        <p:spPr>
+          <a:xfrm>
+            <a:off x="4038600" y="6356350"/>
+            <a:ext cx="4114800" cy="365125"/>
+          </a:xfrm>
+        </p:spPr>
+        <p:txBody>
+          <a:bodyPr/>
+          <a:lstStyle/>
+          <a:p>
+            <a:r>
+              <a:rPr lang="en-US" altLang="en-US"/>
+              <a:t>©Copyright Apache Software Foundation</a:t>
+            </a:r>
+            <a:endParaRPr lang="en-US" altLang="en-US" dirty="0"/>
+          </a:p>
+        </p:txBody>
+      </p:sp>
+      <p:sp>
+        <p:nvSpPr>
+          <p:cNvPr id="6" name="Slide Number Placeholder 5">
+            <a:extLst>
+              <a:ext uri="{FF2B5EF4-FFF2-40B4-BE49-F238E27FC236}">
+                <a16:creationId xmlns:a16="http://schemas.microsoft.com/office/drawing/2014/main" id="{A14344BA-0647-4C08-916D-62594400665E}"/>
+              </a:ext>
+            </a:extLst>
+          </p:cNvPr>
+          <p:cNvSpPr>
+            <a:spLocks noGrp="1"/>
+          </p:cNvSpPr>
+          <p:nvPr>
+            <p:ph type="sldNum" sz="quarter" idx="11"/>
+          </p:nvPr>
+        </p:nvSpPr>
+        <p:spPr/>
+        <p:txBody>
+          <a:bodyPr/>
+          <a:lstStyle/>
+          <a:p>
+            <a:fld id="{27D3C2B7-BFCE-47F7-B76D-5DC27A3663B1}" type="slidenum">
+              <a:rPr lang="en-US" altLang="en-US" smtClean="0"/>
+              <a:pPr/>
+              <a:t>23</a:t>
+            </a:fld>
+            <a:endParaRPr lang="en-US" altLang="en-US"/>
+          </a:p>
+        </p:txBody>
+      </p:sp>
+      <p:sp>
+        <p:nvSpPr>
+          <p:cNvPr id="4" name="Date Placeholder 3">
+            <a:extLst>
+              <a:ext uri="{FF2B5EF4-FFF2-40B4-BE49-F238E27FC236}">
+                <a16:creationId xmlns:a16="http://schemas.microsoft.com/office/drawing/2014/main" id="{F499BAD7-43C3-4038-A578-723A1FEC3139}"/>
+              </a:ext>
+            </a:extLst>
+          </p:cNvPr>
+          <p:cNvSpPr>
+            <a:spLocks noGrp="1"/>
+          </p:cNvSpPr>
+          <p:nvPr>
+            <p:ph type="dt" sz="half" idx="12"/>
+          </p:nvPr>
+        </p:nvSpPr>
+        <p:spPr/>
+        <p:txBody>
+          <a:bodyPr/>
+          <a:lstStyle/>
+          <a:p>
+            <a:fld id="{10685852-31F4-439C-A2F5-6D985800193A}" type="datetime1">
+              <a:rPr lang="en-US" smtClean="0"/>
+              <a:t>12/5/2017</a:t>
             </a:fld>
             <a:endParaRPr lang="en-US" dirty="0"/>
           </a:p>
@@ -31074,7 +31900,7 @@
 </p:sld>
 </file>
 
-<file path=ppt/slides/slide23.xml><?xml version="1.0" encoding="utf-8"?>
+<file path=ppt/slides/slide24.xml><?xml version="1.0" encoding="utf-8"?>
 <p:sld xmlns:a="http://schemas.openxmlformats.org/drawingml/2006/main" xmlns:r="http://schemas.openxmlformats.org/officeDocument/2006/relationships" xmlns:p="http://schemas.openxmlformats.org/presentationml/2006/main">
   <p:cSld>
     <p:spTree>
@@ -31096,7 +31922,7 @@
           <p:cNvPr id="2" name="Title 1">
             <a:extLst>
               <a:ext uri="{FF2B5EF4-FFF2-40B4-BE49-F238E27FC236}">
-                <a16:creationId xmlns:a16="http://schemas.microsoft.com/office/drawing/2014/main" id="{1F02CB94-BD59-472A-B98D-99CBBAA2FAB5}"/>
+                <a16:creationId xmlns:a16="http://schemas.microsoft.com/office/drawing/2014/main" id="{5D79077A-9D7B-492C-815E-DC17463A92CD}"/>
               </a:ext>
             </a:extLst>
           </p:cNvPr>
@@ -31115,8 +31941,20 @@
           <a:lstStyle/>
           <a:p>
             <a:r>
+              <a:rPr lang="en-US" dirty="0" err="1"/>
+              <a:t>FSArrays</a:t>
+            </a:r>
+            <a:r>
               <a:rPr lang="en-US" dirty="0"/>
-              <a:t>V2 UIMA logging missing context info</a:t>
+              <a:t>, </a:t>
+            </a:r>
+            <a:r>
+              <a:rPr lang="en-US" dirty="0" err="1"/>
+              <a:t>StringArrays</a:t>
+            </a:r>
+            <a:r>
+              <a:rPr lang="en-US" dirty="0"/>
+              <a:t>, etc. too hard to use</a:t>
             </a:r>
           </a:p>
         </p:txBody>
@@ -31126,7 +31964,7 @@
           <p:cNvPr id="3" name="Text Placeholder 2">
             <a:extLst>
               <a:ext uri="{FF2B5EF4-FFF2-40B4-BE49-F238E27FC236}">
-                <a16:creationId xmlns:a16="http://schemas.microsoft.com/office/drawing/2014/main" id="{C7FB73DA-59EB-4CA8-952E-5A7D1D3FFFDD}"/>
+                <a16:creationId xmlns:a16="http://schemas.microsoft.com/office/drawing/2014/main" id="{59A8F197-07C4-4C07-B250-8979A81F3F8D}"/>
               </a:ext>
             </a:extLst>
           </p:cNvPr>
@@ -31139,8 +31977,8 @@
         </p:nvSpPr>
         <p:spPr>
           <a:xfrm>
-            <a:off x="609601" y="1717128"/>
-            <a:ext cx="10800727" cy="4522897"/>
+            <a:off x="619114" y="1912201"/>
+            <a:ext cx="9544137" cy="4213060"/>
           </a:xfrm>
         </p:spPr>
         <p:txBody>
@@ -31151,104 +31989,106 @@
           <a:p>
             <a:r>
               <a:rPr lang="en-US" dirty="0"/>
-              <a:t>Problem : Want to add context info (by thread)</a:t>
-            </a:r>
-          </a:p>
-          <a:p>
-            <a:pPr lvl="1"/>
-            <a:r>
-              <a:rPr lang="en-US" dirty="0"/>
-              <a:t>Following modern logging standards, using MDC NDC</a:t>
-            </a:r>
-          </a:p>
-          <a:p>
-            <a:pPr lvl="2"/>
-            <a:r>
-              <a:rPr lang="en-US" dirty="0"/>
-              <a:t>NDC Nested Diagnostic Context</a:t>
-            </a:r>
-          </a:p>
-          <a:p>
-            <a:pPr lvl="2"/>
-            <a:r>
-              <a:rPr lang="en-US" dirty="0"/>
-              <a:t>MDC Mapped Diagnostic Context</a:t>
-            </a:r>
-          </a:p>
-          <a:p>
-            <a:pPr lvl="1"/>
-            <a:r>
-              <a:rPr lang="en-US" dirty="0"/>
-              <a:t>Context info </a:t>
-            </a:r>
-            <a:r>
-              <a:rPr lang="en-US" dirty="0" err="1"/>
-              <a:t>insertable</a:t>
-            </a:r>
-            <a:r>
-              <a:rPr lang="en-US" dirty="0"/>
-              <a:t> into log messages</a:t>
-            </a:r>
-          </a:p>
-          <a:p>
-            <a:pPr lvl="2"/>
-            <a:r>
-              <a:rPr lang="en-US" dirty="0"/>
-              <a:t>Via run-time configuration of </a:t>
-            </a:r>
-            <a:r>
-              <a:rPr lang="en-US" dirty="0" err="1"/>
-              <a:t>appenders</a:t>
-            </a:r>
-            <a:r>
-              <a:rPr lang="en-US" dirty="0"/>
-              <a:t>/ handlers</a:t>
-            </a:r>
-          </a:p>
-          <a:p>
-            <a:pPr lvl="2"/>
-            <a:endParaRPr lang="en-US" dirty="0"/>
+              <a:t>Problem: want to use normal Java idioms like streams, enhanced-for-loops</a:t>
+            </a:r>
+          </a:p>
+          <a:p>
+            <a:endParaRPr lang="en-US" dirty="0">
+              <a:latin typeface="Courier New" panose="02070309020205020404" pitchFamily="49" charset="0"/>
+              <a:cs typeface="Courier New" panose="02070309020205020404" pitchFamily="49" charset="0"/>
+            </a:endParaRPr>
           </a:p>
           <a:p>
             <a:r>
               <a:rPr lang="en-US" dirty="0">
                 <a:cs typeface="Courier New" panose="02070309020205020404" pitchFamily="49" charset="0"/>
               </a:rPr>
-              <a:t>Solution: UIMA logging backends log4j and </a:t>
-            </a:r>
-            <a:r>
-              <a:rPr lang="en-US" dirty="0" err="1">
+              <a:t>Solution – normal Java idioms now supported:</a:t>
+            </a:r>
+          </a:p>
+          <a:p>
+            <a:endParaRPr lang="en-US" dirty="0">
+              <a:cs typeface="Courier New" panose="02070309020205020404" pitchFamily="49" charset="0"/>
+            </a:endParaRPr>
+          </a:p>
+          <a:p>
+            <a:pPr marL="0" indent="0">
+              <a:buNone/>
+            </a:pPr>
+            <a:r>
+              <a:rPr lang="en-US" dirty="0">
+                <a:latin typeface="Courier New" panose="02070309020205020404" pitchFamily="49" charset="0"/>
                 <a:cs typeface="Courier New" panose="02070309020205020404" pitchFamily="49" charset="0"/>
               </a:rPr>
-              <a:t>logback</a:t>
-            </a:r>
-            <a:r>
-              <a:rPr lang="en-US" dirty="0">
+              <a:t>  for (TOP item : </a:t>
+            </a:r>
+            <a:r>
+              <a:rPr lang="en-US" dirty="0" err="1">
+                <a:latin typeface="Courier New" panose="02070309020205020404" pitchFamily="49" charset="0"/>
                 <a:cs typeface="Courier New" panose="02070309020205020404" pitchFamily="49" charset="0"/>
               </a:rPr>
-              <a:t> support these</a:t>
-            </a:r>
-          </a:p>
-          <a:p>
-            <a:pPr lvl="1"/>
+              <a:t>myFSArray</a:t>
+            </a:r>
             <a:r>
               <a:rPr lang="en-US" dirty="0">
+                <a:latin typeface="Courier New" panose="02070309020205020404" pitchFamily="49" charset="0"/>
                 <a:cs typeface="Courier New" panose="02070309020205020404" pitchFamily="49" charset="0"/>
               </a:rPr>
-              <a:t>Older </a:t>
-            </a:r>
-            <a:r>
-              <a:rPr lang="en-US" dirty="0" err="1">
+              <a:t>){…} </a:t>
+            </a:r>
+          </a:p>
+          <a:p>
+            <a:pPr marL="0" indent="0">
+              <a:buNone/>
+            </a:pPr>
+            <a:endParaRPr lang="en-US" dirty="0">
+              <a:latin typeface="Courier New" panose="02070309020205020404" pitchFamily="49" charset="0"/>
+              <a:cs typeface="Courier New" panose="02070309020205020404" pitchFamily="49" charset="0"/>
+            </a:endParaRPr>
+          </a:p>
+          <a:p>
+            <a:pPr marL="0" indent="0">
+              <a:buNone/>
+            </a:pPr>
+            <a:r>
+              <a:rPr lang="en-US" dirty="0">
+                <a:latin typeface="Courier New" panose="02070309020205020404" pitchFamily="49" charset="0"/>
                 <a:cs typeface="Courier New" panose="02070309020205020404" pitchFamily="49" charset="0"/>
               </a:rPr>
-              <a:t>java.util.logging</a:t>
-            </a:r>
-            <a:r>
-              <a:rPr lang="en-US" dirty="0">
+              <a:t>  </a:t>
+            </a:r>
+            <a:r>
+              <a:rPr lang="en-US" dirty="0" err="1">
+                <a:latin typeface="Courier New" panose="02070309020205020404" pitchFamily="49" charset="0"/>
                 <a:cs typeface="Courier New" panose="02070309020205020404" pitchFamily="49" charset="0"/>
               </a:rPr>
-              <a:t> backend does not.</a:t>
-            </a:r>
+              <a:t>myFSArray.stream</a:t>
+            </a:r>
+            <a:r>
+              <a:rPr lang="en-US" dirty="0">
+                <a:latin typeface="Courier New" panose="02070309020205020404" pitchFamily="49" charset="0"/>
+                <a:cs typeface="Courier New" panose="02070309020205020404" pitchFamily="49" charset="0"/>
+              </a:rPr>
+              <a:t>(). …</a:t>
+            </a:r>
+          </a:p>
+          <a:p>
+            <a:pPr marL="0" indent="0">
+              <a:buNone/>
+            </a:pPr>
+            <a:endParaRPr lang="en-US" dirty="0">
+              <a:latin typeface="Courier New" panose="02070309020205020404" pitchFamily="49" charset="0"/>
+              <a:cs typeface="Courier New" panose="02070309020205020404" pitchFamily="49" charset="0"/>
+            </a:endParaRPr>
+          </a:p>
+          <a:p>
+            <a:pPr marL="0" indent="0">
+              <a:buNone/>
+            </a:pPr>
+            <a:endParaRPr lang="en-US" dirty="0">
+              <a:latin typeface="Courier New" panose="02070309020205020404" pitchFamily="49" charset="0"/>
+              <a:cs typeface="Courier New" panose="02070309020205020404" pitchFamily="49" charset="0"/>
+            </a:endParaRPr>
           </a:p>
         </p:txBody>
       </p:sp>
@@ -31257,7 +32097,7 @@
           <p:cNvPr id="5" name="Footer Placeholder 4">
             <a:extLst>
               <a:ext uri="{FF2B5EF4-FFF2-40B4-BE49-F238E27FC236}">
-                <a16:creationId xmlns:a16="http://schemas.microsoft.com/office/drawing/2014/main" id="{A9C95A8F-03A1-456C-B89D-9A37B78F8561}"/>
+                <a16:creationId xmlns:a16="http://schemas.microsoft.com/office/drawing/2014/main" id="{25CD15E7-FDA9-41D4-B3C2-8A382EB9DFE4}"/>
               </a:ext>
             </a:extLst>
           </p:cNvPr>
@@ -31291,7 +32131,7 @@
           <p:cNvPr id="6" name="Slide Number Placeholder 5">
             <a:extLst>
               <a:ext uri="{FF2B5EF4-FFF2-40B4-BE49-F238E27FC236}">
-                <a16:creationId xmlns:a16="http://schemas.microsoft.com/office/drawing/2014/main" id="{A14344BA-0647-4C08-916D-62594400665E}"/>
+                <a16:creationId xmlns:a16="http://schemas.microsoft.com/office/drawing/2014/main" id="{D96AE961-55EB-42EC-BE33-C9CA50A022CD}"/>
               </a:ext>
             </a:extLst>
           </p:cNvPr>
@@ -31310,7 +32150,7 @@
             <a:fld id="{27D3C2B7-BFCE-47F7-B76D-5DC27A3663B1}" type="slidenum">
               <a:rPr lang="en-US" altLang="en-US" smtClean="0"/>
               <a:pPr/>
-              <a:t>23</a:t>
+              <a:t>24</a:t>
             </a:fld>
             <a:endParaRPr lang="en-US" altLang="en-US"/>
           </a:p>
@@ -31321,7 +32161,7 @@
           <p:cNvPr id="4" name="Date Placeholder 3">
             <a:extLst>
               <a:ext uri="{FF2B5EF4-FFF2-40B4-BE49-F238E27FC236}">
-                <a16:creationId xmlns:a16="http://schemas.microsoft.com/office/drawing/2014/main" id="{F499BAD7-43C3-4038-A578-723A1FEC3139}"/>
+                <a16:creationId xmlns:a16="http://schemas.microsoft.com/office/drawing/2014/main" id="{15010952-66EE-4AE2-8208-99F73631FA96}"/>
               </a:ext>
             </a:extLst>
           </p:cNvPr>
@@ -31337,9 +32177,9 @@
           <a:bodyPr/>
           <a:lstStyle/>
           <a:p>
-            <a:fld id="{10685852-31F4-439C-A2F5-6D985800193A}" type="datetime1">
+            <a:fld id="{EF958134-0828-483C-9EEE-57B73754CD9F}" type="datetime1">
               <a:rPr lang="en-US" smtClean="0"/>
-              <a:t>11/22/2017</a:t>
+              <a:t>12/5/2017</a:t>
             </a:fld>
             <a:endParaRPr lang="en-US" dirty="0"/>
           </a:p>
@@ -31348,7 +32188,7 @@
     </p:spTree>
     <p:extLst>
       <p:ext uri="{BB962C8B-B14F-4D97-AF65-F5344CB8AC3E}">
-        <p14:creationId xmlns:p14="http://schemas.microsoft.com/office/powerpoint/2010/main" val="3693734506"/>
+        <p14:creationId xmlns:p14="http://schemas.microsoft.com/office/powerpoint/2010/main" val="3400550237"/>
       </p:ext>
     </p:extLst>
   </p:cSld>
@@ -31380,592 +32220,6 @@
                             <p:childTnLst>
                               <p:par>
                                 <p:cTn id="5" presetID="1" presetClass="entr" presetSubtype="0" fill="hold" nodeType="withEffect">
-                                  <p:stCondLst>
-                                    <p:cond delay="0"/>
-                                  </p:stCondLst>
-                                  <p:childTnLst>
-                                    <p:set>
-                                      <p:cBhvr>
-                                        <p:cTn id="6" dur="1" fill="hold">
-                                          <p:stCondLst>
-                                            <p:cond delay="0"/>
-                                          </p:stCondLst>
-                                        </p:cTn>
-                                        <p:tgtEl>
-                                          <p:spTgt spid="3">
-                                            <p:txEl>
-                                              <p:pRg st="0" end="0"/>
-                                            </p:txEl>
-                                          </p:spTgt>
-                                        </p:tgtEl>
-                                        <p:attrNameLst>
-                                          <p:attrName>style.visibility</p:attrName>
-                                        </p:attrNameLst>
-                                      </p:cBhvr>
-                                      <p:to>
-                                        <p:strVal val="visible"/>
-                                      </p:to>
-                                    </p:set>
-                                  </p:childTnLst>
-                                </p:cTn>
-                              </p:par>
-                              <p:par>
-                                <p:cTn id="7" presetID="1" presetClass="entr" presetSubtype="0" fill="hold" nodeType="withEffect">
-                                  <p:stCondLst>
-                                    <p:cond delay="0"/>
-                                  </p:stCondLst>
-                                  <p:childTnLst>
-                                    <p:set>
-                                      <p:cBhvr>
-                                        <p:cTn id="8" dur="1" fill="hold">
-                                          <p:stCondLst>
-                                            <p:cond delay="0"/>
-                                          </p:stCondLst>
-                                        </p:cTn>
-                                        <p:tgtEl>
-                                          <p:spTgt spid="3">
-                                            <p:txEl>
-                                              <p:pRg st="1" end="1"/>
-                                            </p:txEl>
-                                          </p:spTgt>
-                                        </p:tgtEl>
-                                        <p:attrNameLst>
-                                          <p:attrName>style.visibility</p:attrName>
-                                        </p:attrNameLst>
-                                      </p:cBhvr>
-                                      <p:to>
-                                        <p:strVal val="visible"/>
-                                      </p:to>
-                                    </p:set>
-                                  </p:childTnLst>
-                                </p:cTn>
-                              </p:par>
-                              <p:par>
-                                <p:cTn id="9" presetID="1" presetClass="entr" presetSubtype="0" fill="hold" nodeType="withEffect">
-                                  <p:stCondLst>
-                                    <p:cond delay="0"/>
-                                  </p:stCondLst>
-                                  <p:childTnLst>
-                                    <p:set>
-                                      <p:cBhvr>
-                                        <p:cTn id="10" dur="1" fill="hold">
-                                          <p:stCondLst>
-                                            <p:cond delay="0"/>
-                                          </p:stCondLst>
-                                        </p:cTn>
-                                        <p:tgtEl>
-                                          <p:spTgt spid="3">
-                                            <p:txEl>
-                                              <p:pRg st="2" end="2"/>
-                                            </p:txEl>
-                                          </p:spTgt>
-                                        </p:tgtEl>
-                                        <p:attrNameLst>
-                                          <p:attrName>style.visibility</p:attrName>
-                                        </p:attrNameLst>
-                                      </p:cBhvr>
-                                      <p:to>
-                                        <p:strVal val="visible"/>
-                                      </p:to>
-                                    </p:set>
-                                  </p:childTnLst>
-                                </p:cTn>
-                              </p:par>
-                              <p:par>
-                                <p:cTn id="11" presetID="1" presetClass="entr" presetSubtype="0" fill="hold" nodeType="withEffect">
-                                  <p:stCondLst>
-                                    <p:cond delay="0"/>
-                                  </p:stCondLst>
-                                  <p:childTnLst>
-                                    <p:set>
-                                      <p:cBhvr>
-                                        <p:cTn id="12" dur="1" fill="hold">
-                                          <p:stCondLst>
-                                            <p:cond delay="0"/>
-                                          </p:stCondLst>
-                                        </p:cTn>
-                                        <p:tgtEl>
-                                          <p:spTgt spid="3">
-                                            <p:txEl>
-                                              <p:pRg st="3" end="3"/>
-                                            </p:txEl>
-                                          </p:spTgt>
-                                        </p:tgtEl>
-                                        <p:attrNameLst>
-                                          <p:attrName>style.visibility</p:attrName>
-                                        </p:attrNameLst>
-                                      </p:cBhvr>
-                                      <p:to>
-                                        <p:strVal val="visible"/>
-                                      </p:to>
-                                    </p:set>
-                                  </p:childTnLst>
-                                </p:cTn>
-                              </p:par>
-                              <p:par>
-                                <p:cTn id="13" presetID="1" presetClass="entr" presetSubtype="0" fill="hold" nodeType="withEffect">
-                                  <p:stCondLst>
-                                    <p:cond delay="0"/>
-                                  </p:stCondLst>
-                                  <p:childTnLst>
-                                    <p:set>
-                                      <p:cBhvr>
-                                        <p:cTn id="14" dur="1" fill="hold">
-                                          <p:stCondLst>
-                                            <p:cond delay="0"/>
-                                          </p:stCondLst>
-                                        </p:cTn>
-                                        <p:tgtEl>
-                                          <p:spTgt spid="3">
-                                            <p:txEl>
-                                              <p:pRg st="4" end="4"/>
-                                            </p:txEl>
-                                          </p:spTgt>
-                                        </p:tgtEl>
-                                        <p:attrNameLst>
-                                          <p:attrName>style.visibility</p:attrName>
-                                        </p:attrNameLst>
-                                      </p:cBhvr>
-                                      <p:to>
-                                        <p:strVal val="visible"/>
-                                      </p:to>
-                                    </p:set>
-                                  </p:childTnLst>
-                                </p:cTn>
-                              </p:par>
-                              <p:par>
-                                <p:cTn id="15" presetID="1" presetClass="entr" presetSubtype="0" fill="hold" nodeType="withEffect">
-                                  <p:stCondLst>
-                                    <p:cond delay="0"/>
-                                  </p:stCondLst>
-                                  <p:childTnLst>
-                                    <p:set>
-                                      <p:cBhvr>
-                                        <p:cTn id="16" dur="1" fill="hold">
-                                          <p:stCondLst>
-                                            <p:cond delay="0"/>
-                                          </p:stCondLst>
-                                        </p:cTn>
-                                        <p:tgtEl>
-                                          <p:spTgt spid="3">
-                                            <p:txEl>
-                                              <p:pRg st="5" end="5"/>
-                                            </p:txEl>
-                                          </p:spTgt>
-                                        </p:tgtEl>
-                                        <p:attrNameLst>
-                                          <p:attrName>style.visibility</p:attrName>
-                                        </p:attrNameLst>
-                                      </p:cBhvr>
-                                      <p:to>
-                                        <p:strVal val="visible"/>
-                                      </p:to>
-                                    </p:set>
-                                  </p:childTnLst>
-                                </p:cTn>
-                              </p:par>
-                              <p:par>
-                                <p:cTn id="17" presetID="1" presetClass="entr" presetSubtype="0" fill="hold" nodeType="withEffect">
-                                  <p:stCondLst>
-                                    <p:cond delay="0"/>
-                                  </p:stCondLst>
-                                  <p:childTnLst>
-                                    <p:set>
-                                      <p:cBhvr>
-                                        <p:cTn id="18" dur="1" fill="hold">
-                                          <p:stCondLst>
-                                            <p:cond delay="0"/>
-                                          </p:stCondLst>
-                                        </p:cTn>
-                                        <p:tgtEl>
-                                          <p:spTgt spid="3">
-                                            <p:txEl>
-                                              <p:pRg st="7" end="7"/>
-                                            </p:txEl>
-                                          </p:spTgt>
-                                        </p:tgtEl>
-                                        <p:attrNameLst>
-                                          <p:attrName>style.visibility</p:attrName>
-                                        </p:attrNameLst>
-                                      </p:cBhvr>
-                                      <p:to>
-                                        <p:strVal val="visible"/>
-                                      </p:to>
-                                    </p:set>
-                                  </p:childTnLst>
-                                </p:cTn>
-                              </p:par>
-                              <p:par>
-                                <p:cTn id="19" presetID="1" presetClass="entr" presetSubtype="0" fill="hold" nodeType="withEffect">
-                                  <p:stCondLst>
-                                    <p:cond delay="0"/>
-                                  </p:stCondLst>
-                                  <p:childTnLst>
-                                    <p:set>
-                                      <p:cBhvr>
-                                        <p:cTn id="20" dur="1" fill="hold">
-                                          <p:stCondLst>
-                                            <p:cond delay="0"/>
-                                          </p:stCondLst>
-                                        </p:cTn>
-                                        <p:tgtEl>
-                                          <p:spTgt spid="3">
-                                            <p:txEl>
-                                              <p:pRg st="8" end="8"/>
-                                            </p:txEl>
-                                          </p:spTgt>
-                                        </p:tgtEl>
-                                        <p:attrNameLst>
-                                          <p:attrName>style.visibility</p:attrName>
-                                        </p:attrNameLst>
-                                      </p:cBhvr>
-                                      <p:to>
-                                        <p:strVal val="visible"/>
-                                      </p:to>
-                                    </p:set>
-                                  </p:childTnLst>
-                                </p:cTn>
-                              </p:par>
-                            </p:childTnLst>
-                          </p:cTn>
-                        </p:par>
-                      </p:childTnLst>
-                    </p:cTn>
-                  </p:par>
-                </p:childTnLst>
-              </p:cTn>
-              <p:prevCondLst>
-                <p:cond evt="onPrev" delay="0">
-                  <p:tgtEl>
-                    <p:sldTgt/>
-                  </p:tgtEl>
-                </p:cond>
-              </p:prevCondLst>
-              <p:nextCondLst>
-                <p:cond evt="onNext" delay="0">
-                  <p:tgtEl>
-                    <p:sldTgt/>
-                  </p:tgtEl>
-                </p:cond>
-              </p:nextCondLst>
-            </p:seq>
-          </p:childTnLst>
-        </p:cTn>
-      </p:par>
-    </p:tnLst>
-  </p:timing>
-</p:sld>
-</file>
-
-<file path=ppt/slides/slide24.xml><?xml version="1.0" encoding="utf-8"?>
-<p:sld xmlns:a="http://schemas.openxmlformats.org/drawingml/2006/main" xmlns:r="http://schemas.openxmlformats.org/officeDocument/2006/relationships" xmlns:p="http://schemas.openxmlformats.org/presentationml/2006/main">
-  <p:cSld>
-    <p:spTree>
-      <p:nvGrpSpPr>
-        <p:cNvPr id="1" name=""/>
-        <p:cNvGrpSpPr/>
-        <p:nvPr/>
-      </p:nvGrpSpPr>
-      <p:grpSpPr>
-        <a:xfrm>
-          <a:off x="0" y="0"/>
-          <a:ext cx="0" cy="0"/>
-          <a:chOff x="0" y="0"/>
-          <a:chExt cx="0" cy="0"/>
-        </a:xfrm>
-      </p:grpSpPr>
-      <p:sp>
-        <p:nvSpPr>
-          <p:cNvPr id="2" name="Title 1">
-            <a:extLst>
-              <a:ext uri="{FF2B5EF4-FFF2-40B4-BE49-F238E27FC236}">
-                <a16:creationId xmlns:a16="http://schemas.microsoft.com/office/drawing/2014/main" id="{5D79077A-9D7B-492C-815E-DC17463A92CD}"/>
-              </a:ext>
-            </a:extLst>
-          </p:cNvPr>
-          <p:cNvSpPr>
-            <a:spLocks noGrp="1"/>
-          </p:cNvSpPr>
-          <p:nvPr>
-            <p:ph type="title"/>
-          </p:nvPr>
-        </p:nvSpPr>
-        <p:spPr/>
-        <p:txBody>
-          <a:bodyPr>
-            <a:normAutofit fontScale="90000"/>
-          </a:bodyPr>
-          <a:lstStyle/>
-          <a:p>
-            <a:r>
-              <a:rPr lang="en-US" dirty="0" err="1"/>
-              <a:t>FSArrays</a:t>
-            </a:r>
-            <a:r>
-              <a:rPr lang="en-US" dirty="0"/>
-              <a:t> too hard to use</a:t>
-            </a:r>
-          </a:p>
-        </p:txBody>
-      </p:sp>
-      <p:sp>
-        <p:nvSpPr>
-          <p:cNvPr id="3" name="Text Placeholder 2">
-            <a:extLst>
-              <a:ext uri="{FF2B5EF4-FFF2-40B4-BE49-F238E27FC236}">
-                <a16:creationId xmlns:a16="http://schemas.microsoft.com/office/drawing/2014/main" id="{59A8F197-07C4-4C07-B250-8979A81F3F8D}"/>
-              </a:ext>
-            </a:extLst>
-          </p:cNvPr>
-          <p:cNvSpPr>
-            <a:spLocks noGrp="1"/>
-          </p:cNvSpPr>
-          <p:nvPr>
-            <p:ph type="body" sz="half" idx="1"/>
-          </p:nvPr>
-        </p:nvSpPr>
-        <p:spPr>
-          <a:xfrm>
-            <a:off x="619114" y="1912201"/>
-            <a:ext cx="9544137" cy="4213060"/>
-          </a:xfrm>
-        </p:spPr>
-        <p:txBody>
-          <a:bodyPr>
-            <a:normAutofit/>
-          </a:bodyPr>
-          <a:lstStyle/>
-          <a:p>
-            <a:r>
-              <a:rPr lang="en-US" dirty="0"/>
-              <a:t>Problem: want to use normal Java idioms like streams, enhanced for loops</a:t>
-            </a:r>
-          </a:p>
-          <a:p>
-            <a:endParaRPr lang="en-US" dirty="0">
-              <a:latin typeface="Courier New" panose="02070309020205020404" pitchFamily="49" charset="0"/>
-              <a:cs typeface="Courier New" panose="02070309020205020404" pitchFamily="49" charset="0"/>
-            </a:endParaRPr>
-          </a:p>
-          <a:p>
-            <a:r>
-              <a:rPr lang="en-US" dirty="0">
-                <a:cs typeface="Courier New" panose="02070309020205020404" pitchFamily="49" charset="0"/>
-              </a:rPr>
-              <a:t>Solution – support these</a:t>
-            </a:r>
-          </a:p>
-          <a:p>
-            <a:endParaRPr lang="en-US" dirty="0">
-              <a:cs typeface="Courier New" panose="02070309020205020404" pitchFamily="49" charset="0"/>
-            </a:endParaRPr>
-          </a:p>
-          <a:p>
-            <a:pPr marL="0" indent="0">
-              <a:buNone/>
-            </a:pPr>
-            <a:r>
-              <a:rPr lang="en-US" dirty="0">
-                <a:latin typeface="Courier New" panose="02070309020205020404" pitchFamily="49" charset="0"/>
-                <a:cs typeface="Courier New" panose="02070309020205020404" pitchFamily="49" charset="0"/>
-              </a:rPr>
-              <a:t>  for (TOP item : </a:t>
-            </a:r>
-            <a:r>
-              <a:rPr lang="en-US" dirty="0" err="1">
-                <a:latin typeface="Courier New" panose="02070309020205020404" pitchFamily="49" charset="0"/>
-                <a:cs typeface="Courier New" panose="02070309020205020404" pitchFamily="49" charset="0"/>
-              </a:rPr>
-              <a:t>myFSArray</a:t>
-            </a:r>
-            <a:r>
-              <a:rPr lang="en-US" dirty="0">
-                <a:latin typeface="Courier New" panose="02070309020205020404" pitchFamily="49" charset="0"/>
-                <a:cs typeface="Courier New" panose="02070309020205020404" pitchFamily="49" charset="0"/>
-              </a:rPr>
-              <a:t>){…} </a:t>
-            </a:r>
-          </a:p>
-          <a:p>
-            <a:pPr marL="0" indent="0">
-              <a:buNone/>
-            </a:pPr>
-            <a:endParaRPr lang="en-US" dirty="0">
-              <a:latin typeface="Courier New" panose="02070309020205020404" pitchFamily="49" charset="0"/>
-              <a:cs typeface="Courier New" panose="02070309020205020404" pitchFamily="49" charset="0"/>
-            </a:endParaRPr>
-          </a:p>
-          <a:p>
-            <a:pPr marL="0" indent="0">
-              <a:buNone/>
-            </a:pPr>
-            <a:r>
-              <a:rPr lang="en-US" dirty="0">
-                <a:latin typeface="Courier New" panose="02070309020205020404" pitchFamily="49" charset="0"/>
-                <a:cs typeface="Courier New" panose="02070309020205020404" pitchFamily="49" charset="0"/>
-              </a:rPr>
-              <a:t>  </a:t>
-            </a:r>
-            <a:r>
-              <a:rPr lang="en-US" dirty="0" err="1">
-                <a:latin typeface="Courier New" panose="02070309020205020404" pitchFamily="49" charset="0"/>
-                <a:cs typeface="Courier New" panose="02070309020205020404" pitchFamily="49" charset="0"/>
-              </a:rPr>
-              <a:t>myFSArray.stream</a:t>
-            </a:r>
-            <a:r>
-              <a:rPr lang="en-US" dirty="0">
-                <a:latin typeface="Courier New" panose="02070309020205020404" pitchFamily="49" charset="0"/>
-                <a:cs typeface="Courier New" panose="02070309020205020404" pitchFamily="49" charset="0"/>
-              </a:rPr>
-              <a:t>(). …</a:t>
-            </a:r>
-          </a:p>
-          <a:p>
-            <a:pPr marL="0" indent="0">
-              <a:buNone/>
-            </a:pPr>
-            <a:endParaRPr lang="en-US" dirty="0">
-              <a:latin typeface="Courier New" panose="02070309020205020404" pitchFamily="49" charset="0"/>
-              <a:cs typeface="Courier New" panose="02070309020205020404" pitchFamily="49" charset="0"/>
-            </a:endParaRPr>
-          </a:p>
-          <a:p>
-            <a:pPr marL="0" indent="0">
-              <a:buNone/>
-            </a:pPr>
-            <a:endParaRPr lang="en-US" dirty="0">
-              <a:latin typeface="Courier New" panose="02070309020205020404" pitchFamily="49" charset="0"/>
-              <a:cs typeface="Courier New" panose="02070309020205020404" pitchFamily="49" charset="0"/>
-            </a:endParaRPr>
-          </a:p>
-        </p:txBody>
-      </p:sp>
-      <p:sp>
-        <p:nvSpPr>
-          <p:cNvPr id="5" name="Footer Placeholder 4">
-            <a:extLst>
-              <a:ext uri="{FF2B5EF4-FFF2-40B4-BE49-F238E27FC236}">
-                <a16:creationId xmlns:a16="http://schemas.microsoft.com/office/drawing/2014/main" id="{25CD15E7-FDA9-41D4-B3C2-8A382EB9DFE4}"/>
-              </a:ext>
-            </a:extLst>
-          </p:cNvPr>
-          <p:cNvSpPr>
-            <a:spLocks noGrp="1"/>
-          </p:cNvSpPr>
-          <p:nvPr>
-            <p:ph type="ftr" sz="quarter" idx="10"/>
-          </p:nvPr>
-        </p:nvSpPr>
-        <p:spPr>
-          <a:xfrm>
-            <a:off x="4038600" y="6356350"/>
-            <a:ext cx="4114800" cy="365125"/>
-          </a:xfrm>
-        </p:spPr>
-        <p:txBody>
-          <a:bodyPr/>
-          <a:lstStyle/>
-          <a:p>
-            <a:r>
-              <a:rPr lang="en-US" altLang="en-US"/>
-              <a:t>©Copyright Apache Software Foundation</a:t>
-            </a:r>
-            <a:endParaRPr lang="en-US" altLang="en-US" dirty="0"/>
-          </a:p>
-        </p:txBody>
-      </p:sp>
-      <p:sp>
-        <p:nvSpPr>
-          <p:cNvPr id="6" name="Slide Number Placeholder 5">
-            <a:extLst>
-              <a:ext uri="{FF2B5EF4-FFF2-40B4-BE49-F238E27FC236}">
-                <a16:creationId xmlns:a16="http://schemas.microsoft.com/office/drawing/2014/main" id="{D96AE961-55EB-42EC-BE33-C9CA50A022CD}"/>
-              </a:ext>
-            </a:extLst>
-          </p:cNvPr>
-          <p:cNvSpPr>
-            <a:spLocks noGrp="1"/>
-          </p:cNvSpPr>
-          <p:nvPr>
-            <p:ph type="sldNum" sz="quarter" idx="11"/>
-          </p:nvPr>
-        </p:nvSpPr>
-        <p:spPr/>
-        <p:txBody>
-          <a:bodyPr/>
-          <a:lstStyle/>
-          <a:p>
-            <a:fld id="{27D3C2B7-BFCE-47F7-B76D-5DC27A3663B1}" type="slidenum">
-              <a:rPr lang="en-US" altLang="en-US" smtClean="0"/>
-              <a:pPr/>
-              <a:t>24</a:t>
-            </a:fld>
-            <a:endParaRPr lang="en-US" altLang="en-US"/>
-          </a:p>
-        </p:txBody>
-      </p:sp>
-      <p:sp>
-        <p:nvSpPr>
-          <p:cNvPr id="4" name="Date Placeholder 3">
-            <a:extLst>
-              <a:ext uri="{FF2B5EF4-FFF2-40B4-BE49-F238E27FC236}">
-                <a16:creationId xmlns:a16="http://schemas.microsoft.com/office/drawing/2014/main" id="{15010952-66EE-4AE2-8208-99F73631FA96}"/>
-              </a:ext>
-            </a:extLst>
-          </p:cNvPr>
-          <p:cNvSpPr>
-            <a:spLocks noGrp="1"/>
-          </p:cNvSpPr>
-          <p:nvPr>
-            <p:ph type="dt" sz="half" idx="12"/>
-          </p:nvPr>
-        </p:nvSpPr>
-        <p:spPr/>
-        <p:txBody>
-          <a:bodyPr/>
-          <a:lstStyle/>
-          <a:p>
-            <a:fld id="{EF958134-0828-483C-9EEE-57B73754CD9F}" type="datetime1">
-              <a:rPr lang="en-US" smtClean="0"/>
-              <a:t>11/22/2017</a:t>
-            </a:fld>
-            <a:endParaRPr lang="en-US" dirty="0"/>
-          </a:p>
-        </p:txBody>
-      </p:sp>
-    </p:spTree>
-    <p:extLst>
-      <p:ext uri="{BB962C8B-B14F-4D97-AF65-F5344CB8AC3E}">
-        <p14:creationId xmlns:p14="http://schemas.microsoft.com/office/powerpoint/2010/main" val="3400550237"/>
-      </p:ext>
-    </p:extLst>
-  </p:cSld>
-  <p:clrMapOvr>
-    <a:masterClrMapping/>
-  </p:clrMapOvr>
-  <p:timing>
-    <p:tnLst>
-      <p:par>
-        <p:cTn id="1" dur="indefinite" restart="never" nodeType="tmRoot">
-          <p:childTnLst>
-            <p:seq concurrent="1" nextAc="seek">
-              <p:cTn id="2" dur="indefinite" nodeType="mainSeq">
-                <p:childTnLst>
-                  <p:par>
-                    <p:cTn id="3" fill="hold">
-                      <p:stCondLst>
-                        <p:cond delay="indefinite"/>
-                      </p:stCondLst>
-                      <p:childTnLst>
-                        <p:par>
-                          <p:cTn id="4" fill="hold">
-                            <p:stCondLst>
-                              <p:cond delay="0"/>
-                            </p:stCondLst>
-                            <p:childTnLst>
-                              <p:par>
-                                <p:cTn id="5" presetID="1" presetClass="entr" presetSubtype="0" fill="hold" nodeType="clickEffect">
                                   <p:stCondLst>
                                     <p:cond delay="0"/>
                                   </p:stCondLst>
@@ -32233,7 +32487,7 @@
               <a:rPr lang="en-US" dirty="0">
                 <a:cs typeface="Courier New" panose="02070309020205020404" pitchFamily="49" charset="0"/>
               </a:rPr>
-              <a:t>Solution: have </a:t>
+              <a:t>Solution: </a:t>
             </a:r>
             <a:r>
               <a:rPr lang="en-US" dirty="0" err="1">
@@ -32245,7 +32499,7 @@
               <a:rPr lang="en-US" dirty="0">
                 <a:cs typeface="Courier New" panose="02070309020205020404" pitchFamily="49" charset="0"/>
               </a:rPr>
-              <a:t> support generic typing arguments</a:t>
+              <a:t> supports generic typing arguments</a:t>
             </a:r>
           </a:p>
           <a:p>
@@ -32553,7 +32807,7 @@
           <a:p>
             <a:fld id="{157537AB-6057-4B8B-9830-5C45CA9D8384}" type="datetime1">
               <a:rPr lang="en-US" smtClean="0"/>
-              <a:t>11/22/2017</a:t>
+              <a:t>12/5/2017</a:t>
             </a:fld>
             <a:endParaRPr lang="en-US" dirty="0"/>
           </a:p>
@@ -32903,7 +33157,13 @@
           <a:p>
             <a:r>
               <a:rPr lang="en-US" dirty="0"/>
-              <a:t>Problem: want to build a list from the end</a:t>
+              <a:t>Lots of new convenience APIs for lists</a:t>
+            </a:r>
+          </a:p>
+          <a:p>
+            <a:r>
+              <a:rPr lang="en-US" dirty="0"/>
+              <a:t>Example: want to build a list from the end</a:t>
             </a:r>
           </a:p>
           <a:p>
@@ -32912,13 +33172,8 @@
           <a:p>
             <a:r>
               <a:rPr lang="en-US" dirty="0"/>
-              <a:t>Solution: lots of new APIs on UIMA Lists</a:t>
-            </a:r>
-          </a:p>
-          <a:p>
-            <a:pPr marL="0" indent="0">
-              <a:buNone/>
-            </a:pPr>
+              <a:t>Solution:</a:t>
+            </a:r>
             <a:endParaRPr lang="en-US" dirty="0">
               <a:cs typeface="Courier New" panose="02070309020205020404" pitchFamily="49" charset="0"/>
             </a:endParaRPr>
@@ -33145,7 +33400,7 @@
           <a:p>
             <a:fld id="{189A320A-6C4F-4628-979D-FEE2F85D7E2C}" type="datetime1">
               <a:rPr lang="en-US" smtClean="0"/>
-              <a:t>11/22/2017</a:t>
+              <a:t>12/5/2017</a:t>
             </a:fld>
             <a:endParaRPr lang="en-US" dirty="0"/>
           </a:p>
@@ -33215,33 +33470,15 @@
                                   </p:childTnLst>
                                 </p:cTn>
                               </p:par>
-                            </p:childTnLst>
-                          </p:cTn>
-                        </p:par>
-                      </p:childTnLst>
-                    </p:cTn>
-                  </p:par>
-                  <p:par>
-                    <p:cTn id="7" fill="hold">
-                      <p:stCondLst>
-                        <p:cond delay="indefinite"/>
-                      </p:stCondLst>
-                      <p:childTnLst>
-                        <p:par>
-                          <p:cTn id="8" fill="hold">
-                            <p:stCondLst>
-                              <p:cond delay="0"/>
-                            </p:stCondLst>
-                            <p:childTnLst>
                               <p:par>
-                                <p:cTn id="9" presetID="1" presetClass="entr" presetSubtype="0" fill="hold" nodeType="clickEffect">
+                                <p:cTn id="7" presetID="1" presetClass="entr" presetSubtype="0" fill="hold" nodeType="withEffect">
                                   <p:stCondLst>
                                     <p:cond delay="0"/>
                                   </p:stCondLst>
                                   <p:childTnLst>
                                     <p:set>
                                       <p:cBhvr>
-                                        <p:cTn id="10" dur="1" fill="hold">
+                                        <p:cTn id="8" dur="1" fill="hold">
                                           <p:stCondLst>
                                             <p:cond delay="0"/>
                                           </p:stCondLst>
@@ -33249,7 +33486,7 @@
                                         <p:tgtEl>
                                           <p:spTgt spid="3">
                                             <p:txEl>
-                                              <p:pRg st="2" end="2"/>
+                                              <p:pRg st="1" end="1"/>
                                             </p:txEl>
                                           </p:spTgt>
                                         </p:tgtEl>
@@ -33271,26 +33508,26 @@
                     </p:cTn>
                   </p:par>
                   <p:par>
-                    <p:cTn id="11" fill="hold">
+                    <p:cTn id="9" fill="hold">
                       <p:stCondLst>
                         <p:cond delay="indefinite"/>
                       </p:stCondLst>
                       <p:childTnLst>
                         <p:par>
-                          <p:cTn id="12" fill="hold">
+                          <p:cTn id="10" fill="hold">
                             <p:stCondLst>
                               <p:cond delay="0"/>
                             </p:stCondLst>
                             <p:childTnLst>
                               <p:par>
-                                <p:cTn id="13" presetID="1" presetClass="entr" presetSubtype="0" fill="hold" nodeType="clickEffect">
+                                <p:cTn id="11" presetID="1" presetClass="entr" presetSubtype="0" fill="hold" nodeType="clickEffect">
                                   <p:stCondLst>
                                     <p:cond delay="0"/>
                                   </p:stCondLst>
                                   <p:childTnLst>
                                     <p:set>
                                       <p:cBhvr>
-                                        <p:cTn id="14" dur="1" fill="hold">
+                                        <p:cTn id="12" dur="1" fill="hold">
                                           <p:stCondLst>
                                             <p:cond delay="0"/>
                                           </p:stCondLst>
@@ -33298,7 +33535,7 @@
                                         <p:tgtEl>
                                           <p:spTgt spid="3">
                                             <p:txEl>
-                                              <p:pRg st="4" end="4"/>
+                                              <p:pRg st="3" end="3"/>
                                             </p:txEl>
                                           </p:spTgt>
                                         </p:tgtEl>
@@ -33313,8 +33550,26 @@
                                   </p:childTnLst>
                                 </p:cTn>
                               </p:par>
+                            </p:childTnLst>
+                          </p:cTn>
+                        </p:par>
+                      </p:childTnLst>
+                    </p:cTn>
+                  </p:par>
+                  <p:par>
+                    <p:cTn id="13" fill="hold">
+                      <p:stCondLst>
+                        <p:cond delay="indefinite"/>
+                      </p:stCondLst>
+                      <p:childTnLst>
+                        <p:par>
+                          <p:cTn id="14" fill="hold">
+                            <p:stCondLst>
+                              <p:cond delay="0"/>
+                            </p:stCondLst>
+                            <p:childTnLst>
                               <p:par>
-                                <p:cTn id="15" presetID="1" presetClass="entr" presetSubtype="0" fill="hold" nodeType="withEffect">
+                                <p:cTn id="15" presetID="1" presetClass="entr" presetSubtype="0" fill="hold" nodeType="clickEffect">
                                   <p:stCondLst>
                                     <p:cond delay="0"/>
                                   </p:stCondLst>
@@ -33329,7 +33584,7 @@
                                         <p:tgtEl>
                                           <p:spTgt spid="3">
                                             <p:txEl>
-                                              <p:pRg st="5" end="5"/>
+                                              <p:pRg st="4" end="4"/>
                                             </p:txEl>
                                           </p:spTgt>
                                         </p:tgtEl>
@@ -33360,7 +33615,7 @@
                                         <p:tgtEl>
                                           <p:spTgt spid="3">
                                             <p:txEl>
-                                              <p:pRg st="6" end="6"/>
+                                              <p:pRg st="5" end="5"/>
                                             </p:txEl>
                                           </p:spTgt>
                                         </p:tgtEl>
@@ -33391,6 +33646,37 @@
                                         <p:tgtEl>
                                           <p:spTgt spid="3">
                                             <p:txEl>
+                                              <p:pRg st="6" end="6"/>
+                                            </p:txEl>
+                                          </p:spTgt>
+                                        </p:tgtEl>
+                                        <p:attrNameLst>
+                                          <p:attrName>style.visibility</p:attrName>
+                                        </p:attrNameLst>
+                                      </p:cBhvr>
+                                      <p:to>
+                                        <p:strVal val="visible"/>
+                                      </p:to>
+                                    </p:set>
+                                  </p:childTnLst>
+                                </p:cTn>
+                              </p:par>
+                              <p:par>
+                                <p:cTn id="21" presetID="1" presetClass="entr" presetSubtype="0" fill="hold" nodeType="withEffect">
+                                  <p:stCondLst>
+                                    <p:cond delay="0"/>
+                                  </p:stCondLst>
+                                  <p:childTnLst>
+                                    <p:set>
+                                      <p:cBhvr>
+                                        <p:cTn id="22" dur="1" fill="hold">
+                                          <p:stCondLst>
+                                            <p:cond delay="0"/>
+                                          </p:stCondLst>
+                                        </p:cTn>
+                                        <p:tgtEl>
+                                          <p:spTgt spid="3">
+                                            <p:txEl>
                                               <p:pRg st="7" end="7"/>
                                             </p:txEl>
                                           </p:spTgt>
@@ -33413,26 +33699,26 @@
                     </p:cTn>
                   </p:par>
                   <p:par>
-                    <p:cTn id="21" fill="hold">
+                    <p:cTn id="23" fill="hold">
                       <p:stCondLst>
                         <p:cond delay="indefinite"/>
                       </p:stCondLst>
                       <p:childTnLst>
                         <p:par>
-                          <p:cTn id="22" fill="hold">
+                          <p:cTn id="24" fill="hold">
                             <p:stCondLst>
                               <p:cond delay="0"/>
                             </p:stCondLst>
                             <p:childTnLst>
                               <p:par>
-                                <p:cTn id="23" presetID="1" presetClass="entr" presetSubtype="0" fill="hold" nodeType="clickEffect">
+                                <p:cTn id="25" presetID="1" presetClass="entr" presetSubtype="0" fill="hold" nodeType="clickEffect">
                                   <p:stCondLst>
                                     <p:cond delay="0"/>
                                   </p:stCondLst>
                                   <p:childTnLst>
                                     <p:set>
                                       <p:cBhvr>
-                                        <p:cTn id="24" dur="1" fill="hold">
+                                        <p:cTn id="26" dur="1" fill="hold">
                                           <p:stCondLst>
                                             <p:cond delay="0"/>
                                           </p:stCondLst>
@@ -33456,14 +33742,14 @@
                                 </p:cTn>
                               </p:par>
                               <p:par>
-                                <p:cTn id="25" presetID="1" presetClass="entr" presetSubtype="0" fill="hold" nodeType="withEffect">
+                                <p:cTn id="27" presetID="1" presetClass="entr" presetSubtype="0" fill="hold" nodeType="withEffect">
                                   <p:stCondLst>
                                     <p:cond delay="0"/>
                                   </p:stCondLst>
                                   <p:childTnLst>
                                     <p:set>
                                       <p:cBhvr>
-                                        <p:cTn id="26" dur="1" fill="hold">
+                                        <p:cTn id="28" dur="1" fill="hold">
                                           <p:stCondLst>
                                             <p:cond delay="0"/>
                                           </p:stCondLst>
@@ -33593,19 +33879,55 @@
           <a:lstStyle/>
           <a:p>
             <a:r>
-              <a:rPr lang="en-US" dirty="0" err="1"/>
+              <a:rPr lang="en-US" dirty="0" err="1">
+                <a:effectLst>
+                  <a:glow rad="63500">
+                    <a:schemeClr val="accent6">
+                      <a:satMod val="175000"/>
+                      <a:alpha val="40000"/>
+                    </a:schemeClr>
+                  </a:glow>
+                </a:effectLst>
+              </a:rPr>
               <a:t>emptyXXX</a:t>
             </a:r>
             <a:r>
-              <a:rPr lang="en-US" dirty="0"/>
+              <a:rPr lang="en-US" dirty="0">
+                <a:effectLst>
+                  <a:glow rad="63500">
+                    <a:schemeClr val="accent6">
+                      <a:satMod val="175000"/>
+                      <a:alpha val="40000"/>
+                    </a:schemeClr>
+                  </a:glow>
+                </a:effectLst>
+              </a:rPr>
               <a:t>, empty(</a:t>
             </a:r>
             <a:r>
-              <a:rPr lang="en-US" dirty="0" err="1"/>
+              <a:rPr lang="en-US" dirty="0" err="1">
+                <a:effectLst>
+                  <a:glow rad="63500">
+                    <a:schemeClr val="accent6">
+                      <a:satMod val="175000"/>
+                      <a:alpha val="40000"/>
+                    </a:schemeClr>
+                  </a:glow>
+                </a:effectLst>
+              </a:rPr>
               <a:t>XxxList.class</a:t>
             </a:r>
             <a:r>
-              <a:rPr lang="en-US" dirty="0"/>
+              <a:rPr lang="en-US" dirty="0">
+                <a:effectLst>
+                  <a:glow rad="63500">
+                    <a:schemeClr val="accent6">
+                      <a:satMod val="175000"/>
+                      <a:alpha val="40000"/>
+                    </a:schemeClr>
+                  </a:glow>
+                </a:effectLst>
+              </a:rPr>
               <a:t>)</a:t>
             </a:r>
           </a:p>
@@ -33629,7 +33951,7 @@
                   </a:glow>
                 </a:effectLst>
               </a:rPr>
-              <a:t>Shared object</a:t>
+              <a:t>Shared object (why this is important)</a:t>
             </a:r>
           </a:p>
           <a:p>
@@ -33800,7 +34122,7 @@
           <a:p>
             <a:fld id="{A1A5F216-EF7A-4B17-AEAA-CB0C884A7D82}" type="datetime1">
               <a:rPr lang="en-US" smtClean="0"/>
-              <a:t>11/22/2017</a:t>
+              <a:t>12/5/2017</a:t>
             </a:fld>
             <a:endParaRPr lang="en-US" dirty="0"/>
           </a:p>
@@ -33828,6 +34150,9 @@
                     <p:cTn id="3" fill="hold">
                       <p:stCondLst>
                         <p:cond delay="indefinite"/>
+                        <p:cond evt="onBegin" delay="0">
+                          <p:tn val="2"/>
+                        </p:cond>
                       </p:stCondLst>
                       <p:childTnLst>
                         <p:par>
@@ -33837,7 +34162,7 @@
                             </p:stCondLst>
                             <p:childTnLst>
                               <p:par>
-                                <p:cTn id="5" presetID="1" presetClass="entr" presetSubtype="0" fill="hold" nodeType="clickEffect">
+                                <p:cTn id="5" presetID="1" presetClass="entr" presetSubtype="0" fill="hold" nodeType="withEffect">
                                   <p:stCondLst>
                                     <p:cond delay="0"/>
                                   </p:stCondLst>
@@ -34009,33 +34334,15 @@
                                   </p:childTnLst>
                                 </p:cTn>
                               </p:par>
-                            </p:childTnLst>
-                          </p:cTn>
-                        </p:par>
-                      </p:childTnLst>
-                    </p:cTn>
-                  </p:par>
-                  <p:par>
-                    <p:cTn id="17" fill="hold">
-                      <p:stCondLst>
-                        <p:cond delay="indefinite"/>
-                      </p:stCondLst>
-                      <p:childTnLst>
-                        <p:par>
-                          <p:cTn id="18" fill="hold">
-                            <p:stCondLst>
-                              <p:cond delay="0"/>
-                            </p:stCondLst>
-                            <p:childTnLst>
                               <p:par>
-                                <p:cTn id="19" presetID="1" presetClass="entr" presetSubtype="0" fill="hold" nodeType="clickEffect">
+                                <p:cTn id="17" presetID="1" presetClass="entr" presetSubtype="0" fill="hold" nodeType="withEffect">
                                   <p:stCondLst>
                                     <p:cond delay="0"/>
                                   </p:stCondLst>
                                   <p:childTnLst>
                                     <p:set>
                                       <p:cBhvr>
-                                        <p:cTn id="20" dur="1" fill="hold">
+                                        <p:cTn id="18" dur="1" fill="hold">
                                           <p:stCondLst>
                                             <p:cond delay="0"/>
                                           </p:stCondLst>
@@ -34155,7 +34462,7 @@
         <p:spPr>
           <a:xfrm>
             <a:off x="619114" y="1912200"/>
-            <a:ext cx="8496010" cy="4305719"/>
+            <a:ext cx="8496010" cy="4569623"/>
           </a:xfrm>
         </p:spPr>
         <p:txBody>
@@ -34176,7 +34483,7 @@
             </a:pPr>
             <a:r>
               <a:rPr lang="en-US" dirty="0"/>
-              <a:t>Converting to V3</a:t>
+              <a:t>Converting to V3 (with no rewrites)</a:t>
             </a:r>
           </a:p>
           <a:p>
@@ -34205,14 +34512,14 @@
             <a:pPr lvl="1"/>
             <a:r>
               <a:rPr lang="en-US" dirty="0"/>
-              <a:t>More left for application code</a:t>
-            </a:r>
-          </a:p>
-          <a:p>
-            <a:pPr lvl="1"/>
+              <a:t>More cache space is left for application code</a:t>
+            </a:r>
+          </a:p>
+          <a:p>
+            <a:pPr lvl="2"/>
             <a:r>
               <a:rPr lang="en-US" dirty="0"/>
-              <a:t>Have seen 10-15 % speedups in overall application speed</a:t>
+              <a:t>With just conversion, have seen 10-15 % speedups in overall application speed</a:t>
             </a:r>
           </a:p>
           <a:p>
@@ -34319,7 +34626,7 @@
           <a:p>
             <a:fld id="{3A06DE66-39AE-4831-A32F-D50CD04A19D6}" type="datetime1">
               <a:rPr lang="en-US" smtClean="0"/>
-              <a:t>11/22/2017</a:t>
+              <a:t>12/5/2017</a:t>
             </a:fld>
             <a:endParaRPr lang="en-US" dirty="0"/>
           </a:p>
@@ -35128,7 +35435,7 @@
           <a:p>
             <a:fld id="{939BC27C-99A1-48D3-A757-D318F3766BD7}" type="datetime1">
               <a:rPr lang="en-US" smtClean="0"/>
-              <a:t>11/22/2017</a:t>
+              <a:t>12/5/2017</a:t>
             </a:fld>
             <a:endParaRPr lang="en-US" dirty="0"/>
           </a:p>
@@ -35917,22 +36224,6 @@
                                       </p:to>
                                     </p:set>
                                   </p:childTnLst>
-                                  <p:subTnLst>
-                                    <p:set>
-                                      <p:cBhvr override="childStyle">
-                                        <p:cTn dur="1" fill="hold" display="0" masterRel="nextClick" afterEffect="1"/>
-                                        <p:tgtEl>
-                                          <p:spTgt spid="21"/>
-                                        </p:tgtEl>
-                                        <p:attrNameLst>
-                                          <p:attrName>style.visibility</p:attrName>
-                                        </p:attrNameLst>
-                                      </p:cBhvr>
-                                      <p:to>
-                                        <p:strVal val="hidden"/>
-                                      </p:to>
-                                    </p:set>
-                                  </p:subTnLst>
                                 </p:cTn>
                               </p:par>
                             </p:childTnLst>
@@ -35963,7 +36254,7 @@
       </p:par>
     </p:tnLst>
     <p:bldLst>
-      <p:bldP spid="3" grpId="0" uiExpand="1" build="p"/>
+      <p:bldP spid="3" grpId="0" build="p"/>
     </p:bldLst>
   </p:timing>
 </p:sld>
@@ -36039,7 +36330,7 @@
         </p:spPr>
         <p:txBody>
           <a:bodyPr>
-            <a:normAutofit fontScale="77500" lnSpcReduction="20000"/>
+            <a:normAutofit fontScale="70000" lnSpcReduction="20000"/>
           </a:bodyPr>
           <a:lstStyle/>
           <a:p>
@@ -36134,6 +36425,9 @@
           </a:p>
           <a:p>
             <a:pPr eaLnBrk="1" hangingPunct="1">
+              <a:lnSpc>
+                <a:spcPct val="120000"/>
+              </a:lnSpc>
               <a:buFontTx/>
               <a:buNone/>
               <a:defRPr/>
@@ -36159,6 +36453,9 @@
           </a:p>
           <a:p>
             <a:pPr eaLnBrk="1" hangingPunct="1">
+              <a:lnSpc>
+                <a:spcPct val="120000"/>
+              </a:lnSpc>
               <a:buFontTx/>
               <a:buNone/>
               <a:defRPr/>
@@ -36200,14 +36497,14 @@
           </a:xfrm>
           <a:extLst>
             <a:ext uri="{909E8E84-426E-40dd-AFC4-6F175D3DCCD1}">
-              <a14:hiddenFill xmlns="" xmlns:a14="http://schemas.microsoft.com/office/drawing/2010/main">
+              <a14:hiddenFill xmlns:a14="http://schemas.microsoft.com/office/drawing/2010/main" xmlns="">
                 <a:solidFill>
                   <a:schemeClr val="accent1"/>
                 </a:solidFill>
               </a14:hiddenFill>
             </a:ext>
             <a:ext uri="{91240B29-F687-4f45-9708-019B960494DF}">
-              <a14:hiddenLine xmlns="" xmlns:a14="http://schemas.microsoft.com/office/drawing/2010/main" w="9525">
+              <a14:hiddenLine xmlns:a14="http://schemas.microsoft.com/office/drawing/2010/main" xmlns="" w="9525">
                 <a:solidFill>
                   <a:schemeClr val="tx1"/>
                 </a:solidFill>
@@ -36217,7 +36514,7 @@
               </a14:hiddenLine>
             </a:ext>
             <a:ext uri="{AF507438-7753-43e0-B8FC-AC1667EBCBE1}">
-              <a14:hiddenEffects xmlns="" xmlns:a14="http://schemas.microsoft.com/office/drawing/2010/main">
+              <a14:hiddenEffects xmlns:a14="http://schemas.microsoft.com/office/drawing/2010/main" xmlns="">
                 <a:effectLst>
                   <a:outerShdw blurRad="63500" dist="38099" dir="2700000" algn="ctr" rotWithShape="0">
                     <a:schemeClr val="bg2">
@@ -36228,7 +36525,7 @@
               </a14:hiddenEffects>
             </a:ext>
             <a:ext uri="{FAA26D3D-D897-4be2-8F04-BA451C77F1D7}">
-              <ma14:placeholderFlag xmlns="" xmlns:ma14="http://schemas.microsoft.com/office/mac/drawingml/2011/main" val="1"/>
+              <ma14:placeholderFlag xmlns:ma14="http://schemas.microsoft.com/office/mac/drawingml/2011/main" xmlns="" val="1"/>
             </a:ext>
           </a:extLst>
         </p:spPr>
@@ -36371,14 +36668,14 @@
         <p:spPr>
           <a:extLst>
             <a:ext uri="{909E8E84-426E-40dd-AFC4-6F175D3DCCD1}">
-              <a14:hiddenFill xmlns="" xmlns:a14="http://schemas.microsoft.com/office/drawing/2010/main">
+              <a14:hiddenFill xmlns:a14="http://schemas.microsoft.com/office/drawing/2010/main" xmlns="">
                 <a:solidFill>
                   <a:schemeClr val="accent1"/>
                 </a:solidFill>
               </a14:hiddenFill>
             </a:ext>
             <a:ext uri="{91240B29-F687-4f45-9708-019B960494DF}">
-              <a14:hiddenLine xmlns="" xmlns:a14="http://schemas.microsoft.com/office/drawing/2010/main" w="9525">
+              <a14:hiddenLine xmlns:a14="http://schemas.microsoft.com/office/drawing/2010/main" xmlns="" w="9525">
                 <a:solidFill>
                   <a:schemeClr val="tx1"/>
                 </a:solidFill>
@@ -36388,7 +36685,7 @@
               </a14:hiddenLine>
             </a:ext>
             <a:ext uri="{AF507438-7753-43e0-B8FC-AC1667EBCBE1}">
-              <a14:hiddenEffects xmlns="" xmlns:a14="http://schemas.microsoft.com/office/drawing/2010/main">
+              <a14:hiddenEffects xmlns:a14="http://schemas.microsoft.com/office/drawing/2010/main" xmlns="">
                 <a:effectLst>
                   <a:outerShdw blurRad="63500" dist="38099" dir="2700000" algn="ctr" rotWithShape="0">
                     <a:schemeClr val="bg2">
@@ -36399,7 +36696,7 @@
               </a14:hiddenEffects>
             </a:ext>
             <a:ext uri="{FAA26D3D-D897-4be2-8F04-BA451C77F1D7}">
-              <ma14:placeholderFlag xmlns="" xmlns:ma14="http://schemas.microsoft.com/office/mac/drawingml/2011/main" val="1"/>
+              <ma14:placeholderFlag xmlns:ma14="http://schemas.microsoft.com/office/mac/drawingml/2011/main" xmlns="" val="1"/>
             </a:ext>
           </a:extLst>
         </p:spPr>
@@ -36583,7 +36880,7 @@
           <a:p>
             <a:fld id="{72B1CF7A-5115-4D9F-9AE1-8E5B13C35372}" type="datetime1">
               <a:rPr lang="en-US" smtClean="0"/>
-              <a:t>11/22/2017</a:t>
+              <a:t>12/5/2017</a:t>
             </a:fld>
             <a:endParaRPr lang="en-US" dirty="0"/>
           </a:p>
@@ -37113,7 +37410,7 @@
           <a:p>
             <a:fld id="{D43EF723-9DC7-427A-944C-A22876C03062}" type="datetime1">
               <a:rPr lang="en-US" smtClean="0"/>
-              <a:t>11/22/2017</a:t>
+              <a:t>12/5/2017</a:t>
             </a:fld>
             <a:endParaRPr lang="en-US" dirty="0"/>
           </a:p>
@@ -37121,10 +37418,10 @@
       </p:sp>
       <p:pic>
         <p:nvPicPr>
-          <p:cNvPr id="7" name="Picture 6">
-            <a:extLst>
-              <a:ext uri="{FF2B5EF4-FFF2-40B4-BE49-F238E27FC236}">
-                <a16:creationId xmlns:a16="http://schemas.microsoft.com/office/drawing/2014/main" id="{A2CCC7EA-7B8B-4C61-B4E2-86276B899480}"/>
+          <p:cNvPr id="9" name="Picture 8">
+            <a:extLst>
+              <a:ext uri="{FF2B5EF4-FFF2-40B4-BE49-F238E27FC236}">
+                <a16:creationId xmlns:a16="http://schemas.microsoft.com/office/drawing/2014/main" id="{626D9192-31C1-4680-8FC3-FBA87168E032}"/>
               </a:ext>
             </a:extLst>
           </p:cNvPr>
@@ -37141,8 +37438,8 @@
         </p:blipFill>
         <p:spPr>
           <a:xfrm>
-            <a:off x="3758652" y="1169904"/>
-            <a:ext cx="8102519" cy="5157015"/>
+            <a:off x="3827204" y="666728"/>
+            <a:ext cx="8469030" cy="5630760"/>
           </a:xfrm>
           <a:prstGeom prst="rect">
             <a:avLst/>
@@ -37283,7 +37580,7 @@
                                           </p:stCondLst>
                                         </p:cTn>
                                         <p:tgtEl>
-                                          <p:spTgt spid="7"/>
+                                          <p:spTgt spid="9"/>
                                         </p:tgtEl>
                                         <p:attrNameLst>
                                           <p:attrName>style.visibility</p:attrName>
@@ -37464,7 +37761,7 @@
           <a:p>
             <a:fld id="{1F9C297A-A773-438C-A189-3CB6981C78C2}" type="datetime1">
               <a:rPr lang="en-US" smtClean="0"/>
-              <a:t>11/22/2017</a:t>
+              <a:t>12/5/2017</a:t>
             </a:fld>
             <a:endParaRPr lang="en-US" dirty="0"/>
           </a:p>
@@ -37553,8 +37850,8 @@
         </p:nvSpPr>
         <p:spPr>
           <a:xfrm>
-            <a:off x="619113" y="1912201"/>
-            <a:ext cx="6426296" cy="4033208"/>
+            <a:off x="619113" y="1912200"/>
+            <a:ext cx="6426296" cy="4444149"/>
           </a:xfrm>
         </p:spPr>
         <p:txBody>
@@ -37579,16 +37876,46 @@
             <a:pPr lvl="1"/>
             <a:r>
               <a:rPr lang="en-US" dirty="0"/>
-              <a:t>Normal Java objects, GC works </a:t>
+              <a:t>Normal Java objects, </a:t>
             </a:r>
             <a:r>
               <a:rPr lang="en-US" dirty="0">
+                <a:effectLst>
+                  <a:glow rad="63500">
+                    <a:schemeClr val="accent6">
+                      <a:satMod val="175000"/>
+                      <a:alpha val="40000"/>
+                    </a:schemeClr>
+                  </a:glow>
+                </a:effectLst>
+              </a:rPr>
+              <a:t>GC works </a:t>
+            </a:r>
+            <a:r>
+              <a:rPr lang="en-US" dirty="0">
+                <a:effectLst>
+                  <a:glow rad="63500">
+                    <a:schemeClr val="accent6">
+                      <a:satMod val="175000"/>
+                      <a:alpha val="40000"/>
+                    </a:schemeClr>
+                  </a:glow>
+                </a:effectLst>
                 <a:sym typeface="Wingdings" panose="05000000000000000000" pitchFamily="2" charset="2"/>
               </a:rPr>
               <a:t>!</a:t>
             </a:r>
             <a:r>
-              <a:rPr lang="en-US" dirty="0"/>
+              <a:rPr lang="en-US" dirty="0">
+                <a:effectLst>
+                  <a:glow rad="63500">
+                    <a:schemeClr val="accent6">
+                      <a:satMod val="175000"/>
+                      <a:alpha val="40000"/>
+                    </a:schemeClr>
+                  </a:glow>
+                </a:effectLst>
+              </a:rPr>
               <a:t> </a:t>
             </a:r>
           </a:p>
@@ -37611,7 +37938,11 @@
             </a:r>
           </a:p>
           <a:p>
-            <a:pPr lvl="1"/>
+            <a:pPr lvl="1">
+              <a:lnSpc>
+                <a:spcPct val="120000"/>
+              </a:lnSpc>
+            </a:pPr>
             <a:r>
               <a:rPr lang="en-US" dirty="0"/>
               <a:t>general way to get data from CAS/JCas and hook to common Java idioms</a:t>
@@ -37634,6 +37965,11 @@
             <a:endParaRPr lang="en-US" dirty="0"/>
           </a:p>
           <a:p>
+            <a:pPr>
+              <a:lnSpc>
+                <a:spcPct val="110000"/>
+              </a:lnSpc>
+            </a:pPr>
             <a:r>
               <a:rPr lang="en-US" dirty="0">
                 <a:cs typeface="Courier New" panose="02070309020205020404" pitchFamily="49" charset="0"/>
@@ -37865,7 +38201,7 @@
           <a:p>
             <a:fld id="{A943CBF3-DD08-4B43-857D-2B6E5185334E}" type="datetime1">
               <a:rPr lang="en-US" smtClean="0"/>
-              <a:t>11/22/2017</a:t>
+              <a:t>12/5/2017</a:t>
             </a:fld>
             <a:endParaRPr lang="en-US" dirty="0"/>
           </a:p>
@@ -38387,18 +38723,26 @@
         <p:spPr>
           <a:xfrm>
             <a:off x="619114" y="1901953"/>
-            <a:ext cx="8060143" cy="4267201"/>
+            <a:ext cx="8060143" cy="4454397"/>
           </a:xfrm>
+          <a:solidFill>
+            <a:schemeClr val="bg1"/>
+          </a:solidFill>
         </p:spPr>
         <p:txBody>
           <a:bodyPr>
-            <a:normAutofit fontScale="92500" lnSpcReduction="20000"/>
+            <a:normAutofit fontScale="77500" lnSpcReduction="20000"/>
           </a:bodyPr>
           <a:lstStyle/>
           <a:p>
+            <a:pPr>
+              <a:lnSpc>
+                <a:spcPct val="120000"/>
+              </a:lnSpc>
+            </a:pPr>
             <a:r>
               <a:rPr lang="en-US" dirty="0"/>
-              <a:t>While iterating, sometimes you get a </a:t>
+              <a:t>While iterating with UIMA Feature Structure iterators, sometimes you get a </a:t>
             </a:r>
             <a:r>
               <a:rPr lang="en-US" b="1" dirty="0" err="1">
@@ -38508,28 +38852,64 @@
           </a:p>
           <a:p>
             <a:r>
-              <a:rPr lang="en-US" dirty="0"/>
+              <a:rPr lang="en-US" dirty="0">
+                <a:effectLst>
+                  <a:glow rad="63500">
+                    <a:schemeClr val="accent6">
+                      <a:satMod val="175000"/>
+                      <a:alpha val="40000"/>
+                    </a:schemeClr>
+                  </a:glow>
+                </a:effectLst>
+              </a:rPr>
               <a:t>Eliminated in V3!</a:t>
             </a:r>
           </a:p>
           <a:p>
             <a:pPr lvl="1"/>
             <a:r>
-              <a:rPr lang="en-US" dirty="0"/>
+              <a:rPr lang="en-US" dirty="0">
+                <a:effectLst>
+                  <a:glow rad="63500">
+                    <a:schemeClr val="accent6">
+                      <a:satMod val="175000"/>
+                      <a:alpha val="40000"/>
+                    </a:schemeClr>
+                  </a:glow>
+                </a:effectLst>
+              </a:rPr>
               <a:t>OK to modify index while iterating over it</a:t>
             </a:r>
           </a:p>
           <a:p>
             <a:pPr lvl="2"/>
             <a:r>
-              <a:rPr lang="en-US" sz="2133" dirty="0"/>
+              <a:rPr lang="en-US" sz="2133" dirty="0">
+                <a:effectLst>
+                  <a:glow rad="63500">
+                    <a:schemeClr val="accent6">
+                      <a:satMod val="175000"/>
+                      <a:alpha val="40000"/>
+                    </a:schemeClr>
+                  </a:glow>
+                </a:effectLst>
+              </a:rPr>
               <a:t>Iteration continues with pre-modified version</a:t>
             </a:r>
           </a:p>
           <a:p>
             <a:pPr lvl="2"/>
             <a:r>
-              <a:rPr lang="en-US" sz="2133" dirty="0"/>
+              <a:rPr lang="en-US" sz="2133" dirty="0">
+                <a:effectLst>
+                  <a:glow rad="63500">
+                    <a:schemeClr val="accent6">
+                      <a:satMod val="175000"/>
+                      <a:alpha val="40000"/>
+                    </a:schemeClr>
+                  </a:glow>
+                </a:effectLst>
+              </a:rPr>
               <a:t>(efficient)</a:t>
             </a:r>
           </a:p>
@@ -38641,8 +39021,8 @@
         </p:nvSpPr>
         <p:spPr>
           <a:xfrm>
-            <a:off x="10489949" y="2966991"/>
-            <a:ext cx="1702051" cy="830997"/>
+            <a:off x="10422215" y="2933124"/>
+            <a:ext cx="1826229" cy="1200329"/>
           </a:xfrm>
           <a:prstGeom prst="rect">
             <a:avLst/>
@@ -38661,7 +39041,7 @@
                   <a:srgbClr val="C00000"/>
                 </a:solidFill>
               </a:rPr>
-              <a:t>C.M.</a:t>
+              <a:t>Concurrent Modification</a:t>
             </a:r>
             <a:br>
               <a:rPr lang="en-US" sz="2400" dirty="0">
@@ -38751,7 +39131,7 @@
           <a:p>
             <a:fld id="{EF6859CF-7BE2-491B-891B-32127F49A511}" type="datetime1">
               <a:rPr lang="en-US" smtClean="0"/>
-              <a:t>11/22/2017</a:t>
+              <a:t>12/5/2017</a:t>
             </a:fld>
             <a:endParaRPr lang="en-US" dirty="0"/>
           </a:p>
@@ -38805,9 +39185,7 @@
                                         </p:cTn>
                                         <p:tgtEl>
                                           <p:spTgt spid="3">
-                                            <p:txEl>
-                                              <p:pRg st="0" end="0"/>
-                                            </p:txEl>
+                                            <p:bg/>
                                           </p:spTgt>
                                         </p:tgtEl>
                                         <p:attrNameLst>
@@ -38837,6 +39215,55 @@
                                         <p:tgtEl>
                                           <p:spTgt spid="3">
                                             <p:txEl>
+                                              <p:pRg st="0" end="0"/>
+                                            </p:txEl>
+                                          </p:spTgt>
+                                        </p:tgtEl>
+                                        <p:attrNameLst>
+                                          <p:attrName>style.visibility</p:attrName>
+                                        </p:attrNameLst>
+                                      </p:cBhvr>
+                                      <p:to>
+                                        <p:strVal val="visible"/>
+                                      </p:to>
+                                    </p:set>
+                                  </p:childTnLst>
+                                </p:cTn>
+                              </p:par>
+                            </p:childTnLst>
+                          </p:cTn>
+                        </p:par>
+                      </p:childTnLst>
+                    </p:cTn>
+                  </p:par>
+                  <p:par>
+                    <p:cTn id="9" fill="hold">
+                      <p:stCondLst>
+                        <p:cond delay="indefinite"/>
+                      </p:stCondLst>
+                      <p:childTnLst>
+                        <p:par>
+                          <p:cTn id="10" fill="hold">
+                            <p:stCondLst>
+                              <p:cond delay="0"/>
+                            </p:stCondLst>
+                            <p:childTnLst>
+                              <p:par>
+                                <p:cTn id="11" presetID="1" presetClass="entr" presetSubtype="0" fill="hold" grpId="0" nodeType="clickEffect">
+                                  <p:stCondLst>
+                                    <p:cond delay="0"/>
+                                  </p:stCondLst>
+                                  <p:childTnLst>
+                                    <p:set>
+                                      <p:cBhvr>
+                                        <p:cTn id="12" dur="1" fill="hold">
+                                          <p:stCondLst>
+                                            <p:cond delay="0"/>
+                                          </p:stCondLst>
+                                        </p:cTn>
+                                        <p:tgtEl>
+                                          <p:spTgt spid="3">
+                                            <p:txEl>
                                               <p:pRg st="2" end="2"/>
                                             </p:txEl>
                                           </p:spTgt>
@@ -38853,14 +39280,14 @@
                                 </p:cTn>
                               </p:par>
                               <p:par>
-                                <p:cTn id="9" presetID="1" presetClass="entr" presetSubtype="0" fill="hold" grpId="0" nodeType="withEffect">
+                                <p:cTn id="13" presetID="1" presetClass="entr" presetSubtype="0" fill="hold" grpId="0" nodeType="withEffect">
                                   <p:stCondLst>
                                     <p:cond delay="0"/>
                                   </p:stCondLst>
                                   <p:childTnLst>
                                     <p:set>
                                       <p:cBhvr>
-                                        <p:cTn id="10" dur="1" fill="hold">
+                                        <p:cTn id="14" dur="1" fill="hold">
                                           <p:stCondLst>
                                             <p:cond delay="0"/>
                                           </p:stCondLst>
@@ -38890,26 +39317,26 @@
                     </p:cTn>
                   </p:par>
                   <p:par>
-                    <p:cTn id="11" fill="hold">
+                    <p:cTn id="15" fill="hold">
                       <p:stCondLst>
                         <p:cond delay="indefinite"/>
                       </p:stCondLst>
                       <p:childTnLst>
                         <p:par>
-                          <p:cTn id="12" fill="hold">
+                          <p:cTn id="16" fill="hold">
                             <p:stCondLst>
                               <p:cond delay="0"/>
                             </p:stCondLst>
                             <p:childTnLst>
                               <p:par>
-                                <p:cTn id="13" presetID="1" presetClass="entr" presetSubtype="0" fill="hold" grpId="0" nodeType="clickEffect">
+                                <p:cTn id="17" presetID="1" presetClass="entr" presetSubtype="0" fill="hold" grpId="0" nodeType="clickEffect">
                                   <p:stCondLst>
                                     <p:cond delay="0"/>
                                   </p:stCondLst>
                                   <p:childTnLst>
                                     <p:set>
                                       <p:cBhvr>
-                                        <p:cTn id="14" dur="1" fill="hold">
+                                        <p:cTn id="18" dur="1" fill="hold">
                                           <p:stCondLst>
                                             <p:cond delay="0"/>
                                           </p:stCondLst>
@@ -38933,14 +39360,14 @@
                                 </p:cTn>
                               </p:par>
                               <p:par>
-                                <p:cTn id="15" presetID="1" presetClass="entr" presetSubtype="0" fill="hold" grpId="0" nodeType="withEffect">
+                                <p:cTn id="19" presetID="1" presetClass="entr" presetSubtype="0" fill="hold" grpId="0" nodeType="withEffect">
                                   <p:stCondLst>
                                     <p:cond delay="0"/>
                                   </p:stCondLst>
                                   <p:childTnLst>
                                     <p:set>
                                       <p:cBhvr>
-                                        <p:cTn id="16" dur="1" fill="hold">
+                                        <p:cTn id="20" dur="1" fill="hold">
                                           <p:stCondLst>
                                             <p:cond delay="0"/>
                                           </p:stCondLst>
@@ -38970,26 +39397,26 @@
                     </p:cTn>
                   </p:par>
                   <p:par>
-                    <p:cTn id="17" fill="hold">
+                    <p:cTn id="21" fill="hold">
                       <p:stCondLst>
                         <p:cond delay="indefinite"/>
                       </p:stCondLst>
                       <p:childTnLst>
                         <p:par>
-                          <p:cTn id="18" fill="hold">
+                          <p:cTn id="22" fill="hold">
                             <p:stCondLst>
                               <p:cond delay="0"/>
                             </p:stCondLst>
                             <p:childTnLst>
                               <p:par>
-                                <p:cTn id="19" presetID="1" presetClass="entr" presetSubtype="0" fill="hold" grpId="0" nodeType="clickEffect">
+                                <p:cTn id="23" presetID="1" presetClass="entr" presetSubtype="0" fill="hold" grpId="0" nodeType="clickEffect">
                                   <p:stCondLst>
                                     <p:cond delay="0"/>
                                   </p:stCondLst>
                                   <p:childTnLst>
                                     <p:set>
                                       <p:cBhvr>
-                                        <p:cTn id="20" dur="1" fill="hold">
+                                        <p:cTn id="24" dur="1" fill="hold">
                                           <p:stCondLst>
                                             <p:cond delay="0"/>
                                           </p:stCondLst>
@@ -39013,14 +39440,14 @@
                                 </p:cTn>
                               </p:par>
                               <p:par>
-                                <p:cTn id="21" presetID="1" presetClass="entr" presetSubtype="0" fill="hold" grpId="0" nodeType="withEffect">
+                                <p:cTn id="25" presetID="1" presetClass="entr" presetSubtype="0" fill="hold" grpId="0" nodeType="withEffect">
                                   <p:stCondLst>
                                     <p:cond delay="0"/>
                                   </p:stCondLst>
                                   <p:childTnLst>
                                     <p:set>
                                       <p:cBhvr>
-                                        <p:cTn id="22" dur="1" fill="hold">
+                                        <p:cTn id="26" dur="1" fill="hold">
                                           <p:stCondLst>
                                             <p:cond delay="0"/>
                                           </p:stCondLst>
@@ -39044,14 +39471,14 @@
                                 </p:cTn>
                               </p:par>
                               <p:par>
-                                <p:cTn id="23" presetID="1" presetClass="entr" presetSubtype="0" fill="hold" grpId="0" nodeType="withEffect">
+                                <p:cTn id="27" presetID="1" presetClass="entr" presetSubtype="0" fill="hold" grpId="0" nodeType="withEffect">
                                   <p:stCondLst>
                                     <p:cond delay="0"/>
                                   </p:stCondLst>
                                   <p:childTnLst>
                                     <p:set>
                                       <p:cBhvr>
-                                        <p:cTn id="24" dur="1" fill="hold">
+                                        <p:cTn id="28" dur="1" fill="hold">
                                           <p:stCondLst>
                                             <p:cond delay="0"/>
                                           </p:stCondLst>
@@ -39075,14 +39502,14 @@
                                 </p:cTn>
                               </p:par>
                               <p:par>
-                                <p:cTn id="25" presetID="1" presetClass="entr" presetSubtype="0" fill="hold" grpId="0" nodeType="withEffect">
+                                <p:cTn id="29" presetID="1" presetClass="entr" presetSubtype="0" fill="hold" grpId="0" nodeType="withEffect">
                                   <p:stCondLst>
                                     <p:cond delay="0"/>
                                   </p:stCondLst>
                                   <p:childTnLst>
                                     <p:set>
                                       <p:cBhvr>
-                                        <p:cTn id="26" dur="1" fill="hold">
+                                        <p:cTn id="30" dur="1" fill="hold">
                                           <p:stCondLst>
                                             <p:cond delay="0"/>
                                           </p:stCondLst>
@@ -39133,7 +39560,7 @@
       </p:par>
     </p:tnLst>
     <p:bldLst>
-      <p:bldP spid="3" grpId="0" uiExpand="1" build="p"/>
+      <p:bldP spid="3" grpId="0" uiExpand="1" build="p" animBg="1"/>
     </p:bldLst>
   </p:timing>
 </p:sld>
@@ -39215,6 +39642,9 @@
           <a:lstStyle/>
           <a:p>
             <a:pPr marL="0" indent="0">
+              <a:lnSpc>
+                <a:spcPct val="110000"/>
+              </a:lnSpc>
               <a:buNone/>
             </a:pPr>
             <a:r>
@@ -39326,6 +39756,16 @@
               </a:rPr>
               <a:t>();</a:t>
             </a:r>
+            <a:br>
+              <a:rPr lang="en-US" sz="1867" dirty="0">
+                <a:latin typeface="Courier New" panose="02070309020205020404" pitchFamily="49" charset="0"/>
+                <a:cs typeface="Courier New" panose="02070309020205020404" pitchFamily="49" charset="0"/>
+              </a:rPr>
+            </a:br>
+            <a:endParaRPr lang="en-US" sz="1867" dirty="0">
+              <a:latin typeface="Courier New" panose="02070309020205020404" pitchFamily="49" charset="0"/>
+              <a:cs typeface="Courier New" panose="02070309020205020404" pitchFamily="49" charset="0"/>
+            </a:endParaRPr>
           </a:p>
           <a:p>
             <a:pPr marL="0" indent="0">
@@ -39444,7 +39884,21 @@
                 <a:latin typeface="Courier New" panose="02070309020205020404" pitchFamily="49" charset="0"/>
                 <a:cs typeface="Courier New" panose="02070309020205020404" pitchFamily="49" charset="0"/>
               </a:rPr>
-              <a:t>    Token t2 = </a:t>
+              <a:t>    Token </a:t>
+            </a:r>
+            <a:r>
+              <a:rPr lang="en-US" sz="1867" dirty="0" err="1">
+                <a:latin typeface="Courier New" panose="02070309020205020404" pitchFamily="49" charset="0"/>
+                <a:cs typeface="Courier New" panose="02070309020205020404" pitchFamily="49" charset="0"/>
+              </a:rPr>
+              <a:t>followingToken</a:t>
+            </a:r>
+            <a:r>
+              <a:rPr lang="en-US" sz="1867" dirty="0">
+                <a:latin typeface="Courier New" panose="02070309020205020404" pitchFamily="49" charset="0"/>
+                <a:cs typeface="Courier New" panose="02070309020205020404" pitchFamily="49" charset="0"/>
+              </a:rPr>
+              <a:t> = </a:t>
             </a:r>
             <a:r>
               <a:rPr lang="en-US" sz="1867" dirty="0" err="1">
@@ -39470,7 +39924,21 @@
                 <a:latin typeface="Courier New" panose="02070309020205020404" pitchFamily="49" charset="0"/>
                 <a:cs typeface="Courier New" panose="02070309020205020404" pitchFamily="49" charset="0"/>
               </a:rPr>
-              <a:t>    t2.prefix = </a:t>
+              <a:t>    </a:t>
+            </a:r>
+            <a:r>
+              <a:rPr lang="en-US" sz="1867" dirty="0" err="1">
+                <a:latin typeface="Courier New" panose="02070309020205020404" pitchFamily="49" charset="0"/>
+                <a:cs typeface="Courier New" panose="02070309020205020404" pitchFamily="49" charset="0"/>
+              </a:rPr>
+              <a:t>followingToken.prefix</a:t>
+            </a:r>
+            <a:r>
+              <a:rPr lang="en-US" sz="1867" dirty="0">
+                <a:latin typeface="Courier New" panose="02070309020205020404" pitchFamily="49" charset="0"/>
+                <a:cs typeface="Courier New" panose="02070309020205020404" pitchFamily="49" charset="0"/>
+              </a:rPr>
+              <a:t> = </a:t>
             </a:r>
             <a:r>
               <a:rPr lang="en-US" sz="1867" dirty="0" err="1">
@@ -39497,6 +39965,23 @@
                 <a:cs typeface="Courier New" panose="02070309020205020404" pitchFamily="49" charset="0"/>
               </a:rPr>
               <a:t>    </a:t>
+            </a:r>
+            <a:r>
+              <a:rPr lang="en-US" sz="1867" dirty="0" err="1">
+                <a:latin typeface="Courier New" panose="02070309020205020404" pitchFamily="49" charset="0"/>
+                <a:cs typeface="Courier New" panose="02070309020205020404" pitchFamily="49" charset="0"/>
+              </a:rPr>
+              <a:t>followingToken</a:t>
+            </a:r>
+            <a:r>
+              <a:rPr lang="en-US" sz="1867" dirty="0" err="1">
+                <a:highlight>
+                  <a:srgbClr val="FFFF00"/>
+                </a:highlight>
+                <a:latin typeface="Courier New" panose="02070309020205020404" pitchFamily="49" charset="0"/>
+                <a:cs typeface="Courier New" panose="02070309020205020404" pitchFamily="49" charset="0"/>
+              </a:rPr>
+              <a:t>.setBegin</a:t>
             </a:r>
             <a:r>
               <a:rPr lang="en-US" sz="1867" dirty="0">
@@ -39506,7 +39991,7 @@
                 <a:latin typeface="Courier New" panose="02070309020205020404" pitchFamily="49" charset="0"/>
                 <a:cs typeface="Courier New" panose="02070309020205020404" pitchFamily="49" charset="0"/>
               </a:rPr>
-              <a:t>t2.setBegin(</a:t>
+              <a:t>(</a:t>
             </a:r>
             <a:r>
               <a:rPr lang="en-US" sz="1867" dirty="0" err="1">
@@ -39540,11 +40025,12 @@
               </a:rPr>
               <a:t>  }</a:t>
             </a:r>
-          </a:p>
-          <a:p>
-            <a:pPr marL="0" indent="0">
-              <a:buNone/>
-            </a:pPr>
+            <a:br>
+              <a:rPr lang="en-US" sz="1867" dirty="0">
+                <a:latin typeface="Courier New" panose="02070309020205020404" pitchFamily="49" charset="0"/>
+                <a:cs typeface="Courier New" panose="02070309020205020404" pitchFamily="49" charset="0"/>
+              </a:rPr>
+            </a:br>
             <a:r>
               <a:rPr lang="en-US" sz="1867" dirty="0">
                 <a:latin typeface="Courier New" panose="02070309020205020404" pitchFamily="49" charset="0"/>
@@ -39642,10 +40128,10 @@
         </p:nvGrpSpPr>
         <p:grpSpPr>
           <a:xfrm>
-            <a:off x="5349054" y="4895467"/>
-            <a:ext cx="6312833" cy="913199"/>
-            <a:chOff x="3906982" y="3399018"/>
-            <a:chExt cx="4734625" cy="684899"/>
+            <a:off x="6989505" y="5306947"/>
+            <a:ext cx="4428357" cy="913199"/>
+            <a:chOff x="5058494" y="3399018"/>
+            <a:chExt cx="3321281" cy="684899"/>
           </a:xfrm>
         </p:grpSpPr>
         <p:sp>
@@ -39662,8 +40148,8 @@
           </p:nvSpPr>
           <p:spPr>
             <a:xfrm>
-              <a:off x="4521322" y="3399018"/>
-              <a:ext cx="4120285" cy="684899"/>
+              <a:off x="5638924" y="3399018"/>
+              <a:ext cx="2740851" cy="684899"/>
             </a:xfrm>
             <a:prstGeom prst="rect">
               <a:avLst/>
@@ -39765,7 +40251,7 @@
           </p:nvSpPr>
           <p:spPr>
             <a:xfrm rot="10800000">
-              <a:off x="3906982" y="3694202"/>
+              <a:off x="5058494" y="3694202"/>
               <a:ext cx="572654" cy="230909"/>
             </a:xfrm>
             <a:prstGeom prst="rightArrow">
@@ -39890,8 +40376,8 @@
         </p:nvSpPr>
         <p:spPr>
           <a:xfrm rot="16200000">
-            <a:off x="4561277" y="1658920"/>
-            <a:ext cx="339935" cy="1235619"/>
+            <a:off x="4508030" y="1712166"/>
+            <a:ext cx="339935" cy="1129125"/>
           </a:xfrm>
           <a:prstGeom prst="leftBrace">
             <a:avLst>
@@ -39937,8 +40423,8 @@
         </p:nvSpPr>
         <p:spPr>
           <a:xfrm rot="16200000">
-            <a:off x="9309902" y="1563912"/>
-            <a:ext cx="315485" cy="1384713"/>
+            <a:off x="8900914" y="1585707"/>
+            <a:ext cx="315485" cy="1341120"/>
           </a:xfrm>
           <a:prstGeom prst="leftBrace">
             <a:avLst>
@@ -39993,7 +40479,7 @@
           <a:p>
             <a:fld id="{FFF122D3-7248-47BC-BBF9-FD7B0A466F80}" type="datetime1">
               <a:rPr lang="en-US" smtClean="0"/>
-              <a:t>11/22/2017</a:t>
+              <a:t>12/5/2017</a:t>
             </a:fld>
             <a:endParaRPr lang="en-US" dirty="0"/>
           </a:p>
@@ -40380,37 +40866,6 @@
                                   </p:childTnLst>
                                 </p:cTn>
                               </p:par>
-                              <p:par>
-                                <p:cTn id="31" presetID="1" presetClass="entr" presetSubtype="0" fill="hold" nodeType="withEffect">
-                                  <p:stCondLst>
-                                    <p:cond delay="0"/>
-                                  </p:stCondLst>
-                                  <p:childTnLst>
-                                    <p:set>
-                                      <p:cBhvr>
-                                        <p:cTn id="32" dur="1" fill="hold">
-                                          <p:stCondLst>
-                                            <p:cond delay="0"/>
-                                          </p:stCondLst>
-                                        </p:cTn>
-                                        <p:tgtEl>
-                                          <p:spTgt spid="3">
-                                            <p:txEl>
-                                              <p:pRg st="9" end="9"/>
-                                            </p:txEl>
-                                          </p:spTgt>
-                                        </p:tgtEl>
-                                        <p:attrNameLst>
-                                          <p:attrName>style.visibility</p:attrName>
-                                        </p:attrNameLst>
-                                      </p:cBhvr>
-                                      <p:to>
-                                        <p:strVal val="visible"/>
-                                      </p:to>
-                                    </p:set>
-                                  </p:childTnLst>
-                                </p:cTn>
-                              </p:par>
                             </p:childTnLst>
                           </p:cTn>
                         </p:par>
@@ -40418,26 +40873,26 @@
                     </p:cTn>
                   </p:par>
                   <p:par>
-                    <p:cTn id="33" fill="hold">
+                    <p:cTn id="31" fill="hold">
                       <p:stCondLst>
                         <p:cond delay="indefinite"/>
                       </p:stCondLst>
                       <p:childTnLst>
                         <p:par>
-                          <p:cTn id="34" fill="hold">
+                          <p:cTn id="32" fill="hold">
                             <p:stCondLst>
                               <p:cond delay="0"/>
                             </p:stCondLst>
                             <p:childTnLst>
                               <p:par>
-                                <p:cTn id="35" presetID="1" presetClass="entr" presetSubtype="0" fill="hold" nodeType="clickEffect">
+                                <p:cTn id="33" presetID="1" presetClass="entr" presetSubtype="0" fill="hold" nodeType="clickEffect">
                                   <p:stCondLst>
                                     <p:cond delay="0"/>
                                   </p:stCondLst>
                                   <p:childTnLst>
                                     <p:set>
                                       <p:cBhvr>
-                                        <p:cTn id="36" dur="1" fill="hold">
+                                        <p:cTn id="34" dur="1" fill="hold">
                                           <p:stCondLst>
                                             <p:cond delay="0"/>
                                           </p:stCondLst>
@@ -42248,7 +42703,7 @@
           <a:p>
             <a:fld id="{CC59E92D-263E-422E-BF83-D1A4522EF799}" type="datetime1">
               <a:rPr lang="en-US" smtClean="0"/>
-              <a:t>11/22/2017</a:t>
+              <a:t>12/5/2017</a:t>
             </a:fld>
             <a:endParaRPr lang="en-US" dirty="0"/>
           </a:p>
@@ -42605,7 +43060,7 @@
         </p:nvSpPr>
         <p:spPr>
           <a:xfrm>
-            <a:off x="609600" y="2048405"/>
+            <a:off x="609600" y="2601566"/>
             <a:ext cx="4673600" cy="427039"/>
           </a:xfrm>
         </p:spPr>
@@ -42640,17 +43095,20 @@
         </p:nvSpPr>
         <p:spPr>
           <a:xfrm>
-            <a:off x="619113" y="2938257"/>
+            <a:off x="619113" y="3491418"/>
             <a:ext cx="5175104" cy="1613593"/>
           </a:xfrm>
         </p:spPr>
         <p:txBody>
           <a:bodyPr>
-            <a:normAutofit fontScale="77500" lnSpcReduction="20000"/>
+            <a:normAutofit fontScale="62500" lnSpcReduction="20000"/>
           </a:bodyPr>
           <a:lstStyle/>
           <a:p>
             <a:pPr marL="0" indent="0">
+              <a:lnSpc>
+                <a:spcPct val="120000"/>
+              </a:lnSpc>
               <a:buNone/>
             </a:pPr>
             <a:r>
@@ -42684,6 +43142,9 @@
           </a:p>
           <a:p>
             <a:pPr marL="0" indent="0">
+              <a:lnSpc>
+                <a:spcPct val="120000"/>
+              </a:lnSpc>
               <a:buNone/>
             </a:pPr>
             <a:r>
@@ -42717,6 +43178,9 @@
           </a:p>
           <a:p>
             <a:pPr marL="0" indent="0">
+              <a:lnSpc>
+                <a:spcPct val="120000"/>
+              </a:lnSpc>
               <a:buNone/>
             </a:pPr>
             <a:r>
@@ -42728,6 +43192,9 @@
           </a:p>
           <a:p>
             <a:pPr marL="0" indent="0">
+              <a:lnSpc>
+                <a:spcPct val="120000"/>
+              </a:lnSpc>
               <a:buNone/>
             </a:pPr>
             <a:r>
@@ -42841,7 +43308,7 @@
         </p:nvSpPr>
         <p:spPr bwMode="auto">
           <a:xfrm>
-            <a:off x="6727568" y="2048403"/>
+            <a:off x="6727568" y="2601564"/>
             <a:ext cx="4245232" cy="427039"/>
           </a:xfrm>
           <a:prstGeom prst="rect">
@@ -42854,14 +43321,14 @@
           <a:effectLst/>
           <a:extLst>
             <a:ext uri="{909E8E84-426E-40dd-AFC4-6F175D3DCCD1}">
-              <a14:hiddenFill xmlns="" xmlns:a14="http://schemas.microsoft.com/office/drawing/2010/main">
+              <a14:hiddenFill xmlns:a14="http://schemas.microsoft.com/office/drawing/2010/main" xmlns="">
                 <a:solidFill>
                   <a:schemeClr val="accent1"/>
                 </a:solidFill>
               </a14:hiddenFill>
             </a:ext>
             <a:ext uri="{91240B29-F687-4f45-9708-019B960494DF}">
-              <a14:hiddenLine xmlns="" xmlns:a14="http://schemas.microsoft.com/office/drawing/2010/main" w="9525">
+              <a14:hiddenLine xmlns:a14="http://schemas.microsoft.com/office/drawing/2010/main" xmlns="" w="9525">
                 <a:solidFill>
                   <a:schemeClr val="tx1"/>
                 </a:solidFill>
@@ -42871,7 +43338,7 @@
               </a14:hiddenLine>
             </a:ext>
             <a:ext uri="{AF507438-7753-43e0-B8FC-AC1667EBCBE1}">
-              <a14:hiddenEffects xmlns="" xmlns:a14="http://schemas.microsoft.com/office/drawing/2010/main">
+              <a14:hiddenEffects xmlns:a14="http://schemas.microsoft.com/office/drawing/2010/main" xmlns="">
                 <a:effectLst>
                   <a:outerShdw blurRad="63500" dist="38099" dir="2700000" algn="ctr" rotWithShape="0">
                     <a:schemeClr val="bg2">
@@ -42882,7 +43349,7 @@
               </a14:hiddenEffects>
             </a:ext>
             <a:ext uri="{FAA26D3D-D897-4be2-8F04-BA451C77F1D7}">
-              <ma14:placeholderFlag xmlns="" xmlns:ma14="http://schemas.microsoft.com/office/mac/drawingml/2011/main" val="1"/>
+              <ma14:placeholderFlag xmlns:ma14="http://schemas.microsoft.com/office/mac/drawingml/2011/main" xmlns="" val="1"/>
             </a:ext>
           </a:extLst>
         </p:spPr>
@@ -43058,7 +43525,7 @@
         </p:nvSpPr>
         <p:spPr bwMode="auto">
           <a:xfrm>
-            <a:off x="6381580" y="2882348"/>
+            <a:off x="6381580" y="3435509"/>
             <a:ext cx="5424139" cy="527189"/>
           </a:xfrm>
           <a:prstGeom prst="rect">
@@ -43071,14 +43538,14 @@
           <a:effectLst/>
           <a:extLst>
             <a:ext uri="{909E8E84-426E-40dd-AFC4-6F175D3DCCD1}">
-              <a14:hiddenFill xmlns="" xmlns:a14="http://schemas.microsoft.com/office/drawing/2010/main">
+              <a14:hiddenFill xmlns:a14="http://schemas.microsoft.com/office/drawing/2010/main" xmlns="">
                 <a:solidFill>
                   <a:schemeClr val="accent1"/>
                 </a:solidFill>
               </a14:hiddenFill>
             </a:ext>
             <a:ext uri="{91240B29-F687-4f45-9708-019B960494DF}">
-              <a14:hiddenLine xmlns="" xmlns:a14="http://schemas.microsoft.com/office/drawing/2010/main" w="9525">
+              <a14:hiddenLine xmlns:a14="http://schemas.microsoft.com/office/drawing/2010/main" xmlns="" w="9525">
                 <a:solidFill>
                   <a:schemeClr val="tx1"/>
                 </a:solidFill>
@@ -43088,7 +43555,7 @@
               </a14:hiddenLine>
             </a:ext>
             <a:ext uri="{AF507438-7753-43e0-B8FC-AC1667EBCBE1}">
-              <a14:hiddenEffects xmlns="" xmlns:a14="http://schemas.microsoft.com/office/drawing/2010/main">
+              <a14:hiddenEffects xmlns:a14="http://schemas.microsoft.com/office/drawing/2010/main" xmlns="">
                 <a:effectLst>
                   <a:outerShdw blurRad="63500" dist="38099" dir="2700000" algn="ctr" rotWithShape="0">
                     <a:schemeClr val="bg2">
@@ -43099,7 +43566,7 @@
               </a14:hiddenEffects>
             </a:ext>
             <a:ext uri="{FAA26D3D-D897-4be2-8F04-BA451C77F1D7}">
-              <ma14:placeholderFlag xmlns="" xmlns:ma14="http://schemas.microsoft.com/office/mac/drawingml/2011/main" val="1"/>
+              <ma14:placeholderFlag xmlns:ma14="http://schemas.microsoft.com/office/mac/drawingml/2011/main" xmlns="" val="1"/>
             </a:ext>
           </a:extLst>
         </p:spPr>
@@ -43295,7 +43762,7 @@
         </p:nvSpPr>
         <p:spPr bwMode="auto">
           <a:xfrm>
-            <a:off x="5283201" y="4801143"/>
+            <a:off x="5283201" y="5354304"/>
             <a:ext cx="1254897" cy="427039"/>
           </a:xfrm>
           <a:prstGeom prst="rect">
@@ -43308,14 +43775,14 @@
           <a:effectLst/>
           <a:extLst>
             <a:ext uri="{909E8E84-426E-40dd-AFC4-6F175D3DCCD1}">
-              <a14:hiddenFill xmlns="" xmlns:a14="http://schemas.microsoft.com/office/drawing/2010/main">
+              <a14:hiddenFill xmlns:a14="http://schemas.microsoft.com/office/drawing/2010/main" xmlns="">
                 <a:solidFill>
                   <a:schemeClr val="accent1"/>
                 </a:solidFill>
               </a14:hiddenFill>
             </a:ext>
             <a:ext uri="{91240B29-F687-4f45-9708-019B960494DF}">
-              <a14:hiddenLine xmlns="" xmlns:a14="http://schemas.microsoft.com/office/drawing/2010/main" w="9525">
+              <a14:hiddenLine xmlns:a14="http://schemas.microsoft.com/office/drawing/2010/main" xmlns="" w="9525">
                 <a:solidFill>
                   <a:schemeClr val="tx1"/>
                 </a:solidFill>
@@ -43325,7 +43792,7 @@
               </a14:hiddenLine>
             </a:ext>
             <a:ext uri="{AF507438-7753-43e0-B8FC-AC1667EBCBE1}">
-              <a14:hiddenEffects xmlns="" xmlns:a14="http://schemas.microsoft.com/office/drawing/2010/main">
+              <a14:hiddenEffects xmlns:a14="http://schemas.microsoft.com/office/drawing/2010/main" xmlns="">
                 <a:effectLst>
                   <a:outerShdw blurRad="63500" dist="38099" dir="2700000" algn="ctr" rotWithShape="0">
                     <a:schemeClr val="bg2">
@@ -43336,7 +43803,7 @@
               </a14:hiddenEffects>
             </a:ext>
             <a:ext uri="{FAA26D3D-D897-4be2-8F04-BA451C77F1D7}">
-              <ma14:placeholderFlag xmlns="" xmlns:ma14="http://schemas.microsoft.com/office/mac/drawingml/2011/main" val="1"/>
+              <ma14:placeholderFlag xmlns:ma14="http://schemas.microsoft.com/office/mac/drawingml/2011/main" xmlns="" val="1"/>
             </a:ext>
           </a:extLst>
         </p:spPr>
@@ -43512,7 +43979,7 @@
         </p:nvSpPr>
         <p:spPr bwMode="auto">
           <a:xfrm>
-            <a:off x="1979689" y="5477475"/>
+            <a:off x="1979689" y="6030636"/>
             <a:ext cx="7568696" cy="411444"/>
           </a:xfrm>
           <a:prstGeom prst="rect">
@@ -43525,14 +43992,14 @@
           <a:effectLst/>
           <a:extLst>
             <a:ext uri="{909E8E84-426E-40dd-AFC4-6F175D3DCCD1}">
-              <a14:hiddenFill xmlns="" xmlns:a14="http://schemas.microsoft.com/office/drawing/2010/main">
+              <a14:hiddenFill xmlns:a14="http://schemas.microsoft.com/office/drawing/2010/main" xmlns="">
                 <a:solidFill>
                   <a:schemeClr val="accent1"/>
                 </a:solidFill>
               </a14:hiddenFill>
             </a:ext>
             <a:ext uri="{91240B29-F687-4f45-9708-019B960494DF}">
-              <a14:hiddenLine xmlns="" xmlns:a14="http://schemas.microsoft.com/office/drawing/2010/main" w="9525">
+              <a14:hiddenLine xmlns:a14="http://schemas.microsoft.com/office/drawing/2010/main" xmlns="" w="9525">
                 <a:solidFill>
                   <a:schemeClr val="tx1"/>
                 </a:solidFill>
@@ -43542,7 +44009,7 @@
               </a14:hiddenLine>
             </a:ext>
             <a:ext uri="{AF507438-7753-43e0-B8FC-AC1667EBCBE1}">
-              <a14:hiddenEffects xmlns="" xmlns:a14="http://schemas.microsoft.com/office/drawing/2010/main">
+              <a14:hiddenEffects xmlns:a14="http://schemas.microsoft.com/office/drawing/2010/main" xmlns="">
                 <a:effectLst>
                   <a:outerShdw blurRad="63500" dist="38099" dir="2700000" algn="ctr" rotWithShape="0">
                     <a:schemeClr val="bg2">
@@ -43553,7 +44020,7 @@
               </a14:hiddenEffects>
             </a:ext>
             <a:ext uri="{FAA26D3D-D897-4be2-8F04-BA451C77F1D7}">
-              <ma14:placeholderFlag xmlns="" xmlns:ma14="http://schemas.microsoft.com/office/mac/drawingml/2011/main" val="1"/>
+              <ma14:placeholderFlag xmlns:ma14="http://schemas.microsoft.com/office/mac/drawingml/2011/main" xmlns="" val="1"/>
             </a:ext>
           </a:extLst>
         </p:spPr>
@@ -43776,14 +44243,14 @@
           <a:effectLst/>
           <a:extLst>
             <a:ext uri="{909E8E84-426E-40dd-AFC4-6F175D3DCCD1}">
-              <a14:hiddenFill xmlns="" xmlns:a14="http://schemas.microsoft.com/office/drawing/2010/main">
+              <a14:hiddenFill xmlns:a14="http://schemas.microsoft.com/office/drawing/2010/main" xmlns="">
                 <a:solidFill>
                   <a:schemeClr val="accent1"/>
                 </a:solidFill>
               </a14:hiddenFill>
             </a:ext>
             <a:ext uri="{91240B29-F687-4f45-9708-019B960494DF}">
-              <a14:hiddenLine xmlns="" xmlns:a14="http://schemas.microsoft.com/office/drawing/2010/main" w="9525">
+              <a14:hiddenLine xmlns:a14="http://schemas.microsoft.com/office/drawing/2010/main" xmlns="" w="9525">
                 <a:solidFill>
                   <a:schemeClr val="tx1"/>
                 </a:solidFill>
@@ -43793,7 +44260,7 @@
               </a14:hiddenLine>
             </a:ext>
             <a:ext uri="{AF507438-7753-43e0-B8FC-AC1667EBCBE1}">
-              <a14:hiddenEffects xmlns="" xmlns:a14="http://schemas.microsoft.com/office/drawing/2010/main">
+              <a14:hiddenEffects xmlns:a14="http://schemas.microsoft.com/office/drawing/2010/main" xmlns="">
                 <a:effectLst>
                   <a:outerShdw blurRad="63500" dist="38099" dir="2700000" algn="ctr" rotWithShape="0">
                     <a:schemeClr val="bg2">
@@ -43804,7 +44271,7 @@
               </a14:hiddenEffects>
             </a:ext>
             <a:ext uri="{FAA26D3D-D897-4be2-8F04-BA451C77F1D7}">
-              <ma14:placeholderFlag xmlns="" xmlns:ma14="http://schemas.microsoft.com/office/mac/drawingml/2011/main" val="1"/>
+              <ma14:placeholderFlag xmlns:ma14="http://schemas.microsoft.com/office/mac/drawingml/2011/main" xmlns="" val="1"/>
             </a:ext>
           </a:extLst>
         </p:spPr>
@@ -44017,8 +44484,67 @@
           <a:p>
             <a:fld id="{E4F9C820-4759-47F0-AB22-A5CE1F5A5EF6}" type="datetime1">
               <a:rPr lang="en-US" smtClean="0"/>
-              <a:t>11/22/2017</a:t>
+              <a:t>12/5/2017</a:t>
             </a:fld>
+            <a:endParaRPr lang="en-US" dirty="0"/>
+          </a:p>
+        </p:txBody>
+      </p:sp>
+      <p:sp>
+        <p:nvSpPr>
+          <p:cNvPr id="13" name="Title 1">
+            <a:extLst>
+              <a:ext uri="{FF2B5EF4-FFF2-40B4-BE49-F238E27FC236}">
+                <a16:creationId xmlns:a16="http://schemas.microsoft.com/office/drawing/2014/main" id="{182FF8A9-BD55-4D6B-9E7D-8A597ACE0F19}"/>
+              </a:ext>
+            </a:extLst>
+          </p:cNvPr>
+          <p:cNvSpPr txBox="1">
+            <a:spLocks/>
+          </p:cNvSpPr>
+          <p:nvPr/>
+        </p:nvSpPr>
+        <p:spPr>
+          <a:xfrm>
+            <a:off x="609599" y="1890717"/>
+            <a:ext cx="6502401" cy="619167"/>
+          </a:xfrm>
+          <a:prstGeom prst="rect">
+            <a:avLst/>
+          </a:prstGeom>
+        </p:spPr>
+        <p:txBody>
+          <a:bodyPr vert="horz" lIns="91440" tIns="45720" rIns="91440" bIns="45720" rtlCol="0" anchor="ctr">
+            <a:normAutofit fontScale="82500" lnSpcReduction="10000"/>
+          </a:bodyPr>
+          <a:lstStyle>
+            <a:lvl1pPr algn="l" defTabSz="914400" rtl="0" eaLnBrk="1" latinLnBrk="0" hangingPunct="1">
+              <a:lnSpc>
+                <a:spcPct val="90000"/>
+              </a:lnSpc>
+              <a:spcBef>
+                <a:spcPct val="0"/>
+              </a:spcBef>
+              <a:buNone/>
+              <a:defRPr sz="4400" kern="1200">
+                <a:solidFill>
+                  <a:schemeClr val="tx1"/>
+                </a:solidFill>
+                <a:latin typeface="+mj-lt"/>
+                <a:ea typeface="+mj-ea"/>
+                <a:cs typeface="+mj-cs"/>
+              </a:defRPr>
+            </a:lvl1pPr>
+          </a:lstStyle>
+          <a:p>
+            <a:r>
+              <a:rPr lang="en-US" dirty="0"/>
+              <a:t>Credit: many ideas from </a:t>
+            </a:r>
+            <a:r>
+              <a:rPr lang="en-US" dirty="0" err="1"/>
+              <a:t>uimaFIT</a:t>
+            </a:r>
             <a:endParaRPr lang="en-US" dirty="0"/>
           </a:p>
         </p:txBody>
@@ -44387,6 +44913,33 @@
                                   </p:childTnLst>
                                 </p:cTn>
                               </p:par>
+                              <p:par>
+                                <p:cTn id="31" presetID="1" presetClass="entr" presetSubtype="0" fill="hold" grpId="0" nodeType="withEffect">
+                                  <p:stCondLst>
+                                    <p:cond delay="0"/>
+                                  </p:stCondLst>
+                                  <p:childTnLst>
+                                    <p:set>
+                                      <p:cBhvr>
+                                        <p:cTn id="32" dur="1" fill="hold">
+                                          <p:stCondLst>
+                                            <p:cond delay="0"/>
+                                          </p:stCondLst>
+                                        </p:cTn>
+                                        <p:tgtEl>
+                                          <p:spTgt spid="13"/>
+                                        </p:tgtEl>
+                                        <p:attrNameLst>
+                                          <p:attrName>style.visibility</p:attrName>
+                                        </p:attrNameLst>
+                                      </p:cBhvr>
+                                      <p:to>
+                                        <p:strVal val="visible"/>
+                                      </p:to>
+                                    </p:set>
+                                  </p:childTnLst>
+                                </p:cTn>
+                              </p:par>
                             </p:childTnLst>
                           </p:cTn>
                         </p:par>
@@ -44421,6 +44974,7 @@
       <p:bldP spid="8" grpId="0"/>
       <p:bldP spid="9" grpId="0"/>
       <p:bldP spid="10" grpId="0"/>
+      <p:bldP spid="13" grpId="0"/>
     </p:bldLst>
   </p:timing>
 </p:sld>
@@ -44492,7 +45046,7 @@
         <p:spPr>
           <a:xfrm>
             <a:off x="609600" y="4307995"/>
-            <a:ext cx="11100584" cy="1957351"/>
+            <a:ext cx="11785600" cy="1957351"/>
           </a:xfrm>
         </p:spPr>
         <p:txBody>
@@ -44582,7 +45136,7 @@
                 <a:latin typeface="Courier New" panose="02070309020205020404" pitchFamily="49" charset="0"/>
                 <a:cs typeface="Courier New" panose="02070309020205020404" pitchFamily="49" charset="0"/>
               </a:rPr>
-              <a:t>)  // stream</a:t>
+              <a:t>)  // already is a stream</a:t>
             </a:r>
             <a:br>
               <a:rPr lang="en-US" dirty="0">
@@ -44688,7 +45242,7 @@
               <a:pPr/>
               <a:t>9</a:t>
             </a:fld>
-            <a:endParaRPr lang="en-US" altLang="en-US"/>
+            <a:endParaRPr lang="en-US" altLang="en-US" dirty="0"/>
           </a:p>
         </p:txBody>
       </p:sp>
@@ -44730,10 +45284,10 @@
         </p:nvGrpSpPr>
         <p:grpSpPr>
           <a:xfrm>
-            <a:off x="7819485" y="4828046"/>
-            <a:ext cx="4372515" cy="584775"/>
+            <a:off x="6400801" y="4840238"/>
+            <a:ext cx="5705856" cy="584775"/>
             <a:chOff x="6462143" y="3509263"/>
-            <a:chExt cx="3279386" cy="438581"/>
+            <a:chExt cx="3337559" cy="438581"/>
           </a:xfrm>
         </p:grpSpPr>
         <p:sp>
@@ -44750,8 +45304,8 @@
           </p:nvSpPr>
           <p:spPr>
             <a:xfrm>
-              <a:off x="7187358" y="3509263"/>
-              <a:ext cx="2554171" cy="438581"/>
+              <a:off x="7187357" y="3509263"/>
+              <a:ext cx="2612345" cy="438581"/>
             </a:xfrm>
             <a:prstGeom prst="rect">
               <a:avLst/>
@@ -44781,24 +45335,8 @@
                     </a:outerShdw>
                   </a:effectLst>
                 </a:rPr>
-                <a:t>Fast (Unsorted)</a:t>
+                <a:t>Fast Iterators (Unsorted)</a:t>
               </a:r>
-              <a:endParaRPr lang="en-US" sz="2400" b="1" dirty="0">
-                <a:ln w="6600">
-                  <a:solidFill>
-                    <a:schemeClr val="accent2"/>
-                  </a:solidFill>
-                  <a:prstDash val="solid"/>
-                </a:ln>
-                <a:solidFill>
-                  <a:srgbClr val="FFFFFF"/>
-                </a:solidFill>
-                <a:effectLst>
-                  <a:outerShdw dist="38100" dir="2700000" algn="tl" rotWithShape="0">
-                    <a:schemeClr val="accent2"/>
-                  </a:outerShdw>
-                </a:effectLst>
-              </a:endParaRPr>
             </a:p>
           </p:txBody>
         </p:sp>
@@ -45013,7 +45551,7 @@
           <a:p>
             <a:fld id="{577B252E-48AB-4A61-9922-816B9A78CAB9}" type="datetime1">
               <a:rPr lang="en-US" smtClean="0"/>
-              <a:t>11/22/2017</a:t>
+              <a:t>12/5/2017</a:t>
             </a:fld>
             <a:endParaRPr lang="en-US" dirty="0"/>
           </a:p>

--- a/docs/downloads/uv3/UIMA_V3_Programmers_Solutions.pptx
+++ b/docs/downloads/uv3/UIMA_V3_Programmers_Solutions.pptx
@@ -9663,7 +9663,7 @@
         </p:nvSpPr>
         <p:spPr>
           <a:xfrm>
-            <a:off x="619113" y="970201"/>
+            <a:off x="619113" y="740860"/>
             <a:ext cx="10972800" cy="427039"/>
           </a:xfrm>
         </p:spPr>
@@ -9675,7 +9675,14 @@
           <a:p>
             <a:r>
               <a:rPr lang="en-US" sz="3600" dirty="0"/>
-              <a:t>Special kinds of select: getting FSs at a particular spot</a:t>
+              <a:t>Special kinds of select: </a:t>
+            </a:r>
+            <a:br>
+              <a:rPr lang="en-US" sz="3600" dirty="0"/>
+            </a:br>
+            <a:r>
+              <a:rPr lang="en-US" sz="3600" dirty="0"/>
+              <a:t>getting FSs within bounds of another</a:t>
             </a:r>
           </a:p>
         </p:txBody>
@@ -23282,14 +23289,14 @@
           <a:effectLst/>
           <a:extLst>
             <a:ext uri="{909E8E84-426E-40dd-AFC4-6F175D3DCCD1}">
-              <a14:hiddenFill xmlns:a14="http://schemas.microsoft.com/office/drawing/2010/main" xmlns="">
+              <a14:hiddenFill xmlns="" xmlns:a14="http://schemas.microsoft.com/office/drawing/2010/main">
                 <a:solidFill>
                   <a:schemeClr val="accent1"/>
                 </a:solidFill>
               </a14:hiddenFill>
             </a:ext>
             <a:ext uri="{91240B29-F687-4f45-9708-019B960494DF}">
-              <a14:hiddenLine xmlns:a14="http://schemas.microsoft.com/office/drawing/2010/main" xmlns="" w="9525">
+              <a14:hiddenLine xmlns="" xmlns:a14="http://schemas.microsoft.com/office/drawing/2010/main" w="9525">
                 <a:solidFill>
                   <a:schemeClr val="tx1"/>
                 </a:solidFill>
@@ -23299,7 +23306,7 @@
               </a14:hiddenLine>
             </a:ext>
             <a:ext uri="{AF507438-7753-43e0-B8FC-AC1667EBCBE1}">
-              <a14:hiddenEffects xmlns:a14="http://schemas.microsoft.com/office/drawing/2010/main" xmlns="">
+              <a14:hiddenEffects xmlns="" xmlns:a14="http://schemas.microsoft.com/office/drawing/2010/main">
                 <a:effectLst>
                   <a:outerShdw blurRad="63500" dist="38099" dir="2700000" algn="ctr" rotWithShape="0">
                     <a:schemeClr val="bg2">
@@ -23310,7 +23317,7 @@
               </a14:hiddenEffects>
             </a:ext>
             <a:ext uri="{FAA26D3D-D897-4be2-8F04-BA451C77F1D7}">
-              <ma14:placeholderFlag xmlns:ma14="http://schemas.microsoft.com/office/mac/drawingml/2011/main" xmlns="" val="1"/>
+              <ma14:placeholderFlag xmlns="" xmlns:ma14="http://schemas.microsoft.com/office/mac/drawingml/2011/main" val="1"/>
             </a:ext>
           </a:extLst>
         </p:spPr>
@@ -23499,14 +23506,14 @@
           <a:effectLst/>
           <a:extLst>
             <a:ext uri="{909E8E84-426E-40dd-AFC4-6F175D3DCCD1}">
-              <a14:hiddenFill xmlns:a14="http://schemas.microsoft.com/office/drawing/2010/main" xmlns="">
+              <a14:hiddenFill xmlns="" xmlns:a14="http://schemas.microsoft.com/office/drawing/2010/main">
                 <a:solidFill>
                   <a:schemeClr val="accent1"/>
                 </a:solidFill>
               </a14:hiddenFill>
             </a:ext>
             <a:ext uri="{91240B29-F687-4f45-9708-019B960494DF}">
-              <a14:hiddenLine xmlns:a14="http://schemas.microsoft.com/office/drawing/2010/main" xmlns="" w="9525">
+              <a14:hiddenLine xmlns="" xmlns:a14="http://schemas.microsoft.com/office/drawing/2010/main" w="9525">
                 <a:solidFill>
                   <a:schemeClr val="tx1"/>
                 </a:solidFill>
@@ -23516,7 +23523,7 @@
               </a14:hiddenLine>
             </a:ext>
             <a:ext uri="{AF507438-7753-43e0-B8FC-AC1667EBCBE1}">
-              <a14:hiddenEffects xmlns:a14="http://schemas.microsoft.com/office/drawing/2010/main" xmlns="">
+              <a14:hiddenEffects xmlns="" xmlns:a14="http://schemas.microsoft.com/office/drawing/2010/main">
                 <a:effectLst>
                   <a:outerShdw blurRad="63500" dist="38099" dir="2700000" algn="ctr" rotWithShape="0">
                     <a:schemeClr val="bg2">
@@ -23527,7 +23534,7 @@
               </a14:hiddenEffects>
             </a:ext>
             <a:ext uri="{FAA26D3D-D897-4be2-8F04-BA451C77F1D7}">
-              <ma14:placeholderFlag xmlns:ma14="http://schemas.microsoft.com/office/mac/drawingml/2011/main" xmlns="" val="1"/>
+              <ma14:placeholderFlag xmlns="" xmlns:ma14="http://schemas.microsoft.com/office/mac/drawingml/2011/main" val="1"/>
             </a:ext>
           </a:extLst>
         </p:spPr>
@@ -23743,14 +23750,14 @@
           <a:effectLst/>
           <a:extLst>
             <a:ext uri="{909E8E84-426E-40dd-AFC4-6F175D3DCCD1}">
-              <a14:hiddenFill xmlns:a14="http://schemas.microsoft.com/office/drawing/2010/main" xmlns="">
+              <a14:hiddenFill xmlns="" xmlns:a14="http://schemas.microsoft.com/office/drawing/2010/main">
                 <a:solidFill>
                   <a:schemeClr val="accent1"/>
                 </a:solidFill>
               </a14:hiddenFill>
             </a:ext>
             <a:ext uri="{91240B29-F687-4f45-9708-019B960494DF}">
-              <a14:hiddenLine xmlns:a14="http://schemas.microsoft.com/office/drawing/2010/main" xmlns="" w="9525">
+              <a14:hiddenLine xmlns="" xmlns:a14="http://schemas.microsoft.com/office/drawing/2010/main" w="9525">
                 <a:solidFill>
                   <a:schemeClr val="tx1"/>
                 </a:solidFill>
@@ -23760,7 +23767,7 @@
               </a14:hiddenLine>
             </a:ext>
             <a:ext uri="{AF507438-7753-43e0-B8FC-AC1667EBCBE1}">
-              <a14:hiddenEffects xmlns:a14="http://schemas.microsoft.com/office/drawing/2010/main" xmlns="">
+              <a14:hiddenEffects xmlns="" xmlns:a14="http://schemas.microsoft.com/office/drawing/2010/main">
                 <a:effectLst>
                   <a:outerShdw blurRad="63500" dist="38099" dir="2700000" algn="ctr" rotWithShape="0">
                     <a:schemeClr val="bg2">
@@ -23771,7 +23778,7 @@
               </a14:hiddenEffects>
             </a:ext>
             <a:ext uri="{FAA26D3D-D897-4be2-8F04-BA451C77F1D7}">
-              <ma14:placeholderFlag xmlns:ma14="http://schemas.microsoft.com/office/mac/drawingml/2011/main" xmlns="" val="1"/>
+              <ma14:placeholderFlag xmlns="" xmlns:ma14="http://schemas.microsoft.com/office/mac/drawingml/2011/main" val="1"/>
             </a:ext>
           </a:extLst>
         </p:spPr>
@@ -23960,14 +23967,14 @@
           <a:effectLst/>
           <a:extLst>
             <a:ext uri="{909E8E84-426E-40dd-AFC4-6F175D3DCCD1}">
-              <a14:hiddenFill xmlns:a14="http://schemas.microsoft.com/office/drawing/2010/main" xmlns="">
+              <a14:hiddenFill xmlns="" xmlns:a14="http://schemas.microsoft.com/office/drawing/2010/main">
                 <a:solidFill>
                   <a:schemeClr val="accent1"/>
                 </a:solidFill>
               </a14:hiddenFill>
             </a:ext>
             <a:ext uri="{91240B29-F687-4f45-9708-019B960494DF}">
-              <a14:hiddenLine xmlns:a14="http://schemas.microsoft.com/office/drawing/2010/main" xmlns="" w="9525">
+              <a14:hiddenLine xmlns="" xmlns:a14="http://schemas.microsoft.com/office/drawing/2010/main" w="9525">
                 <a:solidFill>
                   <a:schemeClr val="tx1"/>
                 </a:solidFill>
@@ -23977,7 +23984,7 @@
               </a14:hiddenLine>
             </a:ext>
             <a:ext uri="{AF507438-7753-43e0-B8FC-AC1667EBCBE1}">
-              <a14:hiddenEffects xmlns:a14="http://schemas.microsoft.com/office/drawing/2010/main" xmlns="">
+              <a14:hiddenEffects xmlns="" xmlns:a14="http://schemas.microsoft.com/office/drawing/2010/main">
                 <a:effectLst>
                   <a:outerShdw blurRad="63500" dist="38099" dir="2700000" algn="ctr" rotWithShape="0">
                     <a:schemeClr val="bg2">
@@ -23988,7 +23995,7 @@
               </a14:hiddenEffects>
             </a:ext>
             <a:ext uri="{FAA26D3D-D897-4be2-8F04-BA451C77F1D7}">
-              <ma14:placeholderFlag xmlns:ma14="http://schemas.microsoft.com/office/mac/drawingml/2011/main" xmlns="" val="1"/>
+              <ma14:placeholderFlag xmlns="" xmlns:ma14="http://schemas.microsoft.com/office/mac/drawingml/2011/main" val="1"/>
             </a:ext>
           </a:extLst>
         </p:spPr>
@@ -24204,14 +24211,14 @@
           <a:effectLst/>
           <a:extLst>
             <a:ext uri="{909E8E84-426E-40dd-AFC4-6F175D3DCCD1}">
-              <a14:hiddenFill xmlns:a14="http://schemas.microsoft.com/office/drawing/2010/main" xmlns="">
+              <a14:hiddenFill xmlns="" xmlns:a14="http://schemas.microsoft.com/office/drawing/2010/main">
                 <a:solidFill>
                   <a:schemeClr val="accent1"/>
                 </a:solidFill>
               </a14:hiddenFill>
             </a:ext>
             <a:ext uri="{91240B29-F687-4f45-9708-019B960494DF}">
-              <a14:hiddenLine xmlns:a14="http://schemas.microsoft.com/office/drawing/2010/main" xmlns="" w="9525">
+              <a14:hiddenLine xmlns="" xmlns:a14="http://schemas.microsoft.com/office/drawing/2010/main" w="9525">
                 <a:solidFill>
                   <a:schemeClr val="tx1"/>
                 </a:solidFill>
@@ -24221,7 +24228,7 @@
               </a14:hiddenLine>
             </a:ext>
             <a:ext uri="{AF507438-7753-43e0-B8FC-AC1667EBCBE1}">
-              <a14:hiddenEffects xmlns:a14="http://schemas.microsoft.com/office/drawing/2010/main" xmlns="">
+              <a14:hiddenEffects xmlns="" xmlns:a14="http://schemas.microsoft.com/office/drawing/2010/main">
                 <a:effectLst>
                   <a:outerShdw blurRad="63500" dist="38099" dir="2700000" algn="ctr" rotWithShape="0">
                     <a:schemeClr val="bg2">
@@ -24232,7 +24239,7 @@
               </a14:hiddenEffects>
             </a:ext>
             <a:ext uri="{FAA26D3D-D897-4be2-8F04-BA451C77F1D7}">
-              <ma14:placeholderFlag xmlns:ma14="http://schemas.microsoft.com/office/mac/drawingml/2011/main" xmlns="" val="1"/>
+              <ma14:placeholderFlag xmlns="" xmlns:ma14="http://schemas.microsoft.com/office/mac/drawingml/2011/main" val="1"/>
             </a:ext>
           </a:extLst>
         </p:spPr>
@@ -25044,14 +25051,14 @@
           <a:effectLst/>
           <a:extLst>
             <a:ext uri="{909E8E84-426E-40dd-AFC4-6F175D3DCCD1}">
-              <a14:hiddenFill xmlns:a14="http://schemas.microsoft.com/office/drawing/2010/main" xmlns="">
+              <a14:hiddenFill xmlns="" xmlns:a14="http://schemas.microsoft.com/office/drawing/2010/main">
                 <a:solidFill>
                   <a:schemeClr val="accent1"/>
                 </a:solidFill>
               </a14:hiddenFill>
             </a:ext>
             <a:ext uri="{91240B29-F687-4f45-9708-019B960494DF}">
-              <a14:hiddenLine xmlns:a14="http://schemas.microsoft.com/office/drawing/2010/main" xmlns="" w="9525">
+              <a14:hiddenLine xmlns="" xmlns:a14="http://schemas.microsoft.com/office/drawing/2010/main" w="9525">
                 <a:solidFill>
                   <a:schemeClr val="tx1"/>
                 </a:solidFill>
@@ -25061,7 +25068,7 @@
               </a14:hiddenLine>
             </a:ext>
             <a:ext uri="{AF507438-7753-43e0-B8FC-AC1667EBCBE1}">
-              <a14:hiddenEffects xmlns:a14="http://schemas.microsoft.com/office/drawing/2010/main" xmlns="">
+              <a14:hiddenEffects xmlns="" xmlns:a14="http://schemas.microsoft.com/office/drawing/2010/main">
                 <a:effectLst>
                   <a:outerShdw blurRad="63500" dist="38099" dir="2700000" algn="ctr" rotWithShape="0">
                     <a:schemeClr val="bg2">
@@ -25072,7 +25079,7 @@
               </a14:hiddenEffects>
             </a:ext>
             <a:ext uri="{FAA26D3D-D897-4be2-8F04-BA451C77F1D7}">
-              <ma14:placeholderFlag xmlns:ma14="http://schemas.microsoft.com/office/mac/drawingml/2011/main" xmlns="" val="1"/>
+              <ma14:placeholderFlag xmlns="" xmlns:ma14="http://schemas.microsoft.com/office/mac/drawingml/2011/main" val="1"/>
             </a:ext>
           </a:extLst>
         </p:spPr>
@@ -25261,14 +25268,14 @@
           <a:effectLst/>
           <a:extLst>
             <a:ext uri="{909E8E84-426E-40dd-AFC4-6F175D3DCCD1}">
-              <a14:hiddenFill xmlns:a14="http://schemas.microsoft.com/office/drawing/2010/main" xmlns="">
+              <a14:hiddenFill xmlns="" xmlns:a14="http://schemas.microsoft.com/office/drawing/2010/main">
                 <a:solidFill>
                   <a:schemeClr val="accent1"/>
                 </a:solidFill>
               </a14:hiddenFill>
             </a:ext>
             <a:ext uri="{91240B29-F687-4f45-9708-019B960494DF}">
-              <a14:hiddenLine xmlns:a14="http://schemas.microsoft.com/office/drawing/2010/main" xmlns="" w="9525">
+              <a14:hiddenLine xmlns="" xmlns:a14="http://schemas.microsoft.com/office/drawing/2010/main" w="9525">
                 <a:solidFill>
                   <a:schemeClr val="tx1"/>
                 </a:solidFill>
@@ -25278,7 +25285,7 @@
               </a14:hiddenLine>
             </a:ext>
             <a:ext uri="{AF507438-7753-43e0-B8FC-AC1667EBCBE1}">
-              <a14:hiddenEffects xmlns:a14="http://schemas.microsoft.com/office/drawing/2010/main" xmlns="">
+              <a14:hiddenEffects xmlns="" xmlns:a14="http://schemas.microsoft.com/office/drawing/2010/main">
                 <a:effectLst>
                   <a:outerShdw blurRad="63500" dist="38099" dir="2700000" algn="ctr" rotWithShape="0">
                     <a:schemeClr val="bg2">
@@ -25289,7 +25296,7 @@
               </a14:hiddenEffects>
             </a:ext>
             <a:ext uri="{FAA26D3D-D897-4be2-8F04-BA451C77F1D7}">
-              <ma14:placeholderFlag xmlns:ma14="http://schemas.microsoft.com/office/mac/drawingml/2011/main" xmlns="" val="1"/>
+              <ma14:placeholderFlag xmlns="" xmlns:ma14="http://schemas.microsoft.com/office/mac/drawingml/2011/main" val="1"/>
             </a:ext>
           </a:extLst>
         </p:spPr>
@@ -27814,14 +27821,7 @@
           <a:p>
             <a:r>
               <a:rPr lang="en-US" dirty="0"/>
-              <a:t>Problem: you want to have a feature which holds </a:t>
-            </a:r>
-            <a:br>
-              <a:rPr lang="en-US" dirty="0"/>
-            </a:br>
-            <a:r>
-              <a:rPr lang="en-US" dirty="0"/>
-              <a:t>a set of Feature Structures.</a:t>
+              <a:t>A feature which holds a set of Feature Structures.</a:t>
             </a:r>
           </a:p>
           <a:p>
@@ -27834,8 +27834,11 @@
           <a:p>
             <a:r>
               <a:rPr lang="en-US" dirty="0"/>
-              <a:t>Solution: use the new (semi)built-in type </a:t>
-            </a:r>
+              <a:t>Use the new (semi)built-in type </a:t>
+            </a:r>
+          </a:p>
+          <a:p>
+            <a:pPr lvl="1"/>
             <a:r>
               <a:rPr lang="en-US" dirty="0" err="1">
                 <a:highlight>
@@ -27845,6 +27848,26 @@
                 <a:cs typeface="Courier New" panose="02070309020205020404" pitchFamily="49" charset="0"/>
               </a:rPr>
               <a:t>FSHashSet</a:t>
+            </a:r>
+            <a:r>
+              <a:rPr lang="en-US" dirty="0">
+                <a:highlight>
+                  <a:srgbClr val="00FF00"/>
+                </a:highlight>
+                <a:latin typeface="Courier New" panose="02070309020205020404" pitchFamily="49" charset="0"/>
+                <a:cs typeface="Courier New" panose="02070309020205020404" pitchFamily="49" charset="0"/>
+              </a:rPr>
+              <a:t>, or </a:t>
+            </a:r>
+            <a:r>
+              <a:rPr lang="en-US" dirty="0" err="1">
+                <a:highlight>
+                  <a:srgbClr val="00FF00"/>
+                </a:highlight>
+                <a:latin typeface="Courier New" panose="02070309020205020404" pitchFamily="49" charset="0"/>
+                <a:cs typeface="Courier New" panose="02070309020205020404" pitchFamily="49" charset="0"/>
+              </a:rPr>
+              <a:t>FSLinkedHashSet</a:t>
             </a:r>
             <a:endParaRPr lang="en-US" dirty="0">
               <a:highlight>
@@ -28132,6 +28155,37 @@
                                           <p:spTgt spid="3">
                                             <p:txEl>
                                               <p:pRg st="5" end="5"/>
+                                            </p:txEl>
+                                          </p:spTgt>
+                                        </p:tgtEl>
+                                        <p:attrNameLst>
+                                          <p:attrName>style.visibility</p:attrName>
+                                        </p:attrNameLst>
+                                      </p:cBhvr>
+                                      <p:to>
+                                        <p:strVal val="visible"/>
+                                      </p:to>
+                                    </p:set>
+                                  </p:childTnLst>
+                                </p:cTn>
+                              </p:par>
+                              <p:par>
+                                <p:cTn id="15" presetID="1" presetClass="entr" presetSubtype="0" fill="hold" grpId="0" nodeType="withEffect">
+                                  <p:stCondLst>
+                                    <p:cond delay="0"/>
+                                  </p:stCondLst>
+                                  <p:childTnLst>
+                                    <p:set>
+                                      <p:cBhvr>
+                                        <p:cTn id="16" dur="1" fill="hold">
+                                          <p:stCondLst>
+                                            <p:cond delay="0"/>
+                                          </p:stCondLst>
+                                        </p:cTn>
+                                        <p:tgtEl>
+                                          <p:spTgt spid="3">
+                                            <p:txEl>
+                                              <p:pRg st="6" end="6"/>
                                             </p:txEl>
                                           </p:spTgt>
                                         </p:tgtEl>
@@ -33550,26 +33604,39 @@
                                   </p:childTnLst>
                                 </p:cTn>
                               </p:par>
-                            </p:childTnLst>
-                          </p:cTn>
-                        </p:par>
-                      </p:childTnLst>
-                    </p:cTn>
-                  </p:par>
-                  <p:par>
-                    <p:cTn id="13" fill="hold">
-                      <p:stCondLst>
-                        <p:cond delay="indefinite"/>
-                      </p:stCondLst>
-                      <p:childTnLst>
-                        <p:par>
-                          <p:cTn id="14" fill="hold">
-                            <p:stCondLst>
-                              <p:cond delay="0"/>
-                            </p:stCondLst>
-                            <p:childTnLst>
                               <p:par>
-                                <p:cTn id="15" presetID="1" presetClass="entr" presetSubtype="0" fill="hold" nodeType="clickEffect">
+                                <p:cTn id="13" presetID="1" presetClass="entr" presetSubtype="0" fill="hold" nodeType="withEffect">
+                                  <p:stCondLst>
+                                    <p:cond delay="0"/>
+                                  </p:stCondLst>
+                                  <p:childTnLst>
+                                    <p:set>
+                                      <p:cBhvr>
+                                        <p:cTn id="14" dur="1" fill="hold">
+                                          <p:stCondLst>
+                                            <p:cond delay="0"/>
+                                          </p:stCondLst>
+                                        </p:cTn>
+                                        <p:tgtEl>
+                                          <p:spTgt spid="3">
+                                            <p:txEl>
+                                              <p:pRg st="4" end="4"/>
+                                            </p:txEl>
+                                          </p:spTgt>
+                                        </p:tgtEl>
+                                        <p:attrNameLst>
+                                          <p:attrName>style.visibility</p:attrName>
+                                        </p:attrNameLst>
+                                      </p:cBhvr>
+                                      <p:to>
+                                        <p:strVal val="visible"/>
+                                      </p:to>
+                                    </p:set>
+                                  </p:childTnLst>
+                                </p:cTn>
+                              </p:par>
+                              <p:par>
+                                <p:cTn id="15" presetID="1" presetClass="entr" presetSubtype="0" fill="hold" nodeType="withEffect">
                                   <p:stCondLst>
                                     <p:cond delay="0"/>
                                   </p:stCondLst>
@@ -33584,7 +33651,7 @@
                                         <p:tgtEl>
                                           <p:spTgt spid="3">
                                             <p:txEl>
-                                              <p:pRg st="4" end="4"/>
+                                              <p:pRg st="5" end="5"/>
                                             </p:txEl>
                                           </p:spTgt>
                                         </p:tgtEl>
@@ -33615,7 +33682,7 @@
                                         <p:tgtEl>
                                           <p:spTgt spid="3">
                                             <p:txEl>
-                                              <p:pRg st="5" end="5"/>
+                                              <p:pRg st="6" end="6"/>
                                             </p:txEl>
                                           </p:spTgt>
                                         </p:tgtEl>
@@ -33646,37 +33713,6 @@
                                         <p:tgtEl>
                                           <p:spTgt spid="3">
                                             <p:txEl>
-                                              <p:pRg st="6" end="6"/>
-                                            </p:txEl>
-                                          </p:spTgt>
-                                        </p:tgtEl>
-                                        <p:attrNameLst>
-                                          <p:attrName>style.visibility</p:attrName>
-                                        </p:attrNameLst>
-                                      </p:cBhvr>
-                                      <p:to>
-                                        <p:strVal val="visible"/>
-                                      </p:to>
-                                    </p:set>
-                                  </p:childTnLst>
-                                </p:cTn>
-                              </p:par>
-                              <p:par>
-                                <p:cTn id="21" presetID="1" presetClass="entr" presetSubtype="0" fill="hold" nodeType="withEffect">
-                                  <p:stCondLst>
-                                    <p:cond delay="0"/>
-                                  </p:stCondLst>
-                                  <p:childTnLst>
-                                    <p:set>
-                                      <p:cBhvr>
-                                        <p:cTn id="22" dur="1" fill="hold">
-                                          <p:stCondLst>
-                                            <p:cond delay="0"/>
-                                          </p:stCondLst>
-                                        </p:cTn>
-                                        <p:tgtEl>
-                                          <p:spTgt spid="3">
-                                            <p:txEl>
                                               <p:pRg st="7" end="7"/>
                                             </p:txEl>
                                           </p:spTgt>
@@ -33699,26 +33735,26 @@
                     </p:cTn>
                   </p:par>
                   <p:par>
-                    <p:cTn id="23" fill="hold">
+                    <p:cTn id="21" fill="hold">
                       <p:stCondLst>
                         <p:cond delay="indefinite"/>
                       </p:stCondLst>
                       <p:childTnLst>
                         <p:par>
-                          <p:cTn id="24" fill="hold">
+                          <p:cTn id="22" fill="hold">
                             <p:stCondLst>
                               <p:cond delay="0"/>
                             </p:stCondLst>
                             <p:childTnLst>
                               <p:par>
-                                <p:cTn id="25" presetID="1" presetClass="entr" presetSubtype="0" fill="hold" nodeType="clickEffect">
+                                <p:cTn id="23" presetID="1" presetClass="entr" presetSubtype="0" fill="hold" nodeType="clickEffect">
                                   <p:stCondLst>
                                     <p:cond delay="0"/>
                                   </p:stCondLst>
                                   <p:childTnLst>
                                     <p:set>
                                       <p:cBhvr>
-                                        <p:cTn id="26" dur="1" fill="hold">
+                                        <p:cTn id="24" dur="1" fill="hold">
                                           <p:stCondLst>
                                             <p:cond delay="0"/>
                                           </p:stCondLst>
@@ -33742,14 +33778,14 @@
                                 </p:cTn>
                               </p:par>
                               <p:par>
-                                <p:cTn id="27" presetID="1" presetClass="entr" presetSubtype="0" fill="hold" nodeType="withEffect">
+                                <p:cTn id="25" presetID="1" presetClass="entr" presetSubtype="0" fill="hold" nodeType="withEffect">
                                   <p:stCondLst>
                                     <p:cond delay="0"/>
                                   </p:stCondLst>
                                   <p:childTnLst>
                                     <p:set>
                                       <p:cBhvr>
-                                        <p:cTn id="28" dur="1" fill="hold">
+                                        <p:cTn id="26" dur="1" fill="hold">
                                           <p:stCondLst>
                                             <p:cond delay="0"/>
                                           </p:stCondLst>
@@ -36497,14 +36533,14 @@
           </a:xfrm>
           <a:extLst>
             <a:ext uri="{909E8E84-426E-40dd-AFC4-6F175D3DCCD1}">
-              <a14:hiddenFill xmlns:a14="http://schemas.microsoft.com/office/drawing/2010/main" xmlns="">
+              <a14:hiddenFill xmlns="" xmlns:a14="http://schemas.microsoft.com/office/drawing/2010/main">
                 <a:solidFill>
                   <a:schemeClr val="accent1"/>
                 </a:solidFill>
               </a14:hiddenFill>
             </a:ext>
             <a:ext uri="{91240B29-F687-4f45-9708-019B960494DF}">
-              <a14:hiddenLine xmlns:a14="http://schemas.microsoft.com/office/drawing/2010/main" xmlns="" w="9525">
+              <a14:hiddenLine xmlns="" xmlns:a14="http://schemas.microsoft.com/office/drawing/2010/main" w="9525">
                 <a:solidFill>
                   <a:schemeClr val="tx1"/>
                 </a:solidFill>
@@ -36514,7 +36550,7 @@
               </a14:hiddenLine>
             </a:ext>
             <a:ext uri="{AF507438-7753-43e0-B8FC-AC1667EBCBE1}">
-              <a14:hiddenEffects xmlns:a14="http://schemas.microsoft.com/office/drawing/2010/main" xmlns="">
+              <a14:hiddenEffects xmlns="" xmlns:a14="http://schemas.microsoft.com/office/drawing/2010/main">
                 <a:effectLst>
                   <a:outerShdw blurRad="63500" dist="38099" dir="2700000" algn="ctr" rotWithShape="0">
                     <a:schemeClr val="bg2">
@@ -36525,7 +36561,7 @@
               </a14:hiddenEffects>
             </a:ext>
             <a:ext uri="{FAA26D3D-D897-4be2-8F04-BA451C77F1D7}">
-              <ma14:placeholderFlag xmlns:ma14="http://schemas.microsoft.com/office/mac/drawingml/2011/main" xmlns="" val="1"/>
+              <ma14:placeholderFlag xmlns="" xmlns:ma14="http://schemas.microsoft.com/office/mac/drawingml/2011/main" val="1"/>
             </a:ext>
           </a:extLst>
         </p:spPr>
@@ -36668,14 +36704,14 @@
         <p:spPr>
           <a:extLst>
             <a:ext uri="{909E8E84-426E-40dd-AFC4-6F175D3DCCD1}">
-              <a14:hiddenFill xmlns:a14="http://schemas.microsoft.com/office/drawing/2010/main" xmlns="">
+              <a14:hiddenFill xmlns="" xmlns:a14="http://schemas.microsoft.com/office/drawing/2010/main">
                 <a:solidFill>
                   <a:schemeClr val="accent1"/>
                 </a:solidFill>
               </a14:hiddenFill>
             </a:ext>
             <a:ext uri="{91240B29-F687-4f45-9708-019B960494DF}">
-              <a14:hiddenLine xmlns:a14="http://schemas.microsoft.com/office/drawing/2010/main" xmlns="" w="9525">
+              <a14:hiddenLine xmlns="" xmlns:a14="http://schemas.microsoft.com/office/drawing/2010/main" w="9525">
                 <a:solidFill>
                   <a:schemeClr val="tx1"/>
                 </a:solidFill>
@@ -36685,7 +36721,7 @@
               </a14:hiddenLine>
             </a:ext>
             <a:ext uri="{AF507438-7753-43e0-B8FC-AC1667EBCBE1}">
-              <a14:hiddenEffects xmlns:a14="http://schemas.microsoft.com/office/drawing/2010/main" xmlns="">
+              <a14:hiddenEffects xmlns="" xmlns:a14="http://schemas.microsoft.com/office/drawing/2010/main">
                 <a:effectLst>
                   <a:outerShdw blurRad="63500" dist="38099" dir="2700000" algn="ctr" rotWithShape="0">
                     <a:schemeClr val="bg2">
@@ -36696,7 +36732,7 @@
               </a14:hiddenEffects>
             </a:ext>
             <a:ext uri="{FAA26D3D-D897-4be2-8F04-BA451C77F1D7}">
-              <ma14:placeholderFlag xmlns:ma14="http://schemas.microsoft.com/office/mac/drawingml/2011/main" xmlns="" val="1"/>
+              <ma14:placeholderFlag xmlns="" xmlns:ma14="http://schemas.microsoft.com/office/mac/drawingml/2011/main" val="1"/>
             </a:ext>
           </a:extLst>
         </p:spPr>
@@ -37974,7 +38010,7 @@
               <a:rPr lang="en-US" dirty="0">
                 <a:cs typeface="Courier New" panose="02070309020205020404" pitchFamily="49" charset="0"/>
               </a:rPr>
-              <a:t>UIMA objects integrated into Java Idioms, with generic types supporting type inferencing</a:t>
+              <a:t>UIMA objects integrated into Java idioms, with generic types supporting type inferencing</a:t>
             </a:r>
             <a:endParaRPr lang="en-US" dirty="0">
               <a:latin typeface="Courier New" panose="02070309020205020404" pitchFamily="49" charset="0"/>
@@ -43321,14 +43357,14 @@
           <a:effectLst/>
           <a:extLst>
             <a:ext uri="{909E8E84-426E-40dd-AFC4-6F175D3DCCD1}">
-              <a14:hiddenFill xmlns:a14="http://schemas.microsoft.com/office/drawing/2010/main" xmlns="">
+              <a14:hiddenFill xmlns="" xmlns:a14="http://schemas.microsoft.com/office/drawing/2010/main">
                 <a:solidFill>
                   <a:schemeClr val="accent1"/>
                 </a:solidFill>
               </a14:hiddenFill>
             </a:ext>
             <a:ext uri="{91240B29-F687-4f45-9708-019B960494DF}">
-              <a14:hiddenLine xmlns:a14="http://schemas.microsoft.com/office/drawing/2010/main" xmlns="" w="9525">
+              <a14:hiddenLine xmlns="" xmlns:a14="http://schemas.microsoft.com/office/drawing/2010/main" w="9525">
                 <a:solidFill>
                   <a:schemeClr val="tx1"/>
                 </a:solidFill>
@@ -43338,7 +43374,7 @@
               </a14:hiddenLine>
             </a:ext>
             <a:ext uri="{AF507438-7753-43e0-B8FC-AC1667EBCBE1}">
-              <a14:hiddenEffects xmlns:a14="http://schemas.microsoft.com/office/drawing/2010/main" xmlns="">
+              <a14:hiddenEffects xmlns="" xmlns:a14="http://schemas.microsoft.com/office/drawing/2010/main">
                 <a:effectLst>
                   <a:outerShdw blurRad="63500" dist="38099" dir="2700000" algn="ctr" rotWithShape="0">
                     <a:schemeClr val="bg2">
@@ -43349,7 +43385,7 @@
               </a14:hiddenEffects>
             </a:ext>
             <a:ext uri="{FAA26D3D-D897-4be2-8F04-BA451C77F1D7}">
-              <ma14:placeholderFlag xmlns:ma14="http://schemas.microsoft.com/office/mac/drawingml/2011/main" xmlns="" val="1"/>
+              <ma14:placeholderFlag xmlns="" xmlns:ma14="http://schemas.microsoft.com/office/mac/drawingml/2011/main" val="1"/>
             </a:ext>
           </a:extLst>
         </p:spPr>
@@ -43538,14 +43574,14 @@
           <a:effectLst/>
           <a:extLst>
             <a:ext uri="{909E8E84-426E-40dd-AFC4-6F175D3DCCD1}">
-              <a14:hiddenFill xmlns:a14="http://schemas.microsoft.com/office/drawing/2010/main" xmlns="">
+              <a14:hiddenFill xmlns="" xmlns:a14="http://schemas.microsoft.com/office/drawing/2010/main">
                 <a:solidFill>
                   <a:schemeClr val="accent1"/>
                 </a:solidFill>
               </a14:hiddenFill>
             </a:ext>
             <a:ext uri="{91240B29-F687-4f45-9708-019B960494DF}">
-              <a14:hiddenLine xmlns:a14="http://schemas.microsoft.com/office/drawing/2010/main" xmlns="" w="9525">
+              <a14:hiddenLine xmlns="" xmlns:a14="http://schemas.microsoft.com/office/drawing/2010/main" w="9525">
                 <a:solidFill>
                   <a:schemeClr val="tx1"/>
                 </a:solidFill>
@@ -43555,7 +43591,7 @@
               </a14:hiddenLine>
             </a:ext>
             <a:ext uri="{AF507438-7753-43e0-B8FC-AC1667EBCBE1}">
-              <a14:hiddenEffects xmlns:a14="http://schemas.microsoft.com/office/drawing/2010/main" xmlns="">
+              <a14:hiddenEffects xmlns="" xmlns:a14="http://schemas.microsoft.com/office/drawing/2010/main">
                 <a:effectLst>
                   <a:outerShdw blurRad="63500" dist="38099" dir="2700000" algn="ctr" rotWithShape="0">
                     <a:schemeClr val="bg2">
@@ -43566,7 +43602,7 @@
               </a14:hiddenEffects>
             </a:ext>
             <a:ext uri="{FAA26D3D-D897-4be2-8F04-BA451C77F1D7}">
-              <ma14:placeholderFlag xmlns:ma14="http://schemas.microsoft.com/office/mac/drawingml/2011/main" xmlns="" val="1"/>
+              <ma14:placeholderFlag xmlns="" xmlns:ma14="http://schemas.microsoft.com/office/mac/drawingml/2011/main" val="1"/>
             </a:ext>
           </a:extLst>
         </p:spPr>
@@ -43775,14 +43811,14 @@
           <a:effectLst/>
           <a:extLst>
             <a:ext uri="{909E8E84-426E-40dd-AFC4-6F175D3DCCD1}">
-              <a14:hiddenFill xmlns:a14="http://schemas.microsoft.com/office/drawing/2010/main" xmlns="">
+              <a14:hiddenFill xmlns="" xmlns:a14="http://schemas.microsoft.com/office/drawing/2010/main">
                 <a:solidFill>
                   <a:schemeClr val="accent1"/>
                 </a:solidFill>
               </a14:hiddenFill>
             </a:ext>
             <a:ext uri="{91240B29-F687-4f45-9708-019B960494DF}">
-              <a14:hiddenLine xmlns:a14="http://schemas.microsoft.com/office/drawing/2010/main" xmlns="" w="9525">
+              <a14:hiddenLine xmlns="" xmlns:a14="http://schemas.microsoft.com/office/drawing/2010/main" w="9525">
                 <a:solidFill>
                   <a:schemeClr val="tx1"/>
                 </a:solidFill>
@@ -43792,7 +43828,7 @@
               </a14:hiddenLine>
             </a:ext>
             <a:ext uri="{AF507438-7753-43e0-B8FC-AC1667EBCBE1}">
-              <a14:hiddenEffects xmlns:a14="http://schemas.microsoft.com/office/drawing/2010/main" xmlns="">
+              <a14:hiddenEffects xmlns="" xmlns:a14="http://schemas.microsoft.com/office/drawing/2010/main">
                 <a:effectLst>
                   <a:outerShdw blurRad="63500" dist="38099" dir="2700000" algn="ctr" rotWithShape="0">
                     <a:schemeClr val="bg2">
@@ -43803,7 +43839,7 @@
               </a14:hiddenEffects>
             </a:ext>
             <a:ext uri="{FAA26D3D-D897-4be2-8F04-BA451C77F1D7}">
-              <ma14:placeholderFlag xmlns:ma14="http://schemas.microsoft.com/office/mac/drawingml/2011/main" xmlns="" val="1"/>
+              <ma14:placeholderFlag xmlns="" xmlns:ma14="http://schemas.microsoft.com/office/mac/drawingml/2011/main" val="1"/>
             </a:ext>
           </a:extLst>
         </p:spPr>
@@ -43992,14 +44028,14 @@
           <a:effectLst/>
           <a:extLst>
             <a:ext uri="{909E8E84-426E-40dd-AFC4-6F175D3DCCD1}">
-              <a14:hiddenFill xmlns:a14="http://schemas.microsoft.com/office/drawing/2010/main" xmlns="">
+              <a14:hiddenFill xmlns="" xmlns:a14="http://schemas.microsoft.com/office/drawing/2010/main">
                 <a:solidFill>
                   <a:schemeClr val="accent1"/>
                 </a:solidFill>
               </a14:hiddenFill>
             </a:ext>
             <a:ext uri="{91240B29-F687-4f45-9708-019B960494DF}">
-              <a14:hiddenLine xmlns:a14="http://schemas.microsoft.com/office/drawing/2010/main" xmlns="" w="9525">
+              <a14:hiddenLine xmlns="" xmlns:a14="http://schemas.microsoft.com/office/drawing/2010/main" w="9525">
                 <a:solidFill>
                   <a:schemeClr val="tx1"/>
                 </a:solidFill>
@@ -44009,7 +44045,7 @@
               </a14:hiddenLine>
             </a:ext>
             <a:ext uri="{AF507438-7753-43e0-B8FC-AC1667EBCBE1}">
-              <a14:hiddenEffects xmlns:a14="http://schemas.microsoft.com/office/drawing/2010/main" xmlns="">
+              <a14:hiddenEffects xmlns="" xmlns:a14="http://schemas.microsoft.com/office/drawing/2010/main">
                 <a:effectLst>
                   <a:outerShdw blurRad="63500" dist="38099" dir="2700000" algn="ctr" rotWithShape="0">
                     <a:schemeClr val="bg2">
@@ -44020,7 +44056,7 @@
               </a14:hiddenEffects>
             </a:ext>
             <a:ext uri="{FAA26D3D-D897-4be2-8F04-BA451C77F1D7}">
-              <ma14:placeholderFlag xmlns:ma14="http://schemas.microsoft.com/office/mac/drawingml/2011/main" xmlns="" val="1"/>
+              <ma14:placeholderFlag xmlns="" xmlns:ma14="http://schemas.microsoft.com/office/mac/drawingml/2011/main" val="1"/>
             </a:ext>
           </a:extLst>
         </p:spPr>
@@ -44243,14 +44279,14 @@
           <a:effectLst/>
           <a:extLst>
             <a:ext uri="{909E8E84-426E-40dd-AFC4-6F175D3DCCD1}">
-              <a14:hiddenFill xmlns:a14="http://schemas.microsoft.com/office/drawing/2010/main" xmlns="">
+              <a14:hiddenFill xmlns="" xmlns:a14="http://schemas.microsoft.com/office/drawing/2010/main">
                 <a:solidFill>
                   <a:schemeClr val="accent1"/>
                 </a:solidFill>
               </a14:hiddenFill>
             </a:ext>
             <a:ext uri="{91240B29-F687-4f45-9708-019B960494DF}">
-              <a14:hiddenLine xmlns:a14="http://schemas.microsoft.com/office/drawing/2010/main" xmlns="" w="9525">
+              <a14:hiddenLine xmlns="" xmlns:a14="http://schemas.microsoft.com/office/drawing/2010/main" w="9525">
                 <a:solidFill>
                   <a:schemeClr val="tx1"/>
                 </a:solidFill>
@@ -44260,7 +44296,7 @@
               </a14:hiddenLine>
             </a:ext>
             <a:ext uri="{AF507438-7753-43e0-B8FC-AC1667EBCBE1}">
-              <a14:hiddenEffects xmlns:a14="http://schemas.microsoft.com/office/drawing/2010/main" xmlns="">
+              <a14:hiddenEffects xmlns="" xmlns:a14="http://schemas.microsoft.com/office/drawing/2010/main">
                 <a:effectLst>
                   <a:outerShdw blurRad="63500" dist="38099" dir="2700000" algn="ctr" rotWithShape="0">
                     <a:schemeClr val="bg2">
@@ -44271,7 +44307,7 @@
               </a14:hiddenEffects>
             </a:ext>
             <a:ext uri="{FAA26D3D-D897-4be2-8F04-BA451C77F1D7}">
-              <ma14:placeholderFlag xmlns:ma14="http://schemas.microsoft.com/office/mac/drawingml/2011/main" xmlns="" val="1"/>
+              <ma14:placeholderFlag xmlns="" xmlns:ma14="http://schemas.microsoft.com/office/mac/drawingml/2011/main" val="1"/>
             </a:ext>
           </a:extLst>
         </p:spPr>

--- a/docs/downloads/uv3/UIMA_V3_Programmers_Solutions.pptx
+++ b/docs/downloads/uv3/UIMA_V3_Programmers_Solutions.pptx
@@ -5,10 +5,10 @@
     <p:sldMasterId id="2147483648" r:id="rId1"/>
   </p:sldMasterIdLst>
   <p:notesMasterIdLst>
-    <p:notesMasterId r:id="rId33"/>
+    <p:notesMasterId r:id="rId34"/>
   </p:notesMasterIdLst>
   <p:handoutMasterIdLst>
-    <p:handoutMasterId r:id="rId34"/>
+    <p:handoutMasterId r:id="rId35"/>
   </p:handoutMasterIdLst>
   <p:sldIdLst>
     <p:sldId id="256" r:id="rId2"/>
@@ -29,19 +29,20 @@
     <p:sldId id="271" r:id="rId17"/>
     <p:sldId id="272" r:id="rId18"/>
     <p:sldId id="273" r:id="rId19"/>
-    <p:sldId id="287" r:id="rId20"/>
-    <p:sldId id="286" r:id="rId21"/>
-    <p:sldId id="283" r:id="rId22"/>
-    <p:sldId id="284" r:id="rId23"/>
-    <p:sldId id="285" r:id="rId24"/>
-    <p:sldId id="275" r:id="rId25"/>
-    <p:sldId id="276" r:id="rId26"/>
-    <p:sldId id="277" r:id="rId27"/>
-    <p:sldId id="278" r:id="rId28"/>
-    <p:sldId id="282" r:id="rId29"/>
-    <p:sldId id="279" r:id="rId30"/>
-    <p:sldId id="280" r:id="rId31"/>
-    <p:sldId id="281" r:id="rId32"/>
+    <p:sldId id="288" r:id="rId20"/>
+    <p:sldId id="287" r:id="rId21"/>
+    <p:sldId id="286" r:id="rId22"/>
+    <p:sldId id="283" r:id="rId23"/>
+    <p:sldId id="284" r:id="rId24"/>
+    <p:sldId id="285" r:id="rId25"/>
+    <p:sldId id="275" r:id="rId26"/>
+    <p:sldId id="276" r:id="rId27"/>
+    <p:sldId id="277" r:id="rId28"/>
+    <p:sldId id="278" r:id="rId29"/>
+    <p:sldId id="282" r:id="rId30"/>
+    <p:sldId id="279" r:id="rId31"/>
+    <p:sldId id="280" r:id="rId32"/>
+    <p:sldId id="281" r:id="rId33"/>
   </p:sldIdLst>
   <p:sldSz cx="12192000" cy="6858000"/>
   <p:notesSz cx="6858000" cy="9144000"/>
@@ -5783,7 +5784,7 @@
           <a:p>
             <a:fld id="{D5AE7E42-DFA5-4747-B027-9C6590666EA2}" type="datetimeFigureOut">
               <a:rPr lang="en-US" smtClean="0"/>
-              <a:t>12/5/2017</a:t>
+              <a:t>1/11/2018</a:t>
             </a:fld>
             <a:endParaRPr lang="en-US"/>
           </a:p>
@@ -5960,7 +5961,7 @@
           <a:p>
             <a:fld id="{10AFCD9C-F499-4267-8C78-55E286A594BB}" type="datetimeFigureOut">
               <a:rPr lang="en-US" smtClean="0"/>
-              <a:t>12/5/2017</a:t>
+              <a:t>1/11/2018</a:t>
             </a:fld>
             <a:endParaRPr lang="en-US"/>
           </a:p>
@@ -6374,7 +6375,7 @@
           <a:p>
             <a:fld id="{5741791C-665E-4775-B64D-D30EF2B2B7B8}" type="datetime1">
               <a:rPr lang="en-US" smtClean="0"/>
-              <a:t>12/5/2017</a:t>
+              <a:t>1/11/2018</a:t>
             </a:fld>
             <a:endParaRPr lang="en-US"/>
           </a:p>
@@ -6585,7 +6586,7 @@
           <a:p>
             <a:fld id="{6E3AD883-BB4A-43E7-8B54-32F0D8E31A31}" type="datetime1">
               <a:rPr lang="en-US" smtClean="0"/>
-              <a:t>12/5/2017</a:t>
+              <a:t>1/11/2018</a:t>
             </a:fld>
             <a:endParaRPr lang="en-US"/>
           </a:p>
@@ -6915,7 +6916,7 @@
           <a:p>
             <a:fld id="{3A06DE66-39AE-4831-A32F-D50CD04A19D6}" type="datetime1">
               <a:rPr lang="en-US" smtClean="0"/>
-              <a:t>12/5/2017</a:t>
+              <a:t>1/11/2018</a:t>
             </a:fld>
             <a:endParaRPr lang="en-US" dirty="0"/>
           </a:p>
@@ -7059,7 +7060,7 @@
           <a:p>
             <a:fld id="{8FF3E4E4-9199-4F7E-8866-2F6B7F71A281}" type="datetime1">
               <a:rPr lang="en-US" smtClean="0"/>
-              <a:t>12/5/2017</a:t>
+              <a:t>1/11/2018</a:t>
             </a:fld>
             <a:endParaRPr lang="en-US"/>
           </a:p>
@@ -7364,7 +7365,7 @@
           <a:p>
             <a:fld id="{2B97D6C3-43B7-4F89-9E79-82A5A3605E61}" type="datetime1">
               <a:rPr lang="en-US" smtClean="0"/>
-              <a:t>12/5/2017</a:t>
+              <a:t>1/11/2018</a:t>
             </a:fld>
             <a:endParaRPr lang="en-US"/>
           </a:p>
@@ -7779,7 +7780,7 @@
           <a:p>
             <a:fld id="{FD0B8F11-1323-469B-AC60-FF2EF78823F9}" type="datetime1">
               <a:rPr lang="en-US" smtClean="0"/>
-              <a:t>12/5/2017</a:t>
+              <a:t>1/11/2018</a:t>
             </a:fld>
             <a:endParaRPr lang="en-US"/>
           </a:p>
@@ -7923,7 +7924,7 @@
           <a:p>
             <a:fld id="{54BBCB53-97AE-4393-A693-0DBD562BEFA5}" type="datetime1">
               <a:rPr lang="en-US" smtClean="0"/>
-              <a:t>12/5/2017</a:t>
+              <a:t>1/11/2018</a:t>
             </a:fld>
             <a:endParaRPr lang="en-US"/>
           </a:p>
@@ -8039,7 +8040,7 @@
           <a:p>
             <a:fld id="{B981CF97-F271-46FA-AFAD-B64D58C1A4A5}" type="datetime1">
               <a:rPr lang="en-US" smtClean="0"/>
-              <a:t>12/5/2017</a:t>
+              <a:t>1/11/2018</a:t>
             </a:fld>
             <a:endParaRPr lang="en-US"/>
           </a:p>
@@ -8353,7 +8354,7 @@
           <a:p>
             <a:fld id="{D54BAA09-AA03-4B31-9F17-60602C8A3204}" type="datetime1">
               <a:rPr lang="en-US" smtClean="0"/>
-              <a:t>12/5/2017</a:t>
+              <a:t>1/11/2018</a:t>
             </a:fld>
             <a:endParaRPr lang="en-US"/>
           </a:p>
@@ -8644,7 +8645,7 @@
           <a:p>
             <a:fld id="{2A77BDCF-5486-4FF1-98FC-611FE60EE5CF}" type="datetime1">
               <a:rPr lang="en-US" smtClean="0"/>
-              <a:t>12/5/2017</a:t>
+              <a:t>1/11/2018</a:t>
             </a:fld>
             <a:endParaRPr lang="en-US"/>
           </a:p>
@@ -8845,7 +8846,7 @@
           <a:p>
             <a:fld id="{EA12D9D7-0E70-4F82-B131-E2872E8691D4}" type="datetime1">
               <a:rPr lang="en-US" smtClean="0"/>
-              <a:t>12/5/2017</a:t>
+              <a:t>1/11/2018</a:t>
             </a:fld>
             <a:endParaRPr lang="en-US"/>
           </a:p>
@@ -9090,7 +9091,7 @@
           <a:p>
             <a:fld id="{5B34B120-4EAF-4826-8A44-643630AE28A7}" type="datetime1">
               <a:rPr lang="en-US" smtClean="0"/>
-              <a:t>12/5/2017</a:t>
+              <a:t>1/11/2018</a:t>
             </a:fld>
             <a:endParaRPr lang="en-US"/>
           </a:p>
@@ -14522,7 +14523,7 @@
           <a:p>
             <a:fld id="{AE869A3F-42FC-4A54-9A1C-B9B45A0435F5}" type="datetime1">
               <a:rPr lang="en-US" smtClean="0"/>
-              <a:t>12/5/2017</a:t>
+              <a:t>1/11/2018</a:t>
             </a:fld>
             <a:endParaRPr lang="en-US" dirty="0"/>
           </a:p>
@@ -18766,7 +18767,7 @@
           <a:p>
             <a:fld id="{74D1715A-5C75-404B-8400-C0508CBEB4BF}" type="datetime1">
               <a:rPr lang="en-US" smtClean="0"/>
-              <a:t>12/5/2017</a:t>
+              <a:t>1/11/2018</a:t>
             </a:fld>
             <a:endParaRPr lang="en-US" dirty="0"/>
           </a:p>
@@ -22877,7 +22878,7 @@
           <a:p>
             <a:fld id="{EEAB934A-3C39-4AEB-9556-80DFBB4A665D}" type="datetime1">
               <a:rPr lang="en-US" smtClean="0"/>
-              <a:t>12/5/2017</a:t>
+              <a:t>1/11/2018</a:t>
             </a:fld>
             <a:endParaRPr lang="en-US" dirty="0"/>
           </a:p>
@@ -23289,14 +23290,14 @@
           <a:effectLst/>
           <a:extLst>
             <a:ext uri="{909E8E84-426E-40dd-AFC4-6F175D3DCCD1}">
-              <a14:hiddenFill xmlns="" xmlns:a14="http://schemas.microsoft.com/office/drawing/2010/main">
+              <a14:hiddenFill xmlns:a14="http://schemas.microsoft.com/office/drawing/2010/main" xmlns="">
                 <a:solidFill>
                   <a:schemeClr val="accent1"/>
                 </a:solidFill>
               </a14:hiddenFill>
             </a:ext>
             <a:ext uri="{91240B29-F687-4f45-9708-019B960494DF}">
-              <a14:hiddenLine xmlns="" xmlns:a14="http://schemas.microsoft.com/office/drawing/2010/main" w="9525">
+              <a14:hiddenLine xmlns:a14="http://schemas.microsoft.com/office/drawing/2010/main" xmlns="" w="9525">
                 <a:solidFill>
                   <a:schemeClr val="tx1"/>
                 </a:solidFill>
@@ -23306,7 +23307,7 @@
               </a14:hiddenLine>
             </a:ext>
             <a:ext uri="{AF507438-7753-43e0-B8FC-AC1667EBCBE1}">
-              <a14:hiddenEffects xmlns="" xmlns:a14="http://schemas.microsoft.com/office/drawing/2010/main">
+              <a14:hiddenEffects xmlns:a14="http://schemas.microsoft.com/office/drawing/2010/main" xmlns="">
                 <a:effectLst>
                   <a:outerShdw blurRad="63500" dist="38099" dir="2700000" algn="ctr" rotWithShape="0">
                     <a:schemeClr val="bg2">
@@ -23317,7 +23318,7 @@
               </a14:hiddenEffects>
             </a:ext>
             <a:ext uri="{FAA26D3D-D897-4be2-8F04-BA451C77F1D7}">
-              <ma14:placeholderFlag xmlns="" xmlns:ma14="http://schemas.microsoft.com/office/mac/drawingml/2011/main" val="1"/>
+              <ma14:placeholderFlag xmlns:ma14="http://schemas.microsoft.com/office/mac/drawingml/2011/main" xmlns="" val="1"/>
             </a:ext>
           </a:extLst>
         </p:spPr>
@@ -23506,14 +23507,14 @@
           <a:effectLst/>
           <a:extLst>
             <a:ext uri="{909E8E84-426E-40dd-AFC4-6F175D3DCCD1}">
-              <a14:hiddenFill xmlns="" xmlns:a14="http://schemas.microsoft.com/office/drawing/2010/main">
+              <a14:hiddenFill xmlns:a14="http://schemas.microsoft.com/office/drawing/2010/main" xmlns="">
                 <a:solidFill>
                   <a:schemeClr val="accent1"/>
                 </a:solidFill>
               </a14:hiddenFill>
             </a:ext>
             <a:ext uri="{91240B29-F687-4f45-9708-019B960494DF}">
-              <a14:hiddenLine xmlns="" xmlns:a14="http://schemas.microsoft.com/office/drawing/2010/main" w="9525">
+              <a14:hiddenLine xmlns:a14="http://schemas.microsoft.com/office/drawing/2010/main" xmlns="" w="9525">
                 <a:solidFill>
                   <a:schemeClr val="tx1"/>
                 </a:solidFill>
@@ -23523,7 +23524,7 @@
               </a14:hiddenLine>
             </a:ext>
             <a:ext uri="{AF507438-7753-43e0-B8FC-AC1667EBCBE1}">
-              <a14:hiddenEffects xmlns="" xmlns:a14="http://schemas.microsoft.com/office/drawing/2010/main">
+              <a14:hiddenEffects xmlns:a14="http://schemas.microsoft.com/office/drawing/2010/main" xmlns="">
                 <a:effectLst>
                   <a:outerShdw blurRad="63500" dist="38099" dir="2700000" algn="ctr" rotWithShape="0">
                     <a:schemeClr val="bg2">
@@ -23534,7 +23535,7 @@
               </a14:hiddenEffects>
             </a:ext>
             <a:ext uri="{FAA26D3D-D897-4be2-8F04-BA451C77F1D7}">
-              <ma14:placeholderFlag xmlns="" xmlns:ma14="http://schemas.microsoft.com/office/mac/drawingml/2011/main" val="1"/>
+              <ma14:placeholderFlag xmlns:ma14="http://schemas.microsoft.com/office/mac/drawingml/2011/main" xmlns="" val="1"/>
             </a:ext>
           </a:extLst>
         </p:spPr>
@@ -23750,14 +23751,14 @@
           <a:effectLst/>
           <a:extLst>
             <a:ext uri="{909E8E84-426E-40dd-AFC4-6F175D3DCCD1}">
-              <a14:hiddenFill xmlns="" xmlns:a14="http://schemas.microsoft.com/office/drawing/2010/main">
+              <a14:hiddenFill xmlns:a14="http://schemas.microsoft.com/office/drawing/2010/main" xmlns="">
                 <a:solidFill>
                   <a:schemeClr val="accent1"/>
                 </a:solidFill>
               </a14:hiddenFill>
             </a:ext>
             <a:ext uri="{91240B29-F687-4f45-9708-019B960494DF}">
-              <a14:hiddenLine xmlns="" xmlns:a14="http://schemas.microsoft.com/office/drawing/2010/main" w="9525">
+              <a14:hiddenLine xmlns:a14="http://schemas.microsoft.com/office/drawing/2010/main" xmlns="" w="9525">
                 <a:solidFill>
                   <a:schemeClr val="tx1"/>
                 </a:solidFill>
@@ -23767,7 +23768,7 @@
               </a14:hiddenLine>
             </a:ext>
             <a:ext uri="{AF507438-7753-43e0-B8FC-AC1667EBCBE1}">
-              <a14:hiddenEffects xmlns="" xmlns:a14="http://schemas.microsoft.com/office/drawing/2010/main">
+              <a14:hiddenEffects xmlns:a14="http://schemas.microsoft.com/office/drawing/2010/main" xmlns="">
                 <a:effectLst>
                   <a:outerShdw blurRad="63500" dist="38099" dir="2700000" algn="ctr" rotWithShape="0">
                     <a:schemeClr val="bg2">
@@ -23778,7 +23779,7 @@
               </a14:hiddenEffects>
             </a:ext>
             <a:ext uri="{FAA26D3D-D897-4be2-8F04-BA451C77F1D7}">
-              <ma14:placeholderFlag xmlns="" xmlns:ma14="http://schemas.microsoft.com/office/mac/drawingml/2011/main" val="1"/>
+              <ma14:placeholderFlag xmlns:ma14="http://schemas.microsoft.com/office/mac/drawingml/2011/main" xmlns="" val="1"/>
             </a:ext>
           </a:extLst>
         </p:spPr>
@@ -23967,14 +23968,14 @@
           <a:effectLst/>
           <a:extLst>
             <a:ext uri="{909E8E84-426E-40dd-AFC4-6F175D3DCCD1}">
-              <a14:hiddenFill xmlns="" xmlns:a14="http://schemas.microsoft.com/office/drawing/2010/main">
+              <a14:hiddenFill xmlns:a14="http://schemas.microsoft.com/office/drawing/2010/main" xmlns="">
                 <a:solidFill>
                   <a:schemeClr val="accent1"/>
                 </a:solidFill>
               </a14:hiddenFill>
             </a:ext>
             <a:ext uri="{91240B29-F687-4f45-9708-019B960494DF}">
-              <a14:hiddenLine xmlns="" xmlns:a14="http://schemas.microsoft.com/office/drawing/2010/main" w="9525">
+              <a14:hiddenLine xmlns:a14="http://schemas.microsoft.com/office/drawing/2010/main" xmlns="" w="9525">
                 <a:solidFill>
                   <a:schemeClr val="tx1"/>
                 </a:solidFill>
@@ -23984,7 +23985,7 @@
               </a14:hiddenLine>
             </a:ext>
             <a:ext uri="{AF507438-7753-43e0-B8FC-AC1667EBCBE1}">
-              <a14:hiddenEffects xmlns="" xmlns:a14="http://schemas.microsoft.com/office/drawing/2010/main">
+              <a14:hiddenEffects xmlns:a14="http://schemas.microsoft.com/office/drawing/2010/main" xmlns="">
                 <a:effectLst>
                   <a:outerShdw blurRad="63500" dist="38099" dir="2700000" algn="ctr" rotWithShape="0">
                     <a:schemeClr val="bg2">
@@ -23995,7 +23996,7 @@
               </a14:hiddenEffects>
             </a:ext>
             <a:ext uri="{FAA26D3D-D897-4be2-8F04-BA451C77F1D7}">
-              <ma14:placeholderFlag xmlns="" xmlns:ma14="http://schemas.microsoft.com/office/mac/drawingml/2011/main" val="1"/>
+              <ma14:placeholderFlag xmlns:ma14="http://schemas.microsoft.com/office/mac/drawingml/2011/main" xmlns="" val="1"/>
             </a:ext>
           </a:extLst>
         </p:spPr>
@@ -24211,14 +24212,14 @@
           <a:effectLst/>
           <a:extLst>
             <a:ext uri="{909E8E84-426E-40dd-AFC4-6F175D3DCCD1}">
-              <a14:hiddenFill xmlns="" xmlns:a14="http://schemas.microsoft.com/office/drawing/2010/main">
+              <a14:hiddenFill xmlns:a14="http://schemas.microsoft.com/office/drawing/2010/main" xmlns="">
                 <a:solidFill>
                   <a:schemeClr val="accent1"/>
                 </a:solidFill>
               </a14:hiddenFill>
             </a:ext>
             <a:ext uri="{91240B29-F687-4f45-9708-019B960494DF}">
-              <a14:hiddenLine xmlns="" xmlns:a14="http://schemas.microsoft.com/office/drawing/2010/main" w="9525">
+              <a14:hiddenLine xmlns:a14="http://schemas.microsoft.com/office/drawing/2010/main" xmlns="" w="9525">
                 <a:solidFill>
                   <a:schemeClr val="tx1"/>
                 </a:solidFill>
@@ -24228,7 +24229,7 @@
               </a14:hiddenLine>
             </a:ext>
             <a:ext uri="{AF507438-7753-43e0-B8FC-AC1667EBCBE1}">
-              <a14:hiddenEffects xmlns="" xmlns:a14="http://schemas.microsoft.com/office/drawing/2010/main">
+              <a14:hiddenEffects xmlns:a14="http://schemas.microsoft.com/office/drawing/2010/main" xmlns="">
                 <a:effectLst>
                   <a:outerShdw blurRad="63500" dist="38099" dir="2700000" algn="ctr" rotWithShape="0">
                     <a:schemeClr val="bg2">
@@ -24239,7 +24240,7 @@
               </a14:hiddenEffects>
             </a:ext>
             <a:ext uri="{FAA26D3D-D897-4be2-8F04-BA451C77F1D7}">
-              <ma14:placeholderFlag xmlns="" xmlns:ma14="http://schemas.microsoft.com/office/mac/drawingml/2011/main" val="1"/>
+              <ma14:placeholderFlag xmlns:ma14="http://schemas.microsoft.com/office/mac/drawingml/2011/main" xmlns="" val="1"/>
             </a:ext>
           </a:extLst>
         </p:spPr>
@@ -24422,7 +24423,7 @@
           <a:p>
             <a:fld id="{7497A4EB-6CF3-412F-9AC4-4CCD5D991571}" type="datetime1">
               <a:rPr lang="en-US" smtClean="0"/>
-              <a:t>12/5/2017</a:t>
+              <a:t>1/11/2018</a:t>
             </a:fld>
             <a:endParaRPr lang="en-US" dirty="0"/>
           </a:p>
@@ -25051,14 +25052,14 @@
           <a:effectLst/>
           <a:extLst>
             <a:ext uri="{909E8E84-426E-40dd-AFC4-6F175D3DCCD1}">
-              <a14:hiddenFill xmlns="" xmlns:a14="http://schemas.microsoft.com/office/drawing/2010/main">
+              <a14:hiddenFill xmlns:a14="http://schemas.microsoft.com/office/drawing/2010/main" xmlns="">
                 <a:solidFill>
                   <a:schemeClr val="accent1"/>
                 </a:solidFill>
               </a14:hiddenFill>
             </a:ext>
             <a:ext uri="{91240B29-F687-4f45-9708-019B960494DF}">
-              <a14:hiddenLine xmlns="" xmlns:a14="http://schemas.microsoft.com/office/drawing/2010/main" w="9525">
+              <a14:hiddenLine xmlns:a14="http://schemas.microsoft.com/office/drawing/2010/main" xmlns="" w="9525">
                 <a:solidFill>
                   <a:schemeClr val="tx1"/>
                 </a:solidFill>
@@ -25068,7 +25069,7 @@
               </a14:hiddenLine>
             </a:ext>
             <a:ext uri="{AF507438-7753-43e0-B8FC-AC1667EBCBE1}">
-              <a14:hiddenEffects xmlns="" xmlns:a14="http://schemas.microsoft.com/office/drawing/2010/main">
+              <a14:hiddenEffects xmlns:a14="http://schemas.microsoft.com/office/drawing/2010/main" xmlns="">
                 <a:effectLst>
                   <a:outerShdw blurRad="63500" dist="38099" dir="2700000" algn="ctr" rotWithShape="0">
                     <a:schemeClr val="bg2">
@@ -25079,7 +25080,7 @@
               </a14:hiddenEffects>
             </a:ext>
             <a:ext uri="{FAA26D3D-D897-4be2-8F04-BA451C77F1D7}">
-              <ma14:placeholderFlag xmlns="" xmlns:ma14="http://schemas.microsoft.com/office/mac/drawingml/2011/main" val="1"/>
+              <ma14:placeholderFlag xmlns:ma14="http://schemas.microsoft.com/office/mac/drawingml/2011/main" xmlns="" val="1"/>
             </a:ext>
           </a:extLst>
         </p:spPr>
@@ -25268,14 +25269,14 @@
           <a:effectLst/>
           <a:extLst>
             <a:ext uri="{909E8E84-426E-40dd-AFC4-6F175D3DCCD1}">
-              <a14:hiddenFill xmlns="" xmlns:a14="http://schemas.microsoft.com/office/drawing/2010/main">
+              <a14:hiddenFill xmlns:a14="http://schemas.microsoft.com/office/drawing/2010/main" xmlns="">
                 <a:solidFill>
                   <a:schemeClr val="accent1"/>
                 </a:solidFill>
               </a14:hiddenFill>
             </a:ext>
             <a:ext uri="{91240B29-F687-4f45-9708-019B960494DF}">
-              <a14:hiddenLine xmlns="" xmlns:a14="http://schemas.microsoft.com/office/drawing/2010/main" w="9525">
+              <a14:hiddenLine xmlns:a14="http://schemas.microsoft.com/office/drawing/2010/main" xmlns="" w="9525">
                 <a:solidFill>
                   <a:schemeClr val="tx1"/>
                 </a:solidFill>
@@ -25285,7 +25286,7 @@
               </a14:hiddenLine>
             </a:ext>
             <a:ext uri="{AF507438-7753-43e0-B8FC-AC1667EBCBE1}">
-              <a14:hiddenEffects xmlns="" xmlns:a14="http://schemas.microsoft.com/office/drawing/2010/main">
+              <a14:hiddenEffects xmlns:a14="http://schemas.microsoft.com/office/drawing/2010/main" xmlns="">
                 <a:effectLst>
                   <a:outerShdw blurRad="63500" dist="38099" dir="2700000" algn="ctr" rotWithShape="0">
                     <a:schemeClr val="bg2">
@@ -25296,7 +25297,7 @@
               </a14:hiddenEffects>
             </a:ext>
             <a:ext uri="{FAA26D3D-D897-4be2-8F04-BA451C77F1D7}">
-              <ma14:placeholderFlag xmlns="" xmlns:ma14="http://schemas.microsoft.com/office/mac/drawingml/2011/main" val="1"/>
+              <ma14:placeholderFlag xmlns:ma14="http://schemas.microsoft.com/office/mac/drawingml/2011/main" xmlns="" val="1"/>
             </a:ext>
           </a:extLst>
         </p:spPr>
@@ -25616,7 +25617,7 @@
           <a:p>
             <a:fld id="{34AE2AF4-DE00-4367-8990-2704E34BEB0B}" type="datetime1">
               <a:rPr lang="en-US" smtClean="0"/>
-              <a:t>12/5/2017</a:t>
+              <a:t>1/11/2018</a:t>
             </a:fld>
             <a:endParaRPr lang="en-US" dirty="0"/>
           </a:p>
@@ -26254,7 +26255,7 @@
           <a:p>
             <a:fld id="{C8683FA4-76EC-43D7-82C4-CDA590961A60}" type="datetime1">
               <a:rPr lang="en-US" smtClean="0"/>
-              <a:t>12/5/2017</a:t>
+              <a:t>1/11/2018</a:t>
             </a:fld>
             <a:endParaRPr lang="en-US" dirty="0"/>
           </a:p>
@@ -26651,7 +26652,7 @@
         </p:spPr>
         <p:txBody>
           <a:bodyPr>
-            <a:normAutofit fontScale="85000" lnSpcReduction="20000"/>
+            <a:normAutofit fontScale="77500" lnSpcReduction="20000"/>
           </a:bodyPr>
           <a:lstStyle/>
           <a:p>
@@ -26760,6 +26761,15 @@
               <a:latin typeface="Courier New" panose="02070309020205020404" pitchFamily="49" charset="0"/>
               <a:cs typeface="Courier New" panose="02070309020205020404" pitchFamily="49" charset="0"/>
             </a:endParaRPr>
+          </a:p>
+          <a:p>
+            <a:r>
+              <a:rPr lang="en-US" sz="2400" dirty="0">
+                <a:latin typeface="Courier New" panose="02070309020205020404" pitchFamily="49" charset="0"/>
+                <a:cs typeface="Courier New" panose="02070309020205020404" pitchFamily="49" charset="0"/>
+              </a:rPr>
+              <a:t>Int2FS (map)</a:t>
+            </a:r>
           </a:p>
           <a:p>
             <a:endParaRPr lang="en-US" dirty="0">
@@ -26865,7 +26875,7 @@
           <a:p>
             <a:fld id="{84F50ABF-7C5C-42ED-A89C-CA1887BE685D}" type="datetime1">
               <a:rPr lang="en-US" smtClean="0"/>
-              <a:t>12/5/2017</a:t>
+              <a:t>1/11/2018</a:t>
             </a:fld>
             <a:endParaRPr lang="en-US" dirty="0"/>
           </a:p>
@@ -27129,7 +27139,56 @@
                                         <p:tgtEl>
                                           <p:spTgt spid="3">
                                             <p:txEl>
-                                              <p:pRg st="8" end="8"/>
+                                              <p:pRg st="7" end="7"/>
+                                            </p:txEl>
+                                          </p:spTgt>
+                                        </p:tgtEl>
+                                        <p:attrNameLst>
+                                          <p:attrName>style.visibility</p:attrName>
+                                        </p:attrNameLst>
+                                      </p:cBhvr>
+                                      <p:to>
+                                        <p:strVal val="visible"/>
+                                      </p:to>
+                                    </p:set>
+                                  </p:childTnLst>
+                                </p:cTn>
+                              </p:par>
+                            </p:childTnLst>
+                          </p:cTn>
+                        </p:par>
+                      </p:childTnLst>
+                    </p:cTn>
+                  </p:par>
+                  <p:par>
+                    <p:cTn id="19" fill="hold">
+                      <p:stCondLst>
+                        <p:cond delay="indefinite"/>
+                      </p:stCondLst>
+                      <p:childTnLst>
+                        <p:par>
+                          <p:cTn id="20" fill="hold">
+                            <p:stCondLst>
+                              <p:cond delay="0"/>
+                            </p:stCondLst>
+                            <p:childTnLst>
+                              <p:par>
+                                <p:cTn id="21" presetID="1" presetClass="entr" presetSubtype="0" fill="hold" grpId="0" nodeType="clickEffect">
+                                  <p:stCondLst>
+                                    <p:cond delay="0"/>
+                                  </p:stCondLst>
+                                  <p:childTnLst>
+                                    <p:set>
+                                      <p:cBhvr>
+                                        <p:cTn id="22" dur="1" fill="hold">
+                                          <p:stCondLst>
+                                            <p:cond delay="0"/>
+                                          </p:stCondLst>
+                                        </p:cTn>
+                                        <p:tgtEl>
+                                          <p:spTgt spid="3">
+                                            <p:txEl>
+                                              <p:pRg st="9" end="9"/>
                                             </p:txEl>
                                           </p:spTgt>
                                         </p:tgtEl>
@@ -27145,14 +27204,14 @@
                                 </p:cTn>
                               </p:par>
                               <p:par>
-                                <p:cTn id="19" presetID="10" presetClass="entr" presetSubtype="0" fill="hold" nodeType="withEffect">
+                                <p:cTn id="23" presetID="10" presetClass="entr" presetSubtype="0" fill="hold" nodeType="withEffect">
                                   <p:stCondLst>
                                     <p:cond delay="1000"/>
                                   </p:stCondLst>
                                   <p:childTnLst>
                                     <p:set>
                                       <p:cBhvr>
-                                        <p:cTn id="20" dur="1" fill="hold">
+                                        <p:cTn id="24" dur="1" fill="hold">
                                           <p:stCondLst>
                                             <p:cond delay="0"/>
                                           </p:stCondLst>
@@ -27170,7 +27229,7 @@
                                     </p:set>
                                     <p:animEffect transition="in" filter="fade">
                                       <p:cBhvr>
-                                        <p:cTn id="21" dur="2000"/>
+                                        <p:cTn id="25" dur="2000"/>
                                         <p:tgtEl>
                                           <p:spTgt spid="10"/>
                                         </p:tgtEl>
@@ -27464,7 +27523,7 @@
           <a:p>
             <a:fld id="{AA65D2A0-D0BA-4A22-B204-528C467850F9}" type="datetime1">
               <a:rPr lang="en-US" smtClean="0"/>
-              <a:t>12/5/2017</a:t>
+              <a:t>1/11/2018</a:t>
             </a:fld>
             <a:endParaRPr lang="en-US" dirty="0"/>
           </a:p>
@@ -27988,7 +28047,7 @@
           <a:p>
             <a:fld id="{C8A8D797-C261-480E-8837-067D26D5423E}" type="datetime1">
               <a:rPr lang="en-US" smtClean="0"/>
-              <a:t>12/5/2017</a:t>
+              <a:t>1/11/2018</a:t>
             </a:fld>
             <a:endParaRPr lang="en-US" dirty="0"/>
           </a:p>
@@ -28256,6 +28315,774 @@
           <p:cNvPr id="2" name="Title 1">
             <a:extLst>
               <a:ext uri="{FF2B5EF4-FFF2-40B4-BE49-F238E27FC236}">
+                <a16:creationId xmlns:a16="http://schemas.microsoft.com/office/drawing/2014/main" id="{42BF5FB3-92F2-488A-8538-307A81924066}"/>
+              </a:ext>
+            </a:extLst>
+          </p:cNvPr>
+          <p:cNvSpPr>
+            <a:spLocks noGrp="1"/>
+          </p:cNvSpPr>
+          <p:nvPr>
+            <p:ph type="title"/>
+          </p:nvPr>
+        </p:nvSpPr>
+        <p:spPr>
+          <a:xfrm>
+            <a:off x="609600" y="1022350"/>
+            <a:ext cx="11277600" cy="427039"/>
+          </a:xfrm>
+        </p:spPr>
+        <p:txBody>
+          <a:bodyPr>
+            <a:normAutofit fontScale="90000"/>
+          </a:bodyPr>
+          <a:lstStyle/>
+          <a:p>
+            <a:r>
+              <a:rPr lang="en-US" dirty="0"/>
+              <a:t>Mapping from </a:t>
+            </a:r>
+            <a:r>
+              <a:rPr lang="en-US" dirty="0" err="1"/>
+              <a:t>int</a:t>
+            </a:r>
+            <a:r>
+              <a:rPr lang="en-US" dirty="0"/>
+              <a:t>(s) to Feature Structures</a:t>
+            </a:r>
+          </a:p>
+        </p:txBody>
+      </p:sp>
+      <p:sp>
+        <p:nvSpPr>
+          <p:cNvPr id="3" name="Text Placeholder 2">
+            <a:extLst>
+              <a:ext uri="{FF2B5EF4-FFF2-40B4-BE49-F238E27FC236}">
+                <a16:creationId xmlns:a16="http://schemas.microsoft.com/office/drawing/2014/main" id="{2E74D317-20D7-4A2E-A48E-B64035C9A9A4}"/>
+              </a:ext>
+            </a:extLst>
+          </p:cNvPr>
+          <p:cNvSpPr>
+            <a:spLocks noGrp="1"/>
+          </p:cNvSpPr>
+          <p:nvPr>
+            <p:ph type="body" sz="half" idx="1"/>
+          </p:nvPr>
+        </p:nvSpPr>
+        <p:spPr>
+          <a:xfrm>
+            <a:off x="619114" y="1912201"/>
+            <a:ext cx="10760087" cy="4033208"/>
+          </a:xfrm>
+        </p:spPr>
+        <p:txBody>
+          <a:bodyPr/>
+          <a:lstStyle/>
+          <a:p>
+            <a:r>
+              <a:rPr lang="en-US" dirty="0"/>
+              <a:t>Some users like to keep a table of </a:t>
+            </a:r>
+            <a:r>
+              <a:rPr lang="en-US" dirty="0" err="1"/>
+              <a:t>ints</a:t>
+            </a:r>
+            <a:r>
+              <a:rPr lang="en-US" dirty="0"/>
+              <a:t>, and associate these to particular Feature Structure instances. </a:t>
+            </a:r>
+          </a:p>
+          <a:p>
+            <a:endParaRPr lang="en-US" dirty="0"/>
+          </a:p>
+          <a:p>
+            <a:r>
+              <a:rPr lang="en-US" dirty="0"/>
+              <a:t>Int2FS is a new (semi)built-in type supporting this</a:t>
+            </a:r>
+          </a:p>
+          <a:p>
+            <a:pPr lvl="1"/>
+            <a:r>
+              <a:rPr lang="en-US" dirty="0"/>
+              <a:t>Keys are </a:t>
+            </a:r>
+            <a:r>
+              <a:rPr lang="en-US" dirty="0" err="1"/>
+              <a:t>int</a:t>
+            </a:r>
+            <a:r>
+              <a:rPr lang="en-US" dirty="0"/>
+              <a:t>(s), Values are Feature Structures</a:t>
+            </a:r>
+          </a:p>
+          <a:p>
+            <a:pPr lvl="1"/>
+            <a:r>
+              <a:rPr lang="en-US" dirty="0"/>
+              <a:t>Works like a </a:t>
+            </a:r>
+            <a:r>
+              <a:rPr lang="en-US" dirty="0" err="1"/>
+              <a:t>HashMap</a:t>
+            </a:r>
+            <a:r>
+              <a:rPr lang="en-US" dirty="0"/>
+              <a:t> (except for </a:t>
+            </a:r>
+            <a:r>
+              <a:rPr lang="en-US" dirty="0" err="1"/>
+              <a:t>int</a:t>
+            </a:r>
+            <a:r>
+              <a:rPr lang="en-US" dirty="0"/>
+              <a:t> keys, not Integer keys)</a:t>
+            </a:r>
+          </a:p>
+          <a:p>
+            <a:pPr lvl="1"/>
+            <a:r>
+              <a:rPr lang="en-US" dirty="0"/>
+              <a:t>Includes “iterator()” returning an Iterator&lt;</a:t>
+            </a:r>
+            <a:r>
+              <a:rPr lang="en-US" dirty="0" err="1"/>
+              <a:t>IntEntry</a:t>
+            </a:r>
+            <a:r>
+              <a:rPr lang="en-US" dirty="0"/>
+              <a:t>&gt;</a:t>
+            </a:r>
+          </a:p>
+          <a:p>
+            <a:pPr lvl="2"/>
+            <a:r>
+              <a:rPr lang="en-US" dirty="0" err="1"/>
+              <a:t>IntEntry</a:t>
+            </a:r>
+            <a:r>
+              <a:rPr lang="en-US" dirty="0"/>
+              <a:t>&lt;T&gt; is like Entry, but the </a:t>
+            </a:r>
+            <a:r>
+              <a:rPr lang="en-US" dirty="0" err="1"/>
+              <a:t>getKey</a:t>
+            </a:r>
+            <a:r>
+              <a:rPr lang="en-US" dirty="0"/>
+              <a:t>() returns an int.</a:t>
+            </a:r>
+          </a:p>
+        </p:txBody>
+      </p:sp>
+      <p:sp>
+        <p:nvSpPr>
+          <p:cNvPr id="5" name="Footer Placeholder 4">
+            <a:extLst>
+              <a:ext uri="{FF2B5EF4-FFF2-40B4-BE49-F238E27FC236}">
+                <a16:creationId xmlns:a16="http://schemas.microsoft.com/office/drawing/2014/main" id="{AF836E74-D607-4675-A1C4-EE92692F7E3A}"/>
+              </a:ext>
+            </a:extLst>
+          </p:cNvPr>
+          <p:cNvSpPr>
+            <a:spLocks noGrp="1"/>
+          </p:cNvSpPr>
+          <p:nvPr>
+            <p:ph type="ftr" sz="quarter" idx="10"/>
+          </p:nvPr>
+        </p:nvSpPr>
+        <p:spPr>
+          <a:xfrm>
+            <a:off x="4038600" y="6356350"/>
+            <a:ext cx="4114800" cy="365125"/>
+          </a:xfrm>
+        </p:spPr>
+        <p:txBody>
+          <a:bodyPr/>
+          <a:lstStyle/>
+          <a:p>
+            <a:r>
+              <a:rPr lang="en-US" altLang="en-US"/>
+              <a:t>©Copyright Apache Software Foundation</a:t>
+            </a:r>
+            <a:endParaRPr lang="en-US" altLang="en-US" dirty="0"/>
+          </a:p>
+        </p:txBody>
+      </p:sp>
+      <p:sp>
+        <p:nvSpPr>
+          <p:cNvPr id="6" name="Slide Number Placeholder 5">
+            <a:extLst>
+              <a:ext uri="{FF2B5EF4-FFF2-40B4-BE49-F238E27FC236}">
+                <a16:creationId xmlns:a16="http://schemas.microsoft.com/office/drawing/2014/main" id="{CE469E92-CC53-4B0B-8A7F-270A268A8BD9}"/>
+              </a:ext>
+            </a:extLst>
+          </p:cNvPr>
+          <p:cNvSpPr>
+            <a:spLocks noGrp="1"/>
+          </p:cNvSpPr>
+          <p:nvPr>
+            <p:ph type="sldNum" sz="quarter" idx="11"/>
+          </p:nvPr>
+        </p:nvSpPr>
+        <p:spPr/>
+        <p:txBody>
+          <a:bodyPr/>
+          <a:lstStyle/>
+          <a:p>
+            <a:fld id="{27D3C2B7-BFCE-47F7-B76D-5DC27A3663B1}" type="slidenum">
+              <a:rPr lang="en-US" altLang="en-US" smtClean="0"/>
+              <a:pPr/>
+              <a:t>19</a:t>
+            </a:fld>
+            <a:endParaRPr lang="en-US" altLang="en-US"/>
+          </a:p>
+        </p:txBody>
+      </p:sp>
+      <p:sp>
+        <p:nvSpPr>
+          <p:cNvPr id="4" name="Date Placeholder 3">
+            <a:extLst>
+              <a:ext uri="{FF2B5EF4-FFF2-40B4-BE49-F238E27FC236}">
+                <a16:creationId xmlns:a16="http://schemas.microsoft.com/office/drawing/2014/main" id="{5F3B841E-2BAC-4F33-B74B-6D61196D6663}"/>
+              </a:ext>
+            </a:extLst>
+          </p:cNvPr>
+          <p:cNvSpPr>
+            <a:spLocks noGrp="1"/>
+          </p:cNvSpPr>
+          <p:nvPr>
+            <p:ph type="dt" sz="half" idx="12"/>
+          </p:nvPr>
+        </p:nvSpPr>
+        <p:spPr/>
+        <p:txBody>
+          <a:bodyPr/>
+          <a:lstStyle/>
+          <a:p>
+            <a:fld id="{C8A8D797-C261-480E-8837-067D26D5423E}" type="datetime1">
+              <a:rPr lang="en-US" smtClean="0"/>
+              <a:t>1/11/2018</a:t>
+            </a:fld>
+            <a:endParaRPr lang="en-US" dirty="0"/>
+          </a:p>
+        </p:txBody>
+      </p:sp>
+    </p:spTree>
+    <p:extLst>
+      <p:ext uri="{BB962C8B-B14F-4D97-AF65-F5344CB8AC3E}">
+        <p14:creationId xmlns:p14="http://schemas.microsoft.com/office/powerpoint/2010/main" val="214256921"/>
+      </p:ext>
+    </p:extLst>
+  </p:cSld>
+  <p:clrMapOvr>
+    <a:masterClrMapping/>
+  </p:clrMapOvr>
+  <p:timing>
+    <p:tnLst>
+      <p:par>
+        <p:cTn id="1" dur="indefinite" restart="never" nodeType="tmRoot">
+          <p:childTnLst>
+            <p:seq concurrent="1" nextAc="seek">
+              <p:cTn id="2" dur="indefinite" nodeType="mainSeq">
+                <p:childTnLst>
+                  <p:par>
+                    <p:cTn id="3" fill="hold">
+                      <p:stCondLst>
+                        <p:cond delay="indefinite"/>
+                        <p:cond evt="onBegin" delay="0">
+                          <p:tn val="2"/>
+                        </p:cond>
+                      </p:stCondLst>
+                      <p:childTnLst>
+                        <p:par>
+                          <p:cTn id="4" fill="hold">
+                            <p:stCondLst>
+                              <p:cond delay="0"/>
+                            </p:stCondLst>
+                            <p:childTnLst>
+                              <p:par>
+                                <p:cTn id="5" presetID="1" presetClass="entr" presetSubtype="0" fill="hold" grpId="0" nodeType="withEffect">
+                                  <p:stCondLst>
+                                    <p:cond delay="0"/>
+                                  </p:stCondLst>
+                                  <p:childTnLst>
+                                    <p:set>
+                                      <p:cBhvr>
+                                        <p:cTn id="6" dur="1" fill="hold">
+                                          <p:stCondLst>
+                                            <p:cond delay="0"/>
+                                          </p:stCondLst>
+                                        </p:cTn>
+                                        <p:tgtEl>
+                                          <p:spTgt spid="3">
+                                            <p:txEl>
+                                              <p:pRg st="0" end="0"/>
+                                            </p:txEl>
+                                          </p:spTgt>
+                                        </p:tgtEl>
+                                        <p:attrNameLst>
+                                          <p:attrName>style.visibility</p:attrName>
+                                        </p:attrNameLst>
+                                      </p:cBhvr>
+                                      <p:to>
+                                        <p:strVal val="visible"/>
+                                      </p:to>
+                                    </p:set>
+                                  </p:childTnLst>
+                                </p:cTn>
+                              </p:par>
+                            </p:childTnLst>
+                          </p:cTn>
+                        </p:par>
+                      </p:childTnLst>
+                    </p:cTn>
+                  </p:par>
+                  <p:par>
+                    <p:cTn id="7" fill="hold">
+                      <p:stCondLst>
+                        <p:cond delay="indefinite"/>
+                      </p:stCondLst>
+                      <p:childTnLst>
+                        <p:par>
+                          <p:cTn id="8" fill="hold">
+                            <p:stCondLst>
+                              <p:cond delay="0"/>
+                            </p:stCondLst>
+                            <p:childTnLst>
+                              <p:par>
+                                <p:cTn id="9" presetID="1" presetClass="entr" presetSubtype="0" fill="hold" grpId="0" nodeType="clickEffect">
+                                  <p:stCondLst>
+                                    <p:cond delay="0"/>
+                                  </p:stCondLst>
+                                  <p:childTnLst>
+                                    <p:set>
+                                      <p:cBhvr>
+                                        <p:cTn id="10" dur="1" fill="hold">
+                                          <p:stCondLst>
+                                            <p:cond delay="0"/>
+                                          </p:stCondLst>
+                                        </p:cTn>
+                                        <p:tgtEl>
+                                          <p:spTgt spid="3">
+                                            <p:txEl>
+                                              <p:pRg st="2" end="2"/>
+                                            </p:txEl>
+                                          </p:spTgt>
+                                        </p:tgtEl>
+                                        <p:attrNameLst>
+                                          <p:attrName>style.visibility</p:attrName>
+                                        </p:attrNameLst>
+                                      </p:cBhvr>
+                                      <p:to>
+                                        <p:strVal val="visible"/>
+                                      </p:to>
+                                    </p:set>
+                                  </p:childTnLst>
+                                </p:cTn>
+                              </p:par>
+                              <p:par>
+                                <p:cTn id="11" presetID="1" presetClass="entr" presetSubtype="0" fill="hold" grpId="0" nodeType="withEffect">
+                                  <p:stCondLst>
+                                    <p:cond delay="0"/>
+                                  </p:stCondLst>
+                                  <p:childTnLst>
+                                    <p:set>
+                                      <p:cBhvr>
+                                        <p:cTn id="12" dur="1" fill="hold">
+                                          <p:stCondLst>
+                                            <p:cond delay="0"/>
+                                          </p:stCondLst>
+                                        </p:cTn>
+                                        <p:tgtEl>
+                                          <p:spTgt spid="3">
+                                            <p:txEl>
+                                              <p:pRg st="3" end="3"/>
+                                            </p:txEl>
+                                          </p:spTgt>
+                                        </p:tgtEl>
+                                        <p:attrNameLst>
+                                          <p:attrName>style.visibility</p:attrName>
+                                        </p:attrNameLst>
+                                      </p:cBhvr>
+                                      <p:to>
+                                        <p:strVal val="visible"/>
+                                      </p:to>
+                                    </p:set>
+                                  </p:childTnLst>
+                                </p:cTn>
+                              </p:par>
+                              <p:par>
+                                <p:cTn id="13" presetID="1" presetClass="entr" presetSubtype="0" fill="hold" grpId="0" nodeType="withEffect">
+                                  <p:stCondLst>
+                                    <p:cond delay="0"/>
+                                  </p:stCondLst>
+                                  <p:childTnLst>
+                                    <p:set>
+                                      <p:cBhvr>
+                                        <p:cTn id="14" dur="1" fill="hold">
+                                          <p:stCondLst>
+                                            <p:cond delay="0"/>
+                                          </p:stCondLst>
+                                        </p:cTn>
+                                        <p:tgtEl>
+                                          <p:spTgt spid="3">
+                                            <p:txEl>
+                                              <p:pRg st="4" end="4"/>
+                                            </p:txEl>
+                                          </p:spTgt>
+                                        </p:tgtEl>
+                                        <p:attrNameLst>
+                                          <p:attrName>style.visibility</p:attrName>
+                                        </p:attrNameLst>
+                                      </p:cBhvr>
+                                      <p:to>
+                                        <p:strVal val="visible"/>
+                                      </p:to>
+                                    </p:set>
+                                  </p:childTnLst>
+                                </p:cTn>
+                              </p:par>
+                              <p:par>
+                                <p:cTn id="15" presetID="1" presetClass="entr" presetSubtype="0" fill="hold" grpId="0" nodeType="withEffect">
+                                  <p:stCondLst>
+                                    <p:cond delay="0"/>
+                                  </p:stCondLst>
+                                  <p:childTnLst>
+                                    <p:set>
+                                      <p:cBhvr>
+                                        <p:cTn id="16" dur="1" fill="hold">
+                                          <p:stCondLst>
+                                            <p:cond delay="0"/>
+                                          </p:stCondLst>
+                                        </p:cTn>
+                                        <p:tgtEl>
+                                          <p:spTgt spid="3">
+                                            <p:txEl>
+                                              <p:pRg st="5" end="5"/>
+                                            </p:txEl>
+                                          </p:spTgt>
+                                        </p:tgtEl>
+                                        <p:attrNameLst>
+                                          <p:attrName>style.visibility</p:attrName>
+                                        </p:attrNameLst>
+                                      </p:cBhvr>
+                                      <p:to>
+                                        <p:strVal val="visible"/>
+                                      </p:to>
+                                    </p:set>
+                                  </p:childTnLst>
+                                </p:cTn>
+                              </p:par>
+                              <p:par>
+                                <p:cTn id="17" presetID="1" presetClass="entr" presetSubtype="0" fill="hold" grpId="0" nodeType="withEffect">
+                                  <p:stCondLst>
+                                    <p:cond delay="0"/>
+                                  </p:stCondLst>
+                                  <p:childTnLst>
+                                    <p:set>
+                                      <p:cBhvr>
+                                        <p:cTn id="18" dur="1" fill="hold">
+                                          <p:stCondLst>
+                                            <p:cond delay="0"/>
+                                          </p:stCondLst>
+                                        </p:cTn>
+                                        <p:tgtEl>
+                                          <p:spTgt spid="3">
+                                            <p:txEl>
+                                              <p:pRg st="6" end="6"/>
+                                            </p:txEl>
+                                          </p:spTgt>
+                                        </p:tgtEl>
+                                        <p:attrNameLst>
+                                          <p:attrName>style.visibility</p:attrName>
+                                        </p:attrNameLst>
+                                      </p:cBhvr>
+                                      <p:to>
+                                        <p:strVal val="visible"/>
+                                      </p:to>
+                                    </p:set>
+                                  </p:childTnLst>
+                                </p:cTn>
+                              </p:par>
+                            </p:childTnLst>
+                          </p:cTn>
+                        </p:par>
+                      </p:childTnLst>
+                    </p:cTn>
+                  </p:par>
+                </p:childTnLst>
+              </p:cTn>
+              <p:prevCondLst>
+                <p:cond evt="onPrev" delay="0">
+                  <p:tgtEl>
+                    <p:sldTgt/>
+                  </p:tgtEl>
+                </p:cond>
+              </p:prevCondLst>
+              <p:nextCondLst>
+                <p:cond evt="onNext" delay="0">
+                  <p:tgtEl>
+                    <p:sldTgt/>
+                  </p:tgtEl>
+                </p:cond>
+              </p:nextCondLst>
+            </p:seq>
+          </p:childTnLst>
+        </p:cTn>
+      </p:par>
+    </p:tnLst>
+    <p:bldLst>
+      <p:bldP spid="3" grpId="0" uiExpand="1" build="p"/>
+    </p:bldLst>
+  </p:timing>
+</p:sld>
+</file>
+
+<file path=ppt/slides/slide2.xml><?xml version="1.0" encoding="utf-8"?>
+<p:sld xmlns:a="http://schemas.openxmlformats.org/drawingml/2006/main" xmlns:r="http://schemas.openxmlformats.org/officeDocument/2006/relationships" xmlns:p="http://schemas.openxmlformats.org/presentationml/2006/main">
+  <p:cSld>
+    <p:spTree>
+      <p:nvGrpSpPr>
+        <p:cNvPr id="1" name=""/>
+        <p:cNvGrpSpPr/>
+        <p:nvPr/>
+      </p:nvGrpSpPr>
+      <p:grpSpPr>
+        <a:xfrm>
+          <a:off x="0" y="0"/>
+          <a:ext cx="0" cy="0"/>
+          <a:chOff x="0" y="0"/>
+          <a:chExt cx="0" cy="0"/>
+        </a:xfrm>
+      </p:grpSpPr>
+      <p:sp>
+        <p:nvSpPr>
+          <p:cNvPr id="2" name="Title 1">
+            <a:extLst>
+              <a:ext uri="{FF2B5EF4-FFF2-40B4-BE49-F238E27FC236}">
+                <a16:creationId xmlns:a16="http://schemas.microsoft.com/office/drawing/2014/main" id="{3CF95CEF-6576-4625-8037-85A35B662186}"/>
+              </a:ext>
+            </a:extLst>
+          </p:cNvPr>
+          <p:cNvSpPr>
+            <a:spLocks noGrp="1"/>
+          </p:cNvSpPr>
+          <p:nvPr>
+            <p:ph type="title"/>
+          </p:nvPr>
+        </p:nvSpPr>
+        <p:spPr/>
+        <p:txBody>
+          <a:bodyPr/>
+          <a:lstStyle/>
+          <a:p>
+            <a:r>
+              <a:rPr lang="en-US" dirty="0"/>
+              <a:t>What does this cover?</a:t>
+            </a:r>
+          </a:p>
+        </p:txBody>
+      </p:sp>
+      <p:sp>
+        <p:nvSpPr>
+          <p:cNvPr id="3" name="Content Placeholder 2">
+            <a:extLst>
+              <a:ext uri="{FF2B5EF4-FFF2-40B4-BE49-F238E27FC236}">
+                <a16:creationId xmlns:a16="http://schemas.microsoft.com/office/drawing/2014/main" id="{058EB83A-AE67-4232-88B0-9C79E41705E3}"/>
+              </a:ext>
+            </a:extLst>
+          </p:cNvPr>
+          <p:cNvSpPr>
+            <a:spLocks noGrp="1"/>
+          </p:cNvSpPr>
+          <p:nvPr>
+            <p:ph idx="1"/>
+          </p:nvPr>
+        </p:nvSpPr>
+        <p:spPr/>
+        <p:txBody>
+          <a:bodyPr/>
+          <a:lstStyle/>
+          <a:p>
+            <a:r>
+              <a:rPr lang="en-US" dirty="0"/>
+              <a:t>New features of UIMA v3</a:t>
+            </a:r>
+          </a:p>
+          <a:p>
+            <a:pPr lvl="1"/>
+            <a:r>
+              <a:rPr lang="en-US" dirty="0"/>
+              <a:t>Fixes for decades-old problems</a:t>
+            </a:r>
+          </a:p>
+          <a:p>
+            <a:pPr lvl="1"/>
+            <a:r>
+              <a:rPr lang="en-US" dirty="0"/>
+              <a:t>From the programmers’ perspective</a:t>
+            </a:r>
+          </a:p>
+          <a:p>
+            <a:pPr lvl="1"/>
+            <a:endParaRPr lang="en-US" dirty="0"/>
+          </a:p>
+          <a:p>
+            <a:pPr lvl="1"/>
+            <a:endParaRPr lang="en-US" dirty="0"/>
+          </a:p>
+          <a:p>
+            <a:r>
+              <a:rPr lang="en-US" dirty="0"/>
+              <a:t>Doesn’t cover </a:t>
+            </a:r>
+            <a:r>
+              <a:rPr lang="en-US" b="1" i="1" u="sng" dirty="0"/>
+              <a:t>all</a:t>
+            </a:r>
+            <a:r>
+              <a:rPr lang="en-US" dirty="0"/>
+              <a:t> the new features</a:t>
+            </a:r>
+          </a:p>
+          <a:p>
+            <a:pPr lvl="1"/>
+            <a:r>
+              <a:rPr lang="en-US" dirty="0"/>
+              <a:t>More here: </a:t>
+            </a:r>
+            <a:r>
+              <a:rPr lang="en-US" dirty="0">
+                <a:hlinkClick r:id="rId2"/>
+              </a:rPr>
+              <a:t>https://uima.apache.org/d/uimaj-3.0.0-beta/version_3_users_guide.pdf</a:t>
+            </a:r>
+            <a:endParaRPr lang="en-US" dirty="0"/>
+          </a:p>
+        </p:txBody>
+      </p:sp>
+      <p:sp>
+        <p:nvSpPr>
+          <p:cNvPr id="4" name="Footer Placeholder 3">
+            <a:extLst>
+              <a:ext uri="{FF2B5EF4-FFF2-40B4-BE49-F238E27FC236}">
+                <a16:creationId xmlns:a16="http://schemas.microsoft.com/office/drawing/2014/main" id="{4063AB9A-CA73-40A9-A5D1-D2335FC17752}"/>
+              </a:ext>
+            </a:extLst>
+          </p:cNvPr>
+          <p:cNvSpPr>
+            <a:spLocks noGrp="1"/>
+          </p:cNvSpPr>
+          <p:nvPr>
+            <p:ph type="ftr" sz="quarter" idx="11"/>
+          </p:nvPr>
+        </p:nvSpPr>
+        <p:spPr/>
+        <p:txBody>
+          <a:bodyPr/>
+          <a:lstStyle/>
+          <a:p>
+            <a:r>
+              <a:rPr lang="en-US"/>
+              <a:t>©Copyright Apache Software Foundation</a:t>
+            </a:r>
+          </a:p>
+        </p:txBody>
+      </p:sp>
+      <p:sp>
+        <p:nvSpPr>
+          <p:cNvPr id="5" name="Slide Number Placeholder 4">
+            <a:extLst>
+              <a:ext uri="{FF2B5EF4-FFF2-40B4-BE49-F238E27FC236}">
+                <a16:creationId xmlns:a16="http://schemas.microsoft.com/office/drawing/2014/main" id="{C6A0F6CF-829D-4D37-B2DE-BE9337F84037}"/>
+              </a:ext>
+            </a:extLst>
+          </p:cNvPr>
+          <p:cNvSpPr>
+            <a:spLocks noGrp="1"/>
+          </p:cNvSpPr>
+          <p:nvPr>
+            <p:ph type="sldNum" sz="quarter" idx="12"/>
+          </p:nvPr>
+        </p:nvSpPr>
+        <p:spPr/>
+        <p:txBody>
+          <a:bodyPr/>
+          <a:lstStyle/>
+          <a:p>
+            <a:fld id="{9F0628B9-4658-4D1E-8BAC-A4D6DB93B558}" type="slidenum">
+              <a:rPr lang="en-US" smtClean="0"/>
+              <a:t>2</a:t>
+            </a:fld>
+            <a:endParaRPr lang="en-US"/>
+          </a:p>
+        </p:txBody>
+      </p:sp>
+      <p:sp>
+        <p:nvSpPr>
+          <p:cNvPr id="6" name="Date Placeholder 5">
+            <a:extLst>
+              <a:ext uri="{FF2B5EF4-FFF2-40B4-BE49-F238E27FC236}">
+                <a16:creationId xmlns:a16="http://schemas.microsoft.com/office/drawing/2014/main" id="{3E0DDC39-6070-4B3F-8F29-3DAF68AD8B54}"/>
+              </a:ext>
+            </a:extLst>
+          </p:cNvPr>
+          <p:cNvSpPr>
+            <a:spLocks noGrp="1"/>
+          </p:cNvSpPr>
+          <p:nvPr>
+            <p:ph type="dt" sz="half" idx="10"/>
+          </p:nvPr>
+        </p:nvSpPr>
+        <p:spPr/>
+        <p:txBody>
+          <a:bodyPr/>
+          <a:lstStyle/>
+          <a:p>
+            <a:fld id="{28206AF7-5981-49D9-9AA4-DC60D16F6974}" type="datetime1">
+              <a:rPr lang="en-US" smtClean="0"/>
+              <a:t>1/11/2018</a:t>
+            </a:fld>
+            <a:endParaRPr lang="en-US"/>
+          </a:p>
+        </p:txBody>
+      </p:sp>
+    </p:spTree>
+    <p:extLst>
+      <p:ext uri="{BB962C8B-B14F-4D97-AF65-F5344CB8AC3E}">
+        <p14:creationId xmlns:p14="http://schemas.microsoft.com/office/powerpoint/2010/main" val="2466873820"/>
+      </p:ext>
+    </p:extLst>
+  </p:cSld>
+  <p:clrMapOvr>
+    <a:masterClrMapping/>
+  </p:clrMapOvr>
+</p:sld>
+</file>
+
+<file path=ppt/slides/slide20.xml><?xml version="1.0" encoding="utf-8"?>
+<p:sld xmlns:a="http://schemas.openxmlformats.org/drawingml/2006/main" xmlns:r="http://schemas.openxmlformats.org/officeDocument/2006/relationships" xmlns:p="http://schemas.openxmlformats.org/presentationml/2006/main">
+  <p:cSld>
+    <p:spTree>
+      <p:nvGrpSpPr>
+        <p:cNvPr id="1" name=""/>
+        <p:cNvGrpSpPr/>
+        <p:nvPr/>
+      </p:nvGrpSpPr>
+      <p:grpSpPr>
+        <a:xfrm>
+          <a:off x="0" y="0"/>
+          <a:ext cx="0" cy="0"/>
+          <a:chOff x="0" y="0"/>
+          <a:chExt cx="0" cy="0"/>
+        </a:xfrm>
+      </p:grpSpPr>
+      <p:sp>
+        <p:nvSpPr>
+          <p:cNvPr id="2" name="Title 1">
+            <a:extLst>
+              <a:ext uri="{FF2B5EF4-FFF2-40B4-BE49-F238E27FC236}">
                 <a16:creationId xmlns:a16="http://schemas.microsoft.com/office/drawing/2014/main" id="{6A4A9CC9-1C6A-4FE7-AFC1-99EA84FD07C1}"/>
               </a:ext>
             </a:extLst>
@@ -28441,7 +29268,7 @@
             <a:fld id="{27D3C2B7-BFCE-47F7-B76D-5DC27A3663B1}" type="slidenum">
               <a:rPr lang="en-US" altLang="en-US" smtClean="0"/>
               <a:pPr/>
-              <a:t>19</a:t>
+              <a:t>20</a:t>
             </a:fld>
             <a:endParaRPr lang="en-US" altLang="en-US" dirty="0"/>
           </a:p>
@@ -28470,7 +29297,7 @@
           <a:p>
             <a:fld id="{3A06DE66-39AE-4831-A32F-D50CD04A19D6}" type="datetime1">
               <a:rPr lang="en-US" smtClean="0"/>
-              <a:t>12/5/2017</a:t>
+              <a:t>1/11/2018</a:t>
             </a:fld>
             <a:endParaRPr lang="en-US" dirty="0"/>
           </a:p>
@@ -28892,7 +29719,7 @@
 </p:sld>
 </file>
 
-<file path=ppt/slides/slide2.xml><?xml version="1.0" encoding="utf-8"?>
+<file path=ppt/slides/slide21.xml><?xml version="1.0" encoding="utf-8"?>
 <p:sld xmlns:a="http://schemas.openxmlformats.org/drawingml/2006/main" xmlns:r="http://schemas.openxmlformats.org/officeDocument/2006/relationships" xmlns:p="http://schemas.openxmlformats.org/presentationml/2006/main">
   <p:cSld>
     <p:spTree>
@@ -28914,228 +29741,6 @@
           <p:cNvPr id="2" name="Title 1">
             <a:extLst>
               <a:ext uri="{FF2B5EF4-FFF2-40B4-BE49-F238E27FC236}">
-                <a16:creationId xmlns:a16="http://schemas.microsoft.com/office/drawing/2014/main" id="{3CF95CEF-6576-4625-8037-85A35B662186}"/>
-              </a:ext>
-            </a:extLst>
-          </p:cNvPr>
-          <p:cNvSpPr>
-            <a:spLocks noGrp="1"/>
-          </p:cNvSpPr>
-          <p:nvPr>
-            <p:ph type="title"/>
-          </p:nvPr>
-        </p:nvSpPr>
-        <p:spPr/>
-        <p:txBody>
-          <a:bodyPr/>
-          <a:lstStyle/>
-          <a:p>
-            <a:r>
-              <a:rPr lang="en-US" dirty="0"/>
-              <a:t>What does this cover?</a:t>
-            </a:r>
-          </a:p>
-        </p:txBody>
-      </p:sp>
-      <p:sp>
-        <p:nvSpPr>
-          <p:cNvPr id="3" name="Content Placeholder 2">
-            <a:extLst>
-              <a:ext uri="{FF2B5EF4-FFF2-40B4-BE49-F238E27FC236}">
-                <a16:creationId xmlns:a16="http://schemas.microsoft.com/office/drawing/2014/main" id="{058EB83A-AE67-4232-88B0-9C79E41705E3}"/>
-              </a:ext>
-            </a:extLst>
-          </p:cNvPr>
-          <p:cNvSpPr>
-            <a:spLocks noGrp="1"/>
-          </p:cNvSpPr>
-          <p:nvPr>
-            <p:ph idx="1"/>
-          </p:nvPr>
-        </p:nvSpPr>
-        <p:spPr/>
-        <p:txBody>
-          <a:bodyPr/>
-          <a:lstStyle/>
-          <a:p>
-            <a:r>
-              <a:rPr lang="en-US" dirty="0"/>
-              <a:t>New features of UIMA v3</a:t>
-            </a:r>
-          </a:p>
-          <a:p>
-            <a:pPr lvl="1"/>
-            <a:r>
-              <a:rPr lang="en-US" dirty="0"/>
-              <a:t>Fixes for decades-old problems</a:t>
-            </a:r>
-          </a:p>
-          <a:p>
-            <a:pPr lvl="1"/>
-            <a:r>
-              <a:rPr lang="en-US" dirty="0"/>
-              <a:t>From the programmers’ perspective</a:t>
-            </a:r>
-          </a:p>
-          <a:p>
-            <a:pPr lvl="1"/>
-            <a:endParaRPr lang="en-US" dirty="0"/>
-          </a:p>
-          <a:p>
-            <a:pPr lvl="1"/>
-            <a:endParaRPr lang="en-US" dirty="0"/>
-          </a:p>
-          <a:p>
-            <a:r>
-              <a:rPr lang="en-US" dirty="0"/>
-              <a:t>Doesn’t cover </a:t>
-            </a:r>
-            <a:r>
-              <a:rPr lang="en-US" b="1" i="1" u="sng" dirty="0"/>
-              <a:t>all</a:t>
-            </a:r>
-            <a:r>
-              <a:rPr lang="en-US" dirty="0"/>
-              <a:t> the new features</a:t>
-            </a:r>
-          </a:p>
-          <a:p>
-            <a:pPr lvl="1"/>
-            <a:r>
-              <a:rPr lang="en-US" dirty="0"/>
-              <a:t>More here: </a:t>
-            </a:r>
-            <a:r>
-              <a:rPr lang="en-US" dirty="0">
-                <a:hlinkClick r:id="rId2"/>
-              </a:rPr>
-              <a:t>https://uima.apache.org/d/uimaj-3.0.0-beta/version_3_users_guide.pdf</a:t>
-            </a:r>
-            <a:endParaRPr lang="en-US" dirty="0"/>
-          </a:p>
-        </p:txBody>
-      </p:sp>
-      <p:sp>
-        <p:nvSpPr>
-          <p:cNvPr id="4" name="Footer Placeholder 3">
-            <a:extLst>
-              <a:ext uri="{FF2B5EF4-FFF2-40B4-BE49-F238E27FC236}">
-                <a16:creationId xmlns:a16="http://schemas.microsoft.com/office/drawing/2014/main" id="{4063AB9A-CA73-40A9-A5D1-D2335FC17752}"/>
-              </a:ext>
-            </a:extLst>
-          </p:cNvPr>
-          <p:cNvSpPr>
-            <a:spLocks noGrp="1"/>
-          </p:cNvSpPr>
-          <p:nvPr>
-            <p:ph type="ftr" sz="quarter" idx="11"/>
-          </p:nvPr>
-        </p:nvSpPr>
-        <p:spPr/>
-        <p:txBody>
-          <a:bodyPr/>
-          <a:lstStyle/>
-          <a:p>
-            <a:r>
-              <a:rPr lang="en-US"/>
-              <a:t>©Copyright Apache Software Foundation</a:t>
-            </a:r>
-          </a:p>
-        </p:txBody>
-      </p:sp>
-      <p:sp>
-        <p:nvSpPr>
-          <p:cNvPr id="5" name="Slide Number Placeholder 4">
-            <a:extLst>
-              <a:ext uri="{FF2B5EF4-FFF2-40B4-BE49-F238E27FC236}">
-                <a16:creationId xmlns:a16="http://schemas.microsoft.com/office/drawing/2014/main" id="{C6A0F6CF-829D-4D37-B2DE-BE9337F84037}"/>
-              </a:ext>
-            </a:extLst>
-          </p:cNvPr>
-          <p:cNvSpPr>
-            <a:spLocks noGrp="1"/>
-          </p:cNvSpPr>
-          <p:nvPr>
-            <p:ph type="sldNum" sz="quarter" idx="12"/>
-          </p:nvPr>
-        </p:nvSpPr>
-        <p:spPr/>
-        <p:txBody>
-          <a:bodyPr/>
-          <a:lstStyle/>
-          <a:p>
-            <a:fld id="{9F0628B9-4658-4D1E-8BAC-A4D6DB93B558}" type="slidenum">
-              <a:rPr lang="en-US" smtClean="0"/>
-              <a:t>2</a:t>
-            </a:fld>
-            <a:endParaRPr lang="en-US"/>
-          </a:p>
-        </p:txBody>
-      </p:sp>
-      <p:sp>
-        <p:nvSpPr>
-          <p:cNvPr id="6" name="Date Placeholder 5">
-            <a:extLst>
-              <a:ext uri="{FF2B5EF4-FFF2-40B4-BE49-F238E27FC236}">
-                <a16:creationId xmlns:a16="http://schemas.microsoft.com/office/drawing/2014/main" id="{3E0DDC39-6070-4B3F-8F29-3DAF68AD8B54}"/>
-              </a:ext>
-            </a:extLst>
-          </p:cNvPr>
-          <p:cNvSpPr>
-            <a:spLocks noGrp="1"/>
-          </p:cNvSpPr>
-          <p:nvPr>
-            <p:ph type="dt" sz="half" idx="10"/>
-          </p:nvPr>
-        </p:nvSpPr>
-        <p:spPr/>
-        <p:txBody>
-          <a:bodyPr/>
-          <a:lstStyle/>
-          <a:p>
-            <a:fld id="{28206AF7-5981-49D9-9AA4-DC60D16F6974}" type="datetime1">
-              <a:rPr lang="en-US" smtClean="0"/>
-              <a:t>12/5/2017</a:t>
-            </a:fld>
-            <a:endParaRPr lang="en-US"/>
-          </a:p>
-        </p:txBody>
-      </p:sp>
-    </p:spTree>
-    <p:extLst>
-      <p:ext uri="{BB962C8B-B14F-4D97-AF65-F5344CB8AC3E}">
-        <p14:creationId xmlns:p14="http://schemas.microsoft.com/office/powerpoint/2010/main" val="2466873820"/>
-      </p:ext>
-    </p:extLst>
-  </p:cSld>
-  <p:clrMapOvr>
-    <a:masterClrMapping/>
-  </p:clrMapOvr>
-</p:sld>
-</file>
-
-<file path=ppt/slides/slide20.xml><?xml version="1.0" encoding="utf-8"?>
-<p:sld xmlns:a="http://schemas.openxmlformats.org/drawingml/2006/main" xmlns:r="http://schemas.openxmlformats.org/officeDocument/2006/relationships" xmlns:p="http://schemas.openxmlformats.org/presentationml/2006/main">
-  <p:cSld>
-    <p:spTree>
-      <p:nvGrpSpPr>
-        <p:cNvPr id="1" name=""/>
-        <p:cNvGrpSpPr/>
-        <p:nvPr/>
-      </p:nvGrpSpPr>
-      <p:grpSpPr>
-        <a:xfrm>
-          <a:off x="0" y="0"/>
-          <a:ext cx="0" cy="0"/>
-          <a:chOff x="0" y="0"/>
-          <a:chExt cx="0" cy="0"/>
-        </a:xfrm>
-      </p:grpSpPr>
-      <p:sp>
-        <p:nvSpPr>
-          <p:cNvPr id="2" name="Title 1">
-            <a:extLst>
-              <a:ext uri="{FF2B5EF4-FFF2-40B4-BE49-F238E27FC236}">
                 <a16:creationId xmlns:a16="http://schemas.microsoft.com/office/drawing/2014/main" id="{1F02CB94-BD59-472A-B98D-99CBBAA2FAB5}"/>
               </a:ext>
             </a:extLst>
@@ -29581,7 +30186,7 @@
             <a:fld id="{27D3C2B7-BFCE-47F7-B76D-5DC27A3663B1}" type="slidenum">
               <a:rPr lang="en-US" altLang="en-US" smtClean="0"/>
               <a:pPr/>
-              <a:t>20</a:t>
+              <a:t>21</a:t>
             </a:fld>
             <a:endParaRPr lang="en-US" altLang="en-US"/>
           </a:p>
@@ -29695,7 +30300,7 @@
           <a:p>
             <a:fld id="{10685852-31F4-439C-A2F5-6D985800193A}" type="datetime1">
               <a:rPr lang="en-US" smtClean="0"/>
-              <a:t>12/5/2017</a:t>
+              <a:t>1/11/2018</a:t>
             </a:fld>
             <a:endParaRPr lang="en-US" dirty="0"/>
           </a:p>
@@ -30272,7 +30877,7 @@
 </p:sld>
 </file>
 
-<file path=ppt/slides/slide21.xml><?xml version="1.0" encoding="utf-8"?>
+<file path=ppt/slides/slide22.xml><?xml version="1.0" encoding="utf-8"?>
 <p:sld xmlns:a="http://schemas.openxmlformats.org/drawingml/2006/main" xmlns:r="http://schemas.openxmlformats.org/officeDocument/2006/relationships" xmlns:p="http://schemas.openxmlformats.org/presentationml/2006/main">
   <p:cSld>
     <p:spTree>
@@ -30512,7 +31117,7 @@
             <a:fld id="{27D3C2B7-BFCE-47F7-B76D-5DC27A3663B1}" type="slidenum">
               <a:rPr lang="en-US" altLang="en-US" smtClean="0"/>
               <a:pPr/>
-              <a:t>21</a:t>
+              <a:t>22</a:t>
             </a:fld>
             <a:endParaRPr lang="en-US" altLang="en-US"/>
           </a:p>
@@ -30541,7 +31146,7 @@
           <a:p>
             <a:fld id="{10685852-31F4-439C-A2F5-6D985800193A}" type="datetime1">
               <a:rPr lang="en-US" smtClean="0"/>
-              <a:t>12/5/2017</a:t>
+              <a:t>1/11/2018</a:t>
             </a:fld>
             <a:endParaRPr lang="en-US" dirty="0"/>
           </a:p>
@@ -30846,7 +31451,7 @@
 </p:sld>
 </file>
 
-<file path=ppt/slides/slide22.xml><?xml version="1.0" encoding="utf-8"?>
+<file path=ppt/slides/slide23.xml><?xml version="1.0" encoding="utf-8"?>
 <p:sld xmlns:a="http://schemas.openxmlformats.org/drawingml/2006/main" xmlns:r="http://schemas.openxmlformats.org/officeDocument/2006/relationships" xmlns:p="http://schemas.openxmlformats.org/presentationml/2006/main">
   <p:cSld>
     <p:spTree>
@@ -31087,7 +31692,7 @@
             <a:fld id="{27D3C2B7-BFCE-47F7-B76D-5DC27A3663B1}" type="slidenum">
               <a:rPr lang="en-US" altLang="en-US" smtClean="0"/>
               <a:pPr/>
-              <a:t>22</a:t>
+              <a:t>23</a:t>
             </a:fld>
             <a:endParaRPr lang="en-US" altLang="en-US"/>
           </a:p>
@@ -31116,7 +31721,7 @@
           <a:p>
             <a:fld id="{10685852-31F4-439C-A2F5-6D985800193A}" type="datetime1">
               <a:rPr lang="en-US" smtClean="0"/>
-              <a:t>12/5/2017</a:t>
+              <a:t>1/11/2018</a:t>
             </a:fld>
             <a:endParaRPr lang="en-US" dirty="0"/>
           </a:p>
@@ -31465,7 +32070,7 @@
 </p:sld>
 </file>
 
-<file path=ppt/slides/slide23.xml><?xml version="1.0" encoding="utf-8"?>
+<file path=ppt/slides/slide24.xml><?xml version="1.0" encoding="utf-8"?>
 <p:sld xmlns:a="http://schemas.openxmlformats.org/drawingml/2006/main" xmlns:r="http://schemas.openxmlformats.org/officeDocument/2006/relationships" xmlns:p="http://schemas.openxmlformats.org/presentationml/2006/main" show="0">
   <p:cSld>
     <p:spTree>
@@ -31669,7 +32274,7 @@
             <a:fld id="{27D3C2B7-BFCE-47F7-B76D-5DC27A3663B1}" type="slidenum">
               <a:rPr lang="en-US" altLang="en-US" smtClean="0"/>
               <a:pPr/>
-              <a:t>23</a:t>
+              <a:t>24</a:t>
             </a:fld>
             <a:endParaRPr lang="en-US" altLang="en-US"/>
           </a:p>
@@ -31698,7 +32303,7 @@
           <a:p>
             <a:fld id="{10685852-31F4-439C-A2F5-6D985800193A}" type="datetime1">
               <a:rPr lang="en-US" smtClean="0"/>
-              <a:t>12/5/2017</a:t>
+              <a:t>1/11/2018</a:t>
             </a:fld>
             <a:endParaRPr lang="en-US" dirty="0"/>
           </a:p>
@@ -31954,7 +32559,7 @@
 </p:sld>
 </file>
 
-<file path=ppt/slides/slide24.xml><?xml version="1.0" encoding="utf-8"?>
+<file path=ppt/slides/slide25.xml><?xml version="1.0" encoding="utf-8"?>
 <p:sld xmlns:a="http://schemas.openxmlformats.org/drawingml/2006/main" xmlns:r="http://schemas.openxmlformats.org/officeDocument/2006/relationships" xmlns:p="http://schemas.openxmlformats.org/presentationml/2006/main">
   <p:cSld>
     <p:spTree>
@@ -32204,7 +32809,7 @@
             <a:fld id="{27D3C2B7-BFCE-47F7-B76D-5DC27A3663B1}" type="slidenum">
               <a:rPr lang="en-US" altLang="en-US" smtClean="0"/>
               <a:pPr/>
-              <a:t>24</a:t>
+              <a:t>25</a:t>
             </a:fld>
             <a:endParaRPr lang="en-US" altLang="en-US"/>
           </a:p>
@@ -32233,7 +32838,7 @@
           <a:p>
             <a:fld id="{EF958134-0828-483C-9EEE-57B73754CD9F}" type="datetime1">
               <a:rPr lang="en-US" smtClean="0"/>
-              <a:t>12/5/2017</a:t>
+              <a:t>1/11/2018</a:t>
             </a:fld>
             <a:endParaRPr lang="en-US" dirty="0"/>
           </a:p>
@@ -32445,7 +33050,7 @@
 </p:sld>
 </file>
 
-<file path=ppt/slides/slide25.xml><?xml version="1.0" encoding="utf-8"?>
+<file path=ppt/slides/slide26.xml><?xml version="1.0" encoding="utf-8"?>
 <p:sld xmlns:a="http://schemas.openxmlformats.org/drawingml/2006/main" xmlns:r="http://schemas.openxmlformats.org/officeDocument/2006/relationships" xmlns:p="http://schemas.openxmlformats.org/presentationml/2006/main">
   <p:cSld>
     <p:spTree>
@@ -32766,7 +33371,7 @@
             <a:fld id="{27D3C2B7-BFCE-47F7-B76D-5DC27A3663B1}" type="slidenum">
               <a:rPr lang="en-US" altLang="en-US" smtClean="0"/>
               <a:pPr/>
-              <a:t>25</a:t>
+              <a:t>26</a:t>
             </a:fld>
             <a:endParaRPr lang="en-US" altLang="en-US"/>
           </a:p>
@@ -32861,7 +33466,7 @@
           <a:p>
             <a:fld id="{157537AB-6057-4B8B-9830-5C45CA9D8384}" type="datetime1">
               <a:rPr lang="en-US" smtClean="0"/>
-              <a:t>12/5/2017</a:t>
+              <a:t>1/11/2018</a:t>
             </a:fld>
             <a:endParaRPr lang="en-US" dirty="0"/>
           </a:p>
@@ -33134,7 +33739,7 @@
 </p:sld>
 </file>
 
-<file path=ppt/slides/slide26.xml><?xml version="1.0" encoding="utf-8"?>
+<file path=ppt/slides/slide27.xml><?xml version="1.0" encoding="utf-8"?>
 <p:sld xmlns:a="http://schemas.openxmlformats.org/drawingml/2006/main" xmlns:r="http://schemas.openxmlformats.org/officeDocument/2006/relationships" xmlns:p="http://schemas.openxmlformats.org/presentationml/2006/main">
   <p:cSld>
     <p:spTree>
@@ -33425,7 +34030,7 @@
             <a:fld id="{27D3C2B7-BFCE-47F7-B76D-5DC27A3663B1}" type="slidenum">
               <a:rPr lang="en-US" altLang="en-US" smtClean="0"/>
               <a:pPr/>
-              <a:t>26</a:t>
+              <a:t>27</a:t>
             </a:fld>
             <a:endParaRPr lang="en-US" altLang="en-US"/>
           </a:p>
@@ -33454,7 +34059,7 @@
           <a:p>
             <a:fld id="{189A320A-6C4F-4628-979D-FEE2F85D7E2C}" type="datetime1">
               <a:rPr lang="en-US" smtClean="0"/>
-              <a:t>12/5/2017</a:t>
+              <a:t>1/11/2018</a:t>
             </a:fld>
             <a:endParaRPr lang="en-US" dirty="0"/>
           </a:p>
@@ -33839,7 +34444,7 @@
 </p:sld>
 </file>
 
-<file path=ppt/slides/slide27.xml><?xml version="1.0" encoding="utf-8"?>
+<file path=ppt/slides/slide28.xml><?xml version="1.0" encoding="utf-8"?>
 <p:sld xmlns:a="http://schemas.openxmlformats.org/drawingml/2006/main" xmlns:r="http://schemas.openxmlformats.org/officeDocument/2006/relationships" xmlns:p="http://schemas.openxmlformats.org/presentationml/2006/main">
   <p:cSld>
     <p:spTree>
@@ -34129,7 +34734,7 @@
             <a:fld id="{27D3C2B7-BFCE-47F7-B76D-5DC27A3663B1}" type="slidenum">
               <a:rPr lang="en-US" altLang="en-US" smtClean="0"/>
               <a:pPr/>
-              <a:t>27</a:t>
+              <a:t>28</a:t>
             </a:fld>
             <a:endParaRPr lang="en-US" altLang="en-US"/>
           </a:p>
@@ -34158,7 +34763,7 @@
           <a:p>
             <a:fld id="{A1A5F216-EF7A-4B17-AEAA-CB0C884A7D82}" type="datetime1">
               <a:rPr lang="en-US" smtClean="0"/>
-              <a:t>12/5/2017</a:t>
+              <a:t>1/11/2018</a:t>
             </a:fld>
             <a:endParaRPr lang="en-US" dirty="0"/>
           </a:p>
@@ -34432,7 +35037,7 @@
 </p:sld>
 </file>
 
-<file path=ppt/slides/slide28.xml><?xml version="1.0" encoding="utf-8"?>
+<file path=ppt/slides/slide29.xml><?xml version="1.0" encoding="utf-8"?>
 <p:sld xmlns:a="http://schemas.openxmlformats.org/drawingml/2006/main" xmlns:r="http://schemas.openxmlformats.org/officeDocument/2006/relationships" xmlns:p="http://schemas.openxmlformats.org/presentationml/2006/main">
   <p:cSld>
     <p:spTree>
@@ -34633,7 +35238,7 @@
             <a:fld id="{27D3C2B7-BFCE-47F7-B76D-5DC27A3663B1}" type="slidenum">
               <a:rPr lang="en-US" altLang="en-US" smtClean="0"/>
               <a:pPr/>
-              <a:t>28</a:t>
+              <a:t>29</a:t>
             </a:fld>
             <a:endParaRPr lang="en-US" altLang="en-US"/>
           </a:p>
@@ -34662,7 +35267,7 @@
           <a:p>
             <a:fld id="{3A06DE66-39AE-4831-A32F-D50CD04A19D6}" type="datetime1">
               <a:rPr lang="en-US" smtClean="0"/>
-              <a:t>12/5/2017</a:t>
+              <a:t>1/11/2018</a:t>
             </a:fld>
             <a:endParaRPr lang="en-US" dirty="0"/>
           </a:p>
@@ -35016,7 +35621,906 @@
 </p:sld>
 </file>
 
-<file path=ppt/slides/slide29.xml><?xml version="1.0" encoding="utf-8"?>
+<file path=ppt/slides/slide3.xml><?xml version="1.0" encoding="utf-8"?>
+<p:sld xmlns:a="http://schemas.openxmlformats.org/drawingml/2006/main" xmlns:r="http://schemas.openxmlformats.org/officeDocument/2006/relationships" xmlns:p="http://schemas.openxmlformats.org/presentationml/2006/main">
+  <p:cSld>
+    <p:spTree>
+      <p:nvGrpSpPr>
+        <p:cNvPr id="1" name=""/>
+        <p:cNvGrpSpPr/>
+        <p:nvPr/>
+      </p:nvGrpSpPr>
+      <p:grpSpPr>
+        <a:xfrm>
+          <a:off x="0" y="0"/>
+          <a:ext cx="0" cy="0"/>
+          <a:chOff x="0" y="0"/>
+          <a:chExt cx="0" cy="0"/>
+        </a:xfrm>
+      </p:grpSpPr>
+      <p:sp>
+        <p:nvSpPr>
+          <p:cNvPr id="25602" name="Rectangle 2"/>
+          <p:cNvSpPr>
+            <a:spLocks noGrp="1" noChangeArrowheads="1"/>
+          </p:cNvSpPr>
+          <p:nvPr>
+            <p:ph type="title"/>
+          </p:nvPr>
+        </p:nvSpPr>
+        <p:spPr>
+          <a:xfrm>
+            <a:off x="609600" y="1022351"/>
+            <a:ext cx="10972800" cy="427567"/>
+          </a:xfrm>
+        </p:spPr>
+        <p:txBody>
+          <a:bodyPr>
+            <a:normAutofit fontScale="90000"/>
+          </a:bodyPr>
+          <a:lstStyle/>
+          <a:p>
+            <a:pPr eaLnBrk="1" hangingPunct="1">
+              <a:defRPr/>
+            </a:pPr>
+            <a:r>
+              <a:rPr lang="en-US" dirty="0">
+                <a:ea typeface="+mj-ea"/>
+                <a:cs typeface="+mj-cs"/>
+              </a:rPr>
+              <a:t>Complaints!</a:t>
+            </a:r>
+          </a:p>
+        </p:txBody>
+      </p:sp>
+      <p:sp>
+        <p:nvSpPr>
+          <p:cNvPr id="25603" name="Rectangle 3"/>
+          <p:cNvSpPr>
+            <a:spLocks noGrp="1" noChangeArrowheads="1"/>
+          </p:cNvSpPr>
+          <p:nvPr>
+            <p:ph type="body" sz="half" idx="1"/>
+          </p:nvPr>
+        </p:nvSpPr>
+        <p:spPr>
+          <a:xfrm>
+            <a:off x="618067" y="1911351"/>
+            <a:ext cx="6087533" cy="4034367"/>
+          </a:xfrm>
+        </p:spPr>
+        <p:txBody>
+          <a:bodyPr>
+            <a:normAutofit fontScale="70000" lnSpcReduction="20000"/>
+          </a:bodyPr>
+          <a:lstStyle/>
+          <a:p>
+            <a:pPr eaLnBrk="1" hangingPunct="1">
+              <a:buFontTx/>
+              <a:buNone/>
+              <a:defRPr/>
+            </a:pPr>
+            <a:r>
+              <a:rPr lang="en-US" dirty="0">
+                <a:ea typeface="+mn-ea"/>
+                <a:cs typeface="+mn-cs"/>
+              </a:rPr>
+              <a:t>Data in the CAS seems far away from Java code</a:t>
+            </a:r>
+          </a:p>
+          <a:p>
+            <a:pPr eaLnBrk="1" hangingPunct="1">
+              <a:buFontTx/>
+              <a:buNone/>
+              <a:defRPr/>
+            </a:pPr>
+            <a:endParaRPr lang="en-US" dirty="0">
+              <a:ea typeface="+mn-ea"/>
+              <a:cs typeface="+mn-cs"/>
+            </a:endParaRPr>
+          </a:p>
+          <a:p>
+            <a:pPr eaLnBrk="1" hangingPunct="1">
+              <a:buFontTx/>
+              <a:buNone/>
+              <a:defRPr/>
+            </a:pPr>
+            <a:r>
+              <a:rPr lang="en-US" dirty="0">
+                <a:ea typeface="+mn-ea"/>
+                <a:cs typeface="+mn-cs"/>
+              </a:rPr>
+              <a:t>Sometimes I get </a:t>
+            </a:r>
+            <a:r>
+              <a:rPr lang="en-US" sz="2667" b="1" u="sng" dirty="0">
+                <a:ln w="6600">
+                  <a:solidFill>
+                    <a:schemeClr val="accent2"/>
+                  </a:solidFill>
+                  <a:prstDash val="solid"/>
+                </a:ln>
+                <a:solidFill>
+                  <a:srgbClr val="FFFFFF"/>
+                </a:solidFill>
+                <a:effectLst>
+                  <a:outerShdw dist="38100" dir="2700000" algn="tl" rotWithShape="0">
+                    <a:schemeClr val="accent2"/>
+                  </a:outerShdw>
+                </a:effectLst>
+              </a:rPr>
+              <a:t>surprised</a:t>
+            </a:r>
+            <a:r>
+              <a:rPr lang="en-US" dirty="0">
+                <a:ea typeface="+mn-ea"/>
+                <a:cs typeface="+mn-cs"/>
+              </a:rPr>
+              <a:t> by what happens</a:t>
+            </a:r>
+          </a:p>
+          <a:p>
+            <a:pPr eaLnBrk="1" hangingPunct="1">
+              <a:buFontTx/>
+              <a:buNone/>
+              <a:defRPr/>
+            </a:pPr>
+            <a:r>
+              <a:rPr lang="en-US" dirty="0">
+                <a:ea typeface="+mn-ea"/>
+                <a:cs typeface="+mn-cs"/>
+              </a:rPr>
+              <a:t>	- not what I expected.</a:t>
+            </a:r>
+          </a:p>
+          <a:p>
+            <a:pPr eaLnBrk="1" hangingPunct="1">
+              <a:buFontTx/>
+              <a:buNone/>
+              <a:defRPr/>
+            </a:pPr>
+            <a:endParaRPr lang="en-US" dirty="0">
+              <a:ea typeface="+mn-ea"/>
+              <a:cs typeface="+mn-cs"/>
+            </a:endParaRPr>
+          </a:p>
+          <a:p>
+            <a:pPr eaLnBrk="1" hangingPunct="1">
+              <a:lnSpc>
+                <a:spcPct val="120000"/>
+              </a:lnSpc>
+              <a:buFontTx/>
+              <a:buNone/>
+              <a:defRPr/>
+            </a:pPr>
+            <a:r>
+              <a:rPr lang="en-US" dirty="0">
+                <a:ea typeface="+mn-ea"/>
+                <a:cs typeface="+mn-cs"/>
+              </a:rPr>
+              <a:t>Annoyance - Sometimes I have a CAS, sometimes a JCas, why should I need to convert between these?</a:t>
+            </a:r>
+          </a:p>
+          <a:p>
+            <a:pPr eaLnBrk="1" hangingPunct="1">
+              <a:buFontTx/>
+              <a:buNone/>
+              <a:defRPr/>
+            </a:pPr>
+            <a:endParaRPr lang="en-US" dirty="0">
+              <a:ea typeface="+mn-ea"/>
+              <a:cs typeface="+mn-cs"/>
+            </a:endParaRPr>
+          </a:p>
+          <a:p>
+            <a:pPr eaLnBrk="1" hangingPunct="1">
+              <a:lnSpc>
+                <a:spcPct val="120000"/>
+              </a:lnSpc>
+              <a:buFontTx/>
+              <a:buNone/>
+              <a:defRPr/>
+            </a:pPr>
+            <a:r>
+              <a:rPr lang="en-US" dirty="0">
+                <a:ea typeface="+mn-ea"/>
+                <a:cs typeface="+mn-cs"/>
+              </a:rPr>
+              <a:t>Big picture – I’d rather work with normal Java objects, and get advantages like GC, normal Java idioms, and type inferencing</a:t>
+            </a:r>
+          </a:p>
+          <a:p>
+            <a:pPr marL="461422" lvl="1" indent="0">
+              <a:buNone/>
+              <a:defRPr/>
+            </a:pPr>
+            <a:endParaRPr lang="en-US" dirty="0">
+              <a:ea typeface="+mn-ea"/>
+              <a:cs typeface="+mn-cs"/>
+            </a:endParaRPr>
+          </a:p>
+        </p:txBody>
+      </p:sp>
+      <p:sp>
+        <p:nvSpPr>
+          <p:cNvPr id="9" name="Rectangle 5"/>
+          <p:cNvSpPr>
+            <a:spLocks noGrp="1" noChangeArrowheads="1"/>
+          </p:cNvSpPr>
+          <p:nvPr>
+            <p:ph type="ftr" sz="quarter" idx="10"/>
+          </p:nvPr>
+        </p:nvSpPr>
+        <p:spPr>
+          <a:xfrm>
+            <a:off x="4038600" y="6356350"/>
+            <a:ext cx="4114800" cy="365125"/>
+          </a:xfrm>
+          <a:extLst>
+            <a:ext uri="{909E8E84-426E-40dd-AFC4-6F175D3DCCD1}">
+              <a14:hiddenFill xmlns:a14="http://schemas.microsoft.com/office/drawing/2010/main" xmlns="">
+                <a:solidFill>
+                  <a:schemeClr val="accent1"/>
+                </a:solidFill>
+              </a14:hiddenFill>
+            </a:ext>
+            <a:ext uri="{91240B29-F687-4f45-9708-019B960494DF}">
+              <a14:hiddenLine xmlns:a14="http://schemas.microsoft.com/office/drawing/2010/main" xmlns="" w="9525">
+                <a:solidFill>
+                  <a:schemeClr val="tx1"/>
+                </a:solidFill>
+                <a:miter lim="800000"/>
+                <a:headEnd/>
+                <a:tailEnd/>
+              </a14:hiddenLine>
+            </a:ext>
+            <a:ext uri="{AF507438-7753-43e0-B8FC-AC1667EBCBE1}">
+              <a14:hiddenEffects xmlns:a14="http://schemas.microsoft.com/office/drawing/2010/main" xmlns="">
+                <a:effectLst>
+                  <a:outerShdw blurRad="63500" dist="38099" dir="2700000" algn="ctr" rotWithShape="0">
+                    <a:schemeClr val="bg2">
+                      <a:alpha val="74998"/>
+                    </a:schemeClr>
+                  </a:outerShdw>
+                </a:effectLst>
+              </a14:hiddenEffects>
+            </a:ext>
+            <a:ext uri="{FAA26D3D-D897-4be2-8F04-BA451C77F1D7}">
+              <ma14:placeholderFlag xmlns:ma14="http://schemas.microsoft.com/office/mac/drawingml/2011/main" xmlns="" val="1"/>
+            </a:ext>
+          </a:extLst>
+        </p:spPr>
+        <p:txBody>
+          <a:bodyPr/>
+          <a:lstStyle>
+            <a:lvl1pPr eaLnBrk="0" hangingPunct="0">
+              <a:defRPr sz="3200">
+                <a:solidFill>
+                  <a:schemeClr val="tx1"/>
+                </a:solidFill>
+                <a:latin typeface="Arial" panose="020B0604020202020204" pitchFamily="34" charset="0"/>
+                <a:ea typeface="ヒラギノ角ゴ Pro W3" charset="-128"/>
+              </a:defRPr>
+            </a:lvl1pPr>
+            <a:lvl2pPr marL="990575" indent="-380990" eaLnBrk="0" hangingPunct="0">
+              <a:defRPr sz="3200">
+                <a:solidFill>
+                  <a:schemeClr val="tx1"/>
+                </a:solidFill>
+                <a:latin typeface="Arial" panose="020B0604020202020204" pitchFamily="34" charset="0"/>
+                <a:ea typeface="ヒラギノ角ゴ Pro W3" charset="-128"/>
+              </a:defRPr>
+            </a:lvl2pPr>
+            <a:lvl3pPr marL="1523962" indent="-304792" eaLnBrk="0" hangingPunct="0">
+              <a:defRPr sz="3200">
+                <a:solidFill>
+                  <a:schemeClr val="tx1"/>
+                </a:solidFill>
+                <a:latin typeface="Arial" panose="020B0604020202020204" pitchFamily="34" charset="0"/>
+                <a:ea typeface="ヒラギノ角ゴ Pro W3" charset="-128"/>
+              </a:defRPr>
+            </a:lvl3pPr>
+            <a:lvl4pPr marL="2133547" indent="-304792" eaLnBrk="0" hangingPunct="0">
+              <a:defRPr sz="3200">
+                <a:solidFill>
+                  <a:schemeClr val="tx1"/>
+                </a:solidFill>
+                <a:latin typeface="Arial" panose="020B0604020202020204" pitchFamily="34" charset="0"/>
+                <a:ea typeface="ヒラギノ角ゴ Pro W3" charset="-128"/>
+              </a:defRPr>
+            </a:lvl4pPr>
+            <a:lvl5pPr marL="2743131" indent="-304792" eaLnBrk="0" hangingPunct="0">
+              <a:defRPr sz="3200">
+                <a:solidFill>
+                  <a:schemeClr val="tx1"/>
+                </a:solidFill>
+                <a:latin typeface="Arial" panose="020B0604020202020204" pitchFamily="34" charset="0"/>
+                <a:ea typeface="ヒラギノ角ゴ Pro W3" charset="-128"/>
+              </a:defRPr>
+            </a:lvl5pPr>
+            <a:lvl6pPr marL="3352716" indent="-304792" eaLnBrk="0" fontAlgn="base" hangingPunct="0">
+              <a:spcBef>
+                <a:spcPct val="0"/>
+              </a:spcBef>
+              <a:spcAft>
+                <a:spcPct val="0"/>
+              </a:spcAft>
+              <a:defRPr sz="3200">
+                <a:solidFill>
+                  <a:schemeClr val="tx1"/>
+                </a:solidFill>
+                <a:latin typeface="Arial" panose="020B0604020202020204" pitchFamily="34" charset="0"/>
+                <a:ea typeface="ヒラギノ角ゴ Pro W3" charset="-128"/>
+              </a:defRPr>
+            </a:lvl6pPr>
+            <a:lvl7pPr marL="3962301" indent="-304792" eaLnBrk="0" fontAlgn="base" hangingPunct="0">
+              <a:spcBef>
+                <a:spcPct val="0"/>
+              </a:spcBef>
+              <a:spcAft>
+                <a:spcPct val="0"/>
+              </a:spcAft>
+              <a:defRPr sz="3200">
+                <a:solidFill>
+                  <a:schemeClr val="tx1"/>
+                </a:solidFill>
+                <a:latin typeface="Arial" panose="020B0604020202020204" pitchFamily="34" charset="0"/>
+                <a:ea typeface="ヒラギノ角ゴ Pro W3" charset="-128"/>
+              </a:defRPr>
+            </a:lvl7pPr>
+            <a:lvl8pPr marL="4571886" indent="-304792" eaLnBrk="0" fontAlgn="base" hangingPunct="0">
+              <a:spcBef>
+                <a:spcPct val="0"/>
+              </a:spcBef>
+              <a:spcAft>
+                <a:spcPct val="0"/>
+              </a:spcAft>
+              <a:defRPr sz="3200">
+                <a:solidFill>
+                  <a:schemeClr val="tx1"/>
+                </a:solidFill>
+                <a:latin typeface="Arial" panose="020B0604020202020204" pitchFamily="34" charset="0"/>
+                <a:ea typeface="ヒラギノ角ゴ Pro W3" charset="-128"/>
+              </a:defRPr>
+            </a:lvl8pPr>
+            <a:lvl9pPr marL="5181470" indent="-304792" eaLnBrk="0" fontAlgn="base" hangingPunct="0">
+              <a:spcBef>
+                <a:spcPct val="0"/>
+              </a:spcBef>
+              <a:spcAft>
+                <a:spcPct val="0"/>
+              </a:spcAft>
+              <a:defRPr sz="3200">
+                <a:solidFill>
+                  <a:schemeClr val="tx1"/>
+                </a:solidFill>
+                <a:latin typeface="Arial" panose="020B0604020202020204" pitchFamily="34" charset="0"/>
+                <a:ea typeface="ヒラギノ角ゴ Pro W3" charset="-128"/>
+              </a:defRPr>
+            </a:lvl9pPr>
+          </a:lstStyle>
+          <a:p>
+            <a:r>
+              <a:rPr lang="en-US" altLang="en-US" sz="1200">
+                <a:solidFill>
+                  <a:srgbClr val="004266"/>
+                </a:solidFill>
+              </a:rPr>
+              <a:t>©Copyright Apache Software Foundation</a:t>
+            </a:r>
+            <a:endParaRPr lang="en-US" altLang="en-US" sz="1200" dirty="0">
+              <a:solidFill>
+                <a:srgbClr val="004266"/>
+              </a:solidFill>
+            </a:endParaRPr>
+          </a:p>
+        </p:txBody>
+      </p:sp>
+      <p:sp>
+        <p:nvSpPr>
+          <p:cNvPr id="10" name="Rectangle 6"/>
+          <p:cNvSpPr>
+            <a:spLocks noGrp="1" noChangeArrowheads="1"/>
+          </p:cNvSpPr>
+          <p:nvPr>
+            <p:ph type="sldNum" sz="quarter" idx="11"/>
+          </p:nvPr>
+        </p:nvSpPr>
+        <p:spPr>
+          <a:extLst>
+            <a:ext uri="{909E8E84-426E-40dd-AFC4-6F175D3DCCD1}">
+              <a14:hiddenFill xmlns:a14="http://schemas.microsoft.com/office/drawing/2010/main" xmlns="">
+                <a:solidFill>
+                  <a:schemeClr val="accent1"/>
+                </a:solidFill>
+              </a14:hiddenFill>
+            </a:ext>
+            <a:ext uri="{91240B29-F687-4f45-9708-019B960494DF}">
+              <a14:hiddenLine xmlns:a14="http://schemas.microsoft.com/office/drawing/2010/main" xmlns="" w="9525">
+                <a:solidFill>
+                  <a:schemeClr val="tx1"/>
+                </a:solidFill>
+                <a:miter lim="800000"/>
+                <a:headEnd/>
+                <a:tailEnd/>
+              </a14:hiddenLine>
+            </a:ext>
+            <a:ext uri="{AF507438-7753-43e0-B8FC-AC1667EBCBE1}">
+              <a14:hiddenEffects xmlns:a14="http://schemas.microsoft.com/office/drawing/2010/main" xmlns="">
+                <a:effectLst>
+                  <a:outerShdw blurRad="63500" dist="38099" dir="2700000" algn="ctr" rotWithShape="0">
+                    <a:schemeClr val="bg2">
+                      <a:alpha val="74998"/>
+                    </a:schemeClr>
+                  </a:outerShdw>
+                </a:effectLst>
+              </a14:hiddenEffects>
+            </a:ext>
+            <a:ext uri="{FAA26D3D-D897-4be2-8F04-BA451C77F1D7}">
+              <ma14:placeholderFlag xmlns:ma14="http://schemas.microsoft.com/office/mac/drawingml/2011/main" xmlns="" val="1"/>
+            </a:ext>
+          </a:extLst>
+        </p:spPr>
+        <p:txBody>
+          <a:bodyPr/>
+          <a:lstStyle>
+            <a:lvl1pPr eaLnBrk="0" hangingPunct="0">
+              <a:defRPr sz="3200">
+                <a:solidFill>
+                  <a:schemeClr val="tx1"/>
+                </a:solidFill>
+                <a:latin typeface="Arial" panose="020B0604020202020204" pitchFamily="34" charset="0"/>
+                <a:ea typeface="ヒラギノ角ゴ Pro W3" charset="-128"/>
+              </a:defRPr>
+            </a:lvl1pPr>
+            <a:lvl2pPr marL="990575" indent="-380990" eaLnBrk="0" hangingPunct="0">
+              <a:defRPr sz="3200">
+                <a:solidFill>
+                  <a:schemeClr val="tx1"/>
+                </a:solidFill>
+                <a:latin typeface="Arial" panose="020B0604020202020204" pitchFamily="34" charset="0"/>
+                <a:ea typeface="ヒラギノ角ゴ Pro W3" charset="-128"/>
+              </a:defRPr>
+            </a:lvl2pPr>
+            <a:lvl3pPr marL="1523962" indent="-304792" eaLnBrk="0" hangingPunct="0">
+              <a:defRPr sz="3200">
+                <a:solidFill>
+                  <a:schemeClr val="tx1"/>
+                </a:solidFill>
+                <a:latin typeface="Arial" panose="020B0604020202020204" pitchFamily="34" charset="0"/>
+                <a:ea typeface="ヒラギノ角ゴ Pro W3" charset="-128"/>
+              </a:defRPr>
+            </a:lvl3pPr>
+            <a:lvl4pPr marL="2133547" indent="-304792" eaLnBrk="0" hangingPunct="0">
+              <a:defRPr sz="3200">
+                <a:solidFill>
+                  <a:schemeClr val="tx1"/>
+                </a:solidFill>
+                <a:latin typeface="Arial" panose="020B0604020202020204" pitchFamily="34" charset="0"/>
+                <a:ea typeface="ヒラギノ角ゴ Pro W3" charset="-128"/>
+              </a:defRPr>
+            </a:lvl4pPr>
+            <a:lvl5pPr marL="2743131" indent="-304792" eaLnBrk="0" hangingPunct="0">
+              <a:defRPr sz="3200">
+                <a:solidFill>
+                  <a:schemeClr val="tx1"/>
+                </a:solidFill>
+                <a:latin typeface="Arial" panose="020B0604020202020204" pitchFamily="34" charset="0"/>
+                <a:ea typeface="ヒラギノ角ゴ Pro W3" charset="-128"/>
+              </a:defRPr>
+            </a:lvl5pPr>
+            <a:lvl6pPr marL="3352716" indent="-304792" eaLnBrk="0" fontAlgn="base" hangingPunct="0">
+              <a:spcBef>
+                <a:spcPct val="0"/>
+              </a:spcBef>
+              <a:spcAft>
+                <a:spcPct val="0"/>
+              </a:spcAft>
+              <a:defRPr sz="3200">
+                <a:solidFill>
+                  <a:schemeClr val="tx1"/>
+                </a:solidFill>
+                <a:latin typeface="Arial" panose="020B0604020202020204" pitchFamily="34" charset="0"/>
+                <a:ea typeface="ヒラギノ角ゴ Pro W3" charset="-128"/>
+              </a:defRPr>
+            </a:lvl6pPr>
+            <a:lvl7pPr marL="3962301" indent="-304792" eaLnBrk="0" fontAlgn="base" hangingPunct="0">
+              <a:spcBef>
+                <a:spcPct val="0"/>
+              </a:spcBef>
+              <a:spcAft>
+                <a:spcPct val="0"/>
+              </a:spcAft>
+              <a:defRPr sz="3200">
+                <a:solidFill>
+                  <a:schemeClr val="tx1"/>
+                </a:solidFill>
+                <a:latin typeface="Arial" panose="020B0604020202020204" pitchFamily="34" charset="0"/>
+                <a:ea typeface="ヒラギノ角ゴ Pro W3" charset="-128"/>
+              </a:defRPr>
+            </a:lvl7pPr>
+            <a:lvl8pPr marL="4571886" indent="-304792" eaLnBrk="0" fontAlgn="base" hangingPunct="0">
+              <a:spcBef>
+                <a:spcPct val="0"/>
+              </a:spcBef>
+              <a:spcAft>
+                <a:spcPct val="0"/>
+              </a:spcAft>
+              <a:defRPr sz="3200">
+                <a:solidFill>
+                  <a:schemeClr val="tx1"/>
+                </a:solidFill>
+                <a:latin typeface="Arial" panose="020B0604020202020204" pitchFamily="34" charset="0"/>
+                <a:ea typeface="ヒラギノ角ゴ Pro W3" charset="-128"/>
+              </a:defRPr>
+            </a:lvl8pPr>
+            <a:lvl9pPr marL="5181470" indent="-304792" eaLnBrk="0" fontAlgn="base" hangingPunct="0">
+              <a:spcBef>
+                <a:spcPct val="0"/>
+              </a:spcBef>
+              <a:spcAft>
+                <a:spcPct val="0"/>
+              </a:spcAft>
+              <a:defRPr sz="3200">
+                <a:solidFill>
+                  <a:schemeClr val="tx1"/>
+                </a:solidFill>
+                <a:latin typeface="Arial" panose="020B0604020202020204" pitchFamily="34" charset="0"/>
+                <a:ea typeface="ヒラギノ角ゴ Pro W3" charset="-128"/>
+              </a:defRPr>
+            </a:lvl9pPr>
+          </a:lstStyle>
+          <a:p>
+            <a:fld id="{F297CE05-760F-4482-BA29-5AC2868D7D88}" type="slidenum">
+              <a:rPr lang="en-US" altLang="en-US" sz="1200">
+                <a:solidFill>
+                  <a:srgbClr val="004266"/>
+                </a:solidFill>
+              </a:rPr>
+              <a:pPr/>
+              <a:t>3</a:t>
+            </a:fld>
+            <a:endParaRPr lang="en-US" altLang="en-US" sz="1200">
+              <a:solidFill>
+                <a:srgbClr val="004266"/>
+              </a:solidFill>
+            </a:endParaRPr>
+          </a:p>
+        </p:txBody>
+      </p:sp>
+      <p:pic>
+        <p:nvPicPr>
+          <p:cNvPr id="11" name="Picture 10">
+            <a:extLst>
+              <a:ext uri="{FF2B5EF4-FFF2-40B4-BE49-F238E27FC236}">
+                <a16:creationId xmlns:a16="http://schemas.microsoft.com/office/drawing/2014/main" id="{1E247C38-B31C-4D79-88F8-8D500D8053D9}"/>
+              </a:ext>
+            </a:extLst>
+          </p:cNvPr>
+          <p:cNvPicPr>
+            <a:picLocks noChangeAspect="1"/>
+          </p:cNvPicPr>
+          <p:nvPr/>
+        </p:nvPicPr>
+        <p:blipFill>
+          <a:blip r:embed="rId2"/>
+          <a:stretch>
+            <a:fillRect/>
+          </a:stretch>
+        </p:blipFill>
+        <p:spPr>
+          <a:xfrm>
+            <a:off x="7010400" y="1447800"/>
+            <a:ext cx="4267200" cy="4876800"/>
+          </a:xfrm>
+          <a:prstGeom prst="rect">
+            <a:avLst/>
+          </a:prstGeom>
+        </p:spPr>
+      </p:pic>
+      <p:sp>
+        <p:nvSpPr>
+          <p:cNvPr id="2" name="Date Placeholder 1">
+            <a:extLst>
+              <a:ext uri="{FF2B5EF4-FFF2-40B4-BE49-F238E27FC236}">
+                <a16:creationId xmlns:a16="http://schemas.microsoft.com/office/drawing/2014/main" id="{D8A6E346-1715-40C8-B341-BB7BD13279C2}"/>
+              </a:ext>
+            </a:extLst>
+          </p:cNvPr>
+          <p:cNvSpPr>
+            <a:spLocks noGrp="1"/>
+          </p:cNvSpPr>
+          <p:nvPr>
+            <p:ph type="dt" sz="half" idx="12"/>
+          </p:nvPr>
+        </p:nvSpPr>
+        <p:spPr/>
+        <p:txBody>
+          <a:bodyPr/>
+          <a:lstStyle/>
+          <a:p>
+            <a:fld id="{72B1CF7A-5115-4D9F-9AE1-8E5B13C35372}" type="datetime1">
+              <a:rPr lang="en-US" smtClean="0"/>
+              <a:t>1/11/2018</a:t>
+            </a:fld>
+            <a:endParaRPr lang="en-US" dirty="0"/>
+          </a:p>
+        </p:txBody>
+      </p:sp>
+    </p:spTree>
+    <p:extLst>
+      <p:ext uri="{BB962C8B-B14F-4D97-AF65-F5344CB8AC3E}">
+        <p14:creationId xmlns:p14="http://schemas.microsoft.com/office/powerpoint/2010/main" val="2293580642"/>
+      </p:ext>
+    </p:extLst>
+  </p:cSld>
+  <p:clrMapOvr>
+    <a:masterClrMapping/>
+  </p:clrMapOvr>
+  <p:timing>
+    <p:tnLst>
+      <p:par>
+        <p:cTn id="1" dur="indefinite" restart="never" nodeType="tmRoot">
+          <p:childTnLst>
+            <p:seq concurrent="1" nextAc="seek">
+              <p:cTn id="2" dur="indefinite" nodeType="mainSeq">
+                <p:childTnLst>
+                  <p:par>
+                    <p:cTn id="3" fill="hold">
+                      <p:stCondLst>
+                        <p:cond delay="indefinite"/>
+                      </p:stCondLst>
+                      <p:childTnLst>
+                        <p:par>
+                          <p:cTn id="4" fill="hold">
+                            <p:stCondLst>
+                              <p:cond delay="0"/>
+                            </p:stCondLst>
+                            <p:childTnLst>
+                              <p:par>
+                                <p:cTn id="5" presetID="1" presetClass="entr" presetSubtype="0" fill="hold" grpId="0" nodeType="clickEffect">
+                                  <p:stCondLst>
+                                    <p:cond delay="0"/>
+                                  </p:stCondLst>
+                                  <p:childTnLst>
+                                    <p:set>
+                                      <p:cBhvr>
+                                        <p:cTn id="6" dur="1" fill="hold">
+                                          <p:stCondLst>
+                                            <p:cond delay="0"/>
+                                          </p:stCondLst>
+                                        </p:cTn>
+                                        <p:tgtEl>
+                                          <p:spTgt spid="25603">
+                                            <p:txEl>
+                                              <p:pRg st="0" end="0"/>
+                                            </p:txEl>
+                                          </p:spTgt>
+                                        </p:tgtEl>
+                                        <p:attrNameLst>
+                                          <p:attrName>style.visibility</p:attrName>
+                                        </p:attrNameLst>
+                                      </p:cBhvr>
+                                      <p:to>
+                                        <p:strVal val="visible"/>
+                                      </p:to>
+                                    </p:set>
+                                  </p:childTnLst>
+                                </p:cTn>
+                              </p:par>
+                            </p:childTnLst>
+                          </p:cTn>
+                        </p:par>
+                      </p:childTnLst>
+                    </p:cTn>
+                  </p:par>
+                  <p:par>
+                    <p:cTn id="7" fill="hold">
+                      <p:stCondLst>
+                        <p:cond delay="indefinite"/>
+                      </p:stCondLst>
+                      <p:childTnLst>
+                        <p:par>
+                          <p:cTn id="8" fill="hold">
+                            <p:stCondLst>
+                              <p:cond delay="0"/>
+                            </p:stCondLst>
+                            <p:childTnLst>
+                              <p:par>
+                                <p:cTn id="9" presetID="1" presetClass="entr" presetSubtype="0" fill="hold" grpId="0" nodeType="clickEffect">
+                                  <p:stCondLst>
+                                    <p:cond delay="0"/>
+                                  </p:stCondLst>
+                                  <p:childTnLst>
+                                    <p:set>
+                                      <p:cBhvr>
+                                        <p:cTn id="10" dur="1" fill="hold">
+                                          <p:stCondLst>
+                                            <p:cond delay="0"/>
+                                          </p:stCondLst>
+                                        </p:cTn>
+                                        <p:tgtEl>
+                                          <p:spTgt spid="25603">
+                                            <p:txEl>
+                                              <p:pRg st="2" end="2"/>
+                                            </p:txEl>
+                                          </p:spTgt>
+                                        </p:tgtEl>
+                                        <p:attrNameLst>
+                                          <p:attrName>style.visibility</p:attrName>
+                                        </p:attrNameLst>
+                                      </p:cBhvr>
+                                      <p:to>
+                                        <p:strVal val="visible"/>
+                                      </p:to>
+                                    </p:set>
+                                  </p:childTnLst>
+                                </p:cTn>
+                              </p:par>
+                              <p:par>
+                                <p:cTn id="11" presetID="1" presetClass="entr" presetSubtype="0" fill="hold" grpId="0" nodeType="withEffect">
+                                  <p:stCondLst>
+                                    <p:cond delay="0"/>
+                                  </p:stCondLst>
+                                  <p:childTnLst>
+                                    <p:set>
+                                      <p:cBhvr>
+                                        <p:cTn id="12" dur="1" fill="hold">
+                                          <p:stCondLst>
+                                            <p:cond delay="0"/>
+                                          </p:stCondLst>
+                                        </p:cTn>
+                                        <p:tgtEl>
+                                          <p:spTgt spid="25603">
+                                            <p:txEl>
+                                              <p:pRg st="3" end="3"/>
+                                            </p:txEl>
+                                          </p:spTgt>
+                                        </p:tgtEl>
+                                        <p:attrNameLst>
+                                          <p:attrName>style.visibility</p:attrName>
+                                        </p:attrNameLst>
+                                      </p:cBhvr>
+                                      <p:to>
+                                        <p:strVal val="visible"/>
+                                      </p:to>
+                                    </p:set>
+                                  </p:childTnLst>
+                                </p:cTn>
+                              </p:par>
+                            </p:childTnLst>
+                          </p:cTn>
+                        </p:par>
+                      </p:childTnLst>
+                    </p:cTn>
+                  </p:par>
+                  <p:par>
+                    <p:cTn id="13" fill="hold">
+                      <p:stCondLst>
+                        <p:cond delay="indefinite"/>
+                      </p:stCondLst>
+                      <p:childTnLst>
+                        <p:par>
+                          <p:cTn id="14" fill="hold">
+                            <p:stCondLst>
+                              <p:cond delay="0"/>
+                            </p:stCondLst>
+                            <p:childTnLst>
+                              <p:par>
+                                <p:cTn id="15" presetID="1" presetClass="entr" presetSubtype="0" fill="hold" grpId="0" nodeType="clickEffect">
+                                  <p:stCondLst>
+                                    <p:cond delay="0"/>
+                                  </p:stCondLst>
+                                  <p:childTnLst>
+                                    <p:set>
+                                      <p:cBhvr>
+                                        <p:cTn id="16" dur="1" fill="hold">
+                                          <p:stCondLst>
+                                            <p:cond delay="0"/>
+                                          </p:stCondLst>
+                                        </p:cTn>
+                                        <p:tgtEl>
+                                          <p:spTgt spid="25603">
+                                            <p:txEl>
+                                              <p:pRg st="5" end="5"/>
+                                            </p:txEl>
+                                          </p:spTgt>
+                                        </p:tgtEl>
+                                        <p:attrNameLst>
+                                          <p:attrName>style.visibility</p:attrName>
+                                        </p:attrNameLst>
+                                      </p:cBhvr>
+                                      <p:to>
+                                        <p:strVal val="visible"/>
+                                      </p:to>
+                                    </p:set>
+                                  </p:childTnLst>
+                                </p:cTn>
+                              </p:par>
+                            </p:childTnLst>
+                          </p:cTn>
+                        </p:par>
+                      </p:childTnLst>
+                    </p:cTn>
+                  </p:par>
+                  <p:par>
+                    <p:cTn id="17" fill="hold">
+                      <p:stCondLst>
+                        <p:cond delay="indefinite"/>
+                      </p:stCondLst>
+                      <p:childTnLst>
+                        <p:par>
+                          <p:cTn id="18" fill="hold">
+                            <p:stCondLst>
+                              <p:cond delay="0"/>
+                            </p:stCondLst>
+                            <p:childTnLst>
+                              <p:par>
+                                <p:cTn id="19" presetID="1" presetClass="entr" presetSubtype="0" fill="hold" grpId="0" nodeType="clickEffect">
+                                  <p:stCondLst>
+                                    <p:cond delay="0"/>
+                                  </p:stCondLst>
+                                  <p:childTnLst>
+                                    <p:set>
+                                      <p:cBhvr>
+                                        <p:cTn id="20" dur="1" fill="hold">
+                                          <p:stCondLst>
+                                            <p:cond delay="0"/>
+                                          </p:stCondLst>
+                                        </p:cTn>
+                                        <p:tgtEl>
+                                          <p:spTgt spid="25603">
+                                            <p:txEl>
+                                              <p:pRg st="7" end="7"/>
+                                            </p:txEl>
+                                          </p:spTgt>
+                                        </p:tgtEl>
+                                        <p:attrNameLst>
+                                          <p:attrName>style.visibility</p:attrName>
+                                        </p:attrNameLst>
+                                      </p:cBhvr>
+                                      <p:to>
+                                        <p:strVal val="visible"/>
+                                      </p:to>
+                                    </p:set>
+                                  </p:childTnLst>
+                                </p:cTn>
+                              </p:par>
+                            </p:childTnLst>
+                          </p:cTn>
+                        </p:par>
+                      </p:childTnLst>
+                    </p:cTn>
+                  </p:par>
+                </p:childTnLst>
+              </p:cTn>
+              <p:prevCondLst>
+                <p:cond evt="onPrev" delay="0">
+                  <p:tgtEl>
+                    <p:sldTgt/>
+                  </p:tgtEl>
+                </p:cond>
+              </p:prevCondLst>
+              <p:nextCondLst>
+                <p:cond evt="onNext" delay="0">
+                  <p:tgtEl>
+                    <p:sldTgt/>
+                  </p:tgtEl>
+                </p:cond>
+              </p:nextCondLst>
+            </p:seq>
+          </p:childTnLst>
+        </p:cTn>
+      </p:par>
+    </p:tnLst>
+    <p:bldLst>
+      <p:bldP spid="25603" grpId="0" uiExpand="1" build="p"/>
+    </p:bldLst>
+  </p:timing>
+</p:sld>
+</file>
+
+<file path=ppt/slides/slide30.xml><?xml version="1.0" encoding="utf-8"?>
 <p:sld xmlns:a="http://schemas.openxmlformats.org/drawingml/2006/main" xmlns:r="http://schemas.openxmlformats.org/officeDocument/2006/relationships" xmlns:p="http://schemas.openxmlformats.org/presentationml/2006/main">
   <p:cSld>
     <p:spTree>
@@ -35262,7 +36766,7 @@
             <a:fld id="{27D3C2B7-BFCE-47F7-B76D-5DC27A3663B1}" type="slidenum">
               <a:rPr lang="en-US" altLang="en-US" smtClean="0"/>
               <a:pPr/>
-              <a:t>29</a:t>
+              <a:t>30</a:t>
             </a:fld>
             <a:endParaRPr lang="en-US" altLang="en-US"/>
           </a:p>
@@ -35471,7 +36975,7 @@
           <a:p>
             <a:fld id="{939BC27C-99A1-48D3-A757-D318F3766BD7}" type="datetime1">
               <a:rPr lang="en-US" smtClean="0"/>
-              <a:t>12/5/2017</a:t>
+              <a:t>1/11/2018</a:t>
             </a:fld>
             <a:endParaRPr lang="en-US" dirty="0"/>
           </a:p>
@@ -36296,906 +37800,7 @@
 </p:sld>
 </file>
 
-<file path=ppt/slides/slide3.xml><?xml version="1.0" encoding="utf-8"?>
-<p:sld xmlns:a="http://schemas.openxmlformats.org/drawingml/2006/main" xmlns:r="http://schemas.openxmlformats.org/officeDocument/2006/relationships" xmlns:p="http://schemas.openxmlformats.org/presentationml/2006/main">
-  <p:cSld>
-    <p:spTree>
-      <p:nvGrpSpPr>
-        <p:cNvPr id="1" name=""/>
-        <p:cNvGrpSpPr/>
-        <p:nvPr/>
-      </p:nvGrpSpPr>
-      <p:grpSpPr>
-        <a:xfrm>
-          <a:off x="0" y="0"/>
-          <a:ext cx="0" cy="0"/>
-          <a:chOff x="0" y="0"/>
-          <a:chExt cx="0" cy="0"/>
-        </a:xfrm>
-      </p:grpSpPr>
-      <p:sp>
-        <p:nvSpPr>
-          <p:cNvPr id="25602" name="Rectangle 2"/>
-          <p:cNvSpPr>
-            <a:spLocks noGrp="1" noChangeArrowheads="1"/>
-          </p:cNvSpPr>
-          <p:nvPr>
-            <p:ph type="title"/>
-          </p:nvPr>
-        </p:nvSpPr>
-        <p:spPr>
-          <a:xfrm>
-            <a:off x="609600" y="1022351"/>
-            <a:ext cx="10972800" cy="427567"/>
-          </a:xfrm>
-        </p:spPr>
-        <p:txBody>
-          <a:bodyPr>
-            <a:normAutofit fontScale="90000"/>
-          </a:bodyPr>
-          <a:lstStyle/>
-          <a:p>
-            <a:pPr eaLnBrk="1" hangingPunct="1">
-              <a:defRPr/>
-            </a:pPr>
-            <a:r>
-              <a:rPr lang="en-US" dirty="0">
-                <a:ea typeface="+mj-ea"/>
-                <a:cs typeface="+mj-cs"/>
-              </a:rPr>
-              <a:t>Complaints!</a:t>
-            </a:r>
-          </a:p>
-        </p:txBody>
-      </p:sp>
-      <p:sp>
-        <p:nvSpPr>
-          <p:cNvPr id="25603" name="Rectangle 3"/>
-          <p:cNvSpPr>
-            <a:spLocks noGrp="1" noChangeArrowheads="1"/>
-          </p:cNvSpPr>
-          <p:nvPr>
-            <p:ph type="body" sz="half" idx="1"/>
-          </p:nvPr>
-        </p:nvSpPr>
-        <p:spPr>
-          <a:xfrm>
-            <a:off x="618067" y="1911351"/>
-            <a:ext cx="6087533" cy="4034367"/>
-          </a:xfrm>
-        </p:spPr>
-        <p:txBody>
-          <a:bodyPr>
-            <a:normAutofit fontScale="70000" lnSpcReduction="20000"/>
-          </a:bodyPr>
-          <a:lstStyle/>
-          <a:p>
-            <a:pPr eaLnBrk="1" hangingPunct="1">
-              <a:buFontTx/>
-              <a:buNone/>
-              <a:defRPr/>
-            </a:pPr>
-            <a:r>
-              <a:rPr lang="en-US" dirty="0">
-                <a:ea typeface="+mn-ea"/>
-                <a:cs typeface="+mn-cs"/>
-              </a:rPr>
-              <a:t>Data in the CAS seems far away from Java code</a:t>
-            </a:r>
-          </a:p>
-          <a:p>
-            <a:pPr eaLnBrk="1" hangingPunct="1">
-              <a:buFontTx/>
-              <a:buNone/>
-              <a:defRPr/>
-            </a:pPr>
-            <a:endParaRPr lang="en-US" dirty="0">
-              <a:ea typeface="+mn-ea"/>
-              <a:cs typeface="+mn-cs"/>
-            </a:endParaRPr>
-          </a:p>
-          <a:p>
-            <a:pPr eaLnBrk="1" hangingPunct="1">
-              <a:buFontTx/>
-              <a:buNone/>
-              <a:defRPr/>
-            </a:pPr>
-            <a:r>
-              <a:rPr lang="en-US" dirty="0">
-                <a:ea typeface="+mn-ea"/>
-                <a:cs typeface="+mn-cs"/>
-              </a:rPr>
-              <a:t>Sometimes I get </a:t>
-            </a:r>
-            <a:r>
-              <a:rPr lang="en-US" sz="2667" b="1" u="sng" dirty="0">
-                <a:ln w="6600">
-                  <a:solidFill>
-                    <a:schemeClr val="accent2"/>
-                  </a:solidFill>
-                  <a:prstDash val="solid"/>
-                </a:ln>
-                <a:solidFill>
-                  <a:srgbClr val="FFFFFF"/>
-                </a:solidFill>
-                <a:effectLst>
-                  <a:outerShdw dist="38100" dir="2700000" algn="tl" rotWithShape="0">
-                    <a:schemeClr val="accent2"/>
-                  </a:outerShdw>
-                </a:effectLst>
-              </a:rPr>
-              <a:t>surprised</a:t>
-            </a:r>
-            <a:r>
-              <a:rPr lang="en-US" dirty="0">
-                <a:ea typeface="+mn-ea"/>
-                <a:cs typeface="+mn-cs"/>
-              </a:rPr>
-              <a:t> by what happens</a:t>
-            </a:r>
-          </a:p>
-          <a:p>
-            <a:pPr eaLnBrk="1" hangingPunct="1">
-              <a:buFontTx/>
-              <a:buNone/>
-              <a:defRPr/>
-            </a:pPr>
-            <a:r>
-              <a:rPr lang="en-US" dirty="0">
-                <a:ea typeface="+mn-ea"/>
-                <a:cs typeface="+mn-cs"/>
-              </a:rPr>
-              <a:t>	- not what I expected.</a:t>
-            </a:r>
-          </a:p>
-          <a:p>
-            <a:pPr eaLnBrk="1" hangingPunct="1">
-              <a:buFontTx/>
-              <a:buNone/>
-              <a:defRPr/>
-            </a:pPr>
-            <a:endParaRPr lang="en-US" dirty="0">
-              <a:ea typeface="+mn-ea"/>
-              <a:cs typeface="+mn-cs"/>
-            </a:endParaRPr>
-          </a:p>
-          <a:p>
-            <a:pPr eaLnBrk="1" hangingPunct="1">
-              <a:lnSpc>
-                <a:spcPct val="120000"/>
-              </a:lnSpc>
-              <a:buFontTx/>
-              <a:buNone/>
-              <a:defRPr/>
-            </a:pPr>
-            <a:r>
-              <a:rPr lang="en-US" dirty="0">
-                <a:ea typeface="+mn-ea"/>
-                <a:cs typeface="+mn-cs"/>
-              </a:rPr>
-              <a:t>Annoyance - Sometimes I have a CAS, sometimes a JCas, why should I need to convert between these?</a:t>
-            </a:r>
-          </a:p>
-          <a:p>
-            <a:pPr eaLnBrk="1" hangingPunct="1">
-              <a:buFontTx/>
-              <a:buNone/>
-              <a:defRPr/>
-            </a:pPr>
-            <a:endParaRPr lang="en-US" dirty="0">
-              <a:ea typeface="+mn-ea"/>
-              <a:cs typeface="+mn-cs"/>
-            </a:endParaRPr>
-          </a:p>
-          <a:p>
-            <a:pPr eaLnBrk="1" hangingPunct="1">
-              <a:lnSpc>
-                <a:spcPct val="120000"/>
-              </a:lnSpc>
-              <a:buFontTx/>
-              <a:buNone/>
-              <a:defRPr/>
-            </a:pPr>
-            <a:r>
-              <a:rPr lang="en-US" dirty="0">
-                <a:ea typeface="+mn-ea"/>
-                <a:cs typeface="+mn-cs"/>
-              </a:rPr>
-              <a:t>Big picture – I’d rather work with normal Java objects, and get advantages like GC, normal Java idioms, and type inferencing</a:t>
-            </a:r>
-          </a:p>
-          <a:p>
-            <a:pPr marL="461422" lvl="1" indent="0">
-              <a:buNone/>
-              <a:defRPr/>
-            </a:pPr>
-            <a:endParaRPr lang="en-US" dirty="0">
-              <a:ea typeface="+mn-ea"/>
-              <a:cs typeface="+mn-cs"/>
-            </a:endParaRPr>
-          </a:p>
-        </p:txBody>
-      </p:sp>
-      <p:sp>
-        <p:nvSpPr>
-          <p:cNvPr id="9" name="Rectangle 5"/>
-          <p:cNvSpPr>
-            <a:spLocks noGrp="1" noChangeArrowheads="1"/>
-          </p:cNvSpPr>
-          <p:nvPr>
-            <p:ph type="ftr" sz="quarter" idx="10"/>
-          </p:nvPr>
-        </p:nvSpPr>
-        <p:spPr>
-          <a:xfrm>
-            <a:off x="4038600" y="6356350"/>
-            <a:ext cx="4114800" cy="365125"/>
-          </a:xfrm>
-          <a:extLst>
-            <a:ext uri="{909E8E84-426E-40dd-AFC4-6F175D3DCCD1}">
-              <a14:hiddenFill xmlns="" xmlns:a14="http://schemas.microsoft.com/office/drawing/2010/main">
-                <a:solidFill>
-                  <a:schemeClr val="accent1"/>
-                </a:solidFill>
-              </a14:hiddenFill>
-            </a:ext>
-            <a:ext uri="{91240B29-F687-4f45-9708-019B960494DF}">
-              <a14:hiddenLine xmlns="" xmlns:a14="http://schemas.microsoft.com/office/drawing/2010/main" w="9525">
-                <a:solidFill>
-                  <a:schemeClr val="tx1"/>
-                </a:solidFill>
-                <a:miter lim="800000"/>
-                <a:headEnd/>
-                <a:tailEnd/>
-              </a14:hiddenLine>
-            </a:ext>
-            <a:ext uri="{AF507438-7753-43e0-B8FC-AC1667EBCBE1}">
-              <a14:hiddenEffects xmlns="" xmlns:a14="http://schemas.microsoft.com/office/drawing/2010/main">
-                <a:effectLst>
-                  <a:outerShdw blurRad="63500" dist="38099" dir="2700000" algn="ctr" rotWithShape="0">
-                    <a:schemeClr val="bg2">
-                      <a:alpha val="74998"/>
-                    </a:schemeClr>
-                  </a:outerShdw>
-                </a:effectLst>
-              </a14:hiddenEffects>
-            </a:ext>
-            <a:ext uri="{FAA26D3D-D897-4be2-8F04-BA451C77F1D7}">
-              <ma14:placeholderFlag xmlns="" xmlns:ma14="http://schemas.microsoft.com/office/mac/drawingml/2011/main" val="1"/>
-            </a:ext>
-          </a:extLst>
-        </p:spPr>
-        <p:txBody>
-          <a:bodyPr/>
-          <a:lstStyle>
-            <a:lvl1pPr eaLnBrk="0" hangingPunct="0">
-              <a:defRPr sz="3200">
-                <a:solidFill>
-                  <a:schemeClr val="tx1"/>
-                </a:solidFill>
-                <a:latin typeface="Arial" panose="020B0604020202020204" pitchFamily="34" charset="0"/>
-                <a:ea typeface="ヒラギノ角ゴ Pro W3" charset="-128"/>
-              </a:defRPr>
-            </a:lvl1pPr>
-            <a:lvl2pPr marL="990575" indent="-380990" eaLnBrk="0" hangingPunct="0">
-              <a:defRPr sz="3200">
-                <a:solidFill>
-                  <a:schemeClr val="tx1"/>
-                </a:solidFill>
-                <a:latin typeface="Arial" panose="020B0604020202020204" pitchFamily="34" charset="0"/>
-                <a:ea typeface="ヒラギノ角ゴ Pro W3" charset="-128"/>
-              </a:defRPr>
-            </a:lvl2pPr>
-            <a:lvl3pPr marL="1523962" indent="-304792" eaLnBrk="0" hangingPunct="0">
-              <a:defRPr sz="3200">
-                <a:solidFill>
-                  <a:schemeClr val="tx1"/>
-                </a:solidFill>
-                <a:latin typeface="Arial" panose="020B0604020202020204" pitchFamily="34" charset="0"/>
-                <a:ea typeface="ヒラギノ角ゴ Pro W3" charset="-128"/>
-              </a:defRPr>
-            </a:lvl3pPr>
-            <a:lvl4pPr marL="2133547" indent="-304792" eaLnBrk="0" hangingPunct="0">
-              <a:defRPr sz="3200">
-                <a:solidFill>
-                  <a:schemeClr val="tx1"/>
-                </a:solidFill>
-                <a:latin typeface="Arial" panose="020B0604020202020204" pitchFamily="34" charset="0"/>
-                <a:ea typeface="ヒラギノ角ゴ Pro W3" charset="-128"/>
-              </a:defRPr>
-            </a:lvl4pPr>
-            <a:lvl5pPr marL="2743131" indent="-304792" eaLnBrk="0" hangingPunct="0">
-              <a:defRPr sz="3200">
-                <a:solidFill>
-                  <a:schemeClr val="tx1"/>
-                </a:solidFill>
-                <a:latin typeface="Arial" panose="020B0604020202020204" pitchFamily="34" charset="0"/>
-                <a:ea typeface="ヒラギノ角ゴ Pro W3" charset="-128"/>
-              </a:defRPr>
-            </a:lvl5pPr>
-            <a:lvl6pPr marL="3352716" indent="-304792" eaLnBrk="0" fontAlgn="base" hangingPunct="0">
-              <a:spcBef>
-                <a:spcPct val="0"/>
-              </a:spcBef>
-              <a:spcAft>
-                <a:spcPct val="0"/>
-              </a:spcAft>
-              <a:defRPr sz="3200">
-                <a:solidFill>
-                  <a:schemeClr val="tx1"/>
-                </a:solidFill>
-                <a:latin typeface="Arial" panose="020B0604020202020204" pitchFamily="34" charset="0"/>
-                <a:ea typeface="ヒラギノ角ゴ Pro W3" charset="-128"/>
-              </a:defRPr>
-            </a:lvl6pPr>
-            <a:lvl7pPr marL="3962301" indent="-304792" eaLnBrk="0" fontAlgn="base" hangingPunct="0">
-              <a:spcBef>
-                <a:spcPct val="0"/>
-              </a:spcBef>
-              <a:spcAft>
-                <a:spcPct val="0"/>
-              </a:spcAft>
-              <a:defRPr sz="3200">
-                <a:solidFill>
-                  <a:schemeClr val="tx1"/>
-                </a:solidFill>
-                <a:latin typeface="Arial" panose="020B0604020202020204" pitchFamily="34" charset="0"/>
-                <a:ea typeface="ヒラギノ角ゴ Pro W3" charset="-128"/>
-              </a:defRPr>
-            </a:lvl7pPr>
-            <a:lvl8pPr marL="4571886" indent="-304792" eaLnBrk="0" fontAlgn="base" hangingPunct="0">
-              <a:spcBef>
-                <a:spcPct val="0"/>
-              </a:spcBef>
-              <a:spcAft>
-                <a:spcPct val="0"/>
-              </a:spcAft>
-              <a:defRPr sz="3200">
-                <a:solidFill>
-                  <a:schemeClr val="tx1"/>
-                </a:solidFill>
-                <a:latin typeface="Arial" panose="020B0604020202020204" pitchFamily="34" charset="0"/>
-                <a:ea typeface="ヒラギノ角ゴ Pro W3" charset="-128"/>
-              </a:defRPr>
-            </a:lvl8pPr>
-            <a:lvl9pPr marL="5181470" indent="-304792" eaLnBrk="0" fontAlgn="base" hangingPunct="0">
-              <a:spcBef>
-                <a:spcPct val="0"/>
-              </a:spcBef>
-              <a:spcAft>
-                <a:spcPct val="0"/>
-              </a:spcAft>
-              <a:defRPr sz="3200">
-                <a:solidFill>
-                  <a:schemeClr val="tx1"/>
-                </a:solidFill>
-                <a:latin typeface="Arial" panose="020B0604020202020204" pitchFamily="34" charset="0"/>
-                <a:ea typeface="ヒラギノ角ゴ Pro W3" charset="-128"/>
-              </a:defRPr>
-            </a:lvl9pPr>
-          </a:lstStyle>
-          <a:p>
-            <a:r>
-              <a:rPr lang="en-US" altLang="en-US" sz="1200">
-                <a:solidFill>
-                  <a:srgbClr val="004266"/>
-                </a:solidFill>
-              </a:rPr>
-              <a:t>©Copyright Apache Software Foundation</a:t>
-            </a:r>
-            <a:endParaRPr lang="en-US" altLang="en-US" sz="1200" dirty="0">
-              <a:solidFill>
-                <a:srgbClr val="004266"/>
-              </a:solidFill>
-            </a:endParaRPr>
-          </a:p>
-        </p:txBody>
-      </p:sp>
-      <p:sp>
-        <p:nvSpPr>
-          <p:cNvPr id="10" name="Rectangle 6"/>
-          <p:cNvSpPr>
-            <a:spLocks noGrp="1" noChangeArrowheads="1"/>
-          </p:cNvSpPr>
-          <p:nvPr>
-            <p:ph type="sldNum" sz="quarter" idx="11"/>
-          </p:nvPr>
-        </p:nvSpPr>
-        <p:spPr>
-          <a:extLst>
-            <a:ext uri="{909E8E84-426E-40dd-AFC4-6F175D3DCCD1}">
-              <a14:hiddenFill xmlns="" xmlns:a14="http://schemas.microsoft.com/office/drawing/2010/main">
-                <a:solidFill>
-                  <a:schemeClr val="accent1"/>
-                </a:solidFill>
-              </a14:hiddenFill>
-            </a:ext>
-            <a:ext uri="{91240B29-F687-4f45-9708-019B960494DF}">
-              <a14:hiddenLine xmlns="" xmlns:a14="http://schemas.microsoft.com/office/drawing/2010/main" w="9525">
-                <a:solidFill>
-                  <a:schemeClr val="tx1"/>
-                </a:solidFill>
-                <a:miter lim="800000"/>
-                <a:headEnd/>
-                <a:tailEnd/>
-              </a14:hiddenLine>
-            </a:ext>
-            <a:ext uri="{AF507438-7753-43e0-B8FC-AC1667EBCBE1}">
-              <a14:hiddenEffects xmlns="" xmlns:a14="http://schemas.microsoft.com/office/drawing/2010/main">
-                <a:effectLst>
-                  <a:outerShdw blurRad="63500" dist="38099" dir="2700000" algn="ctr" rotWithShape="0">
-                    <a:schemeClr val="bg2">
-                      <a:alpha val="74998"/>
-                    </a:schemeClr>
-                  </a:outerShdw>
-                </a:effectLst>
-              </a14:hiddenEffects>
-            </a:ext>
-            <a:ext uri="{FAA26D3D-D897-4be2-8F04-BA451C77F1D7}">
-              <ma14:placeholderFlag xmlns="" xmlns:ma14="http://schemas.microsoft.com/office/mac/drawingml/2011/main" val="1"/>
-            </a:ext>
-          </a:extLst>
-        </p:spPr>
-        <p:txBody>
-          <a:bodyPr/>
-          <a:lstStyle>
-            <a:lvl1pPr eaLnBrk="0" hangingPunct="0">
-              <a:defRPr sz="3200">
-                <a:solidFill>
-                  <a:schemeClr val="tx1"/>
-                </a:solidFill>
-                <a:latin typeface="Arial" panose="020B0604020202020204" pitchFamily="34" charset="0"/>
-                <a:ea typeface="ヒラギノ角ゴ Pro W3" charset="-128"/>
-              </a:defRPr>
-            </a:lvl1pPr>
-            <a:lvl2pPr marL="990575" indent="-380990" eaLnBrk="0" hangingPunct="0">
-              <a:defRPr sz="3200">
-                <a:solidFill>
-                  <a:schemeClr val="tx1"/>
-                </a:solidFill>
-                <a:latin typeface="Arial" panose="020B0604020202020204" pitchFamily="34" charset="0"/>
-                <a:ea typeface="ヒラギノ角ゴ Pro W3" charset="-128"/>
-              </a:defRPr>
-            </a:lvl2pPr>
-            <a:lvl3pPr marL="1523962" indent="-304792" eaLnBrk="0" hangingPunct="0">
-              <a:defRPr sz="3200">
-                <a:solidFill>
-                  <a:schemeClr val="tx1"/>
-                </a:solidFill>
-                <a:latin typeface="Arial" panose="020B0604020202020204" pitchFamily="34" charset="0"/>
-                <a:ea typeface="ヒラギノ角ゴ Pro W3" charset="-128"/>
-              </a:defRPr>
-            </a:lvl3pPr>
-            <a:lvl4pPr marL="2133547" indent="-304792" eaLnBrk="0" hangingPunct="0">
-              <a:defRPr sz="3200">
-                <a:solidFill>
-                  <a:schemeClr val="tx1"/>
-                </a:solidFill>
-                <a:latin typeface="Arial" panose="020B0604020202020204" pitchFamily="34" charset="0"/>
-                <a:ea typeface="ヒラギノ角ゴ Pro W3" charset="-128"/>
-              </a:defRPr>
-            </a:lvl4pPr>
-            <a:lvl5pPr marL="2743131" indent="-304792" eaLnBrk="0" hangingPunct="0">
-              <a:defRPr sz="3200">
-                <a:solidFill>
-                  <a:schemeClr val="tx1"/>
-                </a:solidFill>
-                <a:latin typeface="Arial" panose="020B0604020202020204" pitchFamily="34" charset="0"/>
-                <a:ea typeface="ヒラギノ角ゴ Pro W3" charset="-128"/>
-              </a:defRPr>
-            </a:lvl5pPr>
-            <a:lvl6pPr marL="3352716" indent="-304792" eaLnBrk="0" fontAlgn="base" hangingPunct="0">
-              <a:spcBef>
-                <a:spcPct val="0"/>
-              </a:spcBef>
-              <a:spcAft>
-                <a:spcPct val="0"/>
-              </a:spcAft>
-              <a:defRPr sz="3200">
-                <a:solidFill>
-                  <a:schemeClr val="tx1"/>
-                </a:solidFill>
-                <a:latin typeface="Arial" panose="020B0604020202020204" pitchFamily="34" charset="0"/>
-                <a:ea typeface="ヒラギノ角ゴ Pro W3" charset="-128"/>
-              </a:defRPr>
-            </a:lvl6pPr>
-            <a:lvl7pPr marL="3962301" indent="-304792" eaLnBrk="0" fontAlgn="base" hangingPunct="0">
-              <a:spcBef>
-                <a:spcPct val="0"/>
-              </a:spcBef>
-              <a:spcAft>
-                <a:spcPct val="0"/>
-              </a:spcAft>
-              <a:defRPr sz="3200">
-                <a:solidFill>
-                  <a:schemeClr val="tx1"/>
-                </a:solidFill>
-                <a:latin typeface="Arial" panose="020B0604020202020204" pitchFamily="34" charset="0"/>
-                <a:ea typeface="ヒラギノ角ゴ Pro W3" charset="-128"/>
-              </a:defRPr>
-            </a:lvl7pPr>
-            <a:lvl8pPr marL="4571886" indent="-304792" eaLnBrk="0" fontAlgn="base" hangingPunct="0">
-              <a:spcBef>
-                <a:spcPct val="0"/>
-              </a:spcBef>
-              <a:spcAft>
-                <a:spcPct val="0"/>
-              </a:spcAft>
-              <a:defRPr sz="3200">
-                <a:solidFill>
-                  <a:schemeClr val="tx1"/>
-                </a:solidFill>
-                <a:latin typeface="Arial" panose="020B0604020202020204" pitchFamily="34" charset="0"/>
-                <a:ea typeface="ヒラギノ角ゴ Pro W3" charset="-128"/>
-              </a:defRPr>
-            </a:lvl8pPr>
-            <a:lvl9pPr marL="5181470" indent="-304792" eaLnBrk="0" fontAlgn="base" hangingPunct="0">
-              <a:spcBef>
-                <a:spcPct val="0"/>
-              </a:spcBef>
-              <a:spcAft>
-                <a:spcPct val="0"/>
-              </a:spcAft>
-              <a:defRPr sz="3200">
-                <a:solidFill>
-                  <a:schemeClr val="tx1"/>
-                </a:solidFill>
-                <a:latin typeface="Arial" panose="020B0604020202020204" pitchFamily="34" charset="0"/>
-                <a:ea typeface="ヒラギノ角ゴ Pro W3" charset="-128"/>
-              </a:defRPr>
-            </a:lvl9pPr>
-          </a:lstStyle>
-          <a:p>
-            <a:fld id="{F297CE05-760F-4482-BA29-5AC2868D7D88}" type="slidenum">
-              <a:rPr lang="en-US" altLang="en-US" sz="1200">
-                <a:solidFill>
-                  <a:srgbClr val="004266"/>
-                </a:solidFill>
-              </a:rPr>
-              <a:pPr/>
-              <a:t>3</a:t>
-            </a:fld>
-            <a:endParaRPr lang="en-US" altLang="en-US" sz="1200">
-              <a:solidFill>
-                <a:srgbClr val="004266"/>
-              </a:solidFill>
-            </a:endParaRPr>
-          </a:p>
-        </p:txBody>
-      </p:sp>
-      <p:pic>
-        <p:nvPicPr>
-          <p:cNvPr id="11" name="Picture 10">
-            <a:extLst>
-              <a:ext uri="{FF2B5EF4-FFF2-40B4-BE49-F238E27FC236}">
-                <a16:creationId xmlns:a16="http://schemas.microsoft.com/office/drawing/2014/main" id="{1E247C38-B31C-4D79-88F8-8D500D8053D9}"/>
-              </a:ext>
-            </a:extLst>
-          </p:cNvPr>
-          <p:cNvPicPr>
-            <a:picLocks noChangeAspect="1"/>
-          </p:cNvPicPr>
-          <p:nvPr/>
-        </p:nvPicPr>
-        <p:blipFill>
-          <a:blip r:embed="rId2"/>
-          <a:stretch>
-            <a:fillRect/>
-          </a:stretch>
-        </p:blipFill>
-        <p:spPr>
-          <a:xfrm>
-            <a:off x="7010400" y="1447800"/>
-            <a:ext cx="4267200" cy="4876800"/>
-          </a:xfrm>
-          <a:prstGeom prst="rect">
-            <a:avLst/>
-          </a:prstGeom>
-        </p:spPr>
-      </p:pic>
-      <p:sp>
-        <p:nvSpPr>
-          <p:cNvPr id="2" name="Date Placeholder 1">
-            <a:extLst>
-              <a:ext uri="{FF2B5EF4-FFF2-40B4-BE49-F238E27FC236}">
-                <a16:creationId xmlns:a16="http://schemas.microsoft.com/office/drawing/2014/main" id="{D8A6E346-1715-40C8-B341-BB7BD13279C2}"/>
-              </a:ext>
-            </a:extLst>
-          </p:cNvPr>
-          <p:cNvSpPr>
-            <a:spLocks noGrp="1"/>
-          </p:cNvSpPr>
-          <p:nvPr>
-            <p:ph type="dt" sz="half" idx="12"/>
-          </p:nvPr>
-        </p:nvSpPr>
-        <p:spPr/>
-        <p:txBody>
-          <a:bodyPr/>
-          <a:lstStyle/>
-          <a:p>
-            <a:fld id="{72B1CF7A-5115-4D9F-9AE1-8E5B13C35372}" type="datetime1">
-              <a:rPr lang="en-US" smtClean="0"/>
-              <a:t>12/5/2017</a:t>
-            </a:fld>
-            <a:endParaRPr lang="en-US" dirty="0"/>
-          </a:p>
-        </p:txBody>
-      </p:sp>
-    </p:spTree>
-    <p:extLst>
-      <p:ext uri="{BB962C8B-B14F-4D97-AF65-F5344CB8AC3E}">
-        <p14:creationId xmlns:p14="http://schemas.microsoft.com/office/powerpoint/2010/main" val="2293580642"/>
-      </p:ext>
-    </p:extLst>
-  </p:cSld>
-  <p:clrMapOvr>
-    <a:masterClrMapping/>
-  </p:clrMapOvr>
-  <p:timing>
-    <p:tnLst>
-      <p:par>
-        <p:cTn id="1" dur="indefinite" restart="never" nodeType="tmRoot">
-          <p:childTnLst>
-            <p:seq concurrent="1" nextAc="seek">
-              <p:cTn id="2" dur="indefinite" nodeType="mainSeq">
-                <p:childTnLst>
-                  <p:par>
-                    <p:cTn id="3" fill="hold">
-                      <p:stCondLst>
-                        <p:cond delay="indefinite"/>
-                      </p:stCondLst>
-                      <p:childTnLst>
-                        <p:par>
-                          <p:cTn id="4" fill="hold">
-                            <p:stCondLst>
-                              <p:cond delay="0"/>
-                            </p:stCondLst>
-                            <p:childTnLst>
-                              <p:par>
-                                <p:cTn id="5" presetID="1" presetClass="entr" presetSubtype="0" fill="hold" grpId="0" nodeType="clickEffect">
-                                  <p:stCondLst>
-                                    <p:cond delay="0"/>
-                                  </p:stCondLst>
-                                  <p:childTnLst>
-                                    <p:set>
-                                      <p:cBhvr>
-                                        <p:cTn id="6" dur="1" fill="hold">
-                                          <p:stCondLst>
-                                            <p:cond delay="0"/>
-                                          </p:stCondLst>
-                                        </p:cTn>
-                                        <p:tgtEl>
-                                          <p:spTgt spid="25603">
-                                            <p:txEl>
-                                              <p:pRg st="0" end="0"/>
-                                            </p:txEl>
-                                          </p:spTgt>
-                                        </p:tgtEl>
-                                        <p:attrNameLst>
-                                          <p:attrName>style.visibility</p:attrName>
-                                        </p:attrNameLst>
-                                      </p:cBhvr>
-                                      <p:to>
-                                        <p:strVal val="visible"/>
-                                      </p:to>
-                                    </p:set>
-                                  </p:childTnLst>
-                                </p:cTn>
-                              </p:par>
-                            </p:childTnLst>
-                          </p:cTn>
-                        </p:par>
-                      </p:childTnLst>
-                    </p:cTn>
-                  </p:par>
-                  <p:par>
-                    <p:cTn id="7" fill="hold">
-                      <p:stCondLst>
-                        <p:cond delay="indefinite"/>
-                      </p:stCondLst>
-                      <p:childTnLst>
-                        <p:par>
-                          <p:cTn id="8" fill="hold">
-                            <p:stCondLst>
-                              <p:cond delay="0"/>
-                            </p:stCondLst>
-                            <p:childTnLst>
-                              <p:par>
-                                <p:cTn id="9" presetID="1" presetClass="entr" presetSubtype="0" fill="hold" grpId="0" nodeType="clickEffect">
-                                  <p:stCondLst>
-                                    <p:cond delay="0"/>
-                                  </p:stCondLst>
-                                  <p:childTnLst>
-                                    <p:set>
-                                      <p:cBhvr>
-                                        <p:cTn id="10" dur="1" fill="hold">
-                                          <p:stCondLst>
-                                            <p:cond delay="0"/>
-                                          </p:stCondLst>
-                                        </p:cTn>
-                                        <p:tgtEl>
-                                          <p:spTgt spid="25603">
-                                            <p:txEl>
-                                              <p:pRg st="2" end="2"/>
-                                            </p:txEl>
-                                          </p:spTgt>
-                                        </p:tgtEl>
-                                        <p:attrNameLst>
-                                          <p:attrName>style.visibility</p:attrName>
-                                        </p:attrNameLst>
-                                      </p:cBhvr>
-                                      <p:to>
-                                        <p:strVal val="visible"/>
-                                      </p:to>
-                                    </p:set>
-                                  </p:childTnLst>
-                                </p:cTn>
-                              </p:par>
-                              <p:par>
-                                <p:cTn id="11" presetID="1" presetClass="entr" presetSubtype="0" fill="hold" grpId="0" nodeType="withEffect">
-                                  <p:stCondLst>
-                                    <p:cond delay="0"/>
-                                  </p:stCondLst>
-                                  <p:childTnLst>
-                                    <p:set>
-                                      <p:cBhvr>
-                                        <p:cTn id="12" dur="1" fill="hold">
-                                          <p:stCondLst>
-                                            <p:cond delay="0"/>
-                                          </p:stCondLst>
-                                        </p:cTn>
-                                        <p:tgtEl>
-                                          <p:spTgt spid="25603">
-                                            <p:txEl>
-                                              <p:pRg st="3" end="3"/>
-                                            </p:txEl>
-                                          </p:spTgt>
-                                        </p:tgtEl>
-                                        <p:attrNameLst>
-                                          <p:attrName>style.visibility</p:attrName>
-                                        </p:attrNameLst>
-                                      </p:cBhvr>
-                                      <p:to>
-                                        <p:strVal val="visible"/>
-                                      </p:to>
-                                    </p:set>
-                                  </p:childTnLst>
-                                </p:cTn>
-                              </p:par>
-                            </p:childTnLst>
-                          </p:cTn>
-                        </p:par>
-                      </p:childTnLst>
-                    </p:cTn>
-                  </p:par>
-                  <p:par>
-                    <p:cTn id="13" fill="hold">
-                      <p:stCondLst>
-                        <p:cond delay="indefinite"/>
-                      </p:stCondLst>
-                      <p:childTnLst>
-                        <p:par>
-                          <p:cTn id="14" fill="hold">
-                            <p:stCondLst>
-                              <p:cond delay="0"/>
-                            </p:stCondLst>
-                            <p:childTnLst>
-                              <p:par>
-                                <p:cTn id="15" presetID="1" presetClass="entr" presetSubtype="0" fill="hold" grpId="0" nodeType="clickEffect">
-                                  <p:stCondLst>
-                                    <p:cond delay="0"/>
-                                  </p:stCondLst>
-                                  <p:childTnLst>
-                                    <p:set>
-                                      <p:cBhvr>
-                                        <p:cTn id="16" dur="1" fill="hold">
-                                          <p:stCondLst>
-                                            <p:cond delay="0"/>
-                                          </p:stCondLst>
-                                        </p:cTn>
-                                        <p:tgtEl>
-                                          <p:spTgt spid="25603">
-                                            <p:txEl>
-                                              <p:pRg st="5" end="5"/>
-                                            </p:txEl>
-                                          </p:spTgt>
-                                        </p:tgtEl>
-                                        <p:attrNameLst>
-                                          <p:attrName>style.visibility</p:attrName>
-                                        </p:attrNameLst>
-                                      </p:cBhvr>
-                                      <p:to>
-                                        <p:strVal val="visible"/>
-                                      </p:to>
-                                    </p:set>
-                                  </p:childTnLst>
-                                </p:cTn>
-                              </p:par>
-                            </p:childTnLst>
-                          </p:cTn>
-                        </p:par>
-                      </p:childTnLst>
-                    </p:cTn>
-                  </p:par>
-                  <p:par>
-                    <p:cTn id="17" fill="hold">
-                      <p:stCondLst>
-                        <p:cond delay="indefinite"/>
-                      </p:stCondLst>
-                      <p:childTnLst>
-                        <p:par>
-                          <p:cTn id="18" fill="hold">
-                            <p:stCondLst>
-                              <p:cond delay="0"/>
-                            </p:stCondLst>
-                            <p:childTnLst>
-                              <p:par>
-                                <p:cTn id="19" presetID="1" presetClass="entr" presetSubtype="0" fill="hold" grpId="0" nodeType="clickEffect">
-                                  <p:stCondLst>
-                                    <p:cond delay="0"/>
-                                  </p:stCondLst>
-                                  <p:childTnLst>
-                                    <p:set>
-                                      <p:cBhvr>
-                                        <p:cTn id="20" dur="1" fill="hold">
-                                          <p:stCondLst>
-                                            <p:cond delay="0"/>
-                                          </p:stCondLst>
-                                        </p:cTn>
-                                        <p:tgtEl>
-                                          <p:spTgt spid="25603">
-                                            <p:txEl>
-                                              <p:pRg st="7" end="7"/>
-                                            </p:txEl>
-                                          </p:spTgt>
-                                        </p:tgtEl>
-                                        <p:attrNameLst>
-                                          <p:attrName>style.visibility</p:attrName>
-                                        </p:attrNameLst>
-                                      </p:cBhvr>
-                                      <p:to>
-                                        <p:strVal val="visible"/>
-                                      </p:to>
-                                    </p:set>
-                                  </p:childTnLst>
-                                </p:cTn>
-                              </p:par>
-                            </p:childTnLst>
-                          </p:cTn>
-                        </p:par>
-                      </p:childTnLst>
-                    </p:cTn>
-                  </p:par>
-                </p:childTnLst>
-              </p:cTn>
-              <p:prevCondLst>
-                <p:cond evt="onPrev" delay="0">
-                  <p:tgtEl>
-                    <p:sldTgt/>
-                  </p:tgtEl>
-                </p:cond>
-              </p:prevCondLst>
-              <p:nextCondLst>
-                <p:cond evt="onNext" delay="0">
-                  <p:tgtEl>
-                    <p:sldTgt/>
-                  </p:tgtEl>
-                </p:cond>
-              </p:nextCondLst>
-            </p:seq>
-          </p:childTnLst>
-        </p:cTn>
-      </p:par>
-    </p:tnLst>
-    <p:bldLst>
-      <p:bldP spid="25603" grpId="0" uiExpand="1" build="p"/>
-    </p:bldLst>
-  </p:timing>
-</p:sld>
-</file>
-
-<file path=ppt/slides/slide30.xml><?xml version="1.0" encoding="utf-8"?>
+<file path=ppt/slides/slide31.xml><?xml version="1.0" encoding="utf-8"?>
 <p:sld xmlns:a="http://schemas.openxmlformats.org/drawingml/2006/main" xmlns:r="http://schemas.openxmlformats.org/officeDocument/2006/relationships" xmlns:p="http://schemas.openxmlformats.org/presentationml/2006/main">
   <p:cSld>
     <p:spTree>
@@ -37363,7 +37968,7 @@
             <a:fld id="{27D3C2B7-BFCE-47F7-B76D-5DC27A3663B1}" type="slidenum">
               <a:rPr lang="en-US" altLang="en-US" smtClean="0"/>
               <a:pPr/>
-              <a:t>30</a:t>
+              <a:t>31</a:t>
             </a:fld>
             <a:endParaRPr lang="en-US" altLang="en-US"/>
           </a:p>
@@ -37446,7 +38051,7 @@
           <a:p>
             <a:fld id="{D43EF723-9DC7-427A-944C-A22876C03062}" type="datetime1">
               <a:rPr lang="en-US" smtClean="0"/>
-              <a:t>12/5/2017</a:t>
+              <a:t>1/11/2018</a:t>
             </a:fld>
             <a:endParaRPr lang="en-US" dirty="0"/>
           </a:p>
@@ -37663,7 +38268,7 @@
 </p:sld>
 </file>
 
-<file path=ppt/slides/slide31.xml><?xml version="1.0" encoding="utf-8"?>
+<file path=ppt/slides/slide32.xml><?xml version="1.0" encoding="utf-8"?>
 <p:sld xmlns:a="http://schemas.openxmlformats.org/drawingml/2006/main" xmlns:r="http://schemas.openxmlformats.org/officeDocument/2006/relationships" xmlns:p="http://schemas.openxmlformats.org/presentationml/2006/main">
   <p:cSld>
     <p:spTree>
@@ -37738,7 +38343,7 @@
             <a:fld id="{27D3C2B7-BFCE-47F7-B76D-5DC27A3663B1}" type="slidenum">
               <a:rPr lang="en-US" altLang="en-US" smtClean="0"/>
               <a:pPr/>
-              <a:t>31</a:t>
+              <a:t>32</a:t>
             </a:fld>
             <a:endParaRPr lang="en-US" altLang="en-US"/>
           </a:p>
@@ -37797,7 +38402,7 @@
           <a:p>
             <a:fld id="{1F9C297A-A773-438C-A189-3CB6981C78C2}" type="datetime1">
               <a:rPr lang="en-US" smtClean="0"/>
-              <a:t>12/5/2017</a:t>
+              <a:t>1/11/2018</a:t>
             </a:fld>
             <a:endParaRPr lang="en-US" dirty="0"/>
           </a:p>
@@ -38237,7 +38842,7 @@
           <a:p>
             <a:fld id="{A943CBF3-DD08-4B43-857D-2B6E5185334E}" type="datetime1">
               <a:rPr lang="en-US" smtClean="0"/>
-              <a:t>12/5/2017</a:t>
+              <a:t>1/11/2018</a:t>
             </a:fld>
             <a:endParaRPr lang="en-US" dirty="0"/>
           </a:p>
@@ -39167,7 +39772,7 @@
           <a:p>
             <a:fld id="{EF6859CF-7BE2-491B-891B-32127F49A511}" type="datetime1">
               <a:rPr lang="en-US" smtClean="0"/>
-              <a:t>12/5/2017</a:t>
+              <a:t>1/11/2018</a:t>
             </a:fld>
             <a:endParaRPr lang="en-US" dirty="0"/>
           </a:p>
@@ -40515,7 +41120,7 @@
           <a:p>
             <a:fld id="{FFF122D3-7248-47BC-BBF9-FD7B0A466F80}" type="datetime1">
               <a:rPr lang="en-US" smtClean="0"/>
-              <a:t>12/5/2017</a:t>
+              <a:t>1/11/2018</a:t>
             </a:fld>
             <a:endParaRPr lang="en-US" dirty="0"/>
           </a:p>
@@ -42739,7 +43344,7 @@
           <a:p>
             <a:fld id="{CC59E92D-263E-422E-BF83-D1A4522EF799}" type="datetime1">
               <a:rPr lang="en-US" smtClean="0"/>
-              <a:t>12/5/2017</a:t>
+              <a:t>1/11/2018</a:t>
             </a:fld>
             <a:endParaRPr lang="en-US" dirty="0"/>
           </a:p>
@@ -43357,14 +43962,14 @@
           <a:effectLst/>
           <a:extLst>
             <a:ext uri="{909E8E84-426E-40dd-AFC4-6F175D3DCCD1}">
-              <a14:hiddenFill xmlns="" xmlns:a14="http://schemas.microsoft.com/office/drawing/2010/main">
+              <a14:hiddenFill xmlns:a14="http://schemas.microsoft.com/office/drawing/2010/main" xmlns="">
                 <a:solidFill>
                   <a:schemeClr val="accent1"/>
                 </a:solidFill>
               </a14:hiddenFill>
             </a:ext>
             <a:ext uri="{91240B29-F687-4f45-9708-019B960494DF}">
-              <a14:hiddenLine xmlns="" xmlns:a14="http://schemas.microsoft.com/office/drawing/2010/main" w="9525">
+              <a14:hiddenLine xmlns:a14="http://schemas.microsoft.com/office/drawing/2010/main" xmlns="" w="9525">
                 <a:solidFill>
                   <a:schemeClr val="tx1"/>
                 </a:solidFill>
@@ -43374,7 +43979,7 @@
               </a14:hiddenLine>
             </a:ext>
             <a:ext uri="{AF507438-7753-43e0-B8FC-AC1667EBCBE1}">
-              <a14:hiddenEffects xmlns="" xmlns:a14="http://schemas.microsoft.com/office/drawing/2010/main">
+              <a14:hiddenEffects xmlns:a14="http://schemas.microsoft.com/office/drawing/2010/main" xmlns="">
                 <a:effectLst>
                   <a:outerShdw blurRad="63500" dist="38099" dir="2700000" algn="ctr" rotWithShape="0">
                     <a:schemeClr val="bg2">
@@ -43385,7 +43990,7 @@
               </a14:hiddenEffects>
             </a:ext>
             <a:ext uri="{FAA26D3D-D897-4be2-8F04-BA451C77F1D7}">
-              <ma14:placeholderFlag xmlns="" xmlns:ma14="http://schemas.microsoft.com/office/mac/drawingml/2011/main" val="1"/>
+              <ma14:placeholderFlag xmlns:ma14="http://schemas.microsoft.com/office/mac/drawingml/2011/main" xmlns="" val="1"/>
             </a:ext>
           </a:extLst>
         </p:spPr>
@@ -43574,14 +44179,14 @@
           <a:effectLst/>
           <a:extLst>
             <a:ext uri="{909E8E84-426E-40dd-AFC4-6F175D3DCCD1}">
-              <a14:hiddenFill xmlns="" xmlns:a14="http://schemas.microsoft.com/office/drawing/2010/main">
+              <a14:hiddenFill xmlns:a14="http://schemas.microsoft.com/office/drawing/2010/main" xmlns="">
                 <a:solidFill>
                   <a:schemeClr val="accent1"/>
                 </a:solidFill>
               </a14:hiddenFill>
             </a:ext>
             <a:ext uri="{91240B29-F687-4f45-9708-019B960494DF}">
-              <a14:hiddenLine xmlns="" xmlns:a14="http://schemas.microsoft.com/office/drawing/2010/main" w="9525">
+              <a14:hiddenLine xmlns:a14="http://schemas.microsoft.com/office/drawing/2010/main" xmlns="" w="9525">
                 <a:solidFill>
                   <a:schemeClr val="tx1"/>
                 </a:solidFill>
@@ -43591,7 +44196,7 @@
               </a14:hiddenLine>
             </a:ext>
             <a:ext uri="{AF507438-7753-43e0-B8FC-AC1667EBCBE1}">
-              <a14:hiddenEffects xmlns="" xmlns:a14="http://schemas.microsoft.com/office/drawing/2010/main">
+              <a14:hiddenEffects xmlns:a14="http://schemas.microsoft.com/office/drawing/2010/main" xmlns="">
                 <a:effectLst>
                   <a:outerShdw blurRad="63500" dist="38099" dir="2700000" algn="ctr" rotWithShape="0">
                     <a:schemeClr val="bg2">
@@ -43602,7 +44207,7 @@
               </a14:hiddenEffects>
             </a:ext>
             <a:ext uri="{FAA26D3D-D897-4be2-8F04-BA451C77F1D7}">
-              <ma14:placeholderFlag xmlns="" xmlns:ma14="http://schemas.microsoft.com/office/mac/drawingml/2011/main" val="1"/>
+              <ma14:placeholderFlag xmlns:ma14="http://schemas.microsoft.com/office/mac/drawingml/2011/main" xmlns="" val="1"/>
             </a:ext>
           </a:extLst>
         </p:spPr>
@@ -43811,14 +44416,14 @@
           <a:effectLst/>
           <a:extLst>
             <a:ext uri="{909E8E84-426E-40dd-AFC4-6F175D3DCCD1}">
-              <a14:hiddenFill xmlns="" xmlns:a14="http://schemas.microsoft.com/office/drawing/2010/main">
+              <a14:hiddenFill xmlns:a14="http://schemas.microsoft.com/office/drawing/2010/main" xmlns="">
                 <a:solidFill>
                   <a:schemeClr val="accent1"/>
                 </a:solidFill>
               </a14:hiddenFill>
             </a:ext>
             <a:ext uri="{91240B29-F687-4f45-9708-019B960494DF}">
-              <a14:hiddenLine xmlns="" xmlns:a14="http://schemas.microsoft.com/office/drawing/2010/main" w="9525">
+              <a14:hiddenLine xmlns:a14="http://schemas.microsoft.com/office/drawing/2010/main" xmlns="" w="9525">
                 <a:solidFill>
                   <a:schemeClr val="tx1"/>
                 </a:solidFill>
@@ -43828,7 +44433,7 @@
               </a14:hiddenLine>
             </a:ext>
             <a:ext uri="{AF507438-7753-43e0-B8FC-AC1667EBCBE1}">
-              <a14:hiddenEffects xmlns="" xmlns:a14="http://schemas.microsoft.com/office/drawing/2010/main">
+              <a14:hiddenEffects xmlns:a14="http://schemas.microsoft.com/office/drawing/2010/main" xmlns="">
                 <a:effectLst>
                   <a:outerShdw blurRad="63500" dist="38099" dir="2700000" algn="ctr" rotWithShape="0">
                     <a:schemeClr val="bg2">
@@ -43839,7 +44444,7 @@
               </a14:hiddenEffects>
             </a:ext>
             <a:ext uri="{FAA26D3D-D897-4be2-8F04-BA451C77F1D7}">
-              <ma14:placeholderFlag xmlns="" xmlns:ma14="http://schemas.microsoft.com/office/mac/drawingml/2011/main" val="1"/>
+              <ma14:placeholderFlag xmlns:ma14="http://schemas.microsoft.com/office/mac/drawingml/2011/main" xmlns="" val="1"/>
             </a:ext>
           </a:extLst>
         </p:spPr>
@@ -44028,14 +44633,14 @@
           <a:effectLst/>
           <a:extLst>
             <a:ext uri="{909E8E84-426E-40dd-AFC4-6F175D3DCCD1}">
-              <a14:hiddenFill xmlns="" xmlns:a14="http://schemas.microsoft.com/office/drawing/2010/main">
+              <a14:hiddenFill xmlns:a14="http://schemas.microsoft.com/office/drawing/2010/main" xmlns="">
                 <a:solidFill>
                   <a:schemeClr val="accent1"/>
                 </a:solidFill>
               </a14:hiddenFill>
             </a:ext>
             <a:ext uri="{91240B29-F687-4f45-9708-019B960494DF}">
-              <a14:hiddenLine xmlns="" xmlns:a14="http://schemas.microsoft.com/office/drawing/2010/main" w="9525">
+              <a14:hiddenLine xmlns:a14="http://schemas.microsoft.com/office/drawing/2010/main" xmlns="" w="9525">
                 <a:solidFill>
                   <a:schemeClr val="tx1"/>
                 </a:solidFill>
@@ -44045,7 +44650,7 @@
               </a14:hiddenLine>
             </a:ext>
             <a:ext uri="{AF507438-7753-43e0-B8FC-AC1667EBCBE1}">
-              <a14:hiddenEffects xmlns="" xmlns:a14="http://schemas.microsoft.com/office/drawing/2010/main">
+              <a14:hiddenEffects xmlns:a14="http://schemas.microsoft.com/office/drawing/2010/main" xmlns="">
                 <a:effectLst>
                   <a:outerShdw blurRad="63500" dist="38099" dir="2700000" algn="ctr" rotWithShape="0">
                     <a:schemeClr val="bg2">
@@ -44056,7 +44661,7 @@
               </a14:hiddenEffects>
             </a:ext>
             <a:ext uri="{FAA26D3D-D897-4be2-8F04-BA451C77F1D7}">
-              <ma14:placeholderFlag xmlns="" xmlns:ma14="http://schemas.microsoft.com/office/mac/drawingml/2011/main" val="1"/>
+              <ma14:placeholderFlag xmlns:ma14="http://schemas.microsoft.com/office/mac/drawingml/2011/main" xmlns="" val="1"/>
             </a:ext>
           </a:extLst>
         </p:spPr>
@@ -44279,14 +44884,14 @@
           <a:effectLst/>
           <a:extLst>
             <a:ext uri="{909E8E84-426E-40dd-AFC4-6F175D3DCCD1}">
-              <a14:hiddenFill xmlns="" xmlns:a14="http://schemas.microsoft.com/office/drawing/2010/main">
+              <a14:hiddenFill xmlns:a14="http://schemas.microsoft.com/office/drawing/2010/main" xmlns="">
                 <a:solidFill>
                   <a:schemeClr val="accent1"/>
                 </a:solidFill>
               </a14:hiddenFill>
             </a:ext>
             <a:ext uri="{91240B29-F687-4f45-9708-019B960494DF}">
-              <a14:hiddenLine xmlns="" xmlns:a14="http://schemas.microsoft.com/office/drawing/2010/main" w="9525">
+              <a14:hiddenLine xmlns:a14="http://schemas.microsoft.com/office/drawing/2010/main" xmlns="" w="9525">
                 <a:solidFill>
                   <a:schemeClr val="tx1"/>
                 </a:solidFill>
@@ -44296,7 +44901,7 @@
               </a14:hiddenLine>
             </a:ext>
             <a:ext uri="{AF507438-7753-43e0-B8FC-AC1667EBCBE1}">
-              <a14:hiddenEffects xmlns="" xmlns:a14="http://schemas.microsoft.com/office/drawing/2010/main">
+              <a14:hiddenEffects xmlns:a14="http://schemas.microsoft.com/office/drawing/2010/main" xmlns="">
                 <a:effectLst>
                   <a:outerShdw blurRad="63500" dist="38099" dir="2700000" algn="ctr" rotWithShape="0">
                     <a:schemeClr val="bg2">
@@ -44307,7 +44912,7 @@
               </a14:hiddenEffects>
             </a:ext>
             <a:ext uri="{FAA26D3D-D897-4be2-8F04-BA451C77F1D7}">
-              <ma14:placeholderFlag xmlns="" xmlns:ma14="http://schemas.microsoft.com/office/mac/drawingml/2011/main" val="1"/>
+              <ma14:placeholderFlag xmlns:ma14="http://schemas.microsoft.com/office/mac/drawingml/2011/main" xmlns="" val="1"/>
             </a:ext>
           </a:extLst>
         </p:spPr>
@@ -44520,7 +45125,7 @@
           <a:p>
             <a:fld id="{E4F9C820-4759-47F0-AB22-A5CE1F5A5EF6}" type="datetime1">
               <a:rPr lang="en-US" smtClean="0"/>
-              <a:t>12/5/2017</a:t>
+              <a:t>1/11/2018</a:t>
             </a:fld>
             <a:endParaRPr lang="en-US" dirty="0"/>
           </a:p>
@@ -45587,7 +46192,7 @@
           <a:p>
             <a:fld id="{577B252E-48AB-4A61-9922-816B9A78CAB9}" type="datetime1">
               <a:rPr lang="en-US" smtClean="0"/>
-              <a:t>12/5/2017</a:t>
+              <a:t>1/11/2018</a:t>
             </a:fld>
             <a:endParaRPr lang="en-US" dirty="0"/>
           </a:p>
